--- a/refactoring.pptx
+++ b/refactoring.pptx
@@ -5,10 +5,10 @@
     <p:sldMasterId id="2147483935" r:id="rId4"/>
   </p:sldMasterIdLst>
   <p:notesMasterIdLst>
-    <p:notesMasterId r:id="rId30"/>
+    <p:notesMasterId r:id="rId29"/>
   </p:notesMasterIdLst>
   <p:handoutMasterIdLst>
-    <p:handoutMasterId r:id="rId31"/>
+    <p:handoutMasterId r:id="rId30"/>
   </p:handoutMasterIdLst>
   <p:sldIdLst>
     <p:sldId id="626" r:id="rId5"/>
@@ -35,7 +35,6 @@
     <p:sldId id="631" r:id="rId26"/>
     <p:sldId id="632" r:id="rId27"/>
     <p:sldId id="571" r:id="rId28"/>
-    <p:sldId id="633" r:id="rId29"/>
   </p:sldIdLst>
   <p:sldSz cx="12188825" cy="6858000"/>
   <p:notesSz cx="7010400" cy="9296400"/>
@@ -279,7 +278,7 @@
           <a:p>
             <a:fld id="{0B842F42-2CE9-4E35-95C1-410DC08A50B1}" type="datetimeFigureOut">
               <a:rPr lang="en-US" smtClean="0"/>
-              <a:t>3/25/21</a:t>
+              <a:t>5/21/2021</a:t>
             </a:fld>
             <a:endParaRPr lang="en-US"/>
           </a:p>
@@ -444,7 +443,7 @@
           <a:p>
             <a:fld id="{6F282904-F315-4730-8D91-37D99E141A6F}" type="datetimeFigureOut">
               <a:rPr lang="en-US" smtClean="0"/>
-              <a:t>3/25/21</a:t>
+              <a:t>5/21/2021</a:t>
             </a:fld>
             <a:endParaRPr lang="en-US"/>
           </a:p>
@@ -5103,14 +5102,6 @@
   <p:clrMapOvr>
     <a:masterClrMapping/>
   </p:clrMapOvr>
-  <mc:AlternateContent xmlns:mc="http://schemas.openxmlformats.org/markup-compatibility/2006" xmlns:p14="http://schemas.microsoft.com/office/powerpoint/2010/main">
-    <mc:Choice Requires="p14">
-      <p:transition spd="slow" p14:dur="2000" advTm="32841"/>
-    </mc:Choice>
-    <mc:Fallback xmlns="">
-      <p:transition spd="slow" advTm="32841"/>
-    </mc:Fallback>
-  </mc:AlternateContent>
 </p:sld>
 </file>
 
@@ -5275,14 +5266,6 @@
   <p:clrMapOvr>
     <a:masterClrMapping/>
   </p:clrMapOvr>
-  <mc:AlternateContent xmlns:mc="http://schemas.openxmlformats.org/markup-compatibility/2006" xmlns:p14="http://schemas.microsoft.com/office/powerpoint/2010/main">
-    <mc:Choice Requires="p14">
-      <p:transition spd="slow" p14:dur="2000" advTm="204070"/>
-    </mc:Choice>
-    <mc:Fallback xmlns="">
-      <p:transition spd="slow" advTm="204070"/>
-    </mc:Fallback>
-  </mc:AlternateContent>
 </p:sld>
 </file>
 
@@ -5961,14 +5944,6 @@
   <p:clrMapOvr>
     <a:masterClrMapping/>
   </p:clrMapOvr>
-  <mc:AlternateContent xmlns:mc="http://schemas.openxmlformats.org/markup-compatibility/2006" xmlns:p14="http://schemas.microsoft.com/office/powerpoint/2010/main">
-    <mc:Choice Requires="p14">
-      <p:transition spd="slow" p14:dur="2000" advTm="79424"/>
-    </mc:Choice>
-    <mc:Fallback xmlns="">
-      <p:transition spd="slow" advTm="79424"/>
-    </mc:Fallback>
-  </mc:AlternateContent>
 </p:sld>
 </file>
 
@@ -6632,14 +6607,6 @@
   <p:clrMapOvr>
     <a:masterClrMapping/>
   </p:clrMapOvr>
-  <mc:AlternateContent xmlns:mc="http://schemas.openxmlformats.org/markup-compatibility/2006" xmlns:p14="http://schemas.microsoft.com/office/powerpoint/2010/main">
-    <mc:Choice Requires="p14">
-      <p:transition spd="slow" p14:dur="2000" advTm="21390"/>
-    </mc:Choice>
-    <mc:Fallback xmlns="">
-      <p:transition spd="slow" advTm="21390"/>
-    </mc:Fallback>
-  </mc:AlternateContent>
 </p:sld>
 </file>
 
@@ -7027,14 +6994,6 @@
   <p:clrMapOvr>
     <a:masterClrMapping/>
   </p:clrMapOvr>
-  <mc:AlternateContent xmlns:mc="http://schemas.openxmlformats.org/markup-compatibility/2006" xmlns:p14="http://schemas.microsoft.com/office/powerpoint/2010/main">
-    <mc:Choice Requires="p14">
-      <p:transition spd="slow" p14:dur="2000" advTm="48417"/>
-    </mc:Choice>
-    <mc:Fallback xmlns="">
-      <p:transition spd="slow" advTm="48417"/>
-    </mc:Fallback>
-  </mc:AlternateContent>
 </p:sld>
 </file>
 
@@ -7431,14 +7390,6 @@
   <p:clrMapOvr>
     <a:masterClrMapping/>
   </p:clrMapOvr>
-  <mc:AlternateContent xmlns:mc="http://schemas.openxmlformats.org/markup-compatibility/2006" xmlns:p14="http://schemas.microsoft.com/office/powerpoint/2010/main">
-    <mc:Choice Requires="p14">
-      <p:transition spd="slow" p14:dur="2000" advTm="5888"/>
-    </mc:Choice>
-    <mc:Fallback xmlns="">
-      <p:transition spd="slow" advTm="5888"/>
-    </mc:Fallback>
-  </mc:AlternateContent>
 </p:sld>
 </file>
 
@@ -7871,14 +7822,6 @@
   <p:clrMapOvr>
     <a:masterClrMapping/>
   </p:clrMapOvr>
-  <mc:AlternateContent xmlns:mc="http://schemas.openxmlformats.org/markup-compatibility/2006" xmlns:p14="http://schemas.microsoft.com/office/powerpoint/2010/main">
-    <mc:Choice Requires="p14">
-      <p:transition spd="slow" p14:dur="2000" advTm="88508"/>
-    </mc:Choice>
-    <mc:Fallback xmlns="">
-      <p:transition spd="slow" advTm="88508"/>
-    </mc:Fallback>
-  </mc:AlternateContent>
 </p:sld>
 </file>
 
@@ -8333,14 +8276,6 @@
   <p:clrMapOvr>
     <a:masterClrMapping/>
   </p:clrMapOvr>
-  <mc:AlternateContent xmlns:mc="http://schemas.openxmlformats.org/markup-compatibility/2006" xmlns:p14="http://schemas.microsoft.com/office/powerpoint/2010/main">
-    <mc:Choice Requires="p14">
-      <p:transition spd="slow" p14:dur="2000" advTm="19616"/>
-    </mc:Choice>
-    <mc:Fallback xmlns="">
-      <p:transition spd="slow" advTm="19616"/>
-    </mc:Fallback>
-  </mc:AlternateContent>
 </p:sld>
 </file>
 
@@ -8767,14 +8702,6 @@
   <p:clrMapOvr>
     <a:masterClrMapping/>
   </p:clrMapOvr>
-  <mc:AlternateContent xmlns:mc="http://schemas.openxmlformats.org/markup-compatibility/2006" xmlns:p14="http://schemas.microsoft.com/office/powerpoint/2010/main">
-    <mc:Choice Requires="p14">
-      <p:transition spd="slow" p14:dur="2000" advTm="40675"/>
-    </mc:Choice>
-    <mc:Fallback xmlns="">
-      <p:transition spd="slow" advTm="40675"/>
-    </mc:Fallback>
-  </mc:AlternateContent>
 </p:sld>
 </file>
 
@@ -9056,14 +8983,14 @@
   <p:clrMapOvr>
     <a:masterClrMapping/>
   </p:clrMapOvr>
-  <mc:AlternateContent xmlns:mc="http://schemas.openxmlformats.org/markup-compatibility/2006" xmlns:p14="http://schemas.microsoft.com/office/powerpoint/2010/main">
-    <mc:Choice Requires="p14">
-      <p:transition p14:dur="250" advTm="111298">
+  <mc:AlternateContent xmlns:mc="http://schemas.openxmlformats.org/markup-compatibility/2006">
+    <mc:Choice xmlns:p14="http://schemas.microsoft.com/office/powerpoint/2010/main" Requires="p14">
+      <p:transition p14:dur="250">
         <p:fade/>
       </p:transition>
     </mc:Choice>
-    <mc:Fallback xmlns="">
-      <p:transition advTm="111298">
+    <mc:Fallback>
+      <p:transition>
         <p:fade/>
       </p:transition>
     </mc:Fallback>
@@ -9460,14 +9387,14 @@
   <p:clrMapOvr>
     <a:masterClrMapping/>
   </p:clrMapOvr>
-  <mc:AlternateContent xmlns:mc="http://schemas.openxmlformats.org/markup-compatibility/2006" xmlns:p14="http://schemas.microsoft.com/office/powerpoint/2010/main">
-    <mc:Choice Requires="p14">
-      <p:transition p14:dur="250" advTm="99618">
+  <mc:AlternateContent xmlns:mc="http://schemas.openxmlformats.org/markup-compatibility/2006">
+    <mc:Choice xmlns:p14="http://schemas.microsoft.com/office/powerpoint/2010/main" Requires="p14">
+      <p:transition p14:dur="250">
         <p:fade/>
       </p:transition>
     </mc:Choice>
-    <mc:Fallback xmlns="">
-      <p:transition advTm="99618">
+    <mc:Fallback>
+      <p:transition>
         <p:fade/>
       </p:transition>
     </mc:Fallback>
@@ -9951,14 +9878,14 @@
   <p:clrMapOvr>
     <a:masterClrMapping/>
   </p:clrMapOvr>
-  <mc:AlternateContent xmlns:mc="http://schemas.openxmlformats.org/markup-compatibility/2006" xmlns:p14="http://schemas.microsoft.com/office/powerpoint/2010/main">
-    <mc:Choice Requires="p14">
-      <p:transition p14:dur="250" advTm="99618">
+  <mc:AlternateContent xmlns:mc="http://schemas.openxmlformats.org/markup-compatibility/2006">
+    <mc:Choice xmlns:p14="http://schemas.microsoft.com/office/powerpoint/2010/main" Requires="p14">
+      <p:transition p14:dur="250">
         <p:fade/>
       </p:transition>
     </mc:Choice>
-    <mc:Fallback xmlns="">
-      <p:transition advTm="99618">
+    <mc:Fallback>
+      <p:transition>
         <p:fade/>
       </p:transition>
     </mc:Fallback>
@@ -10101,14 +10028,14 @@
   <p:clrMapOvr>
     <a:masterClrMapping/>
   </p:clrMapOvr>
-  <mc:AlternateContent xmlns:mc="http://schemas.openxmlformats.org/markup-compatibility/2006" xmlns:p14="http://schemas.microsoft.com/office/powerpoint/2010/main">
-    <mc:Choice Requires="p14">
-      <p:transition p14:dur="250" advTm="99618">
+  <mc:AlternateContent xmlns:mc="http://schemas.openxmlformats.org/markup-compatibility/2006">
+    <mc:Choice xmlns:p14="http://schemas.microsoft.com/office/powerpoint/2010/main" Requires="p14">
+      <p:transition p14:dur="250">
         <p:fade/>
       </p:transition>
     </mc:Choice>
-    <mc:Fallback xmlns="">
-      <p:transition advTm="99618">
+    <mc:Fallback>
+      <p:transition>
         <p:fade/>
       </p:transition>
     </mc:Fallback>
@@ -10251,14 +10178,14 @@
   <p:clrMapOvr>
     <a:masterClrMapping/>
   </p:clrMapOvr>
-  <mc:AlternateContent xmlns:mc="http://schemas.openxmlformats.org/markup-compatibility/2006" xmlns:p14="http://schemas.microsoft.com/office/powerpoint/2010/main">
-    <mc:Choice Requires="p14">
-      <p:transition p14:dur="250" advTm="99618">
+  <mc:AlternateContent xmlns:mc="http://schemas.openxmlformats.org/markup-compatibility/2006">
+    <mc:Choice xmlns:p14="http://schemas.microsoft.com/office/powerpoint/2010/main" Requires="p14">
+      <p:transition p14:dur="250">
         <p:fade/>
       </p:transition>
     </mc:Choice>
-    <mc:Fallback xmlns="">
-      <p:transition advTm="99618">
+    <mc:Fallback>
+      <p:transition>
         <p:fade/>
       </p:transition>
     </mc:Fallback>
@@ -10345,14 +10272,14 @@
   <p:clrMapOvr>
     <a:masterClrMapping/>
   </p:clrMapOvr>
-  <mc:AlternateContent xmlns:mc="http://schemas.openxmlformats.org/markup-compatibility/2006" xmlns:p14="http://schemas.microsoft.com/office/powerpoint/2010/main">
-    <mc:Choice Requires="p14">
-      <p:transition p14:dur="250" advTm="99618">
+  <mc:AlternateContent xmlns:mc="http://schemas.openxmlformats.org/markup-compatibility/2006">
+    <mc:Choice xmlns:p14="http://schemas.microsoft.com/office/powerpoint/2010/main" Requires="p14">
+      <p:transition p14:dur="250">
         <p:fade/>
       </p:transition>
     </mc:Choice>
-    <mc:Fallback xmlns="">
-      <p:transition advTm="99618">
+    <mc:Fallback>
+      <p:transition>
         <p:fade/>
       </p:transition>
     </mc:Fallback>
@@ -10497,1624 +10424,18 @@
   <p:clrMapOvr>
     <a:masterClrMapping/>
   </p:clrMapOvr>
-  <mc:AlternateContent xmlns:mc="http://schemas.openxmlformats.org/markup-compatibility/2006" xmlns:p14="http://schemas.microsoft.com/office/powerpoint/2010/main">
-    <mc:Choice Requires="p14">
-      <p:transition p14:dur="250" advTm="93075">
+  <mc:AlternateContent xmlns:mc="http://schemas.openxmlformats.org/markup-compatibility/2006">
+    <mc:Choice xmlns:p14="http://schemas.microsoft.com/office/powerpoint/2010/main" Requires="p14">
+      <p:transition p14:dur="250">
         <p:fade/>
       </p:transition>
     </mc:Choice>
-    <mc:Fallback xmlns="">
-      <p:transition advTm="93075">
+    <mc:Fallback>
+      <p:transition>
         <p:fade/>
       </p:transition>
     </mc:Fallback>
   </mc:AlternateContent>
-</p:sld>
-</file>
-
-<file path=ppt/slides/slide25.xml><?xml version="1.0" encoding="utf-8"?>
-<p:sld xmlns:a="http://schemas.openxmlformats.org/drawingml/2006/main" xmlns:r="http://schemas.openxmlformats.org/officeDocument/2006/relationships" xmlns:p="http://schemas.openxmlformats.org/presentationml/2006/main">
-  <p:cSld>
-    <p:spTree>
-      <p:nvGrpSpPr>
-        <p:cNvPr id="1" name=""/>
-        <p:cNvGrpSpPr/>
-        <p:nvPr/>
-      </p:nvGrpSpPr>
-      <p:grpSpPr>
-        <a:xfrm>
-          <a:off x="0" y="0"/>
-          <a:ext cx="0" cy="0"/>
-          <a:chOff x="0" y="0"/>
-          <a:chExt cx="0" cy="0"/>
-        </a:xfrm>
-      </p:grpSpPr>
-      <p:sp>
-        <p:nvSpPr>
-          <p:cNvPr id="2" name="Title 1">
-            <a:extLst>
-              <a:ext uri="{FF2B5EF4-FFF2-40B4-BE49-F238E27FC236}">
-                <a16:creationId xmlns:a16="http://schemas.microsoft.com/office/drawing/2014/main" id="{2D652AD8-340F-4E8B-B0C4-7ABAA20B6F6A}"/>
-              </a:ext>
-            </a:extLst>
-          </p:cNvPr>
-          <p:cNvSpPr>
-            <a:spLocks noGrp="1"/>
-          </p:cNvSpPr>
-          <p:nvPr>
-            <p:ph type="title"/>
-          </p:nvPr>
-        </p:nvSpPr>
-        <p:spPr/>
-        <p:txBody>
-          <a:bodyPr/>
-          <a:lstStyle/>
-          <a:p>
-            <a:r>
-              <a:rPr lang="en-US" dirty="0"/>
-              <a:t>Agenda</a:t>
-            </a:r>
-          </a:p>
-        </p:txBody>
-      </p:sp>
-      <p:graphicFrame>
-        <p:nvGraphicFramePr>
-          <p:cNvPr id="4" name="Content Placeholder 3">
-            <a:extLst>
-              <a:ext uri="{FF2B5EF4-FFF2-40B4-BE49-F238E27FC236}">
-                <a16:creationId xmlns:a16="http://schemas.microsoft.com/office/drawing/2014/main" id="{A0943BB2-2F98-4DD2-873B-1E619A0C771D}"/>
-              </a:ext>
-            </a:extLst>
-          </p:cNvPr>
-          <p:cNvGraphicFramePr>
-            <a:graphicFrameLocks noGrp="1"/>
-          </p:cNvGraphicFramePr>
-          <p:nvPr>
-            <p:ph idx="1"/>
-          </p:nvPr>
-        </p:nvGraphicFramePr>
-        <p:xfrm>
-          <a:off x="1055369" y="916940"/>
-          <a:ext cx="10078086" cy="5024120"/>
-        </p:xfrm>
-        <a:graphic>
-          <a:graphicData uri="http://schemas.openxmlformats.org/drawingml/2006/table">
-            <a:tbl>
-              <a:tblPr firstRow="1" bandRow="1">
-                <a:tableStyleId>{5C22544A-7EE6-4342-B048-85BDC9FD1C3A}</a:tableStyleId>
-              </a:tblPr>
-              <a:tblGrid>
-                <a:gridCol w="1826183">
-                  <a:extLst>
-                    <a:ext uri="{9D8B030D-6E8A-4147-A177-3AD203B41FA5}">
-                      <a16:colId xmlns:a16="http://schemas.microsoft.com/office/drawing/2014/main" val="3446576009"/>
-                    </a:ext>
-                  </a:extLst>
-                </a:gridCol>
-                <a:gridCol w="1003610">
-                  <a:extLst>
-                    <a:ext uri="{9D8B030D-6E8A-4147-A177-3AD203B41FA5}">
-                      <a16:colId xmlns:a16="http://schemas.microsoft.com/office/drawing/2014/main" val="339314737"/>
-                    </a:ext>
-                  </a:extLst>
-                </a:gridCol>
-                <a:gridCol w="4293220">
-                  <a:extLst>
-                    <a:ext uri="{9D8B030D-6E8A-4147-A177-3AD203B41FA5}">
-                      <a16:colId xmlns:a16="http://schemas.microsoft.com/office/drawing/2014/main" val="1263998808"/>
-                    </a:ext>
-                  </a:extLst>
-                </a:gridCol>
-                <a:gridCol w="2955073">
-                  <a:extLst>
-                    <a:ext uri="{9D8B030D-6E8A-4147-A177-3AD203B41FA5}">
-                      <a16:colId xmlns:a16="http://schemas.microsoft.com/office/drawing/2014/main" val="4097899022"/>
-                    </a:ext>
-                  </a:extLst>
-                </a:gridCol>
-              </a:tblGrid>
-              <a:tr h="370840">
-                <a:tc>
-                  <a:txBody>
-                    <a:bodyPr/>
-                    <a:lstStyle/>
-                    <a:p>
-                      <a:pPr algn="l">
-                        <a:lnSpc>
-                          <a:spcPct val="100000"/>
-                        </a:lnSpc>
-                      </a:pPr>
-                      <a:r>
-                        <a:rPr lang="en-US" sz="1800" dirty="0">
-                          <a:latin typeface="+mn-lt"/>
-                        </a:rPr>
-                        <a:t>Time (MDT)</a:t>
-                      </a:r>
-                    </a:p>
-                  </a:txBody>
-                  <a:tcPr/>
-                </a:tc>
-                <a:tc>
-                  <a:txBody>
-                    <a:bodyPr/>
-                    <a:lstStyle/>
-                    <a:p>
-                      <a:pPr>
-                        <a:lnSpc>
-                          <a:spcPct val="100000"/>
-                        </a:lnSpc>
-                      </a:pPr>
-                      <a:r>
-                        <a:rPr lang="en-US" sz="1800" dirty="0">
-                          <a:latin typeface="+mn-lt"/>
-                        </a:rPr>
-                        <a:t>Module</a:t>
-                      </a:r>
-                    </a:p>
-                  </a:txBody>
-                  <a:tcPr/>
-                </a:tc>
-                <a:tc>
-                  <a:txBody>
-                    <a:bodyPr/>
-                    <a:lstStyle/>
-                    <a:p>
-                      <a:pPr>
-                        <a:lnSpc>
-                          <a:spcPct val="100000"/>
-                        </a:lnSpc>
-                      </a:pPr>
-                      <a:r>
-                        <a:rPr lang="en-US" sz="1800" dirty="0">
-                          <a:latin typeface="+mn-lt"/>
-                        </a:rPr>
-                        <a:t>Topic</a:t>
-                      </a:r>
-                    </a:p>
-                  </a:txBody>
-                  <a:tcPr/>
-                </a:tc>
-                <a:tc>
-                  <a:txBody>
-                    <a:bodyPr/>
-                    <a:lstStyle/>
-                    <a:p>
-                      <a:pPr>
-                        <a:lnSpc>
-                          <a:spcPct val="100000"/>
-                        </a:lnSpc>
-                      </a:pPr>
-                      <a:r>
-                        <a:rPr lang="en-US" sz="1800" dirty="0">
-                          <a:latin typeface="+mn-lt"/>
-                        </a:rPr>
-                        <a:t>Speaker</a:t>
-                      </a:r>
-                    </a:p>
-                  </a:txBody>
-                  <a:tcPr/>
-                </a:tc>
-                <a:extLst>
-                  <a:ext uri="{0D108BD9-81ED-4DB2-BD59-A6C34878D82A}">
-                    <a16:rowId xmlns:a16="http://schemas.microsoft.com/office/drawing/2014/main" val="3602420430"/>
-                  </a:ext>
-                </a:extLst>
-              </a:tr>
-              <a:tr h="370840">
-                <a:tc>
-                  <a:txBody>
-                    <a:bodyPr/>
-                    <a:lstStyle/>
-                    <a:p>
-                      <a:pPr rtl="0" fontAlgn="t">
-                        <a:spcBef>
-                          <a:spcPts val="0"/>
-                        </a:spcBef>
-                        <a:spcAft>
-                          <a:spcPts val="0"/>
-                        </a:spcAft>
-                      </a:pPr>
-                      <a:r>
-                        <a:rPr lang="en-US" sz="1800" b="0" i="0" u="none" strike="noStrike" dirty="0">
-                          <a:solidFill>
-                            <a:srgbClr val="000000"/>
-                          </a:solidFill>
-                          <a:effectLst/>
-                          <a:latin typeface="+mn-lt"/>
-                        </a:rPr>
-                        <a:t>1:00pm-1:05pm</a:t>
-                      </a:r>
-                      <a:endParaRPr lang="en-US" sz="1800" dirty="0">
-                        <a:effectLst/>
-                        <a:latin typeface="+mn-lt"/>
-                      </a:endParaRPr>
-                    </a:p>
-                  </a:txBody>
-                  <a:tcPr marL="63500" marR="63500" marT="63500" marB="63500"/>
-                </a:tc>
-                <a:tc>
-                  <a:txBody>
-                    <a:bodyPr/>
-                    <a:lstStyle/>
-                    <a:p>
-                      <a:pPr>
-                        <a:lnSpc>
-                          <a:spcPct val="100000"/>
-                        </a:lnSpc>
-                      </a:pPr>
-                      <a:r>
-                        <a:rPr lang="en-US" sz="1800" dirty="0">
-                          <a:latin typeface="+mn-lt"/>
-                        </a:rPr>
-                        <a:t>00</a:t>
-                      </a:r>
-                    </a:p>
-                  </a:txBody>
-                  <a:tcPr/>
-                </a:tc>
-                <a:tc>
-                  <a:txBody>
-                    <a:bodyPr/>
-                    <a:lstStyle/>
-                    <a:p>
-                      <a:pPr>
-                        <a:lnSpc>
-                          <a:spcPct val="100000"/>
-                        </a:lnSpc>
-                      </a:pPr>
-                      <a:r>
-                        <a:rPr lang="en-US" sz="1800" b="0" i="0" u="none" strike="noStrike" kern="1200" dirty="0">
-                          <a:solidFill>
-                            <a:schemeClr val="dk1"/>
-                          </a:solidFill>
-                          <a:effectLst/>
-                          <a:latin typeface="+mn-lt"/>
-                          <a:ea typeface="+mn-ea"/>
-                          <a:cs typeface="+mn-cs"/>
-                        </a:rPr>
-                        <a:t>Introduction</a:t>
-                      </a:r>
-                      <a:endParaRPr lang="en-US" sz="1800" dirty="0">
-                        <a:latin typeface="+mn-lt"/>
-                      </a:endParaRPr>
-                    </a:p>
-                  </a:txBody>
-                  <a:tcPr/>
-                </a:tc>
-                <a:tc>
-                  <a:txBody>
-                    <a:bodyPr/>
-                    <a:lstStyle/>
-                    <a:p>
-                      <a:pPr>
-                        <a:lnSpc>
-                          <a:spcPct val="100000"/>
-                        </a:lnSpc>
-                      </a:pPr>
-                      <a:r>
-                        <a:rPr lang="en-US" sz="1800" dirty="0">
-                          <a:latin typeface="+mn-lt"/>
-                        </a:rPr>
-                        <a:t>David E. Bernholdt, ORNL</a:t>
-                      </a:r>
-                    </a:p>
-                  </a:txBody>
-                  <a:tcPr/>
-                </a:tc>
-                <a:extLst>
-                  <a:ext uri="{0D108BD9-81ED-4DB2-BD59-A6C34878D82A}">
-                    <a16:rowId xmlns:a16="http://schemas.microsoft.com/office/drawing/2014/main" val="4236476034"/>
-                  </a:ext>
-                </a:extLst>
-              </a:tr>
-              <a:tr h="370840">
-                <a:tc>
-                  <a:txBody>
-                    <a:bodyPr/>
-                    <a:lstStyle/>
-                    <a:p>
-                      <a:pPr rtl="0" fontAlgn="t">
-                        <a:spcBef>
-                          <a:spcPts val="0"/>
-                        </a:spcBef>
-                        <a:spcAft>
-                          <a:spcPts val="0"/>
-                        </a:spcAft>
-                      </a:pPr>
-                      <a:r>
-                        <a:rPr lang="en-US" sz="1800" b="0" i="0" u="none" strike="noStrike" dirty="0">
-                          <a:solidFill>
-                            <a:srgbClr val="000000"/>
-                          </a:solidFill>
-                          <a:effectLst/>
-                          <a:latin typeface="+mn-lt"/>
-                        </a:rPr>
-                        <a:t>1:05pm-1:15pm</a:t>
-                      </a:r>
-                      <a:endParaRPr lang="en-US" sz="1800" dirty="0">
-                        <a:effectLst/>
-                        <a:latin typeface="+mn-lt"/>
-                      </a:endParaRPr>
-                    </a:p>
-                  </a:txBody>
-                  <a:tcPr marL="63500" marR="63500" marT="63500" marB="63500"/>
-                </a:tc>
-                <a:tc>
-                  <a:txBody>
-                    <a:bodyPr/>
-                    <a:lstStyle/>
-                    <a:p>
-                      <a:pPr marL="0" marR="0" lvl="0" indent="0" algn="l" defTabSz="914400" rtl="0" eaLnBrk="1" fontAlgn="auto" latinLnBrk="0" hangingPunct="1">
-                        <a:lnSpc>
-                          <a:spcPct val="100000"/>
-                        </a:lnSpc>
-                        <a:spcBef>
-                          <a:spcPts val="0"/>
-                        </a:spcBef>
-                        <a:spcAft>
-                          <a:spcPts val="0"/>
-                        </a:spcAft>
-                        <a:buClrTx/>
-                        <a:buSzTx/>
-                        <a:buFontTx/>
-                        <a:buNone/>
-                        <a:tabLst/>
-                        <a:defRPr/>
-                      </a:pPr>
-                      <a:r>
-                        <a:rPr lang="en-US" sz="1800" dirty="0">
-                          <a:latin typeface="+mn-lt"/>
-                        </a:rPr>
-                        <a:t>01</a:t>
-                      </a:r>
-                    </a:p>
-                  </a:txBody>
-                  <a:tcPr/>
-                </a:tc>
-                <a:tc>
-                  <a:txBody>
-                    <a:bodyPr/>
-                    <a:lstStyle/>
-                    <a:p>
-                      <a:pPr marL="0" marR="0" lvl="0" indent="0" algn="l" defTabSz="914400" rtl="0" eaLnBrk="1" fontAlgn="auto" latinLnBrk="0" hangingPunct="1">
-                        <a:lnSpc>
-                          <a:spcPct val="100000"/>
-                        </a:lnSpc>
-                        <a:spcBef>
-                          <a:spcPts val="0"/>
-                        </a:spcBef>
-                        <a:spcAft>
-                          <a:spcPts val="0"/>
-                        </a:spcAft>
-                        <a:buClrTx/>
-                        <a:buSzTx/>
-                        <a:buFontTx/>
-                        <a:buNone/>
-                        <a:tabLst/>
-                        <a:defRPr/>
-                      </a:pPr>
-                      <a:r>
-                        <a:rPr lang="en-US" sz="1800" b="0" i="0" u="none" strike="noStrike" kern="1200" dirty="0">
-                          <a:solidFill>
-                            <a:schemeClr val="dk1"/>
-                          </a:solidFill>
-                          <a:effectLst/>
-                          <a:latin typeface="+mn-lt"/>
-                          <a:ea typeface="+mn-ea"/>
-                          <a:cs typeface="+mn-cs"/>
-                        </a:rPr>
-                        <a:t>Motivation and Overview of Best Practices in HPC Software Development</a:t>
-                      </a:r>
-                      <a:endParaRPr lang="en-US" sz="1800" dirty="0">
-                        <a:latin typeface="+mn-lt"/>
-                      </a:endParaRPr>
-                    </a:p>
-                  </a:txBody>
-                  <a:tcPr/>
-                </a:tc>
-                <a:tc>
-                  <a:txBody>
-                    <a:bodyPr/>
-                    <a:lstStyle/>
-                    <a:p>
-                      <a:pPr marL="0" marR="0" lvl="0" indent="0" algn="l" defTabSz="914400" rtl="0" eaLnBrk="1" fontAlgn="auto" latinLnBrk="0" hangingPunct="1">
-                        <a:lnSpc>
-                          <a:spcPct val="100000"/>
-                        </a:lnSpc>
-                        <a:spcBef>
-                          <a:spcPts val="0"/>
-                        </a:spcBef>
-                        <a:spcAft>
-                          <a:spcPts val="0"/>
-                        </a:spcAft>
-                        <a:buClrTx/>
-                        <a:buSzTx/>
-                        <a:buFontTx/>
-                        <a:buNone/>
-                        <a:tabLst/>
-                        <a:defRPr/>
-                      </a:pPr>
-                      <a:r>
-                        <a:rPr lang="en-US" sz="1800" dirty="0">
-                          <a:latin typeface="+mn-lt"/>
-                        </a:rPr>
-                        <a:t>David E. Bernholdt, ORNL</a:t>
-                      </a:r>
-                    </a:p>
-                  </a:txBody>
-                  <a:tcPr/>
-                </a:tc>
-                <a:extLst>
-                  <a:ext uri="{0D108BD9-81ED-4DB2-BD59-A6C34878D82A}">
-                    <a16:rowId xmlns:a16="http://schemas.microsoft.com/office/drawing/2014/main" val="18592124"/>
-                  </a:ext>
-                </a:extLst>
-              </a:tr>
-              <a:tr h="370840">
-                <a:tc>
-                  <a:txBody>
-                    <a:bodyPr/>
-                    <a:lstStyle/>
-                    <a:p>
-                      <a:pPr rtl="0" fontAlgn="t">
-                        <a:spcBef>
-                          <a:spcPts val="0"/>
-                        </a:spcBef>
-                        <a:spcAft>
-                          <a:spcPts val="0"/>
-                        </a:spcAft>
-                      </a:pPr>
-                      <a:r>
-                        <a:rPr lang="en-US" sz="1800" b="0" i="0" u="none" strike="noStrike" dirty="0">
-                          <a:solidFill>
-                            <a:srgbClr val="000000"/>
-                          </a:solidFill>
-                          <a:effectLst/>
-                          <a:latin typeface="+mn-lt"/>
-                        </a:rPr>
-                        <a:t>1:15pm-1:45pm</a:t>
-                      </a:r>
-                      <a:endParaRPr lang="en-US" sz="1800" dirty="0">
-                        <a:effectLst/>
-                        <a:latin typeface="+mn-lt"/>
-                      </a:endParaRPr>
-                    </a:p>
-                  </a:txBody>
-                  <a:tcPr marL="63500" marR="63500" marT="63500" marB="63500"/>
-                </a:tc>
-                <a:tc>
-                  <a:txBody>
-                    <a:bodyPr/>
-                    <a:lstStyle/>
-                    <a:p>
-                      <a:pPr>
-                        <a:lnSpc>
-                          <a:spcPct val="100000"/>
-                        </a:lnSpc>
-                      </a:pPr>
-                      <a:r>
-                        <a:rPr lang="en-US" sz="1800" dirty="0">
-                          <a:latin typeface="+mn-lt"/>
-                        </a:rPr>
-                        <a:t>02</a:t>
-                      </a:r>
-                    </a:p>
-                  </a:txBody>
-                  <a:tcPr/>
-                </a:tc>
-                <a:tc>
-                  <a:txBody>
-                    <a:bodyPr/>
-                    <a:lstStyle/>
-                    <a:p>
-                      <a:pPr>
-                        <a:lnSpc>
-                          <a:spcPct val="100000"/>
-                        </a:lnSpc>
-                      </a:pPr>
-                      <a:r>
-                        <a:rPr lang="en-US" sz="1800" dirty="0">
-                          <a:latin typeface="+mn-lt"/>
-                        </a:rPr>
-                        <a:t>Agile Methodologies</a:t>
-                      </a:r>
-                    </a:p>
-                  </a:txBody>
-                  <a:tcPr/>
-                </a:tc>
-                <a:tc>
-                  <a:txBody>
-                    <a:bodyPr/>
-                    <a:lstStyle/>
-                    <a:p>
-                      <a:pPr>
-                        <a:lnSpc>
-                          <a:spcPct val="100000"/>
-                        </a:lnSpc>
-                      </a:pPr>
-                      <a:r>
-                        <a:rPr lang="en-US" sz="1800" dirty="0">
-                          <a:latin typeface="+mn-lt"/>
-                        </a:rPr>
-                        <a:t>Rinku K. Gupta, ANL</a:t>
-                      </a:r>
-                    </a:p>
-                  </a:txBody>
-                  <a:tcPr/>
-                </a:tc>
-                <a:extLst>
-                  <a:ext uri="{0D108BD9-81ED-4DB2-BD59-A6C34878D82A}">
-                    <a16:rowId xmlns:a16="http://schemas.microsoft.com/office/drawing/2014/main" val="3991164013"/>
-                  </a:ext>
-                </a:extLst>
-              </a:tr>
-              <a:tr h="370840">
-                <a:tc>
-                  <a:txBody>
-                    <a:bodyPr/>
-                    <a:lstStyle/>
-                    <a:p>
-                      <a:pPr rtl="0" fontAlgn="t">
-                        <a:spcBef>
-                          <a:spcPts val="0"/>
-                        </a:spcBef>
-                        <a:spcAft>
-                          <a:spcPts val="0"/>
-                        </a:spcAft>
-                      </a:pPr>
-                      <a:r>
-                        <a:rPr lang="en-US" sz="1800" dirty="0">
-                          <a:effectLst/>
-                          <a:latin typeface="+mn-lt"/>
-                        </a:rPr>
-                        <a:t>1:45pm-2:00pm</a:t>
-                      </a:r>
-                    </a:p>
-                  </a:txBody>
-                  <a:tcPr marL="63500" marR="63500" marT="63500" marB="63500"/>
-                </a:tc>
-                <a:tc>
-                  <a:txBody>
-                    <a:bodyPr/>
-                    <a:lstStyle/>
-                    <a:p>
-                      <a:pPr>
-                        <a:lnSpc>
-                          <a:spcPct val="100000"/>
-                        </a:lnSpc>
-                      </a:pPr>
-                      <a:r>
-                        <a:rPr lang="en-US" sz="1800" i="0" dirty="0">
-                          <a:solidFill>
-                            <a:schemeClr val="tx1"/>
-                          </a:solidFill>
-                          <a:latin typeface="+mn-lt"/>
-                        </a:rPr>
-                        <a:t>03</a:t>
-                      </a:r>
-                    </a:p>
-                  </a:txBody>
-                  <a:tcPr/>
-                </a:tc>
-                <a:tc>
-                  <a:txBody>
-                    <a:bodyPr/>
-                    <a:lstStyle/>
-                    <a:p>
-                      <a:pPr marL="0" marR="0" lvl="0" indent="0" algn="l" defTabSz="914400" rtl="0" eaLnBrk="1" fontAlgn="auto" latinLnBrk="0" hangingPunct="1">
-                        <a:lnSpc>
-                          <a:spcPct val="100000"/>
-                        </a:lnSpc>
-                        <a:spcBef>
-                          <a:spcPts val="0"/>
-                        </a:spcBef>
-                        <a:spcAft>
-                          <a:spcPts val="0"/>
-                        </a:spcAft>
-                        <a:buClrTx/>
-                        <a:buSzTx/>
-                        <a:buFontTx/>
-                        <a:buNone/>
-                        <a:tabLst/>
-                        <a:defRPr/>
-                      </a:pPr>
-                      <a:r>
-                        <a:rPr lang="en-US" sz="1800" b="0" i="0" u="none" strike="noStrike" kern="1200" dirty="0">
-                          <a:solidFill>
-                            <a:schemeClr val="dk1"/>
-                          </a:solidFill>
-                          <a:effectLst/>
-                          <a:latin typeface="+mn-lt"/>
-                          <a:ea typeface="+mn-ea"/>
-                          <a:cs typeface="+mn-cs"/>
-                        </a:rPr>
-                        <a:t>Git Workflows</a:t>
-                      </a:r>
-                      <a:endParaRPr lang="en-US" sz="1800" dirty="0">
-                        <a:latin typeface="+mn-lt"/>
-                      </a:endParaRPr>
-                    </a:p>
-                  </a:txBody>
-                  <a:tcPr/>
-                </a:tc>
-                <a:tc>
-                  <a:txBody>
-                    <a:bodyPr/>
-                    <a:lstStyle/>
-                    <a:p>
-                      <a:pPr>
-                        <a:lnSpc>
-                          <a:spcPct val="100000"/>
-                        </a:lnSpc>
-                      </a:pPr>
-                      <a:r>
-                        <a:rPr lang="en-US" sz="1800" dirty="0">
-                          <a:latin typeface="+mn-lt"/>
-                        </a:rPr>
-                        <a:t>Rinku K. Gupta, ANL</a:t>
-                      </a:r>
-                    </a:p>
-                  </a:txBody>
-                  <a:tcPr/>
-                </a:tc>
-                <a:extLst>
-                  <a:ext uri="{0D108BD9-81ED-4DB2-BD59-A6C34878D82A}">
-                    <a16:rowId xmlns:a16="http://schemas.microsoft.com/office/drawing/2014/main" val="1350023114"/>
-                  </a:ext>
-                </a:extLst>
-              </a:tr>
-              <a:tr h="370840">
-                <a:tc>
-                  <a:txBody>
-                    <a:bodyPr/>
-                    <a:lstStyle/>
-                    <a:p>
-                      <a:pPr rtl="0" fontAlgn="t">
-                        <a:spcBef>
-                          <a:spcPts val="0"/>
-                        </a:spcBef>
-                        <a:spcAft>
-                          <a:spcPts val="0"/>
-                        </a:spcAft>
-                      </a:pPr>
-                      <a:r>
-                        <a:rPr lang="en-US" sz="1800" b="0" i="0" u="none" strike="noStrike" dirty="0">
-                          <a:solidFill>
-                            <a:schemeClr val="tx1"/>
-                          </a:solidFill>
-                          <a:effectLst/>
-                          <a:latin typeface="+mn-lt"/>
-                        </a:rPr>
-                        <a:t>2:00pm-2:20pm</a:t>
-                      </a:r>
-                      <a:endParaRPr lang="en-US" sz="1800" i="0" dirty="0">
-                        <a:solidFill>
-                          <a:schemeClr val="tx1"/>
-                        </a:solidFill>
-                        <a:effectLst/>
-                        <a:latin typeface="+mn-lt"/>
-                      </a:endParaRPr>
-                    </a:p>
-                  </a:txBody>
-                  <a:tcPr marL="63500" marR="63500" marT="63500" marB="63500"/>
-                </a:tc>
-                <a:tc>
-                  <a:txBody>
-                    <a:bodyPr/>
-                    <a:lstStyle/>
-                    <a:p>
-                      <a:pPr>
-                        <a:lnSpc>
-                          <a:spcPct val="100000"/>
-                        </a:lnSpc>
-                      </a:pPr>
-                      <a:r>
-                        <a:rPr lang="en-US" sz="1800" i="0" dirty="0">
-                          <a:solidFill>
-                            <a:schemeClr val="tx1"/>
-                          </a:solidFill>
-                          <a:latin typeface="+mn-lt"/>
-                        </a:rPr>
-                        <a:t>04</a:t>
-                      </a:r>
-                    </a:p>
-                  </a:txBody>
-                  <a:tcPr/>
-                </a:tc>
-                <a:tc>
-                  <a:txBody>
-                    <a:bodyPr/>
-                    <a:lstStyle/>
-                    <a:p>
-                      <a:pPr marL="0" marR="0" lvl="0" indent="0" algn="l" defTabSz="914400" rtl="0" eaLnBrk="1" fontAlgn="auto" latinLnBrk="0" hangingPunct="1">
-                        <a:lnSpc>
-                          <a:spcPct val="100000"/>
-                        </a:lnSpc>
-                        <a:spcBef>
-                          <a:spcPts val="0"/>
-                        </a:spcBef>
-                        <a:spcAft>
-                          <a:spcPts val="0"/>
-                        </a:spcAft>
-                        <a:buClrTx/>
-                        <a:buSzTx/>
-                        <a:buFontTx/>
-                        <a:buNone/>
-                        <a:tabLst/>
-                        <a:defRPr/>
-                      </a:pPr>
-                      <a:r>
-                        <a:rPr lang="en-US" sz="1800" i="0" dirty="0">
-                          <a:solidFill>
-                            <a:schemeClr val="tx1"/>
-                          </a:solidFill>
-                          <a:latin typeface="+mn-lt"/>
-                        </a:rPr>
-                        <a:t>Software Testing 1</a:t>
-                      </a:r>
-                    </a:p>
-                  </a:txBody>
-                  <a:tcPr/>
-                </a:tc>
-                <a:tc>
-                  <a:txBody>
-                    <a:bodyPr/>
-                    <a:lstStyle/>
-                    <a:p>
-                      <a:pPr>
-                        <a:lnSpc>
-                          <a:spcPct val="100000"/>
-                        </a:lnSpc>
-                      </a:pPr>
-                      <a:r>
-                        <a:rPr lang="en-US" sz="1800" i="0" dirty="0">
-                          <a:solidFill>
-                            <a:schemeClr val="tx1"/>
-                          </a:solidFill>
-                          <a:latin typeface="+mn-lt"/>
-                        </a:rPr>
-                        <a:t>David M. Rogers, ORNL</a:t>
-                      </a:r>
-                    </a:p>
-                  </a:txBody>
-                  <a:tcPr/>
-                </a:tc>
-                <a:extLst>
-                  <a:ext uri="{0D108BD9-81ED-4DB2-BD59-A6C34878D82A}">
-                    <a16:rowId xmlns:a16="http://schemas.microsoft.com/office/drawing/2014/main" val="1922613886"/>
-                  </a:ext>
-                </a:extLst>
-              </a:tr>
-              <a:tr h="370840">
-                <a:tc>
-                  <a:txBody>
-                    <a:bodyPr/>
-                    <a:lstStyle/>
-                    <a:p>
-                      <a:pPr rtl="0" fontAlgn="t">
-                        <a:spcBef>
-                          <a:spcPts val="0"/>
-                        </a:spcBef>
-                        <a:spcAft>
-                          <a:spcPts val="0"/>
-                        </a:spcAft>
-                      </a:pPr>
-                      <a:r>
-                        <a:rPr lang="en-US" sz="1800" b="0" i="1" u="none" strike="noStrike" dirty="0">
-                          <a:solidFill>
-                            <a:schemeClr val="tx2"/>
-                          </a:solidFill>
-                          <a:effectLst/>
-                          <a:latin typeface="+mn-lt"/>
-                        </a:rPr>
-                        <a:t>2:20pm-2:40pm</a:t>
-                      </a:r>
-                      <a:endParaRPr lang="en-US" sz="1800" i="1" dirty="0">
-                        <a:solidFill>
-                          <a:schemeClr val="tx2"/>
-                        </a:solidFill>
-                        <a:effectLst/>
-                        <a:latin typeface="+mn-lt"/>
-                      </a:endParaRPr>
-                    </a:p>
-                  </a:txBody>
-                  <a:tcPr marL="63500" marR="63500" marT="63500" marB="63500"/>
-                </a:tc>
-                <a:tc>
-                  <a:txBody>
-                    <a:bodyPr/>
-                    <a:lstStyle/>
-                    <a:p>
-                      <a:pPr>
-                        <a:lnSpc>
-                          <a:spcPct val="100000"/>
-                        </a:lnSpc>
-                      </a:pPr>
-                      <a:endParaRPr lang="en-US" sz="1800" i="1" dirty="0">
-                        <a:solidFill>
-                          <a:schemeClr val="tx2"/>
-                        </a:solidFill>
-                        <a:latin typeface="+mn-lt"/>
-                      </a:endParaRPr>
-                    </a:p>
-                  </a:txBody>
-                  <a:tcPr/>
-                </a:tc>
-                <a:tc>
-                  <a:txBody>
-                    <a:bodyPr/>
-                    <a:lstStyle/>
-                    <a:p>
-                      <a:pPr>
-                        <a:lnSpc>
-                          <a:spcPct val="100000"/>
-                        </a:lnSpc>
-                      </a:pPr>
-                      <a:r>
-                        <a:rPr lang="en-US" sz="1800" i="1" dirty="0">
-                          <a:solidFill>
-                            <a:schemeClr val="tx2"/>
-                          </a:solidFill>
-                          <a:latin typeface="+mn-lt"/>
-                        </a:rPr>
-                        <a:t>Break (optional Q&amp;A)</a:t>
-                      </a:r>
-                    </a:p>
-                  </a:txBody>
-                  <a:tcPr/>
-                </a:tc>
-                <a:tc>
-                  <a:txBody>
-                    <a:bodyPr/>
-                    <a:lstStyle/>
-                    <a:p>
-                      <a:pPr>
-                        <a:lnSpc>
-                          <a:spcPct val="100000"/>
-                        </a:lnSpc>
-                      </a:pPr>
-                      <a:r>
-                        <a:rPr lang="en-US" sz="1800" i="1" dirty="0">
-                          <a:solidFill>
-                            <a:schemeClr val="tx2"/>
-                          </a:solidFill>
-                          <a:latin typeface="+mn-lt"/>
-                        </a:rPr>
-                        <a:t>All</a:t>
-                      </a:r>
-                    </a:p>
-                  </a:txBody>
-                  <a:tcPr/>
-                </a:tc>
-                <a:extLst>
-                  <a:ext uri="{0D108BD9-81ED-4DB2-BD59-A6C34878D82A}">
-                    <a16:rowId xmlns:a16="http://schemas.microsoft.com/office/drawing/2014/main" val="4193880066"/>
-                  </a:ext>
-                </a:extLst>
-              </a:tr>
-              <a:tr h="370840">
-                <a:tc>
-                  <a:txBody>
-                    <a:bodyPr/>
-                    <a:lstStyle/>
-                    <a:p>
-                      <a:pPr rtl="0" fontAlgn="t">
-                        <a:spcBef>
-                          <a:spcPts val="0"/>
-                        </a:spcBef>
-                        <a:spcAft>
-                          <a:spcPts val="0"/>
-                        </a:spcAft>
-                      </a:pPr>
-                      <a:r>
-                        <a:rPr lang="en-US" sz="1800" b="0" i="0" u="none" strike="noStrike" dirty="0">
-                          <a:solidFill>
-                            <a:srgbClr val="000000"/>
-                          </a:solidFill>
-                          <a:effectLst/>
-                          <a:latin typeface="+mn-lt"/>
-                        </a:rPr>
-                        <a:t>2:40pm-3:00pm</a:t>
-                      </a:r>
-                      <a:endParaRPr lang="en-US" sz="1800" dirty="0">
-                        <a:effectLst/>
-                        <a:latin typeface="+mn-lt"/>
-                      </a:endParaRPr>
-                    </a:p>
-                  </a:txBody>
-                  <a:tcPr marL="63500" marR="63500" marT="63500" marB="63500"/>
-                </a:tc>
-                <a:tc>
-                  <a:txBody>
-                    <a:bodyPr/>
-                    <a:lstStyle/>
-                    <a:p>
-                      <a:pPr>
-                        <a:lnSpc>
-                          <a:spcPct val="100000"/>
-                        </a:lnSpc>
-                      </a:pPr>
-                      <a:r>
-                        <a:rPr lang="en-US" sz="1800" i="0" dirty="0">
-                          <a:latin typeface="+mn-lt"/>
-                        </a:rPr>
-                        <a:t>05</a:t>
-                      </a:r>
-                    </a:p>
-                  </a:txBody>
-                  <a:tcPr/>
-                </a:tc>
-                <a:tc>
-                  <a:txBody>
-                    <a:bodyPr/>
-                    <a:lstStyle/>
-                    <a:p>
-                      <a:pPr marL="0" marR="0" lvl="0" indent="0" algn="l" defTabSz="914400" rtl="0" eaLnBrk="1" fontAlgn="auto" latinLnBrk="0" hangingPunct="1">
-                        <a:lnSpc>
-                          <a:spcPct val="100000"/>
-                        </a:lnSpc>
-                        <a:spcBef>
-                          <a:spcPts val="0"/>
-                        </a:spcBef>
-                        <a:spcAft>
-                          <a:spcPts val="0"/>
-                        </a:spcAft>
-                        <a:buClrTx/>
-                        <a:buSzTx/>
-                        <a:buFontTx/>
-                        <a:buNone/>
-                        <a:tabLst/>
-                        <a:defRPr/>
-                      </a:pPr>
-                      <a:r>
-                        <a:rPr lang="en-US" sz="1800" b="0" i="0" u="none" strike="noStrike" kern="1200" dirty="0">
-                          <a:solidFill>
-                            <a:schemeClr val="tx1"/>
-                          </a:solidFill>
-                          <a:effectLst/>
-                          <a:latin typeface="+mn-lt"/>
-                          <a:ea typeface="+mn-ea"/>
-                          <a:cs typeface="+mn-cs"/>
-                        </a:rPr>
-                        <a:t>Software Design</a:t>
-                      </a:r>
-                    </a:p>
-                  </a:txBody>
-                  <a:tcPr/>
-                </a:tc>
-                <a:tc>
-                  <a:txBody>
-                    <a:bodyPr/>
-                    <a:lstStyle/>
-                    <a:p>
-                      <a:pPr>
-                        <a:lnSpc>
-                          <a:spcPct val="100000"/>
-                        </a:lnSpc>
-                      </a:pPr>
-                      <a:r>
-                        <a:rPr lang="en-US" sz="1800" dirty="0">
-                          <a:latin typeface="+mn-lt"/>
-                        </a:rPr>
-                        <a:t>Anshu Dubey, ANL</a:t>
-                      </a:r>
-                    </a:p>
-                  </a:txBody>
-                  <a:tcPr/>
-                </a:tc>
-                <a:extLst>
-                  <a:ext uri="{0D108BD9-81ED-4DB2-BD59-A6C34878D82A}">
-                    <a16:rowId xmlns:a16="http://schemas.microsoft.com/office/drawing/2014/main" val="2444169840"/>
-                  </a:ext>
-                </a:extLst>
-              </a:tr>
-              <a:tr h="370840">
-                <a:tc>
-                  <a:txBody>
-                    <a:bodyPr/>
-                    <a:lstStyle/>
-                    <a:p>
-                      <a:pPr rtl="0" fontAlgn="t">
-                        <a:spcBef>
-                          <a:spcPts val="0"/>
-                        </a:spcBef>
-                        <a:spcAft>
-                          <a:spcPts val="0"/>
-                        </a:spcAft>
-                      </a:pPr>
-                      <a:r>
-                        <a:rPr lang="en-US" sz="1800" dirty="0">
-                          <a:effectLst/>
-                          <a:latin typeface="+mn-lt"/>
-                        </a:rPr>
-                        <a:t>3:00pm-3:15pm</a:t>
-                      </a:r>
-                    </a:p>
-                  </a:txBody>
-                  <a:tcPr marL="63500" marR="63500" marT="63500" marB="63500"/>
-                </a:tc>
-                <a:tc>
-                  <a:txBody>
-                    <a:bodyPr/>
-                    <a:lstStyle/>
-                    <a:p>
-                      <a:pPr>
-                        <a:lnSpc>
-                          <a:spcPct val="100000"/>
-                        </a:lnSpc>
-                      </a:pPr>
-                      <a:r>
-                        <a:rPr lang="en-US" sz="1800" i="0" dirty="0">
-                          <a:latin typeface="+mn-lt"/>
-                        </a:rPr>
-                        <a:t>06</a:t>
-                      </a:r>
-                    </a:p>
-                  </a:txBody>
-                  <a:tcPr/>
-                </a:tc>
-                <a:tc>
-                  <a:txBody>
-                    <a:bodyPr/>
-                    <a:lstStyle/>
-                    <a:p>
-                      <a:pPr>
-                        <a:lnSpc>
-                          <a:spcPct val="100000"/>
-                        </a:lnSpc>
-                      </a:pPr>
-                      <a:r>
-                        <a:rPr lang="en-US" sz="1800" i="0" dirty="0">
-                          <a:latin typeface="+mn-lt"/>
-                        </a:rPr>
-                        <a:t>Software Testing 2</a:t>
-                      </a:r>
-                    </a:p>
-                  </a:txBody>
-                  <a:tcPr/>
-                </a:tc>
-                <a:tc>
-                  <a:txBody>
-                    <a:bodyPr/>
-                    <a:lstStyle/>
-                    <a:p>
-                      <a:pPr marL="0" marR="0" lvl="0" indent="0" algn="l" defTabSz="914400" rtl="0" eaLnBrk="1" fontAlgn="auto" latinLnBrk="0" hangingPunct="1">
-                        <a:lnSpc>
-                          <a:spcPct val="100000"/>
-                        </a:lnSpc>
-                        <a:spcBef>
-                          <a:spcPts val="0"/>
-                        </a:spcBef>
-                        <a:spcAft>
-                          <a:spcPts val="0"/>
-                        </a:spcAft>
-                        <a:buClrTx/>
-                        <a:buSzTx/>
-                        <a:buFontTx/>
-                        <a:buNone/>
-                        <a:tabLst/>
-                        <a:defRPr/>
-                      </a:pPr>
-                      <a:r>
-                        <a:rPr lang="en-US" sz="1800" i="0" dirty="0">
-                          <a:solidFill>
-                            <a:schemeClr val="tx1"/>
-                          </a:solidFill>
-                          <a:latin typeface="+mn-lt"/>
-                        </a:rPr>
-                        <a:t>David M. Rogers</a:t>
-                      </a:r>
-                    </a:p>
-                  </a:txBody>
-                  <a:tcPr/>
-                </a:tc>
-                <a:extLst>
-                  <a:ext uri="{0D108BD9-81ED-4DB2-BD59-A6C34878D82A}">
-                    <a16:rowId xmlns:a16="http://schemas.microsoft.com/office/drawing/2014/main" val="387858574"/>
-                  </a:ext>
-                </a:extLst>
-              </a:tr>
-              <a:tr h="370840">
-                <a:tc>
-                  <a:txBody>
-                    <a:bodyPr/>
-                    <a:lstStyle/>
-                    <a:p>
-                      <a:pPr rtl="0" fontAlgn="t">
-                        <a:spcBef>
-                          <a:spcPts val="0"/>
-                        </a:spcBef>
-                        <a:spcAft>
-                          <a:spcPts val="0"/>
-                        </a:spcAft>
-                      </a:pPr>
-                      <a:r>
-                        <a:rPr lang="en-US" sz="1800" dirty="0">
-                          <a:effectLst/>
-                          <a:latin typeface="+mn-lt"/>
-                        </a:rPr>
-                        <a:t>3:15pm-3:40pm</a:t>
-                      </a:r>
-                    </a:p>
-                  </a:txBody>
-                  <a:tcPr marL="63500" marR="63500" marT="63500" marB="63500"/>
-                </a:tc>
-                <a:tc>
-                  <a:txBody>
-                    <a:bodyPr/>
-                    <a:lstStyle/>
-                    <a:p>
-                      <a:pPr>
-                        <a:lnSpc>
-                          <a:spcPct val="100000"/>
-                        </a:lnSpc>
-                      </a:pPr>
-                      <a:r>
-                        <a:rPr lang="en-US" sz="1800" i="0" dirty="0">
-                          <a:latin typeface="+mn-lt"/>
-                        </a:rPr>
-                        <a:t>07</a:t>
-                      </a:r>
-                    </a:p>
-                  </a:txBody>
-                  <a:tcPr/>
-                </a:tc>
-                <a:tc>
-                  <a:txBody>
-                    <a:bodyPr/>
-                    <a:lstStyle/>
-                    <a:p>
-                      <a:pPr>
-                        <a:lnSpc>
-                          <a:spcPct val="100000"/>
-                        </a:lnSpc>
-                      </a:pPr>
-                      <a:r>
-                        <a:rPr lang="en-US" sz="1800" i="0" dirty="0">
-                          <a:latin typeface="+mn-lt"/>
-                        </a:rPr>
-                        <a:t>Refactoring</a:t>
-                      </a:r>
-                    </a:p>
-                  </a:txBody>
-                  <a:tcPr/>
-                </a:tc>
-                <a:tc>
-                  <a:txBody>
-                    <a:bodyPr/>
-                    <a:lstStyle/>
-                    <a:p>
-                      <a:pPr>
-                        <a:lnSpc>
-                          <a:spcPct val="100000"/>
-                        </a:lnSpc>
-                      </a:pPr>
-                      <a:r>
-                        <a:rPr lang="en-US" sz="1800" dirty="0">
-                          <a:latin typeface="+mn-lt"/>
-                        </a:rPr>
-                        <a:t>Anshu Dubey, ANL</a:t>
-                      </a:r>
-                    </a:p>
-                  </a:txBody>
-                  <a:tcPr/>
-                </a:tc>
-                <a:extLst>
-                  <a:ext uri="{0D108BD9-81ED-4DB2-BD59-A6C34878D82A}">
-                    <a16:rowId xmlns:a16="http://schemas.microsoft.com/office/drawing/2014/main" val="2446830301"/>
-                  </a:ext>
-                </a:extLst>
-              </a:tr>
-              <a:tr h="370840">
-                <a:tc>
-                  <a:txBody>
-                    <a:bodyPr/>
-                    <a:lstStyle/>
-                    <a:p>
-                      <a:pPr rtl="0" fontAlgn="t">
-                        <a:spcBef>
-                          <a:spcPts val="0"/>
-                        </a:spcBef>
-                        <a:spcAft>
-                          <a:spcPts val="0"/>
-                        </a:spcAft>
-                      </a:pPr>
-                      <a:r>
-                        <a:rPr lang="en-US" sz="1800" dirty="0">
-                          <a:effectLst/>
-                          <a:latin typeface="+mn-lt"/>
-                        </a:rPr>
-                        <a:t>3:40pm-3:55pm</a:t>
-                      </a:r>
-                    </a:p>
-                  </a:txBody>
-                  <a:tcPr marL="63500" marR="63500" marT="63500" marB="63500"/>
-                </a:tc>
-                <a:tc>
-                  <a:txBody>
-                    <a:bodyPr/>
-                    <a:lstStyle/>
-                    <a:p>
-                      <a:pPr>
-                        <a:lnSpc>
-                          <a:spcPct val="100000"/>
-                        </a:lnSpc>
-                      </a:pPr>
-                      <a:r>
-                        <a:rPr lang="en-US" sz="1800" i="0" dirty="0">
-                          <a:latin typeface="+mn-lt"/>
-                        </a:rPr>
-                        <a:t>08</a:t>
-                      </a:r>
-                    </a:p>
-                  </a:txBody>
-                  <a:tcPr/>
-                </a:tc>
-                <a:tc>
-                  <a:txBody>
-                    <a:bodyPr/>
-                    <a:lstStyle/>
-                    <a:p>
-                      <a:pPr>
-                        <a:lnSpc>
-                          <a:spcPct val="100000"/>
-                        </a:lnSpc>
-                      </a:pPr>
-                      <a:r>
-                        <a:rPr lang="en-US" sz="1800" i="0" dirty="0">
-                          <a:latin typeface="+mn-lt"/>
-                        </a:rPr>
-                        <a:t>Reproducibility</a:t>
-                      </a:r>
-                    </a:p>
-                  </a:txBody>
-                  <a:tcPr/>
-                </a:tc>
-                <a:tc>
-                  <a:txBody>
-                    <a:bodyPr/>
-                    <a:lstStyle/>
-                    <a:p>
-                      <a:pPr>
-                        <a:lnSpc>
-                          <a:spcPct val="100000"/>
-                        </a:lnSpc>
-                      </a:pPr>
-                      <a:r>
-                        <a:rPr lang="en-US" sz="1800" dirty="0">
-                          <a:latin typeface="+mn-lt"/>
-                        </a:rPr>
-                        <a:t>David E. Bernholdt, ORNL</a:t>
-                      </a:r>
-                    </a:p>
-                  </a:txBody>
-                  <a:tcPr/>
-                </a:tc>
-                <a:extLst>
-                  <a:ext uri="{0D108BD9-81ED-4DB2-BD59-A6C34878D82A}">
-                    <a16:rowId xmlns:a16="http://schemas.microsoft.com/office/drawing/2014/main" val="1746784610"/>
-                  </a:ext>
-                </a:extLst>
-              </a:tr>
-              <a:tr h="370840">
-                <a:tc>
-                  <a:txBody>
-                    <a:bodyPr/>
-                    <a:lstStyle/>
-                    <a:p>
-                      <a:pPr rtl="0" fontAlgn="t">
-                        <a:spcBef>
-                          <a:spcPts val="0"/>
-                        </a:spcBef>
-                        <a:spcAft>
-                          <a:spcPts val="0"/>
-                        </a:spcAft>
-                      </a:pPr>
-                      <a:r>
-                        <a:rPr lang="en-US" sz="1800" dirty="0">
-                          <a:effectLst/>
-                          <a:latin typeface="+mn-lt"/>
-                        </a:rPr>
-                        <a:t>3:55pm-4:00pm</a:t>
-                      </a:r>
-                    </a:p>
-                  </a:txBody>
-                  <a:tcPr marL="63500" marR="63500" marT="63500" marB="63500"/>
-                </a:tc>
-                <a:tc>
-                  <a:txBody>
-                    <a:bodyPr/>
-                    <a:lstStyle/>
-                    <a:p>
-                      <a:pPr>
-                        <a:lnSpc>
-                          <a:spcPct val="100000"/>
-                        </a:lnSpc>
-                      </a:pPr>
-                      <a:r>
-                        <a:rPr lang="en-US" sz="1800" i="0" dirty="0">
-                          <a:latin typeface="+mn-lt"/>
-                        </a:rPr>
-                        <a:t>09</a:t>
-                      </a:r>
-                    </a:p>
-                  </a:txBody>
-                  <a:tcPr/>
-                </a:tc>
-                <a:tc>
-                  <a:txBody>
-                    <a:bodyPr/>
-                    <a:lstStyle/>
-                    <a:p>
-                      <a:pPr>
-                        <a:lnSpc>
-                          <a:spcPct val="100000"/>
-                        </a:lnSpc>
-                      </a:pPr>
-                      <a:r>
-                        <a:rPr lang="en-US" sz="1800" i="0" dirty="0">
-                          <a:latin typeface="+mn-lt"/>
-                        </a:rPr>
-                        <a:t>Summary</a:t>
-                      </a:r>
-                    </a:p>
-                  </a:txBody>
-                  <a:tcPr/>
-                </a:tc>
-                <a:tc>
-                  <a:txBody>
-                    <a:bodyPr/>
-                    <a:lstStyle/>
-                    <a:p>
-                      <a:pPr>
-                        <a:lnSpc>
-                          <a:spcPct val="100000"/>
-                        </a:lnSpc>
-                      </a:pPr>
-                      <a:r>
-                        <a:rPr lang="en-US" sz="1800" dirty="0">
-                          <a:latin typeface="+mn-lt"/>
-                        </a:rPr>
-                        <a:t>David E. Bernholdt, ORNL</a:t>
-                      </a:r>
-                    </a:p>
-                  </a:txBody>
-                  <a:tcPr/>
-                </a:tc>
-                <a:extLst>
-                  <a:ext uri="{0D108BD9-81ED-4DB2-BD59-A6C34878D82A}">
-                    <a16:rowId xmlns:a16="http://schemas.microsoft.com/office/drawing/2014/main" val="127038030"/>
-                  </a:ext>
-                </a:extLst>
-              </a:tr>
-            </a:tbl>
-          </a:graphicData>
-        </a:graphic>
-      </p:graphicFrame>
-      <p:grpSp>
-        <p:nvGrpSpPr>
-          <p:cNvPr id="5" name="Group 4">
-            <a:extLst>
-              <a:ext uri="{FF2B5EF4-FFF2-40B4-BE49-F238E27FC236}">
-                <a16:creationId xmlns:a16="http://schemas.microsoft.com/office/drawing/2014/main" id="{E481C384-B67A-4E1A-9712-8751F487059D}"/>
-              </a:ext>
-            </a:extLst>
-          </p:cNvPr>
-          <p:cNvGrpSpPr/>
-          <p:nvPr/>
-        </p:nvGrpSpPr>
-        <p:grpSpPr>
-          <a:xfrm>
-            <a:off x="649538" y="4922528"/>
-            <a:ext cx="10909739" cy="390939"/>
-            <a:chOff x="79513" y="1653208"/>
-            <a:chExt cx="12029799" cy="390939"/>
-          </a:xfrm>
-        </p:grpSpPr>
-        <p:cxnSp>
-          <p:nvCxnSpPr>
-            <p:cNvPr id="6" name="Straight Connector 5">
-              <a:extLst>
-                <a:ext uri="{FF2B5EF4-FFF2-40B4-BE49-F238E27FC236}">
-                  <a16:creationId xmlns:a16="http://schemas.microsoft.com/office/drawing/2014/main" id="{81FDDF4F-CEBB-4DB2-B54C-DBAC5A6EF985}"/>
-                </a:ext>
-              </a:extLst>
-            </p:cNvPr>
-            <p:cNvCxnSpPr>
-              <a:cxnSpLocks/>
-            </p:cNvCxnSpPr>
-            <p:nvPr/>
-          </p:nvCxnSpPr>
-          <p:spPr>
-            <a:xfrm>
-              <a:off x="530679" y="1848678"/>
-              <a:ext cx="11127467" cy="0"/>
-            </a:xfrm>
-            <a:prstGeom prst="line">
-              <a:avLst/>
-            </a:prstGeom>
-            <a:ln w="76200">
-              <a:solidFill>
-                <a:srgbClr val="FF0000"/>
-              </a:solidFill>
-            </a:ln>
-          </p:spPr>
-          <p:style>
-            <a:lnRef idx="1">
-              <a:schemeClr val="accent1"/>
-            </a:lnRef>
-            <a:fillRef idx="0">
-              <a:schemeClr val="accent1"/>
-            </a:fillRef>
-            <a:effectRef idx="0">
-              <a:schemeClr val="accent1"/>
-            </a:effectRef>
-            <a:fontRef idx="minor">
-              <a:schemeClr val="tx1"/>
-            </a:fontRef>
-          </p:style>
-        </p:cxnSp>
-        <p:sp>
-          <p:nvSpPr>
-            <p:cNvPr id="7" name="Arrow: Right 7">
-              <a:extLst>
-                <a:ext uri="{FF2B5EF4-FFF2-40B4-BE49-F238E27FC236}">
-                  <a16:creationId xmlns:a16="http://schemas.microsoft.com/office/drawing/2014/main" id="{7844F343-E894-4FE0-A6FA-018D93AF813D}"/>
-                </a:ext>
-              </a:extLst>
-            </p:cNvPr>
-            <p:cNvSpPr/>
-            <p:nvPr/>
-          </p:nvSpPr>
-          <p:spPr>
-            <a:xfrm>
-              <a:off x="79513" y="1653208"/>
-              <a:ext cx="451166" cy="390939"/>
-            </a:xfrm>
-            <a:prstGeom prst="rightArrow">
-              <a:avLst/>
-            </a:prstGeom>
-            <a:solidFill>
-              <a:srgbClr val="FF0000"/>
-            </a:solidFill>
-            <a:ln>
-              <a:solidFill>
-                <a:srgbClr val="FF0000"/>
-              </a:solidFill>
-            </a:ln>
-            <a:effectLst/>
-            <a:scene3d>
-              <a:camera prst="orthographicFront">
-                <a:rot lat="0" lon="0" rev="0"/>
-              </a:camera>
-              <a:lightRig rig="threePt" dir="t">
-                <a:rot lat="0" lon="0" rev="1200000"/>
-              </a:lightRig>
-            </a:scene3d>
-            <a:sp3d/>
-          </p:spPr>
-          <p:style>
-            <a:lnRef idx="0">
-              <a:schemeClr val="accent1"/>
-            </a:lnRef>
-            <a:fillRef idx="3">
-              <a:schemeClr val="accent1"/>
-            </a:fillRef>
-            <a:effectRef idx="3">
-              <a:schemeClr val="accent1"/>
-            </a:effectRef>
-            <a:fontRef idx="minor">
-              <a:schemeClr val="lt1"/>
-            </a:fontRef>
-          </p:style>
-          <p:txBody>
-            <a:bodyPr rot="0" spcFirstLastPara="0" vertOverflow="overflow" horzOverflow="overflow" vert="horz" wrap="square" lIns="45720" tIns="45720" rIns="45720" bIns="45720" numCol="1" spcCol="0" rtlCol="0" fromWordArt="0" anchor="ctr" anchorCtr="0" forceAA="0" compatLnSpc="1">
-              <a:prstTxWarp prst="textNoShape">
-                <a:avLst/>
-              </a:prstTxWarp>
-              <a:noAutofit/>
-            </a:bodyPr>
-            <a:lstStyle/>
-            <a:p>
-              <a:pPr algn="ctr">
-                <a:lnSpc>
-                  <a:spcPct val="90000"/>
-                </a:lnSpc>
-              </a:pPr>
-              <a:endParaRPr lang="en-US" dirty="0">
-                <a:solidFill>
-                  <a:schemeClr val="tx1"/>
-                </a:solidFill>
-              </a:endParaRPr>
-            </a:p>
-          </p:txBody>
-        </p:sp>
-        <p:sp>
-          <p:nvSpPr>
-            <p:cNvPr id="8" name="Arrow: Right 8">
-              <a:extLst>
-                <a:ext uri="{FF2B5EF4-FFF2-40B4-BE49-F238E27FC236}">
-                  <a16:creationId xmlns:a16="http://schemas.microsoft.com/office/drawing/2014/main" id="{BBFB6C66-6CBA-4D40-8622-561E8F751365}"/>
-                </a:ext>
-              </a:extLst>
-            </p:cNvPr>
-            <p:cNvSpPr/>
-            <p:nvPr/>
-          </p:nvSpPr>
-          <p:spPr>
-            <a:xfrm rot="10800000">
-              <a:off x="11658146" y="1653208"/>
-              <a:ext cx="451166" cy="390939"/>
-            </a:xfrm>
-            <a:prstGeom prst="rightArrow">
-              <a:avLst/>
-            </a:prstGeom>
-            <a:solidFill>
-              <a:srgbClr val="FF0000"/>
-            </a:solidFill>
-            <a:ln>
-              <a:solidFill>
-                <a:srgbClr val="FF0000"/>
-              </a:solidFill>
-            </a:ln>
-            <a:effectLst/>
-            <a:scene3d>
-              <a:camera prst="orthographicFront">
-                <a:rot lat="0" lon="0" rev="0"/>
-              </a:camera>
-              <a:lightRig rig="threePt" dir="t">
-                <a:rot lat="0" lon="0" rev="1200000"/>
-              </a:lightRig>
-            </a:scene3d>
-            <a:sp3d/>
-          </p:spPr>
-          <p:style>
-            <a:lnRef idx="0">
-              <a:schemeClr val="accent1"/>
-            </a:lnRef>
-            <a:fillRef idx="3">
-              <a:schemeClr val="accent1"/>
-            </a:fillRef>
-            <a:effectRef idx="3">
-              <a:schemeClr val="accent1"/>
-            </a:effectRef>
-            <a:fontRef idx="minor">
-              <a:schemeClr val="lt1"/>
-            </a:fontRef>
-          </p:style>
-          <p:txBody>
-            <a:bodyPr rot="0" spcFirstLastPara="0" vertOverflow="overflow" horzOverflow="overflow" vert="horz" wrap="square" lIns="45720" tIns="45720" rIns="45720" bIns="45720" numCol="1" spcCol="0" rtlCol="0" fromWordArt="0" anchor="ctr" anchorCtr="0" forceAA="0" compatLnSpc="1">
-              <a:prstTxWarp prst="textNoShape">
-                <a:avLst/>
-              </a:prstTxWarp>
-              <a:noAutofit/>
-            </a:bodyPr>
-            <a:lstStyle/>
-            <a:p>
-              <a:pPr algn="ctr">
-                <a:lnSpc>
-                  <a:spcPct val="90000"/>
-                </a:lnSpc>
-              </a:pPr>
-              <a:endParaRPr lang="en-US" dirty="0">
-                <a:solidFill>
-                  <a:schemeClr val="tx1"/>
-                </a:solidFill>
-              </a:endParaRPr>
-            </a:p>
-          </p:txBody>
-        </p:sp>
-      </p:grpSp>
-    </p:spTree>
-    <p:extLst>
-      <p:ext uri="{BB962C8B-B14F-4D97-AF65-F5344CB8AC3E}">
-        <p14:creationId xmlns:p14="http://schemas.microsoft.com/office/powerpoint/2010/main" val="310208868"/>
-      </p:ext>
-    </p:extLst>
-  </p:cSld>
-  <p:clrMapOvr>
-    <a:masterClrMapping/>
-  </p:clrMapOvr>
 </p:sld>
 </file>
 
@@ -12249,14 +10570,14 @@
   <p:clrMapOvr>
     <a:masterClrMapping/>
   </p:clrMapOvr>
-  <mc:AlternateContent xmlns:mc="http://schemas.openxmlformats.org/markup-compatibility/2006" xmlns:p14="http://schemas.microsoft.com/office/powerpoint/2010/main">
-    <mc:Choice Requires="p14">
-      <p:transition p14:dur="250" advTm="67332">
+  <mc:AlternateContent xmlns:mc="http://schemas.openxmlformats.org/markup-compatibility/2006">
+    <mc:Choice xmlns:p14="http://schemas.microsoft.com/office/powerpoint/2010/main" Requires="p14">
+      <p:transition p14:dur="250">
         <p:fade/>
       </p:transition>
     </mc:Choice>
-    <mc:Fallback xmlns="">
-      <p:transition advTm="67332">
+    <mc:Fallback>
+      <p:transition>
         <p:fade/>
       </p:transition>
     </mc:Fallback>
@@ -12703,14 +11024,14 @@
   <p:clrMapOvr>
     <a:masterClrMapping/>
   </p:clrMapOvr>
-  <mc:AlternateContent xmlns:mc="http://schemas.openxmlformats.org/markup-compatibility/2006" xmlns:p14="http://schemas.microsoft.com/office/powerpoint/2010/main">
-    <mc:Choice Requires="p14">
-      <p:transition p14:dur="250" advTm="100497">
+  <mc:AlternateContent xmlns:mc="http://schemas.openxmlformats.org/markup-compatibility/2006">
+    <mc:Choice xmlns:p14="http://schemas.microsoft.com/office/powerpoint/2010/main" Requires="p14">
+      <p:transition p14:dur="250">
         <p:fade/>
       </p:transition>
     </mc:Choice>
-    <mc:Fallback xmlns="">
-      <p:transition advTm="100497">
+    <mc:Fallback>
+      <p:transition>
         <p:fade/>
       </p:transition>
     </mc:Fallback>
@@ -13059,14 +11380,6 @@
   <p:clrMapOvr>
     <a:masterClrMapping/>
   </p:clrMapOvr>
-  <mc:AlternateContent xmlns:mc="http://schemas.openxmlformats.org/markup-compatibility/2006" xmlns:p14="http://schemas.microsoft.com/office/powerpoint/2010/main">
-    <mc:Choice Requires="p14">
-      <p:transition spd="slow" p14:dur="2000" advTm="77240"/>
-    </mc:Choice>
-    <mc:Fallback xmlns="">
-      <p:transition spd="slow" advTm="77240"/>
-    </mc:Fallback>
-  </mc:AlternateContent>
 </p:sld>
 </file>
 
@@ -13447,14 +11760,14 @@
   <p:clrMapOvr>
     <a:masterClrMapping/>
   </p:clrMapOvr>
-  <mc:AlternateContent xmlns:mc="http://schemas.openxmlformats.org/markup-compatibility/2006" xmlns:p14="http://schemas.microsoft.com/office/powerpoint/2010/main">
-    <mc:Choice Requires="p14">
-      <p:transition p14:dur="250" advTm="56834">
+  <mc:AlternateContent xmlns:mc="http://schemas.openxmlformats.org/markup-compatibility/2006">
+    <mc:Choice xmlns:p14="http://schemas.microsoft.com/office/powerpoint/2010/main" Requires="p14">
+      <p:transition p14:dur="250">
         <p:fade/>
       </p:transition>
     </mc:Choice>
-    <mc:Fallback xmlns="">
-      <p:transition advTm="56834">
+    <mc:Fallback>
+      <p:transition>
         <p:fade/>
       </p:transition>
     </mc:Fallback>
@@ -13849,14 +12162,14 @@
   <p:clrMapOvr>
     <a:masterClrMapping/>
   </p:clrMapOvr>
-  <mc:AlternateContent xmlns:mc="http://schemas.openxmlformats.org/markup-compatibility/2006" xmlns:p14="http://schemas.microsoft.com/office/powerpoint/2010/main">
-    <mc:Choice Requires="p14">
-      <p:transition p14:dur="250" advTm="133837">
+  <mc:AlternateContent xmlns:mc="http://schemas.openxmlformats.org/markup-compatibility/2006">
+    <mc:Choice xmlns:p14="http://schemas.microsoft.com/office/powerpoint/2010/main" Requires="p14">
+      <p:transition p14:dur="250">
         <p:fade/>
       </p:transition>
     </mc:Choice>
-    <mc:Fallback xmlns="">
-      <p:transition advTm="133837">
+    <mc:Fallback>
+      <p:transition>
         <p:fade/>
       </p:transition>
     </mc:Fallback>
@@ -13983,14 +12296,14 @@
   <p:clrMapOvr>
     <a:masterClrMapping/>
   </p:clrMapOvr>
-  <mc:AlternateContent xmlns:mc="http://schemas.openxmlformats.org/markup-compatibility/2006" xmlns:p14="http://schemas.microsoft.com/office/powerpoint/2010/main">
-    <mc:Choice Requires="p14">
-      <p:transition p14:dur="250" advTm="58822">
+  <mc:AlternateContent xmlns:mc="http://schemas.openxmlformats.org/markup-compatibility/2006">
+    <mc:Choice xmlns:p14="http://schemas.microsoft.com/office/powerpoint/2010/main" Requires="p14">
+      <p:transition p14:dur="250">
         <p:fade/>
       </p:transition>
     </mc:Choice>
-    <mc:Fallback xmlns="">
-      <p:transition advTm="58822">
+    <mc:Fallback>
+      <p:transition>
         <p:fade/>
       </p:transition>
     </mc:Fallback>
@@ -14619,14 +12932,14 @@
   <p:clrMapOvr>
     <a:masterClrMapping/>
   </p:clrMapOvr>
-  <mc:AlternateContent xmlns:mc="http://schemas.openxmlformats.org/markup-compatibility/2006" xmlns:p14="http://schemas.microsoft.com/office/powerpoint/2010/main">
-    <mc:Choice Requires="p14">
-      <p:transition p14:dur="250" advTm="76144">
+  <mc:AlternateContent xmlns:mc="http://schemas.openxmlformats.org/markup-compatibility/2006">
+    <mc:Choice xmlns:p14="http://schemas.microsoft.com/office/powerpoint/2010/main" Requires="p14">
+      <p:transition p14:dur="250">
         <p:fade/>
       </p:transition>
     </mc:Choice>
-    <mc:Fallback xmlns="">
-      <p:transition advTm="76144">
+    <mc:Fallback>
+      <p:transition>
         <p:fade/>
       </p:transition>
     </mc:Fallback>
@@ -15547,12 +13860,9 @@
 </file>
 
 <file path=customXml/item1.xml><?xml version="1.0" encoding="utf-8"?>
-<?mso-contentType ?>
-<FormTemplates xmlns="http://schemas.microsoft.com/sharepoint/v3/contenttype/forms">
-  <Display>DocumentLibraryForm</Display>
-  <Edit>DocumentLibraryForm</Edit>
-  <New>DocumentLibraryForm</New>
-</FormTemplates>
+<p:properties xmlns:p="http://schemas.microsoft.com/office/2006/metadata/properties" xmlns:xsi="http://www.w3.org/2001/XMLSchema-instance" xmlns:pc="http://schemas.microsoft.com/office/infopath/2007/PartnerControls">
+  <documentManagement/>
+</p:properties>
 </file>
 
 <file path=customXml/item2.xml><?xml version="1.0" encoding="utf-8"?>
@@ -15605,15 +13915,25 @@
 </file>
 
 <file path=customXml/item3.xml><?xml version="1.0" encoding="utf-8"?>
-<p:properties xmlns:p="http://schemas.microsoft.com/office/2006/metadata/properties" xmlns:xsi="http://www.w3.org/2001/XMLSchema-instance" xmlns:pc="http://schemas.microsoft.com/office/infopath/2007/PartnerControls">
-  <documentManagement/>
-</p:properties>
+<?mso-contentType ?>
+<FormTemplates xmlns="http://schemas.microsoft.com/sharepoint/v3/contenttype/forms">
+  <Display>DocumentLibraryForm</Display>
+  <Edit>DocumentLibraryForm</Edit>
+  <New>DocumentLibraryForm</New>
+</FormTemplates>
 </file>
 
 <file path=customXml/itemProps1.xml><?xml version="1.0" encoding="utf-8"?>
-<ds:datastoreItem xmlns:ds="http://schemas.openxmlformats.org/officeDocument/2006/customXml" ds:itemID="{19E20559-B232-4371-8690-E3D8007EDB82}">
+<ds:datastoreItem xmlns:ds="http://schemas.openxmlformats.org/officeDocument/2006/customXml" ds:itemID="{A50EC660-24D0-43A0-AE5E-E274115E726B}">
   <ds:schemaRefs>
-    <ds:schemaRef ds:uri="http://schemas.microsoft.com/sharepoint/v3/contenttype/forms"/>
+    <ds:schemaRef ds:uri="http://purl.org/dc/terms/"/>
+    <ds:schemaRef ds:uri="http://schemas.openxmlformats.org/package/2006/metadata/core-properties"/>
+    <ds:schemaRef ds:uri="http://schemas.microsoft.com/office/2006/documentManagement/types"/>
+    <ds:schemaRef ds:uri="http://purl.org/dc/elements/1.1/"/>
+    <ds:schemaRef ds:uri="http://schemas.microsoft.com/office/2006/metadata/properties"/>
+    <ds:schemaRef ds:uri="http://www.w3.org/XML/1998/namespace"/>
+    <ds:schemaRef ds:uri="http://purl.org/dc/dcmitype/"/>
+    <ds:schemaRef ds:uri="http://schemas.microsoft.com/office/infopath/2007/PartnerControls"/>
   </ds:schemaRefs>
 </ds:datastoreItem>
 </file>
@@ -15634,16 +13954,9 @@
 </file>
 
 <file path=customXml/itemProps3.xml><?xml version="1.0" encoding="utf-8"?>
-<ds:datastoreItem xmlns:ds="http://schemas.openxmlformats.org/officeDocument/2006/customXml" ds:itemID="{A50EC660-24D0-43A0-AE5E-E274115E726B}">
+<ds:datastoreItem xmlns:ds="http://schemas.openxmlformats.org/officeDocument/2006/customXml" ds:itemID="{19E20559-B232-4371-8690-E3D8007EDB82}">
   <ds:schemaRefs>
-    <ds:schemaRef ds:uri="http://purl.org/dc/terms/"/>
-    <ds:schemaRef ds:uri="http://schemas.openxmlformats.org/package/2006/metadata/core-properties"/>
-    <ds:schemaRef ds:uri="http://schemas.microsoft.com/office/2006/documentManagement/types"/>
-    <ds:schemaRef ds:uri="http://purl.org/dc/elements/1.1/"/>
-    <ds:schemaRef ds:uri="http://schemas.microsoft.com/office/2006/metadata/properties"/>
-    <ds:schemaRef ds:uri="http://www.w3.org/XML/1998/namespace"/>
-    <ds:schemaRef ds:uri="http://purl.org/dc/dcmitype/"/>
-    <ds:schemaRef ds:uri="http://schemas.microsoft.com/office/infopath/2007/PartnerControls"/>
+    <ds:schemaRef ds:uri="http://schemas.microsoft.com/sharepoint/v3/contenttype/forms"/>
   </ds:schemaRefs>
 </ds:datastoreItem>
 </file>
--- a/refactoring.pptx
+++ b/refactoring.pptx
@@ -1316,7 +1316,7 @@
         </p:blipFill>
         <p:spPr>
           <a:xfrm>
-            <a:off x="360640" y="483164"/>
+            <a:off x="360639" y="483164"/>
             <a:ext cx="2050840" cy="935496"/>
           </a:xfrm>
           <a:prstGeom prst="rect">
@@ -1403,45 +1403,10 @@
       </p:pic>
       <p:pic>
         <p:nvPicPr>
-          <p:cNvPr id="11" name="Picture 10">
+          <p:cNvPr id="8" name="Picture 7" descr="A picture containing shape&#10;&#10;Description automatically generated">
             <a:extLst>
               <a:ext uri="{FF2B5EF4-FFF2-40B4-BE49-F238E27FC236}">
-                <a16:creationId xmlns:a16="http://schemas.microsoft.com/office/drawing/2014/main" id="{FEB516F4-C09A-4E83-A0F1-168C638F25AA}"/>
-              </a:ext>
-            </a:extLst>
-          </p:cNvPr>
-          <p:cNvPicPr>
-            <a:picLocks noChangeAspect="1"/>
-          </p:cNvPicPr>
-          <p:nvPr userDrawn="1"/>
-        </p:nvPicPr>
-        <p:blipFill rotWithShape="1">
-          <a:blip r:embed="rId7">
-            <a:extLst>
-              <a:ext uri="{28A0092B-C50C-407E-A947-70E740481C1C}">
-                <a14:useLocalDpi xmlns:a14="http://schemas.microsoft.com/office/drawing/2010/main" val="0"/>
-              </a:ext>
-            </a:extLst>
-          </a:blip>
-          <a:srcRect r="58932" b="1495"/>
-          <a:stretch/>
-        </p:blipFill>
-        <p:spPr>
-          <a:xfrm rot="10800000">
-            <a:off x="-1" y="1572767"/>
-            <a:ext cx="2852965" cy="4078297"/>
-          </a:xfrm>
-          <a:prstGeom prst="rect">
-            <a:avLst/>
-          </a:prstGeom>
-        </p:spPr>
-      </p:pic>
-      <p:pic>
-        <p:nvPicPr>
-          <p:cNvPr id="10" name="Picture 9" descr="IDEAS_logo.png">
-            <a:extLst>
-              <a:ext uri="{FF2B5EF4-FFF2-40B4-BE49-F238E27FC236}">
-                <a16:creationId xmlns:a16="http://schemas.microsoft.com/office/drawing/2014/main" id="{9DE86E9C-D24A-4552-A542-495444B5B047}"/>
+                <a16:creationId xmlns:a16="http://schemas.microsoft.com/office/drawing/2014/main" id="{C432A180-7341-4E28-8C2B-73F9AB53D13F}"/>
               </a:ext>
             </a:extLst>
           </p:cNvPr>
@@ -1451,10 +1416,10 @@
           <p:nvPr userDrawn="1"/>
         </p:nvPicPr>
         <p:blipFill>
-          <a:blip r:embed="rId8" cstate="print">
+          <a:blip r:embed="rId7">
             <a:extLst>
               <a:ext uri="{28A0092B-C50C-407E-A947-70E740481C1C}">
-                <a14:useLocalDpi xmlns:a14="http://schemas.microsoft.com/office/drawing/2010/main"/>
+                <a14:useLocalDpi xmlns:a14="http://schemas.microsoft.com/office/drawing/2010/main" val="0"/>
               </a:ext>
             </a:extLst>
           </a:blip>
@@ -1464,8 +1429,8 @@
         </p:blipFill>
         <p:spPr>
           <a:xfrm>
-            <a:off x="211056" y="1848659"/>
-            <a:ext cx="2350008" cy="815135"/>
+            <a:off x="331810" y="1848659"/>
+            <a:ext cx="2108499" cy="914400"/>
           </a:xfrm>
           <a:prstGeom prst="rect">
             <a:avLst/>
@@ -1485,9 +1450,9 @@
 </p:sldLayout>
 </file>
 
-<file path=ppt/slideLayouts/slideLayout10.xml><?xml version="1.0" encoding="utf-8"?>
-<p:sldLayout xmlns:a="http://schemas.openxmlformats.org/drawingml/2006/main" xmlns:r="http://schemas.openxmlformats.org/officeDocument/2006/relationships" xmlns:p="http://schemas.openxmlformats.org/presentationml/2006/main" userDrawn="1">
-  <p:cSld name="*Title and Content">
+<file path=ppt/slideLayouts/slideLayout2.xml><?xml version="1.0" encoding="utf-8"?>
+<p:sldLayout xmlns:a="http://schemas.openxmlformats.org/drawingml/2006/main" xmlns:r="http://schemas.openxmlformats.org/officeDocument/2006/relationships" xmlns:p="http://schemas.openxmlformats.org/presentationml/2006/main" showMasterSp="0" preserve="1" userDrawn="1">
+  <p:cSld name="8_Title Slide">
     <p:spTree>
       <p:nvGrpSpPr>
         <p:cNvPr id="1" name=""/>
@@ -1504,162 +1469,586 @@
       </p:grpSpPr>
       <p:sp>
         <p:nvSpPr>
-          <p:cNvPr id="3" name="Content Placeholder 2"/>
+          <p:cNvPr id="4" name="Rectangle 3">
+            <a:extLst>
+              <a:ext uri="{FF2B5EF4-FFF2-40B4-BE49-F238E27FC236}">
+                <a16:creationId xmlns:a16="http://schemas.microsoft.com/office/drawing/2014/main" id="{2E2177C6-060C-4445-8C10-ADA6D3CE5F74}"/>
+              </a:ext>
+            </a:extLst>
+          </p:cNvPr>
+          <p:cNvSpPr/>
+          <p:nvPr userDrawn="1"/>
+        </p:nvSpPr>
+        <p:spPr>
+          <a:xfrm>
+            <a:off x="0" y="6186396"/>
+            <a:ext cx="12188825" cy="671604"/>
+          </a:xfrm>
+          <a:prstGeom prst="rect">
+            <a:avLst/>
+          </a:prstGeom>
+          <a:solidFill>
+            <a:schemeClr val="accent1">
+              <a:lumMod val="75000"/>
+            </a:schemeClr>
+          </a:solidFill>
+          <a:ln>
+            <a:noFill/>
+          </a:ln>
+          <a:effectLst/>
+          <a:scene3d>
+            <a:camera prst="orthographicFront">
+              <a:rot lat="0" lon="0" rev="0"/>
+            </a:camera>
+            <a:lightRig rig="threePt" dir="t">
+              <a:rot lat="0" lon="0" rev="1200000"/>
+            </a:lightRig>
+          </a:scene3d>
+          <a:sp3d/>
+        </p:spPr>
+        <p:style>
+          <a:lnRef idx="0">
+            <a:schemeClr val="accent1"/>
+          </a:lnRef>
+          <a:fillRef idx="3">
+            <a:schemeClr val="accent1"/>
+          </a:fillRef>
+          <a:effectRef idx="3">
+            <a:schemeClr val="accent1"/>
+          </a:effectRef>
+          <a:fontRef idx="minor">
+            <a:schemeClr val="lt1"/>
+          </a:fontRef>
+        </p:style>
+        <p:txBody>
+          <a:bodyPr rot="0" spcFirstLastPara="0" vertOverflow="overflow" horzOverflow="overflow" vert="horz" wrap="square" lIns="548640" tIns="45720" rIns="45720" bIns="45720" numCol="1" spcCol="0" rtlCol="0" fromWordArt="0" anchor="ctr" anchorCtr="0" forceAA="0" compatLnSpc="1">
+            <a:prstTxWarp prst="textNoShape">
+              <a:avLst/>
+            </a:prstTxWarp>
+            <a:noAutofit/>
+          </a:bodyPr>
+          <a:lstStyle/>
+          <a:p>
+            <a:pPr algn="l">
+              <a:lnSpc>
+                <a:spcPct val="90000"/>
+              </a:lnSpc>
+            </a:pPr>
+            <a:r>
+              <a:rPr lang="en-US" sz="1600" dirty="0">
+                <a:ln>
+                  <a:noFill/>
+                </a:ln>
+                <a:solidFill>
+                  <a:schemeClr val="bg1"/>
+                </a:solidFill>
+              </a:rPr>
+              <a:t>exascaleproject.org</a:t>
+            </a:r>
+          </a:p>
+        </p:txBody>
+      </p:sp>
+      <p:sp>
+        <p:nvSpPr>
+          <p:cNvPr id="22" name="Rectangle 21"/>
+          <p:cNvSpPr/>
+          <p:nvPr userDrawn="1"/>
+        </p:nvSpPr>
+        <p:spPr>
+          <a:xfrm>
+            <a:off x="8305800" y="5921829"/>
+            <a:ext cx="3883025" cy="936171"/>
+          </a:xfrm>
+          <a:prstGeom prst="rect">
+            <a:avLst/>
+          </a:prstGeom>
+          <a:noFill/>
+          <a:ln>
+            <a:noFill/>
+          </a:ln>
+          <a:effectLst/>
+          <a:scene3d>
+            <a:camera prst="orthographicFront">
+              <a:rot lat="0" lon="0" rev="0"/>
+            </a:camera>
+            <a:lightRig rig="threePt" dir="t">
+              <a:rot lat="0" lon="0" rev="1200000"/>
+            </a:lightRig>
+          </a:scene3d>
+          <a:sp3d/>
+        </p:spPr>
+        <p:style>
+          <a:lnRef idx="0">
+            <a:schemeClr val="accent1"/>
+          </a:lnRef>
+          <a:fillRef idx="3">
+            <a:schemeClr val="accent1"/>
+          </a:fillRef>
+          <a:effectRef idx="3">
+            <a:schemeClr val="accent1"/>
+          </a:effectRef>
+          <a:fontRef idx="minor">
+            <a:schemeClr val="lt1"/>
+          </a:fontRef>
+        </p:style>
+        <p:txBody>
+          <a:bodyPr rot="0" spcFirstLastPara="0" vertOverflow="overflow" horzOverflow="overflow" vert="horz" wrap="square" lIns="45720" tIns="45720" rIns="45720" bIns="45720" numCol="1" spcCol="0" rtlCol="0" fromWordArt="0" anchor="ctr" anchorCtr="0" forceAA="0" compatLnSpc="1">
+            <a:prstTxWarp prst="textNoShape">
+              <a:avLst/>
+            </a:prstTxWarp>
+            <a:noAutofit/>
+          </a:bodyPr>
+          <a:lstStyle/>
+          <a:p>
+            <a:pPr algn="ctr">
+              <a:lnSpc>
+                <a:spcPct val="90000"/>
+              </a:lnSpc>
+            </a:pPr>
+            <a:endParaRPr lang="en-US" dirty="0">
+              <a:solidFill>
+                <a:schemeClr val="tx1"/>
+              </a:solidFill>
+            </a:endParaRPr>
+          </a:p>
+        </p:txBody>
+      </p:sp>
+      <p:sp>
+        <p:nvSpPr>
+          <p:cNvPr id="2" name="Title 1"/>
           <p:cNvSpPr>
             <a:spLocks noGrp="1"/>
           </p:cNvSpPr>
-          <p:nvPr>
-            <p:ph idx="1" hasCustomPrompt="1"/>
+          <p:nvPr userDrawn="1">
+            <p:ph type="ctrTitle"/>
           </p:nvPr>
         </p:nvSpPr>
         <p:spPr>
           <a:xfrm>
-            <a:off x="609442" y="1699995"/>
-            <a:ext cx="11160961" cy="4422776"/>
+            <a:off x="3177633" y="503144"/>
+            <a:ext cx="8292316" cy="1030930"/>
           </a:xfrm>
         </p:spPr>
         <p:txBody>
-          <a:bodyPr/>
+          <a:bodyPr anchor="b"/>
           <a:lstStyle>
-            <a:lvl1pPr>
-              <a:defRPr baseline="0"/>
+            <a:lvl1pPr algn="l">
+              <a:defRPr sz="3200" b="1">
+                <a:solidFill>
+                  <a:schemeClr val="tx1"/>
+                </a:solidFill>
+                <a:latin typeface="+mn-lt"/>
+              </a:defRPr>
             </a:lvl1pPr>
           </a:lstStyle>
           <a:p>
-            <a:pPr lvl="0"/>
-            <a:r>
-              <a:rPr lang="en-US" dirty="0"/>
-              <a:t>Click to add 1st-level bullet. Click an icon below to add table, graph or other imagery.</a:t>
-            </a:r>
-          </a:p>
-          <a:p>
-            <a:pPr lvl="1"/>
-            <a:r>
-              <a:rPr lang="en-US" dirty="0"/>
-              <a:t>Second level</a:t>
-            </a:r>
-          </a:p>
-          <a:p>
-            <a:pPr lvl="2"/>
-            <a:r>
-              <a:rPr lang="en-US" dirty="0"/>
-              <a:t>Third level</a:t>
-            </a:r>
-          </a:p>
-          <a:p>
-            <a:pPr lvl="3"/>
-            <a:r>
-              <a:rPr lang="en-US" dirty="0"/>
-              <a:t>Fourth level</a:t>
-            </a:r>
-          </a:p>
-          <a:p>
-            <a:pPr lvl="4"/>
-            <a:r>
-              <a:rPr lang="en-US" dirty="0"/>
-              <a:t>Fifth level</a:t>
-            </a:r>
+            <a:r>
+              <a:rPr lang="en-US"/>
+              <a:t>Click to edit Master title style</a:t>
+            </a:r>
+            <a:endParaRPr lang="en-US" dirty="0"/>
           </a:p>
         </p:txBody>
       </p:sp>
       <p:sp>
         <p:nvSpPr>
-          <p:cNvPr id="6" name="Text Placeholder 5"/>
+          <p:cNvPr id="3" name="Subtitle 2"/>
           <p:cNvSpPr>
             <a:spLocks noGrp="1"/>
           </p:cNvSpPr>
-          <p:nvPr>
-            <p:ph type="body" sz="quarter" idx="12" hasCustomPrompt="1"/>
+          <p:nvPr userDrawn="1">
+            <p:ph type="subTitle" idx="1"/>
           </p:nvPr>
         </p:nvSpPr>
         <p:spPr>
           <a:xfrm>
-            <a:off x="609442" y="1168749"/>
-            <a:ext cx="11160961" cy="499715"/>
+            <a:off x="3177632" y="2085962"/>
+            <a:ext cx="8292317" cy="2855300"/>
           </a:xfrm>
         </p:spPr>
         <p:txBody>
-          <a:bodyPr bIns="0">
-            <a:noAutofit/>
+          <a:bodyPr lIns="109728"/>
+          <a:lstStyle>
+            <a:lvl1pPr marL="0" indent="0" algn="l">
+              <a:buNone/>
+              <a:defRPr sz="2400">
+                <a:solidFill>
+                  <a:schemeClr val="tx1"/>
+                </a:solidFill>
+                <a:latin typeface="Arial" panose="020B0604020202020204" pitchFamily="34" charset="0"/>
+                <a:cs typeface="Arial" panose="020B0604020202020204" pitchFamily="34" charset="0"/>
+              </a:defRPr>
+            </a:lvl1pPr>
+            <a:lvl2pPr marL="457200" indent="0" algn="ctr">
+              <a:buNone/>
+              <a:defRPr>
+                <a:solidFill>
+                  <a:schemeClr val="tx1">
+                    <a:tint val="75000"/>
+                  </a:schemeClr>
+                </a:solidFill>
+              </a:defRPr>
+            </a:lvl2pPr>
+            <a:lvl3pPr marL="914400" indent="0" algn="ctr">
+              <a:buNone/>
+              <a:defRPr>
+                <a:solidFill>
+                  <a:schemeClr val="tx1">
+                    <a:tint val="75000"/>
+                  </a:schemeClr>
+                </a:solidFill>
+              </a:defRPr>
+            </a:lvl3pPr>
+            <a:lvl4pPr marL="1371600" indent="0" algn="ctr">
+              <a:buNone/>
+              <a:defRPr>
+                <a:solidFill>
+                  <a:schemeClr val="tx1">
+                    <a:tint val="75000"/>
+                  </a:schemeClr>
+                </a:solidFill>
+              </a:defRPr>
+            </a:lvl4pPr>
+            <a:lvl5pPr marL="1828800" indent="0" algn="ctr">
+              <a:buNone/>
+              <a:defRPr>
+                <a:solidFill>
+                  <a:schemeClr val="tx1">
+                    <a:tint val="75000"/>
+                  </a:schemeClr>
+                </a:solidFill>
+              </a:defRPr>
+            </a:lvl5pPr>
+            <a:lvl6pPr marL="2286000" indent="0" algn="ctr">
+              <a:buNone/>
+              <a:defRPr>
+                <a:solidFill>
+                  <a:schemeClr val="tx1">
+                    <a:tint val="75000"/>
+                  </a:schemeClr>
+                </a:solidFill>
+              </a:defRPr>
+            </a:lvl6pPr>
+            <a:lvl7pPr marL="2743200" indent="0" algn="ctr">
+              <a:buNone/>
+              <a:defRPr>
+                <a:solidFill>
+                  <a:schemeClr val="tx1">
+                    <a:tint val="75000"/>
+                  </a:schemeClr>
+                </a:solidFill>
+              </a:defRPr>
+            </a:lvl7pPr>
+            <a:lvl8pPr marL="3200400" indent="0" algn="ctr">
+              <a:buNone/>
+              <a:defRPr>
+                <a:solidFill>
+                  <a:schemeClr val="tx1">
+                    <a:tint val="75000"/>
+                  </a:schemeClr>
+                </a:solidFill>
+              </a:defRPr>
+            </a:lvl8pPr>
+            <a:lvl9pPr marL="3657600" indent="0" algn="ctr">
+              <a:buNone/>
+              <a:defRPr>
+                <a:solidFill>
+                  <a:schemeClr val="tx1">
+                    <a:tint val="75000"/>
+                  </a:schemeClr>
+                </a:solidFill>
+              </a:defRPr>
+            </a:lvl9pPr>
+          </a:lstStyle>
+          <a:p>
+            <a:r>
+              <a:rPr lang="en-US"/>
+              <a:t>Click to edit Master subtitle style</a:t>
+            </a:r>
+            <a:endParaRPr lang="en-US" dirty="0"/>
+          </a:p>
+        </p:txBody>
+      </p:sp>
+      <p:pic>
+        <p:nvPicPr>
+          <p:cNvPr id="12" name="Picture 11"/>
+          <p:cNvPicPr>
+            <a:picLocks noChangeAspect="1"/>
+          </p:cNvPicPr>
+          <p:nvPr userDrawn="1"/>
+        </p:nvPicPr>
+        <p:blipFill>
+          <a:blip r:embed="rId2" cstate="print">
+            <a:extLst>
+              <a:ext uri="{28A0092B-C50C-407E-A947-70E740481C1C}">
+                <a14:useLocalDpi xmlns:a14="http://schemas.microsoft.com/office/drawing/2010/main" val="0"/>
+              </a:ext>
+            </a:extLst>
+          </a:blip>
+          <a:stretch>
+            <a:fillRect/>
+          </a:stretch>
+        </p:blipFill>
+        <p:spPr>
+          <a:xfrm>
+            <a:off x="362749" y="483164"/>
+            <a:ext cx="2050840" cy="935496"/>
+          </a:xfrm>
+          <a:prstGeom prst="rect">
+            <a:avLst/>
+          </a:prstGeom>
+        </p:spPr>
+      </p:pic>
+      <p:pic>
+        <p:nvPicPr>
+          <p:cNvPr id="16" name="Picture 15"/>
+          <p:cNvPicPr>
+            <a:picLocks noChangeAspect="1"/>
+          </p:cNvPicPr>
+          <p:nvPr userDrawn="1"/>
+        </p:nvPicPr>
+        <p:blipFill>
+          <a:blip r:embed="rId3" cstate="print">
+            <a:extLst>
+              <a:ext uri="{BEBA8EAE-BF5A-486C-A8C5-ECC9F3942E4B}">
+                <a14:imgProps xmlns:a14="http://schemas.microsoft.com/office/drawing/2010/main">
+                  <a14:imgLayer r:embed="rId4">
+                    <a14:imgEffect>
+                      <a14:brightnessContrast bright="100000"/>
+                    </a14:imgEffect>
+                  </a14:imgLayer>
+                </a14:imgProps>
+              </a:ext>
+              <a:ext uri="{28A0092B-C50C-407E-A947-70E740481C1C}">
+                <a14:useLocalDpi xmlns:a14="http://schemas.microsoft.com/office/drawing/2010/main" val="0"/>
+              </a:ext>
+            </a:extLst>
+          </a:blip>
+          <a:stretch>
+            <a:fillRect/>
+          </a:stretch>
+        </p:blipFill>
+        <p:spPr>
+          <a:xfrm>
+            <a:off x="7289921" y="6322747"/>
+            <a:ext cx="2409477" cy="401008"/>
+          </a:xfrm>
+          <a:prstGeom prst="rect">
+            <a:avLst/>
+          </a:prstGeom>
+        </p:spPr>
+      </p:pic>
+      <p:pic>
+        <p:nvPicPr>
+          <p:cNvPr id="17" name="Picture 16"/>
+          <p:cNvPicPr>
+            <a:picLocks noChangeAspect="1"/>
+          </p:cNvPicPr>
+          <p:nvPr userDrawn="1"/>
+        </p:nvPicPr>
+        <p:blipFill rotWithShape="1">
+          <a:blip r:embed="rId5" cstate="print">
+            <a:extLst>
+              <a:ext uri="{BEBA8EAE-BF5A-486C-A8C5-ECC9F3942E4B}">
+                <a14:imgProps xmlns:a14="http://schemas.microsoft.com/office/drawing/2010/main">
+                  <a14:imgLayer r:embed="rId6">
+                    <a14:imgEffect>
+                      <a14:brightnessContrast bright="100000"/>
+                    </a14:imgEffect>
+                  </a14:imgLayer>
+                </a14:imgProps>
+              </a:ext>
+              <a:ext uri="{28A0092B-C50C-407E-A947-70E740481C1C}">
+                <a14:useLocalDpi xmlns:a14="http://schemas.microsoft.com/office/drawing/2010/main" val="0"/>
+              </a:ext>
+            </a:extLst>
+          </a:blip>
+          <a:srcRect b="70693"/>
+          <a:stretch/>
+        </p:blipFill>
+        <p:spPr>
+          <a:xfrm>
+            <a:off x="10204521" y="6307740"/>
+            <a:ext cx="1367541" cy="428915"/>
+          </a:xfrm>
+          <a:prstGeom prst="rect">
+            <a:avLst/>
+          </a:prstGeom>
+        </p:spPr>
+      </p:pic>
+      <p:pic>
+        <p:nvPicPr>
+          <p:cNvPr id="8" name="Picture 7" descr="A picture containing shape&#10;&#10;Description automatically generated">
+            <a:extLst>
+              <a:ext uri="{FF2B5EF4-FFF2-40B4-BE49-F238E27FC236}">
+                <a16:creationId xmlns:a16="http://schemas.microsoft.com/office/drawing/2014/main" id="{C432A180-7341-4E28-8C2B-73F9AB53D13F}"/>
+              </a:ext>
+            </a:extLst>
+          </p:cNvPr>
+          <p:cNvPicPr>
+            <a:picLocks noChangeAspect="1"/>
+          </p:cNvPicPr>
+          <p:nvPr userDrawn="1"/>
+        </p:nvPicPr>
+        <p:blipFill>
+          <a:blip r:embed="rId7">
+            <a:extLst>
+              <a:ext uri="{28A0092B-C50C-407E-A947-70E740481C1C}">
+                <a14:useLocalDpi xmlns:a14="http://schemas.microsoft.com/office/drawing/2010/main" val="0"/>
+              </a:ext>
+            </a:extLst>
+          </a:blip>
+          <a:stretch>
+            <a:fillRect/>
+          </a:stretch>
+        </p:blipFill>
+        <p:spPr>
+          <a:xfrm>
+            <a:off x="333920" y="1848659"/>
+            <a:ext cx="2108499" cy="914400"/>
+          </a:xfrm>
+          <a:prstGeom prst="rect">
+            <a:avLst/>
+          </a:prstGeom>
+        </p:spPr>
+      </p:pic>
+      <p:pic>
+        <p:nvPicPr>
+          <p:cNvPr id="13" name="Picture 2" descr="https://licensebuttons.net/l/by/4.0/88x31.png">
+            <a:extLst>
+              <a:ext uri="{FF2B5EF4-FFF2-40B4-BE49-F238E27FC236}">
+                <a16:creationId xmlns:a16="http://schemas.microsoft.com/office/drawing/2014/main" id="{FAFD7D99-41CA-4FD0-9396-9C5659F22045}"/>
+              </a:ext>
+            </a:extLst>
+          </p:cNvPr>
+          <p:cNvPicPr>
+            <a:picLocks noChangeAspect="1" noChangeArrowheads="1"/>
+          </p:cNvPicPr>
+          <p:nvPr userDrawn="1"/>
+        </p:nvPicPr>
+        <p:blipFill>
+          <a:blip r:embed="rId8">
+            <a:extLst>
+              <a:ext uri="{28A0092B-C50C-407E-A947-70E740481C1C}">
+                <a14:useLocalDpi xmlns:a14="http://schemas.microsoft.com/office/drawing/2010/main" val="0"/>
+              </a:ext>
+            </a:extLst>
+          </a:blip>
+          <a:srcRect/>
+          <a:stretch>
+            <a:fillRect/>
+          </a:stretch>
+        </p:blipFill>
+        <p:spPr bwMode="auto">
+          <a:xfrm>
+            <a:off x="969069" y="5841262"/>
+            <a:ext cx="838200" cy="295275"/>
+          </a:xfrm>
+          <a:prstGeom prst="rect">
+            <a:avLst/>
+          </a:prstGeom>
+          <a:noFill/>
+          <a:extLst>
+            <a:ext uri="{909E8E84-426E-40DD-AFC4-6F175D3DCCD1}">
+              <a14:hiddenFill xmlns:a14="http://schemas.microsoft.com/office/drawing/2010/main">
+                <a:solidFill>
+                  <a:srgbClr val="FFFFFF"/>
+                </a:solidFill>
+              </a14:hiddenFill>
+            </a:ext>
+          </a:extLst>
+        </p:spPr>
+      </p:pic>
+      <p:sp>
+        <p:nvSpPr>
+          <p:cNvPr id="14" name="TextBox 13">
+            <a:extLst>
+              <a:ext uri="{FF2B5EF4-FFF2-40B4-BE49-F238E27FC236}">
+                <a16:creationId xmlns:a16="http://schemas.microsoft.com/office/drawing/2014/main" id="{9D022D1C-99FF-490C-8690-D8081D33C0AF}"/>
+              </a:ext>
+            </a:extLst>
+          </p:cNvPr>
+          <p:cNvSpPr txBox="1"/>
+          <p:nvPr userDrawn="1"/>
+        </p:nvSpPr>
+        <p:spPr>
+          <a:xfrm>
+            <a:off x="1810964" y="5776533"/>
+            <a:ext cx="1171114" cy="424732"/>
+          </a:xfrm>
+          <a:prstGeom prst="rect">
+            <a:avLst/>
+          </a:prstGeom>
+          <a:noFill/>
+        </p:spPr>
+        <p:txBody>
+          <a:bodyPr wrap="square" rtlCol="0">
+            <a:spAutoFit/>
           </a:bodyPr>
-          <a:lstStyle>
-            <a:lvl1pPr marL="0" indent="0">
+          <a:lstStyle/>
+          <a:p>
+            <a:pPr algn="ctr">
               <a:lnSpc>
                 <a:spcPct val="90000"/>
               </a:lnSpc>
-              <a:spcBef>
-                <a:spcPts val="0"/>
-              </a:spcBef>
-              <a:buNone/>
-              <a:defRPr sz="2000" b="1" baseline="0">
-                <a:solidFill>
-                  <a:schemeClr val="accent2"/>
-                </a:solidFill>
-              </a:defRPr>
-            </a:lvl1pPr>
-          </a:lstStyle>
-          <a:p>
-            <a:r>
-              <a:rPr lang="en-US" dirty="0"/>
-              <a:t>Slide subtitle optional -  delete as needed</a:t>
+            </a:pPr>
+            <a:r>
+              <a:rPr lang="en-US" sz="1200" dirty="0"/>
+              <a:t>See slide 2 for license details</a:t>
             </a:r>
           </a:p>
         </p:txBody>
       </p:sp>
-      <p:sp>
-        <p:nvSpPr>
-          <p:cNvPr id="2" name="Title 1">
+      <p:pic>
+        <p:nvPicPr>
+          <p:cNvPr id="15" name="Picture 14">
             <a:extLst>
               <a:ext uri="{FF2B5EF4-FFF2-40B4-BE49-F238E27FC236}">
-                <a16:creationId xmlns:a16="http://schemas.microsoft.com/office/drawing/2014/main" id="{3578AEED-62FF-45A4-9B5A-29E8EB7AE3BC}"/>
+                <a16:creationId xmlns:a16="http://schemas.microsoft.com/office/drawing/2014/main" id="{C554CDC7-44CF-4751-9869-0265C8E01840}"/>
               </a:ext>
             </a:extLst>
           </p:cNvPr>
-          <p:cNvSpPr>
-            <a:spLocks noGrp="1"/>
-          </p:cNvSpPr>
-          <p:nvPr>
-            <p:ph type="title"/>
-          </p:nvPr>
-        </p:nvSpPr>
-        <p:spPr/>
-        <p:txBody>
-          <a:bodyPr/>
-          <a:lstStyle/>
-          <a:p>
-            <a:r>
-              <a:rPr lang="en-US"/>
-              <a:t>Click to edit Master title style</a:t>
-            </a:r>
-          </a:p>
-        </p:txBody>
-      </p:sp>
+          <p:cNvPicPr>
+            <a:picLocks noChangeAspect="1"/>
+          </p:cNvPicPr>
+          <p:nvPr userDrawn="1"/>
+        </p:nvPicPr>
+        <p:blipFill>
+          <a:blip r:embed="rId9" cstate="print">
+            <a:extLst>
+              <a:ext uri="{28A0092B-C50C-407E-A947-70E740481C1C}">
+                <a14:useLocalDpi xmlns:a14="http://schemas.microsoft.com/office/drawing/2010/main" val="0"/>
+              </a:ext>
+            </a:extLst>
+          </a:blip>
+          <a:stretch>
+            <a:fillRect/>
+          </a:stretch>
+        </p:blipFill>
+        <p:spPr>
+          <a:xfrm>
+            <a:off x="333211" y="3189686"/>
+            <a:ext cx="2109916" cy="905256"/>
+          </a:xfrm>
+          <a:prstGeom prst="rect">
+            <a:avLst/>
+          </a:prstGeom>
+        </p:spPr>
+      </p:pic>
     </p:spTree>
     <p:extLst>
       <p:ext uri="{BB962C8B-B14F-4D97-AF65-F5344CB8AC3E}">
-        <p14:creationId xmlns:p14="http://schemas.microsoft.com/office/powerpoint/2010/main" val="729416173"/>
+        <p14:creationId xmlns:p14="http://schemas.microsoft.com/office/powerpoint/2010/main" val="451228200"/>
       </p:ext>
     </p:extLst>
   </p:cSld>
   <p:clrMapOvr>
     <a:masterClrMapping/>
   </p:clrMapOvr>
-  <mc:AlternateContent xmlns:mc="http://schemas.openxmlformats.org/markup-compatibility/2006" xmlns:p14="http://schemas.microsoft.com/office/powerpoint/2010/main">
-    <mc:Choice Requires="p14">
-      <p:transition p14:dur="250">
-        <p:fade/>
-      </p:transition>
-    </mc:Choice>
-    <mc:Fallback xmlns="">
-      <p:transition>
-        <p:fade/>
-      </p:transition>
-    </mc:Fallback>
-  </mc:AlternateContent>
 </p:sldLayout>
 </file>
 
-<file path=ppt/slideLayouts/slideLayout2.xml><?xml version="1.0" encoding="utf-8"?>
+<file path=ppt/slideLayouts/slideLayout3.xml><?xml version="1.0" encoding="utf-8"?>
 <p:sldLayout xmlns:a="http://schemas.openxmlformats.org/drawingml/2006/main" xmlns:r="http://schemas.openxmlformats.org/officeDocument/2006/relationships" xmlns:p="http://schemas.openxmlformats.org/presentationml/2006/main" type="obj" preserve="1">
   <p:cSld name="Title and Content">
     <p:bg>
@@ -1814,7 +2203,7 @@
 </p:sldLayout>
 </file>
 
-<file path=ppt/slideLayouts/slideLayout3.xml><?xml version="1.0" encoding="utf-8"?>
+<file path=ppt/slideLayouts/slideLayout4.xml><?xml version="1.0" encoding="utf-8"?>
 <p:sldLayout xmlns:a="http://schemas.openxmlformats.org/drawingml/2006/main" xmlns:r="http://schemas.openxmlformats.org/officeDocument/2006/relationships" xmlns:p="http://schemas.openxmlformats.org/presentationml/2006/main" type="twoTxTwoObj" preserve="1">
   <p:cSld name="Comparison">
     <p:spTree>
@@ -2285,7 +2674,7 @@
 </p:sldLayout>
 </file>
 
-<file path=ppt/slideLayouts/slideLayout4.xml><?xml version="1.0" encoding="utf-8"?>
+<file path=ppt/slideLayouts/slideLayout5.xml><?xml version="1.0" encoding="utf-8"?>
 <p:sldLayout xmlns:a="http://schemas.openxmlformats.org/drawingml/2006/main" xmlns:r="http://schemas.openxmlformats.org/officeDocument/2006/relationships" xmlns:p="http://schemas.openxmlformats.org/presentationml/2006/main" preserve="1" userDrawn="1">
   <p:cSld name="quad chart">
     <p:spTree>
@@ -3048,7 +3437,7 @@
 </p:sldLayout>
 </file>
 
-<file path=ppt/slideLayouts/slideLayout5.xml><?xml version="1.0" encoding="utf-8"?>
+<file path=ppt/slideLayouts/slideLayout6.xml><?xml version="1.0" encoding="utf-8"?>
 <p:sldLayout xmlns:a="http://schemas.openxmlformats.org/drawingml/2006/main" xmlns:r="http://schemas.openxmlformats.org/officeDocument/2006/relationships" xmlns:p="http://schemas.openxmlformats.org/presentationml/2006/main" preserve="1" userDrawn="1">
   <p:cSld name="Section divider">
     <p:spTree>
@@ -3106,7 +3495,7 @@
 </p:sldLayout>
 </file>
 
-<file path=ppt/slideLayouts/slideLayout6.xml><?xml version="1.0" encoding="utf-8"?>
+<file path=ppt/slideLayouts/slideLayout7.xml><?xml version="1.0" encoding="utf-8"?>
 <p:sldLayout xmlns:a="http://schemas.openxmlformats.org/drawingml/2006/main" xmlns:r="http://schemas.openxmlformats.org/officeDocument/2006/relationships" xmlns:p="http://schemas.openxmlformats.org/presentationml/2006/main" type="titleOnly" preserve="1">
   <p:cSld name="Title Only">
     <p:spTree>
@@ -3164,9 +3553,9 @@
 </p:sldLayout>
 </file>
 
-<file path=ppt/slideLayouts/slideLayout7.xml><?xml version="1.0" encoding="utf-8"?>
-<p:sldLayout xmlns:a="http://schemas.openxmlformats.org/drawingml/2006/main" xmlns:r="http://schemas.openxmlformats.org/officeDocument/2006/relationships" xmlns:p="http://schemas.openxmlformats.org/presentationml/2006/main" showMasterSp="0" userDrawn="1">
-  <p:cSld name="Section break">
+<file path=ppt/slideLayouts/slideLayout8.xml><?xml version="1.0" encoding="utf-8"?>
+<p:sldLayout xmlns:a="http://schemas.openxmlformats.org/drawingml/2006/main" xmlns:r="http://schemas.openxmlformats.org/officeDocument/2006/relationships" xmlns:p="http://schemas.openxmlformats.org/presentationml/2006/main" userDrawn="1">
+  <p:cSld name="*Title and Content">
     <p:spTree>
       <p:nvGrpSpPr>
         <p:cNvPr id="1" name=""/>
@@ -3183,470 +3572,117 @@
       </p:grpSpPr>
       <p:sp>
         <p:nvSpPr>
-          <p:cNvPr id="22" name="Rectangle 21"/>
-          <p:cNvSpPr/>
-          <p:nvPr userDrawn="1"/>
-        </p:nvSpPr>
-        <p:spPr>
-          <a:xfrm>
-            <a:off x="8305800" y="5921829"/>
-            <a:ext cx="3883025" cy="936171"/>
-          </a:xfrm>
-          <a:prstGeom prst="rect">
-            <a:avLst/>
-          </a:prstGeom>
-          <a:noFill/>
-          <a:ln>
-            <a:noFill/>
-          </a:ln>
-          <a:effectLst/>
-          <a:scene3d>
-            <a:camera prst="orthographicFront">
-              <a:rot lat="0" lon="0" rev="0"/>
-            </a:camera>
-            <a:lightRig rig="threePt" dir="t">
-              <a:rot lat="0" lon="0" rev="1200000"/>
-            </a:lightRig>
-          </a:scene3d>
-          <a:sp3d/>
-        </p:spPr>
-        <p:style>
-          <a:lnRef idx="0">
-            <a:schemeClr val="accent1"/>
-          </a:lnRef>
-          <a:fillRef idx="3">
-            <a:schemeClr val="accent1"/>
-          </a:fillRef>
-          <a:effectRef idx="3">
-            <a:schemeClr val="accent1"/>
-          </a:effectRef>
-          <a:fontRef idx="minor">
-            <a:schemeClr val="lt1"/>
-          </a:fontRef>
-        </p:style>
-        <p:txBody>
-          <a:bodyPr rot="0" spcFirstLastPara="0" vertOverflow="overflow" horzOverflow="overflow" vert="horz" wrap="square" lIns="45720" tIns="45720" rIns="45720" bIns="45720" numCol="1" spcCol="0" rtlCol="0" fromWordArt="0" anchor="ctr" anchorCtr="0" forceAA="0" compatLnSpc="1">
-            <a:prstTxWarp prst="textNoShape">
-              <a:avLst/>
-            </a:prstTxWarp>
-            <a:noAutofit/>
-          </a:bodyPr>
-          <a:lstStyle/>
-          <a:p>
-            <a:pPr algn="ctr">
-              <a:lnSpc>
-                <a:spcPct val="90000"/>
-              </a:lnSpc>
-            </a:pPr>
-            <a:endParaRPr lang="en-US" dirty="0">
-              <a:solidFill>
-                <a:schemeClr val="tx1"/>
-              </a:solidFill>
-            </a:endParaRPr>
-          </a:p>
-        </p:txBody>
-      </p:sp>
-      <p:sp>
-        <p:nvSpPr>
-          <p:cNvPr id="2" name="Title 1"/>
+          <p:cNvPr id="3" name="Content Placeholder 2"/>
           <p:cNvSpPr>
             <a:spLocks noGrp="1"/>
           </p:cNvSpPr>
-          <p:nvPr userDrawn="1">
-            <p:ph type="ctrTitle"/>
+          <p:nvPr>
+            <p:ph idx="1" hasCustomPrompt="1"/>
           </p:nvPr>
         </p:nvSpPr>
         <p:spPr>
           <a:xfrm>
-            <a:off x="365760" y="411480"/>
-            <a:ext cx="6962455" cy="510909"/>
+            <a:off x="609442" y="1699995"/>
+            <a:ext cx="11160961" cy="4422776"/>
           </a:xfrm>
         </p:spPr>
         <p:txBody>
           <a:bodyPr/>
           <a:lstStyle>
-            <a:lvl1pPr algn="l">
-              <a:defRPr sz="3200" b="1">
-                <a:solidFill>
-                  <a:schemeClr val="tx1"/>
-                </a:solidFill>
-                <a:latin typeface="+mn-lt"/>
-              </a:defRPr>
+            <a:lvl1pPr>
+              <a:defRPr baseline="0"/>
             </a:lvl1pPr>
           </a:lstStyle>
           <a:p>
-            <a:r>
-              <a:rPr lang="en-US" dirty="0"/>
-              <a:t>Click to edit Master title style</a:t>
+            <a:pPr lvl="0"/>
+            <a:r>
+              <a:rPr lang="en-US" dirty="0"/>
+              <a:t>Click to add 1st-level bullet. Click an icon below to add table, graph or other imagery.</a:t>
+            </a:r>
+          </a:p>
+          <a:p>
+            <a:pPr lvl="1"/>
+            <a:r>
+              <a:rPr lang="en-US" dirty="0"/>
+              <a:t>Second level</a:t>
+            </a:r>
+          </a:p>
+          <a:p>
+            <a:pPr lvl="2"/>
+            <a:r>
+              <a:rPr lang="en-US" dirty="0"/>
+              <a:t>Third level</a:t>
+            </a:r>
+          </a:p>
+          <a:p>
+            <a:pPr lvl="3"/>
+            <a:r>
+              <a:rPr lang="en-US" dirty="0"/>
+              <a:t>Fourth level</a:t>
+            </a:r>
+          </a:p>
+          <a:p>
+            <a:pPr lvl="4"/>
+            <a:r>
+              <a:rPr lang="en-US" dirty="0"/>
+              <a:t>Fifth level</a:t>
             </a:r>
           </a:p>
         </p:txBody>
       </p:sp>
-      <p:pic>
-        <p:nvPicPr>
-          <p:cNvPr id="12" name="Picture 11"/>
-          <p:cNvPicPr>
-            <a:picLocks noChangeAspect="1"/>
-          </p:cNvPicPr>
-          <p:nvPr userDrawn="1"/>
-        </p:nvPicPr>
-        <p:blipFill>
-          <a:blip r:embed="rId2" cstate="print">
+      <p:sp>
+        <p:nvSpPr>
+          <p:cNvPr id="6" name="Text Placeholder 5"/>
+          <p:cNvSpPr>
+            <a:spLocks noGrp="1"/>
+          </p:cNvSpPr>
+          <p:nvPr>
+            <p:ph type="body" sz="quarter" idx="12" hasCustomPrompt="1"/>
+          </p:nvPr>
+        </p:nvSpPr>
+        <p:spPr>
+          <a:xfrm>
+            <a:off x="609442" y="1168749"/>
+            <a:ext cx="11160961" cy="499715"/>
+          </a:xfrm>
+        </p:spPr>
+        <p:txBody>
+          <a:bodyPr bIns="0">
+            <a:noAutofit/>
+          </a:bodyPr>
+          <a:lstStyle>
+            <a:lvl1pPr marL="0" indent="0">
+              <a:lnSpc>
+                <a:spcPct val="90000"/>
+              </a:lnSpc>
+              <a:spcBef>
+                <a:spcPts val="0"/>
+              </a:spcBef>
+              <a:buNone/>
+              <a:defRPr sz="2000" b="1" baseline="0">
+                <a:solidFill>
+                  <a:schemeClr val="accent2"/>
+                </a:solidFill>
+              </a:defRPr>
+            </a:lvl1pPr>
+          </a:lstStyle>
+          <a:p>
+            <a:r>
+              <a:rPr lang="en-US" dirty="0"/>
+              <a:t>Slide subtitle optional -  delete as needed</a:t>
+            </a:r>
+          </a:p>
+        </p:txBody>
+      </p:sp>
+      <p:sp>
+        <p:nvSpPr>
+          <p:cNvPr id="2" name="Title 1">
             <a:extLst>
-              <a:ext uri="{28A0092B-C50C-407E-A947-70E740481C1C}">
-                <a14:useLocalDpi xmlns:a14="http://schemas.microsoft.com/office/drawing/2010/main" val="0"/>
+              <a:ext uri="{FF2B5EF4-FFF2-40B4-BE49-F238E27FC236}">
+                <a16:creationId xmlns:a16="http://schemas.microsoft.com/office/drawing/2014/main" id="{3578AEED-62FF-45A4-9B5A-29E8EB7AE3BC}"/>
               </a:ext>
             </a:extLst>
-          </a:blip>
-          <a:stretch>
-            <a:fillRect/>
-          </a:stretch>
-        </p:blipFill>
-        <p:spPr>
-          <a:xfrm>
-            <a:off x="8256801" y="4458940"/>
-            <a:ext cx="3047137" cy="1389960"/>
-          </a:xfrm>
-          <a:prstGeom prst="rect">
-            <a:avLst/>
-          </a:prstGeom>
-        </p:spPr>
-      </p:pic>
-      <p:grpSp>
-        <p:nvGrpSpPr>
-          <p:cNvPr id="13" name="Group 12"/>
-          <p:cNvGrpSpPr/>
-          <p:nvPr userDrawn="1"/>
-        </p:nvGrpSpPr>
-        <p:grpSpPr>
-          <a:xfrm>
-            <a:off x="-4595" y="6002316"/>
-            <a:ext cx="12198096" cy="27432"/>
-            <a:chOff x="-9675" y="6830568"/>
-            <a:chExt cx="9176303" cy="27432"/>
-          </a:xfrm>
-        </p:grpSpPr>
-        <p:sp>
-          <p:nvSpPr>
-            <p:cNvPr id="14" name="Rectangle 13"/>
-            <p:cNvSpPr/>
-            <p:nvPr userDrawn="1"/>
-          </p:nvSpPr>
-          <p:spPr>
-            <a:xfrm>
-              <a:off x="5529226" y="6830568"/>
-              <a:ext cx="3637402" cy="27432"/>
-            </a:xfrm>
-            <a:prstGeom prst="rect">
-              <a:avLst/>
-            </a:prstGeom>
-            <a:solidFill>
-              <a:schemeClr val="accent4"/>
-            </a:solidFill>
-            <a:ln>
-              <a:noFill/>
-            </a:ln>
-            <a:effectLst/>
-            <a:scene3d>
-              <a:camera prst="orthographicFront">
-                <a:rot lat="0" lon="0" rev="0"/>
-              </a:camera>
-              <a:lightRig rig="threePt" dir="t">
-                <a:rot lat="0" lon="0" rev="1200000"/>
-              </a:lightRig>
-            </a:scene3d>
-            <a:sp3d/>
-          </p:spPr>
-          <p:style>
-            <a:lnRef idx="0">
-              <a:schemeClr val="accent1"/>
-            </a:lnRef>
-            <a:fillRef idx="3">
-              <a:schemeClr val="accent1"/>
-            </a:fillRef>
-            <a:effectRef idx="3">
-              <a:schemeClr val="accent1"/>
-            </a:effectRef>
-            <a:fontRef idx="minor">
-              <a:schemeClr val="lt1"/>
-            </a:fontRef>
-          </p:style>
-          <p:txBody>
-            <a:bodyPr rot="0" spcFirstLastPara="0" vertOverflow="overflow" horzOverflow="overflow" vert="horz" wrap="square" lIns="45720" tIns="45720" rIns="45720" bIns="45720" numCol="1" spcCol="0" rtlCol="0" fromWordArt="0" anchor="ctr" anchorCtr="0" forceAA="0" compatLnSpc="1">
-              <a:prstTxWarp prst="textNoShape">
-                <a:avLst/>
-              </a:prstTxWarp>
-              <a:noAutofit/>
-            </a:bodyPr>
-            <a:lstStyle/>
-            <a:p>
-              <a:pPr algn="ctr">
-                <a:lnSpc>
-                  <a:spcPct val="90000"/>
-                </a:lnSpc>
-              </a:pPr>
-              <a:endParaRPr lang="en-US" dirty="0">
-                <a:solidFill>
-                  <a:schemeClr val="tx1"/>
-                </a:solidFill>
-              </a:endParaRPr>
-            </a:p>
-          </p:txBody>
-        </p:sp>
-        <p:sp>
-          <p:nvSpPr>
-            <p:cNvPr id="15" name="Rectangle 14"/>
-            <p:cNvSpPr/>
-            <p:nvPr userDrawn="1"/>
-          </p:nvSpPr>
-          <p:spPr>
-            <a:xfrm>
-              <a:off x="-9675" y="6830568"/>
-              <a:ext cx="5542707" cy="27432"/>
-            </a:xfrm>
-            <a:prstGeom prst="rect">
-              <a:avLst/>
-            </a:prstGeom>
-            <a:solidFill>
-              <a:schemeClr val="accent3">
-                <a:lumMod val="75000"/>
-              </a:schemeClr>
-            </a:solidFill>
-            <a:ln>
-              <a:noFill/>
-            </a:ln>
-            <a:effectLst/>
-            <a:scene3d>
-              <a:camera prst="orthographicFront">
-                <a:rot lat="0" lon="0" rev="0"/>
-              </a:camera>
-              <a:lightRig rig="threePt" dir="t">
-                <a:rot lat="0" lon="0" rev="1200000"/>
-              </a:lightRig>
-            </a:scene3d>
-            <a:sp3d/>
-          </p:spPr>
-          <p:style>
-            <a:lnRef idx="0">
-              <a:schemeClr val="accent1"/>
-            </a:lnRef>
-            <a:fillRef idx="3">
-              <a:schemeClr val="accent1"/>
-            </a:fillRef>
-            <a:effectRef idx="3">
-              <a:schemeClr val="accent1"/>
-            </a:effectRef>
-            <a:fontRef idx="minor">
-              <a:schemeClr val="lt1"/>
-            </a:fontRef>
-          </p:style>
-          <p:txBody>
-            <a:bodyPr rot="0" spcFirstLastPara="0" vertOverflow="overflow" horzOverflow="overflow" vert="horz" wrap="square" lIns="45720" tIns="45720" rIns="45720" bIns="45720" numCol="1" spcCol="0" rtlCol="0" fromWordArt="0" anchor="ctr" anchorCtr="0" forceAA="0" compatLnSpc="1">
-              <a:prstTxWarp prst="textNoShape">
-                <a:avLst/>
-              </a:prstTxWarp>
-              <a:noAutofit/>
-            </a:bodyPr>
-            <a:lstStyle/>
-            <a:p>
-              <a:pPr lvl="0" algn="ctr">
-                <a:lnSpc>
-                  <a:spcPct val="90000"/>
-                </a:lnSpc>
-              </a:pPr>
-              <a:endParaRPr lang="en-US" dirty="0">
-                <a:solidFill>
-                  <a:schemeClr val="tx1"/>
-                </a:solidFill>
-              </a:endParaRPr>
-            </a:p>
-          </p:txBody>
-        </p:sp>
-      </p:grpSp>
-      <p:grpSp>
-        <p:nvGrpSpPr>
-          <p:cNvPr id="11" name="Group 10"/>
-          <p:cNvGrpSpPr/>
-          <p:nvPr userDrawn="1"/>
-        </p:nvGrpSpPr>
-        <p:grpSpPr>
-          <a:xfrm>
-            <a:off x="-4595" y="4272576"/>
-            <a:ext cx="12198096" cy="27432"/>
-            <a:chOff x="-9675" y="6830568"/>
-            <a:chExt cx="9176303" cy="27432"/>
-          </a:xfrm>
-        </p:grpSpPr>
-        <p:sp>
-          <p:nvSpPr>
-            <p:cNvPr id="18" name="Rectangle 17"/>
-            <p:cNvSpPr/>
-            <p:nvPr userDrawn="1"/>
-          </p:nvSpPr>
-          <p:spPr>
-            <a:xfrm>
-              <a:off x="5529226" y="6830568"/>
-              <a:ext cx="3637402" cy="27432"/>
-            </a:xfrm>
-            <a:prstGeom prst="rect">
-              <a:avLst/>
-            </a:prstGeom>
-            <a:solidFill>
-              <a:schemeClr val="accent4"/>
-            </a:solidFill>
-            <a:ln>
-              <a:noFill/>
-            </a:ln>
-            <a:effectLst/>
-            <a:scene3d>
-              <a:camera prst="orthographicFront">
-                <a:rot lat="0" lon="0" rev="0"/>
-              </a:camera>
-              <a:lightRig rig="threePt" dir="t">
-                <a:rot lat="0" lon="0" rev="1200000"/>
-              </a:lightRig>
-            </a:scene3d>
-            <a:sp3d/>
-          </p:spPr>
-          <p:style>
-            <a:lnRef idx="0">
-              <a:schemeClr val="accent1"/>
-            </a:lnRef>
-            <a:fillRef idx="3">
-              <a:schemeClr val="accent1"/>
-            </a:fillRef>
-            <a:effectRef idx="3">
-              <a:schemeClr val="accent1"/>
-            </a:effectRef>
-            <a:fontRef idx="minor">
-              <a:schemeClr val="lt1"/>
-            </a:fontRef>
-          </p:style>
-          <p:txBody>
-            <a:bodyPr rot="0" spcFirstLastPara="0" vertOverflow="overflow" horzOverflow="overflow" vert="horz" wrap="square" lIns="45720" tIns="45720" rIns="45720" bIns="45720" numCol="1" spcCol="0" rtlCol="0" fromWordArt="0" anchor="ctr" anchorCtr="0" forceAA="0" compatLnSpc="1">
-              <a:prstTxWarp prst="textNoShape">
-                <a:avLst/>
-              </a:prstTxWarp>
-              <a:noAutofit/>
-            </a:bodyPr>
-            <a:lstStyle/>
-            <a:p>
-              <a:pPr algn="ctr">
-                <a:lnSpc>
-                  <a:spcPct val="90000"/>
-                </a:lnSpc>
-              </a:pPr>
-              <a:endParaRPr lang="en-US" dirty="0">
-                <a:solidFill>
-                  <a:schemeClr val="tx1"/>
-                </a:solidFill>
-              </a:endParaRPr>
-            </a:p>
-          </p:txBody>
-        </p:sp>
-        <p:sp>
-          <p:nvSpPr>
-            <p:cNvPr id="19" name="Rectangle 18"/>
-            <p:cNvSpPr/>
-            <p:nvPr userDrawn="1"/>
-          </p:nvSpPr>
-          <p:spPr>
-            <a:xfrm>
-              <a:off x="-9675" y="6830568"/>
-              <a:ext cx="5542707" cy="27432"/>
-            </a:xfrm>
-            <a:prstGeom prst="rect">
-              <a:avLst/>
-            </a:prstGeom>
-            <a:solidFill>
-              <a:schemeClr val="accent3">
-                <a:lumMod val="75000"/>
-              </a:schemeClr>
-            </a:solidFill>
-            <a:ln>
-              <a:noFill/>
-            </a:ln>
-            <a:effectLst/>
-            <a:scene3d>
-              <a:camera prst="orthographicFront">
-                <a:rot lat="0" lon="0" rev="0"/>
-              </a:camera>
-              <a:lightRig rig="threePt" dir="t">
-                <a:rot lat="0" lon="0" rev="1200000"/>
-              </a:lightRig>
-            </a:scene3d>
-            <a:sp3d/>
-          </p:spPr>
-          <p:style>
-            <a:lnRef idx="0">
-              <a:schemeClr val="accent1"/>
-            </a:lnRef>
-            <a:fillRef idx="3">
-              <a:schemeClr val="accent1"/>
-            </a:fillRef>
-            <a:effectRef idx="3">
-              <a:schemeClr val="accent1"/>
-            </a:effectRef>
-            <a:fontRef idx="minor">
-              <a:schemeClr val="lt1"/>
-            </a:fontRef>
-          </p:style>
-          <p:txBody>
-            <a:bodyPr rot="0" spcFirstLastPara="0" vertOverflow="overflow" horzOverflow="overflow" vert="horz" wrap="square" lIns="45720" tIns="45720" rIns="45720" bIns="45720" numCol="1" spcCol="0" rtlCol="0" fromWordArt="0" anchor="ctr" anchorCtr="0" forceAA="0" compatLnSpc="1">
-              <a:prstTxWarp prst="textNoShape">
-                <a:avLst/>
-              </a:prstTxWarp>
-              <a:noAutofit/>
-            </a:bodyPr>
-            <a:lstStyle/>
-            <a:p>
-              <a:pPr lvl="0" algn="ctr">
-                <a:lnSpc>
-                  <a:spcPct val="90000"/>
-                </a:lnSpc>
-              </a:pPr>
-              <a:endParaRPr lang="en-US" dirty="0">
-                <a:solidFill>
-                  <a:schemeClr val="tx1"/>
-                </a:solidFill>
-              </a:endParaRPr>
-            </a:p>
-          </p:txBody>
-        </p:sp>
-      </p:grpSp>
-    </p:spTree>
-    <p:extLst>
-      <p:ext uri="{BB962C8B-B14F-4D97-AF65-F5344CB8AC3E}">
-        <p14:creationId xmlns:p14="http://schemas.microsoft.com/office/powerpoint/2010/main" val="116598578"/>
-      </p:ext>
-    </p:extLst>
-  </p:cSld>
-  <p:clrMapOvr>
-    <a:masterClrMapping/>
-  </p:clrMapOvr>
-</p:sldLayout>
-</file>
-
-<file path=ppt/slideLayouts/slideLayout8.xml><?xml version="1.0" encoding="utf-8"?>
-<p:sldLayout xmlns:a="http://schemas.openxmlformats.org/drawingml/2006/main" xmlns:r="http://schemas.openxmlformats.org/officeDocument/2006/relationships" xmlns:p="http://schemas.openxmlformats.org/presentationml/2006/main" type="objAndTx">
-  <p:cSld name="Title, Content and Text">
-    <p:spTree>
-      <p:nvGrpSpPr>
-        <p:cNvPr id="1" name=""/>
-        <p:cNvGrpSpPr/>
-        <p:nvPr/>
-      </p:nvGrpSpPr>
-      <p:grpSpPr>
-        <a:xfrm>
-          <a:off x="0" y="0"/>
-          <a:ext cx="0" cy="0"/>
-          <a:chOff x="0" y="0"/>
-          <a:chExt cx="0" cy="0"/>
-        </a:xfrm>
-      </p:grpSpPr>
-      <p:sp>
-        <p:nvSpPr>
-          <p:cNvPr id="2" name="Title 1"/>
+          </p:cNvPr>
           <p:cNvSpPr>
             <a:spLocks noGrp="1"/>
           </p:cNvSpPr>
@@ -3654,12 +3690,7 @@
             <p:ph type="title"/>
           </p:nvPr>
         </p:nvSpPr>
-        <p:spPr>
-          <a:xfrm>
-            <a:off x="1523603" y="228600"/>
-            <a:ext cx="9243192" cy="381000"/>
-          </a:xfrm>
-        </p:spPr>
+        <p:spPr/>
         <p:txBody>
           <a:bodyPr/>
           <a:lstStyle/>
@@ -3667,118 +3698,6 @@
             <a:r>
               <a:rPr lang="en-US"/>
               <a:t>Click to edit Master title style</a:t>
-            </a:r>
-          </a:p>
-        </p:txBody>
-      </p:sp>
-      <p:sp>
-        <p:nvSpPr>
-          <p:cNvPr id="3" name="Content Placeholder 2"/>
-          <p:cNvSpPr>
-            <a:spLocks noGrp="1"/>
-          </p:cNvSpPr>
-          <p:nvPr>
-            <p:ph sz="half" idx="1"/>
-          </p:nvPr>
-        </p:nvSpPr>
-        <p:spPr>
-          <a:xfrm>
-            <a:off x="914162" y="1295400"/>
-            <a:ext cx="5180251" cy="4800600"/>
-          </a:xfrm>
-        </p:spPr>
-        <p:txBody>
-          <a:bodyPr/>
-          <a:lstStyle/>
-          <a:p>
-            <a:pPr lvl="0"/>
-            <a:r>
-              <a:rPr lang="en-US"/>
-              <a:t>Click to edit Master text styles</a:t>
-            </a:r>
-          </a:p>
-          <a:p>
-            <a:pPr lvl="1"/>
-            <a:r>
-              <a:rPr lang="en-US"/>
-              <a:t>Second level</a:t>
-            </a:r>
-          </a:p>
-          <a:p>
-            <a:pPr lvl="2"/>
-            <a:r>
-              <a:rPr lang="en-US"/>
-              <a:t>Third level</a:t>
-            </a:r>
-          </a:p>
-          <a:p>
-            <a:pPr lvl="3"/>
-            <a:r>
-              <a:rPr lang="en-US"/>
-              <a:t>Fourth level</a:t>
-            </a:r>
-          </a:p>
-          <a:p>
-            <a:pPr lvl="4"/>
-            <a:r>
-              <a:rPr lang="en-US"/>
-              <a:t>Fifth level</a:t>
-            </a:r>
-          </a:p>
-        </p:txBody>
-      </p:sp>
-      <p:sp>
-        <p:nvSpPr>
-          <p:cNvPr id="4" name="Text Placeholder 3"/>
-          <p:cNvSpPr>
-            <a:spLocks noGrp="1"/>
-          </p:cNvSpPr>
-          <p:nvPr>
-            <p:ph type="body" sz="half" idx="2"/>
-          </p:nvPr>
-        </p:nvSpPr>
-        <p:spPr>
-          <a:xfrm>
-            <a:off x="6297559" y="1295400"/>
-            <a:ext cx="5180251" cy="4800600"/>
-          </a:xfrm>
-        </p:spPr>
-        <p:txBody>
-          <a:bodyPr/>
-          <a:lstStyle/>
-          <a:p>
-            <a:pPr lvl="0"/>
-            <a:r>
-              <a:rPr lang="en-US"/>
-              <a:t>Click to edit Master text styles</a:t>
-            </a:r>
-          </a:p>
-          <a:p>
-            <a:pPr lvl="1"/>
-            <a:r>
-              <a:rPr lang="en-US"/>
-              <a:t>Second level</a:t>
-            </a:r>
-          </a:p>
-          <a:p>
-            <a:pPr lvl="2"/>
-            <a:r>
-              <a:rPr lang="en-US"/>
-              <a:t>Third level</a:t>
-            </a:r>
-          </a:p>
-          <a:p>
-            <a:pPr lvl="3"/>
-            <a:r>
-              <a:rPr lang="en-US"/>
-              <a:t>Fourth level</a:t>
-            </a:r>
-          </a:p>
-          <a:p>
-            <a:pPr lvl="4"/>
-            <a:r>
-              <a:rPr lang="en-US"/>
-              <a:t>Fifth level</a:t>
             </a:r>
           </a:p>
         </p:txBody>
@@ -3786,18 +3705,30 @@
     </p:spTree>
     <p:extLst>
       <p:ext uri="{BB962C8B-B14F-4D97-AF65-F5344CB8AC3E}">
-        <p14:creationId xmlns:p14="http://schemas.microsoft.com/office/powerpoint/2010/main" val="1530798138"/>
+        <p14:creationId xmlns:p14="http://schemas.microsoft.com/office/powerpoint/2010/main" val="2606223118"/>
       </p:ext>
     </p:extLst>
   </p:cSld>
   <p:clrMapOvr>
     <a:masterClrMapping/>
   </p:clrMapOvr>
+  <mc:AlternateContent xmlns:mc="http://schemas.openxmlformats.org/markup-compatibility/2006" xmlns:p14="http://schemas.microsoft.com/office/powerpoint/2010/main">
+    <mc:Choice Requires="p14">
+      <p:transition p14:dur="250">
+        <p:fade/>
+      </p:transition>
+    </mc:Choice>
+    <mc:Fallback xmlns="">
+      <p:transition>
+        <p:fade/>
+      </p:transition>
+    </mc:Fallback>
+  </mc:AlternateContent>
 </p:sldLayout>
 </file>
 
 <file path=ppt/slideLayouts/slideLayout9.xml><?xml version="1.0" encoding="utf-8"?>
-<p:sldLayout xmlns:a="http://schemas.openxmlformats.org/drawingml/2006/main" xmlns:r="http://schemas.openxmlformats.org/officeDocument/2006/relationships" xmlns:p="http://schemas.openxmlformats.org/presentationml/2006/main" showMasterSp="0" preserve="1" userDrawn="1">
+<p:sldLayout xmlns:a="http://schemas.openxmlformats.org/drawingml/2006/main" xmlns:r="http://schemas.openxmlformats.org/officeDocument/2006/relationships" xmlns:p="http://schemas.openxmlformats.org/presentationml/2006/main" showMasterSp="0" userDrawn="1">
   <p:cSld name="1_*Section Break">
     <p:spTree>
       <p:nvGrpSpPr>
@@ -4032,7 +3963,7 @@
     </p:spTree>
     <p:extLst>
       <p:ext uri="{BB962C8B-B14F-4D97-AF65-F5344CB8AC3E}">
-        <p14:creationId xmlns:p14="http://schemas.microsoft.com/office/powerpoint/2010/main" val="2486950759"/>
+        <p14:creationId xmlns:p14="http://schemas.microsoft.com/office/powerpoint/2010/main" val="1689259172"/>
       </p:ext>
     </p:extLst>
   </p:cSld>
@@ -4079,48 +4010,6 @@
           <a:chExt cx="0" cy="0"/>
         </a:xfrm>
       </p:grpSpPr>
-      <p:pic>
-        <p:nvPicPr>
-          <p:cNvPr id="14" name="Picture 13">
-            <a:extLst>
-              <a:ext uri="{FF2B5EF4-FFF2-40B4-BE49-F238E27FC236}">
-                <a16:creationId xmlns:a16="http://schemas.microsoft.com/office/drawing/2014/main" id="{ED1C1369-A08C-454A-B0B5-0955BB31B118}"/>
-              </a:ext>
-            </a:extLst>
-          </p:cNvPr>
-          <p:cNvPicPr>
-            <a:picLocks noChangeAspect="1"/>
-          </p:cNvPicPr>
-          <p:nvPr userDrawn="1"/>
-        </p:nvPicPr>
-        <p:blipFill rotWithShape="1">
-          <a:blip r:embed="rId12">
-            <a:extLst>
-              <a:ext uri="{28A0092B-C50C-407E-A947-70E740481C1C}">
-                <a14:useLocalDpi xmlns:a14="http://schemas.microsoft.com/office/drawing/2010/main" val="0"/>
-              </a:ext>
-            </a:extLst>
-          </a:blip>
-          <a:srcRect r="58932" b="1495"/>
-          <a:stretch/>
-        </p:blipFill>
-        <p:spPr>
-          <a:xfrm>
-            <a:off x="9335860" y="0"/>
-            <a:ext cx="2852965" cy="4078297"/>
-          </a:xfrm>
-          <a:prstGeom prst="rect">
-            <a:avLst/>
-          </a:prstGeom>
-          <a:effectLst>
-            <a:outerShdw blurRad="50800" dist="50800" dir="5400000" algn="ctr" rotWithShape="0">
-              <a:srgbClr val="000000">
-                <a:alpha val="0"/>
-              </a:srgbClr>
-            </a:outerShdw>
-          </a:effectLst>
-        </p:spPr>
-      </p:pic>
       <p:sp>
         <p:nvSpPr>
           <p:cNvPr id="1026" name="Title Placeholder 1"/>
@@ -4246,7 +4135,7 @@
           <p:nvPr userDrawn="1"/>
         </p:nvPicPr>
         <p:blipFill>
-          <a:blip r:embed="rId13" cstate="print">
+          <a:blip r:embed="rId11" cstate="print">
             <a:extLst>
               <a:ext uri="{28A0092B-C50C-407E-A947-70E740481C1C}">
                 <a14:useLocalDpi xmlns:a14="http://schemas.microsoft.com/office/drawing/2010/main" val="0"/>
@@ -4259,7 +4148,7 @@
         </p:blipFill>
         <p:spPr>
           <a:xfrm>
-            <a:off x="9741160" y="6183517"/>
+            <a:off x="9741160" y="6185919"/>
             <a:ext cx="1971212" cy="533060"/>
           </a:xfrm>
           <a:prstGeom prst="rect">
@@ -4372,10 +4261,10 @@
       </p:sp>
       <p:pic>
         <p:nvPicPr>
-          <p:cNvPr id="10" name="Picture 9" descr="IDEAS_logo.png">
+          <p:cNvPr id="3" name="Picture 2" descr="A picture containing shape&#10;&#10;Description automatically generated">
             <a:extLst>
               <a:ext uri="{FF2B5EF4-FFF2-40B4-BE49-F238E27FC236}">
-                <a16:creationId xmlns:a16="http://schemas.microsoft.com/office/drawing/2014/main" id="{B8E2FEED-84DC-4438-B439-E3DA7A28736A}"/>
+                <a16:creationId xmlns:a16="http://schemas.microsoft.com/office/drawing/2014/main" id="{2A4943B8-0F89-4A94-B130-A128F45E57C4}"/>
               </a:ext>
             </a:extLst>
           </p:cNvPr>
@@ -4385,10 +4274,10 @@
           <p:nvPr userDrawn="1"/>
         </p:nvPicPr>
         <p:blipFill>
-          <a:blip r:embed="rId14" cstate="print">
+          <a:blip r:embed="rId12">
             <a:extLst>
               <a:ext uri="{28A0092B-C50C-407E-A947-70E740481C1C}">
-                <a14:useLocalDpi xmlns:a14="http://schemas.microsoft.com/office/drawing/2010/main"/>
+                <a14:useLocalDpi xmlns:a14="http://schemas.microsoft.com/office/drawing/2010/main" val="0"/>
               </a:ext>
             </a:extLst>
           </a:blip>
@@ -4398,8 +4287,8 @@
         </p:blipFill>
         <p:spPr>
           <a:xfrm>
-            <a:off x="7663530" y="6156960"/>
-            <a:ext cx="1845330" cy="640080"/>
+            <a:off x="7806050" y="6114121"/>
+            <a:ext cx="1560289" cy="676656"/>
           </a:xfrm>
           <a:prstGeom prst="rect">
             <a:avLst/>
@@ -4416,15 +4305,14 @@
   <p:clrMap bg1="lt1" tx1="dk1" bg2="lt2" tx2="dk2" accent1="accent1" accent2="accent2" accent3="accent3" accent4="accent4" accent5="accent5" accent6="accent6" hlink="hlink" folHlink="folHlink"/>
   <p:sldLayoutIdLst>
     <p:sldLayoutId id="2147483949" r:id="rId1"/>
-    <p:sldLayoutId id="2147483937" r:id="rId2"/>
-    <p:sldLayoutId id="2147483939" r:id="rId3"/>
-    <p:sldLayoutId id="2147483950" r:id="rId4"/>
-    <p:sldLayoutId id="2147483940" r:id="rId5"/>
-    <p:sldLayoutId id="2147483941" r:id="rId6"/>
-    <p:sldLayoutId id="2147483951" r:id="rId7"/>
+    <p:sldLayoutId id="2147483951" r:id="rId2"/>
+    <p:sldLayoutId id="2147483937" r:id="rId3"/>
+    <p:sldLayoutId id="2147483939" r:id="rId4"/>
+    <p:sldLayoutId id="2147483950" r:id="rId5"/>
+    <p:sldLayoutId id="2147483940" r:id="rId6"/>
+    <p:sldLayoutId id="2147483941" r:id="rId7"/>
     <p:sldLayoutId id="2147483952" r:id="rId8"/>
-    <p:sldLayoutId id="2147483958" r:id="rId9"/>
-    <p:sldLayoutId id="2147483959" r:id="rId10"/>
+    <p:sldLayoutId id="2147483953" r:id="rId9"/>
   </p:sldLayoutIdLst>
   <p:hf hdr="0" ftr="0" dt="0"/>
   <p:txStyles>
@@ -4969,129 +4857,6 @@
           </a:p>
         </p:txBody>
       </p:sp>
-      <p:pic>
-        <p:nvPicPr>
-          <p:cNvPr id="6" name="Picture 2" descr="https://licensebuttons.net/l/by/4.0/88x31.png">
-            <a:extLst>
-              <a:ext uri="{FF2B5EF4-FFF2-40B4-BE49-F238E27FC236}">
-                <a16:creationId xmlns:a16="http://schemas.microsoft.com/office/drawing/2014/main" id="{24EAF368-FA38-4254-8E55-6E4D872226E6}"/>
-              </a:ext>
-            </a:extLst>
-          </p:cNvPr>
-          <p:cNvPicPr>
-            <a:picLocks noChangeAspect="1" noChangeArrowheads="1"/>
-          </p:cNvPicPr>
-          <p:nvPr/>
-        </p:nvPicPr>
-        <p:blipFill>
-          <a:blip r:embed="rId2">
-            <a:extLst>
-              <a:ext uri="{28A0092B-C50C-407E-A947-70E740481C1C}">
-                <a14:useLocalDpi xmlns:a14="http://schemas.microsoft.com/office/drawing/2010/main" val="0"/>
-              </a:ext>
-            </a:extLst>
-          </a:blip>
-          <a:srcRect/>
-          <a:stretch>
-            <a:fillRect/>
-          </a:stretch>
-        </p:blipFill>
-        <p:spPr bwMode="auto">
-          <a:xfrm>
-            <a:off x="365760" y="5539716"/>
-            <a:ext cx="1661258" cy="585216"/>
-          </a:xfrm>
-          <a:prstGeom prst="rect">
-            <a:avLst/>
-          </a:prstGeom>
-          <a:noFill/>
-          <a:extLst>
-            <a:ext uri="{909E8E84-426E-40DD-AFC4-6F175D3DCCD1}">
-              <a14:hiddenFill xmlns:a14="http://schemas.microsoft.com/office/drawing/2010/main">
-                <a:solidFill>
-                  <a:srgbClr val="FFFFFF"/>
-                </a:solidFill>
-              </a14:hiddenFill>
-            </a:ext>
-          </a:extLst>
-        </p:spPr>
-      </p:pic>
-      <p:sp>
-        <p:nvSpPr>
-          <p:cNvPr id="7" name="TextBox 6">
-            <a:extLst>
-              <a:ext uri="{FF2B5EF4-FFF2-40B4-BE49-F238E27FC236}">
-                <a16:creationId xmlns:a16="http://schemas.microsoft.com/office/drawing/2014/main" id="{306FBB1C-6D6D-47D4-86AC-DD5BECCBEE38}"/>
-              </a:ext>
-            </a:extLst>
-          </p:cNvPr>
-          <p:cNvSpPr txBox="1"/>
-          <p:nvPr/>
-        </p:nvSpPr>
-        <p:spPr>
-          <a:xfrm>
-            <a:off x="2036432" y="5619958"/>
-            <a:ext cx="1171114" cy="424732"/>
-          </a:xfrm>
-          <a:prstGeom prst="rect">
-            <a:avLst/>
-          </a:prstGeom>
-          <a:noFill/>
-        </p:spPr>
-        <p:txBody>
-          <a:bodyPr wrap="square" rtlCol="0">
-            <a:spAutoFit/>
-          </a:bodyPr>
-          <a:lstStyle/>
-          <a:p>
-            <a:pPr algn="ctr">
-              <a:lnSpc>
-                <a:spcPct val="90000"/>
-              </a:lnSpc>
-            </a:pPr>
-            <a:r>
-              <a:rPr lang="en-US" sz="1200" dirty="0"/>
-              <a:t>See slide 2 for license details</a:t>
-            </a:r>
-          </a:p>
-        </p:txBody>
-      </p:sp>
-      <p:pic>
-        <p:nvPicPr>
-          <p:cNvPr id="3" name="Picture 2">
-            <a:extLst>
-              <a:ext uri="{FF2B5EF4-FFF2-40B4-BE49-F238E27FC236}">
-                <a16:creationId xmlns:a16="http://schemas.microsoft.com/office/drawing/2014/main" id="{07E0F5D5-EB80-46D1-B8E1-4DCB8E956DD4}"/>
-              </a:ext>
-            </a:extLst>
-          </p:cNvPr>
-          <p:cNvPicPr>
-            <a:picLocks noChangeAspect="1"/>
-          </p:cNvPicPr>
-          <p:nvPr/>
-        </p:nvPicPr>
-        <p:blipFill>
-          <a:blip r:embed="rId3" cstate="print">
-            <a:extLst>
-              <a:ext uri="{28A0092B-C50C-407E-A947-70E740481C1C}">
-                <a14:useLocalDpi xmlns:a14="http://schemas.microsoft.com/office/drawing/2010/main" val="0"/>
-              </a:ext>
-            </a:extLst>
-          </a:blip>
-          <a:stretch>
-            <a:fillRect/>
-          </a:stretch>
-        </p:blipFill>
-        <p:spPr>
-          <a:xfrm>
-            <a:off x="271981" y="2924866"/>
-            <a:ext cx="2350008" cy="1008267"/>
-          </a:xfrm>
-          <a:prstGeom prst="rect">
-            <a:avLst/>
-          </a:prstGeom>
-        </p:spPr>
-      </p:pic>
     </p:spTree>
     <p:extLst>
       <p:ext uri="{BB962C8B-B14F-4D97-AF65-F5344CB8AC3E}">
@@ -8983,13 +8748,13 @@
   <p:clrMapOvr>
     <a:masterClrMapping/>
   </p:clrMapOvr>
-  <mc:AlternateContent xmlns:mc="http://schemas.openxmlformats.org/markup-compatibility/2006">
-    <mc:Choice xmlns:p14="http://schemas.microsoft.com/office/powerpoint/2010/main" Requires="p14">
+  <mc:AlternateContent xmlns:mc="http://schemas.openxmlformats.org/markup-compatibility/2006" xmlns:p14="http://schemas.microsoft.com/office/powerpoint/2010/main">
+    <mc:Choice Requires="p14">
       <p:transition p14:dur="250">
         <p:fade/>
       </p:transition>
     </mc:Choice>
-    <mc:Fallback>
+    <mc:Fallback xmlns="">
       <p:transition>
         <p:fade/>
       </p:transition>
@@ -9387,13 +9152,13 @@
   <p:clrMapOvr>
     <a:masterClrMapping/>
   </p:clrMapOvr>
-  <mc:AlternateContent xmlns:mc="http://schemas.openxmlformats.org/markup-compatibility/2006">
-    <mc:Choice xmlns:p14="http://schemas.microsoft.com/office/powerpoint/2010/main" Requires="p14">
+  <mc:AlternateContent xmlns:mc="http://schemas.openxmlformats.org/markup-compatibility/2006" xmlns:p14="http://schemas.microsoft.com/office/powerpoint/2010/main">
+    <mc:Choice Requires="p14">
       <p:transition p14:dur="250">
         <p:fade/>
       </p:transition>
     </mc:Choice>
-    <mc:Fallback>
+    <mc:Fallback xmlns="">
       <p:transition>
         <p:fade/>
       </p:transition>
@@ -9878,13 +9643,13 @@
   <p:clrMapOvr>
     <a:masterClrMapping/>
   </p:clrMapOvr>
-  <mc:AlternateContent xmlns:mc="http://schemas.openxmlformats.org/markup-compatibility/2006">
-    <mc:Choice xmlns:p14="http://schemas.microsoft.com/office/powerpoint/2010/main" Requires="p14">
+  <mc:AlternateContent xmlns:mc="http://schemas.openxmlformats.org/markup-compatibility/2006" xmlns:p14="http://schemas.microsoft.com/office/powerpoint/2010/main">
+    <mc:Choice Requires="p14">
       <p:transition p14:dur="250">
         <p:fade/>
       </p:transition>
     </mc:Choice>
-    <mc:Fallback>
+    <mc:Fallback xmlns="">
       <p:transition>
         <p:fade/>
       </p:transition>
@@ -10028,13 +9793,13 @@
   <p:clrMapOvr>
     <a:masterClrMapping/>
   </p:clrMapOvr>
-  <mc:AlternateContent xmlns:mc="http://schemas.openxmlformats.org/markup-compatibility/2006">
-    <mc:Choice xmlns:p14="http://schemas.microsoft.com/office/powerpoint/2010/main" Requires="p14">
+  <mc:AlternateContent xmlns:mc="http://schemas.openxmlformats.org/markup-compatibility/2006" xmlns:p14="http://schemas.microsoft.com/office/powerpoint/2010/main">
+    <mc:Choice Requires="p14">
       <p:transition p14:dur="250">
         <p:fade/>
       </p:transition>
     </mc:Choice>
-    <mc:Fallback>
+    <mc:Fallback xmlns="">
       <p:transition>
         <p:fade/>
       </p:transition>
@@ -10178,13 +9943,13 @@
   <p:clrMapOvr>
     <a:masterClrMapping/>
   </p:clrMapOvr>
-  <mc:AlternateContent xmlns:mc="http://schemas.openxmlformats.org/markup-compatibility/2006">
-    <mc:Choice xmlns:p14="http://schemas.microsoft.com/office/powerpoint/2010/main" Requires="p14">
+  <mc:AlternateContent xmlns:mc="http://schemas.openxmlformats.org/markup-compatibility/2006" xmlns:p14="http://schemas.microsoft.com/office/powerpoint/2010/main">
+    <mc:Choice Requires="p14">
       <p:transition p14:dur="250">
         <p:fade/>
       </p:transition>
     </mc:Choice>
-    <mc:Fallback>
+    <mc:Fallback xmlns="">
       <p:transition>
         <p:fade/>
       </p:transition>
@@ -10272,13 +10037,13 @@
   <p:clrMapOvr>
     <a:masterClrMapping/>
   </p:clrMapOvr>
-  <mc:AlternateContent xmlns:mc="http://schemas.openxmlformats.org/markup-compatibility/2006">
-    <mc:Choice xmlns:p14="http://schemas.microsoft.com/office/powerpoint/2010/main" Requires="p14">
+  <mc:AlternateContent xmlns:mc="http://schemas.openxmlformats.org/markup-compatibility/2006" xmlns:p14="http://schemas.microsoft.com/office/powerpoint/2010/main">
+    <mc:Choice Requires="p14">
       <p:transition p14:dur="250">
         <p:fade/>
       </p:transition>
     </mc:Choice>
-    <mc:Fallback>
+    <mc:Fallback xmlns="">
       <p:transition>
         <p:fade/>
       </p:transition>
@@ -10424,13 +10189,13 @@
   <p:clrMapOvr>
     <a:masterClrMapping/>
   </p:clrMapOvr>
-  <mc:AlternateContent xmlns:mc="http://schemas.openxmlformats.org/markup-compatibility/2006">
-    <mc:Choice xmlns:p14="http://schemas.microsoft.com/office/powerpoint/2010/main" Requires="p14">
+  <mc:AlternateContent xmlns:mc="http://schemas.openxmlformats.org/markup-compatibility/2006" xmlns:p14="http://schemas.microsoft.com/office/powerpoint/2010/main">
+    <mc:Choice Requires="p14">
       <p:transition p14:dur="250">
         <p:fade/>
       </p:transition>
     </mc:Choice>
-    <mc:Fallback>
+    <mc:Fallback xmlns="">
       <p:transition>
         <p:fade/>
       </p:transition>
@@ -10570,13 +10335,13 @@
   <p:clrMapOvr>
     <a:masterClrMapping/>
   </p:clrMapOvr>
-  <mc:AlternateContent xmlns:mc="http://schemas.openxmlformats.org/markup-compatibility/2006">
-    <mc:Choice xmlns:p14="http://schemas.microsoft.com/office/powerpoint/2010/main" Requires="p14">
+  <mc:AlternateContent xmlns:mc="http://schemas.openxmlformats.org/markup-compatibility/2006" xmlns:p14="http://schemas.microsoft.com/office/powerpoint/2010/main">
+    <mc:Choice Requires="p14">
       <p:transition p14:dur="250">
         <p:fade/>
       </p:transition>
     </mc:Choice>
-    <mc:Fallback>
+    <mc:Fallback xmlns="">
       <p:transition>
         <p:fade/>
       </p:transition>
@@ -11024,13 +10789,13 @@
   <p:clrMapOvr>
     <a:masterClrMapping/>
   </p:clrMapOvr>
-  <mc:AlternateContent xmlns:mc="http://schemas.openxmlformats.org/markup-compatibility/2006">
-    <mc:Choice xmlns:p14="http://schemas.microsoft.com/office/powerpoint/2010/main" Requires="p14">
+  <mc:AlternateContent xmlns:mc="http://schemas.openxmlformats.org/markup-compatibility/2006" xmlns:p14="http://schemas.microsoft.com/office/powerpoint/2010/main">
+    <mc:Choice Requires="p14">
       <p:transition p14:dur="250">
         <p:fade/>
       </p:transition>
     </mc:Choice>
-    <mc:Fallback>
+    <mc:Fallback xmlns="">
       <p:transition>
         <p:fade/>
       </p:transition>
@@ -11760,13 +11525,13 @@
   <p:clrMapOvr>
     <a:masterClrMapping/>
   </p:clrMapOvr>
-  <mc:AlternateContent xmlns:mc="http://schemas.openxmlformats.org/markup-compatibility/2006">
-    <mc:Choice xmlns:p14="http://schemas.microsoft.com/office/powerpoint/2010/main" Requires="p14">
+  <mc:AlternateContent xmlns:mc="http://schemas.openxmlformats.org/markup-compatibility/2006" xmlns:p14="http://schemas.microsoft.com/office/powerpoint/2010/main">
+    <mc:Choice Requires="p14">
       <p:transition p14:dur="250">
         <p:fade/>
       </p:transition>
     </mc:Choice>
-    <mc:Fallback>
+    <mc:Fallback xmlns="">
       <p:transition>
         <p:fade/>
       </p:transition>
@@ -12162,13 +11927,13 @@
   <p:clrMapOvr>
     <a:masterClrMapping/>
   </p:clrMapOvr>
-  <mc:AlternateContent xmlns:mc="http://schemas.openxmlformats.org/markup-compatibility/2006">
-    <mc:Choice xmlns:p14="http://schemas.microsoft.com/office/powerpoint/2010/main" Requires="p14">
+  <mc:AlternateContent xmlns:mc="http://schemas.openxmlformats.org/markup-compatibility/2006" xmlns:p14="http://schemas.microsoft.com/office/powerpoint/2010/main">
+    <mc:Choice Requires="p14">
       <p:transition p14:dur="250">
         <p:fade/>
       </p:transition>
     </mc:Choice>
-    <mc:Fallback>
+    <mc:Fallback xmlns="">
       <p:transition>
         <p:fade/>
       </p:transition>
@@ -12296,13 +12061,13 @@
   <p:clrMapOvr>
     <a:masterClrMapping/>
   </p:clrMapOvr>
-  <mc:AlternateContent xmlns:mc="http://schemas.openxmlformats.org/markup-compatibility/2006">
-    <mc:Choice xmlns:p14="http://schemas.microsoft.com/office/powerpoint/2010/main" Requires="p14">
+  <mc:AlternateContent xmlns:mc="http://schemas.openxmlformats.org/markup-compatibility/2006" xmlns:p14="http://schemas.microsoft.com/office/powerpoint/2010/main">
+    <mc:Choice Requires="p14">
       <p:transition p14:dur="250">
         <p:fade/>
       </p:transition>
     </mc:Choice>
-    <mc:Fallback>
+    <mc:Fallback xmlns="">
       <p:transition>
         <p:fade/>
       </p:transition>
@@ -12932,13 +12697,13 @@
   <p:clrMapOvr>
     <a:masterClrMapping/>
   </p:clrMapOvr>
-  <mc:AlternateContent xmlns:mc="http://schemas.openxmlformats.org/markup-compatibility/2006">
-    <mc:Choice xmlns:p14="http://schemas.microsoft.com/office/powerpoint/2010/main" Requires="p14">
+  <mc:AlternateContent xmlns:mc="http://schemas.openxmlformats.org/markup-compatibility/2006" xmlns:p14="http://schemas.microsoft.com/office/powerpoint/2010/main">
+    <mc:Choice Requires="p14">
       <p:transition p14:dur="250">
         <p:fade/>
       </p:transition>
     </mc:Choice>
-    <mc:Fallback>
+    <mc:Fallback xmlns="">
       <p:transition>
         <p:fade/>
       </p:transition>
@@ -13860,9 +13625,12 @@
 </file>
 
 <file path=customXml/item1.xml><?xml version="1.0" encoding="utf-8"?>
-<p:properties xmlns:p="http://schemas.microsoft.com/office/2006/metadata/properties" xmlns:xsi="http://www.w3.org/2001/XMLSchema-instance" xmlns:pc="http://schemas.microsoft.com/office/infopath/2007/PartnerControls">
-  <documentManagement/>
-</p:properties>
+<?mso-contentType ?>
+<FormTemplates xmlns="http://schemas.microsoft.com/sharepoint/v3/contenttype/forms">
+  <Display>DocumentLibraryForm</Display>
+  <Edit>DocumentLibraryForm</Edit>
+  <New>DocumentLibraryForm</New>
+</FormTemplates>
 </file>
 
 <file path=customXml/item2.xml><?xml version="1.0" encoding="utf-8"?>
@@ -13915,25 +13683,15 @@
 </file>
 
 <file path=customXml/item3.xml><?xml version="1.0" encoding="utf-8"?>
-<?mso-contentType ?>
-<FormTemplates xmlns="http://schemas.microsoft.com/sharepoint/v3/contenttype/forms">
-  <Display>DocumentLibraryForm</Display>
-  <Edit>DocumentLibraryForm</Edit>
-  <New>DocumentLibraryForm</New>
-</FormTemplates>
+<p:properties xmlns:p="http://schemas.microsoft.com/office/2006/metadata/properties" xmlns:xsi="http://www.w3.org/2001/XMLSchema-instance" xmlns:pc="http://schemas.microsoft.com/office/infopath/2007/PartnerControls">
+  <documentManagement/>
+</p:properties>
 </file>
 
 <file path=customXml/itemProps1.xml><?xml version="1.0" encoding="utf-8"?>
-<ds:datastoreItem xmlns:ds="http://schemas.openxmlformats.org/officeDocument/2006/customXml" ds:itemID="{A50EC660-24D0-43A0-AE5E-E274115E726B}">
+<ds:datastoreItem xmlns:ds="http://schemas.openxmlformats.org/officeDocument/2006/customXml" ds:itemID="{19E20559-B232-4371-8690-E3D8007EDB82}">
   <ds:schemaRefs>
-    <ds:schemaRef ds:uri="http://purl.org/dc/terms/"/>
-    <ds:schemaRef ds:uri="http://schemas.openxmlformats.org/package/2006/metadata/core-properties"/>
-    <ds:schemaRef ds:uri="http://schemas.microsoft.com/office/2006/documentManagement/types"/>
-    <ds:schemaRef ds:uri="http://purl.org/dc/elements/1.1/"/>
-    <ds:schemaRef ds:uri="http://schemas.microsoft.com/office/2006/metadata/properties"/>
-    <ds:schemaRef ds:uri="http://www.w3.org/XML/1998/namespace"/>
-    <ds:schemaRef ds:uri="http://purl.org/dc/dcmitype/"/>
-    <ds:schemaRef ds:uri="http://schemas.microsoft.com/office/infopath/2007/PartnerControls"/>
+    <ds:schemaRef ds:uri="http://schemas.microsoft.com/sharepoint/v3/contenttype/forms"/>
   </ds:schemaRefs>
 </ds:datastoreItem>
 </file>
@@ -13954,9 +13712,16 @@
 </file>
 
 <file path=customXml/itemProps3.xml><?xml version="1.0" encoding="utf-8"?>
-<ds:datastoreItem xmlns:ds="http://schemas.openxmlformats.org/officeDocument/2006/customXml" ds:itemID="{19E20559-B232-4371-8690-E3D8007EDB82}">
+<ds:datastoreItem xmlns:ds="http://schemas.openxmlformats.org/officeDocument/2006/customXml" ds:itemID="{A50EC660-24D0-43A0-AE5E-E274115E726B}">
   <ds:schemaRefs>
-    <ds:schemaRef ds:uri="http://schemas.microsoft.com/sharepoint/v3/contenttype/forms"/>
+    <ds:schemaRef ds:uri="http://purl.org/dc/elements/1.1/"/>
+    <ds:schemaRef ds:uri="http://schemas.microsoft.com/office/2006/metadata/properties"/>
+    <ds:schemaRef ds:uri="http://purl.org/dc/terms/"/>
+    <ds:schemaRef ds:uri="http://schemas.openxmlformats.org/package/2006/metadata/core-properties"/>
+    <ds:schemaRef ds:uri="http://schemas.microsoft.com/office/2006/documentManagement/types"/>
+    <ds:schemaRef ds:uri="http://www.w3.org/XML/1998/namespace"/>
+    <ds:schemaRef ds:uri="http://purl.org/dc/dcmitype/"/>
+    <ds:schemaRef ds:uri="http://schemas.microsoft.com/office/infopath/2007/PartnerControls"/>
   </ds:schemaRefs>
 </ds:datastoreItem>
 </file>
--- a/refactoring.pptx
+++ b/refactoring.pptx
@@ -5,10 +5,10 @@
     <p:sldMasterId id="2147483935" r:id="rId4"/>
   </p:sldMasterIdLst>
   <p:notesMasterIdLst>
-    <p:notesMasterId r:id="rId29"/>
+    <p:notesMasterId r:id="rId30"/>
   </p:notesMasterIdLst>
   <p:handoutMasterIdLst>
-    <p:handoutMasterId r:id="rId30"/>
+    <p:handoutMasterId r:id="rId31"/>
   </p:handoutMasterIdLst>
   <p:sldIdLst>
     <p:sldId id="626" r:id="rId5"/>
@@ -20,21 +20,22 @@
     <p:sldId id="586" r:id="rId11"/>
     <p:sldId id="297" r:id="rId12"/>
     <p:sldId id="628" r:id="rId13"/>
-    <p:sldId id="605" r:id="rId14"/>
-    <p:sldId id="624" r:id="rId15"/>
-    <p:sldId id="617" r:id="rId16"/>
-    <p:sldId id="618" r:id="rId17"/>
-    <p:sldId id="620" r:id="rId18"/>
-    <p:sldId id="622" r:id="rId19"/>
-    <p:sldId id="623" r:id="rId20"/>
-    <p:sldId id="619" r:id="rId21"/>
-    <p:sldId id="266" r:id="rId22"/>
-    <p:sldId id="585" r:id="rId23"/>
-    <p:sldId id="629" r:id="rId24"/>
-    <p:sldId id="630" r:id="rId25"/>
-    <p:sldId id="631" r:id="rId26"/>
-    <p:sldId id="632" r:id="rId27"/>
-    <p:sldId id="571" r:id="rId28"/>
+    <p:sldId id="633" r:id="rId14"/>
+    <p:sldId id="605" r:id="rId15"/>
+    <p:sldId id="624" r:id="rId16"/>
+    <p:sldId id="617" r:id="rId17"/>
+    <p:sldId id="618" r:id="rId18"/>
+    <p:sldId id="620" r:id="rId19"/>
+    <p:sldId id="622" r:id="rId20"/>
+    <p:sldId id="623" r:id="rId21"/>
+    <p:sldId id="619" r:id="rId22"/>
+    <p:sldId id="266" r:id="rId23"/>
+    <p:sldId id="585" r:id="rId24"/>
+    <p:sldId id="629" r:id="rId25"/>
+    <p:sldId id="630" r:id="rId26"/>
+    <p:sldId id="631" r:id="rId27"/>
+    <p:sldId id="632" r:id="rId28"/>
+    <p:sldId id="571" r:id="rId29"/>
   </p:sldIdLst>
   <p:sldSz cx="12188825" cy="6858000"/>
   <p:notesSz cx="7010400" cy="9296400"/>
@@ -278,7 +279,7 @@
           <a:p>
             <a:fld id="{0B842F42-2CE9-4E35-95C1-410DC08A50B1}" type="datetimeFigureOut">
               <a:rPr lang="en-US" smtClean="0"/>
-              <a:t>5/21/2021</a:t>
+              <a:t>6/11/21</a:t>
             </a:fld>
             <a:endParaRPr lang="en-US"/>
           </a:p>
@@ -443,7 +444,7 @@
           <a:p>
             <a:fld id="{6F282904-F315-4730-8D91-37D99E141A6F}" type="datetimeFigureOut">
               <a:rPr lang="en-US" smtClean="0"/>
-              <a:t>5/21/2021</a:t>
+              <a:t>6/11/21</a:t>
             </a:fld>
             <a:endParaRPr lang="en-US"/>
           </a:p>
@@ -915,6 +916,95 @@
             <p:ph type="sldImg"/>
           </p:nvPr>
         </p:nvSpPr>
+        <p:spPr>
+          <a:xfrm>
+            <a:off x="407988" y="696913"/>
+            <a:ext cx="6194425" cy="3486150"/>
+          </a:xfrm>
+        </p:spPr>
+      </p:sp>
+      <p:sp>
+        <p:nvSpPr>
+          <p:cNvPr id="3" name="Notes Placeholder 2"/>
+          <p:cNvSpPr>
+            <a:spLocks noGrp="1"/>
+          </p:cNvSpPr>
+          <p:nvPr>
+            <p:ph type="body" idx="1"/>
+          </p:nvPr>
+        </p:nvSpPr>
+        <p:spPr/>
+        <p:txBody>
+          <a:bodyPr/>
+          <a:lstStyle/>
+          <a:p>
+            <a:endParaRPr lang="en-US" dirty="0"/>
+          </a:p>
+        </p:txBody>
+      </p:sp>
+      <p:sp>
+        <p:nvSpPr>
+          <p:cNvPr id="4" name="Slide Number Placeholder 3"/>
+          <p:cNvSpPr>
+            <a:spLocks noGrp="1"/>
+          </p:cNvSpPr>
+          <p:nvPr>
+            <p:ph type="sldNum" sz="quarter" idx="10"/>
+          </p:nvPr>
+        </p:nvSpPr>
+        <p:spPr/>
+        <p:txBody>
+          <a:bodyPr/>
+          <a:lstStyle/>
+          <a:p>
+            <a:fld id="{A546EF7F-2180-5947-8246-D3E867E2B048}" type="slidenum">
+              <a:rPr lang="en-US" smtClean="0"/>
+              <a:t>10</a:t>
+            </a:fld>
+            <a:endParaRPr lang="en-US"/>
+          </a:p>
+        </p:txBody>
+      </p:sp>
+    </p:spTree>
+    <p:extLst>
+      <p:ext uri="{BB962C8B-B14F-4D97-AF65-F5344CB8AC3E}">
+        <p14:creationId xmlns:p14="http://schemas.microsoft.com/office/powerpoint/2010/main" val="1417273929"/>
+      </p:ext>
+    </p:extLst>
+  </p:cSld>
+  <p:clrMapOvr>
+    <a:masterClrMapping/>
+  </p:clrMapOvr>
+</p:notes>
+</file>
+
+<file path=ppt/notesSlides/notesSlide4.xml><?xml version="1.0" encoding="utf-8"?>
+<p:notes xmlns:a="http://schemas.openxmlformats.org/drawingml/2006/main" xmlns:r="http://schemas.openxmlformats.org/officeDocument/2006/relationships" xmlns:p="http://schemas.openxmlformats.org/presentationml/2006/main">
+  <p:cSld>
+    <p:spTree>
+      <p:nvGrpSpPr>
+        <p:cNvPr id="1" name=""/>
+        <p:cNvGrpSpPr/>
+        <p:nvPr/>
+      </p:nvGrpSpPr>
+      <p:grpSpPr>
+        <a:xfrm>
+          <a:off x="0" y="0"/>
+          <a:ext cx="0" cy="0"/>
+          <a:chOff x="0" y="0"/>
+          <a:chExt cx="0" cy="0"/>
+        </a:xfrm>
+      </p:grpSpPr>
+      <p:sp>
+        <p:nvSpPr>
+          <p:cNvPr id="2" name="Slide Image Placeholder 1"/>
+          <p:cNvSpPr>
+            <a:spLocks noGrp="1" noRot="1" noChangeAspect="1"/>
+          </p:cNvSpPr>
+          <p:nvPr>
+            <p:ph type="sldImg"/>
+          </p:nvPr>
+        </p:nvSpPr>
         <p:spPr/>
       </p:sp>
       <p:sp>
@@ -956,7 +1046,7 @@
           <a:p>
             <a:fld id="{3EAA7A1A-8011-3A42-91B8-EE1BD44E4455}" type="slidenum">
               <a:rPr lang="en-US" smtClean="0"/>
-              <a:t>18</a:t>
+              <a:t>19</a:t>
             </a:fld>
             <a:endParaRPr lang="en-US"/>
           </a:p>
@@ -4841,7 +4931,7 @@
             </a:pPr>
             <a:r>
               <a:rPr lang="en-US" dirty="0"/>
-              <a:t>Better Scientific Software Tutorial, ISS, March 2021</a:t>
+              <a:t>Better Scientific Software Tutorial, ISC, June 2021</a:t>
             </a:r>
           </a:p>
           <a:p>
@@ -4871,6 +4961,642 @@
 </file>
 
 <file path=ppt/slides/slide10.xml><?xml version="1.0" encoding="utf-8"?>
+<p:sld xmlns:a="http://schemas.openxmlformats.org/drawingml/2006/main" xmlns:r="http://schemas.openxmlformats.org/officeDocument/2006/relationships" xmlns:p="http://schemas.openxmlformats.org/presentationml/2006/main">
+  <p:cSld>
+    <p:spTree>
+      <p:nvGrpSpPr>
+        <p:cNvPr id="1" name=""/>
+        <p:cNvGrpSpPr/>
+        <p:nvPr/>
+      </p:nvGrpSpPr>
+      <p:grpSpPr>
+        <a:xfrm>
+          <a:off x="0" y="0"/>
+          <a:ext cx="0" cy="0"/>
+          <a:chOff x="0" y="0"/>
+          <a:chExt cx="0" cy="0"/>
+        </a:xfrm>
+      </p:grpSpPr>
+      <p:sp>
+        <p:nvSpPr>
+          <p:cNvPr id="3" name="Content Placeholder 2"/>
+          <p:cNvSpPr>
+            <a:spLocks noGrp="1"/>
+          </p:cNvSpPr>
+          <p:nvPr>
+            <p:ph idx="1"/>
+          </p:nvPr>
+        </p:nvSpPr>
+        <p:spPr>
+          <a:xfrm>
+            <a:off x="609442" y="1301408"/>
+            <a:ext cx="5166127" cy="4422776"/>
+          </a:xfrm>
+        </p:spPr>
+        <p:txBody>
+          <a:bodyPr/>
+          <a:lstStyle/>
+          <a:p>
+            <a:r>
+              <a:rPr lang="en-US" dirty="0"/>
+              <a:t>Know your cost estimates</a:t>
+            </a:r>
+          </a:p>
+          <a:p>
+            <a:r>
+              <a:rPr lang="en-US" dirty="0"/>
+              <a:t>Verification</a:t>
+            </a:r>
+          </a:p>
+          <a:p>
+            <a:pPr lvl="1"/>
+            <a:r>
+              <a:rPr lang="en-US" dirty="0"/>
+              <a:t>Check for coverage provided by existing tests</a:t>
+            </a:r>
+          </a:p>
+          <a:p>
+            <a:pPr lvl="1"/>
+            <a:r>
+              <a:rPr lang="en-US" dirty="0"/>
+              <a:t>Develop new tests where there are gaps</a:t>
+            </a:r>
+          </a:p>
+          <a:p>
+            <a:pPr lvl="1"/>
+            <a:r>
+              <a:rPr lang="en-US" dirty="0"/>
+              <a:t>Make sure tests exist at different granularities</a:t>
+            </a:r>
+          </a:p>
+          <a:p>
+            <a:pPr lvl="2"/>
+            <a:r>
+              <a:rPr lang="en-US" dirty="0"/>
+              <a:t>There should be demanding integration and system level tests</a:t>
+            </a:r>
+          </a:p>
+          <a:p>
+            <a:endParaRPr lang="en-US" dirty="0"/>
+          </a:p>
+        </p:txBody>
+      </p:sp>
+      <p:sp>
+        <p:nvSpPr>
+          <p:cNvPr id="11" name="Title 10">
+            <a:extLst>
+              <a:ext uri="{FF2B5EF4-FFF2-40B4-BE49-F238E27FC236}">
+                <a16:creationId xmlns:a16="http://schemas.microsoft.com/office/drawing/2014/main" id="{9FFD9CD1-CB20-401F-B512-EEEA727ADB32}"/>
+              </a:ext>
+            </a:extLst>
+          </p:cNvPr>
+          <p:cNvSpPr>
+            <a:spLocks noGrp="1"/>
+          </p:cNvSpPr>
+          <p:nvPr>
+            <p:ph type="title"/>
+          </p:nvPr>
+        </p:nvSpPr>
+        <p:spPr/>
+        <p:txBody>
+          <a:bodyPr/>
+          <a:lstStyle/>
+          <a:p>
+            <a:r>
+              <a:rPr lang="en-US" dirty="0"/>
+              <a:t>Before Starting</a:t>
+            </a:r>
+          </a:p>
+        </p:txBody>
+      </p:sp>
+      <p:sp>
+        <p:nvSpPr>
+          <p:cNvPr id="5" name="Content Placeholder 2">
+            <a:extLst>
+              <a:ext uri="{FF2B5EF4-FFF2-40B4-BE49-F238E27FC236}">
+                <a16:creationId xmlns:a16="http://schemas.microsoft.com/office/drawing/2014/main" id="{9880F94E-35BF-204A-9D74-FAC1DA4C1624}"/>
+              </a:ext>
+            </a:extLst>
+          </p:cNvPr>
+          <p:cNvSpPr txBox="1">
+            <a:spLocks/>
+          </p:cNvSpPr>
+          <p:nvPr/>
+        </p:nvSpPr>
+        <p:spPr bwMode="auto">
+          <a:xfrm>
+            <a:off x="5838327" y="1301408"/>
+            <a:ext cx="5106570" cy="4170386"/>
+          </a:xfrm>
+          <a:prstGeom prst="rect">
+            <a:avLst/>
+          </a:prstGeom>
+          <a:noFill/>
+          <a:ln w="9525">
+            <a:noFill/>
+            <a:miter lim="800000"/>
+            <a:headEnd/>
+            <a:tailEnd/>
+          </a:ln>
+        </p:spPr>
+        <p:txBody>
+          <a:bodyPr vert="horz" wrap="square" lIns="91440" tIns="45720" rIns="91440" bIns="45720" numCol="1" anchor="t" anchorCtr="0" compatLnSpc="1">
+            <a:prstTxWarp prst="textNoShape">
+              <a:avLst/>
+            </a:prstTxWarp>
+            <a:normAutofit/>
+          </a:bodyPr>
+          <a:lstStyle>
+            <a:lvl1pPr marL="230188" indent="-230188" algn="l" rtl="0" eaLnBrk="1" fontAlgn="base" hangingPunct="1">
+              <a:lnSpc>
+                <a:spcPct val="90000"/>
+              </a:lnSpc>
+              <a:spcBef>
+                <a:spcPts val="1400"/>
+              </a:spcBef>
+              <a:spcAft>
+                <a:spcPct val="0"/>
+              </a:spcAft>
+              <a:buClr>
+                <a:schemeClr val="tx1"/>
+              </a:buClr>
+              <a:buFont typeface="Arial" charset="0"/>
+              <a:buChar char="•"/>
+              <a:defRPr sz="2400" kern="1200" baseline="0">
+                <a:solidFill>
+                  <a:schemeClr val="tx1"/>
+                </a:solidFill>
+                <a:latin typeface="+mn-lt"/>
+                <a:ea typeface="+mn-ea"/>
+                <a:cs typeface="+mn-cs"/>
+              </a:defRPr>
+            </a:lvl1pPr>
+            <a:lvl2pPr marL="625475" indent="-279400" algn="l" rtl="0" eaLnBrk="1" fontAlgn="base" hangingPunct="1">
+              <a:lnSpc>
+                <a:spcPct val="90000"/>
+              </a:lnSpc>
+              <a:spcBef>
+                <a:spcPts val="800"/>
+              </a:spcBef>
+              <a:spcAft>
+                <a:spcPct val="0"/>
+              </a:spcAft>
+              <a:buClr>
+                <a:schemeClr val="tx1"/>
+              </a:buClr>
+              <a:buFont typeface="Arial" charset="0"/>
+              <a:buChar char="–"/>
+              <a:defRPr sz="2000" kern="1200">
+                <a:solidFill>
+                  <a:schemeClr val="tx1"/>
+                </a:solidFill>
+                <a:latin typeface="+mn-lt"/>
+                <a:ea typeface="+mn-ea"/>
+                <a:cs typeface="+mn-cs"/>
+              </a:defRPr>
+            </a:lvl2pPr>
+            <a:lvl3pPr marL="914400" indent="-230188" algn="l" rtl="0" eaLnBrk="1" fontAlgn="base" hangingPunct="1">
+              <a:lnSpc>
+                <a:spcPct val="90000"/>
+              </a:lnSpc>
+              <a:spcBef>
+                <a:spcPts val="800"/>
+              </a:spcBef>
+              <a:spcAft>
+                <a:spcPct val="0"/>
+              </a:spcAft>
+              <a:buClr>
+                <a:schemeClr val="tx1"/>
+              </a:buClr>
+              <a:buFont typeface="Arial" charset="0"/>
+              <a:buChar char="•"/>
+              <a:defRPr sz="1800" kern="1200">
+                <a:solidFill>
+                  <a:schemeClr val="tx1"/>
+                </a:solidFill>
+                <a:latin typeface="+mn-lt"/>
+                <a:ea typeface="+mn-ea"/>
+                <a:cs typeface="+mn-cs"/>
+              </a:defRPr>
+            </a:lvl3pPr>
+            <a:lvl4pPr marL="1144588" indent="-173038" algn="l" rtl="0" eaLnBrk="1" fontAlgn="base" hangingPunct="1">
+              <a:lnSpc>
+                <a:spcPct val="90000"/>
+              </a:lnSpc>
+              <a:spcBef>
+                <a:spcPts val="800"/>
+              </a:spcBef>
+              <a:spcAft>
+                <a:spcPct val="0"/>
+              </a:spcAft>
+              <a:buClr>
+                <a:schemeClr val="tx1"/>
+              </a:buClr>
+              <a:buFont typeface="Arial" charset="0"/>
+              <a:buChar char="–"/>
+              <a:defRPr sz="1600" kern="1200">
+                <a:solidFill>
+                  <a:schemeClr val="tx1"/>
+                </a:solidFill>
+                <a:latin typeface="+mn-lt"/>
+                <a:ea typeface="+mn-ea"/>
+                <a:cs typeface="+mn-cs"/>
+              </a:defRPr>
+            </a:lvl4pPr>
+            <a:lvl5pPr marL="1482725" indent="-222250" algn="l" rtl="0" eaLnBrk="1" fontAlgn="base" hangingPunct="1">
+              <a:lnSpc>
+                <a:spcPct val="90000"/>
+              </a:lnSpc>
+              <a:spcBef>
+                <a:spcPts val="600"/>
+              </a:spcBef>
+              <a:spcAft>
+                <a:spcPct val="0"/>
+              </a:spcAft>
+              <a:buClr>
+                <a:schemeClr val="tx1"/>
+              </a:buClr>
+              <a:buFont typeface="Arial" charset="0"/>
+              <a:buChar char="»"/>
+              <a:defRPr sz="1600" kern="1200">
+                <a:solidFill>
+                  <a:schemeClr val="tx1"/>
+                </a:solidFill>
+                <a:latin typeface="+mn-lt"/>
+                <a:ea typeface="+mn-ea"/>
+                <a:cs typeface="+mn-cs"/>
+              </a:defRPr>
+            </a:lvl5pPr>
+            <a:lvl6pPr marL="2514600" indent="-228600" algn="l" defTabSz="914400" rtl="0" eaLnBrk="1" latinLnBrk="0" hangingPunct="1">
+              <a:spcBef>
+                <a:spcPct val="20000"/>
+              </a:spcBef>
+              <a:buFont typeface="Arial" pitchFamily="34" charset="0"/>
+              <a:buChar char="•"/>
+              <a:defRPr sz="2000" kern="1200">
+                <a:solidFill>
+                  <a:schemeClr val="tx1"/>
+                </a:solidFill>
+                <a:latin typeface="+mn-lt"/>
+                <a:ea typeface="+mn-ea"/>
+                <a:cs typeface="+mn-cs"/>
+              </a:defRPr>
+            </a:lvl6pPr>
+            <a:lvl7pPr marL="2971800" indent="-228600" algn="l" defTabSz="914400" rtl="0" eaLnBrk="1" latinLnBrk="0" hangingPunct="1">
+              <a:spcBef>
+                <a:spcPct val="20000"/>
+              </a:spcBef>
+              <a:buFont typeface="Arial" pitchFamily="34" charset="0"/>
+              <a:buChar char="•"/>
+              <a:defRPr sz="2000" kern="1200">
+                <a:solidFill>
+                  <a:schemeClr val="tx1"/>
+                </a:solidFill>
+                <a:latin typeface="+mn-lt"/>
+                <a:ea typeface="+mn-ea"/>
+                <a:cs typeface="+mn-cs"/>
+              </a:defRPr>
+            </a:lvl7pPr>
+            <a:lvl8pPr marL="3429000" indent="-228600" algn="l" defTabSz="914400" rtl="0" eaLnBrk="1" latinLnBrk="0" hangingPunct="1">
+              <a:spcBef>
+                <a:spcPct val="20000"/>
+              </a:spcBef>
+              <a:buFont typeface="Arial" pitchFamily="34" charset="0"/>
+              <a:buChar char="•"/>
+              <a:defRPr sz="2000" kern="1200">
+                <a:solidFill>
+                  <a:schemeClr val="tx1"/>
+                </a:solidFill>
+                <a:latin typeface="+mn-lt"/>
+                <a:ea typeface="+mn-ea"/>
+                <a:cs typeface="+mn-cs"/>
+              </a:defRPr>
+            </a:lvl8pPr>
+            <a:lvl9pPr marL="3886200" indent="-228600" algn="l" defTabSz="914400" rtl="0" eaLnBrk="1" latinLnBrk="0" hangingPunct="1">
+              <a:spcBef>
+                <a:spcPct val="20000"/>
+              </a:spcBef>
+              <a:buFont typeface="Arial" pitchFamily="34" charset="0"/>
+              <a:buChar char="•"/>
+              <a:defRPr sz="2000" kern="1200">
+                <a:solidFill>
+                  <a:schemeClr val="tx1"/>
+                </a:solidFill>
+                <a:latin typeface="+mn-lt"/>
+                <a:ea typeface="+mn-ea"/>
+                <a:cs typeface="+mn-cs"/>
+              </a:defRPr>
+            </a:lvl9pPr>
+          </a:lstStyle>
+          <a:p>
+            <a:r>
+              <a:rPr lang="en-US" dirty="0"/>
+              <a:t>Know your bounds</a:t>
+            </a:r>
+          </a:p>
+          <a:p>
+            <a:pPr lvl="1"/>
+            <a:r>
+              <a:rPr lang="en-US" dirty="0"/>
+              <a:t>on acceptable behavior change</a:t>
+            </a:r>
+          </a:p>
+          <a:p>
+            <a:pPr lvl="1"/>
+            <a:r>
+              <a:rPr lang="en-US" dirty="0"/>
+              <a:t>error bounds</a:t>
+            </a:r>
+          </a:p>
+          <a:p>
+            <a:pPr lvl="2"/>
+            <a:r>
+              <a:rPr lang="en-US" dirty="0"/>
+              <a:t>bitwise reproduction of results unlikely after transition </a:t>
+            </a:r>
+          </a:p>
+          <a:p>
+            <a:r>
+              <a:rPr lang="en-US" dirty="0"/>
+              <a:t>Map from here to there</a:t>
+            </a:r>
+          </a:p>
+          <a:p>
+            <a:pPr lvl="1"/>
+            <a:endParaRPr lang="en-US" dirty="0"/>
+          </a:p>
+          <a:p>
+            <a:endParaRPr lang="en-US" dirty="0"/>
+          </a:p>
+        </p:txBody>
+      </p:sp>
+      <p:sp>
+        <p:nvSpPr>
+          <p:cNvPr id="6" name="Content Placeholder 2">
+            <a:extLst>
+              <a:ext uri="{FF2B5EF4-FFF2-40B4-BE49-F238E27FC236}">
+                <a16:creationId xmlns:a16="http://schemas.microsoft.com/office/drawing/2014/main" id="{B16C07C3-A711-3341-A0D0-97F8B0897BD3}"/>
+              </a:ext>
+            </a:extLst>
+          </p:cNvPr>
+          <p:cNvSpPr txBox="1">
+            <a:spLocks/>
+          </p:cNvSpPr>
+          <p:nvPr/>
+        </p:nvSpPr>
+        <p:spPr bwMode="auto">
+          <a:xfrm>
+            <a:off x="365761" y="4610637"/>
+            <a:ext cx="10156278" cy="2090072"/>
+          </a:xfrm>
+          <a:prstGeom prst="rect">
+            <a:avLst/>
+          </a:prstGeom>
+          <a:noFill/>
+          <a:ln w="9525">
+            <a:noFill/>
+            <a:miter lim="800000"/>
+            <a:headEnd/>
+            <a:tailEnd/>
+          </a:ln>
+        </p:spPr>
+        <p:txBody>
+          <a:bodyPr vert="horz" wrap="square" lIns="91440" tIns="45720" rIns="91440" bIns="45720" numCol="1" anchor="t" anchorCtr="0" compatLnSpc="1">
+            <a:prstTxWarp prst="textNoShape">
+              <a:avLst/>
+            </a:prstTxWarp>
+            <a:normAutofit/>
+          </a:bodyPr>
+          <a:lstStyle>
+            <a:lvl1pPr marL="230188" indent="-230188" algn="l" rtl="0" eaLnBrk="1" fontAlgn="base" hangingPunct="1">
+              <a:lnSpc>
+                <a:spcPct val="90000"/>
+              </a:lnSpc>
+              <a:spcBef>
+                <a:spcPts val="1400"/>
+              </a:spcBef>
+              <a:spcAft>
+                <a:spcPct val="0"/>
+              </a:spcAft>
+              <a:buClr>
+                <a:schemeClr val="tx1"/>
+              </a:buClr>
+              <a:buFont typeface="Arial" charset="0"/>
+              <a:buChar char="•"/>
+              <a:defRPr sz="2400" kern="1200" baseline="0">
+                <a:solidFill>
+                  <a:schemeClr val="tx1"/>
+                </a:solidFill>
+                <a:latin typeface="+mn-lt"/>
+                <a:ea typeface="+mn-ea"/>
+                <a:cs typeface="+mn-cs"/>
+              </a:defRPr>
+            </a:lvl1pPr>
+            <a:lvl2pPr marL="625475" indent="-279400" algn="l" rtl="0" eaLnBrk="1" fontAlgn="base" hangingPunct="1">
+              <a:lnSpc>
+                <a:spcPct val="90000"/>
+              </a:lnSpc>
+              <a:spcBef>
+                <a:spcPts val="800"/>
+              </a:spcBef>
+              <a:spcAft>
+                <a:spcPct val="0"/>
+              </a:spcAft>
+              <a:buClr>
+                <a:schemeClr val="tx1"/>
+              </a:buClr>
+              <a:buFont typeface="Arial" charset="0"/>
+              <a:buChar char="–"/>
+              <a:defRPr sz="2000" kern="1200">
+                <a:solidFill>
+                  <a:schemeClr val="tx1"/>
+                </a:solidFill>
+                <a:latin typeface="+mn-lt"/>
+                <a:ea typeface="+mn-ea"/>
+                <a:cs typeface="+mn-cs"/>
+              </a:defRPr>
+            </a:lvl2pPr>
+            <a:lvl3pPr marL="914400" indent="-230188" algn="l" rtl="0" eaLnBrk="1" fontAlgn="base" hangingPunct="1">
+              <a:lnSpc>
+                <a:spcPct val="90000"/>
+              </a:lnSpc>
+              <a:spcBef>
+                <a:spcPts val="800"/>
+              </a:spcBef>
+              <a:spcAft>
+                <a:spcPct val="0"/>
+              </a:spcAft>
+              <a:buClr>
+                <a:schemeClr val="tx1"/>
+              </a:buClr>
+              <a:buFont typeface="Arial" charset="0"/>
+              <a:buChar char="•"/>
+              <a:defRPr sz="1800" kern="1200">
+                <a:solidFill>
+                  <a:schemeClr val="tx1"/>
+                </a:solidFill>
+                <a:latin typeface="+mn-lt"/>
+                <a:ea typeface="+mn-ea"/>
+                <a:cs typeface="+mn-cs"/>
+              </a:defRPr>
+            </a:lvl3pPr>
+            <a:lvl4pPr marL="1144588" indent="-173038" algn="l" rtl="0" eaLnBrk="1" fontAlgn="base" hangingPunct="1">
+              <a:lnSpc>
+                <a:spcPct val="90000"/>
+              </a:lnSpc>
+              <a:spcBef>
+                <a:spcPts val="800"/>
+              </a:spcBef>
+              <a:spcAft>
+                <a:spcPct val="0"/>
+              </a:spcAft>
+              <a:buClr>
+                <a:schemeClr val="tx1"/>
+              </a:buClr>
+              <a:buFont typeface="Arial" charset="0"/>
+              <a:buChar char="–"/>
+              <a:defRPr sz="1600" kern="1200">
+                <a:solidFill>
+                  <a:schemeClr val="tx1"/>
+                </a:solidFill>
+                <a:latin typeface="+mn-lt"/>
+                <a:ea typeface="+mn-ea"/>
+                <a:cs typeface="+mn-cs"/>
+              </a:defRPr>
+            </a:lvl4pPr>
+            <a:lvl5pPr marL="1482725" indent="-222250" algn="l" rtl="0" eaLnBrk="1" fontAlgn="base" hangingPunct="1">
+              <a:lnSpc>
+                <a:spcPct val="90000"/>
+              </a:lnSpc>
+              <a:spcBef>
+                <a:spcPts val="600"/>
+              </a:spcBef>
+              <a:spcAft>
+                <a:spcPct val="0"/>
+              </a:spcAft>
+              <a:buClr>
+                <a:schemeClr val="tx1"/>
+              </a:buClr>
+              <a:buFont typeface="Arial" charset="0"/>
+              <a:buChar char="»"/>
+              <a:defRPr sz="1600" kern="1200">
+                <a:solidFill>
+                  <a:schemeClr val="tx1"/>
+                </a:solidFill>
+                <a:latin typeface="+mn-lt"/>
+                <a:ea typeface="+mn-ea"/>
+                <a:cs typeface="+mn-cs"/>
+              </a:defRPr>
+            </a:lvl5pPr>
+            <a:lvl6pPr marL="2514600" indent="-228600" algn="l" defTabSz="914400" rtl="0" eaLnBrk="1" latinLnBrk="0" hangingPunct="1">
+              <a:spcBef>
+                <a:spcPct val="20000"/>
+              </a:spcBef>
+              <a:buFont typeface="Arial" pitchFamily="34" charset="0"/>
+              <a:buChar char="•"/>
+              <a:defRPr sz="2000" kern="1200">
+                <a:solidFill>
+                  <a:schemeClr val="tx1"/>
+                </a:solidFill>
+                <a:latin typeface="+mn-lt"/>
+                <a:ea typeface="+mn-ea"/>
+                <a:cs typeface="+mn-cs"/>
+              </a:defRPr>
+            </a:lvl6pPr>
+            <a:lvl7pPr marL="2971800" indent="-228600" algn="l" defTabSz="914400" rtl="0" eaLnBrk="1" latinLnBrk="0" hangingPunct="1">
+              <a:spcBef>
+                <a:spcPct val="20000"/>
+              </a:spcBef>
+              <a:buFont typeface="Arial" pitchFamily="34" charset="0"/>
+              <a:buChar char="•"/>
+              <a:defRPr sz="2000" kern="1200">
+                <a:solidFill>
+                  <a:schemeClr val="tx1"/>
+                </a:solidFill>
+                <a:latin typeface="+mn-lt"/>
+                <a:ea typeface="+mn-ea"/>
+                <a:cs typeface="+mn-cs"/>
+              </a:defRPr>
+            </a:lvl7pPr>
+            <a:lvl8pPr marL="3429000" indent="-228600" algn="l" defTabSz="914400" rtl="0" eaLnBrk="1" latinLnBrk="0" hangingPunct="1">
+              <a:spcBef>
+                <a:spcPct val="20000"/>
+              </a:spcBef>
+              <a:buFont typeface="Arial" pitchFamily="34" charset="0"/>
+              <a:buChar char="•"/>
+              <a:defRPr sz="2000" kern="1200">
+                <a:solidFill>
+                  <a:schemeClr val="tx1"/>
+                </a:solidFill>
+                <a:latin typeface="+mn-lt"/>
+                <a:ea typeface="+mn-ea"/>
+                <a:cs typeface="+mn-cs"/>
+              </a:defRPr>
+            </a:lvl8pPr>
+            <a:lvl9pPr marL="3886200" indent="-228600" algn="l" defTabSz="914400" rtl="0" eaLnBrk="1" latinLnBrk="0" hangingPunct="1">
+              <a:spcBef>
+                <a:spcPct val="20000"/>
+              </a:spcBef>
+              <a:buFont typeface="Arial" pitchFamily="34" charset="0"/>
+              <a:buChar char="•"/>
+              <a:defRPr sz="2000" kern="1200">
+                <a:solidFill>
+                  <a:schemeClr val="tx1"/>
+                </a:solidFill>
+                <a:latin typeface="+mn-lt"/>
+                <a:ea typeface="+mn-ea"/>
+                <a:cs typeface="+mn-cs"/>
+              </a:defRPr>
+            </a:lvl9pPr>
+          </a:lstStyle>
+          <a:p>
+            <a:pPr marL="346075" lvl="1" indent="0">
+              <a:buNone/>
+            </a:pPr>
+            <a:endParaRPr lang="en-US" dirty="0"/>
+          </a:p>
+          <a:p>
+            <a:pPr marL="0" indent="0" algn="ctr">
+              <a:buFont typeface="Arial" charset="0"/>
+              <a:buNone/>
+            </a:pPr>
+            <a:r>
+              <a:rPr lang="en-US" dirty="0">
+                <a:solidFill>
+                  <a:srgbClr val="00B050"/>
+                </a:solidFill>
+              </a:rPr>
+              <a:t>Incorporate testing overheads into refactoring cost estimates</a:t>
+            </a:r>
+          </a:p>
+        </p:txBody>
+      </p:sp>
+    </p:spTree>
+    <p:extLst>
+      <p:ext uri="{BB962C8B-B14F-4D97-AF65-F5344CB8AC3E}">
+        <p14:creationId xmlns:p14="http://schemas.microsoft.com/office/powerpoint/2010/main" val="673155382"/>
+      </p:ext>
+    </p:extLst>
+  </p:cSld>
+  <p:clrMapOvr>
+    <a:masterClrMapping/>
+  </p:clrMapOvr>
+  <mc:AlternateContent xmlns:mc="http://schemas.openxmlformats.org/markup-compatibility/2006" xmlns:p14="http://schemas.microsoft.com/office/powerpoint/2010/main">
+    <mc:Choice Requires="p14">
+      <p:transition p14:dur="250">
+        <p:fade/>
+      </p:transition>
+    </mc:Choice>
+    <mc:Fallback xmlns="">
+      <p:transition>
+        <p:fade/>
+      </p:transition>
+    </mc:Fallback>
+  </mc:AlternateContent>
+</p:sld>
+</file>
+
+<file path=ppt/slides/slide11.xml><?xml version="1.0" encoding="utf-8"?>
 <p:sld xmlns:a="http://schemas.openxmlformats.org/drawingml/2006/main" xmlns:r="http://schemas.openxmlformats.org/officeDocument/2006/relationships" xmlns:p="http://schemas.openxmlformats.org/presentationml/2006/main">
   <p:cSld>
     <p:spTree>
@@ -5034,7 +5760,7 @@
 </p:sld>
 </file>
 
-<file path=ppt/slides/slide11.xml><?xml version="1.0" encoding="utf-8"?>
+<file path=ppt/slides/slide12.xml><?xml version="1.0" encoding="utf-8"?>
 <p:sld xmlns:a="http://schemas.openxmlformats.org/drawingml/2006/main" xmlns:r="http://schemas.openxmlformats.org/officeDocument/2006/relationships" xmlns:p="http://schemas.openxmlformats.org/presentationml/2006/main">
   <p:cSld>
     <p:spTree>
@@ -5712,7 +6438,7 @@
 </p:sld>
 </file>
 
-<file path=ppt/slides/slide12.xml><?xml version="1.0" encoding="utf-8"?>
+<file path=ppt/slides/slide13.xml><?xml version="1.0" encoding="utf-8"?>
 <p:sld xmlns:a="http://schemas.openxmlformats.org/drawingml/2006/main" xmlns:r="http://schemas.openxmlformats.org/officeDocument/2006/relationships" xmlns:p="http://schemas.openxmlformats.org/presentationml/2006/main">
   <p:cSld>
     <p:spTree>
@@ -6375,7 +7101,7 @@
 </p:sld>
 </file>
 
-<file path=ppt/slides/slide13.xml><?xml version="1.0" encoding="utf-8"?>
+<file path=ppt/slides/slide14.xml><?xml version="1.0" encoding="utf-8"?>
 <p:sld xmlns:a="http://schemas.openxmlformats.org/drawingml/2006/main" xmlns:r="http://schemas.openxmlformats.org/officeDocument/2006/relationships" xmlns:p="http://schemas.openxmlformats.org/presentationml/2006/main">
   <p:cSld>
     <p:spTree>
@@ -6762,7 +7488,7 @@
 </p:sld>
 </file>
 
-<file path=ppt/slides/slide14.xml><?xml version="1.0" encoding="utf-8"?>
+<file path=ppt/slides/slide15.xml><?xml version="1.0" encoding="utf-8"?>
 <p:sld xmlns:a="http://schemas.openxmlformats.org/drawingml/2006/main" xmlns:r="http://schemas.openxmlformats.org/officeDocument/2006/relationships" xmlns:p="http://schemas.openxmlformats.org/presentationml/2006/main">
   <p:cSld>
     <p:spTree>
@@ -7158,7 +7884,7 @@
 </p:sld>
 </file>
 
-<file path=ppt/slides/slide15.xml><?xml version="1.0" encoding="utf-8"?>
+<file path=ppt/slides/slide16.xml><?xml version="1.0" encoding="utf-8"?>
 <p:sld xmlns:a="http://schemas.openxmlformats.org/drawingml/2006/main" xmlns:r="http://schemas.openxmlformats.org/officeDocument/2006/relationships" xmlns:p="http://schemas.openxmlformats.org/presentationml/2006/main">
   <p:cSld>
     <p:spTree>
@@ -7590,7 +8316,7 @@
 </p:sld>
 </file>
 
-<file path=ppt/slides/slide16.xml><?xml version="1.0" encoding="utf-8"?>
+<file path=ppt/slides/slide17.xml><?xml version="1.0" encoding="utf-8"?>
 <p:sld xmlns:a="http://schemas.openxmlformats.org/drawingml/2006/main" xmlns:r="http://schemas.openxmlformats.org/officeDocument/2006/relationships" xmlns:p="http://schemas.openxmlformats.org/presentationml/2006/main">
   <p:cSld>
     <p:spTree>
@@ -8044,7 +8770,7 @@
 </p:sld>
 </file>
 
-<file path=ppt/slides/slide17.xml><?xml version="1.0" encoding="utf-8"?>
+<file path=ppt/slides/slide18.xml><?xml version="1.0" encoding="utf-8"?>
 <p:sld xmlns:a="http://schemas.openxmlformats.org/drawingml/2006/main" xmlns:r="http://schemas.openxmlformats.org/officeDocument/2006/relationships" xmlns:p="http://schemas.openxmlformats.org/presentationml/2006/main">
   <p:cSld>
     <p:spTree>
@@ -8470,7 +9196,7 @@
 </p:sld>
 </file>
 
-<file path=ppt/slides/slide18.xml><?xml version="1.0" encoding="utf-8"?>
+<file path=ppt/slides/slide19.xml><?xml version="1.0" encoding="utf-8"?>
 <p:sld xmlns:a="http://schemas.openxmlformats.org/drawingml/2006/main" xmlns:r="http://schemas.openxmlformats.org/officeDocument/2006/relationships" xmlns:p="http://schemas.openxmlformats.org/presentationml/2006/main">
   <p:cSld>
     <p:spTree>
@@ -8504,7 +9230,7 @@
           <a:p>
             <a:r>
               <a:rPr lang="en-US" dirty="0"/>
-              <a:t>Refactoring for Next Generation Hardware</a:t>
+              <a:t>Refactoring to supporting a different AMR library</a:t>
             </a:r>
           </a:p>
         </p:txBody>
@@ -8526,7 +9252,7 @@
           <a:p>
             <a:r>
               <a:rPr lang="en-US" dirty="0"/>
-              <a:t>A Real World Example: FLASH</a:t>
+              <a:t>A Real World Example: FLASH to Flash-X</a:t>
             </a:r>
           </a:p>
         </p:txBody>
@@ -8575,8 +9301,8 @@
         </p:nvSpPr>
         <p:spPr>
           <a:xfrm>
-            <a:off x="1979613" y="2368558"/>
-            <a:ext cx="3792618" cy="3731791"/>
+            <a:off x="1323630" y="2003931"/>
+            <a:ext cx="3792618" cy="2870016"/>
           </a:xfrm>
           <a:prstGeom prst="rect">
             <a:avLst/>
@@ -8589,60 +9315,6 @@
           </a:bodyPr>
           <a:lstStyle/>
           <a:p>
-            <a:r>
-              <a:rPr lang="en-US" sz="1400" b="1" dirty="0" err="1"/>
-              <a:t>AMReX</a:t>
-            </a:r>
-            <a:r>
-              <a:rPr lang="en-US" sz="1400" b="1" dirty="0"/>
-              <a:t> - </a:t>
-            </a:r>
-            <a:r>
-              <a:rPr lang="en-US" sz="1400" dirty="0"/>
-              <a:t>Lawrence Berkeley National Lab</a:t>
-            </a:r>
-            <a:endParaRPr lang="en-US" sz="1400" b="1" dirty="0"/>
-          </a:p>
-          <a:p>
-            <a:pPr marL="285755" indent="-285755">
-              <a:buFont typeface="Arial" panose="020B0604020202020204" pitchFamily="34" charset="0"/>
-              <a:buChar char="•"/>
-            </a:pPr>
-            <a:r>
-              <a:rPr lang="en-US" sz="1400" dirty="0"/>
-              <a:t>Designed for </a:t>
-            </a:r>
-            <a:r>
-              <a:rPr lang="en-US" sz="1400" dirty="0" err="1"/>
-              <a:t>exascale</a:t>
-            </a:r>
-            <a:endParaRPr lang="en-US" sz="1400" dirty="0"/>
-          </a:p>
-          <a:p>
-            <a:pPr marL="285755" indent="-285755">
-              <a:buFont typeface="Arial" panose="020B0604020202020204" pitchFamily="34" charset="0"/>
-              <a:buChar char="•"/>
-            </a:pPr>
-            <a:r>
-              <a:rPr lang="en-US" sz="1400" dirty="0"/>
-              <a:t>Node-level heterogeneity</a:t>
-            </a:r>
-          </a:p>
-          <a:p>
-            <a:pPr marL="285755" indent="-285755">
-              <a:buFont typeface="Arial" panose="020B0604020202020204" pitchFamily="34" charset="0"/>
-              <a:buChar char="•"/>
-            </a:pPr>
-            <a:r>
-              <a:rPr lang="en-US" sz="1400" dirty="0"/>
-              <a:t>Smart iterators hide parallelization</a:t>
-            </a:r>
-          </a:p>
-          <a:p>
-            <a:pPr marL="285755" indent="-285755">
-              <a:buFont typeface="Arial" panose="020B0604020202020204" pitchFamily="34" charset="0"/>
-              <a:buChar char="•"/>
-            </a:pPr>
             <a:endParaRPr lang="en-US" sz="1400" dirty="0"/>
           </a:p>
           <a:p>
@@ -8742,410 +9414,6 @@
     <p:extLst>
       <p:ext uri="{BB962C8B-B14F-4D97-AF65-F5344CB8AC3E}">
         <p14:creationId xmlns:p14="http://schemas.microsoft.com/office/powerpoint/2010/main" val="3273437125"/>
-      </p:ext>
-    </p:extLst>
-  </p:cSld>
-  <p:clrMapOvr>
-    <a:masterClrMapping/>
-  </p:clrMapOvr>
-  <mc:AlternateContent xmlns:mc="http://schemas.openxmlformats.org/markup-compatibility/2006" xmlns:p14="http://schemas.microsoft.com/office/powerpoint/2010/main">
-    <mc:Choice Requires="p14">
-      <p:transition p14:dur="250">
-        <p:fade/>
-      </p:transition>
-    </mc:Choice>
-    <mc:Fallback xmlns="">
-      <p:transition>
-        <p:fade/>
-      </p:transition>
-    </mc:Fallback>
-  </mc:AlternateContent>
-</p:sld>
-</file>
-
-<file path=ppt/slides/slide19.xml><?xml version="1.0" encoding="utf-8"?>
-<p:sld xmlns:a="http://schemas.openxmlformats.org/drawingml/2006/main" xmlns:r="http://schemas.openxmlformats.org/officeDocument/2006/relationships" xmlns:p="http://schemas.openxmlformats.org/presentationml/2006/main">
-  <p:cSld>
-    <p:spTree>
-      <p:nvGrpSpPr>
-        <p:cNvPr id="1" name=""/>
-        <p:cNvGrpSpPr/>
-        <p:nvPr/>
-      </p:nvGrpSpPr>
-      <p:grpSpPr>
-        <a:xfrm>
-          <a:off x="0" y="0"/>
-          <a:ext cx="0" cy="0"/>
-          <a:chOff x="0" y="0"/>
-          <a:chExt cx="0" cy="0"/>
-        </a:xfrm>
-      </p:grpSpPr>
-      <p:sp>
-        <p:nvSpPr>
-          <p:cNvPr id="3" name="Content Placeholder 2"/>
-          <p:cNvSpPr>
-            <a:spLocks noGrp="1"/>
-          </p:cNvSpPr>
-          <p:nvPr>
-            <p:ph idx="1"/>
-          </p:nvPr>
-        </p:nvSpPr>
-        <p:spPr>
-          <a:xfrm>
-            <a:off x="609442" y="1699995"/>
-            <a:ext cx="4637115" cy="4422776"/>
-          </a:xfrm>
-        </p:spPr>
-        <p:txBody>
-          <a:bodyPr/>
-          <a:lstStyle/>
-          <a:p>
-            <a:r>
-              <a:rPr lang="en-US" dirty="0"/>
-              <a:t>Cost estimation</a:t>
-            </a:r>
-          </a:p>
-          <a:p>
-            <a:pPr lvl="1"/>
-            <a:r>
-              <a:rPr lang="en-US" dirty="0"/>
-              <a:t>Expected developer time </a:t>
-            </a:r>
-          </a:p>
-          <a:p>
-            <a:pPr lvl="1"/>
-            <a:r>
-              <a:rPr lang="en-US" dirty="0"/>
-              <a:t>Extent of disruption in production schedules</a:t>
-            </a:r>
-          </a:p>
-          <a:p>
-            <a:r>
-              <a:rPr lang="en-US" dirty="0"/>
-              <a:t>Get a buy-in from the stakeholders</a:t>
-            </a:r>
-          </a:p>
-          <a:p>
-            <a:pPr lvl="1"/>
-            <a:r>
-              <a:rPr lang="en-US" dirty="0"/>
-              <a:t>That includes the users</a:t>
-            </a:r>
-          </a:p>
-          <a:p>
-            <a:pPr lvl="1"/>
-            <a:r>
-              <a:rPr lang="en-US" dirty="0"/>
-              <a:t>For both development time and disruption</a:t>
-            </a:r>
-          </a:p>
-          <a:p>
-            <a:pPr lvl="1"/>
-            <a:endParaRPr lang="en-US" dirty="0"/>
-          </a:p>
-        </p:txBody>
-      </p:sp>
-      <p:sp>
-        <p:nvSpPr>
-          <p:cNvPr id="2" name="Title 1"/>
-          <p:cNvSpPr>
-            <a:spLocks noGrp="1"/>
-          </p:cNvSpPr>
-          <p:nvPr>
-            <p:ph type="title"/>
-          </p:nvPr>
-        </p:nvSpPr>
-        <p:spPr/>
-        <p:txBody>
-          <a:bodyPr/>
-          <a:lstStyle/>
-          <a:p>
-            <a:r>
-              <a:rPr lang="en-US" dirty="0"/>
-              <a:t>Considerations</a:t>
-            </a:r>
-          </a:p>
-        </p:txBody>
-      </p:sp>
-      <p:sp>
-        <p:nvSpPr>
-          <p:cNvPr id="9" name="Content Placeholder 2">
-            <a:extLst>
-              <a:ext uri="{FF2B5EF4-FFF2-40B4-BE49-F238E27FC236}">
-                <a16:creationId xmlns:a16="http://schemas.microsoft.com/office/drawing/2014/main" id="{8E2B0C6B-8889-2E4D-91F7-CC2D2FA14E57}"/>
-              </a:ext>
-            </a:extLst>
-          </p:cNvPr>
-          <p:cNvSpPr txBox="1">
-            <a:spLocks/>
-          </p:cNvSpPr>
-          <p:nvPr/>
-        </p:nvSpPr>
-        <p:spPr bwMode="auto">
-          <a:xfrm>
-            <a:off x="5302419" y="826179"/>
-            <a:ext cx="5952960" cy="4446085"/>
-          </a:xfrm>
-          <a:prstGeom prst="rect">
-            <a:avLst/>
-          </a:prstGeom>
-          <a:noFill/>
-          <a:ln w="9525">
-            <a:noFill/>
-            <a:miter lim="800000"/>
-            <a:headEnd/>
-            <a:tailEnd/>
-          </a:ln>
-        </p:spPr>
-        <p:txBody>
-          <a:bodyPr vert="horz" wrap="square" lIns="91440" tIns="45720" rIns="91440" bIns="45720" numCol="1" anchor="t" anchorCtr="0" compatLnSpc="1">
-            <a:prstTxWarp prst="textNoShape">
-              <a:avLst/>
-            </a:prstTxWarp>
-            <a:normAutofit/>
-          </a:bodyPr>
-          <a:lstStyle>
-            <a:lvl1pPr marL="230188" indent="-230188" algn="l" rtl="0" eaLnBrk="1" fontAlgn="base" hangingPunct="1">
-              <a:lnSpc>
-                <a:spcPct val="90000"/>
-              </a:lnSpc>
-              <a:spcBef>
-                <a:spcPts val="1400"/>
-              </a:spcBef>
-              <a:spcAft>
-                <a:spcPct val="0"/>
-              </a:spcAft>
-              <a:buClr>
-                <a:schemeClr val="tx1"/>
-              </a:buClr>
-              <a:buFont typeface="Arial" charset="0"/>
-              <a:buChar char="•"/>
-              <a:defRPr sz="2400" kern="1200" baseline="0">
-                <a:solidFill>
-                  <a:schemeClr val="tx1"/>
-                </a:solidFill>
-                <a:latin typeface="+mn-lt"/>
-                <a:ea typeface="+mn-ea"/>
-                <a:cs typeface="+mn-cs"/>
-              </a:defRPr>
-            </a:lvl1pPr>
-            <a:lvl2pPr marL="625475" indent="-279400" algn="l" rtl="0" eaLnBrk="1" fontAlgn="base" hangingPunct="1">
-              <a:lnSpc>
-                <a:spcPct val="90000"/>
-              </a:lnSpc>
-              <a:spcBef>
-                <a:spcPts val="800"/>
-              </a:spcBef>
-              <a:spcAft>
-                <a:spcPct val="0"/>
-              </a:spcAft>
-              <a:buClr>
-                <a:schemeClr val="tx1"/>
-              </a:buClr>
-              <a:buFont typeface="Arial" charset="0"/>
-              <a:buChar char="–"/>
-              <a:defRPr sz="2000" kern="1200">
-                <a:solidFill>
-                  <a:schemeClr val="tx1"/>
-                </a:solidFill>
-                <a:latin typeface="+mn-lt"/>
-                <a:ea typeface="+mn-ea"/>
-                <a:cs typeface="+mn-cs"/>
-              </a:defRPr>
-            </a:lvl2pPr>
-            <a:lvl3pPr marL="914400" indent="-230188" algn="l" rtl="0" eaLnBrk="1" fontAlgn="base" hangingPunct="1">
-              <a:lnSpc>
-                <a:spcPct val="90000"/>
-              </a:lnSpc>
-              <a:spcBef>
-                <a:spcPts val="800"/>
-              </a:spcBef>
-              <a:spcAft>
-                <a:spcPct val="0"/>
-              </a:spcAft>
-              <a:buClr>
-                <a:schemeClr val="tx1"/>
-              </a:buClr>
-              <a:buFont typeface="Arial" charset="0"/>
-              <a:buChar char="•"/>
-              <a:defRPr sz="1800" kern="1200">
-                <a:solidFill>
-                  <a:schemeClr val="tx1"/>
-                </a:solidFill>
-                <a:latin typeface="+mn-lt"/>
-                <a:ea typeface="+mn-ea"/>
-                <a:cs typeface="+mn-cs"/>
-              </a:defRPr>
-            </a:lvl3pPr>
-            <a:lvl4pPr marL="1144588" indent="-173038" algn="l" rtl="0" eaLnBrk="1" fontAlgn="base" hangingPunct="1">
-              <a:lnSpc>
-                <a:spcPct val="90000"/>
-              </a:lnSpc>
-              <a:spcBef>
-                <a:spcPts val="800"/>
-              </a:spcBef>
-              <a:spcAft>
-                <a:spcPct val="0"/>
-              </a:spcAft>
-              <a:buClr>
-                <a:schemeClr val="tx1"/>
-              </a:buClr>
-              <a:buFont typeface="Arial" charset="0"/>
-              <a:buChar char="–"/>
-              <a:defRPr sz="1600" kern="1200">
-                <a:solidFill>
-                  <a:schemeClr val="tx1"/>
-                </a:solidFill>
-                <a:latin typeface="+mn-lt"/>
-                <a:ea typeface="+mn-ea"/>
-                <a:cs typeface="+mn-cs"/>
-              </a:defRPr>
-            </a:lvl4pPr>
-            <a:lvl5pPr marL="1482725" indent="-222250" algn="l" rtl="0" eaLnBrk="1" fontAlgn="base" hangingPunct="1">
-              <a:lnSpc>
-                <a:spcPct val="90000"/>
-              </a:lnSpc>
-              <a:spcBef>
-                <a:spcPts val="600"/>
-              </a:spcBef>
-              <a:spcAft>
-                <a:spcPct val="0"/>
-              </a:spcAft>
-              <a:buClr>
-                <a:schemeClr val="tx1"/>
-              </a:buClr>
-              <a:buFont typeface="Arial" charset="0"/>
-              <a:buChar char="»"/>
-              <a:defRPr sz="1600" kern="1200">
-                <a:solidFill>
-                  <a:schemeClr val="tx1"/>
-                </a:solidFill>
-                <a:latin typeface="+mn-lt"/>
-                <a:ea typeface="+mn-ea"/>
-                <a:cs typeface="+mn-cs"/>
-              </a:defRPr>
-            </a:lvl5pPr>
-            <a:lvl6pPr marL="2514600" indent="-228600" algn="l" defTabSz="914400" rtl="0" eaLnBrk="1" latinLnBrk="0" hangingPunct="1">
-              <a:spcBef>
-                <a:spcPct val="20000"/>
-              </a:spcBef>
-              <a:buFont typeface="Arial" pitchFamily="34" charset="0"/>
-              <a:buChar char="•"/>
-              <a:defRPr sz="2000" kern="1200">
-                <a:solidFill>
-                  <a:schemeClr val="tx1"/>
-                </a:solidFill>
-                <a:latin typeface="+mn-lt"/>
-                <a:ea typeface="+mn-ea"/>
-                <a:cs typeface="+mn-cs"/>
-              </a:defRPr>
-            </a:lvl6pPr>
-            <a:lvl7pPr marL="2971800" indent="-228600" algn="l" defTabSz="914400" rtl="0" eaLnBrk="1" latinLnBrk="0" hangingPunct="1">
-              <a:spcBef>
-                <a:spcPct val="20000"/>
-              </a:spcBef>
-              <a:buFont typeface="Arial" pitchFamily="34" charset="0"/>
-              <a:buChar char="•"/>
-              <a:defRPr sz="2000" kern="1200">
-                <a:solidFill>
-                  <a:schemeClr val="tx1"/>
-                </a:solidFill>
-                <a:latin typeface="+mn-lt"/>
-                <a:ea typeface="+mn-ea"/>
-                <a:cs typeface="+mn-cs"/>
-              </a:defRPr>
-            </a:lvl7pPr>
-            <a:lvl8pPr marL="3429000" indent="-228600" algn="l" defTabSz="914400" rtl="0" eaLnBrk="1" latinLnBrk="0" hangingPunct="1">
-              <a:spcBef>
-                <a:spcPct val="20000"/>
-              </a:spcBef>
-              <a:buFont typeface="Arial" pitchFamily="34" charset="0"/>
-              <a:buChar char="•"/>
-              <a:defRPr sz="2000" kern="1200">
-                <a:solidFill>
-                  <a:schemeClr val="tx1"/>
-                </a:solidFill>
-                <a:latin typeface="+mn-lt"/>
-                <a:ea typeface="+mn-ea"/>
-                <a:cs typeface="+mn-cs"/>
-              </a:defRPr>
-            </a:lvl8pPr>
-            <a:lvl9pPr marL="3886200" indent="-228600" algn="l" defTabSz="914400" rtl="0" eaLnBrk="1" latinLnBrk="0" hangingPunct="1">
-              <a:spcBef>
-                <a:spcPct val="20000"/>
-              </a:spcBef>
-              <a:buFont typeface="Arial" pitchFamily="34" charset="0"/>
-              <a:buChar char="•"/>
-              <a:defRPr sz="2000" kern="1200">
-                <a:solidFill>
-                  <a:schemeClr val="tx1"/>
-                </a:solidFill>
-                <a:latin typeface="+mn-lt"/>
-                <a:ea typeface="+mn-ea"/>
-                <a:cs typeface="+mn-cs"/>
-              </a:defRPr>
-            </a:lvl9pPr>
-          </a:lstStyle>
-          <a:p>
-            <a:r>
-              <a:rPr lang="en-US" dirty="0"/>
-              <a:t>In FLASH</a:t>
-            </a:r>
-          </a:p>
-          <a:p>
-            <a:pPr lvl="1"/>
-            <a:r>
-              <a:rPr lang="en-US" dirty="0"/>
-              <a:t>Initial estimate at 6-12 months</a:t>
-            </a:r>
-          </a:p>
-          <a:p>
-            <a:pPr lvl="1"/>
-            <a:r>
-              <a:rPr lang="en-US" dirty="0"/>
-              <a:t>Took close to 12 months</a:t>
-            </a:r>
-          </a:p>
-          <a:p>
-            <a:pPr lvl="2"/>
-            <a:endParaRPr lang="en-US" dirty="0"/>
-          </a:p>
-        </p:txBody>
-      </p:sp>
-      <p:pic>
-        <p:nvPicPr>
-          <p:cNvPr id="10" name="Content Placeholder 6">
-            <a:extLst>
-              <a:ext uri="{FF2B5EF4-FFF2-40B4-BE49-F238E27FC236}">
-                <a16:creationId xmlns:a16="http://schemas.microsoft.com/office/drawing/2014/main" id="{62426650-9F82-EB44-8ED8-BA2D3B851310}"/>
-              </a:ext>
-            </a:extLst>
-          </p:cNvPr>
-          <p:cNvPicPr>
-            <a:picLocks noChangeAspect="1"/>
-          </p:cNvPicPr>
-          <p:nvPr/>
-        </p:nvPicPr>
-        <p:blipFill>
-          <a:blip r:embed="rId2"/>
-          <a:stretch>
-            <a:fillRect/>
-          </a:stretch>
-        </p:blipFill>
-        <p:spPr>
-          <a:xfrm>
-            <a:off x="5188660" y="2375135"/>
-            <a:ext cx="4522602" cy="3118067"/>
-          </a:xfrm>
-          <a:prstGeom prst="rect">
-            <a:avLst/>
-          </a:prstGeom>
-        </p:spPr>
-      </p:pic>
-    </p:spTree>
-    <p:extLst>
-      <p:ext uri="{BB962C8B-B14F-4D97-AF65-F5344CB8AC3E}">
-        <p14:creationId xmlns:p14="http://schemas.microsoft.com/office/powerpoint/2010/main" val="2652567146"/>
       </p:ext>
     </p:extLst>
   </p:cSld>
@@ -9509,6 +9777,410 @@
 </file>
 
 <file path=ppt/slides/slide20.xml><?xml version="1.0" encoding="utf-8"?>
+<p:sld xmlns:a="http://schemas.openxmlformats.org/drawingml/2006/main" xmlns:r="http://schemas.openxmlformats.org/officeDocument/2006/relationships" xmlns:p="http://schemas.openxmlformats.org/presentationml/2006/main">
+  <p:cSld>
+    <p:spTree>
+      <p:nvGrpSpPr>
+        <p:cNvPr id="1" name=""/>
+        <p:cNvGrpSpPr/>
+        <p:nvPr/>
+      </p:nvGrpSpPr>
+      <p:grpSpPr>
+        <a:xfrm>
+          <a:off x="0" y="0"/>
+          <a:ext cx="0" cy="0"/>
+          <a:chOff x="0" y="0"/>
+          <a:chExt cx="0" cy="0"/>
+        </a:xfrm>
+      </p:grpSpPr>
+      <p:sp>
+        <p:nvSpPr>
+          <p:cNvPr id="3" name="Content Placeholder 2"/>
+          <p:cNvSpPr>
+            <a:spLocks noGrp="1"/>
+          </p:cNvSpPr>
+          <p:nvPr>
+            <p:ph idx="1"/>
+          </p:nvPr>
+        </p:nvSpPr>
+        <p:spPr>
+          <a:xfrm>
+            <a:off x="609442" y="1699995"/>
+            <a:ext cx="4637115" cy="4422776"/>
+          </a:xfrm>
+        </p:spPr>
+        <p:txBody>
+          <a:bodyPr/>
+          <a:lstStyle/>
+          <a:p>
+            <a:r>
+              <a:rPr lang="en-US" dirty="0"/>
+              <a:t>Cost estimation</a:t>
+            </a:r>
+          </a:p>
+          <a:p>
+            <a:pPr lvl="1"/>
+            <a:r>
+              <a:rPr lang="en-US" dirty="0"/>
+              <a:t>Expected developer time </a:t>
+            </a:r>
+          </a:p>
+          <a:p>
+            <a:pPr lvl="1"/>
+            <a:r>
+              <a:rPr lang="en-US" dirty="0"/>
+              <a:t>Extent of disruption in production schedules</a:t>
+            </a:r>
+          </a:p>
+          <a:p>
+            <a:r>
+              <a:rPr lang="en-US" dirty="0"/>
+              <a:t>Get a buy-in from the stakeholders</a:t>
+            </a:r>
+          </a:p>
+          <a:p>
+            <a:pPr lvl="1"/>
+            <a:r>
+              <a:rPr lang="en-US" dirty="0"/>
+              <a:t>That includes the users</a:t>
+            </a:r>
+          </a:p>
+          <a:p>
+            <a:pPr lvl="1"/>
+            <a:r>
+              <a:rPr lang="en-US" dirty="0"/>
+              <a:t>For both development time and disruption</a:t>
+            </a:r>
+          </a:p>
+          <a:p>
+            <a:pPr lvl="1"/>
+            <a:endParaRPr lang="en-US" dirty="0"/>
+          </a:p>
+        </p:txBody>
+      </p:sp>
+      <p:sp>
+        <p:nvSpPr>
+          <p:cNvPr id="2" name="Title 1"/>
+          <p:cNvSpPr>
+            <a:spLocks noGrp="1"/>
+          </p:cNvSpPr>
+          <p:nvPr>
+            <p:ph type="title"/>
+          </p:nvPr>
+        </p:nvSpPr>
+        <p:spPr/>
+        <p:txBody>
+          <a:bodyPr/>
+          <a:lstStyle/>
+          <a:p>
+            <a:r>
+              <a:rPr lang="en-US" dirty="0"/>
+              <a:t>Considerations</a:t>
+            </a:r>
+          </a:p>
+        </p:txBody>
+      </p:sp>
+      <p:sp>
+        <p:nvSpPr>
+          <p:cNvPr id="9" name="Content Placeholder 2">
+            <a:extLst>
+              <a:ext uri="{FF2B5EF4-FFF2-40B4-BE49-F238E27FC236}">
+                <a16:creationId xmlns:a16="http://schemas.microsoft.com/office/drawing/2014/main" id="{8E2B0C6B-8889-2E4D-91F7-CC2D2FA14E57}"/>
+              </a:ext>
+            </a:extLst>
+          </p:cNvPr>
+          <p:cNvSpPr txBox="1">
+            <a:spLocks/>
+          </p:cNvSpPr>
+          <p:nvPr/>
+        </p:nvSpPr>
+        <p:spPr bwMode="auto">
+          <a:xfrm>
+            <a:off x="5302419" y="826179"/>
+            <a:ext cx="5952960" cy="4446085"/>
+          </a:xfrm>
+          <a:prstGeom prst="rect">
+            <a:avLst/>
+          </a:prstGeom>
+          <a:noFill/>
+          <a:ln w="9525">
+            <a:noFill/>
+            <a:miter lim="800000"/>
+            <a:headEnd/>
+            <a:tailEnd/>
+          </a:ln>
+        </p:spPr>
+        <p:txBody>
+          <a:bodyPr vert="horz" wrap="square" lIns="91440" tIns="45720" rIns="91440" bIns="45720" numCol="1" anchor="t" anchorCtr="0" compatLnSpc="1">
+            <a:prstTxWarp prst="textNoShape">
+              <a:avLst/>
+            </a:prstTxWarp>
+            <a:normAutofit/>
+          </a:bodyPr>
+          <a:lstStyle>
+            <a:lvl1pPr marL="230188" indent="-230188" algn="l" rtl="0" eaLnBrk="1" fontAlgn="base" hangingPunct="1">
+              <a:lnSpc>
+                <a:spcPct val="90000"/>
+              </a:lnSpc>
+              <a:spcBef>
+                <a:spcPts val="1400"/>
+              </a:spcBef>
+              <a:spcAft>
+                <a:spcPct val="0"/>
+              </a:spcAft>
+              <a:buClr>
+                <a:schemeClr val="tx1"/>
+              </a:buClr>
+              <a:buFont typeface="Arial" charset="0"/>
+              <a:buChar char="•"/>
+              <a:defRPr sz="2400" kern="1200" baseline="0">
+                <a:solidFill>
+                  <a:schemeClr val="tx1"/>
+                </a:solidFill>
+                <a:latin typeface="+mn-lt"/>
+                <a:ea typeface="+mn-ea"/>
+                <a:cs typeface="+mn-cs"/>
+              </a:defRPr>
+            </a:lvl1pPr>
+            <a:lvl2pPr marL="625475" indent="-279400" algn="l" rtl="0" eaLnBrk="1" fontAlgn="base" hangingPunct="1">
+              <a:lnSpc>
+                <a:spcPct val="90000"/>
+              </a:lnSpc>
+              <a:spcBef>
+                <a:spcPts val="800"/>
+              </a:spcBef>
+              <a:spcAft>
+                <a:spcPct val="0"/>
+              </a:spcAft>
+              <a:buClr>
+                <a:schemeClr val="tx1"/>
+              </a:buClr>
+              <a:buFont typeface="Arial" charset="0"/>
+              <a:buChar char="–"/>
+              <a:defRPr sz="2000" kern="1200">
+                <a:solidFill>
+                  <a:schemeClr val="tx1"/>
+                </a:solidFill>
+                <a:latin typeface="+mn-lt"/>
+                <a:ea typeface="+mn-ea"/>
+                <a:cs typeface="+mn-cs"/>
+              </a:defRPr>
+            </a:lvl2pPr>
+            <a:lvl3pPr marL="914400" indent="-230188" algn="l" rtl="0" eaLnBrk="1" fontAlgn="base" hangingPunct="1">
+              <a:lnSpc>
+                <a:spcPct val="90000"/>
+              </a:lnSpc>
+              <a:spcBef>
+                <a:spcPts val="800"/>
+              </a:spcBef>
+              <a:spcAft>
+                <a:spcPct val="0"/>
+              </a:spcAft>
+              <a:buClr>
+                <a:schemeClr val="tx1"/>
+              </a:buClr>
+              <a:buFont typeface="Arial" charset="0"/>
+              <a:buChar char="•"/>
+              <a:defRPr sz="1800" kern="1200">
+                <a:solidFill>
+                  <a:schemeClr val="tx1"/>
+                </a:solidFill>
+                <a:latin typeface="+mn-lt"/>
+                <a:ea typeface="+mn-ea"/>
+                <a:cs typeface="+mn-cs"/>
+              </a:defRPr>
+            </a:lvl3pPr>
+            <a:lvl4pPr marL="1144588" indent="-173038" algn="l" rtl="0" eaLnBrk="1" fontAlgn="base" hangingPunct="1">
+              <a:lnSpc>
+                <a:spcPct val="90000"/>
+              </a:lnSpc>
+              <a:spcBef>
+                <a:spcPts val="800"/>
+              </a:spcBef>
+              <a:spcAft>
+                <a:spcPct val="0"/>
+              </a:spcAft>
+              <a:buClr>
+                <a:schemeClr val="tx1"/>
+              </a:buClr>
+              <a:buFont typeface="Arial" charset="0"/>
+              <a:buChar char="–"/>
+              <a:defRPr sz="1600" kern="1200">
+                <a:solidFill>
+                  <a:schemeClr val="tx1"/>
+                </a:solidFill>
+                <a:latin typeface="+mn-lt"/>
+                <a:ea typeface="+mn-ea"/>
+                <a:cs typeface="+mn-cs"/>
+              </a:defRPr>
+            </a:lvl4pPr>
+            <a:lvl5pPr marL="1482725" indent="-222250" algn="l" rtl="0" eaLnBrk="1" fontAlgn="base" hangingPunct="1">
+              <a:lnSpc>
+                <a:spcPct val="90000"/>
+              </a:lnSpc>
+              <a:spcBef>
+                <a:spcPts val="600"/>
+              </a:spcBef>
+              <a:spcAft>
+                <a:spcPct val="0"/>
+              </a:spcAft>
+              <a:buClr>
+                <a:schemeClr val="tx1"/>
+              </a:buClr>
+              <a:buFont typeface="Arial" charset="0"/>
+              <a:buChar char="»"/>
+              <a:defRPr sz="1600" kern="1200">
+                <a:solidFill>
+                  <a:schemeClr val="tx1"/>
+                </a:solidFill>
+                <a:latin typeface="+mn-lt"/>
+                <a:ea typeface="+mn-ea"/>
+                <a:cs typeface="+mn-cs"/>
+              </a:defRPr>
+            </a:lvl5pPr>
+            <a:lvl6pPr marL="2514600" indent="-228600" algn="l" defTabSz="914400" rtl="0" eaLnBrk="1" latinLnBrk="0" hangingPunct="1">
+              <a:spcBef>
+                <a:spcPct val="20000"/>
+              </a:spcBef>
+              <a:buFont typeface="Arial" pitchFamily="34" charset="0"/>
+              <a:buChar char="•"/>
+              <a:defRPr sz="2000" kern="1200">
+                <a:solidFill>
+                  <a:schemeClr val="tx1"/>
+                </a:solidFill>
+                <a:latin typeface="+mn-lt"/>
+                <a:ea typeface="+mn-ea"/>
+                <a:cs typeface="+mn-cs"/>
+              </a:defRPr>
+            </a:lvl6pPr>
+            <a:lvl7pPr marL="2971800" indent="-228600" algn="l" defTabSz="914400" rtl="0" eaLnBrk="1" latinLnBrk="0" hangingPunct="1">
+              <a:spcBef>
+                <a:spcPct val="20000"/>
+              </a:spcBef>
+              <a:buFont typeface="Arial" pitchFamily="34" charset="0"/>
+              <a:buChar char="•"/>
+              <a:defRPr sz="2000" kern="1200">
+                <a:solidFill>
+                  <a:schemeClr val="tx1"/>
+                </a:solidFill>
+                <a:latin typeface="+mn-lt"/>
+                <a:ea typeface="+mn-ea"/>
+                <a:cs typeface="+mn-cs"/>
+              </a:defRPr>
+            </a:lvl7pPr>
+            <a:lvl8pPr marL="3429000" indent="-228600" algn="l" defTabSz="914400" rtl="0" eaLnBrk="1" latinLnBrk="0" hangingPunct="1">
+              <a:spcBef>
+                <a:spcPct val="20000"/>
+              </a:spcBef>
+              <a:buFont typeface="Arial" pitchFamily="34" charset="0"/>
+              <a:buChar char="•"/>
+              <a:defRPr sz="2000" kern="1200">
+                <a:solidFill>
+                  <a:schemeClr val="tx1"/>
+                </a:solidFill>
+                <a:latin typeface="+mn-lt"/>
+                <a:ea typeface="+mn-ea"/>
+                <a:cs typeface="+mn-cs"/>
+              </a:defRPr>
+            </a:lvl8pPr>
+            <a:lvl9pPr marL="3886200" indent="-228600" algn="l" defTabSz="914400" rtl="0" eaLnBrk="1" latinLnBrk="0" hangingPunct="1">
+              <a:spcBef>
+                <a:spcPct val="20000"/>
+              </a:spcBef>
+              <a:buFont typeface="Arial" pitchFamily="34" charset="0"/>
+              <a:buChar char="•"/>
+              <a:defRPr sz="2000" kern="1200">
+                <a:solidFill>
+                  <a:schemeClr val="tx1"/>
+                </a:solidFill>
+                <a:latin typeface="+mn-lt"/>
+                <a:ea typeface="+mn-ea"/>
+                <a:cs typeface="+mn-cs"/>
+              </a:defRPr>
+            </a:lvl9pPr>
+          </a:lstStyle>
+          <a:p>
+            <a:r>
+              <a:rPr lang="en-US" dirty="0"/>
+              <a:t>In FLASH</a:t>
+            </a:r>
+          </a:p>
+          <a:p>
+            <a:pPr lvl="1"/>
+            <a:r>
+              <a:rPr lang="en-US" dirty="0"/>
+              <a:t>Initial estimate at 6-12 months</a:t>
+            </a:r>
+          </a:p>
+          <a:p>
+            <a:pPr lvl="1"/>
+            <a:r>
+              <a:rPr lang="en-US" dirty="0"/>
+              <a:t>Took close to 12 months</a:t>
+            </a:r>
+          </a:p>
+          <a:p>
+            <a:pPr lvl="2"/>
+            <a:endParaRPr lang="en-US" dirty="0"/>
+          </a:p>
+        </p:txBody>
+      </p:sp>
+      <p:pic>
+        <p:nvPicPr>
+          <p:cNvPr id="10" name="Content Placeholder 6">
+            <a:extLst>
+              <a:ext uri="{FF2B5EF4-FFF2-40B4-BE49-F238E27FC236}">
+                <a16:creationId xmlns:a16="http://schemas.microsoft.com/office/drawing/2014/main" id="{62426650-9F82-EB44-8ED8-BA2D3B851310}"/>
+              </a:ext>
+            </a:extLst>
+          </p:cNvPr>
+          <p:cNvPicPr>
+            <a:picLocks noChangeAspect="1"/>
+          </p:cNvPicPr>
+          <p:nvPr/>
+        </p:nvPicPr>
+        <p:blipFill>
+          <a:blip r:embed="rId2"/>
+          <a:stretch>
+            <a:fillRect/>
+          </a:stretch>
+        </p:blipFill>
+        <p:spPr>
+          <a:xfrm>
+            <a:off x="5188660" y="2375135"/>
+            <a:ext cx="4522602" cy="3118067"/>
+          </a:xfrm>
+          <a:prstGeom prst="rect">
+            <a:avLst/>
+          </a:prstGeom>
+        </p:spPr>
+      </p:pic>
+    </p:spTree>
+    <p:extLst>
+      <p:ext uri="{BB962C8B-B14F-4D97-AF65-F5344CB8AC3E}">
+        <p14:creationId xmlns:p14="http://schemas.microsoft.com/office/powerpoint/2010/main" val="2652567146"/>
+      </p:ext>
+    </p:extLst>
+  </p:cSld>
+  <p:clrMapOvr>
+    <a:masterClrMapping/>
+  </p:clrMapOvr>
+  <mc:AlternateContent xmlns:mc="http://schemas.openxmlformats.org/markup-compatibility/2006" xmlns:p14="http://schemas.microsoft.com/office/powerpoint/2010/main">
+    <mc:Choice Requires="p14">
+      <p:transition p14:dur="250">
+        <p:fade/>
+      </p:transition>
+    </mc:Choice>
+    <mc:Fallback xmlns="">
+      <p:transition>
+        <p:fade/>
+      </p:transition>
+    </mc:Fallback>
+  </mc:AlternateContent>
+</p:sld>
+</file>
+
+<file path=ppt/slides/slide21.xml><?xml version="1.0" encoding="utf-8"?>
 <p:sld xmlns:a="http://schemas.openxmlformats.org/drawingml/2006/main" xmlns:r="http://schemas.openxmlformats.org/officeDocument/2006/relationships" xmlns:p="http://schemas.openxmlformats.org/presentationml/2006/main">
   <p:cSld>
     <p:spTree>
@@ -9658,7 +10330,7 @@
 </p:sld>
 </file>
 
-<file path=ppt/slides/slide21.xml><?xml version="1.0" encoding="utf-8"?>
+<file path=ppt/slides/slide22.xml><?xml version="1.0" encoding="utf-8"?>
 <p:sld xmlns:a="http://schemas.openxmlformats.org/drawingml/2006/main" xmlns:r="http://schemas.openxmlformats.org/officeDocument/2006/relationships" xmlns:p="http://schemas.openxmlformats.org/presentationml/2006/main">
   <p:cSld>
     <p:spTree>
@@ -9808,7 +10480,7 @@
 </p:sld>
 </file>
 
-<file path=ppt/slides/slide22.xml><?xml version="1.0" encoding="utf-8"?>
+<file path=ppt/slides/slide23.xml><?xml version="1.0" encoding="utf-8"?>
 <p:sld xmlns:a="http://schemas.openxmlformats.org/drawingml/2006/main" xmlns:r="http://schemas.openxmlformats.org/officeDocument/2006/relationships" xmlns:p="http://schemas.openxmlformats.org/presentationml/2006/main">
   <p:cSld>
     <p:spTree>
@@ -9958,7 +10630,7 @@
 </p:sld>
 </file>
 
-<file path=ppt/slides/slide23.xml><?xml version="1.0" encoding="utf-8"?>
+<file path=ppt/slides/slide24.xml><?xml version="1.0" encoding="utf-8"?>
 <p:sld xmlns:a="http://schemas.openxmlformats.org/drawingml/2006/main" xmlns:r="http://schemas.openxmlformats.org/officeDocument/2006/relationships" xmlns:p="http://schemas.openxmlformats.org/presentationml/2006/main">
   <p:cSld>
     <p:spTree>
@@ -10052,7 +10724,7 @@
 </p:sld>
 </file>
 
-<file path=ppt/slides/slide24.xml><?xml version="1.0" encoding="utf-8"?>
+<file path=ppt/slides/slide25.xml><?xml version="1.0" encoding="utf-8"?>
 <p:sld xmlns:a="http://schemas.openxmlformats.org/drawingml/2006/main" xmlns:r="http://schemas.openxmlformats.org/officeDocument/2006/relationships" xmlns:p="http://schemas.openxmlformats.org/presentationml/2006/main">
   <p:cSld>
     <p:spTree>
@@ -12443,247 +13115,6 @@
           </a:p>
           <a:p>
             <a:endParaRPr lang="en-US" dirty="0"/>
-          </a:p>
-        </p:txBody>
-      </p:sp>
-      <p:sp>
-        <p:nvSpPr>
-          <p:cNvPr id="6" name="Content Placeholder 2">
-            <a:extLst>
-              <a:ext uri="{FF2B5EF4-FFF2-40B4-BE49-F238E27FC236}">
-                <a16:creationId xmlns:a16="http://schemas.microsoft.com/office/drawing/2014/main" id="{B16C07C3-A711-3341-A0D0-97F8B0897BD3}"/>
-              </a:ext>
-            </a:extLst>
-          </p:cNvPr>
-          <p:cNvSpPr txBox="1">
-            <a:spLocks/>
-          </p:cNvSpPr>
-          <p:nvPr/>
-        </p:nvSpPr>
-        <p:spPr bwMode="auto">
-          <a:xfrm>
-            <a:off x="365761" y="4610637"/>
-            <a:ext cx="10156278" cy="2090072"/>
-          </a:xfrm>
-          <a:prstGeom prst="rect">
-            <a:avLst/>
-          </a:prstGeom>
-          <a:noFill/>
-          <a:ln w="9525">
-            <a:noFill/>
-            <a:miter lim="800000"/>
-            <a:headEnd/>
-            <a:tailEnd/>
-          </a:ln>
-        </p:spPr>
-        <p:txBody>
-          <a:bodyPr vert="horz" wrap="square" lIns="91440" tIns="45720" rIns="91440" bIns="45720" numCol="1" anchor="t" anchorCtr="0" compatLnSpc="1">
-            <a:prstTxWarp prst="textNoShape">
-              <a:avLst/>
-            </a:prstTxWarp>
-            <a:normAutofit/>
-          </a:bodyPr>
-          <a:lstStyle>
-            <a:lvl1pPr marL="230188" indent="-230188" algn="l" rtl="0" eaLnBrk="1" fontAlgn="base" hangingPunct="1">
-              <a:lnSpc>
-                <a:spcPct val="90000"/>
-              </a:lnSpc>
-              <a:spcBef>
-                <a:spcPts val="1400"/>
-              </a:spcBef>
-              <a:spcAft>
-                <a:spcPct val="0"/>
-              </a:spcAft>
-              <a:buClr>
-                <a:schemeClr val="tx1"/>
-              </a:buClr>
-              <a:buFont typeface="Arial" charset="0"/>
-              <a:buChar char="•"/>
-              <a:defRPr sz="2400" kern="1200" baseline="0">
-                <a:solidFill>
-                  <a:schemeClr val="tx1"/>
-                </a:solidFill>
-                <a:latin typeface="+mn-lt"/>
-                <a:ea typeface="+mn-ea"/>
-                <a:cs typeface="+mn-cs"/>
-              </a:defRPr>
-            </a:lvl1pPr>
-            <a:lvl2pPr marL="625475" indent="-279400" algn="l" rtl="0" eaLnBrk="1" fontAlgn="base" hangingPunct="1">
-              <a:lnSpc>
-                <a:spcPct val="90000"/>
-              </a:lnSpc>
-              <a:spcBef>
-                <a:spcPts val="800"/>
-              </a:spcBef>
-              <a:spcAft>
-                <a:spcPct val="0"/>
-              </a:spcAft>
-              <a:buClr>
-                <a:schemeClr val="tx1"/>
-              </a:buClr>
-              <a:buFont typeface="Arial" charset="0"/>
-              <a:buChar char="–"/>
-              <a:defRPr sz="2000" kern="1200">
-                <a:solidFill>
-                  <a:schemeClr val="tx1"/>
-                </a:solidFill>
-                <a:latin typeface="+mn-lt"/>
-                <a:ea typeface="+mn-ea"/>
-                <a:cs typeface="+mn-cs"/>
-              </a:defRPr>
-            </a:lvl2pPr>
-            <a:lvl3pPr marL="914400" indent="-230188" algn="l" rtl="0" eaLnBrk="1" fontAlgn="base" hangingPunct="1">
-              <a:lnSpc>
-                <a:spcPct val="90000"/>
-              </a:lnSpc>
-              <a:spcBef>
-                <a:spcPts val="800"/>
-              </a:spcBef>
-              <a:spcAft>
-                <a:spcPct val="0"/>
-              </a:spcAft>
-              <a:buClr>
-                <a:schemeClr val="tx1"/>
-              </a:buClr>
-              <a:buFont typeface="Arial" charset="0"/>
-              <a:buChar char="•"/>
-              <a:defRPr sz="1800" kern="1200">
-                <a:solidFill>
-                  <a:schemeClr val="tx1"/>
-                </a:solidFill>
-                <a:latin typeface="+mn-lt"/>
-                <a:ea typeface="+mn-ea"/>
-                <a:cs typeface="+mn-cs"/>
-              </a:defRPr>
-            </a:lvl3pPr>
-            <a:lvl4pPr marL="1144588" indent="-173038" algn="l" rtl="0" eaLnBrk="1" fontAlgn="base" hangingPunct="1">
-              <a:lnSpc>
-                <a:spcPct val="90000"/>
-              </a:lnSpc>
-              <a:spcBef>
-                <a:spcPts val="800"/>
-              </a:spcBef>
-              <a:spcAft>
-                <a:spcPct val="0"/>
-              </a:spcAft>
-              <a:buClr>
-                <a:schemeClr val="tx1"/>
-              </a:buClr>
-              <a:buFont typeface="Arial" charset="0"/>
-              <a:buChar char="–"/>
-              <a:defRPr sz="1600" kern="1200">
-                <a:solidFill>
-                  <a:schemeClr val="tx1"/>
-                </a:solidFill>
-                <a:latin typeface="+mn-lt"/>
-                <a:ea typeface="+mn-ea"/>
-                <a:cs typeface="+mn-cs"/>
-              </a:defRPr>
-            </a:lvl4pPr>
-            <a:lvl5pPr marL="1482725" indent="-222250" algn="l" rtl="0" eaLnBrk="1" fontAlgn="base" hangingPunct="1">
-              <a:lnSpc>
-                <a:spcPct val="90000"/>
-              </a:lnSpc>
-              <a:spcBef>
-                <a:spcPts val="600"/>
-              </a:spcBef>
-              <a:spcAft>
-                <a:spcPct val="0"/>
-              </a:spcAft>
-              <a:buClr>
-                <a:schemeClr val="tx1"/>
-              </a:buClr>
-              <a:buFont typeface="Arial" charset="0"/>
-              <a:buChar char="»"/>
-              <a:defRPr sz="1600" kern="1200">
-                <a:solidFill>
-                  <a:schemeClr val="tx1"/>
-                </a:solidFill>
-                <a:latin typeface="+mn-lt"/>
-                <a:ea typeface="+mn-ea"/>
-                <a:cs typeface="+mn-cs"/>
-              </a:defRPr>
-            </a:lvl5pPr>
-            <a:lvl6pPr marL="2514600" indent="-228600" algn="l" defTabSz="914400" rtl="0" eaLnBrk="1" latinLnBrk="0" hangingPunct="1">
-              <a:spcBef>
-                <a:spcPct val="20000"/>
-              </a:spcBef>
-              <a:buFont typeface="Arial" pitchFamily="34" charset="0"/>
-              <a:buChar char="•"/>
-              <a:defRPr sz="2000" kern="1200">
-                <a:solidFill>
-                  <a:schemeClr val="tx1"/>
-                </a:solidFill>
-                <a:latin typeface="+mn-lt"/>
-                <a:ea typeface="+mn-ea"/>
-                <a:cs typeface="+mn-cs"/>
-              </a:defRPr>
-            </a:lvl6pPr>
-            <a:lvl7pPr marL="2971800" indent="-228600" algn="l" defTabSz="914400" rtl="0" eaLnBrk="1" latinLnBrk="0" hangingPunct="1">
-              <a:spcBef>
-                <a:spcPct val="20000"/>
-              </a:spcBef>
-              <a:buFont typeface="Arial" pitchFamily="34" charset="0"/>
-              <a:buChar char="•"/>
-              <a:defRPr sz="2000" kern="1200">
-                <a:solidFill>
-                  <a:schemeClr val="tx1"/>
-                </a:solidFill>
-                <a:latin typeface="+mn-lt"/>
-                <a:ea typeface="+mn-ea"/>
-                <a:cs typeface="+mn-cs"/>
-              </a:defRPr>
-            </a:lvl7pPr>
-            <a:lvl8pPr marL="3429000" indent="-228600" algn="l" defTabSz="914400" rtl="0" eaLnBrk="1" latinLnBrk="0" hangingPunct="1">
-              <a:spcBef>
-                <a:spcPct val="20000"/>
-              </a:spcBef>
-              <a:buFont typeface="Arial" pitchFamily="34" charset="0"/>
-              <a:buChar char="•"/>
-              <a:defRPr sz="2000" kern="1200">
-                <a:solidFill>
-                  <a:schemeClr val="tx1"/>
-                </a:solidFill>
-                <a:latin typeface="+mn-lt"/>
-                <a:ea typeface="+mn-ea"/>
-                <a:cs typeface="+mn-cs"/>
-              </a:defRPr>
-            </a:lvl8pPr>
-            <a:lvl9pPr marL="3886200" indent="-228600" algn="l" defTabSz="914400" rtl="0" eaLnBrk="1" latinLnBrk="0" hangingPunct="1">
-              <a:spcBef>
-                <a:spcPct val="20000"/>
-              </a:spcBef>
-              <a:buFont typeface="Arial" pitchFamily="34" charset="0"/>
-              <a:buChar char="•"/>
-              <a:defRPr sz="2000" kern="1200">
-                <a:solidFill>
-                  <a:schemeClr val="tx1"/>
-                </a:solidFill>
-                <a:latin typeface="+mn-lt"/>
-                <a:ea typeface="+mn-ea"/>
-                <a:cs typeface="+mn-cs"/>
-              </a:defRPr>
-            </a:lvl9pPr>
-          </a:lstStyle>
-          <a:p>
-            <a:pPr marL="346075" lvl="1" indent="0">
-              <a:buNone/>
-            </a:pPr>
-            <a:endParaRPr lang="en-US" dirty="0"/>
-          </a:p>
-          <a:p>
-            <a:pPr marL="0" indent="0" algn="ctr">
-              <a:buFont typeface="Arial" charset="0"/>
-              <a:buNone/>
-            </a:pPr>
-            <a:r>
-              <a:rPr lang="en-US" dirty="0">
-                <a:solidFill>
-                  <a:srgbClr val="00B050"/>
-                </a:solidFill>
-              </a:rPr>
-              <a:t>Incorporate testing overheads into refactoring cost estimates</a:t>
-            </a:r>
           </a:p>
         </p:txBody>
       </p:sp>
@@ -13625,12 +14056,9 @@
 </file>
 
 <file path=customXml/item1.xml><?xml version="1.0" encoding="utf-8"?>
-<?mso-contentType ?>
-<FormTemplates xmlns="http://schemas.microsoft.com/sharepoint/v3/contenttype/forms">
-  <Display>DocumentLibraryForm</Display>
-  <Edit>DocumentLibraryForm</Edit>
-  <New>DocumentLibraryForm</New>
-</FormTemplates>
+<p:properties xmlns:p="http://schemas.microsoft.com/office/2006/metadata/properties" xmlns:xsi="http://www.w3.org/2001/XMLSchema-instance" xmlns:pc="http://schemas.microsoft.com/office/infopath/2007/PartnerControls">
+  <documentManagement/>
+</p:properties>
 </file>
 
 <file path=customXml/item2.xml><?xml version="1.0" encoding="utf-8"?>
@@ -13683,15 +14111,25 @@
 </file>
 
 <file path=customXml/item3.xml><?xml version="1.0" encoding="utf-8"?>
-<p:properties xmlns:p="http://schemas.microsoft.com/office/2006/metadata/properties" xmlns:xsi="http://www.w3.org/2001/XMLSchema-instance" xmlns:pc="http://schemas.microsoft.com/office/infopath/2007/PartnerControls">
-  <documentManagement/>
-</p:properties>
+<?mso-contentType ?>
+<FormTemplates xmlns="http://schemas.microsoft.com/sharepoint/v3/contenttype/forms">
+  <Display>DocumentLibraryForm</Display>
+  <Edit>DocumentLibraryForm</Edit>
+  <New>DocumentLibraryForm</New>
+</FormTemplates>
 </file>
 
 <file path=customXml/itemProps1.xml><?xml version="1.0" encoding="utf-8"?>
-<ds:datastoreItem xmlns:ds="http://schemas.openxmlformats.org/officeDocument/2006/customXml" ds:itemID="{19E20559-B232-4371-8690-E3D8007EDB82}">
+<ds:datastoreItem xmlns:ds="http://schemas.openxmlformats.org/officeDocument/2006/customXml" ds:itemID="{A50EC660-24D0-43A0-AE5E-E274115E726B}">
   <ds:schemaRefs>
-    <ds:schemaRef ds:uri="http://schemas.microsoft.com/sharepoint/v3/contenttype/forms"/>
+    <ds:schemaRef ds:uri="http://purl.org/dc/elements/1.1/"/>
+    <ds:schemaRef ds:uri="http://schemas.microsoft.com/office/2006/metadata/properties"/>
+    <ds:schemaRef ds:uri="http://purl.org/dc/terms/"/>
+    <ds:schemaRef ds:uri="http://schemas.openxmlformats.org/package/2006/metadata/core-properties"/>
+    <ds:schemaRef ds:uri="http://schemas.microsoft.com/office/2006/documentManagement/types"/>
+    <ds:schemaRef ds:uri="http://www.w3.org/XML/1998/namespace"/>
+    <ds:schemaRef ds:uri="http://purl.org/dc/dcmitype/"/>
+    <ds:schemaRef ds:uri="http://schemas.microsoft.com/office/infopath/2007/PartnerControls"/>
   </ds:schemaRefs>
 </ds:datastoreItem>
 </file>
@@ -13712,16 +14150,9 @@
 </file>
 
 <file path=customXml/itemProps3.xml><?xml version="1.0" encoding="utf-8"?>
-<ds:datastoreItem xmlns:ds="http://schemas.openxmlformats.org/officeDocument/2006/customXml" ds:itemID="{A50EC660-24D0-43A0-AE5E-E274115E726B}">
+<ds:datastoreItem xmlns:ds="http://schemas.openxmlformats.org/officeDocument/2006/customXml" ds:itemID="{19E20559-B232-4371-8690-E3D8007EDB82}">
   <ds:schemaRefs>
-    <ds:schemaRef ds:uri="http://purl.org/dc/elements/1.1/"/>
-    <ds:schemaRef ds:uri="http://schemas.microsoft.com/office/2006/metadata/properties"/>
-    <ds:schemaRef ds:uri="http://purl.org/dc/terms/"/>
-    <ds:schemaRef ds:uri="http://schemas.openxmlformats.org/package/2006/metadata/core-properties"/>
-    <ds:schemaRef ds:uri="http://schemas.microsoft.com/office/2006/documentManagement/types"/>
-    <ds:schemaRef ds:uri="http://www.w3.org/XML/1998/namespace"/>
-    <ds:schemaRef ds:uri="http://purl.org/dc/dcmitype/"/>
-    <ds:schemaRef ds:uri="http://schemas.microsoft.com/office/infopath/2007/PartnerControls"/>
+    <ds:schemaRef ds:uri="http://schemas.microsoft.com/sharepoint/v3/contenttype/forms"/>
   </ds:schemaRefs>
 </ds:datastoreItem>
 </file>
--- a/refactoring.pptx
+++ b/refactoring.pptx
@@ -12,7 +12,7 @@
   </p:handoutMasterIdLst>
   <p:sldIdLst>
     <p:sldId id="626" r:id="rId5"/>
-    <p:sldId id="320" r:id="rId6"/>
+    <p:sldId id="634" r:id="rId6"/>
     <p:sldId id="610" r:id="rId7"/>
     <p:sldId id="625" r:id="rId8"/>
     <p:sldId id="603" r:id="rId9"/>
@@ -279,7 +279,7 @@
           <a:p>
             <a:fld id="{0B842F42-2CE9-4E35-95C1-410DC08A50B1}" type="datetimeFigureOut">
               <a:rPr lang="en-US" smtClean="0"/>
-              <a:t>6/11/21</a:t>
+              <a:t>6/15/2021</a:t>
             </a:fld>
             <a:endParaRPr lang="en-US"/>
           </a:p>
@@ -444,7 +444,7 @@
           <a:p>
             <a:fld id="{6F282904-F315-4730-8D91-37D99E141A6F}" type="datetimeFigureOut">
               <a:rPr lang="en-US" smtClean="0"/>
-              <a:t>6/11/21</a:t>
+              <a:t>6/15/2021</a:t>
             </a:fld>
             <a:endParaRPr lang="en-US"/>
           </a:p>
@@ -4926,20 +4926,24 @@
           <a:p>
             <a:pPr>
               <a:spcBef>
-                <a:spcPts val="2400"/>
+                <a:spcPts val="2800"/>
               </a:spcBef>
             </a:pPr>
             <a:r>
-              <a:rPr lang="en-US" dirty="0"/>
-              <a:t>Better Scientific Software Tutorial, ISC, June 2021</a:t>
+              <a:rPr lang="en-US" sz="2000" dirty="0"/>
+              <a:t>Better Scientific Software tutorial, ISC, June 2021</a:t>
             </a:r>
           </a:p>
           <a:p>
             <a:pPr>
               <a:spcBef>
-                <a:spcPts val="2400"/>
+                <a:spcPts val="2800"/>
               </a:spcBef>
             </a:pPr>
+            <a:r>
+              <a:rPr lang="en-US" sz="2000" dirty="0"/>
+              <a:t>Contributors: Anshu Dubey (ANL), Mark C. Miller (LLNL)</a:t>
+            </a:r>
             <a:br>
               <a:rPr lang="en-US" sz="2000" dirty="0"/>
             </a:br>
@@ -9554,13 +9558,13 @@
             </a:pPr>
             <a:r>
               <a:rPr lang="en-US" sz="1600" b="1" dirty="0"/>
-              <a:t>The requested citation the overall tutorial is: David E. Bernholdt, Anshu Dubey, Rinku K. Gupta, and David M. Rogers, Better Scientific Software tutorial, in Improving Scientific Software conference, online, 2021. DOI: </a:t>
+              <a:t>The requested citation the overall tutorial is: David E. Bernholdt, Anshu Dubey, Patricia A. Grubel, Rinku K. Gupta, and David M. Rogers, Better Scientific Software tutorial, in ISC High Performance, online, 2021. DOI: </a:t>
             </a:r>
             <a:r>
               <a:rPr lang="en-US" sz="1600" b="1" dirty="0">
                 <a:hlinkClick r:id="rId4"/>
               </a:rPr>
-              <a:t>10.6084/m9.figshare.14256257</a:t>
+              <a:t>10.6084/m9.figshare.14642520</a:t>
             </a:r>
             <a:endParaRPr lang="en-US" sz="1600" b="1" dirty="0"/>
           </a:p>
@@ -9594,38 +9598,6 @@
               <a:rPr lang="en-US" sz="2000" b="1" dirty="0"/>
               <a:t>Acknowledgements</a:t>
             </a:r>
-          </a:p>
-          <a:p>
-            <a:pPr>
-              <a:spcBef>
-                <a:spcPts val="400"/>
-              </a:spcBef>
-            </a:pPr>
-            <a:r>
-              <a:rPr lang="en-US" sz="1400" dirty="0"/>
-              <a:t>Additional contributors include: Mike </a:t>
-            </a:r>
-            <a:r>
-              <a:rPr lang="en-US" sz="1400" dirty="0" err="1"/>
-              <a:t>Heroux</a:t>
-            </a:r>
-            <a:r>
-              <a:rPr lang="en-US" sz="1400" dirty="0"/>
-              <a:t>, Alicia </a:t>
-            </a:r>
-            <a:r>
-              <a:rPr lang="en-US" sz="1400" dirty="0" err="1"/>
-              <a:t>Klinvex</a:t>
-            </a:r>
-            <a:r>
-              <a:rPr lang="en-US" sz="1400" dirty="0"/>
-              <a:t>, Mark Miller, Jared O’Neal, Katherine Riley, David Rogers, Deborah Stevens, James </a:t>
-            </a:r>
-            <a:r>
-              <a:rPr lang="en-US" sz="1400" dirty="0" err="1"/>
-              <a:t>Willenbring</a:t>
-            </a:r>
-            <a:endParaRPr lang="en-US" sz="1400" dirty="0"/>
           </a:p>
           <a:p>
             <a:pPr>
@@ -9745,8 +9717,8 @@
         </p:blipFill>
         <p:spPr bwMode="auto">
           <a:xfrm>
-            <a:off x="10249254" y="570111"/>
-            <a:ext cx="1661258" cy="585216"/>
+            <a:off x="10230336" y="879673"/>
+            <a:ext cx="838200" cy="295275"/>
           </a:xfrm>
           <a:prstGeom prst="rect">
             <a:avLst/>
@@ -9766,7 +9738,7 @@
     </p:spTree>
     <p:extLst>
       <p:ext uri="{BB962C8B-B14F-4D97-AF65-F5344CB8AC3E}">
-        <p14:creationId xmlns:p14="http://schemas.microsoft.com/office/powerpoint/2010/main" val="978726433"/>
+        <p14:creationId xmlns:p14="http://schemas.microsoft.com/office/powerpoint/2010/main" val="1683138517"/>
       </p:ext>
     </p:extLst>
   </p:cSld>
@@ -14056,12 +14028,6 @@
 </file>
 
 <file path=customXml/item1.xml><?xml version="1.0" encoding="utf-8"?>
-<p:properties xmlns:p="http://schemas.microsoft.com/office/2006/metadata/properties" xmlns:xsi="http://www.w3.org/2001/XMLSchema-instance" xmlns:pc="http://schemas.microsoft.com/office/infopath/2007/PartnerControls">
-  <documentManagement/>
-</p:properties>
-</file>
-
-<file path=customXml/item2.xml><?xml version="1.0" encoding="utf-8"?>
 <ct:contentTypeSchema xmlns:ct="http://schemas.microsoft.com/office/2006/metadata/contentType" xmlns:ma="http://schemas.microsoft.com/office/2006/metadata/properties/metaAttributes" ct:_="" ma:_="" ma:contentTypeName="Document" ma:contentTypeID="0x010100565464437F680748A68B85EB6594EA7D" ma:contentTypeVersion="0" ma:contentTypeDescription="Create a new document." ma:contentTypeScope="" ma:versionID="fe3f4dd58d5914c51cfc6deaa8ad845c">
   <xsd:schema xmlns:xsd="http://www.w3.org/2001/XMLSchema" xmlns:p="http://schemas.microsoft.com/office/2006/metadata/properties" targetNamespace="http://schemas.microsoft.com/office/2006/metadata/properties" ma:root="true" ma:fieldsID="4aeb20c0e3442673af7ee10786458764">
     <xsd:element name="properties">
@@ -14110,6 +14076,12 @@
 </ct:contentTypeSchema>
 </file>
 
+<file path=customXml/item2.xml><?xml version="1.0" encoding="utf-8"?>
+<p:properties xmlns:p="http://schemas.microsoft.com/office/2006/metadata/properties" xmlns:xsi="http://www.w3.org/2001/XMLSchema-instance" xmlns:pc="http://schemas.microsoft.com/office/infopath/2007/PartnerControls">
+  <documentManagement/>
+</p:properties>
+</file>
+
 <file path=customXml/item3.xml><?xml version="1.0" encoding="utf-8"?>
 <?mso-contentType ?>
 <FormTemplates xmlns="http://schemas.microsoft.com/sharepoint/v3/contenttype/forms">
@@ -14120,6 +14092,21 @@
 </file>
 
 <file path=customXml/itemProps1.xml><?xml version="1.0" encoding="utf-8"?>
+<ds:datastoreItem xmlns:ds="http://schemas.openxmlformats.org/officeDocument/2006/customXml" ds:itemID="{E8DB7DEB-074E-4EE8-9B6E-FD277323109C}">
+  <ds:schemaRefs>
+    <ds:schemaRef ds:uri="http://schemas.microsoft.com/office/2006/metadata/contentType"/>
+    <ds:schemaRef ds:uri="http://schemas.microsoft.com/office/2006/metadata/properties/metaAttributes"/>
+    <ds:schemaRef ds:uri="http://www.w3.org/2001/XMLSchema"/>
+    <ds:schemaRef ds:uri="http://schemas.microsoft.com/office/2006/metadata/properties"/>
+    <ds:schemaRef ds:uri="http://schemas.openxmlformats.org/package/2006/metadata/core-properties"/>
+    <ds:schemaRef ds:uri="http://purl.org/dc/elements/1.1/"/>
+    <ds:schemaRef ds:uri="http://purl.org/dc/terms/"/>
+    <ds:schemaRef ds:uri="http://schemas.microsoft.com/office/internal/2005/internalDocumentation"/>
+  </ds:schemaRefs>
+</ds:datastoreItem>
+</file>
+
+<file path=customXml/itemProps2.xml><?xml version="1.0" encoding="utf-8"?>
 <ds:datastoreItem xmlns:ds="http://schemas.openxmlformats.org/officeDocument/2006/customXml" ds:itemID="{A50EC660-24D0-43A0-AE5E-E274115E726B}">
   <ds:schemaRefs>
     <ds:schemaRef ds:uri="http://purl.org/dc/elements/1.1/"/>
@@ -14134,21 +14121,6 @@
 </ds:datastoreItem>
 </file>
 
-<file path=customXml/itemProps2.xml><?xml version="1.0" encoding="utf-8"?>
-<ds:datastoreItem xmlns:ds="http://schemas.openxmlformats.org/officeDocument/2006/customXml" ds:itemID="{E8DB7DEB-074E-4EE8-9B6E-FD277323109C}">
-  <ds:schemaRefs>
-    <ds:schemaRef ds:uri="http://schemas.microsoft.com/office/2006/metadata/contentType"/>
-    <ds:schemaRef ds:uri="http://schemas.microsoft.com/office/2006/metadata/properties/metaAttributes"/>
-    <ds:schemaRef ds:uri="http://www.w3.org/2001/XMLSchema"/>
-    <ds:schemaRef ds:uri="http://schemas.microsoft.com/office/2006/metadata/properties"/>
-    <ds:schemaRef ds:uri="http://schemas.openxmlformats.org/package/2006/metadata/core-properties"/>
-    <ds:schemaRef ds:uri="http://purl.org/dc/elements/1.1/"/>
-    <ds:schemaRef ds:uri="http://purl.org/dc/terms/"/>
-    <ds:schemaRef ds:uri="http://schemas.microsoft.com/office/internal/2005/internalDocumentation"/>
-  </ds:schemaRefs>
-</ds:datastoreItem>
-</file>
-
 <file path=customXml/itemProps3.xml><?xml version="1.0" encoding="utf-8"?>
 <ds:datastoreItem xmlns:ds="http://schemas.openxmlformats.org/officeDocument/2006/customXml" ds:itemID="{19E20559-B232-4371-8690-E3D8007EDB82}">
   <ds:schemaRefs>

--- a/refactoring.pptx
+++ b/refactoring.pptx
@@ -12,7 +12,7 @@
   </p:handoutMasterIdLst>
   <p:sldIdLst>
     <p:sldId id="626" r:id="rId5"/>
-    <p:sldId id="634" r:id="rId6"/>
+    <p:sldId id="320" r:id="rId6"/>
     <p:sldId id="610" r:id="rId7"/>
     <p:sldId id="625" r:id="rId8"/>
     <p:sldId id="603" r:id="rId9"/>
@@ -279,7 +279,7 @@
           <a:p>
             <a:fld id="{0B842F42-2CE9-4E35-95C1-410DC08A50B1}" type="datetimeFigureOut">
               <a:rPr lang="en-US" smtClean="0"/>
-              <a:t>6/15/2021</a:t>
+              <a:t>8/10/2021</a:t>
             </a:fld>
             <a:endParaRPr lang="en-US"/>
           </a:p>
@@ -444,7 +444,7 @@
           <a:p>
             <a:fld id="{6F282904-F315-4730-8D91-37D99E141A6F}" type="datetimeFigureOut">
               <a:rPr lang="en-US" smtClean="0"/>
-              <a:t>6/15/2021</a:t>
+              <a:t>8/10/2021</a:t>
             </a:fld>
             <a:endParaRPr lang="en-US"/>
           </a:p>
@@ -4931,7 +4931,7 @@
             </a:pPr>
             <a:r>
               <a:rPr lang="en-US" sz="2000" dirty="0"/>
-              <a:t>Better Scientific Software tutorial, ISC, June 2021</a:t>
+              <a:t>Software Productivity and Sustainability track, ATPESC 2021</a:t>
             </a:r>
           </a:p>
           <a:p>
@@ -9558,13 +9558,13 @@
             </a:pPr>
             <a:r>
               <a:rPr lang="en-US" sz="1600" b="1" dirty="0"/>
-              <a:t>The requested citation the overall tutorial is: David E. Bernholdt, Anshu Dubey, Patricia A. Grubel, Rinku K. Gupta, and David M. Rogers, Better Scientific Software tutorial, in ISC High Performance, online, 2021. DOI: </a:t>
+              <a:t>The requested citation the overall tutorial is: David E. Bernholdt, Anshu Dubey, Rinku K. Gupta, and David M. Rogers, Software Productivity and Sustainability track, in Argonne Training Program on Extreme-Scale Computing (ATPESC), online, 2021. DOI: </a:t>
             </a:r>
             <a:r>
               <a:rPr lang="en-US" sz="1600" b="1" dirty="0">
                 <a:hlinkClick r:id="rId4"/>
               </a:rPr>
-              <a:t>10.6084/m9.figshare.14642520</a:t>
+              <a:t>10.6084/m9.figshare.15130590</a:t>
             </a:r>
             <a:endParaRPr lang="en-US" sz="1600" b="1" dirty="0"/>
           </a:p>
@@ -9738,7 +9738,7 @@
     </p:spTree>
     <p:extLst>
       <p:ext uri="{BB962C8B-B14F-4D97-AF65-F5344CB8AC3E}">
-        <p14:creationId xmlns:p14="http://schemas.microsoft.com/office/powerpoint/2010/main" val="1683138517"/>
+        <p14:creationId xmlns:p14="http://schemas.microsoft.com/office/powerpoint/2010/main" val="978726433"/>
       </p:ext>
     </p:extLst>
   </p:cSld>
@@ -14077,18 +14077,18 @@
 </file>
 
 <file path=customXml/item2.xml><?xml version="1.0" encoding="utf-8"?>
-<p:properties xmlns:p="http://schemas.microsoft.com/office/2006/metadata/properties" xmlns:xsi="http://www.w3.org/2001/XMLSchema-instance" xmlns:pc="http://schemas.microsoft.com/office/infopath/2007/PartnerControls">
-  <documentManagement/>
-</p:properties>
-</file>
-
-<file path=customXml/item3.xml><?xml version="1.0" encoding="utf-8"?>
 <?mso-contentType ?>
 <FormTemplates xmlns="http://schemas.microsoft.com/sharepoint/v3/contenttype/forms">
   <Display>DocumentLibraryForm</Display>
   <Edit>DocumentLibraryForm</Edit>
   <New>DocumentLibraryForm</New>
 </FormTemplates>
+</file>
+
+<file path=customXml/item3.xml><?xml version="1.0" encoding="utf-8"?>
+<p:properties xmlns:p="http://schemas.microsoft.com/office/2006/metadata/properties" xmlns:xsi="http://www.w3.org/2001/XMLSchema-instance" xmlns:pc="http://schemas.microsoft.com/office/infopath/2007/PartnerControls">
+  <documentManagement/>
+</p:properties>
 </file>
 
 <file path=customXml/itemProps1.xml><?xml version="1.0" encoding="utf-8"?>
@@ -14107,6 +14107,14 @@
 </file>
 
 <file path=customXml/itemProps2.xml><?xml version="1.0" encoding="utf-8"?>
+<ds:datastoreItem xmlns:ds="http://schemas.openxmlformats.org/officeDocument/2006/customXml" ds:itemID="{19E20559-B232-4371-8690-E3D8007EDB82}">
+  <ds:schemaRefs>
+    <ds:schemaRef ds:uri="http://schemas.microsoft.com/sharepoint/v3/contenttype/forms"/>
+  </ds:schemaRefs>
+</ds:datastoreItem>
+</file>
+
+<file path=customXml/itemProps3.xml><?xml version="1.0" encoding="utf-8"?>
 <ds:datastoreItem xmlns:ds="http://schemas.openxmlformats.org/officeDocument/2006/customXml" ds:itemID="{A50EC660-24D0-43A0-AE5E-E274115E726B}">
   <ds:schemaRefs>
     <ds:schemaRef ds:uri="http://purl.org/dc/elements/1.1/"/>
@@ -14119,12 +14127,4 @@
     <ds:schemaRef ds:uri="http://schemas.microsoft.com/office/infopath/2007/PartnerControls"/>
   </ds:schemaRefs>
 </ds:datastoreItem>
-</file>
-
-<file path=customXml/itemProps3.xml><?xml version="1.0" encoding="utf-8"?>
-<ds:datastoreItem xmlns:ds="http://schemas.openxmlformats.org/officeDocument/2006/customXml" ds:itemID="{19E20559-B232-4371-8690-E3D8007EDB82}">
-  <ds:schemaRefs>
-    <ds:schemaRef ds:uri="http://schemas.microsoft.com/sharepoint/v3/contenttype/forms"/>
-  </ds:schemaRefs>
-</ds:datastoreItem>
 </file>
--- a/refactoring.pptx
+++ b/refactoring.pptx
@@ -35,7 +35,7 @@
     <p:sldId id="630" r:id="rId26"/>
     <p:sldId id="631" r:id="rId27"/>
     <p:sldId id="632" r:id="rId28"/>
-    <p:sldId id="571" r:id="rId29"/>
+    <p:sldId id="634" r:id="rId29"/>
   </p:sldIdLst>
   <p:sldSz cx="12188825" cy="6858000"/>
   <p:notesSz cx="7010400" cy="9296400"/>
@@ -3817,264 +3817,6 @@
 </p:sldLayout>
 </file>
 
-<file path=ppt/slideLayouts/slideLayout9.xml><?xml version="1.0" encoding="utf-8"?>
-<p:sldLayout xmlns:a="http://schemas.openxmlformats.org/drawingml/2006/main" xmlns:r="http://schemas.openxmlformats.org/officeDocument/2006/relationships" xmlns:p="http://schemas.openxmlformats.org/presentationml/2006/main" showMasterSp="0" userDrawn="1">
-  <p:cSld name="1_*Section Break">
-    <p:spTree>
-      <p:nvGrpSpPr>
-        <p:cNvPr id="1" name=""/>
-        <p:cNvGrpSpPr/>
-        <p:nvPr/>
-      </p:nvGrpSpPr>
-      <p:grpSpPr>
-        <a:xfrm>
-          <a:off x="0" y="0"/>
-          <a:ext cx="0" cy="0"/>
-          <a:chOff x="0" y="0"/>
-          <a:chExt cx="0" cy="0"/>
-        </a:xfrm>
-      </p:grpSpPr>
-      <p:pic>
-        <p:nvPicPr>
-          <p:cNvPr id="37" name="Picture 36" descr="aerial view of Argonne with APS in front 5730-00068.jpg"/>
-          <p:cNvPicPr>
-            <a:picLocks noChangeAspect="1"/>
-          </p:cNvPicPr>
-          <p:nvPr userDrawn="1"/>
-        </p:nvPicPr>
-        <p:blipFill rotWithShape="1">
-          <a:blip r:embed="rId2" cstate="email">
-            <a:extLst>
-              <a:ext uri="{28A0092B-C50C-407E-A947-70E740481C1C}">
-                <a14:useLocalDpi xmlns:a14="http://schemas.microsoft.com/office/drawing/2010/main" val="0"/>
-              </a:ext>
-            </a:extLst>
-          </a:blip>
-          <a:srcRect t="10682" b="7135"/>
-          <a:stretch/>
-        </p:blipFill>
-        <p:spPr>
-          <a:xfrm>
-            <a:off x="0" y="1"/>
-            <a:ext cx="12188825" cy="5984917"/>
-          </a:xfrm>
-          <a:prstGeom prst="rect">
-            <a:avLst/>
-          </a:prstGeom>
-        </p:spPr>
-      </p:pic>
-      <p:sp>
-        <p:nvSpPr>
-          <p:cNvPr id="3" name="Text Placeholder 2"/>
-          <p:cNvSpPr>
-            <a:spLocks noGrp="1"/>
-          </p:cNvSpPr>
-          <p:nvPr>
-            <p:ph type="body" sz="quarter" idx="10" hasCustomPrompt="1"/>
-          </p:nvPr>
-        </p:nvSpPr>
-        <p:spPr>
-          <a:xfrm>
-            <a:off x="2" y="-14246"/>
-            <a:ext cx="12188824" cy="5999163"/>
-          </a:xfrm>
-          <a:solidFill>
-            <a:schemeClr val="tx2">
-              <a:alpha val="90000"/>
-            </a:schemeClr>
-          </a:solidFill>
-        </p:spPr>
-        <p:txBody>
-          <a:bodyPr lIns="457200" tIns="0" bIns="457200" anchor="ctr"/>
-          <a:lstStyle>
-            <a:lvl1pPr marL="0" indent="0">
-              <a:buNone/>
-              <a:defRPr sz="2800" b="1" cap="all" baseline="0">
-                <a:solidFill>
-                  <a:schemeClr val="bg1"/>
-                </a:solidFill>
-              </a:defRPr>
-            </a:lvl1pPr>
-          </a:lstStyle>
-          <a:p>
-            <a:pPr lvl="0"/>
-            <a:r>
-              <a:rPr lang="en-US" dirty="0"/>
-              <a:t>Type in SECTION BREAK TITLE</a:t>
-            </a:r>
-          </a:p>
-        </p:txBody>
-      </p:sp>
-      <p:pic>
-        <p:nvPicPr>
-          <p:cNvPr id="5" name="Picture 4">
-            <a:extLst>
-              <a:ext uri="{FF2B5EF4-FFF2-40B4-BE49-F238E27FC236}">
-                <a16:creationId xmlns:a16="http://schemas.microsoft.com/office/drawing/2014/main" id="{C69AFFCA-476B-3D43-BA2A-8057D08F7956}"/>
-              </a:ext>
-            </a:extLst>
-          </p:cNvPr>
-          <p:cNvPicPr>
-            <a:picLocks noChangeAspect="1"/>
-          </p:cNvPicPr>
-          <p:nvPr userDrawn="1"/>
-        </p:nvPicPr>
-        <p:blipFill>
-          <a:blip r:embed="rId3" cstate="print">
-            <a:extLst>
-              <a:ext uri="{28A0092B-C50C-407E-A947-70E740481C1C}">
-                <a14:useLocalDpi xmlns:a14="http://schemas.microsoft.com/office/drawing/2010/main" val="0"/>
-              </a:ext>
-            </a:extLst>
-          </a:blip>
-          <a:stretch>
-            <a:fillRect/>
-          </a:stretch>
-        </p:blipFill>
-        <p:spPr>
-          <a:xfrm>
-            <a:off x="9741160" y="6183517"/>
-            <a:ext cx="1971212" cy="533060"/>
-          </a:xfrm>
-          <a:prstGeom prst="rect">
-            <a:avLst/>
-          </a:prstGeom>
-        </p:spPr>
-      </p:pic>
-      <p:sp>
-        <p:nvSpPr>
-          <p:cNvPr id="8" name="Rectangle 6">
-            <a:extLst>
-              <a:ext uri="{FF2B5EF4-FFF2-40B4-BE49-F238E27FC236}">
-                <a16:creationId xmlns:a16="http://schemas.microsoft.com/office/drawing/2014/main" id="{242ABDB4-62F0-7B4B-8A6A-8FD308A96B7A}"/>
-              </a:ext>
-            </a:extLst>
-          </p:cNvPr>
-          <p:cNvSpPr>
-            <a:spLocks noChangeArrowheads="1"/>
-          </p:cNvSpPr>
-          <p:nvPr userDrawn="1"/>
-        </p:nvSpPr>
-        <p:spPr bwMode="auto">
-          <a:xfrm flipH="1">
-            <a:off x="163374" y="6513051"/>
-            <a:ext cx="515635" cy="146511"/>
-          </a:xfrm>
-          <a:prstGeom prst="rect">
-            <a:avLst/>
-          </a:prstGeom>
-          <a:noFill/>
-          <a:ln w="9525">
-            <a:noFill/>
-            <a:miter lim="800000"/>
-            <a:headEnd/>
-            <a:tailEnd/>
-          </a:ln>
-          <a:effectLst/>
-        </p:spPr>
-        <p:txBody>
-          <a:bodyPr lIns="0" tIns="0" rIns="0" bIns="0"/>
-          <a:lstStyle/>
-          <a:p>
-            <a:pPr algn="l" defTabSz="173038">
-              <a:lnSpc>
-                <a:spcPct val="90000"/>
-              </a:lnSpc>
-              <a:tabLst>
-                <a:tab pos="230188" algn="l"/>
-              </a:tabLst>
-              <a:defRPr/>
-            </a:pPr>
-            <a:fld id="{040BB257-551A-4736-B50F-DCF1BA034C06}" type="slidenum">
-              <a:rPr lang="en-US" sz="1000" smtClean="0">
-                <a:solidFill>
-                  <a:schemeClr val="tx1"/>
-                </a:solidFill>
-                <a:latin typeface="Arial" pitchFamily="34" charset="0"/>
-                <a:cs typeface="Arial" pitchFamily="34" charset="0"/>
-              </a:rPr>
-              <a:pPr algn="l" defTabSz="173038">
-                <a:lnSpc>
-                  <a:spcPct val="90000"/>
-                </a:lnSpc>
-                <a:tabLst>
-                  <a:tab pos="230188" algn="l"/>
-                </a:tabLst>
-                <a:defRPr/>
-              </a:pPr>
-              <a:t>‹#›</a:t>
-            </a:fld>
-            <a:endParaRPr lang="en-US" sz="1000" dirty="0">
-              <a:solidFill>
-                <a:schemeClr val="tx1"/>
-              </a:solidFill>
-              <a:latin typeface="Arial" pitchFamily="34" charset="0"/>
-              <a:cs typeface="Arial" pitchFamily="34" charset="0"/>
-            </a:endParaRPr>
-          </a:p>
-        </p:txBody>
-      </p:sp>
-      <p:pic>
-        <p:nvPicPr>
-          <p:cNvPr id="10" name="Picture 9" descr="IDEAS_logo.png">
-            <a:extLst>
-              <a:ext uri="{FF2B5EF4-FFF2-40B4-BE49-F238E27FC236}">
-                <a16:creationId xmlns:a16="http://schemas.microsoft.com/office/drawing/2014/main" id="{C42140C9-81A5-2246-A51B-3AFFB45AAB95}"/>
-              </a:ext>
-            </a:extLst>
-          </p:cNvPr>
-          <p:cNvPicPr>
-            <a:picLocks noChangeAspect="1"/>
-          </p:cNvPicPr>
-          <p:nvPr userDrawn="1"/>
-        </p:nvPicPr>
-        <p:blipFill>
-          <a:blip r:embed="rId4" cstate="print">
-            <a:extLst>
-              <a:ext uri="{28A0092B-C50C-407E-A947-70E740481C1C}">
-                <a14:useLocalDpi xmlns:a14="http://schemas.microsoft.com/office/drawing/2010/main"/>
-              </a:ext>
-            </a:extLst>
-          </a:blip>
-          <a:stretch>
-            <a:fillRect/>
-          </a:stretch>
-        </p:blipFill>
-        <p:spPr>
-          <a:xfrm>
-            <a:off x="7663530" y="6156960"/>
-            <a:ext cx="1845330" cy="640080"/>
-          </a:xfrm>
-          <a:prstGeom prst="rect">
-            <a:avLst/>
-          </a:prstGeom>
-        </p:spPr>
-      </p:pic>
-    </p:spTree>
-    <p:extLst>
-      <p:ext uri="{BB962C8B-B14F-4D97-AF65-F5344CB8AC3E}">
-        <p14:creationId xmlns:p14="http://schemas.microsoft.com/office/powerpoint/2010/main" val="1689259172"/>
-      </p:ext>
-    </p:extLst>
-  </p:cSld>
-  <p:clrMapOvr>
-    <a:masterClrMapping/>
-  </p:clrMapOvr>
-  <mc:AlternateContent xmlns:mc="http://schemas.openxmlformats.org/markup-compatibility/2006" xmlns:p14="http://schemas.microsoft.com/office/powerpoint/2010/main">
-    <mc:Choice Requires="p14">
-      <p:transition p14:dur="250">
-        <p:fade/>
-      </p:transition>
-    </mc:Choice>
-    <mc:Fallback xmlns="">
-      <p:transition>
-        <p:fade/>
-      </p:transition>
-    </mc:Fallback>
-  </mc:AlternateContent>
-</p:sldLayout>
-</file>
-
 <file path=ppt/slideMasters/slideMaster1.xml><?xml version="1.0" encoding="utf-8"?>
 <p:sldMaster xmlns:a="http://schemas.openxmlformats.org/drawingml/2006/main" xmlns:r="http://schemas.openxmlformats.org/officeDocument/2006/relationships" xmlns:p="http://schemas.openxmlformats.org/presentationml/2006/main" preserve="1">
   <p:cSld>
@@ -4225,7 +3967,7 @@
           <p:nvPr userDrawn="1"/>
         </p:nvPicPr>
         <p:blipFill>
-          <a:blip r:embed="rId11" cstate="print">
+          <a:blip r:embed="rId10" cstate="print">
             <a:extLst>
               <a:ext uri="{28A0092B-C50C-407E-A947-70E740481C1C}">
                 <a14:useLocalDpi xmlns:a14="http://schemas.microsoft.com/office/drawing/2010/main" val="0"/>
@@ -4364,7 +4106,7 @@
           <p:nvPr userDrawn="1"/>
         </p:nvPicPr>
         <p:blipFill>
-          <a:blip r:embed="rId12">
+          <a:blip r:embed="rId11">
             <a:extLst>
               <a:ext uri="{28A0092B-C50C-407E-A947-70E740481C1C}">
                 <a14:useLocalDpi xmlns:a14="http://schemas.microsoft.com/office/drawing/2010/main" val="0"/>
@@ -4402,7 +4144,6 @@
     <p:sldLayoutId id="2147483940" r:id="rId6"/>
     <p:sldLayoutId id="2147483941" r:id="rId7"/>
     <p:sldLayoutId id="2147483952" r:id="rId8"/>
-    <p:sldLayoutId id="2147483953" r:id="rId9"/>
   </p:sldLayoutIdLst>
   <p:hf hdr="0" ftr="0" dt="0"/>
   <p:txStyles>
@@ -10715,39 +10456,73 @@
       </p:grpSpPr>
       <p:sp>
         <p:nvSpPr>
-          <p:cNvPr id="2" name="Text Placeholder 1"/>
+          <p:cNvPr id="3" name="Title 2">
+            <a:extLst>
+              <a:ext uri="{FF2B5EF4-FFF2-40B4-BE49-F238E27FC236}">
+                <a16:creationId xmlns:a16="http://schemas.microsoft.com/office/drawing/2014/main" id="{54026D64-CF81-4590-8E7D-51586DE803B8}"/>
+              </a:ext>
+            </a:extLst>
+          </p:cNvPr>
           <p:cNvSpPr>
             <a:spLocks noGrp="1"/>
           </p:cNvSpPr>
           <p:nvPr>
-            <p:ph type="body" sz="quarter" idx="10"/>
+            <p:ph type="title"/>
           </p:nvPr>
         </p:nvSpPr>
         <p:spPr>
-          <a:solidFill>
-            <a:schemeClr val="tx2">
-              <a:lumMod val="75000"/>
-              <a:alpha val="90000"/>
-            </a:schemeClr>
-          </a:solidFill>
+          <a:xfrm>
+            <a:off x="365760" y="411480"/>
+            <a:ext cx="11372473" cy="914400"/>
+          </a:xfrm>
         </p:spPr>
         <p:txBody>
           <a:bodyPr/>
           <a:lstStyle/>
           <a:p>
+            <a:r>
+              <a:rPr lang="en-US"/>
+              <a:t>To Have a Good </a:t>
+            </a:r>
+            <a:r>
+              <a:rPr lang="en-US" dirty="0"/>
+              <a:t>O</a:t>
+            </a:r>
+            <a:r>
+              <a:rPr lang="en-US"/>
+              <a:t>utcome from Refactoring</a:t>
+            </a:r>
             <a:endParaRPr lang="en-US" dirty="0"/>
           </a:p>
-          <a:p>
-            <a:r>
-              <a:rPr lang="en-US" dirty="0"/>
-              <a:t>To have good outcome from refactoring</a:t>
-            </a:r>
-          </a:p>
-          <a:p>
-            <a:pPr marL="514350" indent="-514350">
-              <a:buClr>
-                <a:schemeClr val="bg1"/>
-              </a:buClr>
+        </p:txBody>
+      </p:sp>
+      <p:sp>
+        <p:nvSpPr>
+          <p:cNvPr id="4" name="Content Placeholder 3">
+            <a:extLst>
+              <a:ext uri="{FF2B5EF4-FFF2-40B4-BE49-F238E27FC236}">
+                <a16:creationId xmlns:a16="http://schemas.microsoft.com/office/drawing/2014/main" id="{F0098609-3DB0-410A-ACC1-6699EBD68CF4}"/>
+              </a:ext>
+            </a:extLst>
+          </p:cNvPr>
+          <p:cNvSpPr>
+            <a:spLocks noGrp="1"/>
+          </p:cNvSpPr>
+          <p:nvPr>
+            <p:ph idx="1"/>
+          </p:nvPr>
+        </p:nvSpPr>
+        <p:spPr>
+          <a:xfrm>
+            <a:off x="365760" y="1737360"/>
+            <a:ext cx="11369809" cy="4047778"/>
+          </a:xfrm>
+        </p:spPr>
+        <p:txBody>
+          <a:bodyPr/>
+          <a:lstStyle/>
+          <a:p>
+            <a:pPr marL="457200" indent="-457200">
               <a:buFont typeface="+mj-lt"/>
               <a:buAutoNum type="arabicPeriod"/>
             </a:pPr>
@@ -10757,10 +10532,7 @@
             </a:r>
           </a:p>
           <a:p>
-            <a:pPr marL="514350" indent="-514350">
-              <a:buClr>
-                <a:schemeClr val="bg1"/>
-              </a:buClr>
+            <a:pPr marL="457200" indent="-457200">
               <a:buFont typeface="+mj-lt"/>
               <a:buAutoNum type="arabicPeriod"/>
             </a:pPr>
@@ -10770,10 +10542,7 @@
             </a:r>
           </a:p>
           <a:p>
-            <a:pPr marL="514350" indent="-514350">
-              <a:buClr>
-                <a:schemeClr val="bg1"/>
-              </a:buClr>
+            <a:pPr marL="457200" indent="-457200">
               <a:buFont typeface="+mj-lt"/>
               <a:buAutoNum type="arabicPeriod"/>
             </a:pPr>
@@ -10783,10 +10552,7 @@
             </a:r>
           </a:p>
           <a:p>
-            <a:pPr marL="514350" indent="-514350">
-              <a:buClr>
-                <a:schemeClr val="bg1"/>
-              </a:buClr>
+            <a:pPr marL="457200" indent="-457200">
               <a:buFont typeface="+mj-lt"/>
               <a:buAutoNum type="arabicPeriod"/>
             </a:pPr>
@@ -10796,10 +10562,7 @@
             </a:r>
           </a:p>
           <a:p>
-            <a:pPr marL="514350" indent="-514350">
-              <a:buClr>
-                <a:schemeClr val="bg1"/>
-              </a:buClr>
+            <a:pPr marL="457200" indent="-457200">
               <a:buFont typeface="+mj-lt"/>
               <a:buAutoNum type="arabicPeriod"/>
             </a:pPr>
@@ -10809,10 +10572,7 @@
             </a:r>
           </a:p>
           <a:p>
-            <a:pPr marL="514350" indent="-514350">
-              <a:buClr>
-                <a:schemeClr val="bg1"/>
-              </a:buClr>
+            <a:pPr marL="457200" indent="-457200">
               <a:buFont typeface="+mj-lt"/>
               <a:buAutoNum type="arabicPeriod"/>
             </a:pPr>
@@ -10826,25 +10586,13 @@
     </p:spTree>
     <p:extLst>
       <p:ext uri="{BB962C8B-B14F-4D97-AF65-F5344CB8AC3E}">
-        <p14:creationId xmlns:p14="http://schemas.microsoft.com/office/powerpoint/2010/main" val="4007319421"/>
+        <p14:creationId xmlns:p14="http://schemas.microsoft.com/office/powerpoint/2010/main" val="2352381746"/>
       </p:ext>
     </p:extLst>
   </p:cSld>
   <p:clrMapOvr>
     <a:masterClrMapping/>
   </p:clrMapOvr>
-  <mc:AlternateContent xmlns:mc="http://schemas.openxmlformats.org/markup-compatibility/2006" xmlns:p14="http://schemas.microsoft.com/office/powerpoint/2010/main">
-    <mc:Choice Requires="p14">
-      <p:transition p14:dur="250">
-        <p:fade/>
-      </p:transition>
-    </mc:Choice>
-    <mc:Fallback xmlns="">
-      <p:transition>
-        <p:fade/>
-      </p:transition>
-    </mc:Fallback>
-  </mc:AlternateContent>
 </p:sld>
 </file>
 
@@ -14028,6 +13776,15 @@
 </file>
 
 <file path=customXml/item1.xml><?xml version="1.0" encoding="utf-8"?>
+<?mso-contentType ?>
+<FormTemplates xmlns="http://schemas.microsoft.com/sharepoint/v3/contenttype/forms">
+  <Display>DocumentLibraryForm</Display>
+  <Edit>DocumentLibraryForm</Edit>
+  <New>DocumentLibraryForm</New>
+</FormTemplates>
+</file>
+
+<file path=customXml/item2.xml><?xml version="1.0" encoding="utf-8"?>
 <ct:contentTypeSchema xmlns:ct="http://schemas.microsoft.com/office/2006/metadata/contentType" xmlns:ma="http://schemas.microsoft.com/office/2006/metadata/properties/metaAttributes" ct:_="" ma:_="" ma:contentTypeName="Document" ma:contentTypeID="0x010100565464437F680748A68B85EB6594EA7D" ma:contentTypeVersion="0" ma:contentTypeDescription="Create a new document." ma:contentTypeScope="" ma:versionID="fe3f4dd58d5914c51cfc6deaa8ad845c">
   <xsd:schema xmlns:xsd="http://www.w3.org/2001/XMLSchema" xmlns:p="http://schemas.microsoft.com/office/2006/metadata/properties" targetNamespace="http://schemas.microsoft.com/office/2006/metadata/properties" ma:root="true" ma:fieldsID="4aeb20c0e3442673af7ee10786458764">
     <xsd:element name="properties">
@@ -14076,15 +13833,6 @@
 </ct:contentTypeSchema>
 </file>
 
-<file path=customXml/item2.xml><?xml version="1.0" encoding="utf-8"?>
-<?mso-contentType ?>
-<FormTemplates xmlns="http://schemas.microsoft.com/sharepoint/v3/contenttype/forms">
-  <Display>DocumentLibraryForm</Display>
-  <Edit>DocumentLibraryForm</Edit>
-  <New>DocumentLibraryForm</New>
-</FormTemplates>
-</file>
-
 <file path=customXml/item3.xml><?xml version="1.0" encoding="utf-8"?>
 <p:properties xmlns:p="http://schemas.microsoft.com/office/2006/metadata/properties" xmlns:xsi="http://www.w3.org/2001/XMLSchema-instance" xmlns:pc="http://schemas.microsoft.com/office/infopath/2007/PartnerControls">
   <documentManagement/>
@@ -14092,6 +13840,14 @@
 </file>
 
 <file path=customXml/itemProps1.xml><?xml version="1.0" encoding="utf-8"?>
+<ds:datastoreItem xmlns:ds="http://schemas.openxmlformats.org/officeDocument/2006/customXml" ds:itemID="{19E20559-B232-4371-8690-E3D8007EDB82}">
+  <ds:schemaRefs>
+    <ds:schemaRef ds:uri="http://schemas.microsoft.com/sharepoint/v3/contenttype/forms"/>
+  </ds:schemaRefs>
+</ds:datastoreItem>
+</file>
+
+<file path=customXml/itemProps2.xml><?xml version="1.0" encoding="utf-8"?>
 <ds:datastoreItem xmlns:ds="http://schemas.openxmlformats.org/officeDocument/2006/customXml" ds:itemID="{E8DB7DEB-074E-4EE8-9B6E-FD277323109C}">
   <ds:schemaRefs>
     <ds:schemaRef ds:uri="http://schemas.microsoft.com/office/2006/metadata/contentType"/>
@@ -14102,14 +13858,6 @@
     <ds:schemaRef ds:uri="http://purl.org/dc/elements/1.1/"/>
     <ds:schemaRef ds:uri="http://purl.org/dc/terms/"/>
     <ds:schemaRef ds:uri="http://schemas.microsoft.com/office/internal/2005/internalDocumentation"/>
-  </ds:schemaRefs>
-</ds:datastoreItem>
-</file>
-
-<file path=customXml/itemProps2.xml><?xml version="1.0" encoding="utf-8"?>
-<ds:datastoreItem xmlns:ds="http://schemas.openxmlformats.org/officeDocument/2006/customXml" ds:itemID="{19E20559-B232-4371-8690-E3D8007EDB82}">
-  <ds:schemaRefs>
-    <ds:schemaRef ds:uri="http://schemas.microsoft.com/sharepoint/v3/contenttype/forms"/>
   </ds:schemaRefs>
 </ds:datastoreItem>
 </file>

--- a/refactoring.pptx
+++ b/refactoring.pptx
@@ -12,7 +12,7 @@
   </p:handoutMasterIdLst>
   <p:sldIdLst>
     <p:sldId id="626" r:id="rId5"/>
-    <p:sldId id="320" r:id="rId6"/>
+    <p:sldId id="635" r:id="rId6"/>
     <p:sldId id="610" r:id="rId7"/>
     <p:sldId id="625" r:id="rId8"/>
     <p:sldId id="603" r:id="rId9"/>
@@ -279,7 +279,7 @@
           <a:p>
             <a:fld id="{0B842F42-2CE9-4E35-95C1-410DC08A50B1}" type="datetimeFigureOut">
               <a:rPr lang="en-US" smtClean="0"/>
-              <a:t>8/10/2021</a:t>
+              <a:t>9/1/2021</a:t>
             </a:fld>
             <a:endParaRPr lang="en-US"/>
           </a:p>
@@ -444,7 +444,7 @@
           <a:p>
             <a:fld id="{6F282904-F315-4730-8D91-37D99E141A6F}" type="datetimeFigureOut">
               <a:rPr lang="en-US" smtClean="0"/>
-              <a:t>8/10/2021</a:t>
+              <a:t>9/1/2021</a:t>
             </a:fld>
             <a:endParaRPr lang="en-US"/>
           </a:p>
@@ -4655,8 +4655,16 @@
               <a:rPr lang="en-US" u="sng" dirty="0"/>
               <a:t>Anshu Dubey</a:t>
             </a:r>
+            <a:r>
+              <a:rPr lang="en-US" dirty="0"/>
+              <a:t> </a:t>
+            </a:r>
+            <a:r>
+              <a:rPr lang="en-US" sz="2000" dirty="0"/>
+              <a:t>(she/her)</a:t>
+            </a:r>
             <a:br>
-              <a:rPr lang="en-US" dirty="0"/>
+              <a:rPr lang="en-US" sz="2000" dirty="0"/>
             </a:br>
             <a:r>
               <a:rPr lang="en-US" sz="2000" dirty="0"/>
@@ -4672,7 +4680,7 @@
             </a:pPr>
             <a:r>
               <a:rPr lang="en-US" sz="2000" dirty="0"/>
-              <a:t>Software Productivity and Sustainability track, ATPESC 2021</a:t>
+              <a:t>Better Scientific Software tutorial @ SC21</a:t>
             </a:r>
           </a:p>
           <a:p>
@@ -9299,13 +9307,13 @@
             </a:pPr>
             <a:r>
               <a:rPr lang="en-US" sz="1600" b="1" dirty="0"/>
-              <a:t>The requested citation the overall tutorial is: David E. Bernholdt, Anshu Dubey, Rinku K. Gupta, and David M. Rogers, Software Productivity and Sustainability track, in Argonne Training Program on Extreme-Scale Computing (ATPESC), online, 2021. DOI: </a:t>
+              <a:t>The requested citation the overall tutorial is: David E. Bernholdt, Anshu Dubey, Patricia A. Grubel, Rinku K. Gupta, and Gregory R. Watson, Better Scientific Software tutorial, in the International Conference for High-Performance Computing, Networking, Storage, and Analysis (SC21), St. Louis, MO, USA and online, 2021. DOI: </a:t>
             </a:r>
             <a:r>
               <a:rPr lang="en-US" sz="1600" b="1" dirty="0">
                 <a:hlinkClick r:id="rId4"/>
               </a:rPr>
-              <a:t>10.6084/m9.figshare.15130590</a:t>
+              <a:t>10.6084/m9.figshare.16556628</a:t>
             </a:r>
             <a:endParaRPr lang="en-US" sz="1600" b="1" dirty="0"/>
           </a:p>
@@ -9479,7 +9487,7 @@
     </p:spTree>
     <p:extLst>
       <p:ext uri="{BB962C8B-B14F-4D97-AF65-F5344CB8AC3E}">
-        <p14:creationId xmlns:p14="http://schemas.microsoft.com/office/powerpoint/2010/main" val="978726433"/>
+        <p14:creationId xmlns:p14="http://schemas.microsoft.com/office/powerpoint/2010/main" val="2096803113"/>
       </p:ext>
     </p:extLst>
   </p:cSld>
@@ -13776,12 +13784,9 @@
 </file>
 
 <file path=customXml/item1.xml><?xml version="1.0" encoding="utf-8"?>
-<?mso-contentType ?>
-<FormTemplates xmlns="http://schemas.microsoft.com/sharepoint/v3/contenttype/forms">
-  <Display>DocumentLibraryForm</Display>
-  <Edit>DocumentLibraryForm</Edit>
-  <New>DocumentLibraryForm</New>
-</FormTemplates>
+<p:properties xmlns:p="http://schemas.microsoft.com/office/2006/metadata/properties" xmlns:xsi="http://www.w3.org/2001/XMLSchema-instance" xmlns:pc="http://schemas.microsoft.com/office/infopath/2007/PartnerControls">
+  <documentManagement/>
+</p:properties>
 </file>
 
 <file path=customXml/item2.xml><?xml version="1.0" encoding="utf-8"?>
@@ -13834,15 +13839,25 @@
 </file>
 
 <file path=customXml/item3.xml><?xml version="1.0" encoding="utf-8"?>
-<p:properties xmlns:p="http://schemas.microsoft.com/office/2006/metadata/properties" xmlns:xsi="http://www.w3.org/2001/XMLSchema-instance" xmlns:pc="http://schemas.microsoft.com/office/infopath/2007/PartnerControls">
-  <documentManagement/>
-</p:properties>
+<?mso-contentType ?>
+<FormTemplates xmlns="http://schemas.microsoft.com/sharepoint/v3/contenttype/forms">
+  <Display>DocumentLibraryForm</Display>
+  <Edit>DocumentLibraryForm</Edit>
+  <New>DocumentLibraryForm</New>
+</FormTemplates>
 </file>
 
 <file path=customXml/itemProps1.xml><?xml version="1.0" encoding="utf-8"?>
-<ds:datastoreItem xmlns:ds="http://schemas.openxmlformats.org/officeDocument/2006/customXml" ds:itemID="{19E20559-B232-4371-8690-E3D8007EDB82}">
+<ds:datastoreItem xmlns:ds="http://schemas.openxmlformats.org/officeDocument/2006/customXml" ds:itemID="{A50EC660-24D0-43A0-AE5E-E274115E726B}">
   <ds:schemaRefs>
-    <ds:schemaRef ds:uri="http://schemas.microsoft.com/sharepoint/v3/contenttype/forms"/>
+    <ds:schemaRef ds:uri="http://purl.org/dc/elements/1.1/"/>
+    <ds:schemaRef ds:uri="http://schemas.microsoft.com/office/2006/metadata/properties"/>
+    <ds:schemaRef ds:uri="http://purl.org/dc/terms/"/>
+    <ds:schemaRef ds:uri="http://schemas.openxmlformats.org/package/2006/metadata/core-properties"/>
+    <ds:schemaRef ds:uri="http://schemas.microsoft.com/office/2006/documentManagement/types"/>
+    <ds:schemaRef ds:uri="http://www.w3.org/XML/1998/namespace"/>
+    <ds:schemaRef ds:uri="http://purl.org/dc/dcmitype/"/>
+    <ds:schemaRef ds:uri="http://schemas.microsoft.com/office/infopath/2007/PartnerControls"/>
   </ds:schemaRefs>
 </ds:datastoreItem>
 </file>
@@ -13863,16 +13878,9 @@
 </file>
 
 <file path=customXml/itemProps3.xml><?xml version="1.0" encoding="utf-8"?>
-<ds:datastoreItem xmlns:ds="http://schemas.openxmlformats.org/officeDocument/2006/customXml" ds:itemID="{A50EC660-24D0-43A0-AE5E-E274115E726B}">
+<ds:datastoreItem xmlns:ds="http://schemas.openxmlformats.org/officeDocument/2006/customXml" ds:itemID="{19E20559-B232-4371-8690-E3D8007EDB82}">
   <ds:schemaRefs>
-    <ds:schemaRef ds:uri="http://purl.org/dc/elements/1.1/"/>
-    <ds:schemaRef ds:uri="http://schemas.microsoft.com/office/2006/metadata/properties"/>
-    <ds:schemaRef ds:uri="http://purl.org/dc/terms/"/>
-    <ds:schemaRef ds:uri="http://schemas.openxmlformats.org/package/2006/metadata/core-properties"/>
-    <ds:schemaRef ds:uri="http://schemas.microsoft.com/office/2006/documentManagement/types"/>
-    <ds:schemaRef ds:uri="http://www.w3.org/XML/1998/namespace"/>
-    <ds:schemaRef ds:uri="http://purl.org/dc/dcmitype/"/>
-    <ds:schemaRef ds:uri="http://schemas.microsoft.com/office/infopath/2007/PartnerControls"/>
+    <ds:schemaRef ds:uri="http://schemas.microsoft.com/sharepoint/v3/contenttype/forms"/>
   </ds:schemaRefs>
 </ds:datastoreItem>
 </file>
--- a/refactoring.pptx
+++ b/refactoring.pptx
@@ -294,7 +294,7 @@
           <a:p>
             <a:fld id="{0B842F42-2CE9-4E35-95C1-410DC08A50B1}" type="datetimeFigureOut">
               <a:rPr lang="en-US" smtClean="0"/>
-              <a:t>9/2/21</a:t>
+              <a:t>9/7/21</a:t>
             </a:fld>
             <a:endParaRPr lang="en-US"/>
           </a:p>
@@ -459,7 +459,7 @@
           <a:p>
             <a:fld id="{6F282904-F315-4730-8D91-37D99E141A6F}" type="datetimeFigureOut">
               <a:rPr lang="en-US" smtClean="0"/>
-              <a:t>9/2/21</a:t>
+              <a:t>9/7/21</a:t>
             </a:fld>
             <a:endParaRPr lang="en-US"/>
           </a:p>
@@ -32197,15 +32197,6 @@
 </file>
 
 <file path=customXml/item1.xml><?xml version="1.0" encoding="utf-8"?>
-<?mso-contentType ?>
-<FormTemplates xmlns="http://schemas.microsoft.com/sharepoint/v3/contenttype/forms">
-  <Display>DocumentLibraryForm</Display>
-  <Edit>DocumentLibraryForm</Edit>
-  <New>DocumentLibraryForm</New>
-</FormTemplates>
-</file>
-
-<file path=customXml/item2.xml><?xml version="1.0" encoding="utf-8"?>
 <ct:contentTypeSchema xmlns:ct="http://schemas.microsoft.com/office/2006/metadata/contentType" xmlns:ma="http://schemas.microsoft.com/office/2006/metadata/properties/metaAttributes" ct:_="" ma:_="" ma:contentTypeName="Document" ma:contentTypeID="0x010100565464437F680748A68B85EB6594EA7D" ma:contentTypeVersion="0" ma:contentTypeDescription="Create a new document." ma:contentTypeScope="" ma:versionID="fe3f4dd58d5914c51cfc6deaa8ad845c">
   <xsd:schema xmlns:xsd="http://www.w3.org/2001/XMLSchema" xmlns:p="http://schemas.microsoft.com/office/2006/metadata/properties" targetNamespace="http://schemas.microsoft.com/office/2006/metadata/properties" ma:root="true" ma:fieldsID="4aeb20c0e3442673af7ee10786458764">
     <xsd:element name="properties">
@@ -32254,21 +32245,22 @@
 </ct:contentTypeSchema>
 </file>
 
-<file path=customXml/item3.xml><?xml version="1.0" encoding="utf-8"?>
+<file path=customXml/item2.xml><?xml version="1.0" encoding="utf-8"?>
 <p:properties xmlns:p="http://schemas.microsoft.com/office/2006/metadata/properties" xmlns:xsi="http://www.w3.org/2001/XMLSchema-instance" xmlns:pc="http://schemas.microsoft.com/office/infopath/2007/PartnerControls">
   <documentManagement/>
 </p:properties>
 </file>
 
-<file path=customXml/itemProps1.xml><?xml version="1.0" encoding="utf-8"?>
-<ds:datastoreItem xmlns:ds="http://schemas.openxmlformats.org/officeDocument/2006/customXml" ds:itemID="{19E20559-B232-4371-8690-E3D8007EDB82}">
-  <ds:schemaRefs>
-    <ds:schemaRef ds:uri="http://schemas.microsoft.com/sharepoint/v3/contenttype/forms"/>
-  </ds:schemaRefs>
-</ds:datastoreItem>
+<file path=customXml/item3.xml><?xml version="1.0" encoding="utf-8"?>
+<?mso-contentType ?>
+<FormTemplates xmlns="http://schemas.microsoft.com/sharepoint/v3/contenttype/forms">
+  <Display>DocumentLibraryForm</Display>
+  <Edit>DocumentLibraryForm</Edit>
+  <New>DocumentLibraryForm</New>
+</FormTemplates>
 </file>
 
-<file path=customXml/itemProps2.xml><?xml version="1.0" encoding="utf-8"?>
+<file path=customXml/itemProps1.xml><?xml version="1.0" encoding="utf-8"?>
 <ds:datastoreItem xmlns:ds="http://schemas.openxmlformats.org/officeDocument/2006/customXml" ds:itemID="{E8DB7DEB-074E-4EE8-9B6E-FD277323109C}">
   <ds:schemaRefs>
     <ds:schemaRef ds:uri="http://schemas.microsoft.com/office/2006/metadata/contentType"/>
@@ -32283,7 +32275,7 @@
 </ds:datastoreItem>
 </file>
 
-<file path=customXml/itemProps3.xml><?xml version="1.0" encoding="utf-8"?>
+<file path=customXml/itemProps2.xml><?xml version="1.0" encoding="utf-8"?>
 <ds:datastoreItem xmlns:ds="http://schemas.openxmlformats.org/officeDocument/2006/customXml" ds:itemID="{A50EC660-24D0-43A0-AE5E-E274115E726B}">
   <ds:schemaRefs>
     <ds:schemaRef ds:uri="http://purl.org/dc/elements/1.1/"/>
@@ -32296,4 +32288,12 @@
     <ds:schemaRef ds:uri="http://schemas.microsoft.com/office/infopath/2007/PartnerControls"/>
   </ds:schemaRefs>
 </ds:datastoreItem>
+</file>
+
+<file path=customXml/itemProps3.xml><?xml version="1.0" encoding="utf-8"?>
+<ds:datastoreItem xmlns:ds="http://schemas.openxmlformats.org/officeDocument/2006/customXml" ds:itemID="{19E20559-B232-4371-8690-E3D8007EDB82}">
+  <ds:schemaRefs>
+    <ds:schemaRef ds:uri="http://schemas.microsoft.com/sharepoint/v3/contenttype/forms"/>
+  </ds:schemaRefs>
+</ds:datastoreItem>
 </file>
--- a/refactoring.pptx
+++ b/refactoring.pptx
@@ -12,7 +12,7 @@
   </p:handoutMasterIdLst>
   <p:sldIdLst>
     <p:sldId id="626" r:id="rId5"/>
-    <p:sldId id="635" r:id="rId6"/>
+    <p:sldId id="320" r:id="rId6"/>
     <p:sldId id="610" r:id="rId7"/>
     <p:sldId id="625" r:id="rId8"/>
     <p:sldId id="495" r:id="rId9"/>
@@ -294,7 +294,7 @@
           <a:p>
             <a:fld id="{0B842F42-2CE9-4E35-95C1-410DC08A50B1}" type="datetimeFigureOut">
               <a:rPr lang="en-US" smtClean="0"/>
-              <a:t>9/7/21</a:t>
+              <a:t>3/25/2022</a:t>
             </a:fld>
             <a:endParaRPr lang="en-US"/>
           </a:p>
@@ -459,7 +459,7 @@
           <a:p>
             <a:fld id="{6F282904-F315-4730-8D91-37D99E141A6F}" type="datetimeFigureOut">
               <a:rPr lang="en-US" smtClean="0"/>
-              <a:t>9/7/21</a:t>
+              <a:t>3/25/2022</a:t>
             </a:fld>
             <a:endParaRPr lang="en-US"/>
           </a:p>
@@ -5044,7 +5044,7 @@
           <a:p>
             <a:r>
               <a:rPr lang="en-US" u="sng" dirty="0"/>
-              <a:t>Anshu Dubey</a:t>
+              <a:t>David M. Rogers</a:t>
             </a:r>
             <a:r>
               <a:rPr lang="en-US" dirty="0"/>
@@ -5052,14 +5052,14 @@
             </a:r>
             <a:r>
               <a:rPr lang="en-US" sz="2000" dirty="0"/>
-              <a:t>(she/her)</a:t>
+              <a:t>(he/him)</a:t>
             </a:r>
             <a:br>
               <a:rPr lang="en-US" sz="2000" dirty="0"/>
             </a:br>
             <a:r>
               <a:rPr lang="en-US" sz="2000" dirty="0"/>
-              <a:t>Argonne National Laboratory</a:t>
+              <a:t>Oak Ridge National Laboratory</a:t>
             </a:r>
             <a:endParaRPr lang="en-US" dirty="0"/>
           </a:p>
@@ -5071,7 +5071,7 @@
             </a:pPr>
             <a:r>
               <a:rPr lang="en-US" sz="2000" dirty="0"/>
-              <a:t>Better Scientific Software tutorial @ SC21</a:t>
+              <a:t>Better Scientific Software tutorial @ Improving Scientific Software 2022</a:t>
             </a:r>
           </a:p>
           <a:p>
@@ -5082,7 +5082,7 @@
             </a:pPr>
             <a:r>
               <a:rPr lang="en-US" sz="2000" dirty="0"/>
-              <a:t>Contributors: Anshu Dubey (ANL), Mark C. Miller (LLNL)</a:t>
+              <a:t>Contributors: Anshu Dubey (ANL), Mark C. Miller (LLNL), David M. Rogers (ORNL)</a:t>
             </a:r>
             <a:br>
               <a:rPr lang="en-US" sz="2000" dirty="0"/>
@@ -9472,15 +9472,21 @@
             </a:pPr>
             <a:r>
               <a:rPr lang="en-US" sz="1600" b="1" dirty="0"/>
-              <a:t>The requested citation the overall tutorial is: David E. Bernholdt, Anshu Dubey, Patricia A. Grubel, Rinku K. Gupta, and Gregory R. Watson, Better Scientific Software tutorial, in the International Conference for High-Performance Computing, Networking, Storage, and Analysis (SC21), St. Louis, MO, USA and online, 2021. DOI: </a:t>
+              <a:t>The requested citation the overall tutorial is: David E. Bernholdt, Patricia A. Grubel, Rinku K. Gupta, and David M. Rogers, Better Scientific Software tutorial, in Improving Scientific Software conference, online, 2022. DOI: </a:t>
             </a:r>
             <a:r>
               <a:rPr lang="en-US" sz="1600" b="1" dirty="0">
                 <a:hlinkClick r:id="rId4"/>
               </a:rPr>
-              <a:t>10.6084/m9.figshare.16556628</a:t>
-            </a:r>
-            <a:endParaRPr lang="en-US" sz="1600" b="1" dirty="0"/>
+              <a:t>10.6084/m9.figshare</a:t>
+            </a:r>
+            <a:r>
+              <a:rPr lang="en-US" sz="1600" b="1">
+                <a:hlinkClick r:id="rId4"/>
+              </a:rPr>
+              <a:t>.19416767</a:t>
+            </a:r>
+            <a:endParaRPr lang="en-US" sz="1600" b="1"/>
           </a:p>
           <a:p>
             <a:pPr>
@@ -9652,7 +9658,7 @@
     </p:spTree>
     <p:extLst>
       <p:ext uri="{BB962C8B-B14F-4D97-AF65-F5344CB8AC3E}">
-        <p14:creationId xmlns:p14="http://schemas.microsoft.com/office/powerpoint/2010/main" val="2096803113"/>
+        <p14:creationId xmlns:p14="http://schemas.microsoft.com/office/powerpoint/2010/main" val="978726433"/>
       </p:ext>
     </p:extLst>
   </p:cSld>
@@ -32197,6 +32203,12 @@
 </file>
 
 <file path=customXml/item1.xml><?xml version="1.0" encoding="utf-8"?>
+<p:properties xmlns:p="http://schemas.microsoft.com/office/2006/metadata/properties" xmlns:xsi="http://www.w3.org/2001/XMLSchema-instance" xmlns:pc="http://schemas.microsoft.com/office/infopath/2007/PartnerControls">
+  <documentManagement/>
+</p:properties>
+</file>
+
+<file path=customXml/item2.xml><?xml version="1.0" encoding="utf-8"?>
 <ct:contentTypeSchema xmlns:ct="http://schemas.microsoft.com/office/2006/metadata/contentType" xmlns:ma="http://schemas.microsoft.com/office/2006/metadata/properties/metaAttributes" ct:_="" ma:_="" ma:contentTypeName="Document" ma:contentTypeID="0x010100565464437F680748A68B85EB6594EA7D" ma:contentTypeVersion="0" ma:contentTypeDescription="Create a new document." ma:contentTypeScope="" ma:versionID="fe3f4dd58d5914c51cfc6deaa8ad845c">
   <xsd:schema xmlns:xsd="http://www.w3.org/2001/XMLSchema" xmlns:p="http://schemas.microsoft.com/office/2006/metadata/properties" targetNamespace="http://schemas.microsoft.com/office/2006/metadata/properties" ma:root="true" ma:fieldsID="4aeb20c0e3442673af7ee10786458764">
     <xsd:element name="properties">
@@ -32245,12 +32257,6 @@
 </ct:contentTypeSchema>
 </file>
 
-<file path=customXml/item2.xml><?xml version="1.0" encoding="utf-8"?>
-<p:properties xmlns:p="http://schemas.microsoft.com/office/2006/metadata/properties" xmlns:xsi="http://www.w3.org/2001/XMLSchema-instance" xmlns:pc="http://schemas.microsoft.com/office/infopath/2007/PartnerControls">
-  <documentManagement/>
-</p:properties>
-</file>
-
 <file path=customXml/item3.xml><?xml version="1.0" encoding="utf-8"?>
 <?mso-contentType ?>
 <FormTemplates xmlns="http://schemas.microsoft.com/sharepoint/v3/contenttype/forms">
@@ -32261,6 +32267,21 @@
 </file>
 
 <file path=customXml/itemProps1.xml><?xml version="1.0" encoding="utf-8"?>
+<ds:datastoreItem xmlns:ds="http://schemas.openxmlformats.org/officeDocument/2006/customXml" ds:itemID="{A50EC660-24D0-43A0-AE5E-E274115E726B}">
+  <ds:schemaRefs>
+    <ds:schemaRef ds:uri="http://purl.org/dc/elements/1.1/"/>
+    <ds:schemaRef ds:uri="http://schemas.microsoft.com/office/2006/metadata/properties"/>
+    <ds:schemaRef ds:uri="http://purl.org/dc/terms/"/>
+    <ds:schemaRef ds:uri="http://schemas.openxmlformats.org/package/2006/metadata/core-properties"/>
+    <ds:schemaRef ds:uri="http://schemas.microsoft.com/office/2006/documentManagement/types"/>
+    <ds:schemaRef ds:uri="http://www.w3.org/XML/1998/namespace"/>
+    <ds:schemaRef ds:uri="http://purl.org/dc/dcmitype/"/>
+    <ds:schemaRef ds:uri="http://schemas.microsoft.com/office/infopath/2007/PartnerControls"/>
+  </ds:schemaRefs>
+</ds:datastoreItem>
+</file>
+
+<file path=customXml/itemProps2.xml><?xml version="1.0" encoding="utf-8"?>
 <ds:datastoreItem xmlns:ds="http://schemas.openxmlformats.org/officeDocument/2006/customXml" ds:itemID="{E8DB7DEB-074E-4EE8-9B6E-FD277323109C}">
   <ds:schemaRefs>
     <ds:schemaRef ds:uri="http://schemas.microsoft.com/office/2006/metadata/contentType"/>
@@ -32275,21 +32296,6 @@
 </ds:datastoreItem>
 </file>
 
-<file path=customXml/itemProps2.xml><?xml version="1.0" encoding="utf-8"?>
-<ds:datastoreItem xmlns:ds="http://schemas.openxmlformats.org/officeDocument/2006/customXml" ds:itemID="{A50EC660-24D0-43A0-AE5E-E274115E726B}">
-  <ds:schemaRefs>
-    <ds:schemaRef ds:uri="http://purl.org/dc/elements/1.1/"/>
-    <ds:schemaRef ds:uri="http://schemas.microsoft.com/office/2006/metadata/properties"/>
-    <ds:schemaRef ds:uri="http://purl.org/dc/terms/"/>
-    <ds:schemaRef ds:uri="http://schemas.openxmlformats.org/package/2006/metadata/core-properties"/>
-    <ds:schemaRef ds:uri="http://schemas.microsoft.com/office/2006/documentManagement/types"/>
-    <ds:schemaRef ds:uri="http://www.w3.org/XML/1998/namespace"/>
-    <ds:schemaRef ds:uri="http://purl.org/dc/dcmitype/"/>
-    <ds:schemaRef ds:uri="http://schemas.microsoft.com/office/infopath/2007/PartnerControls"/>
-  </ds:schemaRefs>
-</ds:datastoreItem>
-</file>
-
 <file path=customXml/itemProps3.xml><?xml version="1.0" encoding="utf-8"?>
 <ds:datastoreItem xmlns:ds="http://schemas.openxmlformats.org/officeDocument/2006/customXml" ds:itemID="{19E20559-B232-4371-8690-E3D8007EDB82}">
   <ds:schemaRefs>

--- a/refactoring.pptx
+++ b/refactoring.pptx
@@ -294,7 +294,7 @@
           <a:p>
             <a:fld id="{0B842F42-2CE9-4E35-95C1-410DC08A50B1}" type="datetimeFigureOut">
               <a:rPr lang="en-US" smtClean="0"/>
-              <a:t>3/25/2022</a:t>
+              <a:t>4/1/22</a:t>
             </a:fld>
             <a:endParaRPr lang="en-US"/>
           </a:p>
@@ -459,7 +459,7 @@
           <a:p>
             <a:fld id="{6F282904-F315-4730-8D91-37D99E141A6F}" type="datetimeFigureOut">
               <a:rPr lang="en-US" smtClean="0"/>
-              <a:t>3/25/2022</a:t>
+              <a:t>4/1/22</a:t>
             </a:fld>
             <a:endParaRPr lang="en-US"/>
           </a:p>
@@ -7103,7 +7103,29 @@
           <a:p>
             <a:r>
               <a:rPr lang="en-US" dirty="0"/>
-              <a:t>Exercise: Refactoring the Running Example</a:t>
+              <a:t>Exercise: </a:t>
+            </a:r>
+            <a:r>
+              <a:rPr lang="en-US" b="0" dirty="0"/>
+              <a:t>Refactoring</a:t>
+            </a:r>
+            <a:r>
+              <a:rPr lang="en-US" dirty="0"/>
+              <a:t> </a:t>
+            </a:r>
+            <a:r>
+              <a:rPr lang="en-US" b="0" dirty="0" err="1">
+                <a:latin typeface="Consolas" panose="020B0609020204030204" pitchFamily="49" charset="0"/>
+                <a:cs typeface="Consolas" panose="020B0609020204030204" pitchFamily="49" charset="0"/>
+              </a:rPr>
+              <a:t>bssw</a:t>
+            </a:r>
+            <a:r>
+              <a:rPr lang="en-US" b="0" dirty="0">
+                <a:latin typeface="Consolas" panose="020B0609020204030204" pitchFamily="49" charset="0"/>
+                <a:cs typeface="Consolas" panose="020B0609020204030204" pitchFamily="49" charset="0"/>
+              </a:rPr>
+              <a:t>-tutorial/hello-numerical-world</a:t>
             </a:r>
           </a:p>
         </p:txBody>
@@ -7126,8 +7148,8 @@
         </p:nvSpPr>
         <p:spPr>
           <a:xfrm>
-            <a:off x="409508" y="1004147"/>
-            <a:ext cx="11139025" cy="5176520"/>
+            <a:off x="409508" y="1510747"/>
+            <a:ext cx="11139025" cy="4669919"/>
           </a:xfrm>
         </p:spPr>
         <p:txBody>
@@ -7152,12 +7174,16 @@
           <a:p>
             <a:pPr lvl="1"/>
             <a:r>
-              <a:rPr lang="en-US"/>
-              <a:t>Think </a:t>
-            </a:r>
-            <a:r>
               <a:rPr lang="en-US" dirty="0"/>
-              <a:t>about how you want your final product to be and then go through the exercise of refactoring</a:t>
+              <a:t>Think about </a:t>
+            </a:r>
+            <a:r>
+              <a:rPr lang="en-US" i="1" dirty="0"/>
+              <a:t>how you want your final product to be organized</a:t>
+            </a:r>
+            <a:r>
+              <a:rPr lang="en-US" dirty="0"/>
+              <a:t> and then go through the exercise of refactoring</a:t>
             </a:r>
           </a:p>
           <a:p>
@@ -32203,12 +32229,6 @@
 </file>
 
 <file path=customXml/item1.xml><?xml version="1.0" encoding="utf-8"?>
-<p:properties xmlns:p="http://schemas.microsoft.com/office/2006/metadata/properties" xmlns:xsi="http://www.w3.org/2001/XMLSchema-instance" xmlns:pc="http://schemas.microsoft.com/office/infopath/2007/PartnerControls">
-  <documentManagement/>
-</p:properties>
-</file>
-
-<file path=customXml/item2.xml><?xml version="1.0" encoding="utf-8"?>
 <ct:contentTypeSchema xmlns:ct="http://schemas.microsoft.com/office/2006/metadata/contentType" xmlns:ma="http://schemas.microsoft.com/office/2006/metadata/properties/metaAttributes" ct:_="" ma:_="" ma:contentTypeName="Document" ma:contentTypeID="0x010100565464437F680748A68B85EB6594EA7D" ma:contentTypeVersion="0" ma:contentTypeDescription="Create a new document." ma:contentTypeScope="" ma:versionID="fe3f4dd58d5914c51cfc6deaa8ad845c">
   <xsd:schema xmlns:xsd="http://www.w3.org/2001/XMLSchema" xmlns:p="http://schemas.microsoft.com/office/2006/metadata/properties" targetNamespace="http://schemas.microsoft.com/office/2006/metadata/properties" ma:root="true" ma:fieldsID="4aeb20c0e3442673af7ee10786458764">
     <xsd:element name="properties">
@@ -32257,7 +32277,7 @@
 </ct:contentTypeSchema>
 </file>
 
-<file path=customXml/item3.xml><?xml version="1.0" encoding="utf-8"?>
+<file path=customXml/item2.xml><?xml version="1.0" encoding="utf-8"?>
 <?mso-contentType ?>
 <FormTemplates xmlns="http://schemas.microsoft.com/sharepoint/v3/contenttype/forms">
   <Display>DocumentLibraryForm</Display>
@@ -32266,22 +32286,13 @@
 </FormTemplates>
 </file>
 
-<file path=customXml/itemProps1.xml><?xml version="1.0" encoding="utf-8"?>
-<ds:datastoreItem xmlns:ds="http://schemas.openxmlformats.org/officeDocument/2006/customXml" ds:itemID="{A50EC660-24D0-43A0-AE5E-E274115E726B}">
-  <ds:schemaRefs>
-    <ds:schemaRef ds:uri="http://purl.org/dc/elements/1.1/"/>
-    <ds:schemaRef ds:uri="http://schemas.microsoft.com/office/2006/metadata/properties"/>
-    <ds:schemaRef ds:uri="http://purl.org/dc/terms/"/>
-    <ds:schemaRef ds:uri="http://schemas.openxmlformats.org/package/2006/metadata/core-properties"/>
-    <ds:schemaRef ds:uri="http://schemas.microsoft.com/office/2006/documentManagement/types"/>
-    <ds:schemaRef ds:uri="http://www.w3.org/XML/1998/namespace"/>
-    <ds:schemaRef ds:uri="http://purl.org/dc/dcmitype/"/>
-    <ds:schemaRef ds:uri="http://schemas.microsoft.com/office/infopath/2007/PartnerControls"/>
-  </ds:schemaRefs>
-</ds:datastoreItem>
+<file path=customXml/item3.xml><?xml version="1.0" encoding="utf-8"?>
+<p:properties xmlns:p="http://schemas.microsoft.com/office/2006/metadata/properties" xmlns:xsi="http://www.w3.org/2001/XMLSchema-instance" xmlns:pc="http://schemas.microsoft.com/office/infopath/2007/PartnerControls">
+  <documentManagement/>
+</p:properties>
 </file>
 
-<file path=customXml/itemProps2.xml><?xml version="1.0" encoding="utf-8"?>
+<file path=customXml/itemProps1.xml><?xml version="1.0" encoding="utf-8"?>
 <ds:datastoreItem xmlns:ds="http://schemas.openxmlformats.org/officeDocument/2006/customXml" ds:itemID="{E8DB7DEB-074E-4EE8-9B6E-FD277323109C}">
   <ds:schemaRefs>
     <ds:schemaRef ds:uri="http://schemas.microsoft.com/office/2006/metadata/contentType"/>
@@ -32296,10 +32307,25 @@
 </ds:datastoreItem>
 </file>
 
-<file path=customXml/itemProps3.xml><?xml version="1.0" encoding="utf-8"?>
+<file path=customXml/itemProps2.xml><?xml version="1.0" encoding="utf-8"?>
 <ds:datastoreItem xmlns:ds="http://schemas.openxmlformats.org/officeDocument/2006/customXml" ds:itemID="{19E20559-B232-4371-8690-E3D8007EDB82}">
   <ds:schemaRefs>
     <ds:schemaRef ds:uri="http://schemas.microsoft.com/sharepoint/v3/contenttype/forms"/>
   </ds:schemaRefs>
 </ds:datastoreItem>
+</file>
+
+<file path=customXml/itemProps3.xml><?xml version="1.0" encoding="utf-8"?>
+<ds:datastoreItem xmlns:ds="http://schemas.openxmlformats.org/officeDocument/2006/customXml" ds:itemID="{A50EC660-24D0-43A0-AE5E-E274115E726B}">
+  <ds:schemaRefs>
+    <ds:schemaRef ds:uri="http://purl.org/dc/elements/1.1/"/>
+    <ds:schemaRef ds:uri="http://schemas.microsoft.com/office/2006/metadata/properties"/>
+    <ds:schemaRef ds:uri="http://purl.org/dc/terms/"/>
+    <ds:schemaRef ds:uri="http://schemas.openxmlformats.org/package/2006/metadata/core-properties"/>
+    <ds:schemaRef ds:uri="http://schemas.microsoft.com/office/2006/documentManagement/types"/>
+    <ds:schemaRef ds:uri="http://www.w3.org/XML/1998/namespace"/>
+    <ds:schemaRef ds:uri="http://purl.org/dc/dcmitype/"/>
+    <ds:schemaRef ds:uri="http://schemas.microsoft.com/office/infopath/2007/PartnerControls"/>
+  </ds:schemaRefs>
+</ds:datastoreItem>
 </file>
--- a/refactoring.pptx
+++ b/refactoring.pptx
@@ -12,7 +12,7 @@
   </p:handoutMasterIdLst>
   <p:sldIdLst>
     <p:sldId id="626" r:id="rId5"/>
-    <p:sldId id="320" r:id="rId6"/>
+    <p:sldId id="657" r:id="rId6"/>
     <p:sldId id="610" r:id="rId7"/>
     <p:sldId id="625" r:id="rId8"/>
     <p:sldId id="495" r:id="rId9"/>
@@ -294,7 +294,7 @@
           <a:p>
             <a:fld id="{0B842F42-2CE9-4E35-95C1-410DC08A50B1}" type="datetimeFigureOut">
               <a:rPr lang="en-US" smtClean="0"/>
-              <a:t>4/1/22</a:t>
+              <a:t>4/15/2023</a:t>
             </a:fld>
             <a:endParaRPr lang="en-US"/>
           </a:p>
@@ -459,7 +459,7 @@
           <a:p>
             <a:fld id="{6F282904-F315-4730-8D91-37D99E141A6F}" type="datetimeFigureOut">
               <a:rPr lang="en-US" smtClean="0"/>
-              <a:t>4/1/22</a:t>
+              <a:t>4/15/2023</a:t>
             </a:fld>
             <a:endParaRPr lang="en-US"/>
           </a:p>
@@ -5044,7 +5044,7 @@
           <a:p>
             <a:r>
               <a:rPr lang="en-US" u="sng" dirty="0"/>
-              <a:t>David M. Rogers</a:t>
+              <a:t>David E. Bernholdt</a:t>
             </a:r>
             <a:r>
               <a:rPr lang="en-US" dirty="0"/>
@@ -5055,13 +5055,13 @@
               <a:t>(he/him)</a:t>
             </a:r>
             <a:br>
-              <a:rPr lang="en-US" sz="2000" dirty="0"/>
+              <a:rPr lang="en-US" sz="2000" u="sng" dirty="0"/>
             </a:br>
             <a:r>
               <a:rPr lang="en-US" sz="2000" dirty="0"/>
               <a:t>Oak Ridge National Laboratory</a:t>
             </a:r>
-            <a:endParaRPr lang="en-US" dirty="0"/>
+            <a:endParaRPr lang="en-US" sz="2800" dirty="0"/>
           </a:p>
           <a:p>
             <a:pPr>
@@ -5071,7 +5071,14 @@
             </a:pPr>
             <a:r>
               <a:rPr lang="en-US" sz="2000" dirty="0"/>
-              <a:t>Better Scientific Software tutorial @ Improving Scientific Software 2022</a:t>
+              <a:t>Better Scientific Software tutorial </a:t>
+            </a:r>
+            <a:br>
+              <a:rPr lang="en-US" sz="2000" dirty="0"/>
+            </a:br>
+            <a:r>
+              <a:rPr lang="en-US" sz="2000" dirty="0"/>
+              <a:t>@ Improving Scientific Software conference (2023)</a:t>
             </a:r>
           </a:p>
           <a:p>
@@ -5082,7 +5089,7 @@
             </a:pPr>
             <a:r>
               <a:rPr lang="en-US" sz="2000" dirty="0"/>
-              <a:t>Contributors: Anshu Dubey (ANL), Mark C. Miller (LLNL), David M. Rogers (ORNL)</a:t>
+              <a:t>Contributors: Anshu Dubey (ANL), Mark C. Miller (LLNL), David M. Rogers (ORNL), David E. Bernholdt (ORNL)</a:t>
             </a:r>
             <a:br>
               <a:rPr lang="en-US" sz="2000" dirty="0"/>
@@ -5840,7 +5847,7 @@
             </a:pPr>
             <a:r>
               <a:rPr lang="en-US" dirty="0"/>
-              <a:t>To convert the monolithic code</a:t>
+              <a:t>To modularize the monolithic code…</a:t>
             </a:r>
           </a:p>
           <a:p>
@@ -9498,21 +9505,39 @@
             </a:pPr>
             <a:r>
               <a:rPr lang="en-US" sz="1600" b="1" dirty="0"/>
-              <a:t>The requested citation the overall tutorial is: David E. Bernholdt, Patricia A. Grubel, Rinku K. Gupta, and David M. Rogers, Better Scientific Software tutorial, in Improving Scientific Software conference, online, 2022. DOI: </a:t>
-            </a:r>
-            <a:r>
-              <a:rPr lang="en-US" sz="1600" b="1" dirty="0">
+              <a:t>The requested citation the overall tutorial is: </a:t>
+            </a:r>
+            <a:r>
+              <a:rPr lang="en-US" sz="1600" b="0" i="0" dirty="0">
+                <a:solidFill>
+                  <a:srgbClr val="111111"/>
+                </a:solidFill>
+                <a:effectLst/>
+                <a:latin typeface="+mn-lt"/>
+              </a:rPr>
+              <a:t>David E. Bernholdt, Patricia A. Grubel, and David M. Rogers, Better Scientific Software tutorial, in Improving Scientific Software, Boulder, Colorado and online, 2023. DOI: </a:t>
+            </a:r>
+            <a:r>
+              <a:rPr lang="en-US" sz="1600" b="0" i="0" dirty="0">
+                <a:solidFill>
+                  <a:srgbClr val="111111"/>
+                </a:solidFill>
+                <a:effectLst/>
+                <a:latin typeface="+mn-lt"/>
                 <a:hlinkClick r:id="rId4"/>
               </a:rPr>
-              <a:t>10.6084/m9.figshare</a:t>
-            </a:r>
-            <a:r>
-              <a:rPr lang="en-US" sz="1600" b="1">
-                <a:hlinkClick r:id="rId4"/>
+              <a:t>10.6084/m9.figshare.22179748</a:t>
+            </a:r>
+            <a:r>
+              <a:rPr lang="en-US" sz="1600" b="0" i="0" dirty="0">
+                <a:solidFill>
+                  <a:srgbClr val="111111"/>
+                </a:solidFill>
+                <a:effectLst/>
+                <a:latin typeface="+mn-lt"/>
               </a:rPr>
-              <a:t>.19416767</a:t>
-            </a:r>
-            <a:endParaRPr lang="en-US" sz="1600" b="1"/>
+              <a:t>.</a:t>
+            </a:r>
           </a:p>
           <a:p>
             <a:pPr>
@@ -9530,7 +9555,21 @@
             </a:r>
             <a:r>
               <a:rPr lang="en-US" sz="1600" dirty="0"/>
-              <a:t>, in Better Scientific Software tutorial…</a:t>
+              <a:t>, in </a:t>
+            </a:r>
+            <a:r>
+              <a:rPr lang="en-US" sz="1600" b="0" i="1" dirty="0">
+                <a:solidFill>
+                  <a:srgbClr val="111111"/>
+                </a:solidFill>
+                <a:effectLst/>
+                <a:latin typeface="+mn-lt"/>
+              </a:rPr>
+              <a:t>Tutorial Title</a:t>
+            </a:r>
+            <a:r>
+              <a:rPr lang="en-US" sz="1600" dirty="0"/>
+              <a:t>, …</a:t>
             </a:r>
           </a:p>
           <a:p>
@@ -9553,15 +9592,7 @@
             </a:pPr>
             <a:r>
               <a:rPr lang="en-US" sz="1400" dirty="0"/>
-              <a:t>This work was supported by the U.S. Department of Energy Office of Science, Office of Advanced Scientific Computing Research (ASCR), and by the </a:t>
-            </a:r>
-            <a:r>
-              <a:rPr lang="en-US" sz="1400" dirty="0" err="1"/>
-              <a:t>Exascale</a:t>
-            </a:r>
-            <a:r>
-              <a:rPr lang="en-US" sz="1400" dirty="0"/>
-              <a:t> Computing Project (17-SC-20-SC), a collaborative effort of the U.S. Department of Energy Office of Science and the National Nuclear Security Administration</a:t>
+              <a:t>This work was supported by the U.S. Department of Energy Office of Science, Office of Advanced Scientific Computing Research (ASCR), and by the Exascale Computing Project (17-SC-20-SC), a collaborative effort of the U.S. Department of Energy Office of Science and the National Nuclear Security Administration</a:t>
             </a:r>
             <a:r>
               <a:rPr lang="en-US" sz="1400" i="1" dirty="0"/>
@@ -9577,15 +9608,7 @@
             </a:pPr>
             <a:r>
               <a:rPr lang="en-US" sz="1400" dirty="0"/>
-              <a:t>This work was performed in part at the Argonne National Laboratory, which is managed by </a:t>
-            </a:r>
-            <a:r>
-              <a:rPr lang="en-US" sz="1400" dirty="0" err="1"/>
-              <a:t>UChicago</a:t>
-            </a:r>
-            <a:r>
-              <a:rPr lang="en-US" sz="1400" dirty="0"/>
-              <a:t> Argonne, LLC for the U.S. Department of Energy under Contract No. DE-AC02-06CH11357.</a:t>
+              <a:t>This work was performed in part at the Argonne National Laboratory, which is managed by UChicago Argonne, LLC for the U.S. Department of Energy under Contract No. DE-AC02-06CH11357.</a:t>
             </a:r>
           </a:p>
           <a:p>
@@ -9596,7 +9619,7 @@
             </a:pPr>
             <a:r>
               <a:rPr lang="en-US" sz="1400" dirty="0"/>
-              <a:t>This work was performed in part at the Oak Ridge National Laboratory, which is managed by UT-Battelle, LLC for the U.S. Department of Energy under Contract No. DE-AC05-00OR22725.</a:t>
+              <a:t>This work was performed in part at the Lawrence Livermore National Laboratory, which is managed by Lawrence Livermore National Security, LLC for the U.S. Department of Energy under Contract No. DE-AC52-07NA27344.</a:t>
             </a:r>
           </a:p>
           <a:p>
@@ -9607,7 +9630,7 @@
             </a:pPr>
             <a:r>
               <a:rPr lang="en-US" sz="1400" dirty="0"/>
-              <a:t>This work was performed in part at the Lawrence Livermore National Laboratory, which is managed by Lawrence Livermore National Security, LLC for the U.S. Department of Energy under Contract No. DE-AC52-07NA27344.</a:t>
+              <a:t>This work was performed in part at the Los Alamos National Laboratory, which is managed by Triad National Security, LLC for the U.S. Department of Energy under Contract No.89233218CNA000001</a:t>
             </a:r>
           </a:p>
           <a:p>
@@ -9618,7 +9641,7 @@
             </a:pPr>
             <a:r>
               <a:rPr lang="en-US" sz="1400" dirty="0"/>
-              <a:t>This work was performed in part at the Los Alamos National Laboratory, which is managed by Triad National Security, LLC for the U.S. Department of Energy under Contract No.89233218CNA000001</a:t>
+              <a:t>This work was performed in part at the Oak Ridge National Laboratory, which is managed by UT-Battelle, LLC for the U.S. Department of Energy under Contract No. DE-AC05-00OR22725.</a:t>
             </a:r>
           </a:p>
           <a:p>
@@ -9684,7 +9707,7 @@
     </p:spTree>
     <p:extLst>
       <p:ext uri="{BB962C8B-B14F-4D97-AF65-F5344CB8AC3E}">
-        <p14:creationId xmlns:p14="http://schemas.microsoft.com/office/powerpoint/2010/main" val="978726433"/>
+        <p14:creationId xmlns:p14="http://schemas.microsoft.com/office/powerpoint/2010/main" val="2914642764"/>
       </p:ext>
     </p:extLst>
   </p:cSld>
@@ -31277,7 +31300,7 @@
             </a:pPr>
             <a:r>
               <a:rPr lang="en-US" dirty="0"/>
-              <a:t>In the repository there are two versions</a:t>
+              <a:t>Consider two versions of this code…</a:t>
             </a:r>
           </a:p>
           <a:p>

--- a/refactoring.pptx
+++ b/refactoring.pptx
@@ -5,10 +5,10 @@
     <p:sldMasterId id="2147483935" r:id="rId4"/>
   </p:sldMasterIdLst>
   <p:notesMasterIdLst>
-    <p:notesMasterId r:id="rId45"/>
+    <p:notesMasterId r:id="rId46"/>
   </p:notesMasterIdLst>
   <p:handoutMasterIdLst>
-    <p:handoutMasterId r:id="rId46"/>
+    <p:handoutMasterId r:id="rId47"/>
   </p:handoutMasterIdLst>
   <p:sldIdLst>
     <p:sldId id="626" r:id="rId5"/>
@@ -39,18 +39,19 @@
     <p:sldId id="644" r:id="rId30"/>
     <p:sldId id="652" r:id="rId31"/>
     <p:sldId id="643" r:id="rId32"/>
-    <p:sldId id="653" r:id="rId33"/>
-    <p:sldId id="654" r:id="rId34"/>
-    <p:sldId id="655" r:id="rId35"/>
-    <p:sldId id="656" r:id="rId36"/>
-    <p:sldId id="629" r:id="rId37"/>
-    <p:sldId id="647" r:id="rId38"/>
-    <p:sldId id="648" r:id="rId39"/>
-    <p:sldId id="630" r:id="rId40"/>
-    <p:sldId id="631" r:id="rId41"/>
-    <p:sldId id="649" r:id="rId42"/>
-    <p:sldId id="632" r:id="rId43"/>
-    <p:sldId id="634" r:id="rId44"/>
+    <p:sldId id="658" r:id="rId33"/>
+    <p:sldId id="653" r:id="rId34"/>
+    <p:sldId id="654" r:id="rId35"/>
+    <p:sldId id="655" r:id="rId36"/>
+    <p:sldId id="656" r:id="rId37"/>
+    <p:sldId id="629" r:id="rId38"/>
+    <p:sldId id="647" r:id="rId39"/>
+    <p:sldId id="648" r:id="rId40"/>
+    <p:sldId id="630" r:id="rId41"/>
+    <p:sldId id="631" r:id="rId42"/>
+    <p:sldId id="649" r:id="rId43"/>
+    <p:sldId id="632" r:id="rId44"/>
+    <p:sldId id="634" r:id="rId45"/>
   </p:sldIdLst>
   <p:sldSz cx="12188825" cy="6858000"/>
   <p:notesSz cx="7010400" cy="9296400"/>
@@ -16567,6 +16568,511 @@
           </a:p>
         </p:txBody>
       </p:sp>
+      <p:grpSp>
+        <p:nvGrpSpPr>
+          <p:cNvPr id="19" name="Group 18">
+            <a:extLst>
+              <a:ext uri="{FF2B5EF4-FFF2-40B4-BE49-F238E27FC236}">
+                <a16:creationId xmlns:a16="http://schemas.microsoft.com/office/drawing/2014/main" id="{A6BD3173-2F50-1C4C-8237-FAE3C5360FF4}"/>
+              </a:ext>
+            </a:extLst>
+          </p:cNvPr>
+          <p:cNvGrpSpPr/>
+          <p:nvPr/>
+        </p:nvGrpSpPr>
+        <p:grpSpPr>
+          <a:xfrm>
+            <a:off x="394324" y="947077"/>
+            <a:ext cx="2232578" cy="1546013"/>
+            <a:chOff x="4767377" y="4052661"/>
+            <a:chExt cx="2232578" cy="1546013"/>
+          </a:xfrm>
+        </p:grpSpPr>
+        <p:sp>
+          <p:nvSpPr>
+            <p:cNvPr id="20" name="Rectangle 19">
+              <a:extLst>
+                <a:ext uri="{FF2B5EF4-FFF2-40B4-BE49-F238E27FC236}">
+                  <a16:creationId xmlns:a16="http://schemas.microsoft.com/office/drawing/2014/main" id="{D42CC6A6-EADD-834A-A1DB-9FC60EB6D2D3}"/>
+                </a:ext>
+              </a:extLst>
+            </p:cNvPr>
+            <p:cNvSpPr/>
+            <p:nvPr/>
+          </p:nvSpPr>
+          <p:spPr>
+            <a:xfrm>
+              <a:off x="4767377" y="4052661"/>
+              <a:ext cx="2232578" cy="1546013"/>
+            </a:xfrm>
+            <a:prstGeom prst="rect">
+              <a:avLst/>
+            </a:prstGeom>
+            <a:solidFill>
+              <a:schemeClr val="accent2">
+                <a:lumMod val="60000"/>
+                <a:lumOff val="40000"/>
+              </a:schemeClr>
+            </a:solidFill>
+            <a:ln>
+              <a:solidFill>
+                <a:schemeClr val="bg2">
+                  <a:lumMod val="60000"/>
+                  <a:lumOff val="40000"/>
+                </a:schemeClr>
+              </a:solidFill>
+            </a:ln>
+            <a:effectLst/>
+          </p:spPr>
+          <p:style>
+            <a:lnRef idx="1">
+              <a:schemeClr val="accent1"/>
+            </a:lnRef>
+            <a:fillRef idx="3">
+              <a:schemeClr val="accent1"/>
+            </a:fillRef>
+            <a:effectRef idx="2">
+              <a:schemeClr val="accent1"/>
+            </a:effectRef>
+            <a:fontRef idx="minor">
+              <a:schemeClr val="lt1"/>
+            </a:fontRef>
+          </p:style>
+          <p:txBody>
+            <a:bodyPr rtlCol="0" anchor="ctr"/>
+            <a:lstStyle/>
+            <a:p>
+              <a:pPr algn="ctr"/>
+              <a:endParaRPr lang="en-US"/>
+            </a:p>
+          </p:txBody>
+        </p:sp>
+        <p:sp>
+          <p:nvSpPr>
+            <p:cNvPr id="21" name="Oval 20">
+              <a:extLst>
+                <a:ext uri="{FF2B5EF4-FFF2-40B4-BE49-F238E27FC236}">
+                  <a16:creationId xmlns:a16="http://schemas.microsoft.com/office/drawing/2014/main" id="{9D3411E0-9923-FC4D-AF90-C0EB18B9E823}"/>
+                </a:ext>
+              </a:extLst>
+            </p:cNvPr>
+            <p:cNvSpPr/>
+            <p:nvPr/>
+          </p:nvSpPr>
+          <p:spPr>
+            <a:xfrm>
+              <a:off x="5405201" y="4573101"/>
+              <a:ext cx="956930" cy="894701"/>
+            </a:xfrm>
+            <a:prstGeom prst="ellipse">
+              <a:avLst/>
+            </a:prstGeom>
+            <a:solidFill>
+              <a:schemeClr val="accent5">
+                <a:lumMod val="20000"/>
+                <a:lumOff val="80000"/>
+              </a:schemeClr>
+            </a:solidFill>
+            <a:ln>
+              <a:noFill/>
+            </a:ln>
+            <a:effectLst>
+              <a:outerShdw blurRad="44450" dist="27940" dir="5400000" algn="ctr">
+                <a:srgbClr val="000000">
+                  <a:alpha val="32000"/>
+                </a:srgbClr>
+              </a:outerShdw>
+            </a:effectLst>
+          </p:spPr>
+          <p:txBody>
+            <a:bodyPr rot="0" spcFirstLastPara="0" vertOverflow="overflow" horzOverflow="overflow" vert="horz" wrap="square" lIns="121851" tIns="60925" rIns="121851" bIns="60925" numCol="1" spcCol="0" rtlCol="0" fromWordArt="0" anchor="ctr" anchorCtr="0" forceAA="0" compatLnSpc="1">
+              <a:prstTxWarp prst="textNoShape">
+                <a:avLst/>
+              </a:prstTxWarp>
+              <a:noAutofit/>
+            </a:bodyPr>
+            <a:lstStyle/>
+            <a:p>
+              <a:pPr algn="ctr">
+                <a:lnSpc>
+                  <a:spcPct val="90000"/>
+                </a:lnSpc>
+              </a:pPr>
+              <a:endParaRPr lang="en-US" sz="2000" dirty="0">
+                <a:solidFill>
+                  <a:schemeClr val="bg1"/>
+                </a:solidFill>
+              </a:endParaRPr>
+            </a:p>
+          </p:txBody>
+        </p:sp>
+        <p:sp>
+          <p:nvSpPr>
+            <p:cNvPr id="22" name="Oval 21">
+              <a:extLst>
+                <a:ext uri="{FF2B5EF4-FFF2-40B4-BE49-F238E27FC236}">
+                  <a16:creationId xmlns:a16="http://schemas.microsoft.com/office/drawing/2014/main" id="{A4403CDB-875C-ED41-BF72-0D24B9372C04}"/>
+                </a:ext>
+              </a:extLst>
+            </p:cNvPr>
+            <p:cNvSpPr/>
+            <p:nvPr/>
+          </p:nvSpPr>
+          <p:spPr>
+            <a:xfrm>
+              <a:off x="5651736" y="4071017"/>
+              <a:ext cx="956930" cy="894701"/>
+            </a:xfrm>
+            <a:prstGeom prst="ellipse">
+              <a:avLst/>
+            </a:prstGeom>
+            <a:solidFill>
+              <a:schemeClr val="accent5">
+                <a:lumMod val="40000"/>
+                <a:lumOff val="60000"/>
+              </a:schemeClr>
+            </a:solidFill>
+            <a:ln>
+              <a:noFill/>
+            </a:ln>
+            <a:effectLst>
+              <a:outerShdw blurRad="44450" dist="27940" dir="5400000" algn="ctr">
+                <a:srgbClr val="000000">
+                  <a:alpha val="32000"/>
+                </a:srgbClr>
+              </a:outerShdw>
+            </a:effectLst>
+          </p:spPr>
+          <p:txBody>
+            <a:bodyPr rot="0" spcFirstLastPara="0" vertOverflow="overflow" horzOverflow="overflow" vert="horz" wrap="square" lIns="121851" tIns="60925" rIns="121851" bIns="60925" numCol="1" spcCol="0" rtlCol="0" fromWordArt="0" anchor="ctr" anchorCtr="0" forceAA="0" compatLnSpc="1">
+              <a:prstTxWarp prst="textNoShape">
+                <a:avLst/>
+              </a:prstTxWarp>
+              <a:noAutofit/>
+            </a:bodyPr>
+            <a:lstStyle/>
+            <a:p>
+              <a:pPr algn="ctr">
+                <a:lnSpc>
+                  <a:spcPct val="90000"/>
+                </a:lnSpc>
+              </a:pPr>
+              <a:endParaRPr lang="en-US" sz="2000" dirty="0">
+                <a:solidFill>
+                  <a:schemeClr val="bg1"/>
+                </a:solidFill>
+              </a:endParaRPr>
+            </a:p>
+          </p:txBody>
+        </p:sp>
+        <p:sp>
+          <p:nvSpPr>
+            <p:cNvPr id="23" name="Oval 22">
+              <a:extLst>
+                <a:ext uri="{FF2B5EF4-FFF2-40B4-BE49-F238E27FC236}">
+                  <a16:creationId xmlns:a16="http://schemas.microsoft.com/office/drawing/2014/main" id="{F95CBDE7-AC4B-7840-ABC8-6E6BF41EF2D8}"/>
+                </a:ext>
+              </a:extLst>
+            </p:cNvPr>
+            <p:cNvSpPr/>
+            <p:nvPr/>
+          </p:nvSpPr>
+          <p:spPr>
+            <a:xfrm>
+              <a:off x="4888424" y="4178676"/>
+              <a:ext cx="956930" cy="894701"/>
+            </a:xfrm>
+            <a:prstGeom prst="ellipse">
+              <a:avLst/>
+            </a:prstGeom>
+            <a:solidFill>
+              <a:schemeClr val="accent5">
+                <a:lumMod val="75000"/>
+              </a:schemeClr>
+            </a:solidFill>
+            <a:ln>
+              <a:noFill/>
+            </a:ln>
+            <a:effectLst>
+              <a:outerShdw blurRad="44450" dist="27940" dir="5400000" algn="ctr">
+                <a:srgbClr val="000000">
+                  <a:alpha val="32000"/>
+                </a:srgbClr>
+              </a:outerShdw>
+            </a:effectLst>
+          </p:spPr>
+          <p:txBody>
+            <a:bodyPr rot="0" spcFirstLastPara="0" vertOverflow="overflow" horzOverflow="overflow" vert="horz" wrap="square" lIns="121851" tIns="60925" rIns="121851" bIns="60925" numCol="1" spcCol="0" rtlCol="0" fromWordArt="0" anchor="ctr" anchorCtr="0" forceAA="0" compatLnSpc="1">
+              <a:prstTxWarp prst="textNoShape">
+                <a:avLst/>
+              </a:prstTxWarp>
+              <a:noAutofit/>
+            </a:bodyPr>
+            <a:lstStyle/>
+            <a:p>
+              <a:pPr algn="ctr">
+                <a:lnSpc>
+                  <a:spcPct val="90000"/>
+                </a:lnSpc>
+              </a:pPr>
+              <a:endParaRPr lang="en-US" sz="2000" dirty="0">
+                <a:solidFill>
+                  <a:schemeClr val="bg1"/>
+                </a:solidFill>
+              </a:endParaRPr>
+            </a:p>
+          </p:txBody>
+        </p:sp>
+      </p:grpSp>
+    </p:spTree>
+    <p:extLst>
+      <p:ext uri="{BB962C8B-B14F-4D97-AF65-F5344CB8AC3E}">
+        <p14:creationId xmlns:p14="http://schemas.microsoft.com/office/powerpoint/2010/main" val="4288740369"/>
+      </p:ext>
+    </p:extLst>
+  </p:cSld>
+  <p:clrMapOvr>
+    <a:masterClrMapping/>
+  </p:clrMapOvr>
+  <mc:AlternateContent xmlns:mc="http://schemas.openxmlformats.org/markup-compatibility/2006" xmlns:p14="http://schemas.microsoft.com/office/powerpoint/2010/main">
+    <mc:Choice Requires="p14">
+      <p:transition p14:dur="250">
+        <p:fade/>
+      </p:transition>
+    </mc:Choice>
+    <mc:Fallback xmlns="">
+      <p:transition>
+        <p:fade/>
+      </p:transition>
+    </mc:Fallback>
+  </mc:AlternateContent>
+</p:sld>
+</file>
+
+<file path=ppt/slides/slide29.xml><?xml version="1.0" encoding="utf-8"?>
+<p:sld xmlns:a="http://schemas.openxmlformats.org/drawingml/2006/main" xmlns:r="http://schemas.openxmlformats.org/officeDocument/2006/relationships" xmlns:p="http://schemas.openxmlformats.org/presentationml/2006/main">
+  <p:cSld>
+    <p:spTree>
+      <p:nvGrpSpPr>
+        <p:cNvPr id="1" name=""/>
+        <p:cNvGrpSpPr/>
+        <p:nvPr/>
+      </p:nvGrpSpPr>
+      <p:grpSpPr>
+        <a:xfrm>
+          <a:off x="0" y="0"/>
+          <a:ext cx="0" cy="0"/>
+          <a:chOff x="0" y="0"/>
+          <a:chExt cx="0" cy="0"/>
+        </a:xfrm>
+      </p:grpSpPr>
+      <p:sp>
+        <p:nvSpPr>
+          <p:cNvPr id="2" name="Title 1"/>
+          <p:cNvSpPr>
+            <a:spLocks noGrp="1"/>
+          </p:cNvSpPr>
+          <p:nvPr>
+            <p:ph type="title"/>
+          </p:nvPr>
+        </p:nvSpPr>
+        <p:spPr/>
+        <p:txBody>
+          <a:bodyPr/>
+          <a:lstStyle/>
+          <a:p>
+            <a:r>
+              <a:rPr lang="en-US" dirty="0"/>
+              <a:t>Map from Here to There: On ramp plan2</a:t>
+            </a:r>
+          </a:p>
+        </p:txBody>
+      </p:sp>
+      <p:sp>
+        <p:nvSpPr>
+          <p:cNvPr id="44" name="TextBox 43">
+            <a:extLst>
+              <a:ext uri="{FF2B5EF4-FFF2-40B4-BE49-F238E27FC236}">
+                <a16:creationId xmlns:a16="http://schemas.microsoft.com/office/drawing/2014/main" id="{3CCAD567-96F6-E14C-BC53-5BB7D951BB5F}"/>
+              </a:ext>
+            </a:extLst>
+          </p:cNvPr>
+          <p:cNvSpPr txBox="1"/>
+          <p:nvPr/>
+        </p:nvSpPr>
+        <p:spPr>
+          <a:xfrm>
+            <a:off x="2684376" y="2600784"/>
+            <a:ext cx="240130" cy="433965"/>
+          </a:xfrm>
+          <a:prstGeom prst="rect">
+            <a:avLst/>
+          </a:prstGeom>
+          <a:noFill/>
+        </p:spPr>
+        <p:txBody>
+          <a:bodyPr wrap="none" lIns="118872" tIns="91440" rIns="118872" bIns="91440" rtlCol="0" anchor="ctr" anchorCtr="0">
+            <a:spAutoFit/>
+          </a:bodyPr>
+          <a:lstStyle/>
+          <a:p>
+            <a:pPr algn="l">
+              <a:lnSpc>
+                <a:spcPct val="90000"/>
+              </a:lnSpc>
+            </a:pPr>
+            <a:endParaRPr lang="en-US" dirty="0"/>
+          </a:p>
+        </p:txBody>
+      </p:sp>
+      <p:sp>
+        <p:nvSpPr>
+          <p:cNvPr id="54" name="TextBox 53">
+            <a:extLst>
+              <a:ext uri="{FF2B5EF4-FFF2-40B4-BE49-F238E27FC236}">
+                <a16:creationId xmlns:a16="http://schemas.microsoft.com/office/drawing/2014/main" id="{CD1D1D53-3272-DF47-B110-6A3A31F286F5}"/>
+              </a:ext>
+            </a:extLst>
+          </p:cNvPr>
+          <p:cNvSpPr txBox="1"/>
+          <p:nvPr/>
+        </p:nvSpPr>
+        <p:spPr>
+          <a:xfrm>
+            <a:off x="5635161" y="2741351"/>
+            <a:ext cx="240130" cy="433965"/>
+          </a:xfrm>
+          <a:prstGeom prst="rect">
+            <a:avLst/>
+          </a:prstGeom>
+          <a:noFill/>
+        </p:spPr>
+        <p:txBody>
+          <a:bodyPr wrap="none" lIns="118872" tIns="91440" rIns="118872" bIns="91440" rtlCol="0" anchor="ctr" anchorCtr="0">
+            <a:spAutoFit/>
+          </a:bodyPr>
+          <a:lstStyle/>
+          <a:p>
+            <a:pPr algn="l">
+              <a:lnSpc>
+                <a:spcPct val="90000"/>
+              </a:lnSpc>
+            </a:pPr>
+            <a:endParaRPr lang="en-US" dirty="0"/>
+          </a:p>
+        </p:txBody>
+      </p:sp>
+      <p:sp>
+        <p:nvSpPr>
+          <p:cNvPr id="59" name="TextBox 58">
+            <a:extLst>
+              <a:ext uri="{FF2B5EF4-FFF2-40B4-BE49-F238E27FC236}">
+                <a16:creationId xmlns:a16="http://schemas.microsoft.com/office/drawing/2014/main" id="{5DADEF1B-BB22-6E46-A026-20BF92281A68}"/>
+              </a:ext>
+            </a:extLst>
+          </p:cNvPr>
+          <p:cNvSpPr txBox="1"/>
+          <p:nvPr/>
+        </p:nvSpPr>
+        <p:spPr>
+          <a:xfrm>
+            <a:off x="6889544" y="2450812"/>
+            <a:ext cx="240130" cy="433965"/>
+          </a:xfrm>
+          <a:prstGeom prst="rect">
+            <a:avLst/>
+          </a:prstGeom>
+          <a:noFill/>
+        </p:spPr>
+        <p:txBody>
+          <a:bodyPr wrap="none" lIns="118872" tIns="91440" rIns="118872" bIns="91440" rtlCol="0" anchor="ctr" anchorCtr="0">
+            <a:spAutoFit/>
+          </a:bodyPr>
+          <a:lstStyle/>
+          <a:p>
+            <a:pPr algn="l">
+              <a:lnSpc>
+                <a:spcPct val="90000"/>
+              </a:lnSpc>
+            </a:pPr>
+            <a:endParaRPr lang="en-US" dirty="0"/>
+          </a:p>
+        </p:txBody>
+      </p:sp>
+      <p:sp>
+        <p:nvSpPr>
+          <p:cNvPr id="64" name="TextBox 63">
+            <a:extLst>
+              <a:ext uri="{FF2B5EF4-FFF2-40B4-BE49-F238E27FC236}">
+                <a16:creationId xmlns:a16="http://schemas.microsoft.com/office/drawing/2014/main" id="{A2B5188C-8EF9-E942-BB17-36AF56B62E7E}"/>
+              </a:ext>
+            </a:extLst>
+          </p:cNvPr>
+          <p:cNvSpPr txBox="1"/>
+          <p:nvPr/>
+        </p:nvSpPr>
+        <p:spPr>
+          <a:xfrm>
+            <a:off x="11786505" y="2927051"/>
+            <a:ext cx="240130" cy="433965"/>
+          </a:xfrm>
+          <a:prstGeom prst="rect">
+            <a:avLst/>
+          </a:prstGeom>
+          <a:noFill/>
+        </p:spPr>
+        <p:txBody>
+          <a:bodyPr wrap="none" lIns="118872" tIns="91440" rIns="118872" bIns="91440" rtlCol="0" anchor="ctr" anchorCtr="0">
+            <a:spAutoFit/>
+          </a:bodyPr>
+          <a:lstStyle/>
+          <a:p>
+            <a:pPr algn="l">
+              <a:lnSpc>
+                <a:spcPct val="90000"/>
+              </a:lnSpc>
+            </a:pPr>
+            <a:endParaRPr lang="en-US" dirty="0"/>
+          </a:p>
+        </p:txBody>
+      </p:sp>
+      <p:sp>
+        <p:nvSpPr>
+          <p:cNvPr id="33" name="TextBox 32">
+            <a:extLst>
+              <a:ext uri="{FF2B5EF4-FFF2-40B4-BE49-F238E27FC236}">
+                <a16:creationId xmlns:a16="http://schemas.microsoft.com/office/drawing/2014/main" id="{A7765D86-B73C-9449-B0DC-4097F6C82E93}"/>
+              </a:ext>
+            </a:extLst>
+          </p:cNvPr>
+          <p:cNvSpPr txBox="1"/>
+          <p:nvPr/>
+        </p:nvSpPr>
+        <p:spPr>
+          <a:xfrm>
+            <a:off x="2571365" y="2444379"/>
+            <a:ext cx="240130" cy="433965"/>
+          </a:xfrm>
+          <a:prstGeom prst="rect">
+            <a:avLst/>
+          </a:prstGeom>
+          <a:noFill/>
+        </p:spPr>
+        <p:txBody>
+          <a:bodyPr wrap="none" lIns="118872" tIns="91440" rIns="118872" bIns="91440" rtlCol="0" anchor="ctr" anchorCtr="0">
+            <a:spAutoFit/>
+          </a:bodyPr>
+          <a:lstStyle/>
+          <a:p>
+            <a:pPr algn="l">
+              <a:lnSpc>
+                <a:spcPct val="90000"/>
+              </a:lnSpc>
+            </a:pPr>
+            <a:endParaRPr lang="en-US" dirty="0"/>
+          </a:p>
+        </p:txBody>
+      </p:sp>
       <p:sp>
         <p:nvSpPr>
           <p:cNvPr id="83" name="Content Placeholder 2">
@@ -17145,7 +17651,153 @@
     </p:spTree>
     <p:extLst>
       <p:ext uri="{BB962C8B-B14F-4D97-AF65-F5344CB8AC3E}">
-        <p14:creationId xmlns:p14="http://schemas.microsoft.com/office/powerpoint/2010/main" val="4288740369"/>
+        <p14:creationId xmlns:p14="http://schemas.microsoft.com/office/powerpoint/2010/main" val="883261167"/>
+      </p:ext>
+    </p:extLst>
+  </p:cSld>
+  <p:clrMapOvr>
+    <a:masterClrMapping/>
+  </p:clrMapOvr>
+  <mc:AlternateContent xmlns:mc="http://schemas.openxmlformats.org/markup-compatibility/2006">
+    <mc:Choice xmlns:p14="http://schemas.microsoft.com/office/powerpoint/2010/main" Requires="p14">
+      <p:transition p14:dur="250">
+        <p:fade/>
+      </p:transition>
+    </mc:Choice>
+    <mc:Fallback>
+      <p:transition>
+        <p:fade/>
+      </p:transition>
+    </mc:Fallback>
+  </mc:AlternateContent>
+</p:sld>
+</file>
+
+<file path=ppt/slides/slide3.xml><?xml version="1.0" encoding="utf-8"?>
+<p:sld xmlns:a="http://schemas.openxmlformats.org/drawingml/2006/main" xmlns:r="http://schemas.openxmlformats.org/officeDocument/2006/relationships" xmlns:p="http://schemas.openxmlformats.org/presentationml/2006/main">
+  <p:cSld>
+    <p:spTree>
+      <p:nvGrpSpPr>
+        <p:cNvPr id="1" name=""/>
+        <p:cNvGrpSpPr/>
+        <p:nvPr/>
+      </p:nvGrpSpPr>
+      <p:grpSpPr>
+        <a:xfrm>
+          <a:off x="0" y="0"/>
+          <a:ext cx="0" cy="0"/>
+          <a:chOff x="0" y="0"/>
+          <a:chExt cx="0" cy="0"/>
+        </a:xfrm>
+      </p:grpSpPr>
+      <p:sp>
+        <p:nvSpPr>
+          <p:cNvPr id="8" name="Content Placeholder 2">
+            <a:extLst>
+              <a:ext uri="{FF2B5EF4-FFF2-40B4-BE49-F238E27FC236}">
+                <a16:creationId xmlns:a16="http://schemas.microsoft.com/office/drawing/2014/main" id="{5D30512F-71BE-C842-A3D2-4229E91863BB}"/>
+              </a:ext>
+            </a:extLst>
+          </p:cNvPr>
+          <p:cNvSpPr>
+            <a:spLocks noGrp="1"/>
+          </p:cNvSpPr>
+          <p:nvPr>
+            <p:ph idx="1"/>
+          </p:nvPr>
+        </p:nvSpPr>
+        <p:spPr>
+          <a:xfrm>
+            <a:off x="609443" y="1699995"/>
+            <a:ext cx="5881298" cy="4422776"/>
+          </a:xfrm>
+        </p:spPr>
+        <p:txBody>
+          <a:bodyPr/>
+          <a:lstStyle/>
+          <a:p>
+            <a:pPr marL="0" indent="0">
+              <a:buNone/>
+            </a:pPr>
+            <a:r>
+              <a:rPr lang="en-US" dirty="0">
+                <a:solidFill>
+                  <a:srgbClr val="FF0000"/>
+                </a:solidFill>
+              </a:rPr>
+              <a:t>Definition: Refactoring is a disciplined technique for restructuring an existing body of code, altering its internal structure without changing its external behavior.</a:t>
+            </a:r>
+          </a:p>
+          <a:p>
+            <a:r>
+              <a:rPr lang="en-US" dirty="0"/>
+              <a:t>Different from development</a:t>
+            </a:r>
+          </a:p>
+          <a:p>
+            <a:pPr lvl="1"/>
+            <a:r>
+              <a:rPr lang="en-US" dirty="0"/>
+              <a:t>You have a working code </a:t>
+            </a:r>
+          </a:p>
+          <a:p>
+            <a:pPr lvl="1"/>
+            <a:r>
+              <a:rPr lang="en-US" dirty="0"/>
+              <a:t>You know and understand the behavior</a:t>
+            </a:r>
+          </a:p>
+          <a:p>
+            <a:pPr lvl="1"/>
+            <a:r>
+              <a:rPr lang="en-US" dirty="0"/>
+              <a:t>You have a baseline that you can use for comparison</a:t>
+            </a:r>
+          </a:p>
+          <a:p>
+            <a:endParaRPr lang="en-US" dirty="0"/>
+          </a:p>
+          <a:p>
+            <a:pPr lvl="1"/>
+            <a:endParaRPr lang="en-US" dirty="0"/>
+          </a:p>
+          <a:p>
+            <a:pPr lvl="2"/>
+            <a:endParaRPr lang="en-US" dirty="0"/>
+          </a:p>
+        </p:txBody>
+      </p:sp>
+      <p:sp>
+        <p:nvSpPr>
+          <p:cNvPr id="2" name="Title 1"/>
+          <p:cNvSpPr>
+            <a:spLocks noGrp="1"/>
+          </p:cNvSpPr>
+          <p:nvPr>
+            <p:ph type="title"/>
+          </p:nvPr>
+        </p:nvSpPr>
+        <p:spPr/>
+        <p:txBody>
+          <a:bodyPr/>
+          <a:lstStyle/>
+          <a:p>
+            <a:r>
+              <a:rPr lang="en-US" dirty="0"/>
+              <a:t>What is Refactoring </a:t>
+            </a:r>
+            <a:br>
+              <a:rPr lang="en-US" dirty="0"/>
+            </a:br>
+            <a:endParaRPr lang="en-US" dirty="0"/>
+          </a:p>
+        </p:txBody>
+      </p:sp>
+    </p:spTree>
+    <p:extLst>
+      <p:ext uri="{BB962C8B-B14F-4D97-AF65-F5344CB8AC3E}">
+        <p14:creationId xmlns:p14="http://schemas.microsoft.com/office/powerpoint/2010/main" val="1165708642"/>
       </p:ext>
     </p:extLst>
   </p:cSld>
@@ -17167,7 +17819,7 @@
 </p:sld>
 </file>
 
-<file path=ppt/slides/slide29.xml><?xml version="1.0" encoding="utf-8"?>
+<file path=ppt/slides/slide30.xml><?xml version="1.0" encoding="utf-8"?>
 <p:sld xmlns:a="http://schemas.openxmlformats.org/drawingml/2006/main" xmlns:r="http://schemas.openxmlformats.org/officeDocument/2006/relationships" xmlns:p="http://schemas.openxmlformats.org/presentationml/2006/main">
   <p:cSld>
     <p:spTree>
@@ -18079,153 +18731,7 @@
 </p:sld>
 </file>
 
-<file path=ppt/slides/slide3.xml><?xml version="1.0" encoding="utf-8"?>
-<p:sld xmlns:a="http://schemas.openxmlformats.org/drawingml/2006/main" xmlns:r="http://schemas.openxmlformats.org/officeDocument/2006/relationships" xmlns:p="http://schemas.openxmlformats.org/presentationml/2006/main">
-  <p:cSld>
-    <p:spTree>
-      <p:nvGrpSpPr>
-        <p:cNvPr id="1" name=""/>
-        <p:cNvGrpSpPr/>
-        <p:nvPr/>
-      </p:nvGrpSpPr>
-      <p:grpSpPr>
-        <a:xfrm>
-          <a:off x="0" y="0"/>
-          <a:ext cx="0" cy="0"/>
-          <a:chOff x="0" y="0"/>
-          <a:chExt cx="0" cy="0"/>
-        </a:xfrm>
-      </p:grpSpPr>
-      <p:sp>
-        <p:nvSpPr>
-          <p:cNvPr id="8" name="Content Placeholder 2">
-            <a:extLst>
-              <a:ext uri="{FF2B5EF4-FFF2-40B4-BE49-F238E27FC236}">
-                <a16:creationId xmlns:a16="http://schemas.microsoft.com/office/drawing/2014/main" id="{5D30512F-71BE-C842-A3D2-4229E91863BB}"/>
-              </a:ext>
-            </a:extLst>
-          </p:cNvPr>
-          <p:cNvSpPr>
-            <a:spLocks noGrp="1"/>
-          </p:cNvSpPr>
-          <p:nvPr>
-            <p:ph idx="1"/>
-          </p:nvPr>
-        </p:nvSpPr>
-        <p:spPr>
-          <a:xfrm>
-            <a:off x="609443" y="1699995"/>
-            <a:ext cx="5881298" cy="4422776"/>
-          </a:xfrm>
-        </p:spPr>
-        <p:txBody>
-          <a:bodyPr/>
-          <a:lstStyle/>
-          <a:p>
-            <a:pPr marL="0" indent="0">
-              <a:buNone/>
-            </a:pPr>
-            <a:r>
-              <a:rPr lang="en-US" dirty="0">
-                <a:solidFill>
-                  <a:srgbClr val="FF0000"/>
-                </a:solidFill>
-              </a:rPr>
-              <a:t>Definition: Refactoring is a disciplined technique for restructuring an existing body of code, altering its internal structure without changing its external behavior.</a:t>
-            </a:r>
-          </a:p>
-          <a:p>
-            <a:r>
-              <a:rPr lang="en-US" dirty="0"/>
-              <a:t>Different from development</a:t>
-            </a:r>
-          </a:p>
-          <a:p>
-            <a:pPr lvl="1"/>
-            <a:r>
-              <a:rPr lang="en-US" dirty="0"/>
-              <a:t>You have a working code </a:t>
-            </a:r>
-          </a:p>
-          <a:p>
-            <a:pPr lvl="1"/>
-            <a:r>
-              <a:rPr lang="en-US" dirty="0"/>
-              <a:t>You know and understand the behavior</a:t>
-            </a:r>
-          </a:p>
-          <a:p>
-            <a:pPr lvl="1"/>
-            <a:r>
-              <a:rPr lang="en-US" dirty="0"/>
-              <a:t>You have a baseline that you can use for comparison</a:t>
-            </a:r>
-          </a:p>
-          <a:p>
-            <a:endParaRPr lang="en-US" dirty="0"/>
-          </a:p>
-          <a:p>
-            <a:pPr lvl="1"/>
-            <a:endParaRPr lang="en-US" dirty="0"/>
-          </a:p>
-          <a:p>
-            <a:pPr lvl="2"/>
-            <a:endParaRPr lang="en-US" dirty="0"/>
-          </a:p>
-        </p:txBody>
-      </p:sp>
-      <p:sp>
-        <p:nvSpPr>
-          <p:cNvPr id="2" name="Title 1"/>
-          <p:cNvSpPr>
-            <a:spLocks noGrp="1"/>
-          </p:cNvSpPr>
-          <p:nvPr>
-            <p:ph type="title"/>
-          </p:nvPr>
-        </p:nvSpPr>
-        <p:spPr/>
-        <p:txBody>
-          <a:bodyPr/>
-          <a:lstStyle/>
-          <a:p>
-            <a:r>
-              <a:rPr lang="en-US" dirty="0"/>
-              <a:t>What is Refactoring </a:t>
-            </a:r>
-            <a:br>
-              <a:rPr lang="en-US" dirty="0"/>
-            </a:br>
-            <a:endParaRPr lang="en-US" dirty="0"/>
-          </a:p>
-        </p:txBody>
-      </p:sp>
-    </p:spTree>
-    <p:extLst>
-      <p:ext uri="{BB962C8B-B14F-4D97-AF65-F5344CB8AC3E}">
-        <p14:creationId xmlns:p14="http://schemas.microsoft.com/office/powerpoint/2010/main" val="1165708642"/>
-      </p:ext>
-    </p:extLst>
-  </p:cSld>
-  <p:clrMapOvr>
-    <a:masterClrMapping/>
-  </p:clrMapOvr>
-  <mc:AlternateContent xmlns:mc="http://schemas.openxmlformats.org/markup-compatibility/2006" xmlns:p14="http://schemas.microsoft.com/office/powerpoint/2010/main">
-    <mc:Choice Requires="p14">
-      <p:transition p14:dur="250">
-        <p:fade/>
-      </p:transition>
-    </mc:Choice>
-    <mc:Fallback xmlns="">
-      <p:transition>
-        <p:fade/>
-      </p:transition>
-    </mc:Fallback>
-  </mc:AlternateContent>
-</p:sld>
-</file>
-
-<file path=ppt/slides/slide30.xml><?xml version="1.0" encoding="utf-8"?>
+<file path=ppt/slides/slide31.xml><?xml version="1.0" encoding="utf-8"?>
 <p:sld xmlns:a="http://schemas.openxmlformats.org/drawingml/2006/main" xmlns:r="http://schemas.openxmlformats.org/officeDocument/2006/relationships" xmlns:p="http://schemas.openxmlformats.org/presentationml/2006/main">
   <p:cSld>
     <p:spTree>
@@ -19534,7 +20040,7 @@
 </p:sld>
 </file>
 
-<file path=ppt/slides/slide31.xml><?xml version="1.0" encoding="utf-8"?>
+<file path=ppt/slides/slide32.xml><?xml version="1.0" encoding="utf-8"?>
 <p:sld xmlns:a="http://schemas.openxmlformats.org/drawingml/2006/main" xmlns:r="http://schemas.openxmlformats.org/officeDocument/2006/relationships" xmlns:p="http://schemas.openxmlformats.org/presentationml/2006/main">
   <p:cSld>
     <p:spTree>
@@ -21637,7 +22143,7 @@
 </p:sld>
 </file>
 
-<file path=ppt/slides/slide32.xml><?xml version="1.0" encoding="utf-8"?>
+<file path=ppt/slides/slide33.xml><?xml version="1.0" encoding="utf-8"?>
 <p:sld xmlns:a="http://schemas.openxmlformats.org/drawingml/2006/main" xmlns:r="http://schemas.openxmlformats.org/officeDocument/2006/relationships" xmlns:p="http://schemas.openxmlformats.org/presentationml/2006/main">
   <p:cSld>
     <p:spTree>
@@ -24524,7 +25030,7 @@
 </p:sld>
 </file>
 
-<file path=ppt/slides/slide33.xml><?xml version="1.0" encoding="utf-8"?>
+<file path=ppt/slides/slide34.xml><?xml version="1.0" encoding="utf-8"?>
 <p:sld xmlns:a="http://schemas.openxmlformats.org/drawingml/2006/main" xmlns:r="http://schemas.openxmlformats.org/officeDocument/2006/relationships" xmlns:p="http://schemas.openxmlformats.org/presentationml/2006/main">
   <p:cSld>
     <p:spTree>
@@ -24730,7 +25236,7 @@
 </p:sld>
 </file>
 
-<file path=ppt/slides/slide34.xml><?xml version="1.0" encoding="utf-8"?>
+<file path=ppt/slides/slide35.xml><?xml version="1.0" encoding="utf-8"?>
 <p:sld xmlns:a="http://schemas.openxmlformats.org/drawingml/2006/main" xmlns:r="http://schemas.openxmlformats.org/officeDocument/2006/relationships" xmlns:p="http://schemas.openxmlformats.org/presentationml/2006/main">
   <p:cSld>
     <p:spTree>
@@ -24959,7 +25465,7 @@
 </p:sld>
 </file>
 
-<file path=ppt/slides/slide35.xml><?xml version="1.0" encoding="utf-8"?>
+<file path=ppt/slides/slide36.xml><?xml version="1.0" encoding="utf-8"?>
 <p:sld xmlns:a="http://schemas.openxmlformats.org/drawingml/2006/main" xmlns:r="http://schemas.openxmlformats.org/officeDocument/2006/relationships" xmlns:p="http://schemas.openxmlformats.org/presentationml/2006/main">
   <p:cSld>
     <p:spTree>
@@ -25254,7 +25760,7 @@
 </p:sld>
 </file>
 
-<file path=ppt/slides/slide36.xml><?xml version="1.0" encoding="utf-8"?>
+<file path=ppt/slides/slide37.xml><?xml version="1.0" encoding="utf-8"?>
 <p:sld xmlns:a="http://schemas.openxmlformats.org/drawingml/2006/main" xmlns:r="http://schemas.openxmlformats.org/officeDocument/2006/relationships" xmlns:p="http://schemas.openxmlformats.org/presentationml/2006/main">
   <p:cSld>
     <p:spTree>
@@ -25493,7 +25999,7 @@
 </p:sld>
 </file>
 
-<file path=ppt/slides/slide37.xml><?xml version="1.0" encoding="utf-8"?>
+<file path=ppt/slides/slide38.xml><?xml version="1.0" encoding="utf-8"?>
 <p:sld xmlns:a="http://schemas.openxmlformats.org/drawingml/2006/main" xmlns:r="http://schemas.openxmlformats.org/officeDocument/2006/relationships" xmlns:p="http://schemas.openxmlformats.org/presentationml/2006/main">
   <p:cSld>
     <p:spTree>
@@ -25778,7 +26284,7 @@
 </p:sld>
 </file>
 
-<file path=ppt/slides/slide38.xml><?xml version="1.0" encoding="utf-8"?>
+<file path=ppt/slides/slide39.xml><?xml version="1.0" encoding="utf-8"?>
 <p:sld xmlns:a="http://schemas.openxmlformats.org/drawingml/2006/main" xmlns:r="http://schemas.openxmlformats.org/officeDocument/2006/relationships" xmlns:p="http://schemas.openxmlformats.org/presentationml/2006/main">
   <p:cSld>
     <p:spTree>
@@ -26009,7 +26515,461 @@
 </p:sld>
 </file>
 
-<file path=ppt/slides/slide39.xml><?xml version="1.0" encoding="utf-8"?>
+<file path=ppt/slides/slide4.xml><?xml version="1.0" encoding="utf-8"?>
+<p:sld xmlns:a="http://schemas.openxmlformats.org/drawingml/2006/main" xmlns:r="http://schemas.openxmlformats.org/officeDocument/2006/relationships" xmlns:p="http://schemas.openxmlformats.org/presentationml/2006/main">
+  <p:cSld>
+    <p:spTree>
+      <p:nvGrpSpPr>
+        <p:cNvPr id="1" name=""/>
+        <p:cNvGrpSpPr/>
+        <p:nvPr/>
+      </p:nvGrpSpPr>
+      <p:grpSpPr>
+        <a:xfrm>
+          <a:off x="0" y="0"/>
+          <a:ext cx="0" cy="0"/>
+          <a:chOff x="0" y="0"/>
+          <a:chExt cx="0" cy="0"/>
+        </a:xfrm>
+      </p:grpSpPr>
+      <p:sp>
+        <p:nvSpPr>
+          <p:cNvPr id="8" name="Content Placeholder 2">
+            <a:extLst>
+              <a:ext uri="{FF2B5EF4-FFF2-40B4-BE49-F238E27FC236}">
+                <a16:creationId xmlns:a16="http://schemas.microsoft.com/office/drawing/2014/main" id="{5D30512F-71BE-C842-A3D2-4229E91863BB}"/>
+              </a:ext>
+            </a:extLst>
+          </p:cNvPr>
+          <p:cNvSpPr>
+            <a:spLocks noGrp="1"/>
+          </p:cNvSpPr>
+          <p:nvPr>
+            <p:ph idx="1"/>
+          </p:nvPr>
+        </p:nvSpPr>
+        <p:spPr>
+          <a:xfrm>
+            <a:off x="609443" y="1699995"/>
+            <a:ext cx="5881298" cy="4422776"/>
+          </a:xfrm>
+        </p:spPr>
+        <p:txBody>
+          <a:bodyPr/>
+          <a:lstStyle/>
+          <a:p>
+            <a:pPr marL="0" indent="0">
+              <a:buNone/>
+            </a:pPr>
+            <a:r>
+              <a:rPr lang="en-US" dirty="0">
+                <a:solidFill>
+                  <a:srgbClr val="FF0000"/>
+                </a:solidFill>
+              </a:rPr>
+              <a:t>Definition: Refactoring is a disciplined technique for restructuring an existing body of code, altering its internal structure without changing its external behavior.</a:t>
+            </a:r>
+          </a:p>
+          <a:p>
+            <a:r>
+              <a:rPr lang="en-US" dirty="0"/>
+              <a:t>Different from development</a:t>
+            </a:r>
+          </a:p>
+          <a:p>
+            <a:pPr lvl="1"/>
+            <a:r>
+              <a:rPr lang="en-US" dirty="0"/>
+              <a:t>You have a working code </a:t>
+            </a:r>
+          </a:p>
+          <a:p>
+            <a:pPr lvl="1"/>
+            <a:r>
+              <a:rPr lang="en-US" dirty="0"/>
+              <a:t>You know and understand the behavior</a:t>
+            </a:r>
+          </a:p>
+          <a:p>
+            <a:pPr lvl="1"/>
+            <a:r>
+              <a:rPr lang="en-US" dirty="0"/>
+              <a:t>You have a baseline that you can use for comparison</a:t>
+            </a:r>
+          </a:p>
+          <a:p>
+            <a:endParaRPr lang="en-US" dirty="0"/>
+          </a:p>
+          <a:p>
+            <a:pPr lvl="1"/>
+            <a:endParaRPr lang="en-US" dirty="0"/>
+          </a:p>
+          <a:p>
+            <a:pPr lvl="2"/>
+            <a:endParaRPr lang="en-US" dirty="0"/>
+          </a:p>
+        </p:txBody>
+      </p:sp>
+      <p:sp>
+        <p:nvSpPr>
+          <p:cNvPr id="2" name="Title 1"/>
+          <p:cNvSpPr>
+            <a:spLocks noGrp="1"/>
+          </p:cNvSpPr>
+          <p:nvPr>
+            <p:ph type="title"/>
+          </p:nvPr>
+        </p:nvSpPr>
+        <p:spPr/>
+        <p:txBody>
+          <a:bodyPr/>
+          <a:lstStyle/>
+          <a:p>
+            <a:r>
+              <a:rPr lang="en-US" dirty="0"/>
+              <a:t>What is Refactoring </a:t>
+            </a:r>
+            <a:br>
+              <a:rPr lang="en-US" dirty="0"/>
+            </a:br>
+            <a:endParaRPr lang="en-US" dirty="0"/>
+          </a:p>
+        </p:txBody>
+      </p:sp>
+      <p:sp>
+        <p:nvSpPr>
+          <p:cNvPr id="6" name="Content Placeholder 2">
+            <a:extLst>
+              <a:ext uri="{FF2B5EF4-FFF2-40B4-BE49-F238E27FC236}">
+                <a16:creationId xmlns:a16="http://schemas.microsoft.com/office/drawing/2014/main" id="{A3969DB6-AB62-0A43-A6B7-8B07C828C355}"/>
+              </a:ext>
+            </a:extLst>
+          </p:cNvPr>
+          <p:cNvSpPr txBox="1">
+            <a:spLocks/>
+          </p:cNvSpPr>
+          <p:nvPr/>
+        </p:nvSpPr>
+        <p:spPr bwMode="auto">
+          <a:xfrm>
+            <a:off x="6607828" y="1258433"/>
+            <a:ext cx="4971554" cy="4204252"/>
+          </a:xfrm>
+          <a:prstGeom prst="rect">
+            <a:avLst/>
+          </a:prstGeom>
+          <a:noFill/>
+          <a:ln w="9525">
+            <a:noFill/>
+            <a:miter lim="800000"/>
+            <a:headEnd/>
+            <a:tailEnd/>
+          </a:ln>
+        </p:spPr>
+        <p:txBody>
+          <a:bodyPr vert="horz" wrap="square" lIns="91440" tIns="45720" rIns="91440" bIns="45720" numCol="1" anchor="t" anchorCtr="0" compatLnSpc="1">
+            <a:prstTxWarp prst="textNoShape">
+              <a:avLst/>
+            </a:prstTxWarp>
+            <a:normAutofit/>
+          </a:bodyPr>
+          <a:lstStyle>
+            <a:lvl1pPr marL="230188" indent="-230188" algn="l" rtl="0" eaLnBrk="1" fontAlgn="base" hangingPunct="1">
+              <a:lnSpc>
+                <a:spcPct val="90000"/>
+              </a:lnSpc>
+              <a:spcBef>
+                <a:spcPts val="1400"/>
+              </a:spcBef>
+              <a:spcAft>
+                <a:spcPct val="0"/>
+              </a:spcAft>
+              <a:buClr>
+                <a:schemeClr val="tx1"/>
+              </a:buClr>
+              <a:buFont typeface="Arial" charset="0"/>
+              <a:buChar char="•"/>
+              <a:defRPr sz="2400" kern="1200" baseline="0">
+                <a:solidFill>
+                  <a:schemeClr val="tx1"/>
+                </a:solidFill>
+                <a:latin typeface="+mn-lt"/>
+                <a:ea typeface="+mn-ea"/>
+                <a:cs typeface="+mn-cs"/>
+              </a:defRPr>
+            </a:lvl1pPr>
+            <a:lvl2pPr marL="625475" indent="-279400" algn="l" rtl="0" eaLnBrk="1" fontAlgn="base" hangingPunct="1">
+              <a:lnSpc>
+                <a:spcPct val="90000"/>
+              </a:lnSpc>
+              <a:spcBef>
+                <a:spcPts val="800"/>
+              </a:spcBef>
+              <a:spcAft>
+                <a:spcPct val="0"/>
+              </a:spcAft>
+              <a:buClr>
+                <a:schemeClr val="tx1"/>
+              </a:buClr>
+              <a:buFont typeface="Arial" charset="0"/>
+              <a:buChar char="–"/>
+              <a:defRPr sz="2000" kern="1200">
+                <a:solidFill>
+                  <a:schemeClr val="tx1"/>
+                </a:solidFill>
+                <a:latin typeface="+mn-lt"/>
+                <a:ea typeface="+mn-ea"/>
+                <a:cs typeface="+mn-cs"/>
+              </a:defRPr>
+            </a:lvl2pPr>
+            <a:lvl3pPr marL="914400" indent="-230188" algn="l" rtl="0" eaLnBrk="1" fontAlgn="base" hangingPunct="1">
+              <a:lnSpc>
+                <a:spcPct val="90000"/>
+              </a:lnSpc>
+              <a:spcBef>
+                <a:spcPts val="800"/>
+              </a:spcBef>
+              <a:spcAft>
+                <a:spcPct val="0"/>
+              </a:spcAft>
+              <a:buClr>
+                <a:schemeClr val="tx1"/>
+              </a:buClr>
+              <a:buFont typeface="Arial" charset="0"/>
+              <a:buChar char="•"/>
+              <a:defRPr sz="1800" kern="1200">
+                <a:solidFill>
+                  <a:schemeClr val="tx1"/>
+                </a:solidFill>
+                <a:latin typeface="+mn-lt"/>
+                <a:ea typeface="+mn-ea"/>
+                <a:cs typeface="+mn-cs"/>
+              </a:defRPr>
+            </a:lvl3pPr>
+            <a:lvl4pPr marL="1144588" indent="-173038" algn="l" rtl="0" eaLnBrk="1" fontAlgn="base" hangingPunct="1">
+              <a:lnSpc>
+                <a:spcPct val="90000"/>
+              </a:lnSpc>
+              <a:spcBef>
+                <a:spcPts val="800"/>
+              </a:spcBef>
+              <a:spcAft>
+                <a:spcPct val="0"/>
+              </a:spcAft>
+              <a:buClr>
+                <a:schemeClr val="tx1"/>
+              </a:buClr>
+              <a:buFont typeface="Arial" charset="0"/>
+              <a:buChar char="–"/>
+              <a:defRPr sz="1600" kern="1200">
+                <a:solidFill>
+                  <a:schemeClr val="tx1"/>
+                </a:solidFill>
+                <a:latin typeface="+mn-lt"/>
+                <a:ea typeface="+mn-ea"/>
+                <a:cs typeface="+mn-cs"/>
+              </a:defRPr>
+            </a:lvl4pPr>
+            <a:lvl5pPr marL="1482725" indent="-222250" algn="l" rtl="0" eaLnBrk="1" fontAlgn="base" hangingPunct="1">
+              <a:lnSpc>
+                <a:spcPct val="90000"/>
+              </a:lnSpc>
+              <a:spcBef>
+                <a:spcPts val="600"/>
+              </a:spcBef>
+              <a:spcAft>
+                <a:spcPct val="0"/>
+              </a:spcAft>
+              <a:buClr>
+                <a:schemeClr val="tx1"/>
+              </a:buClr>
+              <a:buFont typeface="Arial" charset="0"/>
+              <a:buChar char="»"/>
+              <a:defRPr sz="1600" kern="1200">
+                <a:solidFill>
+                  <a:schemeClr val="tx1"/>
+                </a:solidFill>
+                <a:latin typeface="+mn-lt"/>
+                <a:ea typeface="+mn-ea"/>
+                <a:cs typeface="+mn-cs"/>
+              </a:defRPr>
+            </a:lvl5pPr>
+            <a:lvl6pPr marL="2514600" indent="-228600" algn="l" defTabSz="914400" rtl="0" eaLnBrk="1" latinLnBrk="0" hangingPunct="1">
+              <a:spcBef>
+                <a:spcPct val="20000"/>
+              </a:spcBef>
+              <a:buFont typeface="Arial" pitchFamily="34" charset="0"/>
+              <a:buChar char="•"/>
+              <a:defRPr sz="2000" kern="1200">
+                <a:solidFill>
+                  <a:schemeClr val="tx1"/>
+                </a:solidFill>
+                <a:latin typeface="+mn-lt"/>
+                <a:ea typeface="+mn-ea"/>
+                <a:cs typeface="+mn-cs"/>
+              </a:defRPr>
+            </a:lvl6pPr>
+            <a:lvl7pPr marL="2971800" indent="-228600" algn="l" defTabSz="914400" rtl="0" eaLnBrk="1" latinLnBrk="0" hangingPunct="1">
+              <a:spcBef>
+                <a:spcPct val="20000"/>
+              </a:spcBef>
+              <a:buFont typeface="Arial" pitchFamily="34" charset="0"/>
+              <a:buChar char="•"/>
+              <a:defRPr sz="2000" kern="1200">
+                <a:solidFill>
+                  <a:schemeClr val="tx1"/>
+                </a:solidFill>
+                <a:latin typeface="+mn-lt"/>
+                <a:ea typeface="+mn-ea"/>
+                <a:cs typeface="+mn-cs"/>
+              </a:defRPr>
+            </a:lvl7pPr>
+            <a:lvl8pPr marL="3429000" indent="-228600" algn="l" defTabSz="914400" rtl="0" eaLnBrk="1" latinLnBrk="0" hangingPunct="1">
+              <a:spcBef>
+                <a:spcPct val="20000"/>
+              </a:spcBef>
+              <a:buFont typeface="Arial" pitchFamily="34" charset="0"/>
+              <a:buChar char="•"/>
+              <a:defRPr sz="2000" kern="1200">
+                <a:solidFill>
+                  <a:schemeClr val="tx1"/>
+                </a:solidFill>
+                <a:latin typeface="+mn-lt"/>
+                <a:ea typeface="+mn-ea"/>
+                <a:cs typeface="+mn-cs"/>
+              </a:defRPr>
+            </a:lvl8pPr>
+            <a:lvl9pPr marL="3886200" indent="-228600" algn="l" defTabSz="914400" rtl="0" eaLnBrk="1" latinLnBrk="0" hangingPunct="1">
+              <a:spcBef>
+                <a:spcPct val="20000"/>
+              </a:spcBef>
+              <a:buFont typeface="Arial" pitchFamily="34" charset="0"/>
+              <a:buChar char="•"/>
+              <a:defRPr sz="2000" kern="1200">
+                <a:solidFill>
+                  <a:schemeClr val="tx1"/>
+                </a:solidFill>
+                <a:latin typeface="+mn-lt"/>
+                <a:ea typeface="+mn-ea"/>
+                <a:cs typeface="+mn-cs"/>
+              </a:defRPr>
+            </a:lvl9pPr>
+          </a:lstStyle>
+          <a:p>
+            <a:pPr marL="0" indent="0">
+              <a:buFont typeface="Arial" charset="0"/>
+              <a:buNone/>
+            </a:pPr>
+            <a:endParaRPr lang="en-US" dirty="0"/>
+          </a:p>
+          <a:p>
+            <a:r>
+              <a:rPr lang="en-US" dirty="0"/>
+              <a:t>General motivations</a:t>
+            </a:r>
+          </a:p>
+          <a:p>
+            <a:pPr lvl="1"/>
+            <a:r>
+              <a:rPr lang="en-US" dirty="0"/>
+              <a:t>Modularity enhancement </a:t>
+            </a:r>
+          </a:p>
+          <a:p>
+            <a:pPr lvl="2"/>
+            <a:r>
+              <a:rPr lang="en-US" dirty="0"/>
+              <a:t>Improve sustainability</a:t>
+            </a:r>
+          </a:p>
+          <a:p>
+            <a:pPr lvl="1"/>
+            <a:r>
+              <a:rPr lang="en-US" dirty="0"/>
+              <a:t>Release to outside users</a:t>
+            </a:r>
+          </a:p>
+          <a:p>
+            <a:pPr lvl="2"/>
+            <a:r>
+              <a:rPr lang="en-US" dirty="0"/>
+              <a:t>Easier to use and understand</a:t>
+            </a:r>
+          </a:p>
+          <a:p>
+            <a:pPr lvl="1"/>
+            <a:r>
+              <a:rPr lang="en-US" dirty="0"/>
+              <a:t>Port to new platforms</a:t>
+            </a:r>
+          </a:p>
+          <a:p>
+            <a:pPr lvl="2"/>
+            <a:r>
+              <a:rPr lang="en-US" dirty="0"/>
+              <a:t>Performance portability</a:t>
+            </a:r>
+          </a:p>
+          <a:p>
+            <a:pPr lvl="1"/>
+            <a:r>
+              <a:rPr lang="en-US" dirty="0"/>
+              <a:t>Expand capabilities</a:t>
+            </a:r>
+          </a:p>
+          <a:p>
+            <a:pPr lvl="2"/>
+            <a:r>
+              <a:rPr lang="en-US" dirty="0"/>
+              <a:t>Structural flexibility</a:t>
+            </a:r>
+          </a:p>
+          <a:p>
+            <a:pPr marL="0" indent="0">
+              <a:buFont typeface="Arial" charset="0"/>
+              <a:buNone/>
+            </a:pPr>
+            <a:endParaRPr lang="en-US" dirty="0"/>
+          </a:p>
+          <a:p>
+            <a:pPr lvl="1"/>
+            <a:endParaRPr lang="en-US" dirty="0"/>
+          </a:p>
+          <a:p>
+            <a:pPr marL="684212" lvl="2" indent="0">
+              <a:buFont typeface="Arial" charset="0"/>
+              <a:buNone/>
+            </a:pPr>
+            <a:endParaRPr lang="en-US" dirty="0"/>
+          </a:p>
+        </p:txBody>
+      </p:sp>
+    </p:spTree>
+    <p:extLst>
+      <p:ext uri="{BB962C8B-B14F-4D97-AF65-F5344CB8AC3E}">
+        <p14:creationId xmlns:p14="http://schemas.microsoft.com/office/powerpoint/2010/main" val="4067883223"/>
+      </p:ext>
+    </p:extLst>
+  </p:cSld>
+  <p:clrMapOvr>
+    <a:masterClrMapping/>
+  </p:clrMapOvr>
+  <mc:AlternateContent xmlns:mc="http://schemas.openxmlformats.org/markup-compatibility/2006" xmlns:p14="http://schemas.microsoft.com/office/powerpoint/2010/main">
+    <mc:Choice Requires="p14">
+      <p:transition p14:dur="250">
+        <p:fade/>
+      </p:transition>
+    </mc:Choice>
+    <mc:Fallback xmlns="">
+      <p:transition>
+        <p:fade/>
+      </p:transition>
+    </mc:Fallback>
+  </mc:AlternateContent>
+</p:sld>
+</file>
+
+<file path=ppt/slides/slide40.xml><?xml version="1.0" encoding="utf-8"?>
 <p:sld xmlns:a="http://schemas.openxmlformats.org/drawingml/2006/main" xmlns:r="http://schemas.openxmlformats.org/officeDocument/2006/relationships" xmlns:p="http://schemas.openxmlformats.org/presentationml/2006/main">
   <p:cSld>
     <p:spTree>
@@ -26103,461 +27063,7 @@
 </p:sld>
 </file>
 
-<file path=ppt/slides/slide4.xml><?xml version="1.0" encoding="utf-8"?>
-<p:sld xmlns:a="http://schemas.openxmlformats.org/drawingml/2006/main" xmlns:r="http://schemas.openxmlformats.org/officeDocument/2006/relationships" xmlns:p="http://schemas.openxmlformats.org/presentationml/2006/main">
-  <p:cSld>
-    <p:spTree>
-      <p:nvGrpSpPr>
-        <p:cNvPr id="1" name=""/>
-        <p:cNvGrpSpPr/>
-        <p:nvPr/>
-      </p:nvGrpSpPr>
-      <p:grpSpPr>
-        <a:xfrm>
-          <a:off x="0" y="0"/>
-          <a:ext cx="0" cy="0"/>
-          <a:chOff x="0" y="0"/>
-          <a:chExt cx="0" cy="0"/>
-        </a:xfrm>
-      </p:grpSpPr>
-      <p:sp>
-        <p:nvSpPr>
-          <p:cNvPr id="8" name="Content Placeholder 2">
-            <a:extLst>
-              <a:ext uri="{FF2B5EF4-FFF2-40B4-BE49-F238E27FC236}">
-                <a16:creationId xmlns:a16="http://schemas.microsoft.com/office/drawing/2014/main" id="{5D30512F-71BE-C842-A3D2-4229E91863BB}"/>
-              </a:ext>
-            </a:extLst>
-          </p:cNvPr>
-          <p:cNvSpPr>
-            <a:spLocks noGrp="1"/>
-          </p:cNvSpPr>
-          <p:nvPr>
-            <p:ph idx="1"/>
-          </p:nvPr>
-        </p:nvSpPr>
-        <p:spPr>
-          <a:xfrm>
-            <a:off x="609443" y="1699995"/>
-            <a:ext cx="5881298" cy="4422776"/>
-          </a:xfrm>
-        </p:spPr>
-        <p:txBody>
-          <a:bodyPr/>
-          <a:lstStyle/>
-          <a:p>
-            <a:pPr marL="0" indent="0">
-              <a:buNone/>
-            </a:pPr>
-            <a:r>
-              <a:rPr lang="en-US" dirty="0">
-                <a:solidFill>
-                  <a:srgbClr val="FF0000"/>
-                </a:solidFill>
-              </a:rPr>
-              <a:t>Definition: Refactoring is a disciplined technique for restructuring an existing body of code, altering its internal structure without changing its external behavior.</a:t>
-            </a:r>
-          </a:p>
-          <a:p>
-            <a:r>
-              <a:rPr lang="en-US" dirty="0"/>
-              <a:t>Different from development</a:t>
-            </a:r>
-          </a:p>
-          <a:p>
-            <a:pPr lvl="1"/>
-            <a:r>
-              <a:rPr lang="en-US" dirty="0"/>
-              <a:t>You have a working code </a:t>
-            </a:r>
-          </a:p>
-          <a:p>
-            <a:pPr lvl="1"/>
-            <a:r>
-              <a:rPr lang="en-US" dirty="0"/>
-              <a:t>You know and understand the behavior</a:t>
-            </a:r>
-          </a:p>
-          <a:p>
-            <a:pPr lvl="1"/>
-            <a:r>
-              <a:rPr lang="en-US" dirty="0"/>
-              <a:t>You have a baseline that you can use for comparison</a:t>
-            </a:r>
-          </a:p>
-          <a:p>
-            <a:endParaRPr lang="en-US" dirty="0"/>
-          </a:p>
-          <a:p>
-            <a:pPr lvl="1"/>
-            <a:endParaRPr lang="en-US" dirty="0"/>
-          </a:p>
-          <a:p>
-            <a:pPr lvl="2"/>
-            <a:endParaRPr lang="en-US" dirty="0"/>
-          </a:p>
-        </p:txBody>
-      </p:sp>
-      <p:sp>
-        <p:nvSpPr>
-          <p:cNvPr id="2" name="Title 1"/>
-          <p:cNvSpPr>
-            <a:spLocks noGrp="1"/>
-          </p:cNvSpPr>
-          <p:nvPr>
-            <p:ph type="title"/>
-          </p:nvPr>
-        </p:nvSpPr>
-        <p:spPr/>
-        <p:txBody>
-          <a:bodyPr/>
-          <a:lstStyle/>
-          <a:p>
-            <a:r>
-              <a:rPr lang="en-US" dirty="0"/>
-              <a:t>What is Refactoring </a:t>
-            </a:r>
-            <a:br>
-              <a:rPr lang="en-US" dirty="0"/>
-            </a:br>
-            <a:endParaRPr lang="en-US" dirty="0"/>
-          </a:p>
-        </p:txBody>
-      </p:sp>
-      <p:sp>
-        <p:nvSpPr>
-          <p:cNvPr id="6" name="Content Placeholder 2">
-            <a:extLst>
-              <a:ext uri="{FF2B5EF4-FFF2-40B4-BE49-F238E27FC236}">
-                <a16:creationId xmlns:a16="http://schemas.microsoft.com/office/drawing/2014/main" id="{A3969DB6-AB62-0A43-A6B7-8B07C828C355}"/>
-              </a:ext>
-            </a:extLst>
-          </p:cNvPr>
-          <p:cNvSpPr txBox="1">
-            <a:spLocks/>
-          </p:cNvSpPr>
-          <p:nvPr/>
-        </p:nvSpPr>
-        <p:spPr bwMode="auto">
-          <a:xfrm>
-            <a:off x="6607828" y="1258433"/>
-            <a:ext cx="4971554" cy="4204252"/>
-          </a:xfrm>
-          <a:prstGeom prst="rect">
-            <a:avLst/>
-          </a:prstGeom>
-          <a:noFill/>
-          <a:ln w="9525">
-            <a:noFill/>
-            <a:miter lim="800000"/>
-            <a:headEnd/>
-            <a:tailEnd/>
-          </a:ln>
-        </p:spPr>
-        <p:txBody>
-          <a:bodyPr vert="horz" wrap="square" lIns="91440" tIns="45720" rIns="91440" bIns="45720" numCol="1" anchor="t" anchorCtr="0" compatLnSpc="1">
-            <a:prstTxWarp prst="textNoShape">
-              <a:avLst/>
-            </a:prstTxWarp>
-            <a:normAutofit/>
-          </a:bodyPr>
-          <a:lstStyle>
-            <a:lvl1pPr marL="230188" indent="-230188" algn="l" rtl="0" eaLnBrk="1" fontAlgn="base" hangingPunct="1">
-              <a:lnSpc>
-                <a:spcPct val="90000"/>
-              </a:lnSpc>
-              <a:spcBef>
-                <a:spcPts val="1400"/>
-              </a:spcBef>
-              <a:spcAft>
-                <a:spcPct val="0"/>
-              </a:spcAft>
-              <a:buClr>
-                <a:schemeClr val="tx1"/>
-              </a:buClr>
-              <a:buFont typeface="Arial" charset="0"/>
-              <a:buChar char="•"/>
-              <a:defRPr sz="2400" kern="1200" baseline="0">
-                <a:solidFill>
-                  <a:schemeClr val="tx1"/>
-                </a:solidFill>
-                <a:latin typeface="+mn-lt"/>
-                <a:ea typeface="+mn-ea"/>
-                <a:cs typeface="+mn-cs"/>
-              </a:defRPr>
-            </a:lvl1pPr>
-            <a:lvl2pPr marL="625475" indent="-279400" algn="l" rtl="0" eaLnBrk="1" fontAlgn="base" hangingPunct="1">
-              <a:lnSpc>
-                <a:spcPct val="90000"/>
-              </a:lnSpc>
-              <a:spcBef>
-                <a:spcPts val="800"/>
-              </a:spcBef>
-              <a:spcAft>
-                <a:spcPct val="0"/>
-              </a:spcAft>
-              <a:buClr>
-                <a:schemeClr val="tx1"/>
-              </a:buClr>
-              <a:buFont typeface="Arial" charset="0"/>
-              <a:buChar char="–"/>
-              <a:defRPr sz="2000" kern="1200">
-                <a:solidFill>
-                  <a:schemeClr val="tx1"/>
-                </a:solidFill>
-                <a:latin typeface="+mn-lt"/>
-                <a:ea typeface="+mn-ea"/>
-                <a:cs typeface="+mn-cs"/>
-              </a:defRPr>
-            </a:lvl2pPr>
-            <a:lvl3pPr marL="914400" indent="-230188" algn="l" rtl="0" eaLnBrk="1" fontAlgn="base" hangingPunct="1">
-              <a:lnSpc>
-                <a:spcPct val="90000"/>
-              </a:lnSpc>
-              <a:spcBef>
-                <a:spcPts val="800"/>
-              </a:spcBef>
-              <a:spcAft>
-                <a:spcPct val="0"/>
-              </a:spcAft>
-              <a:buClr>
-                <a:schemeClr val="tx1"/>
-              </a:buClr>
-              <a:buFont typeface="Arial" charset="0"/>
-              <a:buChar char="•"/>
-              <a:defRPr sz="1800" kern="1200">
-                <a:solidFill>
-                  <a:schemeClr val="tx1"/>
-                </a:solidFill>
-                <a:latin typeface="+mn-lt"/>
-                <a:ea typeface="+mn-ea"/>
-                <a:cs typeface="+mn-cs"/>
-              </a:defRPr>
-            </a:lvl3pPr>
-            <a:lvl4pPr marL="1144588" indent="-173038" algn="l" rtl="0" eaLnBrk="1" fontAlgn="base" hangingPunct="1">
-              <a:lnSpc>
-                <a:spcPct val="90000"/>
-              </a:lnSpc>
-              <a:spcBef>
-                <a:spcPts val="800"/>
-              </a:spcBef>
-              <a:spcAft>
-                <a:spcPct val="0"/>
-              </a:spcAft>
-              <a:buClr>
-                <a:schemeClr val="tx1"/>
-              </a:buClr>
-              <a:buFont typeface="Arial" charset="0"/>
-              <a:buChar char="–"/>
-              <a:defRPr sz="1600" kern="1200">
-                <a:solidFill>
-                  <a:schemeClr val="tx1"/>
-                </a:solidFill>
-                <a:latin typeface="+mn-lt"/>
-                <a:ea typeface="+mn-ea"/>
-                <a:cs typeface="+mn-cs"/>
-              </a:defRPr>
-            </a:lvl4pPr>
-            <a:lvl5pPr marL="1482725" indent="-222250" algn="l" rtl="0" eaLnBrk="1" fontAlgn="base" hangingPunct="1">
-              <a:lnSpc>
-                <a:spcPct val="90000"/>
-              </a:lnSpc>
-              <a:spcBef>
-                <a:spcPts val="600"/>
-              </a:spcBef>
-              <a:spcAft>
-                <a:spcPct val="0"/>
-              </a:spcAft>
-              <a:buClr>
-                <a:schemeClr val="tx1"/>
-              </a:buClr>
-              <a:buFont typeface="Arial" charset="0"/>
-              <a:buChar char="»"/>
-              <a:defRPr sz="1600" kern="1200">
-                <a:solidFill>
-                  <a:schemeClr val="tx1"/>
-                </a:solidFill>
-                <a:latin typeface="+mn-lt"/>
-                <a:ea typeface="+mn-ea"/>
-                <a:cs typeface="+mn-cs"/>
-              </a:defRPr>
-            </a:lvl5pPr>
-            <a:lvl6pPr marL="2514600" indent="-228600" algn="l" defTabSz="914400" rtl="0" eaLnBrk="1" latinLnBrk="0" hangingPunct="1">
-              <a:spcBef>
-                <a:spcPct val="20000"/>
-              </a:spcBef>
-              <a:buFont typeface="Arial" pitchFamily="34" charset="0"/>
-              <a:buChar char="•"/>
-              <a:defRPr sz="2000" kern="1200">
-                <a:solidFill>
-                  <a:schemeClr val="tx1"/>
-                </a:solidFill>
-                <a:latin typeface="+mn-lt"/>
-                <a:ea typeface="+mn-ea"/>
-                <a:cs typeface="+mn-cs"/>
-              </a:defRPr>
-            </a:lvl6pPr>
-            <a:lvl7pPr marL="2971800" indent="-228600" algn="l" defTabSz="914400" rtl="0" eaLnBrk="1" latinLnBrk="0" hangingPunct="1">
-              <a:spcBef>
-                <a:spcPct val="20000"/>
-              </a:spcBef>
-              <a:buFont typeface="Arial" pitchFamily="34" charset="0"/>
-              <a:buChar char="•"/>
-              <a:defRPr sz="2000" kern="1200">
-                <a:solidFill>
-                  <a:schemeClr val="tx1"/>
-                </a:solidFill>
-                <a:latin typeface="+mn-lt"/>
-                <a:ea typeface="+mn-ea"/>
-                <a:cs typeface="+mn-cs"/>
-              </a:defRPr>
-            </a:lvl7pPr>
-            <a:lvl8pPr marL="3429000" indent="-228600" algn="l" defTabSz="914400" rtl="0" eaLnBrk="1" latinLnBrk="0" hangingPunct="1">
-              <a:spcBef>
-                <a:spcPct val="20000"/>
-              </a:spcBef>
-              <a:buFont typeface="Arial" pitchFamily="34" charset="0"/>
-              <a:buChar char="•"/>
-              <a:defRPr sz="2000" kern="1200">
-                <a:solidFill>
-                  <a:schemeClr val="tx1"/>
-                </a:solidFill>
-                <a:latin typeface="+mn-lt"/>
-                <a:ea typeface="+mn-ea"/>
-                <a:cs typeface="+mn-cs"/>
-              </a:defRPr>
-            </a:lvl8pPr>
-            <a:lvl9pPr marL="3886200" indent="-228600" algn="l" defTabSz="914400" rtl="0" eaLnBrk="1" latinLnBrk="0" hangingPunct="1">
-              <a:spcBef>
-                <a:spcPct val="20000"/>
-              </a:spcBef>
-              <a:buFont typeface="Arial" pitchFamily="34" charset="0"/>
-              <a:buChar char="•"/>
-              <a:defRPr sz="2000" kern="1200">
-                <a:solidFill>
-                  <a:schemeClr val="tx1"/>
-                </a:solidFill>
-                <a:latin typeface="+mn-lt"/>
-                <a:ea typeface="+mn-ea"/>
-                <a:cs typeface="+mn-cs"/>
-              </a:defRPr>
-            </a:lvl9pPr>
-          </a:lstStyle>
-          <a:p>
-            <a:pPr marL="0" indent="0">
-              <a:buFont typeface="Arial" charset="0"/>
-              <a:buNone/>
-            </a:pPr>
-            <a:endParaRPr lang="en-US" dirty="0"/>
-          </a:p>
-          <a:p>
-            <a:r>
-              <a:rPr lang="en-US" dirty="0"/>
-              <a:t>General motivations</a:t>
-            </a:r>
-          </a:p>
-          <a:p>
-            <a:pPr lvl="1"/>
-            <a:r>
-              <a:rPr lang="en-US" dirty="0"/>
-              <a:t>Modularity enhancement </a:t>
-            </a:r>
-          </a:p>
-          <a:p>
-            <a:pPr lvl="2"/>
-            <a:r>
-              <a:rPr lang="en-US" dirty="0"/>
-              <a:t>Improve sustainability</a:t>
-            </a:r>
-          </a:p>
-          <a:p>
-            <a:pPr lvl="1"/>
-            <a:r>
-              <a:rPr lang="en-US" dirty="0"/>
-              <a:t>Release to outside users</a:t>
-            </a:r>
-          </a:p>
-          <a:p>
-            <a:pPr lvl="2"/>
-            <a:r>
-              <a:rPr lang="en-US" dirty="0"/>
-              <a:t>Easier to use and understand</a:t>
-            </a:r>
-          </a:p>
-          <a:p>
-            <a:pPr lvl="1"/>
-            <a:r>
-              <a:rPr lang="en-US" dirty="0"/>
-              <a:t>Port to new platforms</a:t>
-            </a:r>
-          </a:p>
-          <a:p>
-            <a:pPr lvl="2"/>
-            <a:r>
-              <a:rPr lang="en-US" dirty="0"/>
-              <a:t>Performance portability</a:t>
-            </a:r>
-          </a:p>
-          <a:p>
-            <a:pPr lvl="1"/>
-            <a:r>
-              <a:rPr lang="en-US" dirty="0"/>
-              <a:t>Expand capabilities</a:t>
-            </a:r>
-          </a:p>
-          <a:p>
-            <a:pPr lvl="2"/>
-            <a:r>
-              <a:rPr lang="en-US" dirty="0"/>
-              <a:t>Structural flexibility</a:t>
-            </a:r>
-          </a:p>
-          <a:p>
-            <a:pPr marL="0" indent="0">
-              <a:buFont typeface="Arial" charset="0"/>
-              <a:buNone/>
-            </a:pPr>
-            <a:endParaRPr lang="en-US" dirty="0"/>
-          </a:p>
-          <a:p>
-            <a:pPr lvl="1"/>
-            <a:endParaRPr lang="en-US" dirty="0"/>
-          </a:p>
-          <a:p>
-            <a:pPr marL="684212" lvl="2" indent="0">
-              <a:buFont typeface="Arial" charset="0"/>
-              <a:buNone/>
-            </a:pPr>
-            <a:endParaRPr lang="en-US" dirty="0"/>
-          </a:p>
-        </p:txBody>
-      </p:sp>
-    </p:spTree>
-    <p:extLst>
-      <p:ext uri="{BB962C8B-B14F-4D97-AF65-F5344CB8AC3E}">
-        <p14:creationId xmlns:p14="http://schemas.microsoft.com/office/powerpoint/2010/main" val="4067883223"/>
-      </p:ext>
-    </p:extLst>
-  </p:cSld>
-  <p:clrMapOvr>
-    <a:masterClrMapping/>
-  </p:clrMapOvr>
-  <mc:AlternateContent xmlns:mc="http://schemas.openxmlformats.org/markup-compatibility/2006" xmlns:p14="http://schemas.microsoft.com/office/powerpoint/2010/main">
-    <mc:Choice Requires="p14">
-      <p:transition p14:dur="250">
-        <p:fade/>
-      </p:transition>
-    </mc:Choice>
-    <mc:Fallback xmlns="">
-      <p:transition>
-        <p:fade/>
-      </p:transition>
-    </mc:Fallback>
-  </mc:AlternateContent>
-</p:sld>
-</file>
-
-<file path=ppt/slides/slide40.xml><?xml version="1.0" encoding="utf-8"?>
+<file path=ppt/slides/slide41.xml><?xml version="1.0" encoding="utf-8"?>
 <p:sld xmlns:a="http://schemas.openxmlformats.org/drawingml/2006/main" xmlns:r="http://schemas.openxmlformats.org/officeDocument/2006/relationships" xmlns:p="http://schemas.openxmlformats.org/presentationml/2006/main">
   <p:cSld>
     <p:spTree>
@@ -32252,6 +32758,21 @@
 </file>
 
 <file path=customXml/item1.xml><?xml version="1.0" encoding="utf-8"?>
+<?mso-contentType ?>
+<FormTemplates xmlns="http://schemas.microsoft.com/sharepoint/v3/contenttype/forms">
+  <Display>DocumentLibraryForm</Display>
+  <Edit>DocumentLibraryForm</Edit>
+  <New>DocumentLibraryForm</New>
+</FormTemplates>
+</file>
+
+<file path=customXml/item2.xml><?xml version="1.0" encoding="utf-8"?>
+<p:properties xmlns:p="http://schemas.microsoft.com/office/2006/metadata/properties" xmlns:xsi="http://www.w3.org/2001/XMLSchema-instance" xmlns:pc="http://schemas.microsoft.com/office/infopath/2007/PartnerControls">
+  <documentManagement/>
+</p:properties>
+</file>
+
+<file path=customXml/item3.xml><?xml version="1.0" encoding="utf-8"?>
 <ct:contentTypeSchema xmlns:ct="http://schemas.microsoft.com/office/2006/metadata/contentType" xmlns:ma="http://schemas.microsoft.com/office/2006/metadata/properties/metaAttributes" ct:_="" ma:_="" ma:contentTypeName="Document" ma:contentTypeID="0x010100565464437F680748A68B85EB6594EA7D" ma:contentTypeVersion="0" ma:contentTypeDescription="Create a new document." ma:contentTypeScope="" ma:versionID="fe3f4dd58d5914c51cfc6deaa8ad845c">
   <xsd:schema xmlns:xsd="http://www.w3.org/2001/XMLSchema" xmlns:p="http://schemas.microsoft.com/office/2006/metadata/properties" targetNamespace="http://schemas.microsoft.com/office/2006/metadata/properties" ma:root="true" ma:fieldsID="4aeb20c0e3442673af7ee10786458764">
     <xsd:element name="properties">
@@ -32300,22 +32821,30 @@
 </ct:contentTypeSchema>
 </file>
 
-<file path=customXml/item2.xml><?xml version="1.0" encoding="utf-8"?>
-<?mso-contentType ?>
-<FormTemplates xmlns="http://schemas.microsoft.com/sharepoint/v3/contenttype/forms">
-  <Display>DocumentLibraryForm</Display>
-  <Edit>DocumentLibraryForm</Edit>
-  <New>DocumentLibraryForm</New>
-</FormTemplates>
+<file path=customXml/itemProps1.xml><?xml version="1.0" encoding="utf-8"?>
+<ds:datastoreItem xmlns:ds="http://schemas.openxmlformats.org/officeDocument/2006/customXml" ds:itemID="{19E20559-B232-4371-8690-E3D8007EDB82}">
+  <ds:schemaRefs>
+    <ds:schemaRef ds:uri="http://schemas.microsoft.com/sharepoint/v3/contenttype/forms"/>
+  </ds:schemaRefs>
+</ds:datastoreItem>
 </file>
 
-<file path=customXml/item3.xml><?xml version="1.0" encoding="utf-8"?>
-<p:properties xmlns:p="http://schemas.microsoft.com/office/2006/metadata/properties" xmlns:xsi="http://www.w3.org/2001/XMLSchema-instance" xmlns:pc="http://schemas.microsoft.com/office/infopath/2007/PartnerControls">
-  <documentManagement/>
-</p:properties>
+<file path=customXml/itemProps2.xml><?xml version="1.0" encoding="utf-8"?>
+<ds:datastoreItem xmlns:ds="http://schemas.openxmlformats.org/officeDocument/2006/customXml" ds:itemID="{A50EC660-24D0-43A0-AE5E-E274115E726B}">
+  <ds:schemaRefs>
+    <ds:schemaRef ds:uri="http://purl.org/dc/elements/1.1/"/>
+    <ds:schemaRef ds:uri="http://schemas.microsoft.com/office/2006/metadata/properties"/>
+    <ds:schemaRef ds:uri="http://purl.org/dc/terms/"/>
+    <ds:schemaRef ds:uri="http://schemas.openxmlformats.org/package/2006/metadata/core-properties"/>
+    <ds:schemaRef ds:uri="http://schemas.microsoft.com/office/2006/documentManagement/types"/>
+    <ds:schemaRef ds:uri="http://www.w3.org/XML/1998/namespace"/>
+    <ds:schemaRef ds:uri="http://purl.org/dc/dcmitype/"/>
+    <ds:schemaRef ds:uri="http://schemas.microsoft.com/office/infopath/2007/PartnerControls"/>
+  </ds:schemaRefs>
+</ds:datastoreItem>
 </file>
 
-<file path=customXml/itemProps1.xml><?xml version="1.0" encoding="utf-8"?>
+<file path=customXml/itemProps3.xml><?xml version="1.0" encoding="utf-8"?>
 <ds:datastoreItem xmlns:ds="http://schemas.openxmlformats.org/officeDocument/2006/customXml" ds:itemID="{E8DB7DEB-074E-4EE8-9B6E-FD277323109C}">
   <ds:schemaRefs>
     <ds:schemaRef ds:uri="http://schemas.microsoft.com/office/2006/metadata/contentType"/>
@@ -32328,27 +32857,4 @@
     <ds:schemaRef ds:uri="http://schemas.microsoft.com/office/internal/2005/internalDocumentation"/>
   </ds:schemaRefs>
 </ds:datastoreItem>
-</file>
-
-<file path=customXml/itemProps2.xml><?xml version="1.0" encoding="utf-8"?>
-<ds:datastoreItem xmlns:ds="http://schemas.openxmlformats.org/officeDocument/2006/customXml" ds:itemID="{19E20559-B232-4371-8690-E3D8007EDB82}">
-  <ds:schemaRefs>
-    <ds:schemaRef ds:uri="http://schemas.microsoft.com/sharepoint/v3/contenttype/forms"/>
-  </ds:schemaRefs>
-</ds:datastoreItem>
-</file>
-
-<file path=customXml/itemProps3.xml><?xml version="1.0" encoding="utf-8"?>
-<ds:datastoreItem xmlns:ds="http://schemas.openxmlformats.org/officeDocument/2006/customXml" ds:itemID="{A50EC660-24D0-43A0-AE5E-E274115E726B}">
-  <ds:schemaRefs>
-    <ds:schemaRef ds:uri="http://purl.org/dc/elements/1.1/"/>
-    <ds:schemaRef ds:uri="http://schemas.microsoft.com/office/2006/metadata/properties"/>
-    <ds:schemaRef ds:uri="http://purl.org/dc/terms/"/>
-    <ds:schemaRef ds:uri="http://schemas.openxmlformats.org/package/2006/metadata/core-properties"/>
-    <ds:schemaRef ds:uri="http://schemas.microsoft.com/office/2006/documentManagement/types"/>
-    <ds:schemaRef ds:uri="http://www.w3.org/XML/1998/namespace"/>
-    <ds:schemaRef ds:uri="http://purl.org/dc/dcmitype/"/>
-    <ds:schemaRef ds:uri="http://schemas.microsoft.com/office/infopath/2007/PartnerControls"/>
-  </ds:schemaRefs>
-</ds:datastoreItem>
 </file>
--- a/refactoring.pptx
+++ b/refactoring.pptx
@@ -295,7 +295,7 @@
           <a:p>
             <a:fld id="{0B842F42-2CE9-4E35-95C1-410DC08A50B1}" type="datetimeFigureOut">
               <a:rPr lang="en-US" smtClean="0"/>
-              <a:t>4/15/2023</a:t>
+              <a:t>7/25/23</a:t>
             </a:fld>
             <a:endParaRPr lang="en-US"/>
           </a:p>
@@ -460,7 +460,7 @@
           <a:p>
             <a:fld id="{6F282904-F315-4730-8D91-37D99E141A6F}" type="datetimeFigureOut">
               <a:rPr lang="en-US" smtClean="0"/>
-              <a:t>4/15/2023</a:t>
+              <a:t>7/25/23</a:t>
             </a:fld>
             <a:endParaRPr lang="en-US"/>
           </a:p>
@@ -7157,7 +7157,7 @@
         <p:spPr>
           <a:xfrm>
             <a:off x="409508" y="1510747"/>
-            <a:ext cx="11139025" cy="4669919"/>
+            <a:ext cx="11139025" cy="2902227"/>
           </a:xfrm>
         </p:spPr>
         <p:txBody>
@@ -7166,35 +7166,6 @@
           </a:bodyPr>
           <a:lstStyle/>
           <a:p>
-            <a:r>
-              <a:rPr lang="en-US" dirty="0"/>
-              <a:t>Convert </a:t>
-            </a:r>
-            <a:r>
-              <a:rPr lang="en-US" dirty="0" err="1"/>
-              <a:t>heatAll.C</a:t>
-            </a:r>
-            <a:r>
-              <a:rPr lang="en-US" dirty="0"/>
-              <a:t> to the cleaner version with reusable code.</a:t>
-            </a:r>
-          </a:p>
-          <a:p>
-            <a:pPr lvl="1"/>
-            <a:r>
-              <a:rPr lang="en-US" dirty="0"/>
-              <a:t>Think about </a:t>
-            </a:r>
-            <a:r>
-              <a:rPr lang="en-US" i="1" dirty="0"/>
-              <a:t>how you want your final product to be organized</a:t>
-            </a:r>
-            <a:r>
-              <a:rPr lang="en-US" dirty="0"/>
-              <a:t> and then go through the exercise of refactoring</a:t>
-            </a:r>
-          </a:p>
-          <a:p>
             <a:pPr lvl="1"/>
             <a:endParaRPr lang="en-US" dirty="0"/>
           </a:p>
@@ -7205,7 +7176,7 @@
           <a:p>
             <a:r>
               <a:rPr lang="en-US" dirty="0"/>
-              <a:t>Here as an example exercise, I am taking the clean solution and generalizing the </a:t>
+              <a:t>I am taking the clean solution and generalizing the </a:t>
             </a:r>
             <a:r>
               <a:rPr lang="en-US" dirty="0" err="1"/>
@@ -11050,7 +11021,7 @@
           <a:p>
             <a:r>
               <a:rPr lang="en-US" dirty="0"/>
-              <a:t>A Real World Example: FLASH to Flash-X</a:t>
+              <a:t>A Real-World Example: FLASH to Flash-X</a:t>
             </a:r>
           </a:p>
         </p:txBody>
@@ -12859,7 +12830,7 @@
 </file>
 
 <file path=ppt/slides/slide26.xml><?xml version="1.0" encoding="utf-8"?>
-<p:sld xmlns:a="http://schemas.openxmlformats.org/drawingml/2006/main" xmlns:r="http://schemas.openxmlformats.org/officeDocument/2006/relationships" xmlns:p="http://schemas.openxmlformats.org/presentationml/2006/main">
+<p:sld xmlns:a="http://schemas.openxmlformats.org/drawingml/2006/main" xmlns:r="http://schemas.openxmlformats.org/officeDocument/2006/relationships" xmlns:p="http://schemas.openxmlformats.org/presentationml/2006/main" show="0">
   <p:cSld>
     <p:spTree>
       <p:nvGrpSpPr>
@@ -14214,13 +14185,13 @@
   <p:clrMapOvr>
     <a:masterClrMapping/>
   </p:clrMapOvr>
-  <mc:AlternateContent xmlns:mc="http://schemas.openxmlformats.org/markup-compatibility/2006" xmlns:p14="http://schemas.microsoft.com/office/powerpoint/2010/main">
-    <mc:Choice Requires="p14">
+  <mc:AlternateContent xmlns:mc="http://schemas.openxmlformats.org/markup-compatibility/2006">
+    <mc:Choice xmlns:p14="http://schemas.microsoft.com/office/powerpoint/2010/main" Requires="p14">
       <p:transition p14:dur="250">
         <p:fade/>
       </p:transition>
     </mc:Choice>
-    <mc:Fallback xmlns="">
+    <mc:Fallback>
       <p:transition>
         <p:fade/>
       </p:transition>
@@ -14230,7 +14201,7 @@
 </file>
 
 <file path=ppt/slides/slide27.xml><?xml version="1.0" encoding="utf-8"?>
-<p:sld xmlns:a="http://schemas.openxmlformats.org/drawingml/2006/main" xmlns:r="http://schemas.openxmlformats.org/officeDocument/2006/relationships" xmlns:p="http://schemas.openxmlformats.org/presentationml/2006/main">
+<p:sld xmlns:a="http://schemas.openxmlformats.org/drawingml/2006/main" xmlns:r="http://schemas.openxmlformats.org/officeDocument/2006/relationships" xmlns:p="http://schemas.openxmlformats.org/presentationml/2006/main" show="0">
   <p:cSld>
     <p:spTree>
       <p:nvGrpSpPr>
@@ -16329,13 +16300,13 @@
   <p:clrMapOvr>
     <a:masterClrMapping/>
   </p:clrMapOvr>
-  <mc:AlternateContent xmlns:mc="http://schemas.openxmlformats.org/markup-compatibility/2006" xmlns:p14="http://schemas.microsoft.com/office/powerpoint/2010/main">
-    <mc:Choice Requires="p14">
+  <mc:AlternateContent xmlns:mc="http://schemas.openxmlformats.org/markup-compatibility/2006">
+    <mc:Choice xmlns:p14="http://schemas.microsoft.com/office/powerpoint/2010/main" Requires="p14">
       <p:transition p14:dur="250">
         <p:fade/>
       </p:transition>
     </mc:Choice>
-    <mc:Fallback xmlns="">
+    <mc:Fallback>
       <p:transition>
         <p:fade/>
       </p:transition>
@@ -16345,7 +16316,7 @@
 </file>
 
 <file path=ppt/slides/slide28.xml><?xml version="1.0" encoding="utf-8"?>
-<p:sld xmlns:a="http://schemas.openxmlformats.org/drawingml/2006/main" xmlns:r="http://schemas.openxmlformats.org/officeDocument/2006/relationships" xmlns:p="http://schemas.openxmlformats.org/presentationml/2006/main">
+<p:sld xmlns:a="http://schemas.openxmlformats.org/drawingml/2006/main" xmlns:r="http://schemas.openxmlformats.org/officeDocument/2006/relationships" xmlns:p="http://schemas.openxmlformats.org/presentationml/2006/main" show="0">
   <p:cSld>
     <p:spTree>
       <p:nvGrpSpPr>
@@ -16834,13 +16805,13 @@
   <p:clrMapOvr>
     <a:masterClrMapping/>
   </p:clrMapOvr>
-  <mc:AlternateContent xmlns:mc="http://schemas.openxmlformats.org/markup-compatibility/2006" xmlns:p14="http://schemas.microsoft.com/office/powerpoint/2010/main">
-    <mc:Choice Requires="p14">
+  <mc:AlternateContent xmlns:mc="http://schemas.openxmlformats.org/markup-compatibility/2006">
+    <mc:Choice xmlns:p14="http://schemas.microsoft.com/office/powerpoint/2010/main" Requires="p14">
       <p:transition p14:dur="250">
         <p:fade/>
       </p:transition>
     </mc:Choice>
-    <mc:Fallback xmlns="">
+    <mc:Fallback>
       <p:transition>
         <p:fade/>
       </p:transition>
@@ -16850,7 +16821,7 @@
 </file>
 
 <file path=ppt/slides/slide29.xml><?xml version="1.0" encoding="utf-8"?>
-<p:sld xmlns:a="http://schemas.openxmlformats.org/drawingml/2006/main" xmlns:r="http://schemas.openxmlformats.org/officeDocument/2006/relationships" xmlns:p="http://schemas.openxmlformats.org/presentationml/2006/main">
+<p:sld xmlns:a="http://schemas.openxmlformats.org/drawingml/2006/main" xmlns:r="http://schemas.openxmlformats.org/officeDocument/2006/relationships" xmlns:p="http://schemas.openxmlformats.org/presentationml/2006/main" show="0">
   <p:cSld>
     <p:spTree>
       <p:nvGrpSpPr>
@@ -17820,7 +17791,7 @@
 </file>
 
 <file path=ppt/slides/slide30.xml><?xml version="1.0" encoding="utf-8"?>
-<p:sld xmlns:a="http://schemas.openxmlformats.org/drawingml/2006/main" xmlns:r="http://schemas.openxmlformats.org/officeDocument/2006/relationships" xmlns:p="http://schemas.openxmlformats.org/presentationml/2006/main">
+<p:sld xmlns:a="http://schemas.openxmlformats.org/drawingml/2006/main" xmlns:r="http://schemas.openxmlformats.org/officeDocument/2006/relationships" xmlns:p="http://schemas.openxmlformats.org/presentationml/2006/main" show="0">
   <p:cSld>
     <p:spTree>
       <p:nvGrpSpPr>
@@ -18716,13 +18687,13 @@
   <p:clrMapOvr>
     <a:masterClrMapping/>
   </p:clrMapOvr>
-  <mc:AlternateContent xmlns:mc="http://schemas.openxmlformats.org/markup-compatibility/2006" xmlns:p14="http://schemas.microsoft.com/office/powerpoint/2010/main">
-    <mc:Choice Requires="p14">
+  <mc:AlternateContent xmlns:mc="http://schemas.openxmlformats.org/markup-compatibility/2006">
+    <mc:Choice xmlns:p14="http://schemas.microsoft.com/office/powerpoint/2010/main" Requires="p14">
       <p:transition p14:dur="250">
         <p:fade/>
       </p:transition>
     </mc:Choice>
-    <mc:Fallback xmlns="">
+    <mc:Fallback>
       <p:transition>
         <p:fade/>
       </p:transition>
@@ -18732,7 +18703,7 @@
 </file>
 
 <file path=ppt/slides/slide31.xml><?xml version="1.0" encoding="utf-8"?>
-<p:sld xmlns:a="http://schemas.openxmlformats.org/drawingml/2006/main" xmlns:r="http://schemas.openxmlformats.org/officeDocument/2006/relationships" xmlns:p="http://schemas.openxmlformats.org/presentationml/2006/main">
+<p:sld xmlns:a="http://schemas.openxmlformats.org/drawingml/2006/main" xmlns:r="http://schemas.openxmlformats.org/officeDocument/2006/relationships" xmlns:p="http://schemas.openxmlformats.org/presentationml/2006/main" show="0">
   <p:cSld>
     <p:spTree>
       <p:nvGrpSpPr>
@@ -20025,13 +19996,13 @@
   <p:clrMapOvr>
     <a:masterClrMapping/>
   </p:clrMapOvr>
-  <mc:AlternateContent xmlns:mc="http://schemas.openxmlformats.org/markup-compatibility/2006" xmlns:p14="http://schemas.microsoft.com/office/powerpoint/2010/main">
-    <mc:Choice Requires="p14">
+  <mc:AlternateContent xmlns:mc="http://schemas.openxmlformats.org/markup-compatibility/2006">
+    <mc:Choice xmlns:p14="http://schemas.microsoft.com/office/powerpoint/2010/main" Requires="p14">
       <p:transition p14:dur="250">
         <p:fade/>
       </p:transition>
     </mc:Choice>
-    <mc:Fallback xmlns="">
+    <mc:Fallback>
       <p:transition>
         <p:fade/>
       </p:transition>
@@ -20041,7 +20012,7 @@
 </file>
 
 <file path=ppt/slides/slide32.xml><?xml version="1.0" encoding="utf-8"?>
-<p:sld xmlns:a="http://schemas.openxmlformats.org/drawingml/2006/main" xmlns:r="http://schemas.openxmlformats.org/officeDocument/2006/relationships" xmlns:p="http://schemas.openxmlformats.org/presentationml/2006/main">
+<p:sld xmlns:a="http://schemas.openxmlformats.org/drawingml/2006/main" xmlns:r="http://schemas.openxmlformats.org/officeDocument/2006/relationships" xmlns:p="http://schemas.openxmlformats.org/presentationml/2006/main" show="0">
   <p:cSld>
     <p:spTree>
       <p:nvGrpSpPr>
@@ -22128,13 +22099,13 @@
   <p:clrMapOvr>
     <a:masterClrMapping/>
   </p:clrMapOvr>
-  <mc:AlternateContent xmlns:mc="http://schemas.openxmlformats.org/markup-compatibility/2006" xmlns:p14="http://schemas.microsoft.com/office/powerpoint/2010/main">
-    <mc:Choice Requires="p14">
+  <mc:AlternateContent xmlns:mc="http://schemas.openxmlformats.org/markup-compatibility/2006">
+    <mc:Choice xmlns:p14="http://schemas.microsoft.com/office/powerpoint/2010/main" Requires="p14">
       <p:transition p14:dur="250">
         <p:fade/>
       </p:transition>
     </mc:Choice>
-    <mc:Fallback xmlns="">
+    <mc:Fallback>
       <p:transition>
         <p:fade/>
       </p:transition>
@@ -22144,7 +22115,7 @@
 </file>
 
 <file path=ppt/slides/slide33.xml><?xml version="1.0" encoding="utf-8"?>
-<p:sld xmlns:a="http://schemas.openxmlformats.org/drawingml/2006/main" xmlns:r="http://schemas.openxmlformats.org/officeDocument/2006/relationships" xmlns:p="http://schemas.openxmlformats.org/presentationml/2006/main">
+<p:sld xmlns:a="http://schemas.openxmlformats.org/drawingml/2006/main" xmlns:r="http://schemas.openxmlformats.org/officeDocument/2006/relationships" xmlns:p="http://schemas.openxmlformats.org/presentationml/2006/main" show="0">
   <p:cSld>
     <p:spTree>
       <p:nvGrpSpPr>
@@ -25015,13 +24986,13 @@
   <p:clrMapOvr>
     <a:masterClrMapping/>
   </p:clrMapOvr>
-  <mc:AlternateContent xmlns:mc="http://schemas.openxmlformats.org/markup-compatibility/2006" xmlns:p14="http://schemas.microsoft.com/office/powerpoint/2010/main">
-    <mc:Choice Requires="p14">
+  <mc:AlternateContent xmlns:mc="http://schemas.openxmlformats.org/markup-compatibility/2006">
+    <mc:Choice xmlns:p14="http://schemas.microsoft.com/office/powerpoint/2010/main" Requires="p14">
       <p:transition p14:dur="250">
         <p:fade/>
       </p:transition>
     </mc:Choice>
-    <mc:Fallback xmlns="">
+    <mc:Fallback>
       <p:transition>
         <p:fade/>
       </p:transition>
@@ -32758,21 +32729,12 @@
 </file>
 
 <file path=customXml/item1.xml><?xml version="1.0" encoding="utf-8"?>
-<?mso-contentType ?>
-<FormTemplates xmlns="http://schemas.microsoft.com/sharepoint/v3/contenttype/forms">
-  <Display>DocumentLibraryForm</Display>
-  <Edit>DocumentLibraryForm</Edit>
-  <New>DocumentLibraryForm</New>
-</FormTemplates>
-</file>
-
-<file path=customXml/item2.xml><?xml version="1.0" encoding="utf-8"?>
 <p:properties xmlns:p="http://schemas.microsoft.com/office/2006/metadata/properties" xmlns:xsi="http://www.w3.org/2001/XMLSchema-instance" xmlns:pc="http://schemas.microsoft.com/office/infopath/2007/PartnerControls">
   <documentManagement/>
 </p:properties>
 </file>
 
-<file path=customXml/item3.xml><?xml version="1.0" encoding="utf-8"?>
+<file path=customXml/item2.xml><?xml version="1.0" encoding="utf-8"?>
 <ct:contentTypeSchema xmlns:ct="http://schemas.microsoft.com/office/2006/metadata/contentType" xmlns:ma="http://schemas.microsoft.com/office/2006/metadata/properties/metaAttributes" ct:_="" ma:_="" ma:contentTypeName="Document" ma:contentTypeID="0x010100565464437F680748A68B85EB6594EA7D" ma:contentTypeVersion="0" ma:contentTypeDescription="Create a new document." ma:contentTypeScope="" ma:versionID="fe3f4dd58d5914c51cfc6deaa8ad845c">
   <xsd:schema xmlns:xsd="http://www.w3.org/2001/XMLSchema" xmlns:p="http://schemas.microsoft.com/office/2006/metadata/properties" targetNamespace="http://schemas.microsoft.com/office/2006/metadata/properties" ma:root="true" ma:fieldsID="4aeb20c0e3442673af7ee10786458764">
     <xsd:element name="properties">
@@ -32821,15 +32783,16 @@
 </ct:contentTypeSchema>
 </file>
 
-<file path=customXml/itemProps1.xml><?xml version="1.0" encoding="utf-8"?>
-<ds:datastoreItem xmlns:ds="http://schemas.openxmlformats.org/officeDocument/2006/customXml" ds:itemID="{19E20559-B232-4371-8690-E3D8007EDB82}">
-  <ds:schemaRefs>
-    <ds:schemaRef ds:uri="http://schemas.microsoft.com/sharepoint/v3/contenttype/forms"/>
-  </ds:schemaRefs>
-</ds:datastoreItem>
+<file path=customXml/item3.xml><?xml version="1.0" encoding="utf-8"?>
+<?mso-contentType ?>
+<FormTemplates xmlns="http://schemas.microsoft.com/sharepoint/v3/contenttype/forms">
+  <Display>DocumentLibraryForm</Display>
+  <Edit>DocumentLibraryForm</Edit>
+  <New>DocumentLibraryForm</New>
+</FormTemplates>
 </file>
 
-<file path=customXml/itemProps2.xml><?xml version="1.0" encoding="utf-8"?>
+<file path=customXml/itemProps1.xml><?xml version="1.0" encoding="utf-8"?>
 <ds:datastoreItem xmlns:ds="http://schemas.openxmlformats.org/officeDocument/2006/customXml" ds:itemID="{A50EC660-24D0-43A0-AE5E-E274115E726B}">
   <ds:schemaRefs>
     <ds:schemaRef ds:uri="http://purl.org/dc/elements/1.1/"/>
@@ -32844,7 +32807,7 @@
 </ds:datastoreItem>
 </file>
 
-<file path=customXml/itemProps3.xml><?xml version="1.0" encoding="utf-8"?>
+<file path=customXml/itemProps2.xml><?xml version="1.0" encoding="utf-8"?>
 <ds:datastoreItem xmlns:ds="http://schemas.openxmlformats.org/officeDocument/2006/customXml" ds:itemID="{E8DB7DEB-074E-4EE8-9B6E-FD277323109C}">
   <ds:schemaRefs>
     <ds:schemaRef ds:uri="http://schemas.microsoft.com/office/2006/metadata/contentType"/>
@@ -32857,4 +32820,12 @@
     <ds:schemaRef ds:uri="http://schemas.microsoft.com/office/internal/2005/internalDocumentation"/>
   </ds:schemaRefs>
 </ds:datastoreItem>
+</file>
+
+<file path=customXml/itemProps3.xml><?xml version="1.0" encoding="utf-8"?>
+<ds:datastoreItem xmlns:ds="http://schemas.openxmlformats.org/officeDocument/2006/customXml" ds:itemID="{19E20559-B232-4371-8690-E3D8007EDB82}">
+  <ds:schemaRefs>
+    <ds:schemaRef ds:uri="http://schemas.microsoft.com/sharepoint/v3/contenttype/forms"/>
+  </ds:schemaRefs>
+</ds:datastoreItem>
 </file>
--- a/refactoring.pptx
+++ b/refactoring.pptx
@@ -12,7 +12,7 @@
   </p:handoutMasterIdLst>
   <p:sldIdLst>
     <p:sldId id="626" r:id="rId5"/>
-    <p:sldId id="657" r:id="rId6"/>
+    <p:sldId id="320" r:id="rId6"/>
     <p:sldId id="610" r:id="rId7"/>
     <p:sldId id="625" r:id="rId8"/>
     <p:sldId id="495" r:id="rId9"/>
@@ -295,7 +295,7 @@
           <a:p>
             <a:fld id="{0B842F42-2CE9-4E35-95C1-410DC08A50B1}" type="datetimeFigureOut">
               <a:rPr lang="en-US" smtClean="0"/>
-              <a:t>7/25/23</a:t>
+              <a:t>7/28/2023</a:t>
             </a:fld>
             <a:endParaRPr lang="en-US"/>
           </a:p>
@@ -460,7 +460,7 @@
           <a:p>
             <a:fld id="{6F282904-F315-4730-8D91-37D99E141A6F}" type="datetimeFigureOut">
               <a:rPr lang="en-US" smtClean="0"/>
-              <a:t>7/25/23</a:t>
+              <a:t>7/28/2023</a:t>
             </a:fld>
             <a:endParaRPr lang="en-US"/>
           </a:p>
@@ -5045,7 +5045,7 @@
           <a:p>
             <a:r>
               <a:rPr lang="en-US" u="sng" dirty="0"/>
-              <a:t>David E. Bernholdt</a:t>
+              <a:t>Anshu Dubey</a:t>
             </a:r>
             <a:r>
               <a:rPr lang="en-US" dirty="0"/>
@@ -5053,14 +5053,14 @@
             </a:r>
             <a:r>
               <a:rPr lang="en-US" sz="2000" dirty="0"/>
-              <a:t>(he/him)</a:t>
+              <a:t>(she/her)</a:t>
             </a:r>
             <a:br>
               <a:rPr lang="en-US" sz="2000" u="sng" dirty="0"/>
             </a:br>
             <a:r>
               <a:rPr lang="en-US" sz="2000" dirty="0"/>
-              <a:t>Oak Ridge National Laboratory</a:t>
+              <a:t>Argonne National Laboratory</a:t>
             </a:r>
             <a:endParaRPr lang="en-US" sz="2800" dirty="0"/>
           </a:p>
@@ -5072,14 +5072,7 @@
             </a:pPr>
             <a:r>
               <a:rPr lang="en-US" sz="2000" dirty="0"/>
-              <a:t>Better Scientific Software tutorial </a:t>
-            </a:r>
-            <a:br>
-              <a:rPr lang="en-US" sz="2000" dirty="0"/>
-            </a:br>
-            <a:r>
-              <a:rPr lang="en-US" sz="2000" dirty="0"/>
-              <a:t>@ Improving Scientific Software conference (2023)</a:t>
+              <a:t>Better Scientific Software tutorial @ NOAA Global Systems Laboratory</a:t>
             </a:r>
           </a:p>
           <a:p>
@@ -7125,6 +7118,7 @@
               <a:rPr lang="en-US" b="0" dirty="0" err="1">
                 <a:latin typeface="Consolas" panose="020B0609020204030204" pitchFamily="49" charset="0"/>
                 <a:cs typeface="Consolas" panose="020B0609020204030204" pitchFamily="49" charset="0"/>
+                <a:hlinkClick r:id="rId2"/>
               </a:rPr>
               <a:t>bssw</a:t>
             </a:r>
@@ -7132,9 +7126,14 @@
               <a:rPr lang="en-US" b="0" dirty="0">
                 <a:latin typeface="Consolas" panose="020B0609020204030204" pitchFamily="49" charset="0"/>
                 <a:cs typeface="Consolas" panose="020B0609020204030204" pitchFamily="49" charset="0"/>
+                <a:hlinkClick r:id="rId2"/>
               </a:rPr>
               <a:t>-tutorial/hello-numerical-world</a:t>
             </a:r>
+            <a:endParaRPr lang="en-US" b="0" dirty="0">
+              <a:latin typeface="Consolas" panose="020B0609020204030204" pitchFamily="49" charset="0"/>
+              <a:cs typeface="Consolas" panose="020B0609020204030204" pitchFamily="49" charset="0"/>
+            </a:endParaRPr>
           </a:p>
         </p:txBody>
       </p:sp>
@@ -9485,20 +9484,20 @@
                   <a:srgbClr val="111111"/>
                 </a:solidFill>
                 <a:effectLst/>
-                <a:latin typeface="+mn-lt"/>
+                <a:latin typeface="+mj-lt"/>
               </a:rPr>
-              <a:t>David E. Bernholdt, Patricia A. Grubel, and David M. Rogers, Better Scientific Software tutorial, in Improving Scientific Software, Boulder, Colorado and online, 2023. DOI: </a:t>
-            </a:r>
-            <a:r>
-              <a:rPr lang="en-US" sz="1600" b="0" i="0" dirty="0">
-                <a:solidFill>
-                  <a:srgbClr val="111111"/>
+              <a:t>David E. Bernholdt, Anshu Dubey, and Patricia A. Grubel, Better Scientific Software tutorial, in NOAA Global Systems Laboratory, Boulder, Colorado, 2023. DOI: </a:t>
+            </a:r>
+            <a:r>
+              <a:rPr lang="en-US" sz="1600" b="0" i="0" u="none" strike="noStrike" dirty="0">
+                <a:solidFill>
+                  <a:srgbClr val="2A7AE2"/>
                 </a:solidFill>
                 <a:effectLst/>
-                <a:latin typeface="+mn-lt"/>
+                <a:latin typeface="+mj-lt"/>
                 <a:hlinkClick r:id="rId4"/>
               </a:rPr>
-              <a:t>10.6084/m9.figshare.22179748</a:t>
+              <a:t>10.6084/m9.figshare.23796606</a:t>
             </a:r>
             <a:r>
               <a:rPr lang="en-US" sz="1600" b="0" i="0" dirty="0">
@@ -9506,7 +9505,7 @@
                   <a:srgbClr val="111111"/>
                 </a:solidFill>
                 <a:effectLst/>
-                <a:latin typeface="+mn-lt"/>
+                <a:latin typeface="+mj-lt"/>
               </a:rPr>
               <a:t>.</a:t>
             </a:r>
@@ -9679,7 +9678,7 @@
     </p:spTree>
     <p:extLst>
       <p:ext uri="{BB962C8B-B14F-4D97-AF65-F5344CB8AC3E}">
-        <p14:creationId xmlns:p14="http://schemas.microsoft.com/office/powerpoint/2010/main" val="2914642764"/>
+        <p14:creationId xmlns:p14="http://schemas.microsoft.com/office/powerpoint/2010/main" val="978726433"/>
       </p:ext>
     </p:extLst>
   </p:cSld>
@@ -14185,13 +14184,13 @@
   <p:clrMapOvr>
     <a:masterClrMapping/>
   </p:clrMapOvr>
-  <mc:AlternateContent xmlns:mc="http://schemas.openxmlformats.org/markup-compatibility/2006">
-    <mc:Choice xmlns:p14="http://schemas.microsoft.com/office/powerpoint/2010/main" Requires="p14">
+  <mc:AlternateContent xmlns:mc="http://schemas.openxmlformats.org/markup-compatibility/2006" xmlns:p14="http://schemas.microsoft.com/office/powerpoint/2010/main">
+    <mc:Choice Requires="p14">
       <p:transition p14:dur="250">
         <p:fade/>
       </p:transition>
     </mc:Choice>
-    <mc:Fallback>
+    <mc:Fallback xmlns="">
       <p:transition>
         <p:fade/>
       </p:transition>
@@ -16300,13 +16299,13 @@
   <p:clrMapOvr>
     <a:masterClrMapping/>
   </p:clrMapOvr>
-  <mc:AlternateContent xmlns:mc="http://schemas.openxmlformats.org/markup-compatibility/2006">
-    <mc:Choice xmlns:p14="http://schemas.microsoft.com/office/powerpoint/2010/main" Requires="p14">
+  <mc:AlternateContent xmlns:mc="http://schemas.openxmlformats.org/markup-compatibility/2006" xmlns:p14="http://schemas.microsoft.com/office/powerpoint/2010/main">
+    <mc:Choice Requires="p14">
       <p:transition p14:dur="250">
         <p:fade/>
       </p:transition>
     </mc:Choice>
-    <mc:Fallback>
+    <mc:Fallback xmlns="">
       <p:transition>
         <p:fade/>
       </p:transition>
@@ -16805,13 +16804,13 @@
   <p:clrMapOvr>
     <a:masterClrMapping/>
   </p:clrMapOvr>
-  <mc:AlternateContent xmlns:mc="http://schemas.openxmlformats.org/markup-compatibility/2006">
-    <mc:Choice xmlns:p14="http://schemas.microsoft.com/office/powerpoint/2010/main" Requires="p14">
+  <mc:AlternateContent xmlns:mc="http://schemas.openxmlformats.org/markup-compatibility/2006" xmlns:p14="http://schemas.microsoft.com/office/powerpoint/2010/main">
+    <mc:Choice Requires="p14">
       <p:transition p14:dur="250">
         <p:fade/>
       </p:transition>
     </mc:Choice>
-    <mc:Fallback>
+    <mc:Fallback xmlns="">
       <p:transition>
         <p:fade/>
       </p:transition>
@@ -17629,13 +17628,13 @@
   <p:clrMapOvr>
     <a:masterClrMapping/>
   </p:clrMapOvr>
-  <mc:AlternateContent xmlns:mc="http://schemas.openxmlformats.org/markup-compatibility/2006">
-    <mc:Choice xmlns:p14="http://schemas.microsoft.com/office/powerpoint/2010/main" Requires="p14">
+  <mc:AlternateContent xmlns:mc="http://schemas.openxmlformats.org/markup-compatibility/2006" xmlns:p14="http://schemas.microsoft.com/office/powerpoint/2010/main">
+    <mc:Choice Requires="p14">
       <p:transition p14:dur="250">
         <p:fade/>
       </p:transition>
     </mc:Choice>
-    <mc:Fallback>
+    <mc:Fallback xmlns="">
       <p:transition>
         <p:fade/>
       </p:transition>
@@ -18687,13 +18686,13 @@
   <p:clrMapOvr>
     <a:masterClrMapping/>
   </p:clrMapOvr>
-  <mc:AlternateContent xmlns:mc="http://schemas.openxmlformats.org/markup-compatibility/2006">
-    <mc:Choice xmlns:p14="http://schemas.microsoft.com/office/powerpoint/2010/main" Requires="p14">
+  <mc:AlternateContent xmlns:mc="http://schemas.openxmlformats.org/markup-compatibility/2006" xmlns:p14="http://schemas.microsoft.com/office/powerpoint/2010/main">
+    <mc:Choice Requires="p14">
       <p:transition p14:dur="250">
         <p:fade/>
       </p:transition>
     </mc:Choice>
-    <mc:Fallback>
+    <mc:Fallback xmlns="">
       <p:transition>
         <p:fade/>
       </p:transition>
@@ -19996,13 +19995,13 @@
   <p:clrMapOvr>
     <a:masterClrMapping/>
   </p:clrMapOvr>
-  <mc:AlternateContent xmlns:mc="http://schemas.openxmlformats.org/markup-compatibility/2006">
-    <mc:Choice xmlns:p14="http://schemas.microsoft.com/office/powerpoint/2010/main" Requires="p14">
+  <mc:AlternateContent xmlns:mc="http://schemas.openxmlformats.org/markup-compatibility/2006" xmlns:p14="http://schemas.microsoft.com/office/powerpoint/2010/main">
+    <mc:Choice Requires="p14">
       <p:transition p14:dur="250">
         <p:fade/>
       </p:transition>
     </mc:Choice>
-    <mc:Fallback>
+    <mc:Fallback xmlns="">
       <p:transition>
         <p:fade/>
       </p:transition>
@@ -22099,13 +22098,13 @@
   <p:clrMapOvr>
     <a:masterClrMapping/>
   </p:clrMapOvr>
-  <mc:AlternateContent xmlns:mc="http://schemas.openxmlformats.org/markup-compatibility/2006">
-    <mc:Choice xmlns:p14="http://schemas.microsoft.com/office/powerpoint/2010/main" Requires="p14">
+  <mc:AlternateContent xmlns:mc="http://schemas.openxmlformats.org/markup-compatibility/2006" xmlns:p14="http://schemas.microsoft.com/office/powerpoint/2010/main">
+    <mc:Choice Requires="p14">
       <p:transition p14:dur="250">
         <p:fade/>
       </p:transition>
     </mc:Choice>
-    <mc:Fallback>
+    <mc:Fallback xmlns="">
       <p:transition>
         <p:fade/>
       </p:transition>
@@ -24986,13 +24985,13 @@
   <p:clrMapOvr>
     <a:masterClrMapping/>
   </p:clrMapOvr>
-  <mc:AlternateContent xmlns:mc="http://schemas.openxmlformats.org/markup-compatibility/2006">
-    <mc:Choice xmlns:p14="http://schemas.microsoft.com/office/powerpoint/2010/main" Requires="p14">
+  <mc:AlternateContent xmlns:mc="http://schemas.openxmlformats.org/markup-compatibility/2006" xmlns:p14="http://schemas.microsoft.com/office/powerpoint/2010/main">
+    <mc:Choice Requires="p14">
       <p:transition p14:dur="250">
         <p:fade/>
       </p:transition>
     </mc:Choice>
-    <mc:Fallback>
+    <mc:Fallback xmlns="">
       <p:transition>
         <p:fade/>
       </p:transition>
@@ -32729,12 +32728,6 @@
 </file>
 
 <file path=customXml/item1.xml><?xml version="1.0" encoding="utf-8"?>
-<p:properties xmlns:p="http://schemas.microsoft.com/office/2006/metadata/properties" xmlns:xsi="http://www.w3.org/2001/XMLSchema-instance" xmlns:pc="http://schemas.microsoft.com/office/infopath/2007/PartnerControls">
-  <documentManagement/>
-</p:properties>
-</file>
-
-<file path=customXml/item2.xml><?xml version="1.0" encoding="utf-8"?>
 <ct:contentTypeSchema xmlns:ct="http://schemas.microsoft.com/office/2006/metadata/contentType" xmlns:ma="http://schemas.microsoft.com/office/2006/metadata/properties/metaAttributes" ct:_="" ma:_="" ma:contentTypeName="Document" ma:contentTypeID="0x010100565464437F680748A68B85EB6594EA7D" ma:contentTypeVersion="0" ma:contentTypeDescription="Create a new document." ma:contentTypeScope="" ma:versionID="fe3f4dd58d5914c51cfc6deaa8ad845c">
   <xsd:schema xmlns:xsd="http://www.w3.org/2001/XMLSchema" xmlns:p="http://schemas.microsoft.com/office/2006/metadata/properties" targetNamespace="http://schemas.microsoft.com/office/2006/metadata/properties" ma:root="true" ma:fieldsID="4aeb20c0e3442673af7ee10786458764">
     <xsd:element name="properties">
@@ -32783,7 +32776,7 @@
 </ct:contentTypeSchema>
 </file>
 
-<file path=customXml/item3.xml><?xml version="1.0" encoding="utf-8"?>
+<file path=customXml/item2.xml><?xml version="1.0" encoding="utf-8"?>
 <?mso-contentType ?>
 <FormTemplates xmlns="http://schemas.microsoft.com/sharepoint/v3/contenttype/forms">
   <Display>DocumentLibraryForm</Display>
@@ -32792,22 +32785,13 @@
 </FormTemplates>
 </file>
 
-<file path=customXml/itemProps1.xml><?xml version="1.0" encoding="utf-8"?>
-<ds:datastoreItem xmlns:ds="http://schemas.openxmlformats.org/officeDocument/2006/customXml" ds:itemID="{A50EC660-24D0-43A0-AE5E-E274115E726B}">
-  <ds:schemaRefs>
-    <ds:schemaRef ds:uri="http://purl.org/dc/elements/1.1/"/>
-    <ds:schemaRef ds:uri="http://schemas.microsoft.com/office/2006/metadata/properties"/>
-    <ds:schemaRef ds:uri="http://purl.org/dc/terms/"/>
-    <ds:schemaRef ds:uri="http://schemas.openxmlformats.org/package/2006/metadata/core-properties"/>
-    <ds:schemaRef ds:uri="http://schemas.microsoft.com/office/2006/documentManagement/types"/>
-    <ds:schemaRef ds:uri="http://www.w3.org/XML/1998/namespace"/>
-    <ds:schemaRef ds:uri="http://purl.org/dc/dcmitype/"/>
-    <ds:schemaRef ds:uri="http://schemas.microsoft.com/office/infopath/2007/PartnerControls"/>
-  </ds:schemaRefs>
-</ds:datastoreItem>
+<file path=customXml/item3.xml><?xml version="1.0" encoding="utf-8"?>
+<p:properties xmlns:p="http://schemas.microsoft.com/office/2006/metadata/properties" xmlns:xsi="http://www.w3.org/2001/XMLSchema-instance" xmlns:pc="http://schemas.microsoft.com/office/infopath/2007/PartnerControls">
+  <documentManagement/>
+</p:properties>
 </file>
 
-<file path=customXml/itemProps2.xml><?xml version="1.0" encoding="utf-8"?>
+<file path=customXml/itemProps1.xml><?xml version="1.0" encoding="utf-8"?>
 <ds:datastoreItem xmlns:ds="http://schemas.openxmlformats.org/officeDocument/2006/customXml" ds:itemID="{E8DB7DEB-074E-4EE8-9B6E-FD277323109C}">
   <ds:schemaRefs>
     <ds:schemaRef ds:uri="http://schemas.microsoft.com/office/2006/metadata/contentType"/>
@@ -32822,10 +32806,25 @@
 </ds:datastoreItem>
 </file>
 
-<file path=customXml/itemProps3.xml><?xml version="1.0" encoding="utf-8"?>
+<file path=customXml/itemProps2.xml><?xml version="1.0" encoding="utf-8"?>
 <ds:datastoreItem xmlns:ds="http://schemas.openxmlformats.org/officeDocument/2006/customXml" ds:itemID="{19E20559-B232-4371-8690-E3D8007EDB82}">
   <ds:schemaRefs>
     <ds:schemaRef ds:uri="http://schemas.microsoft.com/sharepoint/v3/contenttype/forms"/>
   </ds:schemaRefs>
 </ds:datastoreItem>
+</file>
+
+<file path=customXml/itemProps3.xml><?xml version="1.0" encoding="utf-8"?>
+<ds:datastoreItem xmlns:ds="http://schemas.openxmlformats.org/officeDocument/2006/customXml" ds:itemID="{A50EC660-24D0-43A0-AE5E-E274115E726B}">
+  <ds:schemaRefs>
+    <ds:schemaRef ds:uri="http://purl.org/dc/elements/1.1/"/>
+    <ds:schemaRef ds:uri="http://schemas.microsoft.com/office/2006/metadata/properties"/>
+    <ds:schemaRef ds:uri="http://purl.org/dc/terms/"/>
+    <ds:schemaRef ds:uri="http://schemas.openxmlformats.org/package/2006/metadata/core-properties"/>
+    <ds:schemaRef ds:uri="http://schemas.microsoft.com/office/2006/documentManagement/types"/>
+    <ds:schemaRef ds:uri="http://www.w3.org/XML/1998/namespace"/>
+    <ds:schemaRef ds:uri="http://purl.org/dc/dcmitype/"/>
+    <ds:schemaRef ds:uri="http://schemas.microsoft.com/office/infopath/2007/PartnerControls"/>
+  </ds:schemaRefs>
+</ds:datastoreItem>
 </file>
--- a/refactoring.pptx
+++ b/refactoring.pptx
@@ -5,53 +5,52 @@
     <p:sldMasterId id="2147483935" r:id="rId4"/>
   </p:sldMasterIdLst>
   <p:notesMasterIdLst>
-    <p:notesMasterId r:id="rId46"/>
+    <p:notesMasterId r:id="rId45"/>
   </p:notesMasterIdLst>
   <p:handoutMasterIdLst>
-    <p:handoutMasterId r:id="rId47"/>
+    <p:handoutMasterId r:id="rId46"/>
   </p:handoutMasterIdLst>
   <p:sldIdLst>
     <p:sldId id="626" r:id="rId5"/>
-    <p:sldId id="320" r:id="rId6"/>
-    <p:sldId id="610" r:id="rId7"/>
-    <p:sldId id="625" r:id="rId8"/>
-    <p:sldId id="495" r:id="rId9"/>
-    <p:sldId id="636" r:id="rId10"/>
-    <p:sldId id="639" r:id="rId11"/>
-    <p:sldId id="640" r:id="rId12"/>
-    <p:sldId id="603" r:id="rId13"/>
-    <p:sldId id="607" r:id="rId14"/>
-    <p:sldId id="586" r:id="rId15"/>
-    <p:sldId id="297" r:id="rId16"/>
-    <p:sldId id="628" r:id="rId17"/>
-    <p:sldId id="633" r:id="rId18"/>
-    <p:sldId id="605" r:id="rId19"/>
-    <p:sldId id="624" r:id="rId20"/>
-    <p:sldId id="617" r:id="rId21"/>
-    <p:sldId id="618" r:id="rId22"/>
-    <p:sldId id="623" r:id="rId23"/>
-    <p:sldId id="651" r:id="rId24"/>
-    <p:sldId id="650" r:id="rId25"/>
-    <p:sldId id="619" r:id="rId26"/>
-    <p:sldId id="266" r:id="rId27"/>
-    <p:sldId id="585" r:id="rId28"/>
-    <p:sldId id="641" r:id="rId29"/>
-    <p:sldId id="644" r:id="rId30"/>
-    <p:sldId id="652" r:id="rId31"/>
-    <p:sldId id="643" r:id="rId32"/>
-    <p:sldId id="658" r:id="rId33"/>
-    <p:sldId id="653" r:id="rId34"/>
-    <p:sldId id="654" r:id="rId35"/>
-    <p:sldId id="655" r:id="rId36"/>
-    <p:sldId id="656" r:id="rId37"/>
-    <p:sldId id="629" r:id="rId38"/>
-    <p:sldId id="647" r:id="rId39"/>
-    <p:sldId id="648" r:id="rId40"/>
-    <p:sldId id="630" r:id="rId41"/>
-    <p:sldId id="631" r:id="rId42"/>
-    <p:sldId id="649" r:id="rId43"/>
-    <p:sldId id="632" r:id="rId44"/>
-    <p:sldId id="634" r:id="rId45"/>
+    <p:sldId id="610" r:id="rId6"/>
+    <p:sldId id="625" r:id="rId7"/>
+    <p:sldId id="495" r:id="rId8"/>
+    <p:sldId id="636" r:id="rId9"/>
+    <p:sldId id="639" r:id="rId10"/>
+    <p:sldId id="640" r:id="rId11"/>
+    <p:sldId id="603" r:id="rId12"/>
+    <p:sldId id="607" r:id="rId13"/>
+    <p:sldId id="586" r:id="rId14"/>
+    <p:sldId id="297" r:id="rId15"/>
+    <p:sldId id="628" r:id="rId16"/>
+    <p:sldId id="633" r:id="rId17"/>
+    <p:sldId id="605" r:id="rId18"/>
+    <p:sldId id="624" r:id="rId19"/>
+    <p:sldId id="617" r:id="rId20"/>
+    <p:sldId id="618" r:id="rId21"/>
+    <p:sldId id="623" r:id="rId22"/>
+    <p:sldId id="651" r:id="rId23"/>
+    <p:sldId id="650" r:id="rId24"/>
+    <p:sldId id="619" r:id="rId25"/>
+    <p:sldId id="641" r:id="rId26"/>
+    <p:sldId id="644" r:id="rId27"/>
+    <p:sldId id="652" r:id="rId28"/>
+    <p:sldId id="643" r:id="rId29"/>
+    <p:sldId id="658" r:id="rId30"/>
+    <p:sldId id="653" r:id="rId31"/>
+    <p:sldId id="654" r:id="rId32"/>
+    <p:sldId id="655" r:id="rId33"/>
+    <p:sldId id="656" r:id="rId34"/>
+    <p:sldId id="266" r:id="rId35"/>
+    <p:sldId id="659" r:id="rId36"/>
+    <p:sldId id="629" r:id="rId37"/>
+    <p:sldId id="647" r:id="rId38"/>
+    <p:sldId id="648" r:id="rId39"/>
+    <p:sldId id="630" r:id="rId40"/>
+    <p:sldId id="631" r:id="rId41"/>
+    <p:sldId id="649" r:id="rId42"/>
+    <p:sldId id="632" r:id="rId43"/>
+    <p:sldId id="634" r:id="rId44"/>
   </p:sldIdLst>
   <p:sldSz cx="12188825" cy="6858000"/>
   <p:notesSz cx="7010400" cy="9296400"/>
@@ -295,7 +294,7 @@
           <a:p>
             <a:fld id="{0B842F42-2CE9-4E35-95C1-410DC08A50B1}" type="datetimeFigureOut">
               <a:rPr lang="en-US" smtClean="0"/>
-              <a:t>7/28/2023</a:t>
+              <a:t>8/2/23</a:t>
             </a:fld>
             <a:endParaRPr lang="en-US"/>
           </a:p>
@@ -460,7 +459,7 @@
           <a:p>
             <a:fld id="{6F282904-F315-4730-8D91-37D99E141A6F}" type="datetimeFigureOut">
               <a:rPr lang="en-US" smtClean="0"/>
-              <a:t>7/28/2023</a:t>
+              <a:t>8/2/23</a:t>
             </a:fld>
             <a:endParaRPr lang="en-US"/>
           </a:p>
@@ -1173,7 +1172,7 @@
           <a:p>
             <a:fld id="{A546EF7F-2180-5947-8246-D3E867E2B048}" type="slidenum">
               <a:rPr lang="en-US" smtClean="0"/>
-              <a:t>12</a:t>
+              <a:t>11</a:t>
             </a:fld>
             <a:endParaRPr lang="en-US"/>
           </a:p>
@@ -1262,7 +1261,7 @@
           <a:p>
             <a:fld id="{A546EF7F-2180-5947-8246-D3E867E2B048}" type="slidenum">
               <a:rPr lang="en-US" smtClean="0"/>
-              <a:t>13</a:t>
+              <a:t>12</a:t>
             </a:fld>
             <a:endParaRPr lang="en-US"/>
           </a:p>
@@ -1351,7 +1350,7 @@
           <a:p>
             <a:fld id="{A546EF7F-2180-5947-8246-D3E867E2B048}" type="slidenum">
               <a:rPr lang="en-US" smtClean="0"/>
-              <a:t>14</a:t>
+              <a:t>13</a:t>
             </a:fld>
             <a:endParaRPr lang="en-US"/>
           </a:p>
@@ -1438,7 +1437,7 @@
           <a:p>
             <a:fld id="{3EAA7A1A-8011-3A42-91B8-EE1BD44E4455}" type="slidenum">
               <a:rPr lang="en-US" smtClean="0"/>
-              <a:t>23</a:t>
+              <a:t>31</a:t>
             </a:fld>
             <a:endParaRPr lang="en-US"/>
           </a:p>
@@ -1448,6 +1447,93 @@
     <p:extLst>
       <p:ext uri="{BB962C8B-B14F-4D97-AF65-F5344CB8AC3E}">
         <p14:creationId xmlns:p14="http://schemas.microsoft.com/office/powerpoint/2010/main" val="3940970343"/>
+      </p:ext>
+    </p:extLst>
+  </p:cSld>
+  <p:clrMapOvr>
+    <a:masterClrMapping/>
+  </p:clrMapOvr>
+</p:notes>
+</file>
+
+<file path=ppt/notesSlides/notesSlide9.xml><?xml version="1.0" encoding="utf-8"?>
+<p:notes xmlns:a="http://schemas.openxmlformats.org/drawingml/2006/main" xmlns:r="http://schemas.openxmlformats.org/officeDocument/2006/relationships" xmlns:p="http://schemas.openxmlformats.org/presentationml/2006/main">
+  <p:cSld>
+    <p:spTree>
+      <p:nvGrpSpPr>
+        <p:cNvPr id="1" name=""/>
+        <p:cNvGrpSpPr/>
+        <p:nvPr/>
+      </p:nvGrpSpPr>
+      <p:grpSpPr>
+        <a:xfrm>
+          <a:off x="0" y="0"/>
+          <a:ext cx="0" cy="0"/>
+          <a:chOff x="0" y="0"/>
+          <a:chExt cx="0" cy="0"/>
+        </a:xfrm>
+      </p:grpSpPr>
+      <p:sp>
+        <p:nvSpPr>
+          <p:cNvPr id="2" name="Slide Image Placeholder 1"/>
+          <p:cNvSpPr>
+            <a:spLocks noGrp="1" noRot="1" noChangeAspect="1"/>
+          </p:cNvSpPr>
+          <p:nvPr>
+            <p:ph type="sldImg"/>
+          </p:nvPr>
+        </p:nvSpPr>
+        <p:spPr/>
+      </p:sp>
+      <p:sp>
+        <p:nvSpPr>
+          <p:cNvPr id="3" name="Notes Placeholder 2"/>
+          <p:cNvSpPr>
+            <a:spLocks noGrp="1"/>
+          </p:cNvSpPr>
+          <p:nvPr>
+            <p:ph type="body" idx="1"/>
+          </p:nvPr>
+        </p:nvSpPr>
+        <p:spPr/>
+        <p:txBody>
+          <a:bodyPr/>
+          <a:lstStyle/>
+          <a:p>
+            <a:r>
+              <a:rPr lang="en-US" dirty="0"/>
+              <a:t>Can point out that this graphic show the need to update the tree - two AMR implementations required a new AMR subfolder.</a:t>
+            </a:r>
+          </a:p>
+        </p:txBody>
+      </p:sp>
+      <p:sp>
+        <p:nvSpPr>
+          <p:cNvPr id="4" name="Slide Number Placeholder 3"/>
+          <p:cNvSpPr>
+            <a:spLocks noGrp="1"/>
+          </p:cNvSpPr>
+          <p:nvPr>
+            <p:ph type="sldNum" sz="quarter" idx="5"/>
+          </p:nvPr>
+        </p:nvSpPr>
+        <p:spPr/>
+        <p:txBody>
+          <a:bodyPr/>
+          <a:lstStyle/>
+          <a:p>
+            <a:fld id="{3EAA7A1A-8011-3A42-91B8-EE1BD44E4455}" type="slidenum">
+              <a:rPr lang="en-US" smtClean="0"/>
+              <a:t>32</a:t>
+            </a:fld>
+            <a:endParaRPr lang="en-US"/>
+          </a:p>
+        </p:txBody>
+      </p:sp>
+    </p:spTree>
+    <p:extLst>
+      <p:ext uri="{BB962C8B-B14F-4D97-AF65-F5344CB8AC3E}">
+        <p14:creationId xmlns:p14="http://schemas.microsoft.com/office/powerpoint/2010/main" val="2027609467"/>
       </p:ext>
     </p:extLst>
   </p:cSld>
@@ -5072,7 +5158,7 @@
             </a:pPr>
             <a:r>
               <a:rPr lang="en-US" sz="2000" dirty="0"/>
-              <a:t>Better Scientific Software tutorial @ NOAA Global Systems Laboratory</a:t>
+              <a:t>@ ATPESC (2023)</a:t>
             </a:r>
           </a:p>
           <a:p>
@@ -5106,398 +5192,6 @@
 </file>
 
 <file path=ppt/slides/slide10.xml><?xml version="1.0" encoding="utf-8"?>
-<p:sld xmlns:a="http://schemas.openxmlformats.org/drawingml/2006/main" xmlns:r="http://schemas.openxmlformats.org/officeDocument/2006/relationships" xmlns:p="http://schemas.openxmlformats.org/presentationml/2006/main">
-  <p:cSld>
-    <p:spTree>
-      <p:nvGrpSpPr>
-        <p:cNvPr id="1" name=""/>
-        <p:cNvGrpSpPr/>
-        <p:nvPr/>
-      </p:nvGrpSpPr>
-      <p:grpSpPr>
-        <a:xfrm>
-          <a:off x="0" y="0"/>
-          <a:ext cx="0" cy="0"/>
-          <a:chOff x="0" y="0"/>
-          <a:chExt cx="0" cy="0"/>
-        </a:xfrm>
-      </p:grpSpPr>
-      <p:sp>
-        <p:nvSpPr>
-          <p:cNvPr id="3" name="Content Placeholder 2"/>
-          <p:cNvSpPr>
-            <a:spLocks noGrp="1"/>
-          </p:cNvSpPr>
-          <p:nvPr>
-            <p:ph idx="1"/>
-          </p:nvPr>
-        </p:nvSpPr>
-        <p:spPr>
-          <a:xfrm>
-            <a:off x="609442" y="1309227"/>
-            <a:ext cx="11160961" cy="4422776"/>
-          </a:xfrm>
-        </p:spPr>
-        <p:txBody>
-          <a:bodyPr/>
-          <a:lstStyle/>
-          <a:p>
-            <a:r>
-              <a:rPr lang="en-US" dirty="0"/>
-              <a:t>Know why you are refactoring</a:t>
-            </a:r>
-          </a:p>
-          <a:p>
-            <a:pPr lvl="1"/>
-            <a:r>
-              <a:rPr lang="en-US" dirty="0"/>
-              <a:t>Is it necessary </a:t>
-            </a:r>
-          </a:p>
-          <a:p>
-            <a:pPr lvl="1"/>
-            <a:r>
-              <a:rPr lang="en-US" dirty="0"/>
-              <a:t>Where should the code be after refactoring</a:t>
-            </a:r>
-          </a:p>
-          <a:p>
-            <a:pPr lvl="2"/>
-            <a:endParaRPr lang="en-US" dirty="0"/>
-          </a:p>
-        </p:txBody>
-      </p:sp>
-      <p:sp>
-        <p:nvSpPr>
-          <p:cNvPr id="2" name="Title 1"/>
-          <p:cNvSpPr>
-            <a:spLocks noGrp="1"/>
-          </p:cNvSpPr>
-          <p:nvPr>
-            <p:ph type="title"/>
-          </p:nvPr>
-        </p:nvSpPr>
-        <p:spPr/>
-        <p:txBody>
-          <a:bodyPr/>
-          <a:lstStyle/>
-          <a:p>
-            <a:r>
-              <a:rPr lang="en-US" dirty="0"/>
-              <a:t>Considerations for Refactoring</a:t>
-            </a:r>
-          </a:p>
-        </p:txBody>
-      </p:sp>
-      <p:sp>
-        <p:nvSpPr>
-          <p:cNvPr id="16" name="Content Placeholder 2">
-            <a:extLst>
-              <a:ext uri="{FF2B5EF4-FFF2-40B4-BE49-F238E27FC236}">
-                <a16:creationId xmlns:a16="http://schemas.microsoft.com/office/drawing/2014/main" id="{FFC7FCAD-8E94-314F-B0F0-99AD91CFCBE4}"/>
-              </a:ext>
-            </a:extLst>
-          </p:cNvPr>
-          <p:cNvSpPr txBox="1">
-            <a:spLocks/>
-          </p:cNvSpPr>
-          <p:nvPr/>
-        </p:nvSpPr>
-        <p:spPr bwMode="auto">
-          <a:xfrm>
-            <a:off x="703690" y="2559949"/>
-            <a:ext cx="7886517" cy="3016603"/>
-          </a:xfrm>
-          <a:prstGeom prst="rect">
-            <a:avLst/>
-          </a:prstGeom>
-          <a:noFill/>
-          <a:ln w="9525">
-            <a:noFill/>
-            <a:miter lim="800000"/>
-            <a:headEnd/>
-            <a:tailEnd/>
-          </a:ln>
-        </p:spPr>
-        <p:txBody>
-          <a:bodyPr vert="horz" wrap="square" lIns="91440" tIns="45720" rIns="91440" bIns="45720" numCol="1" anchor="t" anchorCtr="0" compatLnSpc="1">
-            <a:prstTxWarp prst="textNoShape">
-              <a:avLst/>
-            </a:prstTxWarp>
-            <a:normAutofit fontScale="92500" lnSpcReduction="10000"/>
-          </a:bodyPr>
-          <a:lstStyle>
-            <a:lvl1pPr marL="230188" indent="-230188" algn="l" rtl="0" eaLnBrk="1" fontAlgn="base" hangingPunct="1">
-              <a:lnSpc>
-                <a:spcPct val="90000"/>
-              </a:lnSpc>
-              <a:spcBef>
-                <a:spcPts val="1400"/>
-              </a:spcBef>
-              <a:spcAft>
-                <a:spcPct val="0"/>
-              </a:spcAft>
-              <a:buClr>
-                <a:schemeClr val="tx1"/>
-              </a:buClr>
-              <a:buFont typeface="Arial" charset="0"/>
-              <a:buChar char="•"/>
-              <a:defRPr sz="2400" kern="1200" baseline="0">
-                <a:solidFill>
-                  <a:schemeClr val="tx1"/>
-                </a:solidFill>
-                <a:latin typeface="+mn-lt"/>
-                <a:ea typeface="+mn-ea"/>
-                <a:cs typeface="+mn-cs"/>
-              </a:defRPr>
-            </a:lvl1pPr>
-            <a:lvl2pPr marL="625475" indent="-279400" algn="l" rtl="0" eaLnBrk="1" fontAlgn="base" hangingPunct="1">
-              <a:lnSpc>
-                <a:spcPct val="90000"/>
-              </a:lnSpc>
-              <a:spcBef>
-                <a:spcPts val="800"/>
-              </a:spcBef>
-              <a:spcAft>
-                <a:spcPct val="0"/>
-              </a:spcAft>
-              <a:buClr>
-                <a:schemeClr val="tx1"/>
-              </a:buClr>
-              <a:buFont typeface="Arial" charset="0"/>
-              <a:buChar char="–"/>
-              <a:defRPr sz="2000" kern="1200">
-                <a:solidFill>
-                  <a:schemeClr val="tx1"/>
-                </a:solidFill>
-                <a:latin typeface="+mn-lt"/>
-                <a:ea typeface="+mn-ea"/>
-                <a:cs typeface="+mn-cs"/>
-              </a:defRPr>
-            </a:lvl2pPr>
-            <a:lvl3pPr marL="914400" indent="-230188" algn="l" rtl="0" eaLnBrk="1" fontAlgn="base" hangingPunct="1">
-              <a:lnSpc>
-                <a:spcPct val="90000"/>
-              </a:lnSpc>
-              <a:spcBef>
-                <a:spcPts val="800"/>
-              </a:spcBef>
-              <a:spcAft>
-                <a:spcPct val="0"/>
-              </a:spcAft>
-              <a:buClr>
-                <a:schemeClr val="tx1"/>
-              </a:buClr>
-              <a:buFont typeface="Arial" charset="0"/>
-              <a:buChar char="•"/>
-              <a:defRPr sz="1800" kern="1200">
-                <a:solidFill>
-                  <a:schemeClr val="tx1"/>
-                </a:solidFill>
-                <a:latin typeface="+mn-lt"/>
-                <a:ea typeface="+mn-ea"/>
-                <a:cs typeface="+mn-cs"/>
-              </a:defRPr>
-            </a:lvl3pPr>
-            <a:lvl4pPr marL="1144588" indent="-173038" algn="l" rtl="0" eaLnBrk="1" fontAlgn="base" hangingPunct="1">
-              <a:lnSpc>
-                <a:spcPct val="90000"/>
-              </a:lnSpc>
-              <a:spcBef>
-                <a:spcPts val="800"/>
-              </a:spcBef>
-              <a:spcAft>
-                <a:spcPct val="0"/>
-              </a:spcAft>
-              <a:buClr>
-                <a:schemeClr val="tx1"/>
-              </a:buClr>
-              <a:buFont typeface="Arial" charset="0"/>
-              <a:buChar char="–"/>
-              <a:defRPr sz="1600" kern="1200">
-                <a:solidFill>
-                  <a:schemeClr val="tx1"/>
-                </a:solidFill>
-                <a:latin typeface="+mn-lt"/>
-                <a:ea typeface="+mn-ea"/>
-                <a:cs typeface="+mn-cs"/>
-              </a:defRPr>
-            </a:lvl4pPr>
-            <a:lvl5pPr marL="1482725" indent="-222250" algn="l" rtl="0" eaLnBrk="1" fontAlgn="base" hangingPunct="1">
-              <a:lnSpc>
-                <a:spcPct val="90000"/>
-              </a:lnSpc>
-              <a:spcBef>
-                <a:spcPts val="600"/>
-              </a:spcBef>
-              <a:spcAft>
-                <a:spcPct val="0"/>
-              </a:spcAft>
-              <a:buClr>
-                <a:schemeClr val="tx1"/>
-              </a:buClr>
-              <a:buFont typeface="Arial" charset="0"/>
-              <a:buChar char="»"/>
-              <a:defRPr sz="1600" kern="1200">
-                <a:solidFill>
-                  <a:schemeClr val="tx1"/>
-                </a:solidFill>
-                <a:latin typeface="+mn-lt"/>
-                <a:ea typeface="+mn-ea"/>
-                <a:cs typeface="+mn-cs"/>
-              </a:defRPr>
-            </a:lvl5pPr>
-            <a:lvl6pPr marL="2514600" indent="-228600" algn="l" defTabSz="914400" rtl="0" eaLnBrk="1" latinLnBrk="0" hangingPunct="1">
-              <a:spcBef>
-                <a:spcPct val="20000"/>
-              </a:spcBef>
-              <a:buFont typeface="Arial" pitchFamily="34" charset="0"/>
-              <a:buChar char="•"/>
-              <a:defRPr sz="2000" kern="1200">
-                <a:solidFill>
-                  <a:schemeClr val="tx1"/>
-                </a:solidFill>
-                <a:latin typeface="+mn-lt"/>
-                <a:ea typeface="+mn-ea"/>
-                <a:cs typeface="+mn-cs"/>
-              </a:defRPr>
-            </a:lvl6pPr>
-            <a:lvl7pPr marL="2971800" indent="-228600" algn="l" defTabSz="914400" rtl="0" eaLnBrk="1" latinLnBrk="0" hangingPunct="1">
-              <a:spcBef>
-                <a:spcPct val="20000"/>
-              </a:spcBef>
-              <a:buFont typeface="Arial" pitchFamily="34" charset="0"/>
-              <a:buChar char="•"/>
-              <a:defRPr sz="2000" kern="1200">
-                <a:solidFill>
-                  <a:schemeClr val="tx1"/>
-                </a:solidFill>
-                <a:latin typeface="+mn-lt"/>
-                <a:ea typeface="+mn-ea"/>
-                <a:cs typeface="+mn-cs"/>
-              </a:defRPr>
-            </a:lvl7pPr>
-            <a:lvl8pPr marL="3429000" indent="-228600" algn="l" defTabSz="914400" rtl="0" eaLnBrk="1" latinLnBrk="0" hangingPunct="1">
-              <a:spcBef>
-                <a:spcPct val="20000"/>
-              </a:spcBef>
-              <a:buFont typeface="Arial" pitchFamily="34" charset="0"/>
-              <a:buChar char="•"/>
-              <a:defRPr sz="2000" kern="1200">
-                <a:solidFill>
-                  <a:schemeClr val="tx1"/>
-                </a:solidFill>
-                <a:latin typeface="+mn-lt"/>
-                <a:ea typeface="+mn-ea"/>
-                <a:cs typeface="+mn-cs"/>
-              </a:defRPr>
-            </a:lvl8pPr>
-            <a:lvl9pPr marL="3886200" indent="-228600" algn="l" defTabSz="914400" rtl="0" eaLnBrk="1" latinLnBrk="0" hangingPunct="1">
-              <a:spcBef>
-                <a:spcPct val="20000"/>
-              </a:spcBef>
-              <a:buFont typeface="Arial" pitchFamily="34" charset="0"/>
-              <a:buChar char="•"/>
-              <a:defRPr sz="2000" kern="1200">
-                <a:solidFill>
-                  <a:schemeClr val="tx1"/>
-                </a:solidFill>
-                <a:latin typeface="+mn-lt"/>
-                <a:ea typeface="+mn-ea"/>
-                <a:cs typeface="+mn-cs"/>
-              </a:defRPr>
-            </a:lvl9pPr>
-          </a:lstStyle>
-          <a:p>
-            <a:r>
-              <a:rPr lang="en-US" dirty="0"/>
-              <a:t>In heat example version 1</a:t>
-            </a:r>
-          </a:p>
-          <a:p>
-            <a:pPr lvl="1"/>
-            <a:r>
-              <a:rPr lang="en-US" dirty="0"/>
-              <a:t>It is necessary because</a:t>
-            </a:r>
-          </a:p>
-          <a:p>
-            <a:pPr lvl="2"/>
-            <a:r>
-              <a:rPr lang="en-US" dirty="0"/>
-              <a:t>It is a monolithic code</a:t>
-            </a:r>
-          </a:p>
-          <a:p>
-            <a:pPr lvl="2"/>
-            <a:r>
-              <a:rPr lang="en-US" dirty="0"/>
-              <a:t>No reusability of any part of the code</a:t>
-            </a:r>
-          </a:p>
-          <a:p>
-            <a:pPr lvl="2"/>
-            <a:r>
-              <a:rPr lang="en-US" dirty="0"/>
-              <a:t>Devising tests is hard</a:t>
-            </a:r>
-          </a:p>
-          <a:p>
-            <a:pPr lvl="2"/>
-            <a:r>
-              <a:rPr lang="en-US" dirty="0"/>
-              <a:t>Limited extensibility</a:t>
-            </a:r>
-          </a:p>
-          <a:p>
-            <a:pPr lvl="1"/>
-            <a:r>
-              <a:rPr lang="en-US" dirty="0"/>
-              <a:t>Where do we want to be after refactoring</a:t>
-            </a:r>
-          </a:p>
-          <a:p>
-            <a:pPr lvl="2"/>
-            <a:r>
-              <a:rPr lang="en-US" dirty="0"/>
-              <a:t>Closer to the second version</a:t>
-            </a:r>
-          </a:p>
-          <a:p>
-            <a:pPr lvl="2"/>
-            <a:r>
-              <a:rPr lang="en-US" dirty="0"/>
-              <a:t>More modular, maintainable and extensible</a:t>
-            </a:r>
-          </a:p>
-        </p:txBody>
-      </p:sp>
-    </p:spTree>
-    <p:extLst>
-      <p:ext uri="{BB962C8B-B14F-4D97-AF65-F5344CB8AC3E}">
-        <p14:creationId xmlns:p14="http://schemas.microsoft.com/office/powerpoint/2010/main" val="513062928"/>
-      </p:ext>
-    </p:extLst>
-  </p:cSld>
-  <p:clrMapOvr>
-    <a:masterClrMapping/>
-  </p:clrMapOvr>
-  <mc:AlternateContent xmlns:mc="http://schemas.openxmlformats.org/markup-compatibility/2006" xmlns:p14="http://schemas.microsoft.com/office/powerpoint/2010/main">
-    <mc:Choice Requires="p14">
-      <p:transition p14:dur="250">
-        <p:fade/>
-      </p:transition>
-    </mc:Choice>
-    <mc:Fallback xmlns="">
-      <p:transition>
-        <p:fade/>
-      </p:transition>
-    </mc:Fallback>
-  </mc:AlternateContent>
-</p:sld>
-</file>
-
-<file path=ppt/slides/slide11.xml><?xml version="1.0" encoding="utf-8"?>
 <p:sld xmlns:a="http://schemas.openxmlformats.org/drawingml/2006/main" xmlns:r="http://schemas.openxmlformats.org/officeDocument/2006/relationships" xmlns:p="http://schemas.openxmlformats.org/presentationml/2006/main">
   <p:cSld>
     <p:spTree>
@@ -5878,6 +5572,140 @@
     <p:extLst>
       <p:ext uri="{BB962C8B-B14F-4D97-AF65-F5344CB8AC3E}">
         <p14:creationId xmlns:p14="http://schemas.microsoft.com/office/powerpoint/2010/main" val="496874910"/>
+      </p:ext>
+    </p:extLst>
+  </p:cSld>
+  <p:clrMapOvr>
+    <a:masterClrMapping/>
+  </p:clrMapOvr>
+  <mc:AlternateContent xmlns:mc="http://schemas.openxmlformats.org/markup-compatibility/2006" xmlns:p14="http://schemas.microsoft.com/office/powerpoint/2010/main">
+    <mc:Choice Requires="p14">
+      <p:transition p14:dur="250">
+        <p:fade/>
+      </p:transition>
+    </mc:Choice>
+    <mc:Fallback xmlns="">
+      <p:transition>
+        <p:fade/>
+      </p:transition>
+    </mc:Fallback>
+  </mc:AlternateContent>
+</p:sld>
+</file>
+
+<file path=ppt/slides/slide11.xml><?xml version="1.0" encoding="utf-8"?>
+<p:sld xmlns:a="http://schemas.openxmlformats.org/drawingml/2006/main" xmlns:r="http://schemas.openxmlformats.org/officeDocument/2006/relationships" xmlns:p="http://schemas.openxmlformats.org/presentationml/2006/main">
+  <p:cSld>
+    <p:spTree>
+      <p:nvGrpSpPr>
+        <p:cNvPr id="1" name=""/>
+        <p:cNvGrpSpPr/>
+        <p:nvPr/>
+      </p:nvGrpSpPr>
+      <p:grpSpPr>
+        <a:xfrm>
+          <a:off x="0" y="0"/>
+          <a:ext cx="0" cy="0"/>
+          <a:chOff x="0" y="0"/>
+          <a:chExt cx="0" cy="0"/>
+        </a:xfrm>
+      </p:grpSpPr>
+      <p:sp>
+        <p:nvSpPr>
+          <p:cNvPr id="3" name="Content Placeholder 2"/>
+          <p:cNvSpPr>
+            <a:spLocks noGrp="1"/>
+          </p:cNvSpPr>
+          <p:nvPr>
+            <p:ph idx="1"/>
+          </p:nvPr>
+        </p:nvSpPr>
+        <p:spPr>
+          <a:xfrm>
+            <a:off x="609442" y="1301408"/>
+            <a:ext cx="5166127" cy="4422776"/>
+          </a:xfrm>
+        </p:spPr>
+        <p:txBody>
+          <a:bodyPr/>
+          <a:lstStyle/>
+          <a:p>
+            <a:r>
+              <a:rPr lang="en-US" dirty="0"/>
+              <a:t>Know your cost estimates</a:t>
+            </a:r>
+          </a:p>
+          <a:p>
+            <a:r>
+              <a:rPr lang="en-US" dirty="0"/>
+              <a:t>Verification</a:t>
+            </a:r>
+          </a:p>
+          <a:p>
+            <a:pPr lvl="1"/>
+            <a:r>
+              <a:rPr lang="en-US" dirty="0"/>
+              <a:t>Check for coverage provided by existing tests</a:t>
+            </a:r>
+          </a:p>
+          <a:p>
+            <a:pPr lvl="1"/>
+            <a:r>
+              <a:rPr lang="en-US" dirty="0"/>
+              <a:t>Develop new tests where there are gaps</a:t>
+            </a:r>
+          </a:p>
+          <a:p>
+            <a:pPr lvl="1"/>
+            <a:r>
+              <a:rPr lang="en-US" dirty="0"/>
+              <a:t>Make sure tests exist at different granularities</a:t>
+            </a:r>
+          </a:p>
+          <a:p>
+            <a:pPr lvl="2"/>
+            <a:r>
+              <a:rPr lang="en-US" dirty="0"/>
+              <a:t>There should be demanding integration and system level tests</a:t>
+            </a:r>
+          </a:p>
+          <a:p>
+            <a:endParaRPr lang="en-US" dirty="0"/>
+          </a:p>
+        </p:txBody>
+      </p:sp>
+      <p:sp>
+        <p:nvSpPr>
+          <p:cNvPr id="11" name="Title 10">
+            <a:extLst>
+              <a:ext uri="{FF2B5EF4-FFF2-40B4-BE49-F238E27FC236}">
+                <a16:creationId xmlns:a16="http://schemas.microsoft.com/office/drawing/2014/main" id="{9FFD9CD1-CB20-401F-B512-EEEA727ADB32}"/>
+              </a:ext>
+            </a:extLst>
+          </p:cNvPr>
+          <p:cNvSpPr>
+            <a:spLocks noGrp="1"/>
+          </p:cNvSpPr>
+          <p:nvPr>
+            <p:ph type="title"/>
+          </p:nvPr>
+        </p:nvSpPr>
+        <p:spPr/>
+        <p:txBody>
+          <a:bodyPr/>
+          <a:lstStyle/>
+          <a:p>
+            <a:r>
+              <a:rPr lang="en-US" dirty="0"/>
+              <a:t>Before Starting</a:t>
+            </a:r>
+          </a:p>
+        </p:txBody>
+      </p:sp>
+    </p:spTree>
+    <p:extLst>
+      <p:ext uri="{BB962C8B-B14F-4D97-AF65-F5344CB8AC3E}">
+        <p14:creationId xmlns:p14="http://schemas.microsoft.com/office/powerpoint/2010/main" val="1423201334"/>
       </p:ext>
     </p:extLst>
   </p:cSld>
@@ -6008,10 +5836,271 @@
           </a:p>
         </p:txBody>
       </p:sp>
+      <p:sp>
+        <p:nvSpPr>
+          <p:cNvPr id="5" name="Content Placeholder 2">
+            <a:extLst>
+              <a:ext uri="{FF2B5EF4-FFF2-40B4-BE49-F238E27FC236}">
+                <a16:creationId xmlns:a16="http://schemas.microsoft.com/office/drawing/2014/main" id="{9880F94E-35BF-204A-9D74-FAC1DA4C1624}"/>
+              </a:ext>
+            </a:extLst>
+          </p:cNvPr>
+          <p:cNvSpPr txBox="1">
+            <a:spLocks/>
+          </p:cNvSpPr>
+          <p:nvPr/>
+        </p:nvSpPr>
+        <p:spPr bwMode="auto">
+          <a:xfrm>
+            <a:off x="5838327" y="1301408"/>
+            <a:ext cx="5106570" cy="4170386"/>
+          </a:xfrm>
+          <a:prstGeom prst="rect">
+            <a:avLst/>
+          </a:prstGeom>
+          <a:noFill/>
+          <a:ln w="9525">
+            <a:noFill/>
+            <a:miter lim="800000"/>
+            <a:headEnd/>
+            <a:tailEnd/>
+          </a:ln>
+        </p:spPr>
+        <p:txBody>
+          <a:bodyPr vert="horz" wrap="square" lIns="91440" tIns="45720" rIns="91440" bIns="45720" numCol="1" anchor="t" anchorCtr="0" compatLnSpc="1">
+            <a:prstTxWarp prst="textNoShape">
+              <a:avLst/>
+            </a:prstTxWarp>
+            <a:normAutofit/>
+          </a:bodyPr>
+          <a:lstStyle>
+            <a:lvl1pPr marL="230188" indent="-230188" algn="l" rtl="0" eaLnBrk="1" fontAlgn="base" hangingPunct="1">
+              <a:lnSpc>
+                <a:spcPct val="90000"/>
+              </a:lnSpc>
+              <a:spcBef>
+                <a:spcPts val="1400"/>
+              </a:spcBef>
+              <a:spcAft>
+                <a:spcPct val="0"/>
+              </a:spcAft>
+              <a:buClr>
+                <a:schemeClr val="tx1"/>
+              </a:buClr>
+              <a:buFont typeface="Arial" charset="0"/>
+              <a:buChar char="•"/>
+              <a:defRPr sz="2400" kern="1200" baseline="0">
+                <a:solidFill>
+                  <a:schemeClr val="tx1"/>
+                </a:solidFill>
+                <a:latin typeface="+mn-lt"/>
+                <a:ea typeface="+mn-ea"/>
+                <a:cs typeface="+mn-cs"/>
+              </a:defRPr>
+            </a:lvl1pPr>
+            <a:lvl2pPr marL="625475" indent="-279400" algn="l" rtl="0" eaLnBrk="1" fontAlgn="base" hangingPunct="1">
+              <a:lnSpc>
+                <a:spcPct val="90000"/>
+              </a:lnSpc>
+              <a:spcBef>
+                <a:spcPts val="800"/>
+              </a:spcBef>
+              <a:spcAft>
+                <a:spcPct val="0"/>
+              </a:spcAft>
+              <a:buClr>
+                <a:schemeClr val="tx1"/>
+              </a:buClr>
+              <a:buFont typeface="Arial" charset="0"/>
+              <a:buChar char="–"/>
+              <a:defRPr sz="2000" kern="1200">
+                <a:solidFill>
+                  <a:schemeClr val="tx1"/>
+                </a:solidFill>
+                <a:latin typeface="+mn-lt"/>
+                <a:ea typeface="+mn-ea"/>
+                <a:cs typeface="+mn-cs"/>
+              </a:defRPr>
+            </a:lvl2pPr>
+            <a:lvl3pPr marL="914400" indent="-230188" algn="l" rtl="0" eaLnBrk="1" fontAlgn="base" hangingPunct="1">
+              <a:lnSpc>
+                <a:spcPct val="90000"/>
+              </a:lnSpc>
+              <a:spcBef>
+                <a:spcPts val="800"/>
+              </a:spcBef>
+              <a:spcAft>
+                <a:spcPct val="0"/>
+              </a:spcAft>
+              <a:buClr>
+                <a:schemeClr val="tx1"/>
+              </a:buClr>
+              <a:buFont typeface="Arial" charset="0"/>
+              <a:buChar char="•"/>
+              <a:defRPr sz="1800" kern="1200">
+                <a:solidFill>
+                  <a:schemeClr val="tx1"/>
+                </a:solidFill>
+                <a:latin typeface="+mn-lt"/>
+                <a:ea typeface="+mn-ea"/>
+                <a:cs typeface="+mn-cs"/>
+              </a:defRPr>
+            </a:lvl3pPr>
+            <a:lvl4pPr marL="1144588" indent="-173038" algn="l" rtl="0" eaLnBrk="1" fontAlgn="base" hangingPunct="1">
+              <a:lnSpc>
+                <a:spcPct val="90000"/>
+              </a:lnSpc>
+              <a:spcBef>
+                <a:spcPts val="800"/>
+              </a:spcBef>
+              <a:spcAft>
+                <a:spcPct val="0"/>
+              </a:spcAft>
+              <a:buClr>
+                <a:schemeClr val="tx1"/>
+              </a:buClr>
+              <a:buFont typeface="Arial" charset="0"/>
+              <a:buChar char="–"/>
+              <a:defRPr sz="1600" kern="1200">
+                <a:solidFill>
+                  <a:schemeClr val="tx1"/>
+                </a:solidFill>
+                <a:latin typeface="+mn-lt"/>
+                <a:ea typeface="+mn-ea"/>
+                <a:cs typeface="+mn-cs"/>
+              </a:defRPr>
+            </a:lvl4pPr>
+            <a:lvl5pPr marL="1482725" indent="-222250" algn="l" rtl="0" eaLnBrk="1" fontAlgn="base" hangingPunct="1">
+              <a:lnSpc>
+                <a:spcPct val="90000"/>
+              </a:lnSpc>
+              <a:spcBef>
+                <a:spcPts val="600"/>
+              </a:spcBef>
+              <a:spcAft>
+                <a:spcPct val="0"/>
+              </a:spcAft>
+              <a:buClr>
+                <a:schemeClr val="tx1"/>
+              </a:buClr>
+              <a:buFont typeface="Arial" charset="0"/>
+              <a:buChar char="»"/>
+              <a:defRPr sz="1600" kern="1200">
+                <a:solidFill>
+                  <a:schemeClr val="tx1"/>
+                </a:solidFill>
+                <a:latin typeface="+mn-lt"/>
+                <a:ea typeface="+mn-ea"/>
+                <a:cs typeface="+mn-cs"/>
+              </a:defRPr>
+            </a:lvl5pPr>
+            <a:lvl6pPr marL="2514600" indent="-228600" algn="l" defTabSz="914400" rtl="0" eaLnBrk="1" latinLnBrk="0" hangingPunct="1">
+              <a:spcBef>
+                <a:spcPct val="20000"/>
+              </a:spcBef>
+              <a:buFont typeface="Arial" pitchFamily="34" charset="0"/>
+              <a:buChar char="•"/>
+              <a:defRPr sz="2000" kern="1200">
+                <a:solidFill>
+                  <a:schemeClr val="tx1"/>
+                </a:solidFill>
+                <a:latin typeface="+mn-lt"/>
+                <a:ea typeface="+mn-ea"/>
+                <a:cs typeface="+mn-cs"/>
+              </a:defRPr>
+            </a:lvl6pPr>
+            <a:lvl7pPr marL="2971800" indent="-228600" algn="l" defTabSz="914400" rtl="0" eaLnBrk="1" latinLnBrk="0" hangingPunct="1">
+              <a:spcBef>
+                <a:spcPct val="20000"/>
+              </a:spcBef>
+              <a:buFont typeface="Arial" pitchFamily="34" charset="0"/>
+              <a:buChar char="•"/>
+              <a:defRPr sz="2000" kern="1200">
+                <a:solidFill>
+                  <a:schemeClr val="tx1"/>
+                </a:solidFill>
+                <a:latin typeface="+mn-lt"/>
+                <a:ea typeface="+mn-ea"/>
+                <a:cs typeface="+mn-cs"/>
+              </a:defRPr>
+            </a:lvl7pPr>
+            <a:lvl8pPr marL="3429000" indent="-228600" algn="l" defTabSz="914400" rtl="0" eaLnBrk="1" latinLnBrk="0" hangingPunct="1">
+              <a:spcBef>
+                <a:spcPct val="20000"/>
+              </a:spcBef>
+              <a:buFont typeface="Arial" pitchFamily="34" charset="0"/>
+              <a:buChar char="•"/>
+              <a:defRPr sz="2000" kern="1200">
+                <a:solidFill>
+                  <a:schemeClr val="tx1"/>
+                </a:solidFill>
+                <a:latin typeface="+mn-lt"/>
+                <a:ea typeface="+mn-ea"/>
+                <a:cs typeface="+mn-cs"/>
+              </a:defRPr>
+            </a:lvl8pPr>
+            <a:lvl9pPr marL="3886200" indent="-228600" algn="l" defTabSz="914400" rtl="0" eaLnBrk="1" latinLnBrk="0" hangingPunct="1">
+              <a:spcBef>
+                <a:spcPct val="20000"/>
+              </a:spcBef>
+              <a:buFont typeface="Arial" pitchFamily="34" charset="0"/>
+              <a:buChar char="•"/>
+              <a:defRPr sz="2000" kern="1200">
+                <a:solidFill>
+                  <a:schemeClr val="tx1"/>
+                </a:solidFill>
+                <a:latin typeface="+mn-lt"/>
+                <a:ea typeface="+mn-ea"/>
+                <a:cs typeface="+mn-cs"/>
+              </a:defRPr>
+            </a:lvl9pPr>
+          </a:lstStyle>
+          <a:p>
+            <a:r>
+              <a:rPr lang="en-US" dirty="0"/>
+              <a:t>Know your bounds</a:t>
+            </a:r>
+          </a:p>
+          <a:p>
+            <a:pPr lvl="1"/>
+            <a:r>
+              <a:rPr lang="en-US" dirty="0"/>
+              <a:t>on acceptable behavior change</a:t>
+            </a:r>
+          </a:p>
+          <a:p>
+            <a:pPr lvl="1"/>
+            <a:r>
+              <a:rPr lang="en-US" dirty="0"/>
+              <a:t>error bounds</a:t>
+            </a:r>
+          </a:p>
+          <a:p>
+            <a:pPr lvl="2"/>
+            <a:r>
+              <a:rPr lang="en-US" dirty="0"/>
+              <a:t>bitwise reproduction of results unlikely after transition </a:t>
+            </a:r>
+          </a:p>
+          <a:p>
+            <a:r>
+              <a:rPr lang="en-US" dirty="0"/>
+              <a:t>Map from here to there</a:t>
+            </a:r>
+          </a:p>
+          <a:p>
+            <a:pPr lvl="1"/>
+            <a:endParaRPr lang="en-US" dirty="0"/>
+          </a:p>
+          <a:p>
+            <a:endParaRPr lang="en-US" dirty="0"/>
+          </a:p>
+        </p:txBody>
+      </p:sp>
     </p:spTree>
     <p:extLst>
       <p:ext uri="{BB962C8B-B14F-4D97-AF65-F5344CB8AC3E}">
-        <p14:creationId xmlns:p14="http://schemas.microsoft.com/office/powerpoint/2010/main" val="1423201334"/>
+        <p14:creationId xmlns:p14="http://schemas.microsoft.com/office/powerpoint/2010/main" val="1602079529"/>
       </p:ext>
     </p:extLst>
   </p:cSld>
@@ -6403,401 +6492,6 @@
           </a:p>
         </p:txBody>
       </p:sp>
-    </p:spTree>
-    <p:extLst>
-      <p:ext uri="{BB962C8B-B14F-4D97-AF65-F5344CB8AC3E}">
-        <p14:creationId xmlns:p14="http://schemas.microsoft.com/office/powerpoint/2010/main" val="1602079529"/>
-      </p:ext>
-    </p:extLst>
-  </p:cSld>
-  <p:clrMapOvr>
-    <a:masterClrMapping/>
-  </p:clrMapOvr>
-  <mc:AlternateContent xmlns:mc="http://schemas.openxmlformats.org/markup-compatibility/2006" xmlns:p14="http://schemas.microsoft.com/office/powerpoint/2010/main">
-    <mc:Choice Requires="p14">
-      <p:transition p14:dur="250">
-        <p:fade/>
-      </p:transition>
-    </mc:Choice>
-    <mc:Fallback xmlns="">
-      <p:transition>
-        <p:fade/>
-      </p:transition>
-    </mc:Fallback>
-  </mc:AlternateContent>
-</p:sld>
-</file>
-
-<file path=ppt/slides/slide14.xml><?xml version="1.0" encoding="utf-8"?>
-<p:sld xmlns:a="http://schemas.openxmlformats.org/drawingml/2006/main" xmlns:r="http://schemas.openxmlformats.org/officeDocument/2006/relationships" xmlns:p="http://schemas.openxmlformats.org/presentationml/2006/main">
-  <p:cSld>
-    <p:spTree>
-      <p:nvGrpSpPr>
-        <p:cNvPr id="1" name=""/>
-        <p:cNvGrpSpPr/>
-        <p:nvPr/>
-      </p:nvGrpSpPr>
-      <p:grpSpPr>
-        <a:xfrm>
-          <a:off x="0" y="0"/>
-          <a:ext cx="0" cy="0"/>
-          <a:chOff x="0" y="0"/>
-          <a:chExt cx="0" cy="0"/>
-        </a:xfrm>
-      </p:grpSpPr>
-      <p:sp>
-        <p:nvSpPr>
-          <p:cNvPr id="3" name="Content Placeholder 2"/>
-          <p:cNvSpPr>
-            <a:spLocks noGrp="1"/>
-          </p:cNvSpPr>
-          <p:nvPr>
-            <p:ph idx="1"/>
-          </p:nvPr>
-        </p:nvSpPr>
-        <p:spPr>
-          <a:xfrm>
-            <a:off x="609442" y="1301408"/>
-            <a:ext cx="5166127" cy="4422776"/>
-          </a:xfrm>
-        </p:spPr>
-        <p:txBody>
-          <a:bodyPr/>
-          <a:lstStyle/>
-          <a:p>
-            <a:r>
-              <a:rPr lang="en-US" dirty="0"/>
-              <a:t>Know your cost estimates</a:t>
-            </a:r>
-          </a:p>
-          <a:p>
-            <a:r>
-              <a:rPr lang="en-US" dirty="0"/>
-              <a:t>Verification</a:t>
-            </a:r>
-          </a:p>
-          <a:p>
-            <a:pPr lvl="1"/>
-            <a:r>
-              <a:rPr lang="en-US" dirty="0"/>
-              <a:t>Check for coverage provided by existing tests</a:t>
-            </a:r>
-          </a:p>
-          <a:p>
-            <a:pPr lvl="1"/>
-            <a:r>
-              <a:rPr lang="en-US" dirty="0"/>
-              <a:t>Develop new tests where there are gaps</a:t>
-            </a:r>
-          </a:p>
-          <a:p>
-            <a:pPr lvl="1"/>
-            <a:r>
-              <a:rPr lang="en-US" dirty="0"/>
-              <a:t>Make sure tests exist at different granularities</a:t>
-            </a:r>
-          </a:p>
-          <a:p>
-            <a:pPr lvl="2"/>
-            <a:r>
-              <a:rPr lang="en-US" dirty="0"/>
-              <a:t>There should be demanding integration and system level tests</a:t>
-            </a:r>
-          </a:p>
-          <a:p>
-            <a:endParaRPr lang="en-US" dirty="0"/>
-          </a:p>
-        </p:txBody>
-      </p:sp>
-      <p:sp>
-        <p:nvSpPr>
-          <p:cNvPr id="11" name="Title 10">
-            <a:extLst>
-              <a:ext uri="{FF2B5EF4-FFF2-40B4-BE49-F238E27FC236}">
-                <a16:creationId xmlns:a16="http://schemas.microsoft.com/office/drawing/2014/main" id="{9FFD9CD1-CB20-401F-B512-EEEA727ADB32}"/>
-              </a:ext>
-            </a:extLst>
-          </p:cNvPr>
-          <p:cNvSpPr>
-            <a:spLocks noGrp="1"/>
-          </p:cNvSpPr>
-          <p:nvPr>
-            <p:ph type="title"/>
-          </p:nvPr>
-        </p:nvSpPr>
-        <p:spPr/>
-        <p:txBody>
-          <a:bodyPr/>
-          <a:lstStyle/>
-          <a:p>
-            <a:r>
-              <a:rPr lang="en-US" dirty="0"/>
-              <a:t>Before Starting</a:t>
-            </a:r>
-          </a:p>
-        </p:txBody>
-      </p:sp>
-      <p:sp>
-        <p:nvSpPr>
-          <p:cNvPr id="5" name="Content Placeholder 2">
-            <a:extLst>
-              <a:ext uri="{FF2B5EF4-FFF2-40B4-BE49-F238E27FC236}">
-                <a16:creationId xmlns:a16="http://schemas.microsoft.com/office/drawing/2014/main" id="{9880F94E-35BF-204A-9D74-FAC1DA4C1624}"/>
-              </a:ext>
-            </a:extLst>
-          </p:cNvPr>
-          <p:cNvSpPr txBox="1">
-            <a:spLocks/>
-          </p:cNvSpPr>
-          <p:nvPr/>
-        </p:nvSpPr>
-        <p:spPr bwMode="auto">
-          <a:xfrm>
-            <a:off x="5838327" y="1301408"/>
-            <a:ext cx="5106570" cy="4170386"/>
-          </a:xfrm>
-          <a:prstGeom prst="rect">
-            <a:avLst/>
-          </a:prstGeom>
-          <a:noFill/>
-          <a:ln w="9525">
-            <a:noFill/>
-            <a:miter lim="800000"/>
-            <a:headEnd/>
-            <a:tailEnd/>
-          </a:ln>
-        </p:spPr>
-        <p:txBody>
-          <a:bodyPr vert="horz" wrap="square" lIns="91440" tIns="45720" rIns="91440" bIns="45720" numCol="1" anchor="t" anchorCtr="0" compatLnSpc="1">
-            <a:prstTxWarp prst="textNoShape">
-              <a:avLst/>
-            </a:prstTxWarp>
-            <a:normAutofit/>
-          </a:bodyPr>
-          <a:lstStyle>
-            <a:lvl1pPr marL="230188" indent="-230188" algn="l" rtl="0" eaLnBrk="1" fontAlgn="base" hangingPunct="1">
-              <a:lnSpc>
-                <a:spcPct val="90000"/>
-              </a:lnSpc>
-              <a:spcBef>
-                <a:spcPts val="1400"/>
-              </a:spcBef>
-              <a:spcAft>
-                <a:spcPct val="0"/>
-              </a:spcAft>
-              <a:buClr>
-                <a:schemeClr val="tx1"/>
-              </a:buClr>
-              <a:buFont typeface="Arial" charset="0"/>
-              <a:buChar char="•"/>
-              <a:defRPr sz="2400" kern="1200" baseline="0">
-                <a:solidFill>
-                  <a:schemeClr val="tx1"/>
-                </a:solidFill>
-                <a:latin typeface="+mn-lt"/>
-                <a:ea typeface="+mn-ea"/>
-                <a:cs typeface="+mn-cs"/>
-              </a:defRPr>
-            </a:lvl1pPr>
-            <a:lvl2pPr marL="625475" indent="-279400" algn="l" rtl="0" eaLnBrk="1" fontAlgn="base" hangingPunct="1">
-              <a:lnSpc>
-                <a:spcPct val="90000"/>
-              </a:lnSpc>
-              <a:spcBef>
-                <a:spcPts val="800"/>
-              </a:spcBef>
-              <a:spcAft>
-                <a:spcPct val="0"/>
-              </a:spcAft>
-              <a:buClr>
-                <a:schemeClr val="tx1"/>
-              </a:buClr>
-              <a:buFont typeface="Arial" charset="0"/>
-              <a:buChar char="–"/>
-              <a:defRPr sz="2000" kern="1200">
-                <a:solidFill>
-                  <a:schemeClr val="tx1"/>
-                </a:solidFill>
-                <a:latin typeface="+mn-lt"/>
-                <a:ea typeface="+mn-ea"/>
-                <a:cs typeface="+mn-cs"/>
-              </a:defRPr>
-            </a:lvl2pPr>
-            <a:lvl3pPr marL="914400" indent="-230188" algn="l" rtl="0" eaLnBrk="1" fontAlgn="base" hangingPunct="1">
-              <a:lnSpc>
-                <a:spcPct val="90000"/>
-              </a:lnSpc>
-              <a:spcBef>
-                <a:spcPts val="800"/>
-              </a:spcBef>
-              <a:spcAft>
-                <a:spcPct val="0"/>
-              </a:spcAft>
-              <a:buClr>
-                <a:schemeClr val="tx1"/>
-              </a:buClr>
-              <a:buFont typeface="Arial" charset="0"/>
-              <a:buChar char="•"/>
-              <a:defRPr sz="1800" kern="1200">
-                <a:solidFill>
-                  <a:schemeClr val="tx1"/>
-                </a:solidFill>
-                <a:latin typeface="+mn-lt"/>
-                <a:ea typeface="+mn-ea"/>
-                <a:cs typeface="+mn-cs"/>
-              </a:defRPr>
-            </a:lvl3pPr>
-            <a:lvl4pPr marL="1144588" indent="-173038" algn="l" rtl="0" eaLnBrk="1" fontAlgn="base" hangingPunct="1">
-              <a:lnSpc>
-                <a:spcPct val="90000"/>
-              </a:lnSpc>
-              <a:spcBef>
-                <a:spcPts val="800"/>
-              </a:spcBef>
-              <a:spcAft>
-                <a:spcPct val="0"/>
-              </a:spcAft>
-              <a:buClr>
-                <a:schemeClr val="tx1"/>
-              </a:buClr>
-              <a:buFont typeface="Arial" charset="0"/>
-              <a:buChar char="–"/>
-              <a:defRPr sz="1600" kern="1200">
-                <a:solidFill>
-                  <a:schemeClr val="tx1"/>
-                </a:solidFill>
-                <a:latin typeface="+mn-lt"/>
-                <a:ea typeface="+mn-ea"/>
-                <a:cs typeface="+mn-cs"/>
-              </a:defRPr>
-            </a:lvl4pPr>
-            <a:lvl5pPr marL="1482725" indent="-222250" algn="l" rtl="0" eaLnBrk="1" fontAlgn="base" hangingPunct="1">
-              <a:lnSpc>
-                <a:spcPct val="90000"/>
-              </a:lnSpc>
-              <a:spcBef>
-                <a:spcPts val="600"/>
-              </a:spcBef>
-              <a:spcAft>
-                <a:spcPct val="0"/>
-              </a:spcAft>
-              <a:buClr>
-                <a:schemeClr val="tx1"/>
-              </a:buClr>
-              <a:buFont typeface="Arial" charset="0"/>
-              <a:buChar char="»"/>
-              <a:defRPr sz="1600" kern="1200">
-                <a:solidFill>
-                  <a:schemeClr val="tx1"/>
-                </a:solidFill>
-                <a:latin typeface="+mn-lt"/>
-                <a:ea typeface="+mn-ea"/>
-                <a:cs typeface="+mn-cs"/>
-              </a:defRPr>
-            </a:lvl5pPr>
-            <a:lvl6pPr marL="2514600" indent="-228600" algn="l" defTabSz="914400" rtl="0" eaLnBrk="1" latinLnBrk="0" hangingPunct="1">
-              <a:spcBef>
-                <a:spcPct val="20000"/>
-              </a:spcBef>
-              <a:buFont typeface="Arial" pitchFamily="34" charset="0"/>
-              <a:buChar char="•"/>
-              <a:defRPr sz="2000" kern="1200">
-                <a:solidFill>
-                  <a:schemeClr val="tx1"/>
-                </a:solidFill>
-                <a:latin typeface="+mn-lt"/>
-                <a:ea typeface="+mn-ea"/>
-                <a:cs typeface="+mn-cs"/>
-              </a:defRPr>
-            </a:lvl6pPr>
-            <a:lvl7pPr marL="2971800" indent="-228600" algn="l" defTabSz="914400" rtl="0" eaLnBrk="1" latinLnBrk="0" hangingPunct="1">
-              <a:spcBef>
-                <a:spcPct val="20000"/>
-              </a:spcBef>
-              <a:buFont typeface="Arial" pitchFamily="34" charset="0"/>
-              <a:buChar char="•"/>
-              <a:defRPr sz="2000" kern="1200">
-                <a:solidFill>
-                  <a:schemeClr val="tx1"/>
-                </a:solidFill>
-                <a:latin typeface="+mn-lt"/>
-                <a:ea typeface="+mn-ea"/>
-                <a:cs typeface="+mn-cs"/>
-              </a:defRPr>
-            </a:lvl7pPr>
-            <a:lvl8pPr marL="3429000" indent="-228600" algn="l" defTabSz="914400" rtl="0" eaLnBrk="1" latinLnBrk="0" hangingPunct="1">
-              <a:spcBef>
-                <a:spcPct val="20000"/>
-              </a:spcBef>
-              <a:buFont typeface="Arial" pitchFamily="34" charset="0"/>
-              <a:buChar char="•"/>
-              <a:defRPr sz="2000" kern="1200">
-                <a:solidFill>
-                  <a:schemeClr val="tx1"/>
-                </a:solidFill>
-                <a:latin typeface="+mn-lt"/>
-                <a:ea typeface="+mn-ea"/>
-                <a:cs typeface="+mn-cs"/>
-              </a:defRPr>
-            </a:lvl8pPr>
-            <a:lvl9pPr marL="3886200" indent="-228600" algn="l" defTabSz="914400" rtl="0" eaLnBrk="1" latinLnBrk="0" hangingPunct="1">
-              <a:spcBef>
-                <a:spcPct val="20000"/>
-              </a:spcBef>
-              <a:buFont typeface="Arial" pitchFamily="34" charset="0"/>
-              <a:buChar char="•"/>
-              <a:defRPr sz="2000" kern="1200">
-                <a:solidFill>
-                  <a:schemeClr val="tx1"/>
-                </a:solidFill>
-                <a:latin typeface="+mn-lt"/>
-                <a:ea typeface="+mn-ea"/>
-                <a:cs typeface="+mn-cs"/>
-              </a:defRPr>
-            </a:lvl9pPr>
-          </a:lstStyle>
-          <a:p>
-            <a:r>
-              <a:rPr lang="en-US" dirty="0"/>
-              <a:t>Know your bounds</a:t>
-            </a:r>
-          </a:p>
-          <a:p>
-            <a:pPr lvl="1"/>
-            <a:r>
-              <a:rPr lang="en-US" dirty="0"/>
-              <a:t>on acceptable behavior change</a:t>
-            </a:r>
-          </a:p>
-          <a:p>
-            <a:pPr lvl="1"/>
-            <a:r>
-              <a:rPr lang="en-US" dirty="0"/>
-              <a:t>error bounds</a:t>
-            </a:r>
-          </a:p>
-          <a:p>
-            <a:pPr lvl="2"/>
-            <a:r>
-              <a:rPr lang="en-US" dirty="0"/>
-              <a:t>bitwise reproduction of results unlikely after transition </a:t>
-            </a:r>
-          </a:p>
-          <a:p>
-            <a:r>
-              <a:rPr lang="en-US" dirty="0"/>
-              <a:t>Map from here to there</a:t>
-            </a:r>
-          </a:p>
-          <a:p>
-            <a:pPr lvl="1"/>
-            <a:endParaRPr lang="en-US" dirty="0"/>
-          </a:p>
-          <a:p>
-            <a:endParaRPr lang="en-US" dirty="0"/>
-          </a:p>
-        </p:txBody>
-      </p:sp>
       <p:sp>
         <p:nvSpPr>
           <p:cNvPr id="6" name="Content Placeholder 2">
@@ -7064,7 +6758,7 @@
 </p:sld>
 </file>
 
-<file path=ppt/slides/slide15.xml><?xml version="1.0" encoding="utf-8"?>
+<file path=ppt/slides/slide14.xml><?xml version="1.0" encoding="utf-8"?>
 <p:sld xmlns:a="http://schemas.openxmlformats.org/drawingml/2006/main" xmlns:r="http://schemas.openxmlformats.org/officeDocument/2006/relationships" xmlns:p="http://schemas.openxmlformats.org/presentationml/2006/main">
   <p:cSld>
     <p:spTree>
@@ -7231,7 +6925,7 @@
 </p:sld>
 </file>
 
-<file path=ppt/slides/slide16.xml><?xml version="1.0" encoding="utf-8"?>
+<file path=ppt/slides/slide15.xml><?xml version="1.0" encoding="utf-8"?>
 <p:sld xmlns:a="http://schemas.openxmlformats.org/drawingml/2006/main" xmlns:r="http://schemas.openxmlformats.org/officeDocument/2006/relationships" xmlns:p="http://schemas.openxmlformats.org/presentationml/2006/main">
   <p:cSld>
     <p:spTree>
@@ -7909,7 +7603,7 @@
 </p:sld>
 </file>
 
-<file path=ppt/slides/slide17.xml><?xml version="1.0" encoding="utf-8"?>
+<file path=ppt/slides/slide16.xml><?xml version="1.0" encoding="utf-8"?>
 <p:sld xmlns:a="http://schemas.openxmlformats.org/drawingml/2006/main" xmlns:r="http://schemas.openxmlformats.org/officeDocument/2006/relationships" xmlns:p="http://schemas.openxmlformats.org/presentationml/2006/main">
   <p:cSld>
     <p:spTree>
@@ -8572,7 +8266,7 @@
 </p:sld>
 </file>
 
-<file path=ppt/slides/slide18.xml><?xml version="1.0" encoding="utf-8"?>
+<file path=ppt/slides/slide17.xml><?xml version="1.0" encoding="utf-8"?>
 <p:sld xmlns:a="http://schemas.openxmlformats.org/drawingml/2006/main" xmlns:r="http://schemas.openxmlformats.org/officeDocument/2006/relationships" xmlns:p="http://schemas.openxmlformats.org/presentationml/2006/main">
   <p:cSld>
     <p:spTree>
@@ -8958,7 +8652,7 @@
 </p:sld>
 </file>
 
-<file path=ppt/slides/slide19.xml><?xml version="1.0" encoding="utf-8"?>
+<file path=ppt/slides/slide18.xml><?xml version="1.0" encoding="utf-8"?>
 <p:sld xmlns:a="http://schemas.openxmlformats.org/drawingml/2006/main" xmlns:r="http://schemas.openxmlformats.org/officeDocument/2006/relationships" xmlns:p="http://schemas.openxmlformats.org/presentationml/2006/main">
   <p:cSld>
     <p:spTree>
@@ -9357,338 +9051,7 @@
 </p:sld>
 </file>
 
-<file path=ppt/slides/slide2.xml><?xml version="1.0" encoding="utf-8"?>
-<p:sld xmlns:a="http://schemas.openxmlformats.org/drawingml/2006/main" xmlns:r="http://schemas.openxmlformats.org/officeDocument/2006/relationships" xmlns:p="http://schemas.openxmlformats.org/presentationml/2006/main">
-  <p:cSld>
-    <p:spTree>
-      <p:nvGrpSpPr>
-        <p:cNvPr id="1" name=""/>
-        <p:cNvGrpSpPr/>
-        <p:nvPr/>
-      </p:nvGrpSpPr>
-      <p:grpSpPr>
-        <a:xfrm>
-          <a:off x="0" y="0"/>
-          <a:ext cx="0" cy="0"/>
-          <a:chOff x="0" y="0"/>
-          <a:chExt cx="0" cy="0"/>
-        </a:xfrm>
-      </p:grpSpPr>
-      <p:sp>
-        <p:nvSpPr>
-          <p:cNvPr id="2" name="Title 1">
-            <a:extLst>
-              <a:ext uri="{FF2B5EF4-FFF2-40B4-BE49-F238E27FC236}">
-                <a16:creationId xmlns:a16="http://schemas.microsoft.com/office/drawing/2014/main" id="{6442C24D-D970-4D40-8F14-D70C10A96304}"/>
-              </a:ext>
-            </a:extLst>
-          </p:cNvPr>
-          <p:cNvSpPr>
-            <a:spLocks noGrp="1"/>
-          </p:cNvSpPr>
-          <p:nvPr>
-            <p:ph type="title"/>
-          </p:nvPr>
-        </p:nvSpPr>
-        <p:spPr>
-          <a:xfrm>
-            <a:off x="363096" y="112911"/>
-            <a:ext cx="11372473" cy="914400"/>
-          </a:xfrm>
-        </p:spPr>
-        <p:txBody>
-          <a:bodyPr/>
-          <a:lstStyle/>
-          <a:p>
-            <a:r>
-              <a:rPr lang="en-US" dirty="0"/>
-              <a:t>License, Citation and Acknowledgements</a:t>
-            </a:r>
-          </a:p>
-        </p:txBody>
-      </p:sp>
-      <p:sp>
-        <p:nvSpPr>
-          <p:cNvPr id="3" name="Content Placeholder 2">
-            <a:extLst>
-              <a:ext uri="{FF2B5EF4-FFF2-40B4-BE49-F238E27FC236}">
-                <a16:creationId xmlns:a16="http://schemas.microsoft.com/office/drawing/2014/main" id="{0385A3AB-B258-4D59-B407-F7D57545A163}"/>
-              </a:ext>
-            </a:extLst>
-          </p:cNvPr>
-          <p:cNvSpPr>
-            <a:spLocks noGrp="1"/>
-          </p:cNvSpPr>
-          <p:nvPr>
-            <p:ph idx="1"/>
-          </p:nvPr>
-        </p:nvSpPr>
-        <p:spPr>
-          <a:xfrm>
-            <a:off x="409507" y="570111"/>
-            <a:ext cx="11369809" cy="4047778"/>
-          </a:xfrm>
-        </p:spPr>
-        <p:txBody>
-          <a:bodyPr/>
-          <a:lstStyle/>
-          <a:p>
-            <a:pPr marL="0" indent="0">
-              <a:buNone/>
-            </a:pPr>
-            <a:r>
-              <a:rPr lang="en-US" sz="2000" b="1" dirty="0"/>
-              <a:t>License and Citation</a:t>
-            </a:r>
-          </a:p>
-          <a:p>
-            <a:pPr>
-              <a:spcBef>
-                <a:spcPts val="400"/>
-              </a:spcBef>
-            </a:pPr>
-            <a:r>
-              <a:rPr lang="en-US" sz="1600" dirty="0"/>
-              <a:t>This work is licensed under a </a:t>
-            </a:r>
-            <a:r>
-              <a:rPr lang="en-US" sz="1600" dirty="0">
-                <a:hlinkClick r:id="rId2"/>
-              </a:rPr>
-              <a:t>Creative</a:t>
-            </a:r>
-            <a:r>
-              <a:rPr lang="en-US" sz="1600" dirty="0">
-                <a:hlinkClick r:id="rId3"/>
-              </a:rPr>
-              <a:t> Commons Attribution 4.0 International License</a:t>
-            </a:r>
-            <a:r>
-              <a:rPr lang="en-US" sz="1600" dirty="0"/>
-              <a:t> (CC BY 4.0).</a:t>
-            </a:r>
-          </a:p>
-          <a:p>
-            <a:pPr>
-              <a:spcBef>
-                <a:spcPts val="400"/>
-              </a:spcBef>
-            </a:pPr>
-            <a:r>
-              <a:rPr lang="en-US" sz="1600" b="1" dirty="0"/>
-              <a:t>The requested citation the overall tutorial is: </a:t>
-            </a:r>
-            <a:r>
-              <a:rPr lang="en-US" sz="1600" b="0" i="0" dirty="0">
-                <a:solidFill>
-                  <a:srgbClr val="111111"/>
-                </a:solidFill>
-                <a:effectLst/>
-                <a:latin typeface="+mj-lt"/>
-              </a:rPr>
-              <a:t>David E. Bernholdt, Anshu Dubey, and Patricia A. Grubel, Better Scientific Software tutorial, in NOAA Global Systems Laboratory, Boulder, Colorado, 2023. DOI: </a:t>
-            </a:r>
-            <a:r>
-              <a:rPr lang="en-US" sz="1600" b="0" i="0" u="none" strike="noStrike" dirty="0">
-                <a:solidFill>
-                  <a:srgbClr val="2A7AE2"/>
-                </a:solidFill>
-                <a:effectLst/>
-                <a:latin typeface="+mj-lt"/>
-                <a:hlinkClick r:id="rId4"/>
-              </a:rPr>
-              <a:t>10.6084/m9.figshare.23796606</a:t>
-            </a:r>
-            <a:r>
-              <a:rPr lang="en-US" sz="1600" b="0" i="0" dirty="0">
-                <a:solidFill>
-                  <a:srgbClr val="111111"/>
-                </a:solidFill>
-                <a:effectLst/>
-                <a:latin typeface="+mj-lt"/>
-              </a:rPr>
-              <a:t>.</a:t>
-            </a:r>
-          </a:p>
-          <a:p>
-            <a:pPr>
-              <a:spcBef>
-                <a:spcPts val="400"/>
-              </a:spcBef>
-            </a:pPr>
-            <a:r>
-              <a:rPr lang="en-US" sz="1600" dirty="0"/>
-              <a:t>Individual modules may be cited as </a:t>
-            </a:r>
-            <a:r>
-              <a:rPr lang="en-US" sz="1600" i="1" dirty="0"/>
-              <a:t>Speaker, Module Title</a:t>
-            </a:r>
-            <a:r>
-              <a:rPr lang="en-US" sz="1600" dirty="0"/>
-              <a:t>, in </a:t>
-            </a:r>
-            <a:r>
-              <a:rPr lang="en-US" sz="1600" b="0" i="1" dirty="0">
-                <a:solidFill>
-                  <a:srgbClr val="111111"/>
-                </a:solidFill>
-                <a:effectLst/>
-                <a:latin typeface="+mn-lt"/>
-              </a:rPr>
-              <a:t>Tutorial Title</a:t>
-            </a:r>
-            <a:r>
-              <a:rPr lang="en-US" sz="1600" dirty="0"/>
-              <a:t>, …</a:t>
-            </a:r>
-          </a:p>
-          <a:p>
-            <a:pPr marL="0" indent="0">
-              <a:spcBef>
-                <a:spcPts val="800"/>
-              </a:spcBef>
-              <a:buNone/>
-            </a:pPr>
-            <a:r>
-              <a:rPr lang="en-US" sz="2000" b="1" dirty="0"/>
-              <a:t>Acknowledgements</a:t>
-            </a:r>
-          </a:p>
-          <a:p>
-            <a:pPr>
-              <a:spcBef>
-                <a:spcPts val="400"/>
-              </a:spcBef>
-            </a:pPr>
-            <a:r>
-              <a:rPr lang="en-US" sz="1400" dirty="0"/>
-              <a:t>This work was supported by the U.S. Department of Energy Office of Science, Office of Advanced Scientific Computing Research (ASCR), and by the Exascale Computing Project (17-SC-20-SC), a collaborative effort of the U.S. Department of Energy Office of Science and the National Nuclear Security Administration</a:t>
-            </a:r>
-            <a:r>
-              <a:rPr lang="en-US" sz="1400" i="1" dirty="0"/>
-              <a:t>.</a:t>
-            </a:r>
-            <a:endParaRPr lang="en-US" sz="1400" dirty="0"/>
-          </a:p>
-          <a:p>
-            <a:pPr>
-              <a:spcBef>
-                <a:spcPts val="400"/>
-              </a:spcBef>
-            </a:pPr>
-            <a:r>
-              <a:rPr lang="en-US" sz="1400" dirty="0"/>
-              <a:t>This work was performed in part at the Argonne National Laboratory, which is managed by UChicago Argonne, LLC for the U.S. Department of Energy under Contract No. DE-AC02-06CH11357.</a:t>
-            </a:r>
-          </a:p>
-          <a:p>
-            <a:pPr>
-              <a:spcBef>
-                <a:spcPts val="400"/>
-              </a:spcBef>
-            </a:pPr>
-            <a:r>
-              <a:rPr lang="en-US" sz="1400" dirty="0"/>
-              <a:t>This work was performed in part at the Lawrence Livermore National Laboratory, which is managed by Lawrence Livermore National Security, LLC for the U.S. Department of Energy under Contract No. DE-AC52-07NA27344.</a:t>
-            </a:r>
-          </a:p>
-          <a:p>
-            <a:pPr>
-              <a:spcBef>
-                <a:spcPts val="400"/>
-              </a:spcBef>
-            </a:pPr>
-            <a:r>
-              <a:rPr lang="en-US" sz="1400" dirty="0"/>
-              <a:t>This work was performed in part at the Los Alamos National Laboratory, which is managed by Triad National Security, LLC for the U.S. Department of Energy under Contract No.89233218CNA000001</a:t>
-            </a:r>
-          </a:p>
-          <a:p>
-            <a:pPr>
-              <a:spcBef>
-                <a:spcPts val="400"/>
-              </a:spcBef>
-            </a:pPr>
-            <a:r>
-              <a:rPr lang="en-US" sz="1400" dirty="0"/>
-              <a:t>This work was performed in part at the Oak Ridge National Laboratory, which is managed by UT-Battelle, LLC for the U.S. Department of Energy under Contract No. DE-AC05-00OR22725.</a:t>
-            </a:r>
-          </a:p>
-          <a:p>
-            <a:pPr>
-              <a:spcBef>
-                <a:spcPts val="400"/>
-              </a:spcBef>
-            </a:pPr>
-            <a:r>
-              <a:rPr lang="en-US" sz="1400" dirty="0"/>
-              <a:t>This work was performed in part at Sandia National Laboratories. Sandia National Laboratories is a multi-mission laboratory managed and operated by National Technology and Engineering Solutions of Sandia, LLC., a wholly owned subsidiary of Honeywell International, Inc., for the U.S. Department of Energy’s National Nuclear Security Administration under contract DE-NA0003525.</a:t>
-            </a:r>
-          </a:p>
-        </p:txBody>
-      </p:sp>
-      <p:pic>
-        <p:nvPicPr>
-          <p:cNvPr id="4" name="Picture 2" descr="https://licensebuttons.net/l/by/4.0/88x31.png">
-            <a:extLst>
-              <a:ext uri="{FF2B5EF4-FFF2-40B4-BE49-F238E27FC236}">
-                <a16:creationId xmlns:a16="http://schemas.microsoft.com/office/drawing/2014/main" id="{61840015-22A0-4634-A2DE-AA05F998FD3A}"/>
-              </a:ext>
-            </a:extLst>
-          </p:cNvPr>
-          <p:cNvPicPr>
-            <a:picLocks noChangeAspect="1" noChangeArrowheads="1"/>
-          </p:cNvPicPr>
-          <p:nvPr/>
-        </p:nvPicPr>
-        <p:blipFill>
-          <a:blip r:embed="rId5">
-            <a:extLst>
-              <a:ext uri="{28A0092B-C50C-407E-A947-70E740481C1C}">
-                <a14:useLocalDpi xmlns:a14="http://schemas.microsoft.com/office/drawing/2010/main" val="0"/>
-              </a:ext>
-            </a:extLst>
-          </a:blip>
-          <a:srcRect/>
-          <a:stretch>
-            <a:fillRect/>
-          </a:stretch>
-        </p:blipFill>
-        <p:spPr bwMode="auto">
-          <a:xfrm>
-            <a:off x="10230336" y="879673"/>
-            <a:ext cx="838200" cy="295275"/>
-          </a:xfrm>
-          <a:prstGeom prst="rect">
-            <a:avLst/>
-          </a:prstGeom>
-          <a:noFill/>
-          <a:extLst>
-            <a:ext uri="{909E8E84-426E-40DD-AFC4-6F175D3DCCD1}">
-              <a14:hiddenFill xmlns:a14="http://schemas.microsoft.com/office/drawing/2010/main">
-                <a:solidFill>
-                  <a:srgbClr val="FFFFFF"/>
-                </a:solidFill>
-              </a14:hiddenFill>
-            </a:ext>
-          </a:extLst>
-        </p:spPr>
-      </p:pic>
-    </p:spTree>
-    <p:extLst>
-      <p:ext uri="{BB962C8B-B14F-4D97-AF65-F5344CB8AC3E}">
-        <p14:creationId xmlns:p14="http://schemas.microsoft.com/office/powerpoint/2010/main" val="978726433"/>
-      </p:ext>
-    </p:extLst>
-  </p:cSld>
-  <p:clrMapOvr>
-    <a:masterClrMapping/>
-  </p:clrMapOvr>
-</p:sld>
-</file>
-
-<file path=ppt/slides/slide20.xml><?xml version="1.0" encoding="utf-8"?>
+<file path=ppt/slides/slide19.xml><?xml version="1.0" encoding="utf-8"?>
 <p:sld xmlns:a="http://schemas.openxmlformats.org/drawingml/2006/main" xmlns:r="http://schemas.openxmlformats.org/officeDocument/2006/relationships" xmlns:p="http://schemas.openxmlformats.org/presentationml/2006/main">
   <p:cSld>
     <p:spTree>
@@ -10122,7 +9485,153 @@
 </p:sld>
 </file>
 
-<file path=ppt/slides/slide21.xml><?xml version="1.0" encoding="utf-8"?>
+<file path=ppt/slides/slide2.xml><?xml version="1.0" encoding="utf-8"?>
+<p:sld xmlns:a="http://schemas.openxmlformats.org/drawingml/2006/main" xmlns:r="http://schemas.openxmlformats.org/officeDocument/2006/relationships" xmlns:p="http://schemas.openxmlformats.org/presentationml/2006/main">
+  <p:cSld>
+    <p:spTree>
+      <p:nvGrpSpPr>
+        <p:cNvPr id="1" name=""/>
+        <p:cNvGrpSpPr/>
+        <p:nvPr/>
+      </p:nvGrpSpPr>
+      <p:grpSpPr>
+        <a:xfrm>
+          <a:off x="0" y="0"/>
+          <a:ext cx="0" cy="0"/>
+          <a:chOff x="0" y="0"/>
+          <a:chExt cx="0" cy="0"/>
+        </a:xfrm>
+      </p:grpSpPr>
+      <p:sp>
+        <p:nvSpPr>
+          <p:cNvPr id="8" name="Content Placeholder 2">
+            <a:extLst>
+              <a:ext uri="{FF2B5EF4-FFF2-40B4-BE49-F238E27FC236}">
+                <a16:creationId xmlns:a16="http://schemas.microsoft.com/office/drawing/2014/main" id="{5D30512F-71BE-C842-A3D2-4229E91863BB}"/>
+              </a:ext>
+            </a:extLst>
+          </p:cNvPr>
+          <p:cNvSpPr>
+            <a:spLocks noGrp="1"/>
+          </p:cNvSpPr>
+          <p:nvPr>
+            <p:ph idx="1"/>
+          </p:nvPr>
+        </p:nvSpPr>
+        <p:spPr>
+          <a:xfrm>
+            <a:off x="609443" y="1699995"/>
+            <a:ext cx="5881298" cy="4422776"/>
+          </a:xfrm>
+        </p:spPr>
+        <p:txBody>
+          <a:bodyPr/>
+          <a:lstStyle/>
+          <a:p>
+            <a:pPr marL="0" indent="0">
+              <a:buNone/>
+            </a:pPr>
+            <a:r>
+              <a:rPr lang="en-US" dirty="0">
+                <a:solidFill>
+                  <a:srgbClr val="FF0000"/>
+                </a:solidFill>
+              </a:rPr>
+              <a:t>Definition: Refactoring is a disciplined technique for restructuring an existing body of code, altering its internal structure without changing its external behavior.</a:t>
+            </a:r>
+          </a:p>
+          <a:p>
+            <a:r>
+              <a:rPr lang="en-US" dirty="0"/>
+              <a:t>Different from development</a:t>
+            </a:r>
+          </a:p>
+          <a:p>
+            <a:pPr lvl="1"/>
+            <a:r>
+              <a:rPr lang="en-US" dirty="0"/>
+              <a:t>You have a working code </a:t>
+            </a:r>
+          </a:p>
+          <a:p>
+            <a:pPr lvl="1"/>
+            <a:r>
+              <a:rPr lang="en-US" dirty="0"/>
+              <a:t>You know and understand the behavior</a:t>
+            </a:r>
+          </a:p>
+          <a:p>
+            <a:pPr lvl="1"/>
+            <a:r>
+              <a:rPr lang="en-US" dirty="0"/>
+              <a:t>You have a baseline that you can use for comparison</a:t>
+            </a:r>
+          </a:p>
+          <a:p>
+            <a:endParaRPr lang="en-US" dirty="0"/>
+          </a:p>
+          <a:p>
+            <a:pPr lvl="1"/>
+            <a:endParaRPr lang="en-US" dirty="0"/>
+          </a:p>
+          <a:p>
+            <a:pPr lvl="2"/>
+            <a:endParaRPr lang="en-US" dirty="0"/>
+          </a:p>
+        </p:txBody>
+      </p:sp>
+      <p:sp>
+        <p:nvSpPr>
+          <p:cNvPr id="2" name="Title 1"/>
+          <p:cNvSpPr>
+            <a:spLocks noGrp="1"/>
+          </p:cNvSpPr>
+          <p:nvPr>
+            <p:ph type="title"/>
+          </p:nvPr>
+        </p:nvSpPr>
+        <p:spPr/>
+        <p:txBody>
+          <a:bodyPr/>
+          <a:lstStyle/>
+          <a:p>
+            <a:r>
+              <a:rPr lang="en-US" dirty="0"/>
+              <a:t>What is Refactoring </a:t>
+            </a:r>
+            <a:br>
+              <a:rPr lang="en-US" dirty="0"/>
+            </a:br>
+            <a:endParaRPr lang="en-US" dirty="0"/>
+          </a:p>
+        </p:txBody>
+      </p:sp>
+    </p:spTree>
+    <p:extLst>
+      <p:ext uri="{BB962C8B-B14F-4D97-AF65-F5344CB8AC3E}">
+        <p14:creationId xmlns:p14="http://schemas.microsoft.com/office/powerpoint/2010/main" val="1165708642"/>
+      </p:ext>
+    </p:extLst>
+  </p:cSld>
+  <p:clrMapOvr>
+    <a:masterClrMapping/>
+  </p:clrMapOvr>
+  <mc:AlternateContent xmlns:mc="http://schemas.openxmlformats.org/markup-compatibility/2006" xmlns:p14="http://schemas.microsoft.com/office/powerpoint/2010/main">
+    <mc:Choice Requires="p14">
+      <p:transition p14:dur="250">
+        <p:fade/>
+      </p:transition>
+    </mc:Choice>
+    <mc:Fallback xmlns="">
+      <p:transition>
+        <p:fade/>
+      </p:transition>
+    </mc:Fallback>
+  </mc:AlternateContent>
+</p:sld>
+</file>
+
+<file path=ppt/slides/slide20.xml><?xml version="1.0" encoding="utf-8"?>
 <p:sld xmlns:a="http://schemas.openxmlformats.org/drawingml/2006/main" xmlns:r="http://schemas.openxmlformats.org/officeDocument/2006/relationships" xmlns:p="http://schemas.openxmlformats.org/presentationml/2006/main">
   <p:cSld>
     <p:spTree>
@@ -10575,7 +10084,7 @@
 </p:sld>
 </file>
 
-<file path=ppt/slides/slide22.xml><?xml version="1.0" encoding="utf-8"?>
+<file path=ppt/slides/slide21.xml><?xml version="1.0" encoding="utf-8"?>
 <p:sld xmlns:a="http://schemas.openxmlformats.org/drawingml/2006/main" xmlns:r="http://schemas.openxmlformats.org/officeDocument/2006/relationships" xmlns:p="http://schemas.openxmlformats.org/presentationml/2006/main">
   <p:cSld>
     <p:spTree>
@@ -10964,650 +10473,7 @@
 </p:sld>
 </file>
 
-<file path=ppt/slides/slide23.xml><?xml version="1.0" encoding="utf-8"?>
-<p:sld xmlns:a="http://schemas.openxmlformats.org/drawingml/2006/main" xmlns:r="http://schemas.openxmlformats.org/officeDocument/2006/relationships" xmlns:p="http://schemas.openxmlformats.org/presentationml/2006/main">
-  <p:cSld>
-    <p:spTree>
-      <p:nvGrpSpPr>
-        <p:cNvPr id="1" name=""/>
-        <p:cNvGrpSpPr/>
-        <p:nvPr/>
-      </p:nvGrpSpPr>
-      <p:grpSpPr>
-        <a:xfrm>
-          <a:off x="0" y="0"/>
-          <a:ext cx="0" cy="0"/>
-          <a:chOff x="0" y="0"/>
-          <a:chExt cx="0" cy="0"/>
-        </a:xfrm>
-      </p:grpSpPr>
-      <p:sp>
-        <p:nvSpPr>
-          <p:cNvPr id="4" name="Text Placeholder 3"/>
-          <p:cNvSpPr>
-            <a:spLocks noGrp="1"/>
-          </p:cNvSpPr>
-          <p:nvPr>
-            <p:ph type="body" sz="quarter" idx="12"/>
-          </p:nvPr>
-        </p:nvSpPr>
-        <p:spPr/>
-        <p:txBody>
-          <a:bodyPr/>
-          <a:lstStyle/>
-          <a:p>
-            <a:r>
-              <a:rPr lang="en-US" dirty="0"/>
-              <a:t>Refactoring to supporting a different AMR library</a:t>
-            </a:r>
-          </a:p>
-        </p:txBody>
-      </p:sp>
-      <p:sp>
-        <p:nvSpPr>
-          <p:cNvPr id="2" name="Title 1"/>
-          <p:cNvSpPr>
-            <a:spLocks noGrp="1"/>
-          </p:cNvSpPr>
-          <p:nvPr>
-            <p:ph type="title"/>
-          </p:nvPr>
-        </p:nvSpPr>
-        <p:spPr/>
-        <p:txBody>
-          <a:bodyPr/>
-          <a:lstStyle/>
-          <a:p>
-            <a:r>
-              <a:rPr lang="en-US" dirty="0"/>
-              <a:t>A Real-World Example: FLASH to Flash-X</a:t>
-            </a:r>
-          </a:p>
-        </p:txBody>
-      </p:sp>
-      <p:pic>
-        <p:nvPicPr>
-          <p:cNvPr id="9" name="Picture 8">
-            <a:extLst>
-              <a:ext uri="{FF2B5EF4-FFF2-40B4-BE49-F238E27FC236}">
-                <a16:creationId xmlns:a16="http://schemas.microsoft.com/office/drawing/2014/main" id="{6F3ADAC1-15CD-8E44-946A-4A711DC4E27F}"/>
-              </a:ext>
-            </a:extLst>
-          </p:cNvPr>
-          <p:cNvPicPr>
-            <a:picLocks noChangeAspect="1"/>
-          </p:cNvPicPr>
-          <p:nvPr/>
-        </p:nvPicPr>
-        <p:blipFill>
-          <a:blip r:embed="rId3"/>
-          <a:stretch>
-            <a:fillRect/>
-          </a:stretch>
-        </p:blipFill>
-        <p:spPr>
-          <a:xfrm>
-            <a:off x="5772231" y="2353796"/>
-            <a:ext cx="4610100" cy="2616200"/>
-          </a:xfrm>
-          <a:prstGeom prst="rect">
-            <a:avLst/>
-          </a:prstGeom>
-        </p:spPr>
-      </p:pic>
-      <p:sp>
-        <p:nvSpPr>
-          <p:cNvPr id="3" name="TextBox 2">
-            <a:extLst>
-              <a:ext uri="{FF2B5EF4-FFF2-40B4-BE49-F238E27FC236}">
-                <a16:creationId xmlns:a16="http://schemas.microsoft.com/office/drawing/2014/main" id="{BCB57A9D-D6A7-6544-969C-564C5AE22E4E}"/>
-              </a:ext>
-            </a:extLst>
-          </p:cNvPr>
-          <p:cNvSpPr txBox="1"/>
-          <p:nvPr/>
-        </p:nvSpPr>
-        <p:spPr>
-          <a:xfrm>
-            <a:off x="1323630" y="2003931"/>
-            <a:ext cx="3792618" cy="2870016"/>
-          </a:xfrm>
-          <a:prstGeom prst="rect">
-            <a:avLst/>
-          </a:prstGeom>
-          <a:noFill/>
-        </p:spPr>
-        <p:txBody>
-          <a:bodyPr wrap="square" rtlCol="0">
-            <a:spAutoFit/>
-          </a:bodyPr>
-          <a:lstStyle/>
-          <a:p>
-            <a:endParaRPr lang="en-US" sz="1400" dirty="0"/>
-          </a:p>
-          <a:p>
-            <a:endParaRPr lang="en-US" sz="1400" b="1" dirty="0"/>
-          </a:p>
-          <a:p>
-            <a:r>
-              <a:rPr lang="en-US" sz="1400" b="1" dirty="0"/>
-              <a:t>Goal</a:t>
-            </a:r>
-            <a:r>
-              <a:rPr lang="en-US" sz="1400" dirty="0"/>
-              <a:t>: Replace Paramesh with </a:t>
-            </a:r>
-            <a:r>
-              <a:rPr lang="en-US" sz="1400" dirty="0" err="1"/>
-              <a:t>AMReX</a:t>
-            </a:r>
-            <a:endParaRPr lang="en-US" sz="1400" dirty="0"/>
-          </a:p>
-          <a:p>
-            <a:endParaRPr lang="en-US" sz="1400" dirty="0"/>
-          </a:p>
-          <a:p>
-            <a:r>
-              <a:rPr lang="en-US" sz="1400" b="1" dirty="0"/>
-              <a:t>Plan</a:t>
-            </a:r>
-            <a:r>
-              <a:rPr lang="en-US" sz="1400" dirty="0"/>
-              <a:t>: Getting there from here</a:t>
-            </a:r>
-          </a:p>
-          <a:p>
-            <a:pPr marL="285750" indent="-285750">
-              <a:buFont typeface="Arial" panose="020B0604020202020204" pitchFamily="34" charset="0"/>
-              <a:buChar char="•"/>
-            </a:pPr>
-            <a:r>
-              <a:rPr lang="en-US" sz="1400" dirty="0"/>
-              <a:t>On ramping</a:t>
-            </a:r>
-          </a:p>
-          <a:p>
-            <a:pPr marL="285750" indent="-285750">
-              <a:buFont typeface="Arial" panose="020B0604020202020204" pitchFamily="34" charset="0"/>
-              <a:buChar char="•"/>
-            </a:pPr>
-            <a:r>
-              <a:rPr lang="en-US" sz="1400" dirty="0"/>
-              <a:t>Design</a:t>
-            </a:r>
-          </a:p>
-          <a:p>
-            <a:pPr marL="285750" indent="-285750">
-              <a:buFont typeface="Arial" panose="020B0604020202020204" pitchFamily="34" charset="0"/>
-              <a:buChar char="•"/>
-            </a:pPr>
-            <a:r>
-              <a:rPr lang="en-US" sz="1400" dirty="0"/>
-              <a:t>Intermediate steps</a:t>
-            </a:r>
-          </a:p>
-          <a:p>
-            <a:pPr marL="285750" indent="-285750">
-              <a:buFont typeface="Arial" panose="020B0604020202020204" pitchFamily="34" charset="0"/>
-              <a:buChar char="•"/>
-            </a:pPr>
-            <a:r>
-              <a:rPr lang="en-US" sz="1400" dirty="0"/>
-              <a:t>Realizing the goal</a:t>
-            </a:r>
-          </a:p>
-          <a:p>
-            <a:pPr marL="285750" indent="-285750">
-              <a:buFont typeface="Arial" panose="020B0604020202020204" pitchFamily="34" charset="0"/>
-              <a:buChar char="•"/>
-            </a:pPr>
-            <a:endParaRPr lang="en-US" sz="1400" dirty="0"/>
-          </a:p>
-          <a:p>
-            <a:pPr marL="285755" indent="-285755">
-              <a:buFont typeface="Arial" panose="020B0604020202020204" pitchFamily="34" charset="0"/>
-              <a:buChar char="•"/>
-            </a:pPr>
-            <a:endParaRPr lang="en-US" sz="1350" dirty="0"/>
-          </a:p>
-          <a:p>
-            <a:endParaRPr lang="en-US" sz="1350" dirty="0"/>
-          </a:p>
-          <a:p>
-            <a:endParaRPr lang="en-US" sz="1350" dirty="0"/>
-          </a:p>
-        </p:txBody>
-      </p:sp>
-    </p:spTree>
-    <p:extLst>
-      <p:ext uri="{BB962C8B-B14F-4D97-AF65-F5344CB8AC3E}">
-        <p14:creationId xmlns:p14="http://schemas.microsoft.com/office/powerpoint/2010/main" val="3273437125"/>
-      </p:ext>
-    </p:extLst>
-  </p:cSld>
-  <p:clrMapOvr>
-    <a:masterClrMapping/>
-  </p:clrMapOvr>
-  <mc:AlternateContent xmlns:mc="http://schemas.openxmlformats.org/markup-compatibility/2006" xmlns:p14="http://schemas.microsoft.com/office/powerpoint/2010/main">
-    <mc:Choice Requires="p14">
-      <p:transition p14:dur="250">
-        <p:fade/>
-      </p:transition>
-    </mc:Choice>
-    <mc:Fallback xmlns="">
-      <p:transition>
-        <p:fade/>
-      </p:transition>
-    </mc:Fallback>
-  </mc:AlternateContent>
-</p:sld>
-</file>
-
-<file path=ppt/slides/slide24.xml><?xml version="1.0" encoding="utf-8"?>
-<p:sld xmlns:a="http://schemas.openxmlformats.org/drawingml/2006/main" xmlns:r="http://schemas.openxmlformats.org/officeDocument/2006/relationships" xmlns:p="http://schemas.openxmlformats.org/presentationml/2006/main">
-  <p:cSld>
-    <p:spTree>
-      <p:nvGrpSpPr>
-        <p:cNvPr id="1" name=""/>
-        <p:cNvGrpSpPr/>
-        <p:nvPr/>
-      </p:nvGrpSpPr>
-      <p:grpSpPr>
-        <a:xfrm>
-          <a:off x="0" y="0"/>
-          <a:ext cx="0" cy="0"/>
-          <a:chOff x="0" y="0"/>
-          <a:chExt cx="0" cy="0"/>
-        </a:xfrm>
-      </p:grpSpPr>
-      <p:sp>
-        <p:nvSpPr>
-          <p:cNvPr id="3" name="Content Placeholder 2"/>
-          <p:cNvSpPr>
-            <a:spLocks noGrp="1"/>
-          </p:cNvSpPr>
-          <p:nvPr>
-            <p:ph idx="1"/>
-          </p:nvPr>
-        </p:nvSpPr>
-        <p:spPr>
-          <a:xfrm>
-            <a:off x="609442" y="1699995"/>
-            <a:ext cx="4637115" cy="4422776"/>
-          </a:xfrm>
-        </p:spPr>
-        <p:txBody>
-          <a:bodyPr/>
-          <a:lstStyle/>
-          <a:p>
-            <a:r>
-              <a:rPr lang="en-US" dirty="0"/>
-              <a:t>Cost estimation</a:t>
-            </a:r>
-          </a:p>
-          <a:p>
-            <a:pPr lvl="1"/>
-            <a:r>
-              <a:rPr lang="en-US" dirty="0"/>
-              <a:t>Expected developer time </a:t>
-            </a:r>
-          </a:p>
-          <a:p>
-            <a:pPr lvl="1"/>
-            <a:r>
-              <a:rPr lang="en-US" dirty="0"/>
-              <a:t>Extent of disruption in production schedules</a:t>
-            </a:r>
-          </a:p>
-          <a:p>
-            <a:r>
-              <a:rPr lang="en-US" dirty="0"/>
-              <a:t>Get a buy-in from the stakeholders</a:t>
-            </a:r>
-          </a:p>
-          <a:p>
-            <a:pPr lvl="1"/>
-            <a:r>
-              <a:rPr lang="en-US" dirty="0"/>
-              <a:t>That includes the users</a:t>
-            </a:r>
-          </a:p>
-          <a:p>
-            <a:pPr lvl="1"/>
-            <a:r>
-              <a:rPr lang="en-US" dirty="0"/>
-              <a:t>For both development time and disruption</a:t>
-            </a:r>
-          </a:p>
-          <a:p>
-            <a:pPr lvl="1"/>
-            <a:endParaRPr lang="en-US" dirty="0"/>
-          </a:p>
-        </p:txBody>
-      </p:sp>
-      <p:sp>
-        <p:nvSpPr>
-          <p:cNvPr id="2" name="Title 1"/>
-          <p:cNvSpPr>
-            <a:spLocks noGrp="1"/>
-          </p:cNvSpPr>
-          <p:nvPr>
-            <p:ph type="title"/>
-          </p:nvPr>
-        </p:nvSpPr>
-        <p:spPr/>
-        <p:txBody>
-          <a:bodyPr/>
-          <a:lstStyle/>
-          <a:p>
-            <a:r>
-              <a:rPr lang="en-US" dirty="0"/>
-              <a:t>Considerations</a:t>
-            </a:r>
-          </a:p>
-        </p:txBody>
-      </p:sp>
-      <p:sp>
-        <p:nvSpPr>
-          <p:cNvPr id="9" name="Content Placeholder 2">
-            <a:extLst>
-              <a:ext uri="{FF2B5EF4-FFF2-40B4-BE49-F238E27FC236}">
-                <a16:creationId xmlns:a16="http://schemas.microsoft.com/office/drawing/2014/main" id="{8E2B0C6B-8889-2E4D-91F7-CC2D2FA14E57}"/>
-              </a:ext>
-            </a:extLst>
-          </p:cNvPr>
-          <p:cNvSpPr txBox="1">
-            <a:spLocks/>
-          </p:cNvSpPr>
-          <p:nvPr/>
-        </p:nvSpPr>
-        <p:spPr bwMode="auto">
-          <a:xfrm>
-            <a:off x="5302419" y="826179"/>
-            <a:ext cx="5952960" cy="4446085"/>
-          </a:xfrm>
-          <a:prstGeom prst="rect">
-            <a:avLst/>
-          </a:prstGeom>
-          <a:noFill/>
-          <a:ln w="9525">
-            <a:noFill/>
-            <a:miter lim="800000"/>
-            <a:headEnd/>
-            <a:tailEnd/>
-          </a:ln>
-        </p:spPr>
-        <p:txBody>
-          <a:bodyPr vert="horz" wrap="square" lIns="91440" tIns="45720" rIns="91440" bIns="45720" numCol="1" anchor="t" anchorCtr="0" compatLnSpc="1">
-            <a:prstTxWarp prst="textNoShape">
-              <a:avLst/>
-            </a:prstTxWarp>
-            <a:normAutofit/>
-          </a:bodyPr>
-          <a:lstStyle>
-            <a:lvl1pPr marL="230188" indent="-230188" algn="l" rtl="0" eaLnBrk="1" fontAlgn="base" hangingPunct="1">
-              <a:lnSpc>
-                <a:spcPct val="90000"/>
-              </a:lnSpc>
-              <a:spcBef>
-                <a:spcPts val="1400"/>
-              </a:spcBef>
-              <a:spcAft>
-                <a:spcPct val="0"/>
-              </a:spcAft>
-              <a:buClr>
-                <a:schemeClr val="tx1"/>
-              </a:buClr>
-              <a:buFont typeface="Arial" charset="0"/>
-              <a:buChar char="•"/>
-              <a:defRPr sz="2400" kern="1200" baseline="0">
-                <a:solidFill>
-                  <a:schemeClr val="tx1"/>
-                </a:solidFill>
-                <a:latin typeface="+mn-lt"/>
-                <a:ea typeface="+mn-ea"/>
-                <a:cs typeface="+mn-cs"/>
-              </a:defRPr>
-            </a:lvl1pPr>
-            <a:lvl2pPr marL="625475" indent="-279400" algn="l" rtl="0" eaLnBrk="1" fontAlgn="base" hangingPunct="1">
-              <a:lnSpc>
-                <a:spcPct val="90000"/>
-              </a:lnSpc>
-              <a:spcBef>
-                <a:spcPts val="800"/>
-              </a:spcBef>
-              <a:spcAft>
-                <a:spcPct val="0"/>
-              </a:spcAft>
-              <a:buClr>
-                <a:schemeClr val="tx1"/>
-              </a:buClr>
-              <a:buFont typeface="Arial" charset="0"/>
-              <a:buChar char="–"/>
-              <a:defRPr sz="2000" kern="1200">
-                <a:solidFill>
-                  <a:schemeClr val="tx1"/>
-                </a:solidFill>
-                <a:latin typeface="+mn-lt"/>
-                <a:ea typeface="+mn-ea"/>
-                <a:cs typeface="+mn-cs"/>
-              </a:defRPr>
-            </a:lvl2pPr>
-            <a:lvl3pPr marL="914400" indent="-230188" algn="l" rtl="0" eaLnBrk="1" fontAlgn="base" hangingPunct="1">
-              <a:lnSpc>
-                <a:spcPct val="90000"/>
-              </a:lnSpc>
-              <a:spcBef>
-                <a:spcPts val="800"/>
-              </a:spcBef>
-              <a:spcAft>
-                <a:spcPct val="0"/>
-              </a:spcAft>
-              <a:buClr>
-                <a:schemeClr val="tx1"/>
-              </a:buClr>
-              <a:buFont typeface="Arial" charset="0"/>
-              <a:buChar char="•"/>
-              <a:defRPr sz="1800" kern="1200">
-                <a:solidFill>
-                  <a:schemeClr val="tx1"/>
-                </a:solidFill>
-                <a:latin typeface="+mn-lt"/>
-                <a:ea typeface="+mn-ea"/>
-                <a:cs typeface="+mn-cs"/>
-              </a:defRPr>
-            </a:lvl3pPr>
-            <a:lvl4pPr marL="1144588" indent="-173038" algn="l" rtl="0" eaLnBrk="1" fontAlgn="base" hangingPunct="1">
-              <a:lnSpc>
-                <a:spcPct val="90000"/>
-              </a:lnSpc>
-              <a:spcBef>
-                <a:spcPts val="800"/>
-              </a:spcBef>
-              <a:spcAft>
-                <a:spcPct val="0"/>
-              </a:spcAft>
-              <a:buClr>
-                <a:schemeClr val="tx1"/>
-              </a:buClr>
-              <a:buFont typeface="Arial" charset="0"/>
-              <a:buChar char="–"/>
-              <a:defRPr sz="1600" kern="1200">
-                <a:solidFill>
-                  <a:schemeClr val="tx1"/>
-                </a:solidFill>
-                <a:latin typeface="+mn-lt"/>
-                <a:ea typeface="+mn-ea"/>
-                <a:cs typeface="+mn-cs"/>
-              </a:defRPr>
-            </a:lvl4pPr>
-            <a:lvl5pPr marL="1482725" indent="-222250" algn="l" rtl="0" eaLnBrk="1" fontAlgn="base" hangingPunct="1">
-              <a:lnSpc>
-                <a:spcPct val="90000"/>
-              </a:lnSpc>
-              <a:spcBef>
-                <a:spcPts val="600"/>
-              </a:spcBef>
-              <a:spcAft>
-                <a:spcPct val="0"/>
-              </a:spcAft>
-              <a:buClr>
-                <a:schemeClr val="tx1"/>
-              </a:buClr>
-              <a:buFont typeface="Arial" charset="0"/>
-              <a:buChar char="»"/>
-              <a:defRPr sz="1600" kern="1200">
-                <a:solidFill>
-                  <a:schemeClr val="tx1"/>
-                </a:solidFill>
-                <a:latin typeface="+mn-lt"/>
-                <a:ea typeface="+mn-ea"/>
-                <a:cs typeface="+mn-cs"/>
-              </a:defRPr>
-            </a:lvl5pPr>
-            <a:lvl6pPr marL="2514600" indent="-228600" algn="l" defTabSz="914400" rtl="0" eaLnBrk="1" latinLnBrk="0" hangingPunct="1">
-              <a:spcBef>
-                <a:spcPct val="20000"/>
-              </a:spcBef>
-              <a:buFont typeface="Arial" pitchFamily="34" charset="0"/>
-              <a:buChar char="•"/>
-              <a:defRPr sz="2000" kern="1200">
-                <a:solidFill>
-                  <a:schemeClr val="tx1"/>
-                </a:solidFill>
-                <a:latin typeface="+mn-lt"/>
-                <a:ea typeface="+mn-ea"/>
-                <a:cs typeface="+mn-cs"/>
-              </a:defRPr>
-            </a:lvl6pPr>
-            <a:lvl7pPr marL="2971800" indent="-228600" algn="l" defTabSz="914400" rtl="0" eaLnBrk="1" latinLnBrk="0" hangingPunct="1">
-              <a:spcBef>
-                <a:spcPct val="20000"/>
-              </a:spcBef>
-              <a:buFont typeface="Arial" pitchFamily="34" charset="0"/>
-              <a:buChar char="•"/>
-              <a:defRPr sz="2000" kern="1200">
-                <a:solidFill>
-                  <a:schemeClr val="tx1"/>
-                </a:solidFill>
-                <a:latin typeface="+mn-lt"/>
-                <a:ea typeface="+mn-ea"/>
-                <a:cs typeface="+mn-cs"/>
-              </a:defRPr>
-            </a:lvl7pPr>
-            <a:lvl8pPr marL="3429000" indent="-228600" algn="l" defTabSz="914400" rtl="0" eaLnBrk="1" latinLnBrk="0" hangingPunct="1">
-              <a:spcBef>
-                <a:spcPct val="20000"/>
-              </a:spcBef>
-              <a:buFont typeface="Arial" pitchFamily="34" charset="0"/>
-              <a:buChar char="•"/>
-              <a:defRPr sz="2000" kern="1200">
-                <a:solidFill>
-                  <a:schemeClr val="tx1"/>
-                </a:solidFill>
-                <a:latin typeface="+mn-lt"/>
-                <a:ea typeface="+mn-ea"/>
-                <a:cs typeface="+mn-cs"/>
-              </a:defRPr>
-            </a:lvl8pPr>
-            <a:lvl9pPr marL="3886200" indent="-228600" algn="l" defTabSz="914400" rtl="0" eaLnBrk="1" latinLnBrk="0" hangingPunct="1">
-              <a:spcBef>
-                <a:spcPct val="20000"/>
-              </a:spcBef>
-              <a:buFont typeface="Arial" pitchFamily="34" charset="0"/>
-              <a:buChar char="•"/>
-              <a:defRPr sz="2000" kern="1200">
-                <a:solidFill>
-                  <a:schemeClr val="tx1"/>
-                </a:solidFill>
-                <a:latin typeface="+mn-lt"/>
-                <a:ea typeface="+mn-ea"/>
-                <a:cs typeface="+mn-cs"/>
-              </a:defRPr>
-            </a:lvl9pPr>
-          </a:lstStyle>
-          <a:p>
-            <a:r>
-              <a:rPr lang="en-US" dirty="0"/>
-              <a:t>In FLASH</a:t>
-            </a:r>
-          </a:p>
-          <a:p>
-            <a:pPr lvl="1"/>
-            <a:r>
-              <a:rPr lang="en-US" dirty="0"/>
-              <a:t>Initial estimate at 6-12 months</a:t>
-            </a:r>
-          </a:p>
-          <a:p>
-            <a:pPr lvl="1"/>
-            <a:r>
-              <a:rPr lang="en-US" dirty="0"/>
-              <a:t>Took close to 12 months</a:t>
-            </a:r>
-          </a:p>
-          <a:p>
-            <a:pPr lvl="2"/>
-            <a:endParaRPr lang="en-US" dirty="0"/>
-          </a:p>
-        </p:txBody>
-      </p:sp>
-      <p:pic>
-        <p:nvPicPr>
-          <p:cNvPr id="10" name="Content Placeholder 6">
-            <a:extLst>
-              <a:ext uri="{FF2B5EF4-FFF2-40B4-BE49-F238E27FC236}">
-                <a16:creationId xmlns:a16="http://schemas.microsoft.com/office/drawing/2014/main" id="{62426650-9F82-EB44-8ED8-BA2D3B851310}"/>
-              </a:ext>
-            </a:extLst>
-          </p:cNvPr>
-          <p:cNvPicPr>
-            <a:picLocks noChangeAspect="1"/>
-          </p:cNvPicPr>
-          <p:nvPr/>
-        </p:nvPicPr>
-        <p:blipFill>
-          <a:blip r:embed="rId2"/>
-          <a:stretch>
-            <a:fillRect/>
-          </a:stretch>
-        </p:blipFill>
-        <p:spPr>
-          <a:xfrm>
-            <a:off x="5188660" y="2375135"/>
-            <a:ext cx="4522602" cy="3118067"/>
-          </a:xfrm>
-          <a:prstGeom prst="rect">
-            <a:avLst/>
-          </a:prstGeom>
-        </p:spPr>
-      </p:pic>
-    </p:spTree>
-    <p:extLst>
-      <p:ext uri="{BB962C8B-B14F-4D97-AF65-F5344CB8AC3E}">
-        <p14:creationId xmlns:p14="http://schemas.microsoft.com/office/powerpoint/2010/main" val="2652567146"/>
-      </p:ext>
-    </p:extLst>
-  </p:cSld>
-  <p:clrMapOvr>
-    <a:masterClrMapping/>
-  </p:clrMapOvr>
-  <mc:AlternateContent xmlns:mc="http://schemas.openxmlformats.org/markup-compatibility/2006" xmlns:p14="http://schemas.microsoft.com/office/powerpoint/2010/main">
-    <mc:Choice Requires="p14">
-      <p:transition p14:dur="250">
-        <p:fade/>
-      </p:transition>
-    </mc:Choice>
-    <mc:Fallback xmlns="">
-      <p:transition>
-        <p:fade/>
-      </p:transition>
-    </mc:Fallback>
-  </mc:AlternateContent>
-</p:sld>
-</file>
-
-<file path=ppt/slides/slide25.xml><?xml version="1.0" encoding="utf-8"?>
+<file path=ppt/slides/slide22.xml><?xml version="1.0" encoding="utf-8"?>
 <p:sld xmlns:a="http://schemas.openxmlformats.org/drawingml/2006/main" xmlns:r="http://schemas.openxmlformats.org/officeDocument/2006/relationships" xmlns:p="http://schemas.openxmlformats.org/presentationml/2006/main">
   <p:cSld>
     <p:spTree>
@@ -12828,8 +11694,8 @@
 </p:sld>
 </file>
 
-<file path=ppt/slides/slide26.xml><?xml version="1.0" encoding="utf-8"?>
-<p:sld xmlns:a="http://schemas.openxmlformats.org/drawingml/2006/main" xmlns:r="http://schemas.openxmlformats.org/officeDocument/2006/relationships" xmlns:p="http://schemas.openxmlformats.org/presentationml/2006/main" show="0">
+<file path=ppt/slides/slide23.xml><?xml version="1.0" encoding="utf-8"?>
+<p:sld xmlns:a="http://schemas.openxmlformats.org/drawingml/2006/main" xmlns:r="http://schemas.openxmlformats.org/officeDocument/2006/relationships" xmlns:p="http://schemas.openxmlformats.org/presentationml/2006/main">
   <p:cSld>
     <p:spTree>
       <p:nvGrpSpPr>
@@ -14184,13 +13050,13 @@
   <p:clrMapOvr>
     <a:masterClrMapping/>
   </p:clrMapOvr>
-  <mc:AlternateContent xmlns:mc="http://schemas.openxmlformats.org/markup-compatibility/2006" xmlns:p14="http://schemas.microsoft.com/office/powerpoint/2010/main">
-    <mc:Choice Requires="p14">
+  <mc:AlternateContent xmlns:mc="http://schemas.openxmlformats.org/markup-compatibility/2006">
+    <mc:Choice xmlns:p14="http://schemas.microsoft.com/office/powerpoint/2010/main" Requires="p14">
       <p:transition p14:dur="250">
         <p:fade/>
       </p:transition>
     </mc:Choice>
-    <mc:Fallback xmlns="">
+    <mc:Fallback>
       <p:transition>
         <p:fade/>
       </p:transition>
@@ -14199,8 +13065,8 @@
 </p:sld>
 </file>
 
-<file path=ppt/slides/slide27.xml><?xml version="1.0" encoding="utf-8"?>
-<p:sld xmlns:a="http://schemas.openxmlformats.org/drawingml/2006/main" xmlns:r="http://schemas.openxmlformats.org/officeDocument/2006/relationships" xmlns:p="http://schemas.openxmlformats.org/presentationml/2006/main" show="0">
+<file path=ppt/slides/slide24.xml><?xml version="1.0" encoding="utf-8"?>
+<p:sld xmlns:a="http://schemas.openxmlformats.org/drawingml/2006/main" xmlns:r="http://schemas.openxmlformats.org/officeDocument/2006/relationships" xmlns:p="http://schemas.openxmlformats.org/presentationml/2006/main">
   <p:cSld>
     <p:spTree>
       <p:nvGrpSpPr>
@@ -16299,13 +15165,13 @@
   <p:clrMapOvr>
     <a:masterClrMapping/>
   </p:clrMapOvr>
-  <mc:AlternateContent xmlns:mc="http://schemas.openxmlformats.org/markup-compatibility/2006" xmlns:p14="http://schemas.microsoft.com/office/powerpoint/2010/main">
-    <mc:Choice Requires="p14">
+  <mc:AlternateContent xmlns:mc="http://schemas.openxmlformats.org/markup-compatibility/2006">
+    <mc:Choice xmlns:p14="http://schemas.microsoft.com/office/powerpoint/2010/main" Requires="p14">
       <p:transition p14:dur="250">
         <p:fade/>
       </p:transition>
     </mc:Choice>
-    <mc:Fallback xmlns="">
+    <mc:Fallback>
       <p:transition>
         <p:fade/>
       </p:transition>
@@ -16314,8 +15180,8 @@
 </p:sld>
 </file>
 
-<file path=ppt/slides/slide28.xml><?xml version="1.0" encoding="utf-8"?>
-<p:sld xmlns:a="http://schemas.openxmlformats.org/drawingml/2006/main" xmlns:r="http://schemas.openxmlformats.org/officeDocument/2006/relationships" xmlns:p="http://schemas.openxmlformats.org/presentationml/2006/main" show="0">
+<file path=ppt/slides/slide25.xml><?xml version="1.0" encoding="utf-8"?>
+<p:sld xmlns:a="http://schemas.openxmlformats.org/drawingml/2006/main" xmlns:r="http://schemas.openxmlformats.org/officeDocument/2006/relationships" xmlns:p="http://schemas.openxmlformats.org/presentationml/2006/main">
   <p:cSld>
     <p:spTree>
       <p:nvGrpSpPr>
@@ -16804,13 +15670,13 @@
   <p:clrMapOvr>
     <a:masterClrMapping/>
   </p:clrMapOvr>
-  <mc:AlternateContent xmlns:mc="http://schemas.openxmlformats.org/markup-compatibility/2006" xmlns:p14="http://schemas.microsoft.com/office/powerpoint/2010/main">
-    <mc:Choice Requires="p14">
+  <mc:AlternateContent xmlns:mc="http://schemas.openxmlformats.org/markup-compatibility/2006">
+    <mc:Choice xmlns:p14="http://schemas.microsoft.com/office/powerpoint/2010/main" Requires="p14">
       <p:transition p14:dur="250">
         <p:fade/>
       </p:transition>
     </mc:Choice>
-    <mc:Fallback xmlns="">
+    <mc:Fallback>
       <p:transition>
         <p:fade/>
       </p:transition>
@@ -16819,8 +15685,8 @@
 </p:sld>
 </file>
 
-<file path=ppt/slides/slide29.xml><?xml version="1.0" encoding="utf-8"?>
-<p:sld xmlns:a="http://schemas.openxmlformats.org/drawingml/2006/main" xmlns:r="http://schemas.openxmlformats.org/officeDocument/2006/relationships" xmlns:p="http://schemas.openxmlformats.org/presentationml/2006/main" show="0">
+<file path=ppt/slides/slide26.xml><?xml version="1.0" encoding="utf-8"?>
+<p:sld xmlns:a="http://schemas.openxmlformats.org/drawingml/2006/main" xmlns:r="http://schemas.openxmlformats.org/officeDocument/2006/relationships" xmlns:p="http://schemas.openxmlformats.org/presentationml/2006/main">
   <p:cSld>
     <p:spTree>
       <p:nvGrpSpPr>
@@ -17628,13 +16494,13 @@
   <p:clrMapOvr>
     <a:masterClrMapping/>
   </p:clrMapOvr>
-  <mc:AlternateContent xmlns:mc="http://schemas.openxmlformats.org/markup-compatibility/2006" xmlns:p14="http://schemas.microsoft.com/office/powerpoint/2010/main">
-    <mc:Choice Requires="p14">
+  <mc:AlternateContent xmlns:mc="http://schemas.openxmlformats.org/markup-compatibility/2006">
+    <mc:Choice xmlns:p14="http://schemas.microsoft.com/office/powerpoint/2010/main" Requires="p14">
       <p:transition p14:dur="250">
         <p:fade/>
       </p:transition>
     </mc:Choice>
-    <mc:Fallback xmlns="">
+    <mc:Fallback>
       <p:transition>
         <p:fade/>
       </p:transition>
@@ -17643,154 +16509,8 @@
 </p:sld>
 </file>
 
-<file path=ppt/slides/slide3.xml><?xml version="1.0" encoding="utf-8"?>
+<file path=ppt/slides/slide27.xml><?xml version="1.0" encoding="utf-8"?>
 <p:sld xmlns:a="http://schemas.openxmlformats.org/drawingml/2006/main" xmlns:r="http://schemas.openxmlformats.org/officeDocument/2006/relationships" xmlns:p="http://schemas.openxmlformats.org/presentationml/2006/main">
-  <p:cSld>
-    <p:spTree>
-      <p:nvGrpSpPr>
-        <p:cNvPr id="1" name=""/>
-        <p:cNvGrpSpPr/>
-        <p:nvPr/>
-      </p:nvGrpSpPr>
-      <p:grpSpPr>
-        <a:xfrm>
-          <a:off x="0" y="0"/>
-          <a:ext cx="0" cy="0"/>
-          <a:chOff x="0" y="0"/>
-          <a:chExt cx="0" cy="0"/>
-        </a:xfrm>
-      </p:grpSpPr>
-      <p:sp>
-        <p:nvSpPr>
-          <p:cNvPr id="8" name="Content Placeholder 2">
-            <a:extLst>
-              <a:ext uri="{FF2B5EF4-FFF2-40B4-BE49-F238E27FC236}">
-                <a16:creationId xmlns:a16="http://schemas.microsoft.com/office/drawing/2014/main" id="{5D30512F-71BE-C842-A3D2-4229E91863BB}"/>
-              </a:ext>
-            </a:extLst>
-          </p:cNvPr>
-          <p:cNvSpPr>
-            <a:spLocks noGrp="1"/>
-          </p:cNvSpPr>
-          <p:nvPr>
-            <p:ph idx="1"/>
-          </p:nvPr>
-        </p:nvSpPr>
-        <p:spPr>
-          <a:xfrm>
-            <a:off x="609443" y="1699995"/>
-            <a:ext cx="5881298" cy="4422776"/>
-          </a:xfrm>
-        </p:spPr>
-        <p:txBody>
-          <a:bodyPr/>
-          <a:lstStyle/>
-          <a:p>
-            <a:pPr marL="0" indent="0">
-              <a:buNone/>
-            </a:pPr>
-            <a:r>
-              <a:rPr lang="en-US" dirty="0">
-                <a:solidFill>
-                  <a:srgbClr val="FF0000"/>
-                </a:solidFill>
-              </a:rPr>
-              <a:t>Definition: Refactoring is a disciplined technique for restructuring an existing body of code, altering its internal structure without changing its external behavior.</a:t>
-            </a:r>
-          </a:p>
-          <a:p>
-            <a:r>
-              <a:rPr lang="en-US" dirty="0"/>
-              <a:t>Different from development</a:t>
-            </a:r>
-          </a:p>
-          <a:p>
-            <a:pPr lvl="1"/>
-            <a:r>
-              <a:rPr lang="en-US" dirty="0"/>
-              <a:t>You have a working code </a:t>
-            </a:r>
-          </a:p>
-          <a:p>
-            <a:pPr lvl="1"/>
-            <a:r>
-              <a:rPr lang="en-US" dirty="0"/>
-              <a:t>You know and understand the behavior</a:t>
-            </a:r>
-          </a:p>
-          <a:p>
-            <a:pPr lvl="1"/>
-            <a:r>
-              <a:rPr lang="en-US" dirty="0"/>
-              <a:t>You have a baseline that you can use for comparison</a:t>
-            </a:r>
-          </a:p>
-          <a:p>
-            <a:endParaRPr lang="en-US" dirty="0"/>
-          </a:p>
-          <a:p>
-            <a:pPr lvl="1"/>
-            <a:endParaRPr lang="en-US" dirty="0"/>
-          </a:p>
-          <a:p>
-            <a:pPr lvl="2"/>
-            <a:endParaRPr lang="en-US" dirty="0"/>
-          </a:p>
-        </p:txBody>
-      </p:sp>
-      <p:sp>
-        <p:nvSpPr>
-          <p:cNvPr id="2" name="Title 1"/>
-          <p:cNvSpPr>
-            <a:spLocks noGrp="1"/>
-          </p:cNvSpPr>
-          <p:nvPr>
-            <p:ph type="title"/>
-          </p:nvPr>
-        </p:nvSpPr>
-        <p:spPr/>
-        <p:txBody>
-          <a:bodyPr/>
-          <a:lstStyle/>
-          <a:p>
-            <a:r>
-              <a:rPr lang="en-US" dirty="0"/>
-              <a:t>What is Refactoring </a:t>
-            </a:r>
-            <a:br>
-              <a:rPr lang="en-US" dirty="0"/>
-            </a:br>
-            <a:endParaRPr lang="en-US" dirty="0"/>
-          </a:p>
-        </p:txBody>
-      </p:sp>
-    </p:spTree>
-    <p:extLst>
-      <p:ext uri="{BB962C8B-B14F-4D97-AF65-F5344CB8AC3E}">
-        <p14:creationId xmlns:p14="http://schemas.microsoft.com/office/powerpoint/2010/main" val="1165708642"/>
-      </p:ext>
-    </p:extLst>
-  </p:cSld>
-  <p:clrMapOvr>
-    <a:masterClrMapping/>
-  </p:clrMapOvr>
-  <mc:AlternateContent xmlns:mc="http://schemas.openxmlformats.org/markup-compatibility/2006" xmlns:p14="http://schemas.microsoft.com/office/powerpoint/2010/main">
-    <mc:Choice Requires="p14">
-      <p:transition p14:dur="250">
-        <p:fade/>
-      </p:transition>
-    </mc:Choice>
-    <mc:Fallback xmlns="">
-      <p:transition>
-        <p:fade/>
-      </p:transition>
-    </mc:Fallback>
-  </mc:AlternateContent>
-</p:sld>
-</file>
-
-<file path=ppt/slides/slide30.xml><?xml version="1.0" encoding="utf-8"?>
-<p:sld xmlns:a="http://schemas.openxmlformats.org/drawingml/2006/main" xmlns:r="http://schemas.openxmlformats.org/officeDocument/2006/relationships" xmlns:p="http://schemas.openxmlformats.org/presentationml/2006/main" show="0">
   <p:cSld>
     <p:spTree>
       <p:nvGrpSpPr>
@@ -18686,13 +17406,13 @@
   <p:clrMapOvr>
     <a:masterClrMapping/>
   </p:clrMapOvr>
-  <mc:AlternateContent xmlns:mc="http://schemas.openxmlformats.org/markup-compatibility/2006" xmlns:p14="http://schemas.microsoft.com/office/powerpoint/2010/main">
-    <mc:Choice Requires="p14">
+  <mc:AlternateContent xmlns:mc="http://schemas.openxmlformats.org/markup-compatibility/2006">
+    <mc:Choice xmlns:p14="http://schemas.microsoft.com/office/powerpoint/2010/main" Requires="p14">
       <p:transition p14:dur="250">
         <p:fade/>
       </p:transition>
     </mc:Choice>
-    <mc:Fallback xmlns="">
+    <mc:Fallback>
       <p:transition>
         <p:fade/>
       </p:transition>
@@ -18701,8 +17421,8 @@
 </p:sld>
 </file>
 
-<file path=ppt/slides/slide31.xml><?xml version="1.0" encoding="utf-8"?>
-<p:sld xmlns:a="http://schemas.openxmlformats.org/drawingml/2006/main" xmlns:r="http://schemas.openxmlformats.org/officeDocument/2006/relationships" xmlns:p="http://schemas.openxmlformats.org/presentationml/2006/main" show="0">
+<file path=ppt/slides/slide28.xml><?xml version="1.0" encoding="utf-8"?>
+<p:sld xmlns:a="http://schemas.openxmlformats.org/drawingml/2006/main" xmlns:r="http://schemas.openxmlformats.org/officeDocument/2006/relationships" xmlns:p="http://schemas.openxmlformats.org/presentationml/2006/main">
   <p:cSld>
     <p:spTree>
       <p:nvGrpSpPr>
@@ -19995,13 +18715,13 @@
   <p:clrMapOvr>
     <a:masterClrMapping/>
   </p:clrMapOvr>
-  <mc:AlternateContent xmlns:mc="http://schemas.openxmlformats.org/markup-compatibility/2006" xmlns:p14="http://schemas.microsoft.com/office/powerpoint/2010/main">
-    <mc:Choice Requires="p14">
+  <mc:AlternateContent xmlns:mc="http://schemas.openxmlformats.org/markup-compatibility/2006">
+    <mc:Choice xmlns:p14="http://schemas.microsoft.com/office/powerpoint/2010/main" Requires="p14">
       <p:transition p14:dur="250">
         <p:fade/>
       </p:transition>
     </mc:Choice>
-    <mc:Fallback xmlns="">
+    <mc:Fallback>
       <p:transition>
         <p:fade/>
       </p:transition>
@@ -20010,8 +18730,8 @@
 </p:sld>
 </file>
 
-<file path=ppt/slides/slide32.xml><?xml version="1.0" encoding="utf-8"?>
-<p:sld xmlns:a="http://schemas.openxmlformats.org/drawingml/2006/main" xmlns:r="http://schemas.openxmlformats.org/officeDocument/2006/relationships" xmlns:p="http://schemas.openxmlformats.org/presentationml/2006/main" show="0">
+<file path=ppt/slides/slide29.xml><?xml version="1.0" encoding="utf-8"?>
+<p:sld xmlns:a="http://schemas.openxmlformats.org/drawingml/2006/main" xmlns:r="http://schemas.openxmlformats.org/officeDocument/2006/relationships" xmlns:p="http://schemas.openxmlformats.org/presentationml/2006/main">
   <p:cSld>
     <p:spTree>
       <p:nvGrpSpPr>
@@ -22098,6 +20818,460 @@
   <p:clrMapOvr>
     <a:masterClrMapping/>
   </p:clrMapOvr>
+  <mc:AlternateContent xmlns:mc="http://schemas.openxmlformats.org/markup-compatibility/2006">
+    <mc:Choice xmlns:p14="http://schemas.microsoft.com/office/powerpoint/2010/main" Requires="p14">
+      <p:transition p14:dur="250">
+        <p:fade/>
+      </p:transition>
+    </mc:Choice>
+    <mc:Fallback>
+      <p:transition>
+        <p:fade/>
+      </p:transition>
+    </mc:Fallback>
+  </mc:AlternateContent>
+</p:sld>
+</file>
+
+<file path=ppt/slides/slide3.xml><?xml version="1.0" encoding="utf-8"?>
+<p:sld xmlns:a="http://schemas.openxmlformats.org/drawingml/2006/main" xmlns:r="http://schemas.openxmlformats.org/officeDocument/2006/relationships" xmlns:p="http://schemas.openxmlformats.org/presentationml/2006/main">
+  <p:cSld>
+    <p:spTree>
+      <p:nvGrpSpPr>
+        <p:cNvPr id="1" name=""/>
+        <p:cNvGrpSpPr/>
+        <p:nvPr/>
+      </p:nvGrpSpPr>
+      <p:grpSpPr>
+        <a:xfrm>
+          <a:off x="0" y="0"/>
+          <a:ext cx="0" cy="0"/>
+          <a:chOff x="0" y="0"/>
+          <a:chExt cx="0" cy="0"/>
+        </a:xfrm>
+      </p:grpSpPr>
+      <p:sp>
+        <p:nvSpPr>
+          <p:cNvPr id="8" name="Content Placeholder 2">
+            <a:extLst>
+              <a:ext uri="{FF2B5EF4-FFF2-40B4-BE49-F238E27FC236}">
+                <a16:creationId xmlns:a16="http://schemas.microsoft.com/office/drawing/2014/main" id="{5D30512F-71BE-C842-A3D2-4229E91863BB}"/>
+              </a:ext>
+            </a:extLst>
+          </p:cNvPr>
+          <p:cNvSpPr>
+            <a:spLocks noGrp="1"/>
+          </p:cNvSpPr>
+          <p:nvPr>
+            <p:ph idx="1"/>
+          </p:nvPr>
+        </p:nvSpPr>
+        <p:spPr>
+          <a:xfrm>
+            <a:off x="609443" y="1699995"/>
+            <a:ext cx="5881298" cy="4422776"/>
+          </a:xfrm>
+        </p:spPr>
+        <p:txBody>
+          <a:bodyPr/>
+          <a:lstStyle/>
+          <a:p>
+            <a:pPr marL="0" indent="0">
+              <a:buNone/>
+            </a:pPr>
+            <a:r>
+              <a:rPr lang="en-US" dirty="0">
+                <a:solidFill>
+                  <a:srgbClr val="FF0000"/>
+                </a:solidFill>
+              </a:rPr>
+              <a:t>Definition: Refactoring is a disciplined technique for restructuring an existing body of code, altering its internal structure without changing its external behavior.</a:t>
+            </a:r>
+          </a:p>
+          <a:p>
+            <a:r>
+              <a:rPr lang="en-US" dirty="0"/>
+              <a:t>Different from development</a:t>
+            </a:r>
+          </a:p>
+          <a:p>
+            <a:pPr lvl="1"/>
+            <a:r>
+              <a:rPr lang="en-US" dirty="0"/>
+              <a:t>You have a working code </a:t>
+            </a:r>
+          </a:p>
+          <a:p>
+            <a:pPr lvl="1"/>
+            <a:r>
+              <a:rPr lang="en-US" dirty="0"/>
+              <a:t>You know and understand the behavior</a:t>
+            </a:r>
+          </a:p>
+          <a:p>
+            <a:pPr lvl="1"/>
+            <a:r>
+              <a:rPr lang="en-US" dirty="0"/>
+              <a:t>You have a baseline that you can use for comparison</a:t>
+            </a:r>
+          </a:p>
+          <a:p>
+            <a:endParaRPr lang="en-US" dirty="0"/>
+          </a:p>
+          <a:p>
+            <a:pPr lvl="1"/>
+            <a:endParaRPr lang="en-US" dirty="0"/>
+          </a:p>
+          <a:p>
+            <a:pPr lvl="2"/>
+            <a:endParaRPr lang="en-US" dirty="0"/>
+          </a:p>
+        </p:txBody>
+      </p:sp>
+      <p:sp>
+        <p:nvSpPr>
+          <p:cNvPr id="2" name="Title 1"/>
+          <p:cNvSpPr>
+            <a:spLocks noGrp="1"/>
+          </p:cNvSpPr>
+          <p:nvPr>
+            <p:ph type="title"/>
+          </p:nvPr>
+        </p:nvSpPr>
+        <p:spPr/>
+        <p:txBody>
+          <a:bodyPr/>
+          <a:lstStyle/>
+          <a:p>
+            <a:r>
+              <a:rPr lang="en-US" dirty="0"/>
+              <a:t>What is Refactoring </a:t>
+            </a:r>
+            <a:br>
+              <a:rPr lang="en-US" dirty="0"/>
+            </a:br>
+            <a:endParaRPr lang="en-US" dirty="0"/>
+          </a:p>
+        </p:txBody>
+      </p:sp>
+      <p:sp>
+        <p:nvSpPr>
+          <p:cNvPr id="6" name="Content Placeholder 2">
+            <a:extLst>
+              <a:ext uri="{FF2B5EF4-FFF2-40B4-BE49-F238E27FC236}">
+                <a16:creationId xmlns:a16="http://schemas.microsoft.com/office/drawing/2014/main" id="{A3969DB6-AB62-0A43-A6B7-8B07C828C355}"/>
+              </a:ext>
+            </a:extLst>
+          </p:cNvPr>
+          <p:cNvSpPr txBox="1">
+            <a:spLocks/>
+          </p:cNvSpPr>
+          <p:nvPr/>
+        </p:nvSpPr>
+        <p:spPr bwMode="auto">
+          <a:xfrm>
+            <a:off x="6607828" y="1258433"/>
+            <a:ext cx="4971554" cy="4204252"/>
+          </a:xfrm>
+          <a:prstGeom prst="rect">
+            <a:avLst/>
+          </a:prstGeom>
+          <a:noFill/>
+          <a:ln w="9525">
+            <a:noFill/>
+            <a:miter lim="800000"/>
+            <a:headEnd/>
+            <a:tailEnd/>
+          </a:ln>
+        </p:spPr>
+        <p:txBody>
+          <a:bodyPr vert="horz" wrap="square" lIns="91440" tIns="45720" rIns="91440" bIns="45720" numCol="1" anchor="t" anchorCtr="0" compatLnSpc="1">
+            <a:prstTxWarp prst="textNoShape">
+              <a:avLst/>
+            </a:prstTxWarp>
+            <a:normAutofit/>
+          </a:bodyPr>
+          <a:lstStyle>
+            <a:lvl1pPr marL="230188" indent="-230188" algn="l" rtl="0" eaLnBrk="1" fontAlgn="base" hangingPunct="1">
+              <a:lnSpc>
+                <a:spcPct val="90000"/>
+              </a:lnSpc>
+              <a:spcBef>
+                <a:spcPts val="1400"/>
+              </a:spcBef>
+              <a:spcAft>
+                <a:spcPct val="0"/>
+              </a:spcAft>
+              <a:buClr>
+                <a:schemeClr val="tx1"/>
+              </a:buClr>
+              <a:buFont typeface="Arial" charset="0"/>
+              <a:buChar char="•"/>
+              <a:defRPr sz="2400" kern="1200" baseline="0">
+                <a:solidFill>
+                  <a:schemeClr val="tx1"/>
+                </a:solidFill>
+                <a:latin typeface="+mn-lt"/>
+                <a:ea typeface="+mn-ea"/>
+                <a:cs typeface="+mn-cs"/>
+              </a:defRPr>
+            </a:lvl1pPr>
+            <a:lvl2pPr marL="625475" indent="-279400" algn="l" rtl="0" eaLnBrk="1" fontAlgn="base" hangingPunct="1">
+              <a:lnSpc>
+                <a:spcPct val="90000"/>
+              </a:lnSpc>
+              <a:spcBef>
+                <a:spcPts val="800"/>
+              </a:spcBef>
+              <a:spcAft>
+                <a:spcPct val="0"/>
+              </a:spcAft>
+              <a:buClr>
+                <a:schemeClr val="tx1"/>
+              </a:buClr>
+              <a:buFont typeface="Arial" charset="0"/>
+              <a:buChar char="–"/>
+              <a:defRPr sz="2000" kern="1200">
+                <a:solidFill>
+                  <a:schemeClr val="tx1"/>
+                </a:solidFill>
+                <a:latin typeface="+mn-lt"/>
+                <a:ea typeface="+mn-ea"/>
+                <a:cs typeface="+mn-cs"/>
+              </a:defRPr>
+            </a:lvl2pPr>
+            <a:lvl3pPr marL="914400" indent="-230188" algn="l" rtl="0" eaLnBrk="1" fontAlgn="base" hangingPunct="1">
+              <a:lnSpc>
+                <a:spcPct val="90000"/>
+              </a:lnSpc>
+              <a:spcBef>
+                <a:spcPts val="800"/>
+              </a:spcBef>
+              <a:spcAft>
+                <a:spcPct val="0"/>
+              </a:spcAft>
+              <a:buClr>
+                <a:schemeClr val="tx1"/>
+              </a:buClr>
+              <a:buFont typeface="Arial" charset="0"/>
+              <a:buChar char="•"/>
+              <a:defRPr sz="1800" kern="1200">
+                <a:solidFill>
+                  <a:schemeClr val="tx1"/>
+                </a:solidFill>
+                <a:latin typeface="+mn-lt"/>
+                <a:ea typeface="+mn-ea"/>
+                <a:cs typeface="+mn-cs"/>
+              </a:defRPr>
+            </a:lvl3pPr>
+            <a:lvl4pPr marL="1144588" indent="-173038" algn="l" rtl="0" eaLnBrk="1" fontAlgn="base" hangingPunct="1">
+              <a:lnSpc>
+                <a:spcPct val="90000"/>
+              </a:lnSpc>
+              <a:spcBef>
+                <a:spcPts val="800"/>
+              </a:spcBef>
+              <a:spcAft>
+                <a:spcPct val="0"/>
+              </a:spcAft>
+              <a:buClr>
+                <a:schemeClr val="tx1"/>
+              </a:buClr>
+              <a:buFont typeface="Arial" charset="0"/>
+              <a:buChar char="–"/>
+              <a:defRPr sz="1600" kern="1200">
+                <a:solidFill>
+                  <a:schemeClr val="tx1"/>
+                </a:solidFill>
+                <a:latin typeface="+mn-lt"/>
+                <a:ea typeface="+mn-ea"/>
+                <a:cs typeface="+mn-cs"/>
+              </a:defRPr>
+            </a:lvl4pPr>
+            <a:lvl5pPr marL="1482725" indent="-222250" algn="l" rtl="0" eaLnBrk="1" fontAlgn="base" hangingPunct="1">
+              <a:lnSpc>
+                <a:spcPct val="90000"/>
+              </a:lnSpc>
+              <a:spcBef>
+                <a:spcPts val="600"/>
+              </a:spcBef>
+              <a:spcAft>
+                <a:spcPct val="0"/>
+              </a:spcAft>
+              <a:buClr>
+                <a:schemeClr val="tx1"/>
+              </a:buClr>
+              <a:buFont typeface="Arial" charset="0"/>
+              <a:buChar char="»"/>
+              <a:defRPr sz="1600" kern="1200">
+                <a:solidFill>
+                  <a:schemeClr val="tx1"/>
+                </a:solidFill>
+                <a:latin typeface="+mn-lt"/>
+                <a:ea typeface="+mn-ea"/>
+                <a:cs typeface="+mn-cs"/>
+              </a:defRPr>
+            </a:lvl5pPr>
+            <a:lvl6pPr marL="2514600" indent="-228600" algn="l" defTabSz="914400" rtl="0" eaLnBrk="1" latinLnBrk="0" hangingPunct="1">
+              <a:spcBef>
+                <a:spcPct val="20000"/>
+              </a:spcBef>
+              <a:buFont typeface="Arial" pitchFamily="34" charset="0"/>
+              <a:buChar char="•"/>
+              <a:defRPr sz="2000" kern="1200">
+                <a:solidFill>
+                  <a:schemeClr val="tx1"/>
+                </a:solidFill>
+                <a:latin typeface="+mn-lt"/>
+                <a:ea typeface="+mn-ea"/>
+                <a:cs typeface="+mn-cs"/>
+              </a:defRPr>
+            </a:lvl6pPr>
+            <a:lvl7pPr marL="2971800" indent="-228600" algn="l" defTabSz="914400" rtl="0" eaLnBrk="1" latinLnBrk="0" hangingPunct="1">
+              <a:spcBef>
+                <a:spcPct val="20000"/>
+              </a:spcBef>
+              <a:buFont typeface="Arial" pitchFamily="34" charset="0"/>
+              <a:buChar char="•"/>
+              <a:defRPr sz="2000" kern="1200">
+                <a:solidFill>
+                  <a:schemeClr val="tx1"/>
+                </a:solidFill>
+                <a:latin typeface="+mn-lt"/>
+                <a:ea typeface="+mn-ea"/>
+                <a:cs typeface="+mn-cs"/>
+              </a:defRPr>
+            </a:lvl7pPr>
+            <a:lvl8pPr marL="3429000" indent="-228600" algn="l" defTabSz="914400" rtl="0" eaLnBrk="1" latinLnBrk="0" hangingPunct="1">
+              <a:spcBef>
+                <a:spcPct val="20000"/>
+              </a:spcBef>
+              <a:buFont typeface="Arial" pitchFamily="34" charset="0"/>
+              <a:buChar char="•"/>
+              <a:defRPr sz="2000" kern="1200">
+                <a:solidFill>
+                  <a:schemeClr val="tx1"/>
+                </a:solidFill>
+                <a:latin typeface="+mn-lt"/>
+                <a:ea typeface="+mn-ea"/>
+                <a:cs typeface="+mn-cs"/>
+              </a:defRPr>
+            </a:lvl8pPr>
+            <a:lvl9pPr marL="3886200" indent="-228600" algn="l" defTabSz="914400" rtl="0" eaLnBrk="1" latinLnBrk="0" hangingPunct="1">
+              <a:spcBef>
+                <a:spcPct val="20000"/>
+              </a:spcBef>
+              <a:buFont typeface="Arial" pitchFamily="34" charset="0"/>
+              <a:buChar char="•"/>
+              <a:defRPr sz="2000" kern="1200">
+                <a:solidFill>
+                  <a:schemeClr val="tx1"/>
+                </a:solidFill>
+                <a:latin typeface="+mn-lt"/>
+                <a:ea typeface="+mn-ea"/>
+                <a:cs typeface="+mn-cs"/>
+              </a:defRPr>
+            </a:lvl9pPr>
+          </a:lstStyle>
+          <a:p>
+            <a:pPr marL="0" indent="0">
+              <a:buFont typeface="Arial" charset="0"/>
+              <a:buNone/>
+            </a:pPr>
+            <a:endParaRPr lang="en-US" dirty="0"/>
+          </a:p>
+          <a:p>
+            <a:r>
+              <a:rPr lang="en-US" dirty="0"/>
+              <a:t>General motivations</a:t>
+            </a:r>
+          </a:p>
+          <a:p>
+            <a:pPr lvl="1"/>
+            <a:r>
+              <a:rPr lang="en-US" dirty="0"/>
+              <a:t>Modularity enhancement </a:t>
+            </a:r>
+          </a:p>
+          <a:p>
+            <a:pPr lvl="2"/>
+            <a:r>
+              <a:rPr lang="en-US" dirty="0"/>
+              <a:t>Improve sustainability</a:t>
+            </a:r>
+          </a:p>
+          <a:p>
+            <a:pPr lvl="1"/>
+            <a:r>
+              <a:rPr lang="en-US" dirty="0"/>
+              <a:t>Release to outside users</a:t>
+            </a:r>
+          </a:p>
+          <a:p>
+            <a:pPr lvl="2"/>
+            <a:r>
+              <a:rPr lang="en-US" dirty="0"/>
+              <a:t>Easier to use and understand</a:t>
+            </a:r>
+          </a:p>
+          <a:p>
+            <a:pPr lvl="1"/>
+            <a:r>
+              <a:rPr lang="en-US" dirty="0"/>
+              <a:t>Port to new platforms</a:t>
+            </a:r>
+          </a:p>
+          <a:p>
+            <a:pPr lvl="2"/>
+            <a:r>
+              <a:rPr lang="en-US" dirty="0"/>
+              <a:t>Performance portability</a:t>
+            </a:r>
+          </a:p>
+          <a:p>
+            <a:pPr lvl="1"/>
+            <a:r>
+              <a:rPr lang="en-US" dirty="0"/>
+              <a:t>Expand capabilities</a:t>
+            </a:r>
+          </a:p>
+          <a:p>
+            <a:pPr lvl="2"/>
+            <a:r>
+              <a:rPr lang="en-US" dirty="0"/>
+              <a:t>Structural flexibility</a:t>
+            </a:r>
+          </a:p>
+          <a:p>
+            <a:pPr marL="0" indent="0">
+              <a:buFont typeface="Arial" charset="0"/>
+              <a:buNone/>
+            </a:pPr>
+            <a:endParaRPr lang="en-US" dirty="0"/>
+          </a:p>
+          <a:p>
+            <a:pPr lvl="1"/>
+            <a:endParaRPr lang="en-US" dirty="0"/>
+          </a:p>
+          <a:p>
+            <a:pPr marL="684212" lvl="2" indent="0">
+              <a:buFont typeface="Arial" charset="0"/>
+              <a:buNone/>
+            </a:pPr>
+            <a:endParaRPr lang="en-US" dirty="0"/>
+          </a:p>
+        </p:txBody>
+      </p:sp>
+    </p:spTree>
+    <p:extLst>
+      <p:ext uri="{BB962C8B-B14F-4D97-AF65-F5344CB8AC3E}">
+        <p14:creationId xmlns:p14="http://schemas.microsoft.com/office/powerpoint/2010/main" val="4067883223"/>
+      </p:ext>
+    </p:extLst>
+  </p:cSld>
+  <p:clrMapOvr>
+    <a:masterClrMapping/>
+  </p:clrMapOvr>
   <mc:AlternateContent xmlns:mc="http://schemas.openxmlformats.org/markup-compatibility/2006" xmlns:p14="http://schemas.microsoft.com/office/powerpoint/2010/main">
     <mc:Choice Requires="p14">
       <p:transition p14:dur="250">
@@ -22113,8 +21287,8 @@
 </p:sld>
 </file>
 
-<file path=ppt/slides/slide33.xml><?xml version="1.0" encoding="utf-8"?>
-<p:sld xmlns:a="http://schemas.openxmlformats.org/drawingml/2006/main" xmlns:r="http://schemas.openxmlformats.org/officeDocument/2006/relationships" xmlns:p="http://schemas.openxmlformats.org/presentationml/2006/main" show="0">
+<file path=ppt/slides/slide30.xml><?xml version="1.0" encoding="utf-8"?>
+<p:sld xmlns:a="http://schemas.openxmlformats.org/drawingml/2006/main" xmlns:r="http://schemas.openxmlformats.org/officeDocument/2006/relationships" xmlns:p="http://schemas.openxmlformats.org/presentationml/2006/main">
   <p:cSld>
     <p:spTree>
       <p:nvGrpSpPr>
@@ -24985,6 +24159,245 @@
   <p:clrMapOvr>
     <a:masterClrMapping/>
   </p:clrMapOvr>
+  <mc:AlternateContent xmlns:mc="http://schemas.openxmlformats.org/markup-compatibility/2006">
+    <mc:Choice xmlns:p14="http://schemas.microsoft.com/office/powerpoint/2010/main" Requires="p14">
+      <p:transition p14:dur="250">
+        <p:fade/>
+      </p:transition>
+    </mc:Choice>
+    <mc:Fallback>
+      <p:transition>
+        <p:fade/>
+      </p:transition>
+    </mc:Fallback>
+  </mc:AlternateContent>
+</p:sld>
+</file>
+
+<file path=ppt/slides/slide31.xml><?xml version="1.0" encoding="utf-8"?>
+<p:sld xmlns:a="http://schemas.openxmlformats.org/drawingml/2006/main" xmlns:r="http://schemas.openxmlformats.org/officeDocument/2006/relationships" xmlns:p="http://schemas.openxmlformats.org/presentationml/2006/main">
+  <p:cSld>
+    <p:spTree>
+      <p:nvGrpSpPr>
+        <p:cNvPr id="1" name=""/>
+        <p:cNvGrpSpPr/>
+        <p:nvPr/>
+      </p:nvGrpSpPr>
+      <p:grpSpPr>
+        <a:xfrm>
+          <a:off x="0" y="0"/>
+          <a:ext cx="0" cy="0"/>
+          <a:chOff x="0" y="0"/>
+          <a:chExt cx="0" cy="0"/>
+        </a:xfrm>
+      </p:grpSpPr>
+      <p:sp>
+        <p:nvSpPr>
+          <p:cNvPr id="4" name="Text Placeholder 3"/>
+          <p:cNvSpPr>
+            <a:spLocks noGrp="1"/>
+          </p:cNvSpPr>
+          <p:nvPr>
+            <p:ph type="body" sz="quarter" idx="12"/>
+          </p:nvPr>
+        </p:nvSpPr>
+        <p:spPr/>
+        <p:txBody>
+          <a:bodyPr/>
+          <a:lstStyle/>
+          <a:p>
+            <a:r>
+              <a:rPr lang="en-US" dirty="0"/>
+              <a:t>Refactoring to supporting a different AMR library</a:t>
+            </a:r>
+          </a:p>
+        </p:txBody>
+      </p:sp>
+      <p:sp>
+        <p:nvSpPr>
+          <p:cNvPr id="2" name="Title 1"/>
+          <p:cNvSpPr>
+            <a:spLocks noGrp="1"/>
+          </p:cNvSpPr>
+          <p:nvPr>
+            <p:ph type="title"/>
+          </p:nvPr>
+        </p:nvSpPr>
+        <p:spPr/>
+        <p:txBody>
+          <a:bodyPr/>
+          <a:lstStyle/>
+          <a:p>
+            <a:r>
+              <a:rPr lang="en-US" dirty="0"/>
+              <a:t>A Real-World Example: FLASH to Flash-X</a:t>
+            </a:r>
+          </a:p>
+        </p:txBody>
+      </p:sp>
+      <p:pic>
+        <p:nvPicPr>
+          <p:cNvPr id="9" name="Picture 8">
+            <a:extLst>
+              <a:ext uri="{FF2B5EF4-FFF2-40B4-BE49-F238E27FC236}">
+                <a16:creationId xmlns:a16="http://schemas.microsoft.com/office/drawing/2014/main" id="{6F3ADAC1-15CD-8E44-946A-4A711DC4E27F}"/>
+              </a:ext>
+            </a:extLst>
+          </p:cNvPr>
+          <p:cNvPicPr>
+            <a:picLocks noChangeAspect="1"/>
+          </p:cNvPicPr>
+          <p:nvPr/>
+        </p:nvPicPr>
+        <p:blipFill>
+          <a:blip r:embed="rId3"/>
+          <a:stretch>
+            <a:fillRect/>
+          </a:stretch>
+        </p:blipFill>
+        <p:spPr>
+          <a:xfrm>
+            <a:off x="5772231" y="2353796"/>
+            <a:ext cx="4610100" cy="2616200"/>
+          </a:xfrm>
+          <a:prstGeom prst="rect">
+            <a:avLst/>
+          </a:prstGeom>
+        </p:spPr>
+      </p:pic>
+      <p:sp>
+        <p:nvSpPr>
+          <p:cNvPr id="3" name="TextBox 2">
+            <a:extLst>
+              <a:ext uri="{FF2B5EF4-FFF2-40B4-BE49-F238E27FC236}">
+                <a16:creationId xmlns:a16="http://schemas.microsoft.com/office/drawing/2014/main" id="{BCB57A9D-D6A7-6544-969C-564C5AE22E4E}"/>
+              </a:ext>
+            </a:extLst>
+          </p:cNvPr>
+          <p:cNvSpPr txBox="1"/>
+          <p:nvPr/>
+        </p:nvSpPr>
+        <p:spPr>
+          <a:xfrm>
+            <a:off x="896910" y="1627079"/>
+            <a:ext cx="3792618" cy="2870016"/>
+          </a:xfrm>
+          <a:prstGeom prst="rect">
+            <a:avLst/>
+          </a:prstGeom>
+          <a:noFill/>
+        </p:spPr>
+        <p:txBody>
+          <a:bodyPr wrap="square" rtlCol="0">
+            <a:spAutoFit/>
+          </a:bodyPr>
+          <a:lstStyle/>
+          <a:p>
+            <a:endParaRPr lang="en-US" sz="1400" dirty="0"/>
+          </a:p>
+          <a:p>
+            <a:endParaRPr lang="en-US" sz="1400" b="1" dirty="0"/>
+          </a:p>
+          <a:p>
+            <a:r>
+              <a:rPr lang="en-US" sz="1400" b="1" dirty="0"/>
+              <a:t>Goal</a:t>
+            </a:r>
+            <a:r>
+              <a:rPr lang="en-US" sz="1400" dirty="0"/>
+              <a:t>: Replace Paramesh with </a:t>
+            </a:r>
+            <a:r>
+              <a:rPr lang="en-US" sz="1400" dirty="0" err="1"/>
+              <a:t>AMReX</a:t>
+            </a:r>
+            <a:endParaRPr lang="en-US" sz="1400" dirty="0"/>
+          </a:p>
+          <a:p>
+            <a:endParaRPr lang="en-US" sz="1400" dirty="0"/>
+          </a:p>
+          <a:p>
+            <a:r>
+              <a:rPr lang="en-US" sz="1400" b="1" dirty="0"/>
+              <a:t>Plan</a:t>
+            </a:r>
+            <a:r>
+              <a:rPr lang="en-US" sz="1400" dirty="0"/>
+              <a:t>: Getting there from here</a:t>
+            </a:r>
+          </a:p>
+          <a:p>
+            <a:pPr marL="285750" indent="-285750">
+              <a:buFont typeface="Arial" panose="020B0604020202020204" pitchFamily="34" charset="0"/>
+              <a:buChar char="•"/>
+            </a:pPr>
+            <a:r>
+              <a:rPr lang="en-US" sz="1400" dirty="0"/>
+              <a:t>On ramping</a:t>
+            </a:r>
+          </a:p>
+          <a:p>
+            <a:pPr marL="285750" indent="-285750">
+              <a:buFont typeface="Arial" panose="020B0604020202020204" pitchFamily="34" charset="0"/>
+              <a:buChar char="•"/>
+            </a:pPr>
+            <a:r>
+              <a:rPr lang="en-US" sz="1400" dirty="0"/>
+              <a:t>Design</a:t>
+            </a:r>
+          </a:p>
+          <a:p>
+            <a:pPr marL="285750" indent="-285750">
+              <a:buFont typeface="Arial" panose="020B0604020202020204" pitchFamily="34" charset="0"/>
+              <a:buChar char="•"/>
+            </a:pPr>
+            <a:r>
+              <a:rPr lang="en-US" sz="1400" dirty="0"/>
+              <a:t>Intermediate steps</a:t>
+            </a:r>
+          </a:p>
+          <a:p>
+            <a:pPr marL="285750" indent="-285750">
+              <a:buFont typeface="Arial" panose="020B0604020202020204" pitchFamily="34" charset="0"/>
+              <a:buChar char="•"/>
+            </a:pPr>
+            <a:r>
+              <a:rPr lang="en-US" sz="1400" dirty="0"/>
+              <a:t>Realizing the goal</a:t>
+            </a:r>
+          </a:p>
+          <a:p>
+            <a:pPr marL="285750" indent="-285750">
+              <a:buFont typeface="Arial" panose="020B0604020202020204" pitchFamily="34" charset="0"/>
+              <a:buChar char="•"/>
+            </a:pPr>
+            <a:endParaRPr lang="en-US" sz="1400" dirty="0"/>
+          </a:p>
+          <a:p>
+            <a:pPr marL="285755" indent="-285755">
+              <a:buFont typeface="Arial" panose="020B0604020202020204" pitchFamily="34" charset="0"/>
+              <a:buChar char="•"/>
+            </a:pPr>
+            <a:endParaRPr lang="en-US" sz="1350" dirty="0"/>
+          </a:p>
+          <a:p>
+            <a:endParaRPr lang="en-US" sz="1350" dirty="0"/>
+          </a:p>
+          <a:p>
+            <a:endParaRPr lang="en-US" sz="1350" dirty="0"/>
+          </a:p>
+        </p:txBody>
+      </p:sp>
+    </p:spTree>
+    <p:extLst>
+      <p:ext uri="{BB962C8B-B14F-4D97-AF65-F5344CB8AC3E}">
+        <p14:creationId xmlns:p14="http://schemas.microsoft.com/office/powerpoint/2010/main" val="3273437125"/>
+      </p:ext>
+    </p:extLst>
+  </p:cSld>
+  <p:clrMapOvr>
+    <a:masterClrMapping/>
+  </p:clrMapOvr>
   <mc:AlternateContent xmlns:mc="http://schemas.openxmlformats.org/markup-compatibility/2006" xmlns:p14="http://schemas.microsoft.com/office/powerpoint/2010/main">
     <mc:Choice Requires="p14">
       <p:transition p14:dur="250">
@@ -25000,7 +24413,319 @@
 </p:sld>
 </file>
 
-<file path=ppt/slides/slide34.xml><?xml version="1.0" encoding="utf-8"?>
+<file path=ppt/slides/slide32.xml><?xml version="1.0" encoding="utf-8"?>
+<p:sld xmlns:a="http://schemas.openxmlformats.org/drawingml/2006/main" xmlns:r="http://schemas.openxmlformats.org/officeDocument/2006/relationships" xmlns:p="http://schemas.openxmlformats.org/presentationml/2006/main">
+  <p:cSld>
+    <p:spTree>
+      <p:nvGrpSpPr>
+        <p:cNvPr id="1" name=""/>
+        <p:cNvGrpSpPr/>
+        <p:nvPr/>
+      </p:nvGrpSpPr>
+      <p:grpSpPr>
+        <a:xfrm>
+          <a:off x="0" y="0"/>
+          <a:ext cx="0" cy="0"/>
+          <a:chOff x="0" y="0"/>
+          <a:chExt cx="0" cy="0"/>
+        </a:xfrm>
+      </p:grpSpPr>
+      <p:sp>
+        <p:nvSpPr>
+          <p:cNvPr id="4" name="Text Placeholder 3"/>
+          <p:cNvSpPr>
+            <a:spLocks noGrp="1"/>
+          </p:cNvSpPr>
+          <p:nvPr>
+            <p:ph type="body" sz="quarter" idx="12"/>
+          </p:nvPr>
+        </p:nvSpPr>
+        <p:spPr/>
+        <p:txBody>
+          <a:bodyPr/>
+          <a:lstStyle/>
+          <a:p>
+            <a:r>
+              <a:rPr lang="en-US" dirty="0"/>
+              <a:t>Refactoring to supporting a different AMR library</a:t>
+            </a:r>
+          </a:p>
+        </p:txBody>
+      </p:sp>
+      <p:sp>
+        <p:nvSpPr>
+          <p:cNvPr id="2" name="Title 1"/>
+          <p:cNvSpPr>
+            <a:spLocks noGrp="1"/>
+          </p:cNvSpPr>
+          <p:nvPr>
+            <p:ph type="title"/>
+          </p:nvPr>
+        </p:nvSpPr>
+        <p:spPr/>
+        <p:txBody>
+          <a:bodyPr/>
+          <a:lstStyle/>
+          <a:p>
+            <a:r>
+              <a:rPr lang="en-US" dirty="0"/>
+              <a:t>A Real-World Example: FLASH to Flash-X</a:t>
+            </a:r>
+          </a:p>
+        </p:txBody>
+      </p:sp>
+      <p:pic>
+        <p:nvPicPr>
+          <p:cNvPr id="9" name="Picture 8">
+            <a:extLst>
+              <a:ext uri="{FF2B5EF4-FFF2-40B4-BE49-F238E27FC236}">
+                <a16:creationId xmlns:a16="http://schemas.microsoft.com/office/drawing/2014/main" id="{6F3ADAC1-15CD-8E44-946A-4A711DC4E27F}"/>
+              </a:ext>
+            </a:extLst>
+          </p:cNvPr>
+          <p:cNvPicPr>
+            <a:picLocks noChangeAspect="1"/>
+          </p:cNvPicPr>
+          <p:nvPr/>
+        </p:nvPicPr>
+        <p:blipFill>
+          <a:blip r:embed="rId3"/>
+          <a:stretch>
+            <a:fillRect/>
+          </a:stretch>
+        </p:blipFill>
+        <p:spPr>
+          <a:xfrm>
+            <a:off x="5772231" y="2353796"/>
+            <a:ext cx="4610100" cy="2616200"/>
+          </a:xfrm>
+          <a:prstGeom prst="rect">
+            <a:avLst/>
+          </a:prstGeom>
+        </p:spPr>
+      </p:pic>
+      <p:sp>
+        <p:nvSpPr>
+          <p:cNvPr id="3" name="TextBox 2">
+            <a:extLst>
+              <a:ext uri="{FF2B5EF4-FFF2-40B4-BE49-F238E27FC236}">
+                <a16:creationId xmlns:a16="http://schemas.microsoft.com/office/drawing/2014/main" id="{BCB57A9D-D6A7-6544-969C-564C5AE22E4E}"/>
+              </a:ext>
+            </a:extLst>
+          </p:cNvPr>
+          <p:cNvSpPr txBox="1"/>
+          <p:nvPr/>
+        </p:nvSpPr>
+        <p:spPr>
+          <a:xfrm>
+            <a:off x="896910" y="1627079"/>
+            <a:ext cx="3792618" cy="2870016"/>
+          </a:xfrm>
+          <a:prstGeom prst="rect">
+            <a:avLst/>
+          </a:prstGeom>
+          <a:noFill/>
+        </p:spPr>
+        <p:txBody>
+          <a:bodyPr wrap="square" rtlCol="0">
+            <a:spAutoFit/>
+          </a:bodyPr>
+          <a:lstStyle/>
+          <a:p>
+            <a:endParaRPr lang="en-US" sz="1400" dirty="0"/>
+          </a:p>
+          <a:p>
+            <a:endParaRPr lang="en-US" sz="1400" b="1" dirty="0"/>
+          </a:p>
+          <a:p>
+            <a:r>
+              <a:rPr lang="en-US" sz="1400" b="1" dirty="0"/>
+              <a:t>Goal</a:t>
+            </a:r>
+            <a:r>
+              <a:rPr lang="en-US" sz="1400" dirty="0"/>
+              <a:t>: Replace Paramesh with </a:t>
+            </a:r>
+            <a:r>
+              <a:rPr lang="en-US" sz="1400" dirty="0" err="1"/>
+              <a:t>AMReX</a:t>
+            </a:r>
+            <a:endParaRPr lang="en-US" sz="1400" dirty="0"/>
+          </a:p>
+          <a:p>
+            <a:endParaRPr lang="en-US" sz="1400" dirty="0"/>
+          </a:p>
+          <a:p>
+            <a:r>
+              <a:rPr lang="en-US" sz="1400" b="1" dirty="0"/>
+              <a:t>Plan</a:t>
+            </a:r>
+            <a:r>
+              <a:rPr lang="en-US" sz="1400" dirty="0"/>
+              <a:t>: Getting there from here</a:t>
+            </a:r>
+          </a:p>
+          <a:p>
+            <a:pPr marL="285750" indent="-285750">
+              <a:buFont typeface="Arial" panose="020B0604020202020204" pitchFamily="34" charset="0"/>
+              <a:buChar char="•"/>
+            </a:pPr>
+            <a:r>
+              <a:rPr lang="en-US" sz="1400" dirty="0"/>
+              <a:t>On ramping</a:t>
+            </a:r>
+          </a:p>
+          <a:p>
+            <a:pPr marL="285750" indent="-285750">
+              <a:buFont typeface="Arial" panose="020B0604020202020204" pitchFamily="34" charset="0"/>
+              <a:buChar char="•"/>
+            </a:pPr>
+            <a:r>
+              <a:rPr lang="en-US" sz="1400" dirty="0"/>
+              <a:t>Design</a:t>
+            </a:r>
+          </a:p>
+          <a:p>
+            <a:pPr marL="285750" indent="-285750">
+              <a:buFont typeface="Arial" panose="020B0604020202020204" pitchFamily="34" charset="0"/>
+              <a:buChar char="•"/>
+            </a:pPr>
+            <a:r>
+              <a:rPr lang="en-US" sz="1400" dirty="0"/>
+              <a:t>Intermediate steps</a:t>
+            </a:r>
+          </a:p>
+          <a:p>
+            <a:pPr marL="285750" indent="-285750">
+              <a:buFont typeface="Arial" panose="020B0604020202020204" pitchFamily="34" charset="0"/>
+              <a:buChar char="•"/>
+            </a:pPr>
+            <a:r>
+              <a:rPr lang="en-US" sz="1400" dirty="0"/>
+              <a:t>Realizing the goal</a:t>
+            </a:r>
+          </a:p>
+          <a:p>
+            <a:pPr marL="285750" indent="-285750">
+              <a:buFont typeface="Arial" panose="020B0604020202020204" pitchFamily="34" charset="0"/>
+              <a:buChar char="•"/>
+            </a:pPr>
+            <a:endParaRPr lang="en-US" sz="1400" dirty="0"/>
+          </a:p>
+          <a:p>
+            <a:pPr marL="285755" indent="-285755">
+              <a:buFont typeface="Arial" panose="020B0604020202020204" pitchFamily="34" charset="0"/>
+              <a:buChar char="•"/>
+            </a:pPr>
+            <a:endParaRPr lang="en-US" sz="1350" dirty="0"/>
+          </a:p>
+          <a:p>
+            <a:endParaRPr lang="en-US" sz="1350" dirty="0"/>
+          </a:p>
+          <a:p>
+            <a:endParaRPr lang="en-US" sz="1350" dirty="0"/>
+          </a:p>
+        </p:txBody>
+      </p:sp>
+      <p:sp>
+        <p:nvSpPr>
+          <p:cNvPr id="7" name="Content Placeholder 2">
+            <a:extLst>
+              <a:ext uri="{FF2B5EF4-FFF2-40B4-BE49-F238E27FC236}">
+                <a16:creationId xmlns:a16="http://schemas.microsoft.com/office/drawing/2014/main" id="{E55DE92F-BBBF-0852-12B9-03CB4769B091}"/>
+              </a:ext>
+            </a:extLst>
+          </p:cNvPr>
+          <p:cNvSpPr>
+            <a:spLocks noGrp="1"/>
+          </p:cNvSpPr>
+          <p:nvPr>
+            <p:ph idx="1"/>
+          </p:nvPr>
+        </p:nvSpPr>
+        <p:spPr>
+          <a:xfrm>
+            <a:off x="991443" y="3918032"/>
+            <a:ext cx="4610100" cy="2103927"/>
+          </a:xfrm>
+        </p:spPr>
+        <p:txBody>
+          <a:bodyPr>
+            <a:normAutofit fontScale="77500" lnSpcReduction="20000"/>
+          </a:bodyPr>
+          <a:lstStyle/>
+          <a:p>
+            <a:r>
+              <a:rPr lang="en-US" dirty="0"/>
+              <a:t>Cost estimation</a:t>
+            </a:r>
+          </a:p>
+          <a:p>
+            <a:pPr lvl="1"/>
+            <a:r>
+              <a:rPr lang="en-US" dirty="0"/>
+              <a:t>Expected developer time </a:t>
+            </a:r>
+          </a:p>
+          <a:p>
+            <a:pPr lvl="1"/>
+            <a:r>
+              <a:rPr lang="en-US" dirty="0"/>
+              <a:t>Extent of disruption in production schedules</a:t>
+            </a:r>
+          </a:p>
+          <a:p>
+            <a:r>
+              <a:rPr lang="en-US" dirty="0"/>
+              <a:t>Get a buy-in from the stakeholders</a:t>
+            </a:r>
+          </a:p>
+          <a:p>
+            <a:pPr lvl="1"/>
+            <a:r>
+              <a:rPr lang="en-US" dirty="0"/>
+              <a:t>That includes the users</a:t>
+            </a:r>
+          </a:p>
+          <a:p>
+            <a:pPr lvl="1"/>
+            <a:r>
+              <a:rPr lang="en-US" dirty="0"/>
+              <a:t>For both development time and disruption</a:t>
+            </a:r>
+          </a:p>
+          <a:p>
+            <a:pPr lvl="1"/>
+            <a:endParaRPr lang="en-US" dirty="0"/>
+          </a:p>
+        </p:txBody>
+      </p:sp>
+    </p:spTree>
+    <p:extLst>
+      <p:ext uri="{BB962C8B-B14F-4D97-AF65-F5344CB8AC3E}">
+        <p14:creationId xmlns:p14="http://schemas.microsoft.com/office/powerpoint/2010/main" val="3888215166"/>
+      </p:ext>
+    </p:extLst>
+  </p:cSld>
+  <p:clrMapOvr>
+    <a:masterClrMapping/>
+  </p:clrMapOvr>
+  <mc:AlternateContent xmlns:mc="http://schemas.openxmlformats.org/markup-compatibility/2006" xmlns:p14="http://schemas.microsoft.com/office/powerpoint/2010/main">
+    <mc:Choice Requires="p14">
+      <p:transition p14:dur="250">
+        <p:fade/>
+      </p:transition>
+    </mc:Choice>
+    <mc:Fallback xmlns="">
+      <p:transition>
+        <p:fade/>
+      </p:transition>
+    </mc:Fallback>
+  </mc:AlternateContent>
+</p:sld>
+</file>
+
+<file path=ppt/slides/slide33.xml><?xml version="1.0" encoding="utf-8"?>
 <p:sld xmlns:a="http://schemas.openxmlformats.org/drawingml/2006/main" xmlns:r="http://schemas.openxmlformats.org/officeDocument/2006/relationships" xmlns:p="http://schemas.openxmlformats.org/presentationml/2006/main">
   <p:cSld>
     <p:spTree>
@@ -25206,7 +24931,7 @@
 </p:sld>
 </file>
 
-<file path=ppt/slides/slide35.xml><?xml version="1.0" encoding="utf-8"?>
+<file path=ppt/slides/slide34.xml><?xml version="1.0" encoding="utf-8"?>
 <p:sld xmlns:a="http://schemas.openxmlformats.org/drawingml/2006/main" xmlns:r="http://schemas.openxmlformats.org/officeDocument/2006/relationships" xmlns:p="http://schemas.openxmlformats.org/presentationml/2006/main">
   <p:cSld>
     <p:spTree>
@@ -25435,7 +25160,7 @@
 </p:sld>
 </file>
 
-<file path=ppt/slides/slide36.xml><?xml version="1.0" encoding="utf-8"?>
+<file path=ppt/slides/slide35.xml><?xml version="1.0" encoding="utf-8"?>
 <p:sld xmlns:a="http://schemas.openxmlformats.org/drawingml/2006/main" xmlns:r="http://schemas.openxmlformats.org/officeDocument/2006/relationships" xmlns:p="http://schemas.openxmlformats.org/presentationml/2006/main">
   <p:cSld>
     <p:spTree>
@@ -25730,7 +25455,7 @@
 </p:sld>
 </file>
 
-<file path=ppt/slides/slide37.xml><?xml version="1.0" encoding="utf-8"?>
+<file path=ppt/slides/slide36.xml><?xml version="1.0" encoding="utf-8"?>
 <p:sld xmlns:a="http://schemas.openxmlformats.org/drawingml/2006/main" xmlns:r="http://schemas.openxmlformats.org/officeDocument/2006/relationships" xmlns:p="http://schemas.openxmlformats.org/presentationml/2006/main">
   <p:cSld>
     <p:spTree>
@@ -25969,7 +25694,7 @@
 </p:sld>
 </file>
 
-<file path=ppt/slides/slide38.xml><?xml version="1.0" encoding="utf-8"?>
+<file path=ppt/slides/slide37.xml><?xml version="1.0" encoding="utf-8"?>
 <p:sld xmlns:a="http://schemas.openxmlformats.org/drawingml/2006/main" xmlns:r="http://schemas.openxmlformats.org/officeDocument/2006/relationships" xmlns:p="http://schemas.openxmlformats.org/presentationml/2006/main">
   <p:cSld>
     <p:spTree>
@@ -26254,7 +25979,7 @@
 </p:sld>
 </file>
 
-<file path=ppt/slides/slide39.xml><?xml version="1.0" encoding="utf-8"?>
+<file path=ppt/slides/slide38.xml><?xml version="1.0" encoding="utf-8"?>
 <p:sld xmlns:a="http://schemas.openxmlformats.org/drawingml/2006/main" xmlns:r="http://schemas.openxmlformats.org/officeDocument/2006/relationships" xmlns:p="http://schemas.openxmlformats.org/presentationml/2006/main">
   <p:cSld>
     <p:spTree>
@@ -26485,461 +26210,7 @@
 </p:sld>
 </file>
 
-<file path=ppt/slides/slide4.xml><?xml version="1.0" encoding="utf-8"?>
-<p:sld xmlns:a="http://schemas.openxmlformats.org/drawingml/2006/main" xmlns:r="http://schemas.openxmlformats.org/officeDocument/2006/relationships" xmlns:p="http://schemas.openxmlformats.org/presentationml/2006/main">
-  <p:cSld>
-    <p:spTree>
-      <p:nvGrpSpPr>
-        <p:cNvPr id="1" name=""/>
-        <p:cNvGrpSpPr/>
-        <p:nvPr/>
-      </p:nvGrpSpPr>
-      <p:grpSpPr>
-        <a:xfrm>
-          <a:off x="0" y="0"/>
-          <a:ext cx="0" cy="0"/>
-          <a:chOff x="0" y="0"/>
-          <a:chExt cx="0" cy="0"/>
-        </a:xfrm>
-      </p:grpSpPr>
-      <p:sp>
-        <p:nvSpPr>
-          <p:cNvPr id="8" name="Content Placeholder 2">
-            <a:extLst>
-              <a:ext uri="{FF2B5EF4-FFF2-40B4-BE49-F238E27FC236}">
-                <a16:creationId xmlns:a16="http://schemas.microsoft.com/office/drawing/2014/main" id="{5D30512F-71BE-C842-A3D2-4229E91863BB}"/>
-              </a:ext>
-            </a:extLst>
-          </p:cNvPr>
-          <p:cNvSpPr>
-            <a:spLocks noGrp="1"/>
-          </p:cNvSpPr>
-          <p:nvPr>
-            <p:ph idx="1"/>
-          </p:nvPr>
-        </p:nvSpPr>
-        <p:spPr>
-          <a:xfrm>
-            <a:off x="609443" y="1699995"/>
-            <a:ext cx="5881298" cy="4422776"/>
-          </a:xfrm>
-        </p:spPr>
-        <p:txBody>
-          <a:bodyPr/>
-          <a:lstStyle/>
-          <a:p>
-            <a:pPr marL="0" indent="0">
-              <a:buNone/>
-            </a:pPr>
-            <a:r>
-              <a:rPr lang="en-US" dirty="0">
-                <a:solidFill>
-                  <a:srgbClr val="FF0000"/>
-                </a:solidFill>
-              </a:rPr>
-              <a:t>Definition: Refactoring is a disciplined technique for restructuring an existing body of code, altering its internal structure without changing its external behavior.</a:t>
-            </a:r>
-          </a:p>
-          <a:p>
-            <a:r>
-              <a:rPr lang="en-US" dirty="0"/>
-              <a:t>Different from development</a:t>
-            </a:r>
-          </a:p>
-          <a:p>
-            <a:pPr lvl="1"/>
-            <a:r>
-              <a:rPr lang="en-US" dirty="0"/>
-              <a:t>You have a working code </a:t>
-            </a:r>
-          </a:p>
-          <a:p>
-            <a:pPr lvl="1"/>
-            <a:r>
-              <a:rPr lang="en-US" dirty="0"/>
-              <a:t>You know and understand the behavior</a:t>
-            </a:r>
-          </a:p>
-          <a:p>
-            <a:pPr lvl="1"/>
-            <a:r>
-              <a:rPr lang="en-US" dirty="0"/>
-              <a:t>You have a baseline that you can use for comparison</a:t>
-            </a:r>
-          </a:p>
-          <a:p>
-            <a:endParaRPr lang="en-US" dirty="0"/>
-          </a:p>
-          <a:p>
-            <a:pPr lvl="1"/>
-            <a:endParaRPr lang="en-US" dirty="0"/>
-          </a:p>
-          <a:p>
-            <a:pPr lvl="2"/>
-            <a:endParaRPr lang="en-US" dirty="0"/>
-          </a:p>
-        </p:txBody>
-      </p:sp>
-      <p:sp>
-        <p:nvSpPr>
-          <p:cNvPr id="2" name="Title 1"/>
-          <p:cNvSpPr>
-            <a:spLocks noGrp="1"/>
-          </p:cNvSpPr>
-          <p:nvPr>
-            <p:ph type="title"/>
-          </p:nvPr>
-        </p:nvSpPr>
-        <p:spPr/>
-        <p:txBody>
-          <a:bodyPr/>
-          <a:lstStyle/>
-          <a:p>
-            <a:r>
-              <a:rPr lang="en-US" dirty="0"/>
-              <a:t>What is Refactoring </a:t>
-            </a:r>
-            <a:br>
-              <a:rPr lang="en-US" dirty="0"/>
-            </a:br>
-            <a:endParaRPr lang="en-US" dirty="0"/>
-          </a:p>
-        </p:txBody>
-      </p:sp>
-      <p:sp>
-        <p:nvSpPr>
-          <p:cNvPr id="6" name="Content Placeholder 2">
-            <a:extLst>
-              <a:ext uri="{FF2B5EF4-FFF2-40B4-BE49-F238E27FC236}">
-                <a16:creationId xmlns:a16="http://schemas.microsoft.com/office/drawing/2014/main" id="{A3969DB6-AB62-0A43-A6B7-8B07C828C355}"/>
-              </a:ext>
-            </a:extLst>
-          </p:cNvPr>
-          <p:cNvSpPr txBox="1">
-            <a:spLocks/>
-          </p:cNvSpPr>
-          <p:nvPr/>
-        </p:nvSpPr>
-        <p:spPr bwMode="auto">
-          <a:xfrm>
-            <a:off x="6607828" y="1258433"/>
-            <a:ext cx="4971554" cy="4204252"/>
-          </a:xfrm>
-          <a:prstGeom prst="rect">
-            <a:avLst/>
-          </a:prstGeom>
-          <a:noFill/>
-          <a:ln w="9525">
-            <a:noFill/>
-            <a:miter lim="800000"/>
-            <a:headEnd/>
-            <a:tailEnd/>
-          </a:ln>
-        </p:spPr>
-        <p:txBody>
-          <a:bodyPr vert="horz" wrap="square" lIns="91440" tIns="45720" rIns="91440" bIns="45720" numCol="1" anchor="t" anchorCtr="0" compatLnSpc="1">
-            <a:prstTxWarp prst="textNoShape">
-              <a:avLst/>
-            </a:prstTxWarp>
-            <a:normAutofit/>
-          </a:bodyPr>
-          <a:lstStyle>
-            <a:lvl1pPr marL="230188" indent="-230188" algn="l" rtl="0" eaLnBrk="1" fontAlgn="base" hangingPunct="1">
-              <a:lnSpc>
-                <a:spcPct val="90000"/>
-              </a:lnSpc>
-              <a:spcBef>
-                <a:spcPts val="1400"/>
-              </a:spcBef>
-              <a:spcAft>
-                <a:spcPct val="0"/>
-              </a:spcAft>
-              <a:buClr>
-                <a:schemeClr val="tx1"/>
-              </a:buClr>
-              <a:buFont typeface="Arial" charset="0"/>
-              <a:buChar char="•"/>
-              <a:defRPr sz="2400" kern="1200" baseline="0">
-                <a:solidFill>
-                  <a:schemeClr val="tx1"/>
-                </a:solidFill>
-                <a:latin typeface="+mn-lt"/>
-                <a:ea typeface="+mn-ea"/>
-                <a:cs typeface="+mn-cs"/>
-              </a:defRPr>
-            </a:lvl1pPr>
-            <a:lvl2pPr marL="625475" indent="-279400" algn="l" rtl="0" eaLnBrk="1" fontAlgn="base" hangingPunct="1">
-              <a:lnSpc>
-                <a:spcPct val="90000"/>
-              </a:lnSpc>
-              <a:spcBef>
-                <a:spcPts val="800"/>
-              </a:spcBef>
-              <a:spcAft>
-                <a:spcPct val="0"/>
-              </a:spcAft>
-              <a:buClr>
-                <a:schemeClr val="tx1"/>
-              </a:buClr>
-              <a:buFont typeface="Arial" charset="0"/>
-              <a:buChar char="–"/>
-              <a:defRPr sz="2000" kern="1200">
-                <a:solidFill>
-                  <a:schemeClr val="tx1"/>
-                </a:solidFill>
-                <a:latin typeface="+mn-lt"/>
-                <a:ea typeface="+mn-ea"/>
-                <a:cs typeface="+mn-cs"/>
-              </a:defRPr>
-            </a:lvl2pPr>
-            <a:lvl3pPr marL="914400" indent="-230188" algn="l" rtl="0" eaLnBrk="1" fontAlgn="base" hangingPunct="1">
-              <a:lnSpc>
-                <a:spcPct val="90000"/>
-              </a:lnSpc>
-              <a:spcBef>
-                <a:spcPts val="800"/>
-              </a:spcBef>
-              <a:spcAft>
-                <a:spcPct val="0"/>
-              </a:spcAft>
-              <a:buClr>
-                <a:schemeClr val="tx1"/>
-              </a:buClr>
-              <a:buFont typeface="Arial" charset="0"/>
-              <a:buChar char="•"/>
-              <a:defRPr sz="1800" kern="1200">
-                <a:solidFill>
-                  <a:schemeClr val="tx1"/>
-                </a:solidFill>
-                <a:latin typeface="+mn-lt"/>
-                <a:ea typeface="+mn-ea"/>
-                <a:cs typeface="+mn-cs"/>
-              </a:defRPr>
-            </a:lvl3pPr>
-            <a:lvl4pPr marL="1144588" indent="-173038" algn="l" rtl="0" eaLnBrk="1" fontAlgn="base" hangingPunct="1">
-              <a:lnSpc>
-                <a:spcPct val="90000"/>
-              </a:lnSpc>
-              <a:spcBef>
-                <a:spcPts val="800"/>
-              </a:spcBef>
-              <a:spcAft>
-                <a:spcPct val="0"/>
-              </a:spcAft>
-              <a:buClr>
-                <a:schemeClr val="tx1"/>
-              </a:buClr>
-              <a:buFont typeface="Arial" charset="0"/>
-              <a:buChar char="–"/>
-              <a:defRPr sz="1600" kern="1200">
-                <a:solidFill>
-                  <a:schemeClr val="tx1"/>
-                </a:solidFill>
-                <a:latin typeface="+mn-lt"/>
-                <a:ea typeface="+mn-ea"/>
-                <a:cs typeface="+mn-cs"/>
-              </a:defRPr>
-            </a:lvl4pPr>
-            <a:lvl5pPr marL="1482725" indent="-222250" algn="l" rtl="0" eaLnBrk="1" fontAlgn="base" hangingPunct="1">
-              <a:lnSpc>
-                <a:spcPct val="90000"/>
-              </a:lnSpc>
-              <a:spcBef>
-                <a:spcPts val="600"/>
-              </a:spcBef>
-              <a:spcAft>
-                <a:spcPct val="0"/>
-              </a:spcAft>
-              <a:buClr>
-                <a:schemeClr val="tx1"/>
-              </a:buClr>
-              <a:buFont typeface="Arial" charset="0"/>
-              <a:buChar char="»"/>
-              <a:defRPr sz="1600" kern="1200">
-                <a:solidFill>
-                  <a:schemeClr val="tx1"/>
-                </a:solidFill>
-                <a:latin typeface="+mn-lt"/>
-                <a:ea typeface="+mn-ea"/>
-                <a:cs typeface="+mn-cs"/>
-              </a:defRPr>
-            </a:lvl5pPr>
-            <a:lvl6pPr marL="2514600" indent="-228600" algn="l" defTabSz="914400" rtl="0" eaLnBrk="1" latinLnBrk="0" hangingPunct="1">
-              <a:spcBef>
-                <a:spcPct val="20000"/>
-              </a:spcBef>
-              <a:buFont typeface="Arial" pitchFamily="34" charset="0"/>
-              <a:buChar char="•"/>
-              <a:defRPr sz="2000" kern="1200">
-                <a:solidFill>
-                  <a:schemeClr val="tx1"/>
-                </a:solidFill>
-                <a:latin typeface="+mn-lt"/>
-                <a:ea typeface="+mn-ea"/>
-                <a:cs typeface="+mn-cs"/>
-              </a:defRPr>
-            </a:lvl6pPr>
-            <a:lvl7pPr marL="2971800" indent="-228600" algn="l" defTabSz="914400" rtl="0" eaLnBrk="1" latinLnBrk="0" hangingPunct="1">
-              <a:spcBef>
-                <a:spcPct val="20000"/>
-              </a:spcBef>
-              <a:buFont typeface="Arial" pitchFamily="34" charset="0"/>
-              <a:buChar char="•"/>
-              <a:defRPr sz="2000" kern="1200">
-                <a:solidFill>
-                  <a:schemeClr val="tx1"/>
-                </a:solidFill>
-                <a:latin typeface="+mn-lt"/>
-                <a:ea typeface="+mn-ea"/>
-                <a:cs typeface="+mn-cs"/>
-              </a:defRPr>
-            </a:lvl7pPr>
-            <a:lvl8pPr marL="3429000" indent="-228600" algn="l" defTabSz="914400" rtl="0" eaLnBrk="1" latinLnBrk="0" hangingPunct="1">
-              <a:spcBef>
-                <a:spcPct val="20000"/>
-              </a:spcBef>
-              <a:buFont typeface="Arial" pitchFamily="34" charset="0"/>
-              <a:buChar char="•"/>
-              <a:defRPr sz="2000" kern="1200">
-                <a:solidFill>
-                  <a:schemeClr val="tx1"/>
-                </a:solidFill>
-                <a:latin typeface="+mn-lt"/>
-                <a:ea typeface="+mn-ea"/>
-                <a:cs typeface="+mn-cs"/>
-              </a:defRPr>
-            </a:lvl8pPr>
-            <a:lvl9pPr marL="3886200" indent="-228600" algn="l" defTabSz="914400" rtl="0" eaLnBrk="1" latinLnBrk="0" hangingPunct="1">
-              <a:spcBef>
-                <a:spcPct val="20000"/>
-              </a:spcBef>
-              <a:buFont typeface="Arial" pitchFamily="34" charset="0"/>
-              <a:buChar char="•"/>
-              <a:defRPr sz="2000" kern="1200">
-                <a:solidFill>
-                  <a:schemeClr val="tx1"/>
-                </a:solidFill>
-                <a:latin typeface="+mn-lt"/>
-                <a:ea typeface="+mn-ea"/>
-                <a:cs typeface="+mn-cs"/>
-              </a:defRPr>
-            </a:lvl9pPr>
-          </a:lstStyle>
-          <a:p>
-            <a:pPr marL="0" indent="0">
-              <a:buFont typeface="Arial" charset="0"/>
-              <a:buNone/>
-            </a:pPr>
-            <a:endParaRPr lang="en-US" dirty="0"/>
-          </a:p>
-          <a:p>
-            <a:r>
-              <a:rPr lang="en-US" dirty="0"/>
-              <a:t>General motivations</a:t>
-            </a:r>
-          </a:p>
-          <a:p>
-            <a:pPr lvl="1"/>
-            <a:r>
-              <a:rPr lang="en-US" dirty="0"/>
-              <a:t>Modularity enhancement </a:t>
-            </a:r>
-          </a:p>
-          <a:p>
-            <a:pPr lvl="2"/>
-            <a:r>
-              <a:rPr lang="en-US" dirty="0"/>
-              <a:t>Improve sustainability</a:t>
-            </a:r>
-          </a:p>
-          <a:p>
-            <a:pPr lvl="1"/>
-            <a:r>
-              <a:rPr lang="en-US" dirty="0"/>
-              <a:t>Release to outside users</a:t>
-            </a:r>
-          </a:p>
-          <a:p>
-            <a:pPr lvl="2"/>
-            <a:r>
-              <a:rPr lang="en-US" dirty="0"/>
-              <a:t>Easier to use and understand</a:t>
-            </a:r>
-          </a:p>
-          <a:p>
-            <a:pPr lvl="1"/>
-            <a:r>
-              <a:rPr lang="en-US" dirty="0"/>
-              <a:t>Port to new platforms</a:t>
-            </a:r>
-          </a:p>
-          <a:p>
-            <a:pPr lvl="2"/>
-            <a:r>
-              <a:rPr lang="en-US" dirty="0"/>
-              <a:t>Performance portability</a:t>
-            </a:r>
-          </a:p>
-          <a:p>
-            <a:pPr lvl="1"/>
-            <a:r>
-              <a:rPr lang="en-US" dirty="0"/>
-              <a:t>Expand capabilities</a:t>
-            </a:r>
-          </a:p>
-          <a:p>
-            <a:pPr lvl="2"/>
-            <a:r>
-              <a:rPr lang="en-US" dirty="0"/>
-              <a:t>Structural flexibility</a:t>
-            </a:r>
-          </a:p>
-          <a:p>
-            <a:pPr marL="0" indent="0">
-              <a:buFont typeface="Arial" charset="0"/>
-              <a:buNone/>
-            </a:pPr>
-            <a:endParaRPr lang="en-US" dirty="0"/>
-          </a:p>
-          <a:p>
-            <a:pPr lvl="1"/>
-            <a:endParaRPr lang="en-US" dirty="0"/>
-          </a:p>
-          <a:p>
-            <a:pPr marL="684212" lvl="2" indent="0">
-              <a:buFont typeface="Arial" charset="0"/>
-              <a:buNone/>
-            </a:pPr>
-            <a:endParaRPr lang="en-US" dirty="0"/>
-          </a:p>
-        </p:txBody>
-      </p:sp>
-    </p:spTree>
-    <p:extLst>
-      <p:ext uri="{BB962C8B-B14F-4D97-AF65-F5344CB8AC3E}">
-        <p14:creationId xmlns:p14="http://schemas.microsoft.com/office/powerpoint/2010/main" val="4067883223"/>
-      </p:ext>
-    </p:extLst>
-  </p:cSld>
-  <p:clrMapOvr>
-    <a:masterClrMapping/>
-  </p:clrMapOvr>
-  <mc:AlternateContent xmlns:mc="http://schemas.openxmlformats.org/markup-compatibility/2006" xmlns:p14="http://schemas.microsoft.com/office/powerpoint/2010/main">
-    <mc:Choice Requires="p14">
-      <p:transition p14:dur="250">
-        <p:fade/>
-      </p:transition>
-    </mc:Choice>
-    <mc:Fallback xmlns="">
-      <p:transition>
-        <p:fade/>
-      </p:transition>
-    </mc:Fallback>
-  </mc:AlternateContent>
-</p:sld>
-</file>
-
-<file path=ppt/slides/slide40.xml><?xml version="1.0" encoding="utf-8"?>
+<file path=ppt/slides/slide39.xml><?xml version="1.0" encoding="utf-8"?>
 <p:sld xmlns:a="http://schemas.openxmlformats.org/drawingml/2006/main" xmlns:r="http://schemas.openxmlformats.org/officeDocument/2006/relationships" xmlns:p="http://schemas.openxmlformats.org/presentationml/2006/main">
   <p:cSld>
     <p:spTree>
@@ -27033,166 +26304,7 @@
 </p:sld>
 </file>
 
-<file path=ppt/slides/slide41.xml><?xml version="1.0" encoding="utf-8"?>
-<p:sld xmlns:a="http://schemas.openxmlformats.org/drawingml/2006/main" xmlns:r="http://schemas.openxmlformats.org/officeDocument/2006/relationships" xmlns:p="http://schemas.openxmlformats.org/presentationml/2006/main">
-  <p:cSld>
-    <p:spTree>
-      <p:nvGrpSpPr>
-        <p:cNvPr id="1" name=""/>
-        <p:cNvGrpSpPr/>
-        <p:nvPr/>
-      </p:nvGrpSpPr>
-      <p:grpSpPr>
-        <a:xfrm>
-          <a:off x="0" y="0"/>
-          <a:ext cx="0" cy="0"/>
-          <a:chOff x="0" y="0"/>
-          <a:chExt cx="0" cy="0"/>
-        </a:xfrm>
-      </p:grpSpPr>
-      <p:sp>
-        <p:nvSpPr>
-          <p:cNvPr id="3" name="Title 2">
-            <a:extLst>
-              <a:ext uri="{FF2B5EF4-FFF2-40B4-BE49-F238E27FC236}">
-                <a16:creationId xmlns:a16="http://schemas.microsoft.com/office/drawing/2014/main" id="{54026D64-CF81-4590-8E7D-51586DE803B8}"/>
-              </a:ext>
-            </a:extLst>
-          </p:cNvPr>
-          <p:cNvSpPr>
-            <a:spLocks noGrp="1"/>
-          </p:cNvSpPr>
-          <p:nvPr>
-            <p:ph type="title"/>
-          </p:nvPr>
-        </p:nvSpPr>
-        <p:spPr>
-          <a:xfrm>
-            <a:off x="365760" y="411480"/>
-            <a:ext cx="11372473" cy="914400"/>
-          </a:xfrm>
-        </p:spPr>
-        <p:txBody>
-          <a:bodyPr/>
-          <a:lstStyle/>
-          <a:p>
-            <a:r>
-              <a:rPr lang="en-US"/>
-              <a:t>To Have a Good </a:t>
-            </a:r>
-            <a:r>
-              <a:rPr lang="en-US" dirty="0"/>
-              <a:t>O</a:t>
-            </a:r>
-            <a:r>
-              <a:rPr lang="en-US"/>
-              <a:t>utcome from Refactoring</a:t>
-            </a:r>
-            <a:endParaRPr lang="en-US" dirty="0"/>
-          </a:p>
-        </p:txBody>
-      </p:sp>
-      <p:sp>
-        <p:nvSpPr>
-          <p:cNvPr id="4" name="Content Placeholder 3">
-            <a:extLst>
-              <a:ext uri="{FF2B5EF4-FFF2-40B4-BE49-F238E27FC236}">
-                <a16:creationId xmlns:a16="http://schemas.microsoft.com/office/drawing/2014/main" id="{F0098609-3DB0-410A-ACC1-6699EBD68CF4}"/>
-              </a:ext>
-            </a:extLst>
-          </p:cNvPr>
-          <p:cNvSpPr>
-            <a:spLocks noGrp="1"/>
-          </p:cNvSpPr>
-          <p:nvPr>
-            <p:ph idx="1"/>
-          </p:nvPr>
-        </p:nvSpPr>
-        <p:spPr>
-          <a:xfrm>
-            <a:off x="365760" y="1737360"/>
-            <a:ext cx="11369809" cy="4047778"/>
-          </a:xfrm>
-        </p:spPr>
-        <p:txBody>
-          <a:bodyPr/>
-          <a:lstStyle/>
-          <a:p>
-            <a:pPr marL="457200" indent="-457200">
-              <a:buFont typeface="+mj-lt"/>
-              <a:buAutoNum type="arabicPeriod"/>
-            </a:pPr>
-            <a:r>
-              <a:rPr lang="en-US" dirty="0"/>
-              <a:t>Know why</a:t>
-            </a:r>
-          </a:p>
-          <a:p>
-            <a:pPr marL="457200" indent="-457200">
-              <a:buFont typeface="+mj-lt"/>
-              <a:buAutoNum type="arabicPeriod"/>
-            </a:pPr>
-            <a:r>
-              <a:rPr lang="en-US" dirty="0"/>
-              <a:t>Know how much</a:t>
-            </a:r>
-          </a:p>
-          <a:p>
-            <a:pPr marL="457200" indent="-457200">
-              <a:buFont typeface="+mj-lt"/>
-              <a:buAutoNum type="arabicPeriod"/>
-            </a:pPr>
-            <a:r>
-              <a:rPr lang="en-US" dirty="0"/>
-              <a:t>Know the cost</a:t>
-            </a:r>
-          </a:p>
-          <a:p>
-            <a:pPr marL="457200" indent="-457200">
-              <a:buFont typeface="+mj-lt"/>
-              <a:buAutoNum type="arabicPeriod"/>
-            </a:pPr>
-            <a:r>
-              <a:rPr lang="en-US" dirty="0"/>
-              <a:t>Plan</a:t>
-            </a:r>
-          </a:p>
-          <a:p>
-            <a:pPr marL="457200" indent="-457200">
-              <a:buFont typeface="+mj-lt"/>
-              <a:buAutoNum type="arabicPeriod"/>
-            </a:pPr>
-            <a:r>
-              <a:rPr lang="en-US" dirty="0"/>
-              <a:t>Have strong testing and verification</a:t>
-            </a:r>
-          </a:p>
-          <a:p>
-            <a:pPr marL="457200" indent="-457200">
-              <a:buFont typeface="+mj-lt"/>
-              <a:buAutoNum type="arabicPeriod"/>
-            </a:pPr>
-            <a:r>
-              <a:rPr lang="en-US" dirty="0"/>
-              <a:t>Get buy-in from stakeholders</a:t>
-            </a:r>
-          </a:p>
-        </p:txBody>
-      </p:sp>
-    </p:spTree>
-    <p:extLst>
-      <p:ext uri="{BB962C8B-B14F-4D97-AF65-F5344CB8AC3E}">
-        <p14:creationId xmlns:p14="http://schemas.microsoft.com/office/powerpoint/2010/main" val="2352381746"/>
-      </p:ext>
-    </p:extLst>
-  </p:cSld>
-  <p:clrMapOvr>
-    <a:masterClrMapping/>
-  </p:clrMapOvr>
-</p:sld>
-</file>
-
-<file path=ppt/slides/slide5.xml><?xml version="1.0" encoding="utf-8"?>
+<file path=ppt/slides/slide4.xml><?xml version="1.0" encoding="utf-8"?>
 <p:sld xmlns:a="http://schemas.openxmlformats.org/drawingml/2006/main" xmlns:r="http://schemas.openxmlformats.org/officeDocument/2006/relationships" xmlns:p="http://schemas.openxmlformats.org/presentationml/2006/main">
   <p:cSld>
     <p:spTree>
@@ -27904,7 +27016,166 @@
 </p:sld>
 </file>
 
-<file path=ppt/slides/slide6.xml><?xml version="1.0" encoding="utf-8"?>
+<file path=ppt/slides/slide40.xml><?xml version="1.0" encoding="utf-8"?>
+<p:sld xmlns:a="http://schemas.openxmlformats.org/drawingml/2006/main" xmlns:r="http://schemas.openxmlformats.org/officeDocument/2006/relationships" xmlns:p="http://schemas.openxmlformats.org/presentationml/2006/main">
+  <p:cSld>
+    <p:spTree>
+      <p:nvGrpSpPr>
+        <p:cNvPr id="1" name=""/>
+        <p:cNvGrpSpPr/>
+        <p:nvPr/>
+      </p:nvGrpSpPr>
+      <p:grpSpPr>
+        <a:xfrm>
+          <a:off x="0" y="0"/>
+          <a:ext cx="0" cy="0"/>
+          <a:chOff x="0" y="0"/>
+          <a:chExt cx="0" cy="0"/>
+        </a:xfrm>
+      </p:grpSpPr>
+      <p:sp>
+        <p:nvSpPr>
+          <p:cNvPr id="3" name="Title 2">
+            <a:extLst>
+              <a:ext uri="{FF2B5EF4-FFF2-40B4-BE49-F238E27FC236}">
+                <a16:creationId xmlns:a16="http://schemas.microsoft.com/office/drawing/2014/main" id="{54026D64-CF81-4590-8E7D-51586DE803B8}"/>
+              </a:ext>
+            </a:extLst>
+          </p:cNvPr>
+          <p:cNvSpPr>
+            <a:spLocks noGrp="1"/>
+          </p:cNvSpPr>
+          <p:nvPr>
+            <p:ph type="title"/>
+          </p:nvPr>
+        </p:nvSpPr>
+        <p:spPr>
+          <a:xfrm>
+            <a:off x="365760" y="411480"/>
+            <a:ext cx="11372473" cy="914400"/>
+          </a:xfrm>
+        </p:spPr>
+        <p:txBody>
+          <a:bodyPr/>
+          <a:lstStyle/>
+          <a:p>
+            <a:r>
+              <a:rPr lang="en-US"/>
+              <a:t>To Have a Good </a:t>
+            </a:r>
+            <a:r>
+              <a:rPr lang="en-US" dirty="0"/>
+              <a:t>O</a:t>
+            </a:r>
+            <a:r>
+              <a:rPr lang="en-US"/>
+              <a:t>utcome from Refactoring</a:t>
+            </a:r>
+            <a:endParaRPr lang="en-US" dirty="0"/>
+          </a:p>
+        </p:txBody>
+      </p:sp>
+      <p:sp>
+        <p:nvSpPr>
+          <p:cNvPr id="4" name="Content Placeholder 3">
+            <a:extLst>
+              <a:ext uri="{FF2B5EF4-FFF2-40B4-BE49-F238E27FC236}">
+                <a16:creationId xmlns:a16="http://schemas.microsoft.com/office/drawing/2014/main" id="{F0098609-3DB0-410A-ACC1-6699EBD68CF4}"/>
+              </a:ext>
+            </a:extLst>
+          </p:cNvPr>
+          <p:cNvSpPr>
+            <a:spLocks noGrp="1"/>
+          </p:cNvSpPr>
+          <p:nvPr>
+            <p:ph idx="1"/>
+          </p:nvPr>
+        </p:nvSpPr>
+        <p:spPr>
+          <a:xfrm>
+            <a:off x="365760" y="1737360"/>
+            <a:ext cx="11369809" cy="4047778"/>
+          </a:xfrm>
+        </p:spPr>
+        <p:txBody>
+          <a:bodyPr/>
+          <a:lstStyle/>
+          <a:p>
+            <a:pPr marL="457200" indent="-457200">
+              <a:buFont typeface="+mj-lt"/>
+              <a:buAutoNum type="arabicPeriod"/>
+            </a:pPr>
+            <a:r>
+              <a:rPr lang="en-US" dirty="0"/>
+              <a:t>Know why</a:t>
+            </a:r>
+          </a:p>
+          <a:p>
+            <a:pPr marL="457200" indent="-457200">
+              <a:buFont typeface="+mj-lt"/>
+              <a:buAutoNum type="arabicPeriod"/>
+            </a:pPr>
+            <a:r>
+              <a:rPr lang="en-US" dirty="0"/>
+              <a:t>Know how much</a:t>
+            </a:r>
+          </a:p>
+          <a:p>
+            <a:pPr marL="457200" indent="-457200">
+              <a:buFont typeface="+mj-lt"/>
+              <a:buAutoNum type="arabicPeriod"/>
+            </a:pPr>
+            <a:r>
+              <a:rPr lang="en-US" dirty="0"/>
+              <a:t>Know the cost</a:t>
+            </a:r>
+          </a:p>
+          <a:p>
+            <a:pPr marL="457200" indent="-457200">
+              <a:buFont typeface="+mj-lt"/>
+              <a:buAutoNum type="arabicPeriod"/>
+            </a:pPr>
+            <a:r>
+              <a:rPr lang="en-US" dirty="0"/>
+              <a:t>Plan</a:t>
+            </a:r>
+          </a:p>
+          <a:p>
+            <a:pPr marL="457200" indent="-457200">
+              <a:buFont typeface="+mj-lt"/>
+              <a:buAutoNum type="arabicPeriod"/>
+            </a:pPr>
+            <a:r>
+              <a:rPr lang="en-US" dirty="0"/>
+              <a:t>Have strong testing and verification</a:t>
+            </a:r>
+          </a:p>
+          <a:p>
+            <a:pPr marL="457200" indent="-457200">
+              <a:buFont typeface="+mj-lt"/>
+              <a:buAutoNum type="arabicPeriod"/>
+            </a:pPr>
+            <a:r>
+              <a:rPr lang="en-US" dirty="0"/>
+              <a:t>Get buy-in from stakeholders</a:t>
+            </a:r>
+          </a:p>
+        </p:txBody>
+      </p:sp>
+    </p:spTree>
+    <p:extLst>
+      <p:ext uri="{BB962C8B-B14F-4D97-AF65-F5344CB8AC3E}">
+        <p14:creationId xmlns:p14="http://schemas.microsoft.com/office/powerpoint/2010/main" val="2352381746"/>
+      </p:ext>
+    </p:extLst>
+  </p:cSld>
+  <p:clrMapOvr>
+    <a:masterClrMapping/>
+  </p:clrMapOvr>
+</p:sld>
+</file>
+
+<file path=ppt/slides/slide5.xml><?xml version="1.0" encoding="utf-8"?>
 <p:sld xmlns:a="http://schemas.openxmlformats.org/drawingml/2006/main" xmlns:r="http://schemas.openxmlformats.org/officeDocument/2006/relationships" xmlns:p="http://schemas.openxmlformats.org/presentationml/2006/main">
   <p:cSld>
     <p:spTree>
@@ -28849,7 +28120,7 @@
 </p:sld>
 </file>
 
-<file path=ppt/slides/slide7.xml><?xml version="1.0" encoding="utf-8"?>
+<file path=ppt/slides/slide6.xml><?xml version="1.0" encoding="utf-8"?>
 <p:sld xmlns:a="http://schemas.openxmlformats.org/drawingml/2006/main" xmlns:r="http://schemas.openxmlformats.org/officeDocument/2006/relationships" xmlns:p="http://schemas.openxmlformats.org/presentationml/2006/main">
   <p:cSld>
     <p:spTree>
@@ -30130,7 +29401,7 @@
 </p:sld>
 </file>
 
-<file path=ppt/slides/slide8.xml><?xml version="1.0" encoding="utf-8"?>
+<file path=ppt/slides/slide7.xml><?xml version="1.0" encoding="utf-8"?>
 <p:sld xmlns:a="http://schemas.openxmlformats.org/drawingml/2006/main" xmlns:r="http://schemas.openxmlformats.org/officeDocument/2006/relationships" xmlns:p="http://schemas.openxmlformats.org/presentationml/2006/main">
   <p:cSld>
     <p:spTree>
@@ -31471,7 +30742,7 @@
 </p:sld>
 </file>
 
-<file path=ppt/slides/slide9.xml><?xml version="1.0" encoding="utf-8"?>
+<file path=ppt/slides/slide8.xml><?xml version="1.0" encoding="utf-8"?>
 <p:sld xmlns:a="http://schemas.openxmlformats.org/drawingml/2006/main" xmlns:r="http://schemas.openxmlformats.org/officeDocument/2006/relationships" xmlns:p="http://schemas.openxmlformats.org/presentationml/2006/main">
   <p:cSld>
     <p:spTree>
@@ -31812,6 +31083,398 @@
   <p:clrMapOvr>
     <a:masterClrMapping/>
   </p:clrMapOvr>
+</p:sld>
+</file>
+
+<file path=ppt/slides/slide9.xml><?xml version="1.0" encoding="utf-8"?>
+<p:sld xmlns:a="http://schemas.openxmlformats.org/drawingml/2006/main" xmlns:r="http://schemas.openxmlformats.org/officeDocument/2006/relationships" xmlns:p="http://schemas.openxmlformats.org/presentationml/2006/main">
+  <p:cSld>
+    <p:spTree>
+      <p:nvGrpSpPr>
+        <p:cNvPr id="1" name=""/>
+        <p:cNvGrpSpPr/>
+        <p:nvPr/>
+      </p:nvGrpSpPr>
+      <p:grpSpPr>
+        <a:xfrm>
+          <a:off x="0" y="0"/>
+          <a:ext cx="0" cy="0"/>
+          <a:chOff x="0" y="0"/>
+          <a:chExt cx="0" cy="0"/>
+        </a:xfrm>
+      </p:grpSpPr>
+      <p:sp>
+        <p:nvSpPr>
+          <p:cNvPr id="3" name="Content Placeholder 2"/>
+          <p:cNvSpPr>
+            <a:spLocks noGrp="1"/>
+          </p:cNvSpPr>
+          <p:nvPr>
+            <p:ph idx="1"/>
+          </p:nvPr>
+        </p:nvSpPr>
+        <p:spPr>
+          <a:xfrm>
+            <a:off x="609442" y="1309227"/>
+            <a:ext cx="11160961" cy="4422776"/>
+          </a:xfrm>
+        </p:spPr>
+        <p:txBody>
+          <a:bodyPr/>
+          <a:lstStyle/>
+          <a:p>
+            <a:r>
+              <a:rPr lang="en-US" dirty="0"/>
+              <a:t>Know why you are refactoring</a:t>
+            </a:r>
+          </a:p>
+          <a:p>
+            <a:pPr lvl="1"/>
+            <a:r>
+              <a:rPr lang="en-US" dirty="0"/>
+              <a:t>Is it necessary </a:t>
+            </a:r>
+          </a:p>
+          <a:p>
+            <a:pPr lvl="1"/>
+            <a:r>
+              <a:rPr lang="en-US" dirty="0"/>
+              <a:t>Where should the code be after refactoring</a:t>
+            </a:r>
+          </a:p>
+          <a:p>
+            <a:pPr lvl="2"/>
+            <a:endParaRPr lang="en-US" dirty="0"/>
+          </a:p>
+        </p:txBody>
+      </p:sp>
+      <p:sp>
+        <p:nvSpPr>
+          <p:cNvPr id="2" name="Title 1"/>
+          <p:cNvSpPr>
+            <a:spLocks noGrp="1"/>
+          </p:cNvSpPr>
+          <p:nvPr>
+            <p:ph type="title"/>
+          </p:nvPr>
+        </p:nvSpPr>
+        <p:spPr/>
+        <p:txBody>
+          <a:bodyPr/>
+          <a:lstStyle/>
+          <a:p>
+            <a:r>
+              <a:rPr lang="en-US" dirty="0"/>
+              <a:t>Considerations for Refactoring</a:t>
+            </a:r>
+          </a:p>
+        </p:txBody>
+      </p:sp>
+      <p:sp>
+        <p:nvSpPr>
+          <p:cNvPr id="16" name="Content Placeholder 2">
+            <a:extLst>
+              <a:ext uri="{FF2B5EF4-FFF2-40B4-BE49-F238E27FC236}">
+                <a16:creationId xmlns:a16="http://schemas.microsoft.com/office/drawing/2014/main" id="{FFC7FCAD-8E94-314F-B0F0-99AD91CFCBE4}"/>
+              </a:ext>
+            </a:extLst>
+          </p:cNvPr>
+          <p:cNvSpPr txBox="1">
+            <a:spLocks/>
+          </p:cNvSpPr>
+          <p:nvPr/>
+        </p:nvSpPr>
+        <p:spPr bwMode="auto">
+          <a:xfrm>
+            <a:off x="703690" y="2559949"/>
+            <a:ext cx="7886517" cy="3016603"/>
+          </a:xfrm>
+          <a:prstGeom prst="rect">
+            <a:avLst/>
+          </a:prstGeom>
+          <a:noFill/>
+          <a:ln w="9525">
+            <a:noFill/>
+            <a:miter lim="800000"/>
+            <a:headEnd/>
+            <a:tailEnd/>
+          </a:ln>
+        </p:spPr>
+        <p:txBody>
+          <a:bodyPr vert="horz" wrap="square" lIns="91440" tIns="45720" rIns="91440" bIns="45720" numCol="1" anchor="t" anchorCtr="0" compatLnSpc="1">
+            <a:prstTxWarp prst="textNoShape">
+              <a:avLst/>
+            </a:prstTxWarp>
+            <a:normAutofit fontScale="92500" lnSpcReduction="10000"/>
+          </a:bodyPr>
+          <a:lstStyle>
+            <a:lvl1pPr marL="230188" indent="-230188" algn="l" rtl="0" eaLnBrk="1" fontAlgn="base" hangingPunct="1">
+              <a:lnSpc>
+                <a:spcPct val="90000"/>
+              </a:lnSpc>
+              <a:spcBef>
+                <a:spcPts val="1400"/>
+              </a:spcBef>
+              <a:spcAft>
+                <a:spcPct val="0"/>
+              </a:spcAft>
+              <a:buClr>
+                <a:schemeClr val="tx1"/>
+              </a:buClr>
+              <a:buFont typeface="Arial" charset="0"/>
+              <a:buChar char="•"/>
+              <a:defRPr sz="2400" kern="1200" baseline="0">
+                <a:solidFill>
+                  <a:schemeClr val="tx1"/>
+                </a:solidFill>
+                <a:latin typeface="+mn-lt"/>
+                <a:ea typeface="+mn-ea"/>
+                <a:cs typeface="+mn-cs"/>
+              </a:defRPr>
+            </a:lvl1pPr>
+            <a:lvl2pPr marL="625475" indent="-279400" algn="l" rtl="0" eaLnBrk="1" fontAlgn="base" hangingPunct="1">
+              <a:lnSpc>
+                <a:spcPct val="90000"/>
+              </a:lnSpc>
+              <a:spcBef>
+                <a:spcPts val="800"/>
+              </a:spcBef>
+              <a:spcAft>
+                <a:spcPct val="0"/>
+              </a:spcAft>
+              <a:buClr>
+                <a:schemeClr val="tx1"/>
+              </a:buClr>
+              <a:buFont typeface="Arial" charset="0"/>
+              <a:buChar char="–"/>
+              <a:defRPr sz="2000" kern="1200">
+                <a:solidFill>
+                  <a:schemeClr val="tx1"/>
+                </a:solidFill>
+                <a:latin typeface="+mn-lt"/>
+                <a:ea typeface="+mn-ea"/>
+                <a:cs typeface="+mn-cs"/>
+              </a:defRPr>
+            </a:lvl2pPr>
+            <a:lvl3pPr marL="914400" indent="-230188" algn="l" rtl="0" eaLnBrk="1" fontAlgn="base" hangingPunct="1">
+              <a:lnSpc>
+                <a:spcPct val="90000"/>
+              </a:lnSpc>
+              <a:spcBef>
+                <a:spcPts val="800"/>
+              </a:spcBef>
+              <a:spcAft>
+                <a:spcPct val="0"/>
+              </a:spcAft>
+              <a:buClr>
+                <a:schemeClr val="tx1"/>
+              </a:buClr>
+              <a:buFont typeface="Arial" charset="0"/>
+              <a:buChar char="•"/>
+              <a:defRPr sz="1800" kern="1200">
+                <a:solidFill>
+                  <a:schemeClr val="tx1"/>
+                </a:solidFill>
+                <a:latin typeface="+mn-lt"/>
+                <a:ea typeface="+mn-ea"/>
+                <a:cs typeface="+mn-cs"/>
+              </a:defRPr>
+            </a:lvl3pPr>
+            <a:lvl4pPr marL="1144588" indent="-173038" algn="l" rtl="0" eaLnBrk="1" fontAlgn="base" hangingPunct="1">
+              <a:lnSpc>
+                <a:spcPct val="90000"/>
+              </a:lnSpc>
+              <a:spcBef>
+                <a:spcPts val="800"/>
+              </a:spcBef>
+              <a:spcAft>
+                <a:spcPct val="0"/>
+              </a:spcAft>
+              <a:buClr>
+                <a:schemeClr val="tx1"/>
+              </a:buClr>
+              <a:buFont typeface="Arial" charset="0"/>
+              <a:buChar char="–"/>
+              <a:defRPr sz="1600" kern="1200">
+                <a:solidFill>
+                  <a:schemeClr val="tx1"/>
+                </a:solidFill>
+                <a:latin typeface="+mn-lt"/>
+                <a:ea typeface="+mn-ea"/>
+                <a:cs typeface="+mn-cs"/>
+              </a:defRPr>
+            </a:lvl4pPr>
+            <a:lvl5pPr marL="1482725" indent="-222250" algn="l" rtl="0" eaLnBrk="1" fontAlgn="base" hangingPunct="1">
+              <a:lnSpc>
+                <a:spcPct val="90000"/>
+              </a:lnSpc>
+              <a:spcBef>
+                <a:spcPts val="600"/>
+              </a:spcBef>
+              <a:spcAft>
+                <a:spcPct val="0"/>
+              </a:spcAft>
+              <a:buClr>
+                <a:schemeClr val="tx1"/>
+              </a:buClr>
+              <a:buFont typeface="Arial" charset="0"/>
+              <a:buChar char="»"/>
+              <a:defRPr sz="1600" kern="1200">
+                <a:solidFill>
+                  <a:schemeClr val="tx1"/>
+                </a:solidFill>
+                <a:latin typeface="+mn-lt"/>
+                <a:ea typeface="+mn-ea"/>
+                <a:cs typeface="+mn-cs"/>
+              </a:defRPr>
+            </a:lvl5pPr>
+            <a:lvl6pPr marL="2514600" indent="-228600" algn="l" defTabSz="914400" rtl="0" eaLnBrk="1" latinLnBrk="0" hangingPunct="1">
+              <a:spcBef>
+                <a:spcPct val="20000"/>
+              </a:spcBef>
+              <a:buFont typeface="Arial" pitchFamily="34" charset="0"/>
+              <a:buChar char="•"/>
+              <a:defRPr sz="2000" kern="1200">
+                <a:solidFill>
+                  <a:schemeClr val="tx1"/>
+                </a:solidFill>
+                <a:latin typeface="+mn-lt"/>
+                <a:ea typeface="+mn-ea"/>
+                <a:cs typeface="+mn-cs"/>
+              </a:defRPr>
+            </a:lvl6pPr>
+            <a:lvl7pPr marL="2971800" indent="-228600" algn="l" defTabSz="914400" rtl="0" eaLnBrk="1" latinLnBrk="0" hangingPunct="1">
+              <a:spcBef>
+                <a:spcPct val="20000"/>
+              </a:spcBef>
+              <a:buFont typeface="Arial" pitchFamily="34" charset="0"/>
+              <a:buChar char="•"/>
+              <a:defRPr sz="2000" kern="1200">
+                <a:solidFill>
+                  <a:schemeClr val="tx1"/>
+                </a:solidFill>
+                <a:latin typeface="+mn-lt"/>
+                <a:ea typeface="+mn-ea"/>
+                <a:cs typeface="+mn-cs"/>
+              </a:defRPr>
+            </a:lvl7pPr>
+            <a:lvl8pPr marL="3429000" indent="-228600" algn="l" defTabSz="914400" rtl="0" eaLnBrk="1" latinLnBrk="0" hangingPunct="1">
+              <a:spcBef>
+                <a:spcPct val="20000"/>
+              </a:spcBef>
+              <a:buFont typeface="Arial" pitchFamily="34" charset="0"/>
+              <a:buChar char="•"/>
+              <a:defRPr sz="2000" kern="1200">
+                <a:solidFill>
+                  <a:schemeClr val="tx1"/>
+                </a:solidFill>
+                <a:latin typeface="+mn-lt"/>
+                <a:ea typeface="+mn-ea"/>
+                <a:cs typeface="+mn-cs"/>
+              </a:defRPr>
+            </a:lvl8pPr>
+            <a:lvl9pPr marL="3886200" indent="-228600" algn="l" defTabSz="914400" rtl="0" eaLnBrk="1" latinLnBrk="0" hangingPunct="1">
+              <a:spcBef>
+                <a:spcPct val="20000"/>
+              </a:spcBef>
+              <a:buFont typeface="Arial" pitchFamily="34" charset="0"/>
+              <a:buChar char="•"/>
+              <a:defRPr sz="2000" kern="1200">
+                <a:solidFill>
+                  <a:schemeClr val="tx1"/>
+                </a:solidFill>
+                <a:latin typeface="+mn-lt"/>
+                <a:ea typeface="+mn-ea"/>
+                <a:cs typeface="+mn-cs"/>
+              </a:defRPr>
+            </a:lvl9pPr>
+          </a:lstStyle>
+          <a:p>
+            <a:r>
+              <a:rPr lang="en-US" dirty="0"/>
+              <a:t>In heat example version 1</a:t>
+            </a:r>
+          </a:p>
+          <a:p>
+            <a:pPr lvl="1"/>
+            <a:r>
+              <a:rPr lang="en-US" dirty="0"/>
+              <a:t>It is necessary because</a:t>
+            </a:r>
+          </a:p>
+          <a:p>
+            <a:pPr lvl="2"/>
+            <a:r>
+              <a:rPr lang="en-US" dirty="0"/>
+              <a:t>It is a monolithic code</a:t>
+            </a:r>
+          </a:p>
+          <a:p>
+            <a:pPr lvl="2"/>
+            <a:r>
+              <a:rPr lang="en-US" dirty="0"/>
+              <a:t>No reusability of any part of the code</a:t>
+            </a:r>
+          </a:p>
+          <a:p>
+            <a:pPr lvl="2"/>
+            <a:r>
+              <a:rPr lang="en-US" dirty="0"/>
+              <a:t>Devising tests is hard</a:t>
+            </a:r>
+          </a:p>
+          <a:p>
+            <a:pPr lvl="2"/>
+            <a:r>
+              <a:rPr lang="en-US" dirty="0"/>
+              <a:t>Limited extensibility</a:t>
+            </a:r>
+          </a:p>
+          <a:p>
+            <a:pPr lvl="1"/>
+            <a:r>
+              <a:rPr lang="en-US" dirty="0"/>
+              <a:t>Where do we want to be after refactoring</a:t>
+            </a:r>
+          </a:p>
+          <a:p>
+            <a:pPr lvl="2"/>
+            <a:r>
+              <a:rPr lang="en-US" dirty="0"/>
+              <a:t>Closer to the second version</a:t>
+            </a:r>
+          </a:p>
+          <a:p>
+            <a:pPr lvl="2"/>
+            <a:r>
+              <a:rPr lang="en-US" dirty="0"/>
+              <a:t>More modular, maintainable and extensible</a:t>
+            </a:r>
+          </a:p>
+        </p:txBody>
+      </p:sp>
+    </p:spTree>
+    <p:extLst>
+      <p:ext uri="{BB962C8B-B14F-4D97-AF65-F5344CB8AC3E}">
+        <p14:creationId xmlns:p14="http://schemas.microsoft.com/office/powerpoint/2010/main" val="513062928"/>
+      </p:ext>
+    </p:extLst>
+  </p:cSld>
+  <p:clrMapOvr>
+    <a:masterClrMapping/>
+  </p:clrMapOvr>
+  <mc:AlternateContent xmlns:mc="http://schemas.openxmlformats.org/markup-compatibility/2006" xmlns:p14="http://schemas.microsoft.com/office/powerpoint/2010/main">
+    <mc:Choice Requires="p14">
+      <p:transition p14:dur="250">
+        <p:fade/>
+      </p:transition>
+    </mc:Choice>
+    <mc:Fallback xmlns="">
+      <p:transition>
+        <p:fade/>
+      </p:transition>
+    </mc:Fallback>
+  </mc:AlternateContent>
 </p:sld>
 </file>
 
@@ -32728,6 +32391,21 @@
 </file>
 
 <file path=customXml/item1.xml><?xml version="1.0" encoding="utf-8"?>
+<?mso-contentType ?>
+<FormTemplates xmlns="http://schemas.microsoft.com/sharepoint/v3/contenttype/forms">
+  <Display>DocumentLibraryForm</Display>
+  <Edit>DocumentLibraryForm</Edit>
+  <New>DocumentLibraryForm</New>
+</FormTemplates>
+</file>
+
+<file path=customXml/item2.xml><?xml version="1.0" encoding="utf-8"?>
+<p:properties xmlns:p="http://schemas.microsoft.com/office/2006/metadata/properties" xmlns:xsi="http://www.w3.org/2001/XMLSchema-instance" xmlns:pc="http://schemas.microsoft.com/office/infopath/2007/PartnerControls">
+  <documentManagement/>
+</p:properties>
+</file>
+
+<file path=customXml/item3.xml><?xml version="1.0" encoding="utf-8"?>
 <ct:contentTypeSchema xmlns:ct="http://schemas.microsoft.com/office/2006/metadata/contentType" xmlns:ma="http://schemas.microsoft.com/office/2006/metadata/properties/metaAttributes" ct:_="" ma:_="" ma:contentTypeName="Document" ma:contentTypeID="0x010100565464437F680748A68B85EB6594EA7D" ma:contentTypeVersion="0" ma:contentTypeDescription="Create a new document." ma:contentTypeScope="" ma:versionID="fe3f4dd58d5914c51cfc6deaa8ad845c">
   <xsd:schema xmlns:xsd="http://www.w3.org/2001/XMLSchema" xmlns:p="http://schemas.microsoft.com/office/2006/metadata/properties" targetNamespace="http://schemas.microsoft.com/office/2006/metadata/properties" ma:root="true" ma:fieldsID="4aeb20c0e3442673af7ee10786458764">
     <xsd:element name="properties">
@@ -32776,22 +32454,30 @@
 </ct:contentTypeSchema>
 </file>
 
-<file path=customXml/item2.xml><?xml version="1.0" encoding="utf-8"?>
-<?mso-contentType ?>
-<FormTemplates xmlns="http://schemas.microsoft.com/sharepoint/v3/contenttype/forms">
-  <Display>DocumentLibraryForm</Display>
-  <Edit>DocumentLibraryForm</Edit>
-  <New>DocumentLibraryForm</New>
-</FormTemplates>
+<file path=customXml/itemProps1.xml><?xml version="1.0" encoding="utf-8"?>
+<ds:datastoreItem xmlns:ds="http://schemas.openxmlformats.org/officeDocument/2006/customXml" ds:itemID="{19E20559-B232-4371-8690-E3D8007EDB82}">
+  <ds:schemaRefs>
+    <ds:schemaRef ds:uri="http://schemas.microsoft.com/sharepoint/v3/contenttype/forms"/>
+  </ds:schemaRefs>
+</ds:datastoreItem>
 </file>
 
-<file path=customXml/item3.xml><?xml version="1.0" encoding="utf-8"?>
-<p:properties xmlns:p="http://schemas.microsoft.com/office/2006/metadata/properties" xmlns:xsi="http://www.w3.org/2001/XMLSchema-instance" xmlns:pc="http://schemas.microsoft.com/office/infopath/2007/PartnerControls">
-  <documentManagement/>
-</p:properties>
+<file path=customXml/itemProps2.xml><?xml version="1.0" encoding="utf-8"?>
+<ds:datastoreItem xmlns:ds="http://schemas.openxmlformats.org/officeDocument/2006/customXml" ds:itemID="{A50EC660-24D0-43A0-AE5E-E274115E726B}">
+  <ds:schemaRefs>
+    <ds:schemaRef ds:uri="http://purl.org/dc/elements/1.1/"/>
+    <ds:schemaRef ds:uri="http://schemas.microsoft.com/office/2006/metadata/properties"/>
+    <ds:schemaRef ds:uri="http://purl.org/dc/terms/"/>
+    <ds:schemaRef ds:uri="http://schemas.openxmlformats.org/package/2006/metadata/core-properties"/>
+    <ds:schemaRef ds:uri="http://schemas.microsoft.com/office/2006/documentManagement/types"/>
+    <ds:schemaRef ds:uri="http://www.w3.org/XML/1998/namespace"/>
+    <ds:schemaRef ds:uri="http://purl.org/dc/dcmitype/"/>
+    <ds:schemaRef ds:uri="http://schemas.microsoft.com/office/infopath/2007/PartnerControls"/>
+  </ds:schemaRefs>
+</ds:datastoreItem>
 </file>
 
-<file path=customXml/itemProps1.xml><?xml version="1.0" encoding="utf-8"?>
+<file path=customXml/itemProps3.xml><?xml version="1.0" encoding="utf-8"?>
 <ds:datastoreItem xmlns:ds="http://schemas.openxmlformats.org/officeDocument/2006/customXml" ds:itemID="{E8DB7DEB-074E-4EE8-9B6E-FD277323109C}">
   <ds:schemaRefs>
     <ds:schemaRef ds:uri="http://schemas.microsoft.com/office/2006/metadata/contentType"/>
@@ -32804,27 +32490,4 @@
     <ds:schemaRef ds:uri="http://schemas.microsoft.com/office/internal/2005/internalDocumentation"/>
   </ds:schemaRefs>
 </ds:datastoreItem>
-</file>
-
-<file path=customXml/itemProps2.xml><?xml version="1.0" encoding="utf-8"?>
-<ds:datastoreItem xmlns:ds="http://schemas.openxmlformats.org/officeDocument/2006/customXml" ds:itemID="{19E20559-B232-4371-8690-E3D8007EDB82}">
-  <ds:schemaRefs>
-    <ds:schemaRef ds:uri="http://schemas.microsoft.com/sharepoint/v3/contenttype/forms"/>
-  </ds:schemaRefs>
-</ds:datastoreItem>
-</file>
-
-<file path=customXml/itemProps3.xml><?xml version="1.0" encoding="utf-8"?>
-<ds:datastoreItem xmlns:ds="http://schemas.openxmlformats.org/officeDocument/2006/customXml" ds:itemID="{A50EC660-24D0-43A0-AE5E-E274115E726B}">
-  <ds:schemaRefs>
-    <ds:schemaRef ds:uri="http://purl.org/dc/elements/1.1/"/>
-    <ds:schemaRef ds:uri="http://schemas.microsoft.com/office/2006/metadata/properties"/>
-    <ds:schemaRef ds:uri="http://purl.org/dc/terms/"/>
-    <ds:schemaRef ds:uri="http://schemas.openxmlformats.org/package/2006/metadata/core-properties"/>
-    <ds:schemaRef ds:uri="http://schemas.microsoft.com/office/2006/documentManagement/types"/>
-    <ds:schemaRef ds:uri="http://www.w3.org/XML/1998/namespace"/>
-    <ds:schemaRef ds:uri="http://purl.org/dc/dcmitype/"/>
-    <ds:schemaRef ds:uri="http://schemas.microsoft.com/office/infopath/2007/PartnerControls"/>
-  </ds:schemaRefs>
-</ds:datastoreItem>
 </file>
--- a/refactoring.pptx
+++ b/refactoring.pptx
@@ -5,52 +5,53 @@
     <p:sldMasterId id="2147483935" r:id="rId4"/>
   </p:sldMasterIdLst>
   <p:notesMasterIdLst>
-    <p:notesMasterId r:id="rId45"/>
+    <p:notesMasterId r:id="rId46"/>
   </p:notesMasterIdLst>
   <p:handoutMasterIdLst>
-    <p:handoutMasterId r:id="rId46"/>
+    <p:handoutMasterId r:id="rId47"/>
   </p:handoutMasterIdLst>
   <p:sldIdLst>
     <p:sldId id="626" r:id="rId5"/>
-    <p:sldId id="610" r:id="rId6"/>
-    <p:sldId id="625" r:id="rId7"/>
-    <p:sldId id="495" r:id="rId8"/>
-    <p:sldId id="636" r:id="rId9"/>
-    <p:sldId id="639" r:id="rId10"/>
-    <p:sldId id="640" r:id="rId11"/>
-    <p:sldId id="603" r:id="rId12"/>
-    <p:sldId id="607" r:id="rId13"/>
-    <p:sldId id="586" r:id="rId14"/>
-    <p:sldId id="297" r:id="rId15"/>
-    <p:sldId id="628" r:id="rId16"/>
-    <p:sldId id="633" r:id="rId17"/>
-    <p:sldId id="605" r:id="rId18"/>
-    <p:sldId id="624" r:id="rId19"/>
-    <p:sldId id="617" r:id="rId20"/>
-    <p:sldId id="618" r:id="rId21"/>
-    <p:sldId id="623" r:id="rId22"/>
-    <p:sldId id="651" r:id="rId23"/>
-    <p:sldId id="650" r:id="rId24"/>
-    <p:sldId id="619" r:id="rId25"/>
-    <p:sldId id="641" r:id="rId26"/>
-    <p:sldId id="644" r:id="rId27"/>
-    <p:sldId id="652" r:id="rId28"/>
-    <p:sldId id="643" r:id="rId29"/>
-    <p:sldId id="658" r:id="rId30"/>
-    <p:sldId id="653" r:id="rId31"/>
-    <p:sldId id="654" r:id="rId32"/>
-    <p:sldId id="655" r:id="rId33"/>
-    <p:sldId id="656" r:id="rId34"/>
-    <p:sldId id="266" r:id="rId35"/>
-    <p:sldId id="659" r:id="rId36"/>
-    <p:sldId id="629" r:id="rId37"/>
-    <p:sldId id="647" r:id="rId38"/>
-    <p:sldId id="648" r:id="rId39"/>
-    <p:sldId id="630" r:id="rId40"/>
-    <p:sldId id="631" r:id="rId41"/>
-    <p:sldId id="649" r:id="rId42"/>
-    <p:sldId id="632" r:id="rId43"/>
-    <p:sldId id="634" r:id="rId44"/>
+    <p:sldId id="320" r:id="rId6"/>
+    <p:sldId id="610" r:id="rId7"/>
+    <p:sldId id="625" r:id="rId8"/>
+    <p:sldId id="495" r:id="rId9"/>
+    <p:sldId id="636" r:id="rId10"/>
+    <p:sldId id="639" r:id="rId11"/>
+    <p:sldId id="640" r:id="rId12"/>
+    <p:sldId id="603" r:id="rId13"/>
+    <p:sldId id="607" r:id="rId14"/>
+    <p:sldId id="586" r:id="rId15"/>
+    <p:sldId id="297" r:id="rId16"/>
+    <p:sldId id="628" r:id="rId17"/>
+    <p:sldId id="633" r:id="rId18"/>
+    <p:sldId id="605" r:id="rId19"/>
+    <p:sldId id="624" r:id="rId20"/>
+    <p:sldId id="617" r:id="rId21"/>
+    <p:sldId id="618" r:id="rId22"/>
+    <p:sldId id="623" r:id="rId23"/>
+    <p:sldId id="651" r:id="rId24"/>
+    <p:sldId id="650" r:id="rId25"/>
+    <p:sldId id="619" r:id="rId26"/>
+    <p:sldId id="641" r:id="rId27"/>
+    <p:sldId id="644" r:id="rId28"/>
+    <p:sldId id="652" r:id="rId29"/>
+    <p:sldId id="643" r:id="rId30"/>
+    <p:sldId id="658" r:id="rId31"/>
+    <p:sldId id="653" r:id="rId32"/>
+    <p:sldId id="654" r:id="rId33"/>
+    <p:sldId id="655" r:id="rId34"/>
+    <p:sldId id="656" r:id="rId35"/>
+    <p:sldId id="266" r:id="rId36"/>
+    <p:sldId id="659" r:id="rId37"/>
+    <p:sldId id="629" r:id="rId38"/>
+    <p:sldId id="647" r:id="rId39"/>
+    <p:sldId id="648" r:id="rId40"/>
+    <p:sldId id="630" r:id="rId41"/>
+    <p:sldId id="631" r:id="rId42"/>
+    <p:sldId id="649" r:id="rId43"/>
+    <p:sldId id="632" r:id="rId44"/>
+    <p:sldId id="634" r:id="rId45"/>
   </p:sldIdLst>
   <p:sldSz cx="12188825" cy="6858000"/>
   <p:notesSz cx="7010400" cy="9296400"/>
@@ -294,7 +295,7 @@
           <a:p>
             <a:fld id="{0B842F42-2CE9-4E35-95C1-410DC08A50B1}" type="datetimeFigureOut">
               <a:rPr lang="en-US" smtClean="0"/>
-              <a:t>8/2/23</a:t>
+              <a:t>8/3/2023</a:t>
             </a:fld>
             <a:endParaRPr lang="en-US"/>
           </a:p>
@@ -459,7 +460,7 @@
           <a:p>
             <a:fld id="{6F282904-F315-4730-8D91-37D99E141A6F}" type="datetimeFigureOut">
               <a:rPr lang="en-US" smtClean="0"/>
-              <a:t>8/2/23</a:t>
+              <a:t>8/3/2023</a:t>
             </a:fld>
             <a:endParaRPr lang="en-US"/>
           </a:p>
@@ -1172,7 +1173,7 @@
           <a:p>
             <a:fld id="{A546EF7F-2180-5947-8246-D3E867E2B048}" type="slidenum">
               <a:rPr lang="en-US" smtClean="0"/>
-              <a:t>11</a:t>
+              <a:t>12</a:t>
             </a:fld>
             <a:endParaRPr lang="en-US"/>
           </a:p>
@@ -1261,7 +1262,7 @@
           <a:p>
             <a:fld id="{A546EF7F-2180-5947-8246-D3E867E2B048}" type="slidenum">
               <a:rPr lang="en-US" smtClean="0"/>
-              <a:t>12</a:t>
+              <a:t>13</a:t>
             </a:fld>
             <a:endParaRPr lang="en-US"/>
           </a:p>
@@ -1350,7 +1351,7 @@
           <a:p>
             <a:fld id="{A546EF7F-2180-5947-8246-D3E867E2B048}" type="slidenum">
               <a:rPr lang="en-US" smtClean="0"/>
-              <a:t>13</a:t>
+              <a:t>14</a:t>
             </a:fld>
             <a:endParaRPr lang="en-US"/>
           </a:p>
@@ -1437,7 +1438,7 @@
           <a:p>
             <a:fld id="{3EAA7A1A-8011-3A42-91B8-EE1BD44E4455}" type="slidenum">
               <a:rPr lang="en-US" smtClean="0"/>
-              <a:t>31</a:t>
+              <a:t>32</a:t>
             </a:fld>
             <a:endParaRPr lang="en-US"/>
           </a:p>
@@ -1524,7 +1525,7 @@
           <a:p>
             <a:fld id="{3EAA7A1A-8011-3A42-91B8-EE1BD44E4455}" type="slidenum">
               <a:rPr lang="en-US" smtClean="0"/>
-              <a:t>32</a:t>
+              <a:t>33</a:t>
             </a:fld>
             <a:endParaRPr lang="en-US"/>
           </a:p>
@@ -5157,8 +5158,14 @@
               </a:spcBef>
             </a:pPr>
             <a:r>
-              <a:rPr lang="en-US" sz="2000" dirty="0"/>
-              <a:t>@ ATPESC (2023)</a:t>
+              <a:rPr lang="en-US" sz="2000" b="0" i="0" dirty="0">
+                <a:solidFill>
+                  <a:srgbClr val="111111"/>
+                </a:solidFill>
+                <a:effectLst/>
+                <a:latin typeface="+mn-lt"/>
+              </a:rPr>
+              <a:t>Software Productivity and Sustainability track @ Argonne Training Program on Extreme-Scale Computing summer school</a:t>
             </a:r>
           </a:p>
           <a:p>
@@ -5192,6 +5199,398 @@
 </file>
 
 <file path=ppt/slides/slide10.xml><?xml version="1.0" encoding="utf-8"?>
+<p:sld xmlns:a="http://schemas.openxmlformats.org/drawingml/2006/main" xmlns:r="http://schemas.openxmlformats.org/officeDocument/2006/relationships" xmlns:p="http://schemas.openxmlformats.org/presentationml/2006/main">
+  <p:cSld>
+    <p:spTree>
+      <p:nvGrpSpPr>
+        <p:cNvPr id="1" name=""/>
+        <p:cNvGrpSpPr/>
+        <p:nvPr/>
+      </p:nvGrpSpPr>
+      <p:grpSpPr>
+        <a:xfrm>
+          <a:off x="0" y="0"/>
+          <a:ext cx="0" cy="0"/>
+          <a:chOff x="0" y="0"/>
+          <a:chExt cx="0" cy="0"/>
+        </a:xfrm>
+      </p:grpSpPr>
+      <p:sp>
+        <p:nvSpPr>
+          <p:cNvPr id="3" name="Content Placeholder 2"/>
+          <p:cNvSpPr>
+            <a:spLocks noGrp="1"/>
+          </p:cNvSpPr>
+          <p:nvPr>
+            <p:ph idx="1"/>
+          </p:nvPr>
+        </p:nvSpPr>
+        <p:spPr>
+          <a:xfrm>
+            <a:off x="609442" y="1309227"/>
+            <a:ext cx="11160961" cy="4422776"/>
+          </a:xfrm>
+        </p:spPr>
+        <p:txBody>
+          <a:bodyPr/>
+          <a:lstStyle/>
+          <a:p>
+            <a:r>
+              <a:rPr lang="en-US" dirty="0"/>
+              <a:t>Know why you are refactoring</a:t>
+            </a:r>
+          </a:p>
+          <a:p>
+            <a:pPr lvl="1"/>
+            <a:r>
+              <a:rPr lang="en-US" dirty="0"/>
+              <a:t>Is it necessary </a:t>
+            </a:r>
+          </a:p>
+          <a:p>
+            <a:pPr lvl="1"/>
+            <a:r>
+              <a:rPr lang="en-US" dirty="0"/>
+              <a:t>Where should the code be after refactoring</a:t>
+            </a:r>
+          </a:p>
+          <a:p>
+            <a:pPr lvl="2"/>
+            <a:endParaRPr lang="en-US" dirty="0"/>
+          </a:p>
+        </p:txBody>
+      </p:sp>
+      <p:sp>
+        <p:nvSpPr>
+          <p:cNvPr id="2" name="Title 1"/>
+          <p:cNvSpPr>
+            <a:spLocks noGrp="1"/>
+          </p:cNvSpPr>
+          <p:nvPr>
+            <p:ph type="title"/>
+          </p:nvPr>
+        </p:nvSpPr>
+        <p:spPr/>
+        <p:txBody>
+          <a:bodyPr/>
+          <a:lstStyle/>
+          <a:p>
+            <a:r>
+              <a:rPr lang="en-US" dirty="0"/>
+              <a:t>Considerations for Refactoring</a:t>
+            </a:r>
+          </a:p>
+        </p:txBody>
+      </p:sp>
+      <p:sp>
+        <p:nvSpPr>
+          <p:cNvPr id="16" name="Content Placeholder 2">
+            <a:extLst>
+              <a:ext uri="{FF2B5EF4-FFF2-40B4-BE49-F238E27FC236}">
+                <a16:creationId xmlns:a16="http://schemas.microsoft.com/office/drawing/2014/main" id="{FFC7FCAD-8E94-314F-B0F0-99AD91CFCBE4}"/>
+              </a:ext>
+            </a:extLst>
+          </p:cNvPr>
+          <p:cNvSpPr txBox="1">
+            <a:spLocks/>
+          </p:cNvSpPr>
+          <p:nvPr/>
+        </p:nvSpPr>
+        <p:spPr bwMode="auto">
+          <a:xfrm>
+            <a:off x="703690" y="2559949"/>
+            <a:ext cx="7886517" cy="3016603"/>
+          </a:xfrm>
+          <a:prstGeom prst="rect">
+            <a:avLst/>
+          </a:prstGeom>
+          <a:noFill/>
+          <a:ln w="9525">
+            <a:noFill/>
+            <a:miter lim="800000"/>
+            <a:headEnd/>
+            <a:tailEnd/>
+          </a:ln>
+        </p:spPr>
+        <p:txBody>
+          <a:bodyPr vert="horz" wrap="square" lIns="91440" tIns="45720" rIns="91440" bIns="45720" numCol="1" anchor="t" anchorCtr="0" compatLnSpc="1">
+            <a:prstTxWarp prst="textNoShape">
+              <a:avLst/>
+            </a:prstTxWarp>
+            <a:normAutofit fontScale="92500" lnSpcReduction="10000"/>
+          </a:bodyPr>
+          <a:lstStyle>
+            <a:lvl1pPr marL="230188" indent="-230188" algn="l" rtl="0" eaLnBrk="1" fontAlgn="base" hangingPunct="1">
+              <a:lnSpc>
+                <a:spcPct val="90000"/>
+              </a:lnSpc>
+              <a:spcBef>
+                <a:spcPts val="1400"/>
+              </a:spcBef>
+              <a:spcAft>
+                <a:spcPct val="0"/>
+              </a:spcAft>
+              <a:buClr>
+                <a:schemeClr val="tx1"/>
+              </a:buClr>
+              <a:buFont typeface="Arial" charset="0"/>
+              <a:buChar char="•"/>
+              <a:defRPr sz="2400" kern="1200" baseline="0">
+                <a:solidFill>
+                  <a:schemeClr val="tx1"/>
+                </a:solidFill>
+                <a:latin typeface="+mn-lt"/>
+                <a:ea typeface="+mn-ea"/>
+                <a:cs typeface="+mn-cs"/>
+              </a:defRPr>
+            </a:lvl1pPr>
+            <a:lvl2pPr marL="625475" indent="-279400" algn="l" rtl="0" eaLnBrk="1" fontAlgn="base" hangingPunct="1">
+              <a:lnSpc>
+                <a:spcPct val="90000"/>
+              </a:lnSpc>
+              <a:spcBef>
+                <a:spcPts val="800"/>
+              </a:spcBef>
+              <a:spcAft>
+                <a:spcPct val="0"/>
+              </a:spcAft>
+              <a:buClr>
+                <a:schemeClr val="tx1"/>
+              </a:buClr>
+              <a:buFont typeface="Arial" charset="0"/>
+              <a:buChar char="–"/>
+              <a:defRPr sz="2000" kern="1200">
+                <a:solidFill>
+                  <a:schemeClr val="tx1"/>
+                </a:solidFill>
+                <a:latin typeface="+mn-lt"/>
+                <a:ea typeface="+mn-ea"/>
+                <a:cs typeface="+mn-cs"/>
+              </a:defRPr>
+            </a:lvl2pPr>
+            <a:lvl3pPr marL="914400" indent="-230188" algn="l" rtl="0" eaLnBrk="1" fontAlgn="base" hangingPunct="1">
+              <a:lnSpc>
+                <a:spcPct val="90000"/>
+              </a:lnSpc>
+              <a:spcBef>
+                <a:spcPts val="800"/>
+              </a:spcBef>
+              <a:spcAft>
+                <a:spcPct val="0"/>
+              </a:spcAft>
+              <a:buClr>
+                <a:schemeClr val="tx1"/>
+              </a:buClr>
+              <a:buFont typeface="Arial" charset="0"/>
+              <a:buChar char="•"/>
+              <a:defRPr sz="1800" kern="1200">
+                <a:solidFill>
+                  <a:schemeClr val="tx1"/>
+                </a:solidFill>
+                <a:latin typeface="+mn-lt"/>
+                <a:ea typeface="+mn-ea"/>
+                <a:cs typeface="+mn-cs"/>
+              </a:defRPr>
+            </a:lvl3pPr>
+            <a:lvl4pPr marL="1144588" indent="-173038" algn="l" rtl="0" eaLnBrk="1" fontAlgn="base" hangingPunct="1">
+              <a:lnSpc>
+                <a:spcPct val="90000"/>
+              </a:lnSpc>
+              <a:spcBef>
+                <a:spcPts val="800"/>
+              </a:spcBef>
+              <a:spcAft>
+                <a:spcPct val="0"/>
+              </a:spcAft>
+              <a:buClr>
+                <a:schemeClr val="tx1"/>
+              </a:buClr>
+              <a:buFont typeface="Arial" charset="0"/>
+              <a:buChar char="–"/>
+              <a:defRPr sz="1600" kern="1200">
+                <a:solidFill>
+                  <a:schemeClr val="tx1"/>
+                </a:solidFill>
+                <a:latin typeface="+mn-lt"/>
+                <a:ea typeface="+mn-ea"/>
+                <a:cs typeface="+mn-cs"/>
+              </a:defRPr>
+            </a:lvl4pPr>
+            <a:lvl5pPr marL="1482725" indent="-222250" algn="l" rtl="0" eaLnBrk="1" fontAlgn="base" hangingPunct="1">
+              <a:lnSpc>
+                <a:spcPct val="90000"/>
+              </a:lnSpc>
+              <a:spcBef>
+                <a:spcPts val="600"/>
+              </a:spcBef>
+              <a:spcAft>
+                <a:spcPct val="0"/>
+              </a:spcAft>
+              <a:buClr>
+                <a:schemeClr val="tx1"/>
+              </a:buClr>
+              <a:buFont typeface="Arial" charset="0"/>
+              <a:buChar char="»"/>
+              <a:defRPr sz="1600" kern="1200">
+                <a:solidFill>
+                  <a:schemeClr val="tx1"/>
+                </a:solidFill>
+                <a:latin typeface="+mn-lt"/>
+                <a:ea typeface="+mn-ea"/>
+                <a:cs typeface="+mn-cs"/>
+              </a:defRPr>
+            </a:lvl5pPr>
+            <a:lvl6pPr marL="2514600" indent="-228600" algn="l" defTabSz="914400" rtl="0" eaLnBrk="1" latinLnBrk="0" hangingPunct="1">
+              <a:spcBef>
+                <a:spcPct val="20000"/>
+              </a:spcBef>
+              <a:buFont typeface="Arial" pitchFamily="34" charset="0"/>
+              <a:buChar char="•"/>
+              <a:defRPr sz="2000" kern="1200">
+                <a:solidFill>
+                  <a:schemeClr val="tx1"/>
+                </a:solidFill>
+                <a:latin typeface="+mn-lt"/>
+                <a:ea typeface="+mn-ea"/>
+                <a:cs typeface="+mn-cs"/>
+              </a:defRPr>
+            </a:lvl6pPr>
+            <a:lvl7pPr marL="2971800" indent="-228600" algn="l" defTabSz="914400" rtl="0" eaLnBrk="1" latinLnBrk="0" hangingPunct="1">
+              <a:spcBef>
+                <a:spcPct val="20000"/>
+              </a:spcBef>
+              <a:buFont typeface="Arial" pitchFamily="34" charset="0"/>
+              <a:buChar char="•"/>
+              <a:defRPr sz="2000" kern="1200">
+                <a:solidFill>
+                  <a:schemeClr val="tx1"/>
+                </a:solidFill>
+                <a:latin typeface="+mn-lt"/>
+                <a:ea typeface="+mn-ea"/>
+                <a:cs typeface="+mn-cs"/>
+              </a:defRPr>
+            </a:lvl7pPr>
+            <a:lvl8pPr marL="3429000" indent="-228600" algn="l" defTabSz="914400" rtl="0" eaLnBrk="1" latinLnBrk="0" hangingPunct="1">
+              <a:spcBef>
+                <a:spcPct val="20000"/>
+              </a:spcBef>
+              <a:buFont typeface="Arial" pitchFamily="34" charset="0"/>
+              <a:buChar char="•"/>
+              <a:defRPr sz="2000" kern="1200">
+                <a:solidFill>
+                  <a:schemeClr val="tx1"/>
+                </a:solidFill>
+                <a:latin typeface="+mn-lt"/>
+                <a:ea typeface="+mn-ea"/>
+                <a:cs typeface="+mn-cs"/>
+              </a:defRPr>
+            </a:lvl8pPr>
+            <a:lvl9pPr marL="3886200" indent="-228600" algn="l" defTabSz="914400" rtl="0" eaLnBrk="1" latinLnBrk="0" hangingPunct="1">
+              <a:spcBef>
+                <a:spcPct val="20000"/>
+              </a:spcBef>
+              <a:buFont typeface="Arial" pitchFamily="34" charset="0"/>
+              <a:buChar char="•"/>
+              <a:defRPr sz="2000" kern="1200">
+                <a:solidFill>
+                  <a:schemeClr val="tx1"/>
+                </a:solidFill>
+                <a:latin typeface="+mn-lt"/>
+                <a:ea typeface="+mn-ea"/>
+                <a:cs typeface="+mn-cs"/>
+              </a:defRPr>
+            </a:lvl9pPr>
+          </a:lstStyle>
+          <a:p>
+            <a:r>
+              <a:rPr lang="en-US" dirty="0"/>
+              <a:t>In heat example version 1</a:t>
+            </a:r>
+          </a:p>
+          <a:p>
+            <a:pPr lvl="1"/>
+            <a:r>
+              <a:rPr lang="en-US" dirty="0"/>
+              <a:t>It is necessary because</a:t>
+            </a:r>
+          </a:p>
+          <a:p>
+            <a:pPr lvl="2"/>
+            <a:r>
+              <a:rPr lang="en-US" dirty="0"/>
+              <a:t>It is a monolithic code</a:t>
+            </a:r>
+          </a:p>
+          <a:p>
+            <a:pPr lvl="2"/>
+            <a:r>
+              <a:rPr lang="en-US" dirty="0"/>
+              <a:t>No reusability of any part of the code</a:t>
+            </a:r>
+          </a:p>
+          <a:p>
+            <a:pPr lvl="2"/>
+            <a:r>
+              <a:rPr lang="en-US" dirty="0"/>
+              <a:t>Devising tests is hard</a:t>
+            </a:r>
+          </a:p>
+          <a:p>
+            <a:pPr lvl="2"/>
+            <a:r>
+              <a:rPr lang="en-US" dirty="0"/>
+              <a:t>Limited extensibility</a:t>
+            </a:r>
+          </a:p>
+          <a:p>
+            <a:pPr lvl="1"/>
+            <a:r>
+              <a:rPr lang="en-US" dirty="0"/>
+              <a:t>Where do we want to be after refactoring</a:t>
+            </a:r>
+          </a:p>
+          <a:p>
+            <a:pPr lvl="2"/>
+            <a:r>
+              <a:rPr lang="en-US" dirty="0"/>
+              <a:t>Closer to the second version</a:t>
+            </a:r>
+          </a:p>
+          <a:p>
+            <a:pPr lvl="2"/>
+            <a:r>
+              <a:rPr lang="en-US" dirty="0"/>
+              <a:t>More modular, maintainable and extensible</a:t>
+            </a:r>
+          </a:p>
+        </p:txBody>
+      </p:sp>
+    </p:spTree>
+    <p:extLst>
+      <p:ext uri="{BB962C8B-B14F-4D97-AF65-F5344CB8AC3E}">
+        <p14:creationId xmlns:p14="http://schemas.microsoft.com/office/powerpoint/2010/main" val="513062928"/>
+      </p:ext>
+    </p:extLst>
+  </p:cSld>
+  <p:clrMapOvr>
+    <a:masterClrMapping/>
+  </p:clrMapOvr>
+  <mc:AlternateContent xmlns:mc="http://schemas.openxmlformats.org/markup-compatibility/2006" xmlns:p14="http://schemas.microsoft.com/office/powerpoint/2010/main">
+    <mc:Choice Requires="p14">
+      <p:transition p14:dur="250">
+        <p:fade/>
+      </p:transition>
+    </mc:Choice>
+    <mc:Fallback xmlns="">
+      <p:transition>
+        <p:fade/>
+      </p:transition>
+    </mc:Fallback>
+  </mc:AlternateContent>
+</p:sld>
+</file>
+
+<file path=ppt/slides/slide11.xml><?xml version="1.0" encoding="utf-8"?>
 <p:sld xmlns:a="http://schemas.openxmlformats.org/drawingml/2006/main" xmlns:r="http://schemas.openxmlformats.org/officeDocument/2006/relationships" xmlns:p="http://schemas.openxmlformats.org/presentationml/2006/main">
   <p:cSld>
     <p:spTree>
@@ -5572,140 +5971,6 @@
     <p:extLst>
       <p:ext uri="{BB962C8B-B14F-4D97-AF65-F5344CB8AC3E}">
         <p14:creationId xmlns:p14="http://schemas.microsoft.com/office/powerpoint/2010/main" val="496874910"/>
-      </p:ext>
-    </p:extLst>
-  </p:cSld>
-  <p:clrMapOvr>
-    <a:masterClrMapping/>
-  </p:clrMapOvr>
-  <mc:AlternateContent xmlns:mc="http://schemas.openxmlformats.org/markup-compatibility/2006" xmlns:p14="http://schemas.microsoft.com/office/powerpoint/2010/main">
-    <mc:Choice Requires="p14">
-      <p:transition p14:dur="250">
-        <p:fade/>
-      </p:transition>
-    </mc:Choice>
-    <mc:Fallback xmlns="">
-      <p:transition>
-        <p:fade/>
-      </p:transition>
-    </mc:Fallback>
-  </mc:AlternateContent>
-</p:sld>
-</file>
-
-<file path=ppt/slides/slide11.xml><?xml version="1.0" encoding="utf-8"?>
-<p:sld xmlns:a="http://schemas.openxmlformats.org/drawingml/2006/main" xmlns:r="http://schemas.openxmlformats.org/officeDocument/2006/relationships" xmlns:p="http://schemas.openxmlformats.org/presentationml/2006/main">
-  <p:cSld>
-    <p:spTree>
-      <p:nvGrpSpPr>
-        <p:cNvPr id="1" name=""/>
-        <p:cNvGrpSpPr/>
-        <p:nvPr/>
-      </p:nvGrpSpPr>
-      <p:grpSpPr>
-        <a:xfrm>
-          <a:off x="0" y="0"/>
-          <a:ext cx="0" cy="0"/>
-          <a:chOff x="0" y="0"/>
-          <a:chExt cx="0" cy="0"/>
-        </a:xfrm>
-      </p:grpSpPr>
-      <p:sp>
-        <p:nvSpPr>
-          <p:cNvPr id="3" name="Content Placeholder 2"/>
-          <p:cNvSpPr>
-            <a:spLocks noGrp="1"/>
-          </p:cNvSpPr>
-          <p:nvPr>
-            <p:ph idx="1"/>
-          </p:nvPr>
-        </p:nvSpPr>
-        <p:spPr>
-          <a:xfrm>
-            <a:off x="609442" y="1301408"/>
-            <a:ext cx="5166127" cy="4422776"/>
-          </a:xfrm>
-        </p:spPr>
-        <p:txBody>
-          <a:bodyPr/>
-          <a:lstStyle/>
-          <a:p>
-            <a:r>
-              <a:rPr lang="en-US" dirty="0"/>
-              <a:t>Know your cost estimates</a:t>
-            </a:r>
-          </a:p>
-          <a:p>
-            <a:r>
-              <a:rPr lang="en-US" dirty="0"/>
-              <a:t>Verification</a:t>
-            </a:r>
-          </a:p>
-          <a:p>
-            <a:pPr lvl="1"/>
-            <a:r>
-              <a:rPr lang="en-US" dirty="0"/>
-              <a:t>Check for coverage provided by existing tests</a:t>
-            </a:r>
-          </a:p>
-          <a:p>
-            <a:pPr lvl="1"/>
-            <a:r>
-              <a:rPr lang="en-US" dirty="0"/>
-              <a:t>Develop new tests where there are gaps</a:t>
-            </a:r>
-          </a:p>
-          <a:p>
-            <a:pPr lvl="1"/>
-            <a:r>
-              <a:rPr lang="en-US" dirty="0"/>
-              <a:t>Make sure tests exist at different granularities</a:t>
-            </a:r>
-          </a:p>
-          <a:p>
-            <a:pPr lvl="2"/>
-            <a:r>
-              <a:rPr lang="en-US" dirty="0"/>
-              <a:t>There should be demanding integration and system level tests</a:t>
-            </a:r>
-          </a:p>
-          <a:p>
-            <a:endParaRPr lang="en-US" dirty="0"/>
-          </a:p>
-        </p:txBody>
-      </p:sp>
-      <p:sp>
-        <p:nvSpPr>
-          <p:cNvPr id="11" name="Title 10">
-            <a:extLst>
-              <a:ext uri="{FF2B5EF4-FFF2-40B4-BE49-F238E27FC236}">
-                <a16:creationId xmlns:a16="http://schemas.microsoft.com/office/drawing/2014/main" id="{9FFD9CD1-CB20-401F-B512-EEEA727ADB32}"/>
-              </a:ext>
-            </a:extLst>
-          </p:cNvPr>
-          <p:cNvSpPr>
-            <a:spLocks noGrp="1"/>
-          </p:cNvSpPr>
-          <p:nvPr>
-            <p:ph type="title"/>
-          </p:nvPr>
-        </p:nvSpPr>
-        <p:spPr/>
-        <p:txBody>
-          <a:bodyPr/>
-          <a:lstStyle/>
-          <a:p>
-            <a:r>
-              <a:rPr lang="en-US" dirty="0"/>
-              <a:t>Before Starting</a:t>
-            </a:r>
-          </a:p>
-        </p:txBody>
-      </p:sp>
-    </p:spTree>
-    <p:extLst>
-      <p:ext uri="{BB962C8B-B14F-4D97-AF65-F5344CB8AC3E}">
-        <p14:creationId xmlns:p14="http://schemas.microsoft.com/office/powerpoint/2010/main" val="1423201334"/>
       </p:ext>
     </p:extLst>
   </p:cSld>
@@ -5836,271 +6101,10 @@
           </a:p>
         </p:txBody>
       </p:sp>
-      <p:sp>
-        <p:nvSpPr>
-          <p:cNvPr id="5" name="Content Placeholder 2">
-            <a:extLst>
-              <a:ext uri="{FF2B5EF4-FFF2-40B4-BE49-F238E27FC236}">
-                <a16:creationId xmlns:a16="http://schemas.microsoft.com/office/drawing/2014/main" id="{9880F94E-35BF-204A-9D74-FAC1DA4C1624}"/>
-              </a:ext>
-            </a:extLst>
-          </p:cNvPr>
-          <p:cNvSpPr txBox="1">
-            <a:spLocks/>
-          </p:cNvSpPr>
-          <p:nvPr/>
-        </p:nvSpPr>
-        <p:spPr bwMode="auto">
-          <a:xfrm>
-            <a:off x="5838327" y="1301408"/>
-            <a:ext cx="5106570" cy="4170386"/>
-          </a:xfrm>
-          <a:prstGeom prst="rect">
-            <a:avLst/>
-          </a:prstGeom>
-          <a:noFill/>
-          <a:ln w="9525">
-            <a:noFill/>
-            <a:miter lim="800000"/>
-            <a:headEnd/>
-            <a:tailEnd/>
-          </a:ln>
-        </p:spPr>
-        <p:txBody>
-          <a:bodyPr vert="horz" wrap="square" lIns="91440" tIns="45720" rIns="91440" bIns="45720" numCol="1" anchor="t" anchorCtr="0" compatLnSpc="1">
-            <a:prstTxWarp prst="textNoShape">
-              <a:avLst/>
-            </a:prstTxWarp>
-            <a:normAutofit/>
-          </a:bodyPr>
-          <a:lstStyle>
-            <a:lvl1pPr marL="230188" indent="-230188" algn="l" rtl="0" eaLnBrk="1" fontAlgn="base" hangingPunct="1">
-              <a:lnSpc>
-                <a:spcPct val="90000"/>
-              </a:lnSpc>
-              <a:spcBef>
-                <a:spcPts val="1400"/>
-              </a:spcBef>
-              <a:spcAft>
-                <a:spcPct val="0"/>
-              </a:spcAft>
-              <a:buClr>
-                <a:schemeClr val="tx1"/>
-              </a:buClr>
-              <a:buFont typeface="Arial" charset="0"/>
-              <a:buChar char="•"/>
-              <a:defRPr sz="2400" kern="1200" baseline="0">
-                <a:solidFill>
-                  <a:schemeClr val="tx1"/>
-                </a:solidFill>
-                <a:latin typeface="+mn-lt"/>
-                <a:ea typeface="+mn-ea"/>
-                <a:cs typeface="+mn-cs"/>
-              </a:defRPr>
-            </a:lvl1pPr>
-            <a:lvl2pPr marL="625475" indent="-279400" algn="l" rtl="0" eaLnBrk="1" fontAlgn="base" hangingPunct="1">
-              <a:lnSpc>
-                <a:spcPct val="90000"/>
-              </a:lnSpc>
-              <a:spcBef>
-                <a:spcPts val="800"/>
-              </a:spcBef>
-              <a:spcAft>
-                <a:spcPct val="0"/>
-              </a:spcAft>
-              <a:buClr>
-                <a:schemeClr val="tx1"/>
-              </a:buClr>
-              <a:buFont typeface="Arial" charset="0"/>
-              <a:buChar char="–"/>
-              <a:defRPr sz="2000" kern="1200">
-                <a:solidFill>
-                  <a:schemeClr val="tx1"/>
-                </a:solidFill>
-                <a:latin typeface="+mn-lt"/>
-                <a:ea typeface="+mn-ea"/>
-                <a:cs typeface="+mn-cs"/>
-              </a:defRPr>
-            </a:lvl2pPr>
-            <a:lvl3pPr marL="914400" indent="-230188" algn="l" rtl="0" eaLnBrk="1" fontAlgn="base" hangingPunct="1">
-              <a:lnSpc>
-                <a:spcPct val="90000"/>
-              </a:lnSpc>
-              <a:spcBef>
-                <a:spcPts val="800"/>
-              </a:spcBef>
-              <a:spcAft>
-                <a:spcPct val="0"/>
-              </a:spcAft>
-              <a:buClr>
-                <a:schemeClr val="tx1"/>
-              </a:buClr>
-              <a:buFont typeface="Arial" charset="0"/>
-              <a:buChar char="•"/>
-              <a:defRPr sz="1800" kern="1200">
-                <a:solidFill>
-                  <a:schemeClr val="tx1"/>
-                </a:solidFill>
-                <a:latin typeface="+mn-lt"/>
-                <a:ea typeface="+mn-ea"/>
-                <a:cs typeface="+mn-cs"/>
-              </a:defRPr>
-            </a:lvl3pPr>
-            <a:lvl4pPr marL="1144588" indent="-173038" algn="l" rtl="0" eaLnBrk="1" fontAlgn="base" hangingPunct="1">
-              <a:lnSpc>
-                <a:spcPct val="90000"/>
-              </a:lnSpc>
-              <a:spcBef>
-                <a:spcPts val="800"/>
-              </a:spcBef>
-              <a:spcAft>
-                <a:spcPct val="0"/>
-              </a:spcAft>
-              <a:buClr>
-                <a:schemeClr val="tx1"/>
-              </a:buClr>
-              <a:buFont typeface="Arial" charset="0"/>
-              <a:buChar char="–"/>
-              <a:defRPr sz="1600" kern="1200">
-                <a:solidFill>
-                  <a:schemeClr val="tx1"/>
-                </a:solidFill>
-                <a:latin typeface="+mn-lt"/>
-                <a:ea typeface="+mn-ea"/>
-                <a:cs typeface="+mn-cs"/>
-              </a:defRPr>
-            </a:lvl4pPr>
-            <a:lvl5pPr marL="1482725" indent="-222250" algn="l" rtl="0" eaLnBrk="1" fontAlgn="base" hangingPunct="1">
-              <a:lnSpc>
-                <a:spcPct val="90000"/>
-              </a:lnSpc>
-              <a:spcBef>
-                <a:spcPts val="600"/>
-              </a:spcBef>
-              <a:spcAft>
-                <a:spcPct val="0"/>
-              </a:spcAft>
-              <a:buClr>
-                <a:schemeClr val="tx1"/>
-              </a:buClr>
-              <a:buFont typeface="Arial" charset="0"/>
-              <a:buChar char="»"/>
-              <a:defRPr sz="1600" kern="1200">
-                <a:solidFill>
-                  <a:schemeClr val="tx1"/>
-                </a:solidFill>
-                <a:latin typeface="+mn-lt"/>
-                <a:ea typeface="+mn-ea"/>
-                <a:cs typeface="+mn-cs"/>
-              </a:defRPr>
-            </a:lvl5pPr>
-            <a:lvl6pPr marL="2514600" indent="-228600" algn="l" defTabSz="914400" rtl="0" eaLnBrk="1" latinLnBrk="0" hangingPunct="1">
-              <a:spcBef>
-                <a:spcPct val="20000"/>
-              </a:spcBef>
-              <a:buFont typeface="Arial" pitchFamily="34" charset="0"/>
-              <a:buChar char="•"/>
-              <a:defRPr sz="2000" kern="1200">
-                <a:solidFill>
-                  <a:schemeClr val="tx1"/>
-                </a:solidFill>
-                <a:latin typeface="+mn-lt"/>
-                <a:ea typeface="+mn-ea"/>
-                <a:cs typeface="+mn-cs"/>
-              </a:defRPr>
-            </a:lvl6pPr>
-            <a:lvl7pPr marL="2971800" indent="-228600" algn="l" defTabSz="914400" rtl="0" eaLnBrk="1" latinLnBrk="0" hangingPunct="1">
-              <a:spcBef>
-                <a:spcPct val="20000"/>
-              </a:spcBef>
-              <a:buFont typeface="Arial" pitchFamily="34" charset="0"/>
-              <a:buChar char="•"/>
-              <a:defRPr sz="2000" kern="1200">
-                <a:solidFill>
-                  <a:schemeClr val="tx1"/>
-                </a:solidFill>
-                <a:latin typeface="+mn-lt"/>
-                <a:ea typeface="+mn-ea"/>
-                <a:cs typeface="+mn-cs"/>
-              </a:defRPr>
-            </a:lvl7pPr>
-            <a:lvl8pPr marL="3429000" indent="-228600" algn="l" defTabSz="914400" rtl="0" eaLnBrk="1" latinLnBrk="0" hangingPunct="1">
-              <a:spcBef>
-                <a:spcPct val="20000"/>
-              </a:spcBef>
-              <a:buFont typeface="Arial" pitchFamily="34" charset="0"/>
-              <a:buChar char="•"/>
-              <a:defRPr sz="2000" kern="1200">
-                <a:solidFill>
-                  <a:schemeClr val="tx1"/>
-                </a:solidFill>
-                <a:latin typeface="+mn-lt"/>
-                <a:ea typeface="+mn-ea"/>
-                <a:cs typeface="+mn-cs"/>
-              </a:defRPr>
-            </a:lvl8pPr>
-            <a:lvl9pPr marL="3886200" indent="-228600" algn="l" defTabSz="914400" rtl="0" eaLnBrk="1" latinLnBrk="0" hangingPunct="1">
-              <a:spcBef>
-                <a:spcPct val="20000"/>
-              </a:spcBef>
-              <a:buFont typeface="Arial" pitchFamily="34" charset="0"/>
-              <a:buChar char="•"/>
-              <a:defRPr sz="2000" kern="1200">
-                <a:solidFill>
-                  <a:schemeClr val="tx1"/>
-                </a:solidFill>
-                <a:latin typeface="+mn-lt"/>
-                <a:ea typeface="+mn-ea"/>
-                <a:cs typeface="+mn-cs"/>
-              </a:defRPr>
-            </a:lvl9pPr>
-          </a:lstStyle>
-          <a:p>
-            <a:r>
-              <a:rPr lang="en-US" dirty="0"/>
-              <a:t>Know your bounds</a:t>
-            </a:r>
-          </a:p>
-          <a:p>
-            <a:pPr lvl="1"/>
-            <a:r>
-              <a:rPr lang="en-US" dirty="0"/>
-              <a:t>on acceptable behavior change</a:t>
-            </a:r>
-          </a:p>
-          <a:p>
-            <a:pPr lvl="1"/>
-            <a:r>
-              <a:rPr lang="en-US" dirty="0"/>
-              <a:t>error bounds</a:t>
-            </a:r>
-          </a:p>
-          <a:p>
-            <a:pPr lvl="2"/>
-            <a:r>
-              <a:rPr lang="en-US" dirty="0"/>
-              <a:t>bitwise reproduction of results unlikely after transition </a:t>
-            </a:r>
-          </a:p>
-          <a:p>
-            <a:r>
-              <a:rPr lang="en-US" dirty="0"/>
-              <a:t>Map from here to there</a:t>
-            </a:r>
-          </a:p>
-          <a:p>
-            <a:pPr lvl="1"/>
-            <a:endParaRPr lang="en-US" dirty="0"/>
-          </a:p>
-          <a:p>
-            <a:endParaRPr lang="en-US" dirty="0"/>
-          </a:p>
-        </p:txBody>
-      </p:sp>
     </p:spTree>
     <p:extLst>
       <p:ext uri="{BB962C8B-B14F-4D97-AF65-F5344CB8AC3E}">
-        <p14:creationId xmlns:p14="http://schemas.microsoft.com/office/powerpoint/2010/main" val="1602079529"/>
+        <p14:creationId xmlns:p14="http://schemas.microsoft.com/office/powerpoint/2010/main" val="1423201334"/>
       </p:ext>
     </p:extLst>
   </p:cSld>
@@ -6492,6 +6496,401 @@
           </a:p>
         </p:txBody>
       </p:sp>
+    </p:spTree>
+    <p:extLst>
+      <p:ext uri="{BB962C8B-B14F-4D97-AF65-F5344CB8AC3E}">
+        <p14:creationId xmlns:p14="http://schemas.microsoft.com/office/powerpoint/2010/main" val="1602079529"/>
+      </p:ext>
+    </p:extLst>
+  </p:cSld>
+  <p:clrMapOvr>
+    <a:masterClrMapping/>
+  </p:clrMapOvr>
+  <mc:AlternateContent xmlns:mc="http://schemas.openxmlformats.org/markup-compatibility/2006" xmlns:p14="http://schemas.microsoft.com/office/powerpoint/2010/main">
+    <mc:Choice Requires="p14">
+      <p:transition p14:dur="250">
+        <p:fade/>
+      </p:transition>
+    </mc:Choice>
+    <mc:Fallback xmlns="">
+      <p:transition>
+        <p:fade/>
+      </p:transition>
+    </mc:Fallback>
+  </mc:AlternateContent>
+</p:sld>
+</file>
+
+<file path=ppt/slides/slide14.xml><?xml version="1.0" encoding="utf-8"?>
+<p:sld xmlns:a="http://schemas.openxmlformats.org/drawingml/2006/main" xmlns:r="http://schemas.openxmlformats.org/officeDocument/2006/relationships" xmlns:p="http://schemas.openxmlformats.org/presentationml/2006/main">
+  <p:cSld>
+    <p:spTree>
+      <p:nvGrpSpPr>
+        <p:cNvPr id="1" name=""/>
+        <p:cNvGrpSpPr/>
+        <p:nvPr/>
+      </p:nvGrpSpPr>
+      <p:grpSpPr>
+        <a:xfrm>
+          <a:off x="0" y="0"/>
+          <a:ext cx="0" cy="0"/>
+          <a:chOff x="0" y="0"/>
+          <a:chExt cx="0" cy="0"/>
+        </a:xfrm>
+      </p:grpSpPr>
+      <p:sp>
+        <p:nvSpPr>
+          <p:cNvPr id="3" name="Content Placeholder 2"/>
+          <p:cNvSpPr>
+            <a:spLocks noGrp="1"/>
+          </p:cNvSpPr>
+          <p:nvPr>
+            <p:ph idx="1"/>
+          </p:nvPr>
+        </p:nvSpPr>
+        <p:spPr>
+          <a:xfrm>
+            <a:off x="609442" y="1301408"/>
+            <a:ext cx="5166127" cy="4422776"/>
+          </a:xfrm>
+        </p:spPr>
+        <p:txBody>
+          <a:bodyPr/>
+          <a:lstStyle/>
+          <a:p>
+            <a:r>
+              <a:rPr lang="en-US" dirty="0"/>
+              <a:t>Know your cost estimates</a:t>
+            </a:r>
+          </a:p>
+          <a:p>
+            <a:r>
+              <a:rPr lang="en-US" dirty="0"/>
+              <a:t>Verification</a:t>
+            </a:r>
+          </a:p>
+          <a:p>
+            <a:pPr lvl="1"/>
+            <a:r>
+              <a:rPr lang="en-US" dirty="0"/>
+              <a:t>Check for coverage provided by existing tests</a:t>
+            </a:r>
+          </a:p>
+          <a:p>
+            <a:pPr lvl="1"/>
+            <a:r>
+              <a:rPr lang="en-US" dirty="0"/>
+              <a:t>Develop new tests where there are gaps</a:t>
+            </a:r>
+          </a:p>
+          <a:p>
+            <a:pPr lvl="1"/>
+            <a:r>
+              <a:rPr lang="en-US" dirty="0"/>
+              <a:t>Make sure tests exist at different granularities</a:t>
+            </a:r>
+          </a:p>
+          <a:p>
+            <a:pPr lvl="2"/>
+            <a:r>
+              <a:rPr lang="en-US" dirty="0"/>
+              <a:t>There should be demanding integration and system level tests</a:t>
+            </a:r>
+          </a:p>
+          <a:p>
+            <a:endParaRPr lang="en-US" dirty="0"/>
+          </a:p>
+        </p:txBody>
+      </p:sp>
+      <p:sp>
+        <p:nvSpPr>
+          <p:cNvPr id="11" name="Title 10">
+            <a:extLst>
+              <a:ext uri="{FF2B5EF4-FFF2-40B4-BE49-F238E27FC236}">
+                <a16:creationId xmlns:a16="http://schemas.microsoft.com/office/drawing/2014/main" id="{9FFD9CD1-CB20-401F-B512-EEEA727ADB32}"/>
+              </a:ext>
+            </a:extLst>
+          </p:cNvPr>
+          <p:cNvSpPr>
+            <a:spLocks noGrp="1"/>
+          </p:cNvSpPr>
+          <p:nvPr>
+            <p:ph type="title"/>
+          </p:nvPr>
+        </p:nvSpPr>
+        <p:spPr/>
+        <p:txBody>
+          <a:bodyPr/>
+          <a:lstStyle/>
+          <a:p>
+            <a:r>
+              <a:rPr lang="en-US" dirty="0"/>
+              <a:t>Before Starting</a:t>
+            </a:r>
+          </a:p>
+        </p:txBody>
+      </p:sp>
+      <p:sp>
+        <p:nvSpPr>
+          <p:cNvPr id="5" name="Content Placeholder 2">
+            <a:extLst>
+              <a:ext uri="{FF2B5EF4-FFF2-40B4-BE49-F238E27FC236}">
+                <a16:creationId xmlns:a16="http://schemas.microsoft.com/office/drawing/2014/main" id="{9880F94E-35BF-204A-9D74-FAC1DA4C1624}"/>
+              </a:ext>
+            </a:extLst>
+          </p:cNvPr>
+          <p:cNvSpPr txBox="1">
+            <a:spLocks/>
+          </p:cNvSpPr>
+          <p:nvPr/>
+        </p:nvSpPr>
+        <p:spPr bwMode="auto">
+          <a:xfrm>
+            <a:off x="5838327" y="1301408"/>
+            <a:ext cx="5106570" cy="4170386"/>
+          </a:xfrm>
+          <a:prstGeom prst="rect">
+            <a:avLst/>
+          </a:prstGeom>
+          <a:noFill/>
+          <a:ln w="9525">
+            <a:noFill/>
+            <a:miter lim="800000"/>
+            <a:headEnd/>
+            <a:tailEnd/>
+          </a:ln>
+        </p:spPr>
+        <p:txBody>
+          <a:bodyPr vert="horz" wrap="square" lIns="91440" tIns="45720" rIns="91440" bIns="45720" numCol="1" anchor="t" anchorCtr="0" compatLnSpc="1">
+            <a:prstTxWarp prst="textNoShape">
+              <a:avLst/>
+            </a:prstTxWarp>
+            <a:normAutofit/>
+          </a:bodyPr>
+          <a:lstStyle>
+            <a:lvl1pPr marL="230188" indent="-230188" algn="l" rtl="0" eaLnBrk="1" fontAlgn="base" hangingPunct="1">
+              <a:lnSpc>
+                <a:spcPct val="90000"/>
+              </a:lnSpc>
+              <a:spcBef>
+                <a:spcPts val="1400"/>
+              </a:spcBef>
+              <a:spcAft>
+                <a:spcPct val="0"/>
+              </a:spcAft>
+              <a:buClr>
+                <a:schemeClr val="tx1"/>
+              </a:buClr>
+              <a:buFont typeface="Arial" charset="0"/>
+              <a:buChar char="•"/>
+              <a:defRPr sz="2400" kern="1200" baseline="0">
+                <a:solidFill>
+                  <a:schemeClr val="tx1"/>
+                </a:solidFill>
+                <a:latin typeface="+mn-lt"/>
+                <a:ea typeface="+mn-ea"/>
+                <a:cs typeface="+mn-cs"/>
+              </a:defRPr>
+            </a:lvl1pPr>
+            <a:lvl2pPr marL="625475" indent="-279400" algn="l" rtl="0" eaLnBrk="1" fontAlgn="base" hangingPunct="1">
+              <a:lnSpc>
+                <a:spcPct val="90000"/>
+              </a:lnSpc>
+              <a:spcBef>
+                <a:spcPts val="800"/>
+              </a:spcBef>
+              <a:spcAft>
+                <a:spcPct val="0"/>
+              </a:spcAft>
+              <a:buClr>
+                <a:schemeClr val="tx1"/>
+              </a:buClr>
+              <a:buFont typeface="Arial" charset="0"/>
+              <a:buChar char="–"/>
+              <a:defRPr sz="2000" kern="1200">
+                <a:solidFill>
+                  <a:schemeClr val="tx1"/>
+                </a:solidFill>
+                <a:latin typeface="+mn-lt"/>
+                <a:ea typeface="+mn-ea"/>
+                <a:cs typeface="+mn-cs"/>
+              </a:defRPr>
+            </a:lvl2pPr>
+            <a:lvl3pPr marL="914400" indent="-230188" algn="l" rtl="0" eaLnBrk="1" fontAlgn="base" hangingPunct="1">
+              <a:lnSpc>
+                <a:spcPct val="90000"/>
+              </a:lnSpc>
+              <a:spcBef>
+                <a:spcPts val="800"/>
+              </a:spcBef>
+              <a:spcAft>
+                <a:spcPct val="0"/>
+              </a:spcAft>
+              <a:buClr>
+                <a:schemeClr val="tx1"/>
+              </a:buClr>
+              <a:buFont typeface="Arial" charset="0"/>
+              <a:buChar char="•"/>
+              <a:defRPr sz="1800" kern="1200">
+                <a:solidFill>
+                  <a:schemeClr val="tx1"/>
+                </a:solidFill>
+                <a:latin typeface="+mn-lt"/>
+                <a:ea typeface="+mn-ea"/>
+                <a:cs typeface="+mn-cs"/>
+              </a:defRPr>
+            </a:lvl3pPr>
+            <a:lvl4pPr marL="1144588" indent="-173038" algn="l" rtl="0" eaLnBrk="1" fontAlgn="base" hangingPunct="1">
+              <a:lnSpc>
+                <a:spcPct val="90000"/>
+              </a:lnSpc>
+              <a:spcBef>
+                <a:spcPts val="800"/>
+              </a:spcBef>
+              <a:spcAft>
+                <a:spcPct val="0"/>
+              </a:spcAft>
+              <a:buClr>
+                <a:schemeClr val="tx1"/>
+              </a:buClr>
+              <a:buFont typeface="Arial" charset="0"/>
+              <a:buChar char="–"/>
+              <a:defRPr sz="1600" kern="1200">
+                <a:solidFill>
+                  <a:schemeClr val="tx1"/>
+                </a:solidFill>
+                <a:latin typeface="+mn-lt"/>
+                <a:ea typeface="+mn-ea"/>
+                <a:cs typeface="+mn-cs"/>
+              </a:defRPr>
+            </a:lvl4pPr>
+            <a:lvl5pPr marL="1482725" indent="-222250" algn="l" rtl="0" eaLnBrk="1" fontAlgn="base" hangingPunct="1">
+              <a:lnSpc>
+                <a:spcPct val="90000"/>
+              </a:lnSpc>
+              <a:spcBef>
+                <a:spcPts val="600"/>
+              </a:spcBef>
+              <a:spcAft>
+                <a:spcPct val="0"/>
+              </a:spcAft>
+              <a:buClr>
+                <a:schemeClr val="tx1"/>
+              </a:buClr>
+              <a:buFont typeface="Arial" charset="0"/>
+              <a:buChar char="»"/>
+              <a:defRPr sz="1600" kern="1200">
+                <a:solidFill>
+                  <a:schemeClr val="tx1"/>
+                </a:solidFill>
+                <a:latin typeface="+mn-lt"/>
+                <a:ea typeface="+mn-ea"/>
+                <a:cs typeface="+mn-cs"/>
+              </a:defRPr>
+            </a:lvl5pPr>
+            <a:lvl6pPr marL="2514600" indent="-228600" algn="l" defTabSz="914400" rtl="0" eaLnBrk="1" latinLnBrk="0" hangingPunct="1">
+              <a:spcBef>
+                <a:spcPct val="20000"/>
+              </a:spcBef>
+              <a:buFont typeface="Arial" pitchFamily="34" charset="0"/>
+              <a:buChar char="•"/>
+              <a:defRPr sz="2000" kern="1200">
+                <a:solidFill>
+                  <a:schemeClr val="tx1"/>
+                </a:solidFill>
+                <a:latin typeface="+mn-lt"/>
+                <a:ea typeface="+mn-ea"/>
+                <a:cs typeface="+mn-cs"/>
+              </a:defRPr>
+            </a:lvl6pPr>
+            <a:lvl7pPr marL="2971800" indent="-228600" algn="l" defTabSz="914400" rtl="0" eaLnBrk="1" latinLnBrk="0" hangingPunct="1">
+              <a:spcBef>
+                <a:spcPct val="20000"/>
+              </a:spcBef>
+              <a:buFont typeface="Arial" pitchFamily="34" charset="0"/>
+              <a:buChar char="•"/>
+              <a:defRPr sz="2000" kern="1200">
+                <a:solidFill>
+                  <a:schemeClr val="tx1"/>
+                </a:solidFill>
+                <a:latin typeface="+mn-lt"/>
+                <a:ea typeface="+mn-ea"/>
+                <a:cs typeface="+mn-cs"/>
+              </a:defRPr>
+            </a:lvl7pPr>
+            <a:lvl8pPr marL="3429000" indent="-228600" algn="l" defTabSz="914400" rtl="0" eaLnBrk="1" latinLnBrk="0" hangingPunct="1">
+              <a:spcBef>
+                <a:spcPct val="20000"/>
+              </a:spcBef>
+              <a:buFont typeface="Arial" pitchFamily="34" charset="0"/>
+              <a:buChar char="•"/>
+              <a:defRPr sz="2000" kern="1200">
+                <a:solidFill>
+                  <a:schemeClr val="tx1"/>
+                </a:solidFill>
+                <a:latin typeface="+mn-lt"/>
+                <a:ea typeface="+mn-ea"/>
+                <a:cs typeface="+mn-cs"/>
+              </a:defRPr>
+            </a:lvl8pPr>
+            <a:lvl9pPr marL="3886200" indent="-228600" algn="l" defTabSz="914400" rtl="0" eaLnBrk="1" latinLnBrk="0" hangingPunct="1">
+              <a:spcBef>
+                <a:spcPct val="20000"/>
+              </a:spcBef>
+              <a:buFont typeface="Arial" pitchFamily="34" charset="0"/>
+              <a:buChar char="•"/>
+              <a:defRPr sz="2000" kern="1200">
+                <a:solidFill>
+                  <a:schemeClr val="tx1"/>
+                </a:solidFill>
+                <a:latin typeface="+mn-lt"/>
+                <a:ea typeface="+mn-ea"/>
+                <a:cs typeface="+mn-cs"/>
+              </a:defRPr>
+            </a:lvl9pPr>
+          </a:lstStyle>
+          <a:p>
+            <a:r>
+              <a:rPr lang="en-US" dirty="0"/>
+              <a:t>Know your bounds</a:t>
+            </a:r>
+          </a:p>
+          <a:p>
+            <a:pPr lvl="1"/>
+            <a:r>
+              <a:rPr lang="en-US" dirty="0"/>
+              <a:t>on acceptable behavior change</a:t>
+            </a:r>
+          </a:p>
+          <a:p>
+            <a:pPr lvl="1"/>
+            <a:r>
+              <a:rPr lang="en-US" dirty="0"/>
+              <a:t>error bounds</a:t>
+            </a:r>
+          </a:p>
+          <a:p>
+            <a:pPr lvl="2"/>
+            <a:r>
+              <a:rPr lang="en-US" dirty="0"/>
+              <a:t>bitwise reproduction of results unlikely after transition </a:t>
+            </a:r>
+          </a:p>
+          <a:p>
+            <a:r>
+              <a:rPr lang="en-US" dirty="0"/>
+              <a:t>Map from here to there</a:t>
+            </a:r>
+          </a:p>
+          <a:p>
+            <a:pPr lvl="1"/>
+            <a:endParaRPr lang="en-US" dirty="0"/>
+          </a:p>
+          <a:p>
+            <a:endParaRPr lang="en-US" dirty="0"/>
+          </a:p>
+        </p:txBody>
+      </p:sp>
       <p:sp>
         <p:nvSpPr>
           <p:cNvPr id="6" name="Content Placeholder 2">
@@ -6758,7 +7157,7 @@
 </p:sld>
 </file>
 
-<file path=ppt/slides/slide14.xml><?xml version="1.0" encoding="utf-8"?>
+<file path=ppt/slides/slide15.xml><?xml version="1.0" encoding="utf-8"?>
 <p:sld xmlns:a="http://schemas.openxmlformats.org/drawingml/2006/main" xmlns:r="http://schemas.openxmlformats.org/officeDocument/2006/relationships" xmlns:p="http://schemas.openxmlformats.org/presentationml/2006/main">
   <p:cSld>
     <p:spTree>
@@ -6925,7 +7324,7 @@
 </p:sld>
 </file>
 
-<file path=ppt/slides/slide15.xml><?xml version="1.0" encoding="utf-8"?>
+<file path=ppt/slides/slide16.xml><?xml version="1.0" encoding="utf-8"?>
 <p:sld xmlns:a="http://schemas.openxmlformats.org/drawingml/2006/main" xmlns:r="http://schemas.openxmlformats.org/officeDocument/2006/relationships" xmlns:p="http://schemas.openxmlformats.org/presentationml/2006/main">
   <p:cSld>
     <p:spTree>
@@ -7603,7 +8002,7 @@
 </p:sld>
 </file>
 
-<file path=ppt/slides/slide16.xml><?xml version="1.0" encoding="utf-8"?>
+<file path=ppt/slides/slide17.xml><?xml version="1.0" encoding="utf-8"?>
 <p:sld xmlns:a="http://schemas.openxmlformats.org/drawingml/2006/main" xmlns:r="http://schemas.openxmlformats.org/officeDocument/2006/relationships" xmlns:p="http://schemas.openxmlformats.org/presentationml/2006/main">
   <p:cSld>
     <p:spTree>
@@ -8266,7 +8665,7 @@
 </p:sld>
 </file>
 
-<file path=ppt/slides/slide17.xml><?xml version="1.0" encoding="utf-8"?>
+<file path=ppt/slides/slide18.xml><?xml version="1.0" encoding="utf-8"?>
 <p:sld xmlns:a="http://schemas.openxmlformats.org/drawingml/2006/main" xmlns:r="http://schemas.openxmlformats.org/officeDocument/2006/relationships" xmlns:p="http://schemas.openxmlformats.org/presentationml/2006/main">
   <p:cSld>
     <p:spTree>
@@ -8652,7 +9051,7 @@
 </p:sld>
 </file>
 
-<file path=ppt/slides/slide18.xml><?xml version="1.0" encoding="utf-8"?>
+<file path=ppt/slides/slide19.xml><?xml version="1.0" encoding="utf-8"?>
 <p:sld xmlns:a="http://schemas.openxmlformats.org/drawingml/2006/main" xmlns:r="http://schemas.openxmlformats.org/officeDocument/2006/relationships" xmlns:p="http://schemas.openxmlformats.org/presentationml/2006/main">
   <p:cSld>
     <p:spTree>
@@ -9051,7 +9450,338 @@
 </p:sld>
 </file>
 
-<file path=ppt/slides/slide19.xml><?xml version="1.0" encoding="utf-8"?>
+<file path=ppt/slides/slide2.xml><?xml version="1.0" encoding="utf-8"?>
+<p:sld xmlns:a="http://schemas.openxmlformats.org/drawingml/2006/main" xmlns:r="http://schemas.openxmlformats.org/officeDocument/2006/relationships" xmlns:p="http://schemas.openxmlformats.org/presentationml/2006/main">
+  <p:cSld>
+    <p:spTree>
+      <p:nvGrpSpPr>
+        <p:cNvPr id="1" name=""/>
+        <p:cNvGrpSpPr/>
+        <p:nvPr/>
+      </p:nvGrpSpPr>
+      <p:grpSpPr>
+        <a:xfrm>
+          <a:off x="0" y="0"/>
+          <a:ext cx="0" cy="0"/>
+          <a:chOff x="0" y="0"/>
+          <a:chExt cx="0" cy="0"/>
+        </a:xfrm>
+      </p:grpSpPr>
+      <p:sp>
+        <p:nvSpPr>
+          <p:cNvPr id="2" name="Title 1">
+            <a:extLst>
+              <a:ext uri="{FF2B5EF4-FFF2-40B4-BE49-F238E27FC236}">
+                <a16:creationId xmlns:a16="http://schemas.microsoft.com/office/drawing/2014/main" id="{6442C24D-D970-4D40-8F14-D70C10A96304}"/>
+              </a:ext>
+            </a:extLst>
+          </p:cNvPr>
+          <p:cNvSpPr>
+            <a:spLocks noGrp="1"/>
+          </p:cNvSpPr>
+          <p:nvPr>
+            <p:ph type="title"/>
+          </p:nvPr>
+        </p:nvSpPr>
+        <p:spPr>
+          <a:xfrm>
+            <a:off x="363096" y="112911"/>
+            <a:ext cx="11372473" cy="914400"/>
+          </a:xfrm>
+        </p:spPr>
+        <p:txBody>
+          <a:bodyPr/>
+          <a:lstStyle/>
+          <a:p>
+            <a:r>
+              <a:rPr lang="en-US" dirty="0"/>
+              <a:t>License, Citation and Acknowledgements</a:t>
+            </a:r>
+          </a:p>
+        </p:txBody>
+      </p:sp>
+      <p:sp>
+        <p:nvSpPr>
+          <p:cNvPr id="3" name="Content Placeholder 2">
+            <a:extLst>
+              <a:ext uri="{FF2B5EF4-FFF2-40B4-BE49-F238E27FC236}">
+                <a16:creationId xmlns:a16="http://schemas.microsoft.com/office/drawing/2014/main" id="{0385A3AB-B258-4D59-B407-F7D57545A163}"/>
+              </a:ext>
+            </a:extLst>
+          </p:cNvPr>
+          <p:cNvSpPr>
+            <a:spLocks noGrp="1"/>
+          </p:cNvSpPr>
+          <p:nvPr>
+            <p:ph idx="1"/>
+          </p:nvPr>
+        </p:nvSpPr>
+        <p:spPr>
+          <a:xfrm>
+            <a:off x="409507" y="570111"/>
+            <a:ext cx="11369809" cy="4047778"/>
+          </a:xfrm>
+        </p:spPr>
+        <p:txBody>
+          <a:bodyPr/>
+          <a:lstStyle/>
+          <a:p>
+            <a:pPr marL="0" indent="0">
+              <a:buNone/>
+            </a:pPr>
+            <a:r>
+              <a:rPr lang="en-US" sz="2000" b="1" dirty="0"/>
+              <a:t>License and Citation</a:t>
+            </a:r>
+          </a:p>
+          <a:p>
+            <a:pPr>
+              <a:spcBef>
+                <a:spcPts val="400"/>
+              </a:spcBef>
+            </a:pPr>
+            <a:r>
+              <a:rPr lang="en-US" sz="1600" dirty="0"/>
+              <a:t>This work is licensed under a </a:t>
+            </a:r>
+            <a:r>
+              <a:rPr lang="en-US" sz="1600" dirty="0">
+                <a:hlinkClick r:id="rId2"/>
+              </a:rPr>
+              <a:t>Creative</a:t>
+            </a:r>
+            <a:r>
+              <a:rPr lang="en-US" sz="1600" dirty="0">
+                <a:hlinkClick r:id="rId3"/>
+              </a:rPr>
+              <a:t> Commons Attribution 4.0 International License</a:t>
+            </a:r>
+            <a:r>
+              <a:rPr lang="en-US" sz="1600" dirty="0"/>
+              <a:t> (CC BY 4.0).</a:t>
+            </a:r>
+          </a:p>
+          <a:p>
+            <a:pPr>
+              <a:spcBef>
+                <a:spcPts val="400"/>
+              </a:spcBef>
+            </a:pPr>
+            <a:r>
+              <a:rPr lang="en-US" sz="1600" b="1" dirty="0"/>
+              <a:t>The requested citation the overall tutorial is: </a:t>
+            </a:r>
+            <a:r>
+              <a:rPr lang="en-US" sz="1600" b="0" i="0" dirty="0">
+                <a:solidFill>
+                  <a:srgbClr val="111111"/>
+                </a:solidFill>
+                <a:effectLst/>
+                <a:latin typeface="+mn-lt"/>
+              </a:rPr>
+              <a:t>Anshu Dubey, David E. Bernholdt, Greg Becker, and Jared O’Neal, Software Productivity and Sustainability track, in Argonne Training Program on Extreme-Scale Computing, St. Charles, Illinois, 2023. DOI: </a:t>
+            </a:r>
+            <a:r>
+              <a:rPr lang="en-US" sz="1600" b="0" i="0" u="none" strike="noStrike" dirty="0">
+                <a:solidFill>
+                  <a:srgbClr val="2A7AE2"/>
+                </a:solidFill>
+                <a:effectLst/>
+                <a:latin typeface="+mn-lt"/>
+                <a:hlinkClick r:id="rId4"/>
+              </a:rPr>
+              <a:t>10.6084/m9.figshare.23823822</a:t>
+            </a:r>
+            <a:r>
+              <a:rPr lang="en-US" sz="1600" b="0" i="0" dirty="0">
+                <a:solidFill>
+                  <a:srgbClr val="111111"/>
+                </a:solidFill>
+                <a:effectLst/>
+                <a:latin typeface="+mn-lt"/>
+              </a:rPr>
+              <a:t>.</a:t>
+            </a:r>
+          </a:p>
+          <a:p>
+            <a:pPr>
+              <a:spcBef>
+                <a:spcPts val="400"/>
+              </a:spcBef>
+            </a:pPr>
+            <a:r>
+              <a:rPr lang="en-US" sz="1600" dirty="0"/>
+              <a:t>Individual modules may be cited as </a:t>
+            </a:r>
+            <a:r>
+              <a:rPr lang="en-US" sz="1600" i="1" dirty="0"/>
+              <a:t>Speaker, Module Title</a:t>
+            </a:r>
+            <a:r>
+              <a:rPr lang="en-US" sz="1600" dirty="0"/>
+              <a:t>, in </a:t>
+            </a:r>
+            <a:r>
+              <a:rPr lang="en-US" sz="1600" b="0" i="1" dirty="0">
+                <a:solidFill>
+                  <a:srgbClr val="111111"/>
+                </a:solidFill>
+                <a:effectLst/>
+                <a:latin typeface="+mn-lt"/>
+              </a:rPr>
+              <a:t>Tutorial Title</a:t>
+            </a:r>
+            <a:r>
+              <a:rPr lang="en-US" sz="1600" dirty="0"/>
+              <a:t>, …</a:t>
+            </a:r>
+          </a:p>
+          <a:p>
+            <a:pPr marL="0" indent="0">
+              <a:spcBef>
+                <a:spcPts val="800"/>
+              </a:spcBef>
+              <a:buNone/>
+            </a:pPr>
+            <a:r>
+              <a:rPr lang="en-US" sz="2000" b="1" dirty="0"/>
+              <a:t>Acknowledgements</a:t>
+            </a:r>
+          </a:p>
+          <a:p>
+            <a:pPr>
+              <a:spcBef>
+                <a:spcPts val="400"/>
+              </a:spcBef>
+            </a:pPr>
+            <a:r>
+              <a:rPr lang="en-US" sz="1400" dirty="0"/>
+              <a:t>This work was supported by the U.S. Department of Energy Office of Science, Office of Advanced Scientific Computing Research (ASCR), and by the Exascale Computing Project (17-SC-20-SC), a collaborative effort of the U.S. Department of Energy Office of Science and the National Nuclear Security Administration</a:t>
+            </a:r>
+            <a:r>
+              <a:rPr lang="en-US" sz="1400" i="1" dirty="0"/>
+              <a:t>.</a:t>
+            </a:r>
+            <a:endParaRPr lang="en-US" sz="1400" dirty="0"/>
+          </a:p>
+          <a:p>
+            <a:pPr>
+              <a:spcBef>
+                <a:spcPts val="400"/>
+              </a:spcBef>
+            </a:pPr>
+            <a:r>
+              <a:rPr lang="en-US" sz="1400" dirty="0"/>
+              <a:t>This work was performed in part at the Argonne National Laboratory, which is managed by UChicago Argonne, LLC for the U.S. Department of Energy under Contract No. DE-AC02-06CH11357.</a:t>
+            </a:r>
+          </a:p>
+          <a:p>
+            <a:pPr>
+              <a:spcBef>
+                <a:spcPts val="400"/>
+              </a:spcBef>
+            </a:pPr>
+            <a:r>
+              <a:rPr lang="en-US" sz="1400" dirty="0"/>
+              <a:t>This work was performed in part at the Lawrence Livermore National Laboratory, which is managed by Lawrence Livermore National Security, LLC for the U.S. Department of Energy under Contract No. DE-AC52-07NA27344.</a:t>
+            </a:r>
+          </a:p>
+          <a:p>
+            <a:pPr>
+              <a:spcBef>
+                <a:spcPts val="400"/>
+              </a:spcBef>
+            </a:pPr>
+            <a:r>
+              <a:rPr lang="en-US" sz="1400" dirty="0"/>
+              <a:t>This work was performed in part at the Los Alamos National Laboratory, which is managed by Triad National Security, LLC for the U.S. Department of Energy under Contract No.89233218CNA000001</a:t>
+            </a:r>
+          </a:p>
+          <a:p>
+            <a:pPr>
+              <a:spcBef>
+                <a:spcPts val="400"/>
+              </a:spcBef>
+            </a:pPr>
+            <a:r>
+              <a:rPr lang="en-US" sz="1400" dirty="0"/>
+              <a:t>This work was performed in part at the Oak Ridge National Laboratory, which is managed by UT-Battelle, LLC for the U.S. Department of Energy under Contract No. DE-AC05-00OR22725.</a:t>
+            </a:r>
+          </a:p>
+          <a:p>
+            <a:pPr>
+              <a:spcBef>
+                <a:spcPts val="400"/>
+              </a:spcBef>
+            </a:pPr>
+            <a:r>
+              <a:rPr lang="en-US" sz="1400" dirty="0"/>
+              <a:t>This work was performed in part at Sandia National Laboratories. Sandia National Laboratories is a multi-mission laboratory managed and operated by National Technology and Engineering Solutions of Sandia, LLC., a wholly owned subsidiary of Honeywell International, Inc., for the U.S. Department of Energy’s National Nuclear Security Administration under contract DE-NA0003525.</a:t>
+            </a:r>
+          </a:p>
+        </p:txBody>
+      </p:sp>
+      <p:pic>
+        <p:nvPicPr>
+          <p:cNvPr id="4" name="Picture 2" descr="https://licensebuttons.net/l/by/4.0/88x31.png">
+            <a:extLst>
+              <a:ext uri="{FF2B5EF4-FFF2-40B4-BE49-F238E27FC236}">
+                <a16:creationId xmlns:a16="http://schemas.microsoft.com/office/drawing/2014/main" id="{61840015-22A0-4634-A2DE-AA05F998FD3A}"/>
+              </a:ext>
+            </a:extLst>
+          </p:cNvPr>
+          <p:cNvPicPr>
+            <a:picLocks noChangeAspect="1" noChangeArrowheads="1"/>
+          </p:cNvPicPr>
+          <p:nvPr/>
+        </p:nvPicPr>
+        <p:blipFill>
+          <a:blip r:embed="rId5">
+            <a:extLst>
+              <a:ext uri="{28A0092B-C50C-407E-A947-70E740481C1C}">
+                <a14:useLocalDpi xmlns:a14="http://schemas.microsoft.com/office/drawing/2010/main" val="0"/>
+              </a:ext>
+            </a:extLst>
+          </a:blip>
+          <a:srcRect/>
+          <a:stretch>
+            <a:fillRect/>
+          </a:stretch>
+        </p:blipFill>
+        <p:spPr bwMode="auto">
+          <a:xfrm>
+            <a:off x="10230336" y="879673"/>
+            <a:ext cx="838200" cy="295275"/>
+          </a:xfrm>
+          <a:prstGeom prst="rect">
+            <a:avLst/>
+          </a:prstGeom>
+          <a:noFill/>
+          <a:extLst>
+            <a:ext uri="{909E8E84-426E-40DD-AFC4-6F175D3DCCD1}">
+              <a14:hiddenFill xmlns:a14="http://schemas.microsoft.com/office/drawing/2010/main">
+                <a:solidFill>
+                  <a:srgbClr val="FFFFFF"/>
+                </a:solidFill>
+              </a14:hiddenFill>
+            </a:ext>
+          </a:extLst>
+        </p:spPr>
+      </p:pic>
+    </p:spTree>
+    <p:extLst>
+      <p:ext uri="{BB962C8B-B14F-4D97-AF65-F5344CB8AC3E}">
+        <p14:creationId xmlns:p14="http://schemas.microsoft.com/office/powerpoint/2010/main" val="978726433"/>
+      </p:ext>
+    </p:extLst>
+  </p:cSld>
+  <p:clrMapOvr>
+    <a:masterClrMapping/>
+  </p:clrMapOvr>
+</p:sld>
+</file>
+
+<file path=ppt/slides/slide20.xml><?xml version="1.0" encoding="utf-8"?>
 <p:sld xmlns:a="http://schemas.openxmlformats.org/drawingml/2006/main" xmlns:r="http://schemas.openxmlformats.org/officeDocument/2006/relationships" xmlns:p="http://schemas.openxmlformats.org/presentationml/2006/main">
   <p:cSld>
     <p:spTree>
@@ -9485,153 +10215,7 @@
 </p:sld>
 </file>
 
-<file path=ppt/slides/slide2.xml><?xml version="1.0" encoding="utf-8"?>
-<p:sld xmlns:a="http://schemas.openxmlformats.org/drawingml/2006/main" xmlns:r="http://schemas.openxmlformats.org/officeDocument/2006/relationships" xmlns:p="http://schemas.openxmlformats.org/presentationml/2006/main">
-  <p:cSld>
-    <p:spTree>
-      <p:nvGrpSpPr>
-        <p:cNvPr id="1" name=""/>
-        <p:cNvGrpSpPr/>
-        <p:nvPr/>
-      </p:nvGrpSpPr>
-      <p:grpSpPr>
-        <a:xfrm>
-          <a:off x="0" y="0"/>
-          <a:ext cx="0" cy="0"/>
-          <a:chOff x="0" y="0"/>
-          <a:chExt cx="0" cy="0"/>
-        </a:xfrm>
-      </p:grpSpPr>
-      <p:sp>
-        <p:nvSpPr>
-          <p:cNvPr id="8" name="Content Placeholder 2">
-            <a:extLst>
-              <a:ext uri="{FF2B5EF4-FFF2-40B4-BE49-F238E27FC236}">
-                <a16:creationId xmlns:a16="http://schemas.microsoft.com/office/drawing/2014/main" id="{5D30512F-71BE-C842-A3D2-4229E91863BB}"/>
-              </a:ext>
-            </a:extLst>
-          </p:cNvPr>
-          <p:cNvSpPr>
-            <a:spLocks noGrp="1"/>
-          </p:cNvSpPr>
-          <p:nvPr>
-            <p:ph idx="1"/>
-          </p:nvPr>
-        </p:nvSpPr>
-        <p:spPr>
-          <a:xfrm>
-            <a:off x="609443" y="1699995"/>
-            <a:ext cx="5881298" cy="4422776"/>
-          </a:xfrm>
-        </p:spPr>
-        <p:txBody>
-          <a:bodyPr/>
-          <a:lstStyle/>
-          <a:p>
-            <a:pPr marL="0" indent="0">
-              <a:buNone/>
-            </a:pPr>
-            <a:r>
-              <a:rPr lang="en-US" dirty="0">
-                <a:solidFill>
-                  <a:srgbClr val="FF0000"/>
-                </a:solidFill>
-              </a:rPr>
-              <a:t>Definition: Refactoring is a disciplined technique for restructuring an existing body of code, altering its internal structure without changing its external behavior.</a:t>
-            </a:r>
-          </a:p>
-          <a:p>
-            <a:r>
-              <a:rPr lang="en-US" dirty="0"/>
-              <a:t>Different from development</a:t>
-            </a:r>
-          </a:p>
-          <a:p>
-            <a:pPr lvl="1"/>
-            <a:r>
-              <a:rPr lang="en-US" dirty="0"/>
-              <a:t>You have a working code </a:t>
-            </a:r>
-          </a:p>
-          <a:p>
-            <a:pPr lvl="1"/>
-            <a:r>
-              <a:rPr lang="en-US" dirty="0"/>
-              <a:t>You know and understand the behavior</a:t>
-            </a:r>
-          </a:p>
-          <a:p>
-            <a:pPr lvl="1"/>
-            <a:r>
-              <a:rPr lang="en-US" dirty="0"/>
-              <a:t>You have a baseline that you can use for comparison</a:t>
-            </a:r>
-          </a:p>
-          <a:p>
-            <a:endParaRPr lang="en-US" dirty="0"/>
-          </a:p>
-          <a:p>
-            <a:pPr lvl="1"/>
-            <a:endParaRPr lang="en-US" dirty="0"/>
-          </a:p>
-          <a:p>
-            <a:pPr lvl="2"/>
-            <a:endParaRPr lang="en-US" dirty="0"/>
-          </a:p>
-        </p:txBody>
-      </p:sp>
-      <p:sp>
-        <p:nvSpPr>
-          <p:cNvPr id="2" name="Title 1"/>
-          <p:cNvSpPr>
-            <a:spLocks noGrp="1"/>
-          </p:cNvSpPr>
-          <p:nvPr>
-            <p:ph type="title"/>
-          </p:nvPr>
-        </p:nvSpPr>
-        <p:spPr/>
-        <p:txBody>
-          <a:bodyPr/>
-          <a:lstStyle/>
-          <a:p>
-            <a:r>
-              <a:rPr lang="en-US" dirty="0"/>
-              <a:t>What is Refactoring </a:t>
-            </a:r>
-            <a:br>
-              <a:rPr lang="en-US" dirty="0"/>
-            </a:br>
-            <a:endParaRPr lang="en-US" dirty="0"/>
-          </a:p>
-        </p:txBody>
-      </p:sp>
-    </p:spTree>
-    <p:extLst>
-      <p:ext uri="{BB962C8B-B14F-4D97-AF65-F5344CB8AC3E}">
-        <p14:creationId xmlns:p14="http://schemas.microsoft.com/office/powerpoint/2010/main" val="1165708642"/>
-      </p:ext>
-    </p:extLst>
-  </p:cSld>
-  <p:clrMapOvr>
-    <a:masterClrMapping/>
-  </p:clrMapOvr>
-  <mc:AlternateContent xmlns:mc="http://schemas.openxmlformats.org/markup-compatibility/2006" xmlns:p14="http://schemas.microsoft.com/office/powerpoint/2010/main">
-    <mc:Choice Requires="p14">
-      <p:transition p14:dur="250">
-        <p:fade/>
-      </p:transition>
-    </mc:Choice>
-    <mc:Fallback xmlns="">
-      <p:transition>
-        <p:fade/>
-      </p:transition>
-    </mc:Fallback>
-  </mc:AlternateContent>
-</p:sld>
-</file>
-
-<file path=ppt/slides/slide20.xml><?xml version="1.0" encoding="utf-8"?>
+<file path=ppt/slides/slide21.xml><?xml version="1.0" encoding="utf-8"?>
 <p:sld xmlns:a="http://schemas.openxmlformats.org/drawingml/2006/main" xmlns:r="http://schemas.openxmlformats.org/officeDocument/2006/relationships" xmlns:p="http://schemas.openxmlformats.org/presentationml/2006/main">
   <p:cSld>
     <p:spTree>
@@ -10084,7 +10668,7 @@
 </p:sld>
 </file>
 
-<file path=ppt/slides/slide21.xml><?xml version="1.0" encoding="utf-8"?>
+<file path=ppt/slides/slide22.xml><?xml version="1.0" encoding="utf-8"?>
 <p:sld xmlns:a="http://schemas.openxmlformats.org/drawingml/2006/main" xmlns:r="http://schemas.openxmlformats.org/officeDocument/2006/relationships" xmlns:p="http://schemas.openxmlformats.org/presentationml/2006/main">
   <p:cSld>
     <p:spTree>
@@ -10473,7 +11057,7 @@
 </p:sld>
 </file>
 
-<file path=ppt/slides/slide22.xml><?xml version="1.0" encoding="utf-8"?>
+<file path=ppt/slides/slide23.xml><?xml version="1.0" encoding="utf-8"?>
 <p:sld xmlns:a="http://schemas.openxmlformats.org/drawingml/2006/main" xmlns:r="http://schemas.openxmlformats.org/officeDocument/2006/relationships" xmlns:p="http://schemas.openxmlformats.org/presentationml/2006/main">
   <p:cSld>
     <p:spTree>
@@ -11694,7 +12278,7 @@
 </p:sld>
 </file>
 
-<file path=ppt/slides/slide23.xml><?xml version="1.0" encoding="utf-8"?>
+<file path=ppt/slides/slide24.xml><?xml version="1.0" encoding="utf-8"?>
 <p:sld xmlns:a="http://schemas.openxmlformats.org/drawingml/2006/main" xmlns:r="http://schemas.openxmlformats.org/officeDocument/2006/relationships" xmlns:p="http://schemas.openxmlformats.org/presentationml/2006/main">
   <p:cSld>
     <p:spTree>
@@ -13050,13 +13634,13 @@
   <p:clrMapOvr>
     <a:masterClrMapping/>
   </p:clrMapOvr>
-  <mc:AlternateContent xmlns:mc="http://schemas.openxmlformats.org/markup-compatibility/2006">
-    <mc:Choice xmlns:p14="http://schemas.microsoft.com/office/powerpoint/2010/main" Requires="p14">
+  <mc:AlternateContent xmlns:mc="http://schemas.openxmlformats.org/markup-compatibility/2006" xmlns:p14="http://schemas.microsoft.com/office/powerpoint/2010/main">
+    <mc:Choice Requires="p14">
       <p:transition p14:dur="250">
         <p:fade/>
       </p:transition>
     </mc:Choice>
-    <mc:Fallback>
+    <mc:Fallback xmlns="">
       <p:transition>
         <p:fade/>
       </p:transition>
@@ -13065,7 +13649,7 @@
 </p:sld>
 </file>
 
-<file path=ppt/slides/slide24.xml><?xml version="1.0" encoding="utf-8"?>
+<file path=ppt/slides/slide25.xml><?xml version="1.0" encoding="utf-8"?>
 <p:sld xmlns:a="http://schemas.openxmlformats.org/drawingml/2006/main" xmlns:r="http://schemas.openxmlformats.org/officeDocument/2006/relationships" xmlns:p="http://schemas.openxmlformats.org/presentationml/2006/main">
   <p:cSld>
     <p:spTree>
@@ -15165,13 +15749,13 @@
   <p:clrMapOvr>
     <a:masterClrMapping/>
   </p:clrMapOvr>
-  <mc:AlternateContent xmlns:mc="http://schemas.openxmlformats.org/markup-compatibility/2006">
-    <mc:Choice xmlns:p14="http://schemas.microsoft.com/office/powerpoint/2010/main" Requires="p14">
+  <mc:AlternateContent xmlns:mc="http://schemas.openxmlformats.org/markup-compatibility/2006" xmlns:p14="http://schemas.microsoft.com/office/powerpoint/2010/main">
+    <mc:Choice Requires="p14">
       <p:transition p14:dur="250">
         <p:fade/>
       </p:transition>
     </mc:Choice>
-    <mc:Fallback>
+    <mc:Fallback xmlns="">
       <p:transition>
         <p:fade/>
       </p:transition>
@@ -15180,7 +15764,7 @@
 </p:sld>
 </file>
 
-<file path=ppt/slides/slide25.xml><?xml version="1.0" encoding="utf-8"?>
+<file path=ppt/slides/slide26.xml><?xml version="1.0" encoding="utf-8"?>
 <p:sld xmlns:a="http://schemas.openxmlformats.org/drawingml/2006/main" xmlns:r="http://schemas.openxmlformats.org/officeDocument/2006/relationships" xmlns:p="http://schemas.openxmlformats.org/presentationml/2006/main">
   <p:cSld>
     <p:spTree>
@@ -15670,13 +16254,13 @@
   <p:clrMapOvr>
     <a:masterClrMapping/>
   </p:clrMapOvr>
-  <mc:AlternateContent xmlns:mc="http://schemas.openxmlformats.org/markup-compatibility/2006">
-    <mc:Choice xmlns:p14="http://schemas.microsoft.com/office/powerpoint/2010/main" Requires="p14">
+  <mc:AlternateContent xmlns:mc="http://schemas.openxmlformats.org/markup-compatibility/2006" xmlns:p14="http://schemas.microsoft.com/office/powerpoint/2010/main">
+    <mc:Choice Requires="p14">
       <p:transition p14:dur="250">
         <p:fade/>
       </p:transition>
     </mc:Choice>
-    <mc:Fallback>
+    <mc:Fallback xmlns="">
       <p:transition>
         <p:fade/>
       </p:transition>
@@ -15685,7 +16269,7 @@
 </p:sld>
 </file>
 
-<file path=ppt/slides/slide26.xml><?xml version="1.0" encoding="utf-8"?>
+<file path=ppt/slides/slide27.xml><?xml version="1.0" encoding="utf-8"?>
 <p:sld xmlns:a="http://schemas.openxmlformats.org/drawingml/2006/main" xmlns:r="http://schemas.openxmlformats.org/officeDocument/2006/relationships" xmlns:p="http://schemas.openxmlformats.org/presentationml/2006/main">
   <p:cSld>
     <p:spTree>
@@ -16494,13 +17078,13 @@
   <p:clrMapOvr>
     <a:masterClrMapping/>
   </p:clrMapOvr>
-  <mc:AlternateContent xmlns:mc="http://schemas.openxmlformats.org/markup-compatibility/2006">
-    <mc:Choice xmlns:p14="http://schemas.microsoft.com/office/powerpoint/2010/main" Requires="p14">
+  <mc:AlternateContent xmlns:mc="http://schemas.openxmlformats.org/markup-compatibility/2006" xmlns:p14="http://schemas.microsoft.com/office/powerpoint/2010/main">
+    <mc:Choice Requires="p14">
       <p:transition p14:dur="250">
         <p:fade/>
       </p:transition>
     </mc:Choice>
-    <mc:Fallback>
+    <mc:Fallback xmlns="">
       <p:transition>
         <p:fade/>
       </p:transition>
@@ -16509,7 +17093,7 @@
 </p:sld>
 </file>
 
-<file path=ppt/slides/slide27.xml><?xml version="1.0" encoding="utf-8"?>
+<file path=ppt/slides/slide28.xml><?xml version="1.0" encoding="utf-8"?>
 <p:sld xmlns:a="http://schemas.openxmlformats.org/drawingml/2006/main" xmlns:r="http://schemas.openxmlformats.org/officeDocument/2006/relationships" xmlns:p="http://schemas.openxmlformats.org/presentationml/2006/main">
   <p:cSld>
     <p:spTree>
@@ -17406,13 +17990,13 @@
   <p:clrMapOvr>
     <a:masterClrMapping/>
   </p:clrMapOvr>
-  <mc:AlternateContent xmlns:mc="http://schemas.openxmlformats.org/markup-compatibility/2006">
-    <mc:Choice xmlns:p14="http://schemas.microsoft.com/office/powerpoint/2010/main" Requires="p14">
+  <mc:AlternateContent xmlns:mc="http://schemas.openxmlformats.org/markup-compatibility/2006" xmlns:p14="http://schemas.microsoft.com/office/powerpoint/2010/main">
+    <mc:Choice Requires="p14">
       <p:transition p14:dur="250">
         <p:fade/>
       </p:transition>
     </mc:Choice>
-    <mc:Fallback>
+    <mc:Fallback xmlns="">
       <p:transition>
         <p:fade/>
       </p:transition>
@@ -17421,7 +18005,7 @@
 </p:sld>
 </file>
 
-<file path=ppt/slides/slide28.xml><?xml version="1.0" encoding="utf-8"?>
+<file path=ppt/slides/slide29.xml><?xml version="1.0" encoding="utf-8"?>
 <p:sld xmlns:a="http://schemas.openxmlformats.org/drawingml/2006/main" xmlns:r="http://schemas.openxmlformats.org/officeDocument/2006/relationships" xmlns:p="http://schemas.openxmlformats.org/presentationml/2006/main">
   <p:cSld>
     <p:spTree>
@@ -18715,13 +19299,13 @@
   <p:clrMapOvr>
     <a:masterClrMapping/>
   </p:clrMapOvr>
-  <mc:AlternateContent xmlns:mc="http://schemas.openxmlformats.org/markup-compatibility/2006">
-    <mc:Choice xmlns:p14="http://schemas.microsoft.com/office/powerpoint/2010/main" Requires="p14">
+  <mc:AlternateContent xmlns:mc="http://schemas.openxmlformats.org/markup-compatibility/2006" xmlns:p14="http://schemas.microsoft.com/office/powerpoint/2010/main">
+    <mc:Choice Requires="p14">
       <p:transition p14:dur="250">
         <p:fade/>
       </p:transition>
     </mc:Choice>
-    <mc:Fallback>
+    <mc:Fallback xmlns="">
       <p:transition>
         <p:fade/>
       </p:transition>
@@ -18730,7 +19314,153 @@
 </p:sld>
 </file>
 
-<file path=ppt/slides/slide29.xml><?xml version="1.0" encoding="utf-8"?>
+<file path=ppt/slides/slide3.xml><?xml version="1.0" encoding="utf-8"?>
+<p:sld xmlns:a="http://schemas.openxmlformats.org/drawingml/2006/main" xmlns:r="http://schemas.openxmlformats.org/officeDocument/2006/relationships" xmlns:p="http://schemas.openxmlformats.org/presentationml/2006/main">
+  <p:cSld>
+    <p:spTree>
+      <p:nvGrpSpPr>
+        <p:cNvPr id="1" name=""/>
+        <p:cNvGrpSpPr/>
+        <p:nvPr/>
+      </p:nvGrpSpPr>
+      <p:grpSpPr>
+        <a:xfrm>
+          <a:off x="0" y="0"/>
+          <a:ext cx="0" cy="0"/>
+          <a:chOff x="0" y="0"/>
+          <a:chExt cx="0" cy="0"/>
+        </a:xfrm>
+      </p:grpSpPr>
+      <p:sp>
+        <p:nvSpPr>
+          <p:cNvPr id="8" name="Content Placeholder 2">
+            <a:extLst>
+              <a:ext uri="{FF2B5EF4-FFF2-40B4-BE49-F238E27FC236}">
+                <a16:creationId xmlns:a16="http://schemas.microsoft.com/office/drawing/2014/main" id="{5D30512F-71BE-C842-A3D2-4229E91863BB}"/>
+              </a:ext>
+            </a:extLst>
+          </p:cNvPr>
+          <p:cNvSpPr>
+            <a:spLocks noGrp="1"/>
+          </p:cNvSpPr>
+          <p:nvPr>
+            <p:ph idx="1"/>
+          </p:nvPr>
+        </p:nvSpPr>
+        <p:spPr>
+          <a:xfrm>
+            <a:off x="609443" y="1699995"/>
+            <a:ext cx="5881298" cy="4422776"/>
+          </a:xfrm>
+        </p:spPr>
+        <p:txBody>
+          <a:bodyPr/>
+          <a:lstStyle/>
+          <a:p>
+            <a:pPr marL="0" indent="0">
+              <a:buNone/>
+            </a:pPr>
+            <a:r>
+              <a:rPr lang="en-US" dirty="0">
+                <a:solidFill>
+                  <a:srgbClr val="FF0000"/>
+                </a:solidFill>
+              </a:rPr>
+              <a:t>Definition: Refactoring is a disciplined technique for restructuring an existing body of code, altering its internal structure without changing its external behavior.</a:t>
+            </a:r>
+          </a:p>
+          <a:p>
+            <a:r>
+              <a:rPr lang="en-US" dirty="0"/>
+              <a:t>Different from development</a:t>
+            </a:r>
+          </a:p>
+          <a:p>
+            <a:pPr lvl="1"/>
+            <a:r>
+              <a:rPr lang="en-US" dirty="0"/>
+              <a:t>You have a working code </a:t>
+            </a:r>
+          </a:p>
+          <a:p>
+            <a:pPr lvl="1"/>
+            <a:r>
+              <a:rPr lang="en-US" dirty="0"/>
+              <a:t>You know and understand the behavior</a:t>
+            </a:r>
+          </a:p>
+          <a:p>
+            <a:pPr lvl="1"/>
+            <a:r>
+              <a:rPr lang="en-US" dirty="0"/>
+              <a:t>You have a baseline that you can use for comparison</a:t>
+            </a:r>
+          </a:p>
+          <a:p>
+            <a:endParaRPr lang="en-US" dirty="0"/>
+          </a:p>
+          <a:p>
+            <a:pPr lvl="1"/>
+            <a:endParaRPr lang="en-US" dirty="0"/>
+          </a:p>
+          <a:p>
+            <a:pPr lvl="2"/>
+            <a:endParaRPr lang="en-US" dirty="0"/>
+          </a:p>
+        </p:txBody>
+      </p:sp>
+      <p:sp>
+        <p:nvSpPr>
+          <p:cNvPr id="2" name="Title 1"/>
+          <p:cNvSpPr>
+            <a:spLocks noGrp="1"/>
+          </p:cNvSpPr>
+          <p:nvPr>
+            <p:ph type="title"/>
+          </p:nvPr>
+        </p:nvSpPr>
+        <p:spPr/>
+        <p:txBody>
+          <a:bodyPr/>
+          <a:lstStyle/>
+          <a:p>
+            <a:r>
+              <a:rPr lang="en-US" dirty="0"/>
+              <a:t>What is Refactoring </a:t>
+            </a:r>
+            <a:br>
+              <a:rPr lang="en-US" dirty="0"/>
+            </a:br>
+            <a:endParaRPr lang="en-US" dirty="0"/>
+          </a:p>
+        </p:txBody>
+      </p:sp>
+    </p:spTree>
+    <p:extLst>
+      <p:ext uri="{BB962C8B-B14F-4D97-AF65-F5344CB8AC3E}">
+        <p14:creationId xmlns:p14="http://schemas.microsoft.com/office/powerpoint/2010/main" val="1165708642"/>
+      </p:ext>
+    </p:extLst>
+  </p:cSld>
+  <p:clrMapOvr>
+    <a:masterClrMapping/>
+  </p:clrMapOvr>
+  <mc:AlternateContent xmlns:mc="http://schemas.openxmlformats.org/markup-compatibility/2006" xmlns:p14="http://schemas.microsoft.com/office/powerpoint/2010/main">
+    <mc:Choice Requires="p14">
+      <p:transition p14:dur="250">
+        <p:fade/>
+      </p:transition>
+    </mc:Choice>
+    <mc:Fallback xmlns="">
+      <p:transition>
+        <p:fade/>
+      </p:transition>
+    </mc:Fallback>
+  </mc:AlternateContent>
+</p:sld>
+</file>
+
+<file path=ppt/slides/slide30.xml><?xml version="1.0" encoding="utf-8"?>
 <p:sld xmlns:a="http://schemas.openxmlformats.org/drawingml/2006/main" xmlns:r="http://schemas.openxmlformats.org/officeDocument/2006/relationships" xmlns:p="http://schemas.openxmlformats.org/presentationml/2006/main">
   <p:cSld>
     <p:spTree>
@@ -20818,460 +21548,6 @@
   <p:clrMapOvr>
     <a:masterClrMapping/>
   </p:clrMapOvr>
-  <mc:AlternateContent xmlns:mc="http://schemas.openxmlformats.org/markup-compatibility/2006">
-    <mc:Choice xmlns:p14="http://schemas.microsoft.com/office/powerpoint/2010/main" Requires="p14">
-      <p:transition p14:dur="250">
-        <p:fade/>
-      </p:transition>
-    </mc:Choice>
-    <mc:Fallback>
-      <p:transition>
-        <p:fade/>
-      </p:transition>
-    </mc:Fallback>
-  </mc:AlternateContent>
-</p:sld>
-</file>
-
-<file path=ppt/slides/slide3.xml><?xml version="1.0" encoding="utf-8"?>
-<p:sld xmlns:a="http://schemas.openxmlformats.org/drawingml/2006/main" xmlns:r="http://schemas.openxmlformats.org/officeDocument/2006/relationships" xmlns:p="http://schemas.openxmlformats.org/presentationml/2006/main">
-  <p:cSld>
-    <p:spTree>
-      <p:nvGrpSpPr>
-        <p:cNvPr id="1" name=""/>
-        <p:cNvGrpSpPr/>
-        <p:nvPr/>
-      </p:nvGrpSpPr>
-      <p:grpSpPr>
-        <a:xfrm>
-          <a:off x="0" y="0"/>
-          <a:ext cx="0" cy="0"/>
-          <a:chOff x="0" y="0"/>
-          <a:chExt cx="0" cy="0"/>
-        </a:xfrm>
-      </p:grpSpPr>
-      <p:sp>
-        <p:nvSpPr>
-          <p:cNvPr id="8" name="Content Placeholder 2">
-            <a:extLst>
-              <a:ext uri="{FF2B5EF4-FFF2-40B4-BE49-F238E27FC236}">
-                <a16:creationId xmlns:a16="http://schemas.microsoft.com/office/drawing/2014/main" id="{5D30512F-71BE-C842-A3D2-4229E91863BB}"/>
-              </a:ext>
-            </a:extLst>
-          </p:cNvPr>
-          <p:cNvSpPr>
-            <a:spLocks noGrp="1"/>
-          </p:cNvSpPr>
-          <p:nvPr>
-            <p:ph idx="1"/>
-          </p:nvPr>
-        </p:nvSpPr>
-        <p:spPr>
-          <a:xfrm>
-            <a:off x="609443" y="1699995"/>
-            <a:ext cx="5881298" cy="4422776"/>
-          </a:xfrm>
-        </p:spPr>
-        <p:txBody>
-          <a:bodyPr/>
-          <a:lstStyle/>
-          <a:p>
-            <a:pPr marL="0" indent="0">
-              <a:buNone/>
-            </a:pPr>
-            <a:r>
-              <a:rPr lang="en-US" dirty="0">
-                <a:solidFill>
-                  <a:srgbClr val="FF0000"/>
-                </a:solidFill>
-              </a:rPr>
-              <a:t>Definition: Refactoring is a disciplined technique for restructuring an existing body of code, altering its internal structure without changing its external behavior.</a:t>
-            </a:r>
-          </a:p>
-          <a:p>
-            <a:r>
-              <a:rPr lang="en-US" dirty="0"/>
-              <a:t>Different from development</a:t>
-            </a:r>
-          </a:p>
-          <a:p>
-            <a:pPr lvl="1"/>
-            <a:r>
-              <a:rPr lang="en-US" dirty="0"/>
-              <a:t>You have a working code </a:t>
-            </a:r>
-          </a:p>
-          <a:p>
-            <a:pPr lvl="1"/>
-            <a:r>
-              <a:rPr lang="en-US" dirty="0"/>
-              <a:t>You know and understand the behavior</a:t>
-            </a:r>
-          </a:p>
-          <a:p>
-            <a:pPr lvl="1"/>
-            <a:r>
-              <a:rPr lang="en-US" dirty="0"/>
-              <a:t>You have a baseline that you can use for comparison</a:t>
-            </a:r>
-          </a:p>
-          <a:p>
-            <a:endParaRPr lang="en-US" dirty="0"/>
-          </a:p>
-          <a:p>
-            <a:pPr lvl="1"/>
-            <a:endParaRPr lang="en-US" dirty="0"/>
-          </a:p>
-          <a:p>
-            <a:pPr lvl="2"/>
-            <a:endParaRPr lang="en-US" dirty="0"/>
-          </a:p>
-        </p:txBody>
-      </p:sp>
-      <p:sp>
-        <p:nvSpPr>
-          <p:cNvPr id="2" name="Title 1"/>
-          <p:cNvSpPr>
-            <a:spLocks noGrp="1"/>
-          </p:cNvSpPr>
-          <p:nvPr>
-            <p:ph type="title"/>
-          </p:nvPr>
-        </p:nvSpPr>
-        <p:spPr/>
-        <p:txBody>
-          <a:bodyPr/>
-          <a:lstStyle/>
-          <a:p>
-            <a:r>
-              <a:rPr lang="en-US" dirty="0"/>
-              <a:t>What is Refactoring </a:t>
-            </a:r>
-            <a:br>
-              <a:rPr lang="en-US" dirty="0"/>
-            </a:br>
-            <a:endParaRPr lang="en-US" dirty="0"/>
-          </a:p>
-        </p:txBody>
-      </p:sp>
-      <p:sp>
-        <p:nvSpPr>
-          <p:cNvPr id="6" name="Content Placeholder 2">
-            <a:extLst>
-              <a:ext uri="{FF2B5EF4-FFF2-40B4-BE49-F238E27FC236}">
-                <a16:creationId xmlns:a16="http://schemas.microsoft.com/office/drawing/2014/main" id="{A3969DB6-AB62-0A43-A6B7-8B07C828C355}"/>
-              </a:ext>
-            </a:extLst>
-          </p:cNvPr>
-          <p:cNvSpPr txBox="1">
-            <a:spLocks/>
-          </p:cNvSpPr>
-          <p:nvPr/>
-        </p:nvSpPr>
-        <p:spPr bwMode="auto">
-          <a:xfrm>
-            <a:off x="6607828" y="1258433"/>
-            <a:ext cx="4971554" cy="4204252"/>
-          </a:xfrm>
-          <a:prstGeom prst="rect">
-            <a:avLst/>
-          </a:prstGeom>
-          <a:noFill/>
-          <a:ln w="9525">
-            <a:noFill/>
-            <a:miter lim="800000"/>
-            <a:headEnd/>
-            <a:tailEnd/>
-          </a:ln>
-        </p:spPr>
-        <p:txBody>
-          <a:bodyPr vert="horz" wrap="square" lIns="91440" tIns="45720" rIns="91440" bIns="45720" numCol="1" anchor="t" anchorCtr="0" compatLnSpc="1">
-            <a:prstTxWarp prst="textNoShape">
-              <a:avLst/>
-            </a:prstTxWarp>
-            <a:normAutofit/>
-          </a:bodyPr>
-          <a:lstStyle>
-            <a:lvl1pPr marL="230188" indent="-230188" algn="l" rtl="0" eaLnBrk="1" fontAlgn="base" hangingPunct="1">
-              <a:lnSpc>
-                <a:spcPct val="90000"/>
-              </a:lnSpc>
-              <a:spcBef>
-                <a:spcPts val="1400"/>
-              </a:spcBef>
-              <a:spcAft>
-                <a:spcPct val="0"/>
-              </a:spcAft>
-              <a:buClr>
-                <a:schemeClr val="tx1"/>
-              </a:buClr>
-              <a:buFont typeface="Arial" charset="0"/>
-              <a:buChar char="•"/>
-              <a:defRPr sz="2400" kern="1200" baseline="0">
-                <a:solidFill>
-                  <a:schemeClr val="tx1"/>
-                </a:solidFill>
-                <a:latin typeface="+mn-lt"/>
-                <a:ea typeface="+mn-ea"/>
-                <a:cs typeface="+mn-cs"/>
-              </a:defRPr>
-            </a:lvl1pPr>
-            <a:lvl2pPr marL="625475" indent="-279400" algn="l" rtl="0" eaLnBrk="1" fontAlgn="base" hangingPunct="1">
-              <a:lnSpc>
-                <a:spcPct val="90000"/>
-              </a:lnSpc>
-              <a:spcBef>
-                <a:spcPts val="800"/>
-              </a:spcBef>
-              <a:spcAft>
-                <a:spcPct val="0"/>
-              </a:spcAft>
-              <a:buClr>
-                <a:schemeClr val="tx1"/>
-              </a:buClr>
-              <a:buFont typeface="Arial" charset="0"/>
-              <a:buChar char="–"/>
-              <a:defRPr sz="2000" kern="1200">
-                <a:solidFill>
-                  <a:schemeClr val="tx1"/>
-                </a:solidFill>
-                <a:latin typeface="+mn-lt"/>
-                <a:ea typeface="+mn-ea"/>
-                <a:cs typeface="+mn-cs"/>
-              </a:defRPr>
-            </a:lvl2pPr>
-            <a:lvl3pPr marL="914400" indent="-230188" algn="l" rtl="0" eaLnBrk="1" fontAlgn="base" hangingPunct="1">
-              <a:lnSpc>
-                <a:spcPct val="90000"/>
-              </a:lnSpc>
-              <a:spcBef>
-                <a:spcPts val="800"/>
-              </a:spcBef>
-              <a:spcAft>
-                <a:spcPct val="0"/>
-              </a:spcAft>
-              <a:buClr>
-                <a:schemeClr val="tx1"/>
-              </a:buClr>
-              <a:buFont typeface="Arial" charset="0"/>
-              <a:buChar char="•"/>
-              <a:defRPr sz="1800" kern="1200">
-                <a:solidFill>
-                  <a:schemeClr val="tx1"/>
-                </a:solidFill>
-                <a:latin typeface="+mn-lt"/>
-                <a:ea typeface="+mn-ea"/>
-                <a:cs typeface="+mn-cs"/>
-              </a:defRPr>
-            </a:lvl3pPr>
-            <a:lvl4pPr marL="1144588" indent="-173038" algn="l" rtl="0" eaLnBrk="1" fontAlgn="base" hangingPunct="1">
-              <a:lnSpc>
-                <a:spcPct val="90000"/>
-              </a:lnSpc>
-              <a:spcBef>
-                <a:spcPts val="800"/>
-              </a:spcBef>
-              <a:spcAft>
-                <a:spcPct val="0"/>
-              </a:spcAft>
-              <a:buClr>
-                <a:schemeClr val="tx1"/>
-              </a:buClr>
-              <a:buFont typeface="Arial" charset="0"/>
-              <a:buChar char="–"/>
-              <a:defRPr sz="1600" kern="1200">
-                <a:solidFill>
-                  <a:schemeClr val="tx1"/>
-                </a:solidFill>
-                <a:latin typeface="+mn-lt"/>
-                <a:ea typeface="+mn-ea"/>
-                <a:cs typeface="+mn-cs"/>
-              </a:defRPr>
-            </a:lvl4pPr>
-            <a:lvl5pPr marL="1482725" indent="-222250" algn="l" rtl="0" eaLnBrk="1" fontAlgn="base" hangingPunct="1">
-              <a:lnSpc>
-                <a:spcPct val="90000"/>
-              </a:lnSpc>
-              <a:spcBef>
-                <a:spcPts val="600"/>
-              </a:spcBef>
-              <a:spcAft>
-                <a:spcPct val="0"/>
-              </a:spcAft>
-              <a:buClr>
-                <a:schemeClr val="tx1"/>
-              </a:buClr>
-              <a:buFont typeface="Arial" charset="0"/>
-              <a:buChar char="»"/>
-              <a:defRPr sz="1600" kern="1200">
-                <a:solidFill>
-                  <a:schemeClr val="tx1"/>
-                </a:solidFill>
-                <a:latin typeface="+mn-lt"/>
-                <a:ea typeface="+mn-ea"/>
-                <a:cs typeface="+mn-cs"/>
-              </a:defRPr>
-            </a:lvl5pPr>
-            <a:lvl6pPr marL="2514600" indent="-228600" algn="l" defTabSz="914400" rtl="0" eaLnBrk="1" latinLnBrk="0" hangingPunct="1">
-              <a:spcBef>
-                <a:spcPct val="20000"/>
-              </a:spcBef>
-              <a:buFont typeface="Arial" pitchFamily="34" charset="0"/>
-              <a:buChar char="•"/>
-              <a:defRPr sz="2000" kern="1200">
-                <a:solidFill>
-                  <a:schemeClr val="tx1"/>
-                </a:solidFill>
-                <a:latin typeface="+mn-lt"/>
-                <a:ea typeface="+mn-ea"/>
-                <a:cs typeface="+mn-cs"/>
-              </a:defRPr>
-            </a:lvl6pPr>
-            <a:lvl7pPr marL="2971800" indent="-228600" algn="l" defTabSz="914400" rtl="0" eaLnBrk="1" latinLnBrk="0" hangingPunct="1">
-              <a:spcBef>
-                <a:spcPct val="20000"/>
-              </a:spcBef>
-              <a:buFont typeface="Arial" pitchFamily="34" charset="0"/>
-              <a:buChar char="•"/>
-              <a:defRPr sz="2000" kern="1200">
-                <a:solidFill>
-                  <a:schemeClr val="tx1"/>
-                </a:solidFill>
-                <a:latin typeface="+mn-lt"/>
-                <a:ea typeface="+mn-ea"/>
-                <a:cs typeface="+mn-cs"/>
-              </a:defRPr>
-            </a:lvl7pPr>
-            <a:lvl8pPr marL="3429000" indent="-228600" algn="l" defTabSz="914400" rtl="0" eaLnBrk="1" latinLnBrk="0" hangingPunct="1">
-              <a:spcBef>
-                <a:spcPct val="20000"/>
-              </a:spcBef>
-              <a:buFont typeface="Arial" pitchFamily="34" charset="0"/>
-              <a:buChar char="•"/>
-              <a:defRPr sz="2000" kern="1200">
-                <a:solidFill>
-                  <a:schemeClr val="tx1"/>
-                </a:solidFill>
-                <a:latin typeface="+mn-lt"/>
-                <a:ea typeface="+mn-ea"/>
-                <a:cs typeface="+mn-cs"/>
-              </a:defRPr>
-            </a:lvl8pPr>
-            <a:lvl9pPr marL="3886200" indent="-228600" algn="l" defTabSz="914400" rtl="0" eaLnBrk="1" latinLnBrk="0" hangingPunct="1">
-              <a:spcBef>
-                <a:spcPct val="20000"/>
-              </a:spcBef>
-              <a:buFont typeface="Arial" pitchFamily="34" charset="0"/>
-              <a:buChar char="•"/>
-              <a:defRPr sz="2000" kern="1200">
-                <a:solidFill>
-                  <a:schemeClr val="tx1"/>
-                </a:solidFill>
-                <a:latin typeface="+mn-lt"/>
-                <a:ea typeface="+mn-ea"/>
-                <a:cs typeface="+mn-cs"/>
-              </a:defRPr>
-            </a:lvl9pPr>
-          </a:lstStyle>
-          <a:p>
-            <a:pPr marL="0" indent="0">
-              <a:buFont typeface="Arial" charset="0"/>
-              <a:buNone/>
-            </a:pPr>
-            <a:endParaRPr lang="en-US" dirty="0"/>
-          </a:p>
-          <a:p>
-            <a:r>
-              <a:rPr lang="en-US" dirty="0"/>
-              <a:t>General motivations</a:t>
-            </a:r>
-          </a:p>
-          <a:p>
-            <a:pPr lvl="1"/>
-            <a:r>
-              <a:rPr lang="en-US" dirty="0"/>
-              <a:t>Modularity enhancement </a:t>
-            </a:r>
-          </a:p>
-          <a:p>
-            <a:pPr lvl="2"/>
-            <a:r>
-              <a:rPr lang="en-US" dirty="0"/>
-              <a:t>Improve sustainability</a:t>
-            </a:r>
-          </a:p>
-          <a:p>
-            <a:pPr lvl="1"/>
-            <a:r>
-              <a:rPr lang="en-US" dirty="0"/>
-              <a:t>Release to outside users</a:t>
-            </a:r>
-          </a:p>
-          <a:p>
-            <a:pPr lvl="2"/>
-            <a:r>
-              <a:rPr lang="en-US" dirty="0"/>
-              <a:t>Easier to use and understand</a:t>
-            </a:r>
-          </a:p>
-          <a:p>
-            <a:pPr lvl="1"/>
-            <a:r>
-              <a:rPr lang="en-US" dirty="0"/>
-              <a:t>Port to new platforms</a:t>
-            </a:r>
-          </a:p>
-          <a:p>
-            <a:pPr lvl="2"/>
-            <a:r>
-              <a:rPr lang="en-US" dirty="0"/>
-              <a:t>Performance portability</a:t>
-            </a:r>
-          </a:p>
-          <a:p>
-            <a:pPr lvl="1"/>
-            <a:r>
-              <a:rPr lang="en-US" dirty="0"/>
-              <a:t>Expand capabilities</a:t>
-            </a:r>
-          </a:p>
-          <a:p>
-            <a:pPr lvl="2"/>
-            <a:r>
-              <a:rPr lang="en-US" dirty="0"/>
-              <a:t>Structural flexibility</a:t>
-            </a:r>
-          </a:p>
-          <a:p>
-            <a:pPr marL="0" indent="0">
-              <a:buFont typeface="Arial" charset="0"/>
-              <a:buNone/>
-            </a:pPr>
-            <a:endParaRPr lang="en-US" dirty="0"/>
-          </a:p>
-          <a:p>
-            <a:pPr lvl="1"/>
-            <a:endParaRPr lang="en-US" dirty="0"/>
-          </a:p>
-          <a:p>
-            <a:pPr marL="684212" lvl="2" indent="0">
-              <a:buFont typeface="Arial" charset="0"/>
-              <a:buNone/>
-            </a:pPr>
-            <a:endParaRPr lang="en-US" dirty="0"/>
-          </a:p>
-        </p:txBody>
-      </p:sp>
-    </p:spTree>
-    <p:extLst>
-      <p:ext uri="{BB962C8B-B14F-4D97-AF65-F5344CB8AC3E}">
-        <p14:creationId xmlns:p14="http://schemas.microsoft.com/office/powerpoint/2010/main" val="4067883223"/>
-      </p:ext>
-    </p:extLst>
-  </p:cSld>
-  <p:clrMapOvr>
-    <a:masterClrMapping/>
-  </p:clrMapOvr>
   <mc:AlternateContent xmlns:mc="http://schemas.openxmlformats.org/markup-compatibility/2006" xmlns:p14="http://schemas.microsoft.com/office/powerpoint/2010/main">
     <mc:Choice Requires="p14">
       <p:transition p14:dur="250">
@@ -21287,7 +21563,7 @@
 </p:sld>
 </file>
 
-<file path=ppt/slides/slide30.xml><?xml version="1.0" encoding="utf-8"?>
+<file path=ppt/slides/slide31.xml><?xml version="1.0" encoding="utf-8"?>
 <p:sld xmlns:a="http://schemas.openxmlformats.org/drawingml/2006/main" xmlns:r="http://schemas.openxmlformats.org/officeDocument/2006/relationships" xmlns:p="http://schemas.openxmlformats.org/presentationml/2006/main">
   <p:cSld>
     <p:spTree>
@@ -24159,13 +24435,13 @@
   <p:clrMapOvr>
     <a:masterClrMapping/>
   </p:clrMapOvr>
-  <mc:AlternateContent xmlns:mc="http://schemas.openxmlformats.org/markup-compatibility/2006">
-    <mc:Choice xmlns:p14="http://schemas.microsoft.com/office/powerpoint/2010/main" Requires="p14">
+  <mc:AlternateContent xmlns:mc="http://schemas.openxmlformats.org/markup-compatibility/2006" xmlns:p14="http://schemas.microsoft.com/office/powerpoint/2010/main">
+    <mc:Choice Requires="p14">
       <p:transition p14:dur="250">
         <p:fade/>
       </p:transition>
     </mc:Choice>
-    <mc:Fallback>
+    <mc:Fallback xmlns="">
       <p:transition>
         <p:fade/>
       </p:transition>
@@ -24174,7 +24450,7 @@
 </p:sld>
 </file>
 
-<file path=ppt/slides/slide31.xml><?xml version="1.0" encoding="utf-8"?>
+<file path=ppt/slides/slide32.xml><?xml version="1.0" encoding="utf-8"?>
 <p:sld xmlns:a="http://schemas.openxmlformats.org/drawingml/2006/main" xmlns:r="http://schemas.openxmlformats.org/officeDocument/2006/relationships" xmlns:p="http://schemas.openxmlformats.org/presentationml/2006/main">
   <p:cSld>
     <p:spTree>
@@ -24413,7 +24689,7 @@
 </p:sld>
 </file>
 
-<file path=ppt/slides/slide32.xml><?xml version="1.0" encoding="utf-8"?>
+<file path=ppt/slides/slide33.xml><?xml version="1.0" encoding="utf-8"?>
 <p:sld xmlns:a="http://schemas.openxmlformats.org/drawingml/2006/main" xmlns:r="http://schemas.openxmlformats.org/officeDocument/2006/relationships" xmlns:p="http://schemas.openxmlformats.org/presentationml/2006/main">
   <p:cSld>
     <p:spTree>
@@ -24725,7 +25001,7 @@
 </p:sld>
 </file>
 
-<file path=ppt/slides/slide33.xml><?xml version="1.0" encoding="utf-8"?>
+<file path=ppt/slides/slide34.xml><?xml version="1.0" encoding="utf-8"?>
 <p:sld xmlns:a="http://schemas.openxmlformats.org/drawingml/2006/main" xmlns:r="http://schemas.openxmlformats.org/officeDocument/2006/relationships" xmlns:p="http://schemas.openxmlformats.org/presentationml/2006/main">
   <p:cSld>
     <p:spTree>
@@ -24931,7 +25207,7 @@
 </p:sld>
 </file>
 
-<file path=ppt/slides/slide34.xml><?xml version="1.0" encoding="utf-8"?>
+<file path=ppt/slides/slide35.xml><?xml version="1.0" encoding="utf-8"?>
 <p:sld xmlns:a="http://schemas.openxmlformats.org/drawingml/2006/main" xmlns:r="http://schemas.openxmlformats.org/officeDocument/2006/relationships" xmlns:p="http://schemas.openxmlformats.org/presentationml/2006/main">
   <p:cSld>
     <p:spTree>
@@ -25160,7 +25436,7 @@
 </p:sld>
 </file>
 
-<file path=ppt/slides/slide35.xml><?xml version="1.0" encoding="utf-8"?>
+<file path=ppt/slides/slide36.xml><?xml version="1.0" encoding="utf-8"?>
 <p:sld xmlns:a="http://schemas.openxmlformats.org/drawingml/2006/main" xmlns:r="http://schemas.openxmlformats.org/officeDocument/2006/relationships" xmlns:p="http://schemas.openxmlformats.org/presentationml/2006/main">
   <p:cSld>
     <p:spTree>
@@ -25455,7 +25731,7 @@
 </p:sld>
 </file>
 
-<file path=ppt/slides/slide36.xml><?xml version="1.0" encoding="utf-8"?>
+<file path=ppt/slides/slide37.xml><?xml version="1.0" encoding="utf-8"?>
 <p:sld xmlns:a="http://schemas.openxmlformats.org/drawingml/2006/main" xmlns:r="http://schemas.openxmlformats.org/officeDocument/2006/relationships" xmlns:p="http://schemas.openxmlformats.org/presentationml/2006/main">
   <p:cSld>
     <p:spTree>
@@ -25694,7 +25970,7 @@
 </p:sld>
 </file>
 
-<file path=ppt/slides/slide37.xml><?xml version="1.0" encoding="utf-8"?>
+<file path=ppt/slides/slide38.xml><?xml version="1.0" encoding="utf-8"?>
 <p:sld xmlns:a="http://schemas.openxmlformats.org/drawingml/2006/main" xmlns:r="http://schemas.openxmlformats.org/officeDocument/2006/relationships" xmlns:p="http://schemas.openxmlformats.org/presentationml/2006/main">
   <p:cSld>
     <p:spTree>
@@ -25979,7 +26255,7 @@
 </p:sld>
 </file>
 
-<file path=ppt/slides/slide38.xml><?xml version="1.0" encoding="utf-8"?>
+<file path=ppt/slides/slide39.xml><?xml version="1.0" encoding="utf-8"?>
 <p:sld xmlns:a="http://schemas.openxmlformats.org/drawingml/2006/main" xmlns:r="http://schemas.openxmlformats.org/officeDocument/2006/relationships" xmlns:p="http://schemas.openxmlformats.org/presentationml/2006/main">
   <p:cSld>
     <p:spTree>
@@ -26210,7 +26486,461 @@
 </p:sld>
 </file>
 
-<file path=ppt/slides/slide39.xml><?xml version="1.0" encoding="utf-8"?>
+<file path=ppt/slides/slide4.xml><?xml version="1.0" encoding="utf-8"?>
+<p:sld xmlns:a="http://schemas.openxmlformats.org/drawingml/2006/main" xmlns:r="http://schemas.openxmlformats.org/officeDocument/2006/relationships" xmlns:p="http://schemas.openxmlformats.org/presentationml/2006/main">
+  <p:cSld>
+    <p:spTree>
+      <p:nvGrpSpPr>
+        <p:cNvPr id="1" name=""/>
+        <p:cNvGrpSpPr/>
+        <p:nvPr/>
+      </p:nvGrpSpPr>
+      <p:grpSpPr>
+        <a:xfrm>
+          <a:off x="0" y="0"/>
+          <a:ext cx="0" cy="0"/>
+          <a:chOff x="0" y="0"/>
+          <a:chExt cx="0" cy="0"/>
+        </a:xfrm>
+      </p:grpSpPr>
+      <p:sp>
+        <p:nvSpPr>
+          <p:cNvPr id="8" name="Content Placeholder 2">
+            <a:extLst>
+              <a:ext uri="{FF2B5EF4-FFF2-40B4-BE49-F238E27FC236}">
+                <a16:creationId xmlns:a16="http://schemas.microsoft.com/office/drawing/2014/main" id="{5D30512F-71BE-C842-A3D2-4229E91863BB}"/>
+              </a:ext>
+            </a:extLst>
+          </p:cNvPr>
+          <p:cNvSpPr>
+            <a:spLocks noGrp="1"/>
+          </p:cNvSpPr>
+          <p:nvPr>
+            <p:ph idx="1"/>
+          </p:nvPr>
+        </p:nvSpPr>
+        <p:spPr>
+          <a:xfrm>
+            <a:off x="609443" y="1699995"/>
+            <a:ext cx="5881298" cy="4422776"/>
+          </a:xfrm>
+        </p:spPr>
+        <p:txBody>
+          <a:bodyPr/>
+          <a:lstStyle/>
+          <a:p>
+            <a:pPr marL="0" indent="0">
+              <a:buNone/>
+            </a:pPr>
+            <a:r>
+              <a:rPr lang="en-US" dirty="0">
+                <a:solidFill>
+                  <a:srgbClr val="FF0000"/>
+                </a:solidFill>
+              </a:rPr>
+              <a:t>Definition: Refactoring is a disciplined technique for restructuring an existing body of code, altering its internal structure without changing its external behavior.</a:t>
+            </a:r>
+          </a:p>
+          <a:p>
+            <a:r>
+              <a:rPr lang="en-US" dirty="0"/>
+              <a:t>Different from development</a:t>
+            </a:r>
+          </a:p>
+          <a:p>
+            <a:pPr lvl="1"/>
+            <a:r>
+              <a:rPr lang="en-US" dirty="0"/>
+              <a:t>You have a working code </a:t>
+            </a:r>
+          </a:p>
+          <a:p>
+            <a:pPr lvl="1"/>
+            <a:r>
+              <a:rPr lang="en-US" dirty="0"/>
+              <a:t>You know and understand the behavior</a:t>
+            </a:r>
+          </a:p>
+          <a:p>
+            <a:pPr lvl="1"/>
+            <a:r>
+              <a:rPr lang="en-US" dirty="0"/>
+              <a:t>You have a baseline that you can use for comparison</a:t>
+            </a:r>
+          </a:p>
+          <a:p>
+            <a:endParaRPr lang="en-US" dirty="0"/>
+          </a:p>
+          <a:p>
+            <a:pPr lvl="1"/>
+            <a:endParaRPr lang="en-US" dirty="0"/>
+          </a:p>
+          <a:p>
+            <a:pPr lvl="2"/>
+            <a:endParaRPr lang="en-US" dirty="0"/>
+          </a:p>
+        </p:txBody>
+      </p:sp>
+      <p:sp>
+        <p:nvSpPr>
+          <p:cNvPr id="2" name="Title 1"/>
+          <p:cNvSpPr>
+            <a:spLocks noGrp="1"/>
+          </p:cNvSpPr>
+          <p:nvPr>
+            <p:ph type="title"/>
+          </p:nvPr>
+        </p:nvSpPr>
+        <p:spPr/>
+        <p:txBody>
+          <a:bodyPr/>
+          <a:lstStyle/>
+          <a:p>
+            <a:r>
+              <a:rPr lang="en-US" dirty="0"/>
+              <a:t>What is Refactoring </a:t>
+            </a:r>
+            <a:br>
+              <a:rPr lang="en-US" dirty="0"/>
+            </a:br>
+            <a:endParaRPr lang="en-US" dirty="0"/>
+          </a:p>
+        </p:txBody>
+      </p:sp>
+      <p:sp>
+        <p:nvSpPr>
+          <p:cNvPr id="6" name="Content Placeholder 2">
+            <a:extLst>
+              <a:ext uri="{FF2B5EF4-FFF2-40B4-BE49-F238E27FC236}">
+                <a16:creationId xmlns:a16="http://schemas.microsoft.com/office/drawing/2014/main" id="{A3969DB6-AB62-0A43-A6B7-8B07C828C355}"/>
+              </a:ext>
+            </a:extLst>
+          </p:cNvPr>
+          <p:cNvSpPr txBox="1">
+            <a:spLocks/>
+          </p:cNvSpPr>
+          <p:nvPr/>
+        </p:nvSpPr>
+        <p:spPr bwMode="auto">
+          <a:xfrm>
+            <a:off x="6607828" y="1258433"/>
+            <a:ext cx="4971554" cy="4204252"/>
+          </a:xfrm>
+          <a:prstGeom prst="rect">
+            <a:avLst/>
+          </a:prstGeom>
+          <a:noFill/>
+          <a:ln w="9525">
+            <a:noFill/>
+            <a:miter lim="800000"/>
+            <a:headEnd/>
+            <a:tailEnd/>
+          </a:ln>
+        </p:spPr>
+        <p:txBody>
+          <a:bodyPr vert="horz" wrap="square" lIns="91440" tIns="45720" rIns="91440" bIns="45720" numCol="1" anchor="t" anchorCtr="0" compatLnSpc="1">
+            <a:prstTxWarp prst="textNoShape">
+              <a:avLst/>
+            </a:prstTxWarp>
+            <a:normAutofit/>
+          </a:bodyPr>
+          <a:lstStyle>
+            <a:lvl1pPr marL="230188" indent="-230188" algn="l" rtl="0" eaLnBrk="1" fontAlgn="base" hangingPunct="1">
+              <a:lnSpc>
+                <a:spcPct val="90000"/>
+              </a:lnSpc>
+              <a:spcBef>
+                <a:spcPts val="1400"/>
+              </a:spcBef>
+              <a:spcAft>
+                <a:spcPct val="0"/>
+              </a:spcAft>
+              <a:buClr>
+                <a:schemeClr val="tx1"/>
+              </a:buClr>
+              <a:buFont typeface="Arial" charset="0"/>
+              <a:buChar char="•"/>
+              <a:defRPr sz="2400" kern="1200" baseline="0">
+                <a:solidFill>
+                  <a:schemeClr val="tx1"/>
+                </a:solidFill>
+                <a:latin typeface="+mn-lt"/>
+                <a:ea typeface="+mn-ea"/>
+                <a:cs typeface="+mn-cs"/>
+              </a:defRPr>
+            </a:lvl1pPr>
+            <a:lvl2pPr marL="625475" indent="-279400" algn="l" rtl="0" eaLnBrk="1" fontAlgn="base" hangingPunct="1">
+              <a:lnSpc>
+                <a:spcPct val="90000"/>
+              </a:lnSpc>
+              <a:spcBef>
+                <a:spcPts val="800"/>
+              </a:spcBef>
+              <a:spcAft>
+                <a:spcPct val="0"/>
+              </a:spcAft>
+              <a:buClr>
+                <a:schemeClr val="tx1"/>
+              </a:buClr>
+              <a:buFont typeface="Arial" charset="0"/>
+              <a:buChar char="–"/>
+              <a:defRPr sz="2000" kern="1200">
+                <a:solidFill>
+                  <a:schemeClr val="tx1"/>
+                </a:solidFill>
+                <a:latin typeface="+mn-lt"/>
+                <a:ea typeface="+mn-ea"/>
+                <a:cs typeface="+mn-cs"/>
+              </a:defRPr>
+            </a:lvl2pPr>
+            <a:lvl3pPr marL="914400" indent="-230188" algn="l" rtl="0" eaLnBrk="1" fontAlgn="base" hangingPunct="1">
+              <a:lnSpc>
+                <a:spcPct val="90000"/>
+              </a:lnSpc>
+              <a:spcBef>
+                <a:spcPts val="800"/>
+              </a:spcBef>
+              <a:spcAft>
+                <a:spcPct val="0"/>
+              </a:spcAft>
+              <a:buClr>
+                <a:schemeClr val="tx1"/>
+              </a:buClr>
+              <a:buFont typeface="Arial" charset="0"/>
+              <a:buChar char="•"/>
+              <a:defRPr sz="1800" kern="1200">
+                <a:solidFill>
+                  <a:schemeClr val="tx1"/>
+                </a:solidFill>
+                <a:latin typeface="+mn-lt"/>
+                <a:ea typeface="+mn-ea"/>
+                <a:cs typeface="+mn-cs"/>
+              </a:defRPr>
+            </a:lvl3pPr>
+            <a:lvl4pPr marL="1144588" indent="-173038" algn="l" rtl="0" eaLnBrk="1" fontAlgn="base" hangingPunct="1">
+              <a:lnSpc>
+                <a:spcPct val="90000"/>
+              </a:lnSpc>
+              <a:spcBef>
+                <a:spcPts val="800"/>
+              </a:spcBef>
+              <a:spcAft>
+                <a:spcPct val="0"/>
+              </a:spcAft>
+              <a:buClr>
+                <a:schemeClr val="tx1"/>
+              </a:buClr>
+              <a:buFont typeface="Arial" charset="0"/>
+              <a:buChar char="–"/>
+              <a:defRPr sz="1600" kern="1200">
+                <a:solidFill>
+                  <a:schemeClr val="tx1"/>
+                </a:solidFill>
+                <a:latin typeface="+mn-lt"/>
+                <a:ea typeface="+mn-ea"/>
+                <a:cs typeface="+mn-cs"/>
+              </a:defRPr>
+            </a:lvl4pPr>
+            <a:lvl5pPr marL="1482725" indent="-222250" algn="l" rtl="0" eaLnBrk="1" fontAlgn="base" hangingPunct="1">
+              <a:lnSpc>
+                <a:spcPct val="90000"/>
+              </a:lnSpc>
+              <a:spcBef>
+                <a:spcPts val="600"/>
+              </a:spcBef>
+              <a:spcAft>
+                <a:spcPct val="0"/>
+              </a:spcAft>
+              <a:buClr>
+                <a:schemeClr val="tx1"/>
+              </a:buClr>
+              <a:buFont typeface="Arial" charset="0"/>
+              <a:buChar char="»"/>
+              <a:defRPr sz="1600" kern="1200">
+                <a:solidFill>
+                  <a:schemeClr val="tx1"/>
+                </a:solidFill>
+                <a:latin typeface="+mn-lt"/>
+                <a:ea typeface="+mn-ea"/>
+                <a:cs typeface="+mn-cs"/>
+              </a:defRPr>
+            </a:lvl5pPr>
+            <a:lvl6pPr marL="2514600" indent="-228600" algn="l" defTabSz="914400" rtl="0" eaLnBrk="1" latinLnBrk="0" hangingPunct="1">
+              <a:spcBef>
+                <a:spcPct val="20000"/>
+              </a:spcBef>
+              <a:buFont typeface="Arial" pitchFamily="34" charset="0"/>
+              <a:buChar char="•"/>
+              <a:defRPr sz="2000" kern="1200">
+                <a:solidFill>
+                  <a:schemeClr val="tx1"/>
+                </a:solidFill>
+                <a:latin typeface="+mn-lt"/>
+                <a:ea typeface="+mn-ea"/>
+                <a:cs typeface="+mn-cs"/>
+              </a:defRPr>
+            </a:lvl6pPr>
+            <a:lvl7pPr marL="2971800" indent="-228600" algn="l" defTabSz="914400" rtl="0" eaLnBrk="1" latinLnBrk="0" hangingPunct="1">
+              <a:spcBef>
+                <a:spcPct val="20000"/>
+              </a:spcBef>
+              <a:buFont typeface="Arial" pitchFamily="34" charset="0"/>
+              <a:buChar char="•"/>
+              <a:defRPr sz="2000" kern="1200">
+                <a:solidFill>
+                  <a:schemeClr val="tx1"/>
+                </a:solidFill>
+                <a:latin typeface="+mn-lt"/>
+                <a:ea typeface="+mn-ea"/>
+                <a:cs typeface="+mn-cs"/>
+              </a:defRPr>
+            </a:lvl7pPr>
+            <a:lvl8pPr marL="3429000" indent="-228600" algn="l" defTabSz="914400" rtl="0" eaLnBrk="1" latinLnBrk="0" hangingPunct="1">
+              <a:spcBef>
+                <a:spcPct val="20000"/>
+              </a:spcBef>
+              <a:buFont typeface="Arial" pitchFamily="34" charset="0"/>
+              <a:buChar char="•"/>
+              <a:defRPr sz="2000" kern="1200">
+                <a:solidFill>
+                  <a:schemeClr val="tx1"/>
+                </a:solidFill>
+                <a:latin typeface="+mn-lt"/>
+                <a:ea typeface="+mn-ea"/>
+                <a:cs typeface="+mn-cs"/>
+              </a:defRPr>
+            </a:lvl8pPr>
+            <a:lvl9pPr marL="3886200" indent="-228600" algn="l" defTabSz="914400" rtl="0" eaLnBrk="1" latinLnBrk="0" hangingPunct="1">
+              <a:spcBef>
+                <a:spcPct val="20000"/>
+              </a:spcBef>
+              <a:buFont typeface="Arial" pitchFamily="34" charset="0"/>
+              <a:buChar char="•"/>
+              <a:defRPr sz="2000" kern="1200">
+                <a:solidFill>
+                  <a:schemeClr val="tx1"/>
+                </a:solidFill>
+                <a:latin typeface="+mn-lt"/>
+                <a:ea typeface="+mn-ea"/>
+                <a:cs typeface="+mn-cs"/>
+              </a:defRPr>
+            </a:lvl9pPr>
+          </a:lstStyle>
+          <a:p>
+            <a:pPr marL="0" indent="0">
+              <a:buFont typeface="Arial" charset="0"/>
+              <a:buNone/>
+            </a:pPr>
+            <a:endParaRPr lang="en-US" dirty="0"/>
+          </a:p>
+          <a:p>
+            <a:r>
+              <a:rPr lang="en-US" dirty="0"/>
+              <a:t>General motivations</a:t>
+            </a:r>
+          </a:p>
+          <a:p>
+            <a:pPr lvl="1"/>
+            <a:r>
+              <a:rPr lang="en-US" dirty="0"/>
+              <a:t>Modularity enhancement </a:t>
+            </a:r>
+          </a:p>
+          <a:p>
+            <a:pPr lvl="2"/>
+            <a:r>
+              <a:rPr lang="en-US" dirty="0"/>
+              <a:t>Improve sustainability</a:t>
+            </a:r>
+          </a:p>
+          <a:p>
+            <a:pPr lvl="1"/>
+            <a:r>
+              <a:rPr lang="en-US" dirty="0"/>
+              <a:t>Release to outside users</a:t>
+            </a:r>
+          </a:p>
+          <a:p>
+            <a:pPr lvl="2"/>
+            <a:r>
+              <a:rPr lang="en-US" dirty="0"/>
+              <a:t>Easier to use and understand</a:t>
+            </a:r>
+          </a:p>
+          <a:p>
+            <a:pPr lvl="1"/>
+            <a:r>
+              <a:rPr lang="en-US" dirty="0"/>
+              <a:t>Port to new platforms</a:t>
+            </a:r>
+          </a:p>
+          <a:p>
+            <a:pPr lvl="2"/>
+            <a:r>
+              <a:rPr lang="en-US" dirty="0"/>
+              <a:t>Performance portability</a:t>
+            </a:r>
+          </a:p>
+          <a:p>
+            <a:pPr lvl="1"/>
+            <a:r>
+              <a:rPr lang="en-US" dirty="0"/>
+              <a:t>Expand capabilities</a:t>
+            </a:r>
+          </a:p>
+          <a:p>
+            <a:pPr lvl="2"/>
+            <a:r>
+              <a:rPr lang="en-US" dirty="0"/>
+              <a:t>Structural flexibility</a:t>
+            </a:r>
+          </a:p>
+          <a:p>
+            <a:pPr marL="0" indent="0">
+              <a:buFont typeface="Arial" charset="0"/>
+              <a:buNone/>
+            </a:pPr>
+            <a:endParaRPr lang="en-US" dirty="0"/>
+          </a:p>
+          <a:p>
+            <a:pPr lvl="1"/>
+            <a:endParaRPr lang="en-US" dirty="0"/>
+          </a:p>
+          <a:p>
+            <a:pPr marL="684212" lvl="2" indent="0">
+              <a:buFont typeface="Arial" charset="0"/>
+              <a:buNone/>
+            </a:pPr>
+            <a:endParaRPr lang="en-US" dirty="0"/>
+          </a:p>
+        </p:txBody>
+      </p:sp>
+    </p:spTree>
+    <p:extLst>
+      <p:ext uri="{BB962C8B-B14F-4D97-AF65-F5344CB8AC3E}">
+        <p14:creationId xmlns:p14="http://schemas.microsoft.com/office/powerpoint/2010/main" val="4067883223"/>
+      </p:ext>
+    </p:extLst>
+  </p:cSld>
+  <p:clrMapOvr>
+    <a:masterClrMapping/>
+  </p:clrMapOvr>
+  <mc:AlternateContent xmlns:mc="http://schemas.openxmlformats.org/markup-compatibility/2006" xmlns:p14="http://schemas.microsoft.com/office/powerpoint/2010/main">
+    <mc:Choice Requires="p14">
+      <p:transition p14:dur="250">
+        <p:fade/>
+      </p:transition>
+    </mc:Choice>
+    <mc:Fallback xmlns="">
+      <p:transition>
+        <p:fade/>
+      </p:transition>
+    </mc:Fallback>
+  </mc:AlternateContent>
+</p:sld>
+</file>
+
+<file path=ppt/slides/slide40.xml><?xml version="1.0" encoding="utf-8"?>
 <p:sld xmlns:a="http://schemas.openxmlformats.org/drawingml/2006/main" xmlns:r="http://schemas.openxmlformats.org/officeDocument/2006/relationships" xmlns:p="http://schemas.openxmlformats.org/presentationml/2006/main">
   <p:cSld>
     <p:spTree>
@@ -26304,7 +27034,166 @@
 </p:sld>
 </file>
 
-<file path=ppt/slides/slide4.xml><?xml version="1.0" encoding="utf-8"?>
+<file path=ppt/slides/slide41.xml><?xml version="1.0" encoding="utf-8"?>
+<p:sld xmlns:a="http://schemas.openxmlformats.org/drawingml/2006/main" xmlns:r="http://schemas.openxmlformats.org/officeDocument/2006/relationships" xmlns:p="http://schemas.openxmlformats.org/presentationml/2006/main">
+  <p:cSld>
+    <p:spTree>
+      <p:nvGrpSpPr>
+        <p:cNvPr id="1" name=""/>
+        <p:cNvGrpSpPr/>
+        <p:nvPr/>
+      </p:nvGrpSpPr>
+      <p:grpSpPr>
+        <a:xfrm>
+          <a:off x="0" y="0"/>
+          <a:ext cx="0" cy="0"/>
+          <a:chOff x="0" y="0"/>
+          <a:chExt cx="0" cy="0"/>
+        </a:xfrm>
+      </p:grpSpPr>
+      <p:sp>
+        <p:nvSpPr>
+          <p:cNvPr id="3" name="Title 2">
+            <a:extLst>
+              <a:ext uri="{FF2B5EF4-FFF2-40B4-BE49-F238E27FC236}">
+                <a16:creationId xmlns:a16="http://schemas.microsoft.com/office/drawing/2014/main" id="{54026D64-CF81-4590-8E7D-51586DE803B8}"/>
+              </a:ext>
+            </a:extLst>
+          </p:cNvPr>
+          <p:cNvSpPr>
+            <a:spLocks noGrp="1"/>
+          </p:cNvSpPr>
+          <p:nvPr>
+            <p:ph type="title"/>
+          </p:nvPr>
+        </p:nvSpPr>
+        <p:spPr>
+          <a:xfrm>
+            <a:off x="365760" y="411480"/>
+            <a:ext cx="11372473" cy="914400"/>
+          </a:xfrm>
+        </p:spPr>
+        <p:txBody>
+          <a:bodyPr/>
+          <a:lstStyle/>
+          <a:p>
+            <a:r>
+              <a:rPr lang="en-US"/>
+              <a:t>To Have a Good </a:t>
+            </a:r>
+            <a:r>
+              <a:rPr lang="en-US" dirty="0"/>
+              <a:t>O</a:t>
+            </a:r>
+            <a:r>
+              <a:rPr lang="en-US"/>
+              <a:t>utcome from Refactoring</a:t>
+            </a:r>
+            <a:endParaRPr lang="en-US" dirty="0"/>
+          </a:p>
+        </p:txBody>
+      </p:sp>
+      <p:sp>
+        <p:nvSpPr>
+          <p:cNvPr id="4" name="Content Placeholder 3">
+            <a:extLst>
+              <a:ext uri="{FF2B5EF4-FFF2-40B4-BE49-F238E27FC236}">
+                <a16:creationId xmlns:a16="http://schemas.microsoft.com/office/drawing/2014/main" id="{F0098609-3DB0-410A-ACC1-6699EBD68CF4}"/>
+              </a:ext>
+            </a:extLst>
+          </p:cNvPr>
+          <p:cNvSpPr>
+            <a:spLocks noGrp="1"/>
+          </p:cNvSpPr>
+          <p:nvPr>
+            <p:ph idx="1"/>
+          </p:nvPr>
+        </p:nvSpPr>
+        <p:spPr>
+          <a:xfrm>
+            <a:off x="365760" y="1737360"/>
+            <a:ext cx="11369809" cy="4047778"/>
+          </a:xfrm>
+        </p:spPr>
+        <p:txBody>
+          <a:bodyPr/>
+          <a:lstStyle/>
+          <a:p>
+            <a:pPr marL="457200" indent="-457200">
+              <a:buFont typeface="+mj-lt"/>
+              <a:buAutoNum type="arabicPeriod"/>
+            </a:pPr>
+            <a:r>
+              <a:rPr lang="en-US" dirty="0"/>
+              <a:t>Know why</a:t>
+            </a:r>
+          </a:p>
+          <a:p>
+            <a:pPr marL="457200" indent="-457200">
+              <a:buFont typeface="+mj-lt"/>
+              <a:buAutoNum type="arabicPeriod"/>
+            </a:pPr>
+            <a:r>
+              <a:rPr lang="en-US" dirty="0"/>
+              <a:t>Know how much</a:t>
+            </a:r>
+          </a:p>
+          <a:p>
+            <a:pPr marL="457200" indent="-457200">
+              <a:buFont typeface="+mj-lt"/>
+              <a:buAutoNum type="arabicPeriod"/>
+            </a:pPr>
+            <a:r>
+              <a:rPr lang="en-US" dirty="0"/>
+              <a:t>Know the cost</a:t>
+            </a:r>
+          </a:p>
+          <a:p>
+            <a:pPr marL="457200" indent="-457200">
+              <a:buFont typeface="+mj-lt"/>
+              <a:buAutoNum type="arabicPeriod"/>
+            </a:pPr>
+            <a:r>
+              <a:rPr lang="en-US" dirty="0"/>
+              <a:t>Plan</a:t>
+            </a:r>
+          </a:p>
+          <a:p>
+            <a:pPr marL="457200" indent="-457200">
+              <a:buFont typeface="+mj-lt"/>
+              <a:buAutoNum type="arabicPeriod"/>
+            </a:pPr>
+            <a:r>
+              <a:rPr lang="en-US" dirty="0"/>
+              <a:t>Have strong testing and verification</a:t>
+            </a:r>
+          </a:p>
+          <a:p>
+            <a:pPr marL="457200" indent="-457200">
+              <a:buFont typeface="+mj-lt"/>
+              <a:buAutoNum type="arabicPeriod"/>
+            </a:pPr>
+            <a:r>
+              <a:rPr lang="en-US" dirty="0"/>
+              <a:t>Get buy-in from stakeholders</a:t>
+            </a:r>
+          </a:p>
+        </p:txBody>
+      </p:sp>
+    </p:spTree>
+    <p:extLst>
+      <p:ext uri="{BB962C8B-B14F-4D97-AF65-F5344CB8AC3E}">
+        <p14:creationId xmlns:p14="http://schemas.microsoft.com/office/powerpoint/2010/main" val="2352381746"/>
+      </p:ext>
+    </p:extLst>
+  </p:cSld>
+  <p:clrMapOvr>
+    <a:masterClrMapping/>
+  </p:clrMapOvr>
+</p:sld>
+</file>
+
+<file path=ppt/slides/slide5.xml><?xml version="1.0" encoding="utf-8"?>
 <p:sld xmlns:a="http://schemas.openxmlformats.org/drawingml/2006/main" xmlns:r="http://schemas.openxmlformats.org/officeDocument/2006/relationships" xmlns:p="http://schemas.openxmlformats.org/presentationml/2006/main">
   <p:cSld>
     <p:spTree>
@@ -27016,166 +27905,7 @@
 </p:sld>
 </file>
 
-<file path=ppt/slides/slide40.xml><?xml version="1.0" encoding="utf-8"?>
-<p:sld xmlns:a="http://schemas.openxmlformats.org/drawingml/2006/main" xmlns:r="http://schemas.openxmlformats.org/officeDocument/2006/relationships" xmlns:p="http://schemas.openxmlformats.org/presentationml/2006/main">
-  <p:cSld>
-    <p:spTree>
-      <p:nvGrpSpPr>
-        <p:cNvPr id="1" name=""/>
-        <p:cNvGrpSpPr/>
-        <p:nvPr/>
-      </p:nvGrpSpPr>
-      <p:grpSpPr>
-        <a:xfrm>
-          <a:off x="0" y="0"/>
-          <a:ext cx="0" cy="0"/>
-          <a:chOff x="0" y="0"/>
-          <a:chExt cx="0" cy="0"/>
-        </a:xfrm>
-      </p:grpSpPr>
-      <p:sp>
-        <p:nvSpPr>
-          <p:cNvPr id="3" name="Title 2">
-            <a:extLst>
-              <a:ext uri="{FF2B5EF4-FFF2-40B4-BE49-F238E27FC236}">
-                <a16:creationId xmlns:a16="http://schemas.microsoft.com/office/drawing/2014/main" id="{54026D64-CF81-4590-8E7D-51586DE803B8}"/>
-              </a:ext>
-            </a:extLst>
-          </p:cNvPr>
-          <p:cNvSpPr>
-            <a:spLocks noGrp="1"/>
-          </p:cNvSpPr>
-          <p:nvPr>
-            <p:ph type="title"/>
-          </p:nvPr>
-        </p:nvSpPr>
-        <p:spPr>
-          <a:xfrm>
-            <a:off x="365760" y="411480"/>
-            <a:ext cx="11372473" cy="914400"/>
-          </a:xfrm>
-        </p:spPr>
-        <p:txBody>
-          <a:bodyPr/>
-          <a:lstStyle/>
-          <a:p>
-            <a:r>
-              <a:rPr lang="en-US"/>
-              <a:t>To Have a Good </a:t>
-            </a:r>
-            <a:r>
-              <a:rPr lang="en-US" dirty="0"/>
-              <a:t>O</a:t>
-            </a:r>
-            <a:r>
-              <a:rPr lang="en-US"/>
-              <a:t>utcome from Refactoring</a:t>
-            </a:r>
-            <a:endParaRPr lang="en-US" dirty="0"/>
-          </a:p>
-        </p:txBody>
-      </p:sp>
-      <p:sp>
-        <p:nvSpPr>
-          <p:cNvPr id="4" name="Content Placeholder 3">
-            <a:extLst>
-              <a:ext uri="{FF2B5EF4-FFF2-40B4-BE49-F238E27FC236}">
-                <a16:creationId xmlns:a16="http://schemas.microsoft.com/office/drawing/2014/main" id="{F0098609-3DB0-410A-ACC1-6699EBD68CF4}"/>
-              </a:ext>
-            </a:extLst>
-          </p:cNvPr>
-          <p:cNvSpPr>
-            <a:spLocks noGrp="1"/>
-          </p:cNvSpPr>
-          <p:nvPr>
-            <p:ph idx="1"/>
-          </p:nvPr>
-        </p:nvSpPr>
-        <p:spPr>
-          <a:xfrm>
-            <a:off x="365760" y="1737360"/>
-            <a:ext cx="11369809" cy="4047778"/>
-          </a:xfrm>
-        </p:spPr>
-        <p:txBody>
-          <a:bodyPr/>
-          <a:lstStyle/>
-          <a:p>
-            <a:pPr marL="457200" indent="-457200">
-              <a:buFont typeface="+mj-lt"/>
-              <a:buAutoNum type="arabicPeriod"/>
-            </a:pPr>
-            <a:r>
-              <a:rPr lang="en-US" dirty="0"/>
-              <a:t>Know why</a:t>
-            </a:r>
-          </a:p>
-          <a:p>
-            <a:pPr marL="457200" indent="-457200">
-              <a:buFont typeface="+mj-lt"/>
-              <a:buAutoNum type="arabicPeriod"/>
-            </a:pPr>
-            <a:r>
-              <a:rPr lang="en-US" dirty="0"/>
-              <a:t>Know how much</a:t>
-            </a:r>
-          </a:p>
-          <a:p>
-            <a:pPr marL="457200" indent="-457200">
-              <a:buFont typeface="+mj-lt"/>
-              <a:buAutoNum type="arabicPeriod"/>
-            </a:pPr>
-            <a:r>
-              <a:rPr lang="en-US" dirty="0"/>
-              <a:t>Know the cost</a:t>
-            </a:r>
-          </a:p>
-          <a:p>
-            <a:pPr marL="457200" indent="-457200">
-              <a:buFont typeface="+mj-lt"/>
-              <a:buAutoNum type="arabicPeriod"/>
-            </a:pPr>
-            <a:r>
-              <a:rPr lang="en-US" dirty="0"/>
-              <a:t>Plan</a:t>
-            </a:r>
-          </a:p>
-          <a:p>
-            <a:pPr marL="457200" indent="-457200">
-              <a:buFont typeface="+mj-lt"/>
-              <a:buAutoNum type="arabicPeriod"/>
-            </a:pPr>
-            <a:r>
-              <a:rPr lang="en-US" dirty="0"/>
-              <a:t>Have strong testing and verification</a:t>
-            </a:r>
-          </a:p>
-          <a:p>
-            <a:pPr marL="457200" indent="-457200">
-              <a:buFont typeface="+mj-lt"/>
-              <a:buAutoNum type="arabicPeriod"/>
-            </a:pPr>
-            <a:r>
-              <a:rPr lang="en-US" dirty="0"/>
-              <a:t>Get buy-in from stakeholders</a:t>
-            </a:r>
-          </a:p>
-        </p:txBody>
-      </p:sp>
-    </p:spTree>
-    <p:extLst>
-      <p:ext uri="{BB962C8B-B14F-4D97-AF65-F5344CB8AC3E}">
-        <p14:creationId xmlns:p14="http://schemas.microsoft.com/office/powerpoint/2010/main" val="2352381746"/>
-      </p:ext>
-    </p:extLst>
-  </p:cSld>
-  <p:clrMapOvr>
-    <a:masterClrMapping/>
-  </p:clrMapOvr>
-</p:sld>
-</file>
-
-<file path=ppt/slides/slide5.xml><?xml version="1.0" encoding="utf-8"?>
+<file path=ppt/slides/slide6.xml><?xml version="1.0" encoding="utf-8"?>
 <p:sld xmlns:a="http://schemas.openxmlformats.org/drawingml/2006/main" xmlns:r="http://schemas.openxmlformats.org/officeDocument/2006/relationships" xmlns:p="http://schemas.openxmlformats.org/presentationml/2006/main">
   <p:cSld>
     <p:spTree>
@@ -28120,7 +28850,7 @@
 </p:sld>
 </file>
 
-<file path=ppt/slides/slide6.xml><?xml version="1.0" encoding="utf-8"?>
+<file path=ppt/slides/slide7.xml><?xml version="1.0" encoding="utf-8"?>
 <p:sld xmlns:a="http://schemas.openxmlformats.org/drawingml/2006/main" xmlns:r="http://schemas.openxmlformats.org/officeDocument/2006/relationships" xmlns:p="http://schemas.openxmlformats.org/presentationml/2006/main">
   <p:cSld>
     <p:spTree>
@@ -29401,7 +30131,7 @@
 </p:sld>
 </file>
 
-<file path=ppt/slides/slide7.xml><?xml version="1.0" encoding="utf-8"?>
+<file path=ppt/slides/slide8.xml><?xml version="1.0" encoding="utf-8"?>
 <p:sld xmlns:a="http://schemas.openxmlformats.org/drawingml/2006/main" xmlns:r="http://schemas.openxmlformats.org/officeDocument/2006/relationships" xmlns:p="http://schemas.openxmlformats.org/presentationml/2006/main">
   <p:cSld>
     <p:spTree>
@@ -30742,7 +31472,7 @@
 </p:sld>
 </file>
 
-<file path=ppt/slides/slide8.xml><?xml version="1.0" encoding="utf-8"?>
+<file path=ppt/slides/slide9.xml><?xml version="1.0" encoding="utf-8"?>
 <p:sld xmlns:a="http://schemas.openxmlformats.org/drawingml/2006/main" xmlns:r="http://schemas.openxmlformats.org/officeDocument/2006/relationships" xmlns:p="http://schemas.openxmlformats.org/presentationml/2006/main">
   <p:cSld>
     <p:spTree>
@@ -31083,398 +31813,6 @@
   <p:clrMapOvr>
     <a:masterClrMapping/>
   </p:clrMapOvr>
-</p:sld>
-</file>
-
-<file path=ppt/slides/slide9.xml><?xml version="1.0" encoding="utf-8"?>
-<p:sld xmlns:a="http://schemas.openxmlformats.org/drawingml/2006/main" xmlns:r="http://schemas.openxmlformats.org/officeDocument/2006/relationships" xmlns:p="http://schemas.openxmlformats.org/presentationml/2006/main">
-  <p:cSld>
-    <p:spTree>
-      <p:nvGrpSpPr>
-        <p:cNvPr id="1" name=""/>
-        <p:cNvGrpSpPr/>
-        <p:nvPr/>
-      </p:nvGrpSpPr>
-      <p:grpSpPr>
-        <a:xfrm>
-          <a:off x="0" y="0"/>
-          <a:ext cx="0" cy="0"/>
-          <a:chOff x="0" y="0"/>
-          <a:chExt cx="0" cy="0"/>
-        </a:xfrm>
-      </p:grpSpPr>
-      <p:sp>
-        <p:nvSpPr>
-          <p:cNvPr id="3" name="Content Placeholder 2"/>
-          <p:cNvSpPr>
-            <a:spLocks noGrp="1"/>
-          </p:cNvSpPr>
-          <p:nvPr>
-            <p:ph idx="1"/>
-          </p:nvPr>
-        </p:nvSpPr>
-        <p:spPr>
-          <a:xfrm>
-            <a:off x="609442" y="1309227"/>
-            <a:ext cx="11160961" cy="4422776"/>
-          </a:xfrm>
-        </p:spPr>
-        <p:txBody>
-          <a:bodyPr/>
-          <a:lstStyle/>
-          <a:p>
-            <a:r>
-              <a:rPr lang="en-US" dirty="0"/>
-              <a:t>Know why you are refactoring</a:t>
-            </a:r>
-          </a:p>
-          <a:p>
-            <a:pPr lvl="1"/>
-            <a:r>
-              <a:rPr lang="en-US" dirty="0"/>
-              <a:t>Is it necessary </a:t>
-            </a:r>
-          </a:p>
-          <a:p>
-            <a:pPr lvl="1"/>
-            <a:r>
-              <a:rPr lang="en-US" dirty="0"/>
-              <a:t>Where should the code be after refactoring</a:t>
-            </a:r>
-          </a:p>
-          <a:p>
-            <a:pPr lvl="2"/>
-            <a:endParaRPr lang="en-US" dirty="0"/>
-          </a:p>
-        </p:txBody>
-      </p:sp>
-      <p:sp>
-        <p:nvSpPr>
-          <p:cNvPr id="2" name="Title 1"/>
-          <p:cNvSpPr>
-            <a:spLocks noGrp="1"/>
-          </p:cNvSpPr>
-          <p:nvPr>
-            <p:ph type="title"/>
-          </p:nvPr>
-        </p:nvSpPr>
-        <p:spPr/>
-        <p:txBody>
-          <a:bodyPr/>
-          <a:lstStyle/>
-          <a:p>
-            <a:r>
-              <a:rPr lang="en-US" dirty="0"/>
-              <a:t>Considerations for Refactoring</a:t>
-            </a:r>
-          </a:p>
-        </p:txBody>
-      </p:sp>
-      <p:sp>
-        <p:nvSpPr>
-          <p:cNvPr id="16" name="Content Placeholder 2">
-            <a:extLst>
-              <a:ext uri="{FF2B5EF4-FFF2-40B4-BE49-F238E27FC236}">
-                <a16:creationId xmlns:a16="http://schemas.microsoft.com/office/drawing/2014/main" id="{FFC7FCAD-8E94-314F-B0F0-99AD91CFCBE4}"/>
-              </a:ext>
-            </a:extLst>
-          </p:cNvPr>
-          <p:cNvSpPr txBox="1">
-            <a:spLocks/>
-          </p:cNvSpPr>
-          <p:nvPr/>
-        </p:nvSpPr>
-        <p:spPr bwMode="auto">
-          <a:xfrm>
-            <a:off x="703690" y="2559949"/>
-            <a:ext cx="7886517" cy="3016603"/>
-          </a:xfrm>
-          <a:prstGeom prst="rect">
-            <a:avLst/>
-          </a:prstGeom>
-          <a:noFill/>
-          <a:ln w="9525">
-            <a:noFill/>
-            <a:miter lim="800000"/>
-            <a:headEnd/>
-            <a:tailEnd/>
-          </a:ln>
-        </p:spPr>
-        <p:txBody>
-          <a:bodyPr vert="horz" wrap="square" lIns="91440" tIns="45720" rIns="91440" bIns="45720" numCol="1" anchor="t" anchorCtr="0" compatLnSpc="1">
-            <a:prstTxWarp prst="textNoShape">
-              <a:avLst/>
-            </a:prstTxWarp>
-            <a:normAutofit fontScale="92500" lnSpcReduction="10000"/>
-          </a:bodyPr>
-          <a:lstStyle>
-            <a:lvl1pPr marL="230188" indent="-230188" algn="l" rtl="0" eaLnBrk="1" fontAlgn="base" hangingPunct="1">
-              <a:lnSpc>
-                <a:spcPct val="90000"/>
-              </a:lnSpc>
-              <a:spcBef>
-                <a:spcPts val="1400"/>
-              </a:spcBef>
-              <a:spcAft>
-                <a:spcPct val="0"/>
-              </a:spcAft>
-              <a:buClr>
-                <a:schemeClr val="tx1"/>
-              </a:buClr>
-              <a:buFont typeface="Arial" charset="0"/>
-              <a:buChar char="•"/>
-              <a:defRPr sz="2400" kern="1200" baseline="0">
-                <a:solidFill>
-                  <a:schemeClr val="tx1"/>
-                </a:solidFill>
-                <a:latin typeface="+mn-lt"/>
-                <a:ea typeface="+mn-ea"/>
-                <a:cs typeface="+mn-cs"/>
-              </a:defRPr>
-            </a:lvl1pPr>
-            <a:lvl2pPr marL="625475" indent="-279400" algn="l" rtl="0" eaLnBrk="1" fontAlgn="base" hangingPunct="1">
-              <a:lnSpc>
-                <a:spcPct val="90000"/>
-              </a:lnSpc>
-              <a:spcBef>
-                <a:spcPts val="800"/>
-              </a:spcBef>
-              <a:spcAft>
-                <a:spcPct val="0"/>
-              </a:spcAft>
-              <a:buClr>
-                <a:schemeClr val="tx1"/>
-              </a:buClr>
-              <a:buFont typeface="Arial" charset="0"/>
-              <a:buChar char="–"/>
-              <a:defRPr sz="2000" kern="1200">
-                <a:solidFill>
-                  <a:schemeClr val="tx1"/>
-                </a:solidFill>
-                <a:latin typeface="+mn-lt"/>
-                <a:ea typeface="+mn-ea"/>
-                <a:cs typeface="+mn-cs"/>
-              </a:defRPr>
-            </a:lvl2pPr>
-            <a:lvl3pPr marL="914400" indent="-230188" algn="l" rtl="0" eaLnBrk="1" fontAlgn="base" hangingPunct="1">
-              <a:lnSpc>
-                <a:spcPct val="90000"/>
-              </a:lnSpc>
-              <a:spcBef>
-                <a:spcPts val="800"/>
-              </a:spcBef>
-              <a:spcAft>
-                <a:spcPct val="0"/>
-              </a:spcAft>
-              <a:buClr>
-                <a:schemeClr val="tx1"/>
-              </a:buClr>
-              <a:buFont typeface="Arial" charset="0"/>
-              <a:buChar char="•"/>
-              <a:defRPr sz="1800" kern="1200">
-                <a:solidFill>
-                  <a:schemeClr val="tx1"/>
-                </a:solidFill>
-                <a:latin typeface="+mn-lt"/>
-                <a:ea typeface="+mn-ea"/>
-                <a:cs typeface="+mn-cs"/>
-              </a:defRPr>
-            </a:lvl3pPr>
-            <a:lvl4pPr marL="1144588" indent="-173038" algn="l" rtl="0" eaLnBrk="1" fontAlgn="base" hangingPunct="1">
-              <a:lnSpc>
-                <a:spcPct val="90000"/>
-              </a:lnSpc>
-              <a:spcBef>
-                <a:spcPts val="800"/>
-              </a:spcBef>
-              <a:spcAft>
-                <a:spcPct val="0"/>
-              </a:spcAft>
-              <a:buClr>
-                <a:schemeClr val="tx1"/>
-              </a:buClr>
-              <a:buFont typeface="Arial" charset="0"/>
-              <a:buChar char="–"/>
-              <a:defRPr sz="1600" kern="1200">
-                <a:solidFill>
-                  <a:schemeClr val="tx1"/>
-                </a:solidFill>
-                <a:latin typeface="+mn-lt"/>
-                <a:ea typeface="+mn-ea"/>
-                <a:cs typeface="+mn-cs"/>
-              </a:defRPr>
-            </a:lvl4pPr>
-            <a:lvl5pPr marL="1482725" indent="-222250" algn="l" rtl="0" eaLnBrk="1" fontAlgn="base" hangingPunct="1">
-              <a:lnSpc>
-                <a:spcPct val="90000"/>
-              </a:lnSpc>
-              <a:spcBef>
-                <a:spcPts val="600"/>
-              </a:spcBef>
-              <a:spcAft>
-                <a:spcPct val="0"/>
-              </a:spcAft>
-              <a:buClr>
-                <a:schemeClr val="tx1"/>
-              </a:buClr>
-              <a:buFont typeface="Arial" charset="0"/>
-              <a:buChar char="»"/>
-              <a:defRPr sz="1600" kern="1200">
-                <a:solidFill>
-                  <a:schemeClr val="tx1"/>
-                </a:solidFill>
-                <a:latin typeface="+mn-lt"/>
-                <a:ea typeface="+mn-ea"/>
-                <a:cs typeface="+mn-cs"/>
-              </a:defRPr>
-            </a:lvl5pPr>
-            <a:lvl6pPr marL="2514600" indent="-228600" algn="l" defTabSz="914400" rtl="0" eaLnBrk="1" latinLnBrk="0" hangingPunct="1">
-              <a:spcBef>
-                <a:spcPct val="20000"/>
-              </a:spcBef>
-              <a:buFont typeface="Arial" pitchFamily="34" charset="0"/>
-              <a:buChar char="•"/>
-              <a:defRPr sz="2000" kern="1200">
-                <a:solidFill>
-                  <a:schemeClr val="tx1"/>
-                </a:solidFill>
-                <a:latin typeface="+mn-lt"/>
-                <a:ea typeface="+mn-ea"/>
-                <a:cs typeface="+mn-cs"/>
-              </a:defRPr>
-            </a:lvl6pPr>
-            <a:lvl7pPr marL="2971800" indent="-228600" algn="l" defTabSz="914400" rtl="0" eaLnBrk="1" latinLnBrk="0" hangingPunct="1">
-              <a:spcBef>
-                <a:spcPct val="20000"/>
-              </a:spcBef>
-              <a:buFont typeface="Arial" pitchFamily="34" charset="0"/>
-              <a:buChar char="•"/>
-              <a:defRPr sz="2000" kern="1200">
-                <a:solidFill>
-                  <a:schemeClr val="tx1"/>
-                </a:solidFill>
-                <a:latin typeface="+mn-lt"/>
-                <a:ea typeface="+mn-ea"/>
-                <a:cs typeface="+mn-cs"/>
-              </a:defRPr>
-            </a:lvl7pPr>
-            <a:lvl8pPr marL="3429000" indent="-228600" algn="l" defTabSz="914400" rtl="0" eaLnBrk="1" latinLnBrk="0" hangingPunct="1">
-              <a:spcBef>
-                <a:spcPct val="20000"/>
-              </a:spcBef>
-              <a:buFont typeface="Arial" pitchFamily="34" charset="0"/>
-              <a:buChar char="•"/>
-              <a:defRPr sz="2000" kern="1200">
-                <a:solidFill>
-                  <a:schemeClr val="tx1"/>
-                </a:solidFill>
-                <a:latin typeface="+mn-lt"/>
-                <a:ea typeface="+mn-ea"/>
-                <a:cs typeface="+mn-cs"/>
-              </a:defRPr>
-            </a:lvl8pPr>
-            <a:lvl9pPr marL="3886200" indent="-228600" algn="l" defTabSz="914400" rtl="0" eaLnBrk="1" latinLnBrk="0" hangingPunct="1">
-              <a:spcBef>
-                <a:spcPct val="20000"/>
-              </a:spcBef>
-              <a:buFont typeface="Arial" pitchFamily="34" charset="0"/>
-              <a:buChar char="•"/>
-              <a:defRPr sz="2000" kern="1200">
-                <a:solidFill>
-                  <a:schemeClr val="tx1"/>
-                </a:solidFill>
-                <a:latin typeface="+mn-lt"/>
-                <a:ea typeface="+mn-ea"/>
-                <a:cs typeface="+mn-cs"/>
-              </a:defRPr>
-            </a:lvl9pPr>
-          </a:lstStyle>
-          <a:p>
-            <a:r>
-              <a:rPr lang="en-US" dirty="0"/>
-              <a:t>In heat example version 1</a:t>
-            </a:r>
-          </a:p>
-          <a:p>
-            <a:pPr lvl="1"/>
-            <a:r>
-              <a:rPr lang="en-US" dirty="0"/>
-              <a:t>It is necessary because</a:t>
-            </a:r>
-          </a:p>
-          <a:p>
-            <a:pPr lvl="2"/>
-            <a:r>
-              <a:rPr lang="en-US" dirty="0"/>
-              <a:t>It is a monolithic code</a:t>
-            </a:r>
-          </a:p>
-          <a:p>
-            <a:pPr lvl="2"/>
-            <a:r>
-              <a:rPr lang="en-US" dirty="0"/>
-              <a:t>No reusability of any part of the code</a:t>
-            </a:r>
-          </a:p>
-          <a:p>
-            <a:pPr lvl="2"/>
-            <a:r>
-              <a:rPr lang="en-US" dirty="0"/>
-              <a:t>Devising tests is hard</a:t>
-            </a:r>
-          </a:p>
-          <a:p>
-            <a:pPr lvl="2"/>
-            <a:r>
-              <a:rPr lang="en-US" dirty="0"/>
-              <a:t>Limited extensibility</a:t>
-            </a:r>
-          </a:p>
-          <a:p>
-            <a:pPr lvl="1"/>
-            <a:r>
-              <a:rPr lang="en-US" dirty="0"/>
-              <a:t>Where do we want to be after refactoring</a:t>
-            </a:r>
-          </a:p>
-          <a:p>
-            <a:pPr lvl="2"/>
-            <a:r>
-              <a:rPr lang="en-US" dirty="0"/>
-              <a:t>Closer to the second version</a:t>
-            </a:r>
-          </a:p>
-          <a:p>
-            <a:pPr lvl="2"/>
-            <a:r>
-              <a:rPr lang="en-US" dirty="0"/>
-              <a:t>More modular, maintainable and extensible</a:t>
-            </a:r>
-          </a:p>
-        </p:txBody>
-      </p:sp>
-    </p:spTree>
-    <p:extLst>
-      <p:ext uri="{BB962C8B-B14F-4D97-AF65-F5344CB8AC3E}">
-        <p14:creationId xmlns:p14="http://schemas.microsoft.com/office/powerpoint/2010/main" val="513062928"/>
-      </p:ext>
-    </p:extLst>
-  </p:cSld>
-  <p:clrMapOvr>
-    <a:masterClrMapping/>
-  </p:clrMapOvr>
-  <mc:AlternateContent xmlns:mc="http://schemas.openxmlformats.org/markup-compatibility/2006" xmlns:p14="http://schemas.microsoft.com/office/powerpoint/2010/main">
-    <mc:Choice Requires="p14">
-      <p:transition p14:dur="250">
-        <p:fade/>
-      </p:transition>
-    </mc:Choice>
-    <mc:Fallback xmlns="">
-      <p:transition>
-        <p:fade/>
-      </p:transition>
-    </mc:Fallback>
-  </mc:AlternateContent>
 </p:sld>
 </file>
 
@@ -32391,21 +32729,12 @@
 </file>
 
 <file path=customXml/item1.xml><?xml version="1.0" encoding="utf-8"?>
-<?mso-contentType ?>
-<FormTemplates xmlns="http://schemas.microsoft.com/sharepoint/v3/contenttype/forms">
-  <Display>DocumentLibraryForm</Display>
-  <Edit>DocumentLibraryForm</Edit>
-  <New>DocumentLibraryForm</New>
-</FormTemplates>
-</file>
-
-<file path=customXml/item2.xml><?xml version="1.0" encoding="utf-8"?>
 <p:properties xmlns:p="http://schemas.microsoft.com/office/2006/metadata/properties" xmlns:xsi="http://www.w3.org/2001/XMLSchema-instance" xmlns:pc="http://schemas.microsoft.com/office/infopath/2007/PartnerControls">
   <documentManagement/>
 </p:properties>
 </file>
 
-<file path=customXml/item3.xml><?xml version="1.0" encoding="utf-8"?>
+<file path=customXml/item2.xml><?xml version="1.0" encoding="utf-8"?>
 <ct:contentTypeSchema xmlns:ct="http://schemas.microsoft.com/office/2006/metadata/contentType" xmlns:ma="http://schemas.microsoft.com/office/2006/metadata/properties/metaAttributes" ct:_="" ma:_="" ma:contentTypeName="Document" ma:contentTypeID="0x010100565464437F680748A68B85EB6594EA7D" ma:contentTypeVersion="0" ma:contentTypeDescription="Create a new document." ma:contentTypeScope="" ma:versionID="fe3f4dd58d5914c51cfc6deaa8ad845c">
   <xsd:schema xmlns:xsd="http://www.w3.org/2001/XMLSchema" xmlns:p="http://schemas.microsoft.com/office/2006/metadata/properties" targetNamespace="http://schemas.microsoft.com/office/2006/metadata/properties" ma:root="true" ma:fieldsID="4aeb20c0e3442673af7ee10786458764">
     <xsd:element name="properties">
@@ -32454,15 +32783,16 @@
 </ct:contentTypeSchema>
 </file>
 
-<file path=customXml/itemProps1.xml><?xml version="1.0" encoding="utf-8"?>
-<ds:datastoreItem xmlns:ds="http://schemas.openxmlformats.org/officeDocument/2006/customXml" ds:itemID="{19E20559-B232-4371-8690-E3D8007EDB82}">
-  <ds:schemaRefs>
-    <ds:schemaRef ds:uri="http://schemas.microsoft.com/sharepoint/v3/contenttype/forms"/>
-  </ds:schemaRefs>
-</ds:datastoreItem>
+<file path=customXml/item3.xml><?xml version="1.0" encoding="utf-8"?>
+<?mso-contentType ?>
+<FormTemplates xmlns="http://schemas.microsoft.com/sharepoint/v3/contenttype/forms">
+  <Display>DocumentLibraryForm</Display>
+  <Edit>DocumentLibraryForm</Edit>
+  <New>DocumentLibraryForm</New>
+</FormTemplates>
 </file>
 
-<file path=customXml/itemProps2.xml><?xml version="1.0" encoding="utf-8"?>
+<file path=customXml/itemProps1.xml><?xml version="1.0" encoding="utf-8"?>
 <ds:datastoreItem xmlns:ds="http://schemas.openxmlformats.org/officeDocument/2006/customXml" ds:itemID="{A50EC660-24D0-43A0-AE5E-E274115E726B}">
   <ds:schemaRefs>
     <ds:schemaRef ds:uri="http://purl.org/dc/elements/1.1/"/>
@@ -32477,7 +32807,7 @@
 </ds:datastoreItem>
 </file>
 
-<file path=customXml/itemProps3.xml><?xml version="1.0" encoding="utf-8"?>
+<file path=customXml/itemProps2.xml><?xml version="1.0" encoding="utf-8"?>
 <ds:datastoreItem xmlns:ds="http://schemas.openxmlformats.org/officeDocument/2006/customXml" ds:itemID="{E8DB7DEB-074E-4EE8-9B6E-FD277323109C}">
   <ds:schemaRefs>
     <ds:schemaRef ds:uri="http://schemas.microsoft.com/office/2006/metadata/contentType"/>
@@ -32490,4 +32820,12 @@
     <ds:schemaRef ds:uri="http://schemas.microsoft.com/office/internal/2005/internalDocumentation"/>
   </ds:schemaRefs>
 </ds:datastoreItem>
+</file>
+
+<file path=customXml/itemProps3.xml><?xml version="1.0" encoding="utf-8"?>
+<ds:datastoreItem xmlns:ds="http://schemas.openxmlformats.org/officeDocument/2006/customXml" ds:itemID="{19E20559-B232-4371-8690-E3D8007EDB82}">
+  <ds:schemaRefs>
+    <ds:schemaRef ds:uri="http://schemas.microsoft.com/sharepoint/v3/contenttype/forms"/>
+  </ds:schemaRefs>
+</ds:datastoreItem>
 </file>
--- a/refactoring.pptx
+++ b/refactoring.pptx
@@ -12,7 +12,7 @@
   </p:handoutMasterIdLst>
   <p:sldIdLst>
     <p:sldId id="626" r:id="rId5"/>
-    <p:sldId id="320" r:id="rId6"/>
+    <p:sldId id="660" r:id="rId6"/>
     <p:sldId id="610" r:id="rId7"/>
     <p:sldId id="625" r:id="rId8"/>
     <p:sldId id="495" r:id="rId9"/>
@@ -295,7 +295,7 @@
           <a:p>
             <a:fld id="{0B842F42-2CE9-4E35-95C1-410DC08A50B1}" type="datetimeFigureOut">
               <a:rPr lang="en-US" smtClean="0"/>
-              <a:t>8/3/2023</a:t>
+              <a:t>10/27/2023</a:t>
             </a:fld>
             <a:endParaRPr lang="en-US"/>
           </a:p>
@@ -460,7 +460,7 @@
           <a:p>
             <a:fld id="{6F282904-F315-4730-8D91-37D99E141A6F}" type="datetimeFigureOut">
               <a:rPr lang="en-US" smtClean="0"/>
-              <a:t>8/3/2023</a:t>
+              <a:t>10/27/2023</a:t>
             </a:fld>
             <a:endParaRPr lang="en-US"/>
           </a:p>
@@ -5132,7 +5132,7 @@
           <a:p>
             <a:r>
               <a:rPr lang="en-US" u="sng" dirty="0"/>
-              <a:t>Anshu Dubey</a:t>
+              <a:t>David M. Rogers</a:t>
             </a:r>
             <a:r>
               <a:rPr lang="en-US" dirty="0"/>
@@ -5140,14 +5140,14 @@
             </a:r>
             <a:r>
               <a:rPr lang="en-US" sz="2000" dirty="0"/>
-              <a:t>(she/her)</a:t>
+              <a:t>(he/him)</a:t>
             </a:r>
             <a:br>
               <a:rPr lang="en-US" sz="2000" u="sng" dirty="0"/>
             </a:br>
             <a:r>
               <a:rPr lang="en-US" sz="2000" dirty="0"/>
-              <a:t>Argonne National Laboratory</a:t>
+              <a:t>Oak Ridge National Laboratory</a:t>
             </a:r>
             <a:endParaRPr lang="en-US" sz="2800" dirty="0"/>
           </a:p>
@@ -5165,7 +5165,17 @@
                 <a:effectLst/>
                 <a:latin typeface="+mn-lt"/>
               </a:rPr>
-              <a:t>Software Productivity and Sustainability track @ Argonne Training Program on Extreme-Scale Computing summer school</a:t>
+              <a:t>Better Software for Reproducible Science tutorial</a:t>
+            </a:r>
+            <a:r>
+              <a:rPr lang="en-US" sz="2000" dirty="0">
+                <a:latin typeface="+mn-lt"/>
+              </a:rPr>
+              <a:t> </a:t>
+            </a:r>
+            <a:r>
+              <a:rPr lang="en-US" sz="2000" dirty="0"/>
+              <a:t>@ SC23</a:t>
             </a:r>
           </a:p>
           <a:p>
@@ -9579,7 +9589,7 @@
                 <a:effectLst/>
                 <a:latin typeface="+mn-lt"/>
               </a:rPr>
-              <a:t>Anshu Dubey, David E. Bernholdt, Greg Becker, and Jared O’Neal, Software Productivity and Sustainability track, in Argonne Training Program on Extreme-Scale Computing, St. Charles, Illinois, 2023. DOI: </a:t>
+              <a:t>David E. Bernholdt, Patricia A. Grubel, David M. Rogers, and Gregory R. Watson, Better Software for Reproducible Science tutorial, in The International Conference for High-Performance Computing, Networking, Storage, and Analysis (SC23), Denver, Colorado, 2023. DOI: </a:t>
             </a:r>
             <a:r>
               <a:rPr lang="en-US" sz="1600" b="0" i="0" u="none" strike="noStrike" dirty="0">
@@ -9590,7 +9600,7 @@
                 <a:latin typeface="+mn-lt"/>
                 <a:hlinkClick r:id="rId4"/>
               </a:rPr>
-              <a:t>10.6084/m9.figshare.23823822</a:t>
+              <a:t>10.6084/m9.figshare.24226105</a:t>
             </a:r>
             <a:r>
               <a:rPr lang="en-US" sz="1600" b="0" i="0" dirty="0">
@@ -9771,7 +9781,7 @@
     </p:spTree>
     <p:extLst>
       <p:ext uri="{BB962C8B-B14F-4D97-AF65-F5344CB8AC3E}">
-        <p14:creationId xmlns:p14="http://schemas.microsoft.com/office/powerpoint/2010/main" val="978726433"/>
+        <p14:creationId xmlns:p14="http://schemas.microsoft.com/office/powerpoint/2010/main" val="2109131245"/>
       </p:ext>
     </p:extLst>
   </p:cSld>
@@ -32729,12 +32739,6 @@
 </file>
 
 <file path=customXml/item1.xml><?xml version="1.0" encoding="utf-8"?>
-<p:properties xmlns:p="http://schemas.microsoft.com/office/2006/metadata/properties" xmlns:xsi="http://www.w3.org/2001/XMLSchema-instance" xmlns:pc="http://schemas.microsoft.com/office/infopath/2007/PartnerControls">
-  <documentManagement/>
-</p:properties>
-</file>
-
-<file path=customXml/item2.xml><?xml version="1.0" encoding="utf-8"?>
 <ct:contentTypeSchema xmlns:ct="http://schemas.microsoft.com/office/2006/metadata/contentType" xmlns:ma="http://schemas.microsoft.com/office/2006/metadata/properties/metaAttributes" ct:_="" ma:_="" ma:contentTypeName="Document" ma:contentTypeID="0x010100565464437F680748A68B85EB6594EA7D" ma:contentTypeVersion="0" ma:contentTypeDescription="Create a new document." ma:contentTypeScope="" ma:versionID="fe3f4dd58d5914c51cfc6deaa8ad845c">
   <xsd:schema xmlns:xsd="http://www.w3.org/2001/XMLSchema" xmlns:p="http://schemas.microsoft.com/office/2006/metadata/properties" targetNamespace="http://schemas.microsoft.com/office/2006/metadata/properties" ma:root="true" ma:fieldsID="4aeb20c0e3442673af7ee10786458764">
     <xsd:element name="properties">
@@ -32783,7 +32787,7 @@
 </ct:contentTypeSchema>
 </file>
 
-<file path=customXml/item3.xml><?xml version="1.0" encoding="utf-8"?>
+<file path=customXml/item2.xml><?xml version="1.0" encoding="utf-8"?>
 <?mso-contentType ?>
 <FormTemplates xmlns="http://schemas.microsoft.com/sharepoint/v3/contenttype/forms">
   <Display>DocumentLibraryForm</Display>
@@ -32792,22 +32796,13 @@
 </FormTemplates>
 </file>
 
-<file path=customXml/itemProps1.xml><?xml version="1.0" encoding="utf-8"?>
-<ds:datastoreItem xmlns:ds="http://schemas.openxmlformats.org/officeDocument/2006/customXml" ds:itemID="{A50EC660-24D0-43A0-AE5E-E274115E726B}">
-  <ds:schemaRefs>
-    <ds:schemaRef ds:uri="http://purl.org/dc/elements/1.1/"/>
-    <ds:schemaRef ds:uri="http://schemas.microsoft.com/office/2006/metadata/properties"/>
-    <ds:schemaRef ds:uri="http://purl.org/dc/terms/"/>
-    <ds:schemaRef ds:uri="http://schemas.openxmlformats.org/package/2006/metadata/core-properties"/>
-    <ds:schemaRef ds:uri="http://schemas.microsoft.com/office/2006/documentManagement/types"/>
-    <ds:schemaRef ds:uri="http://www.w3.org/XML/1998/namespace"/>
-    <ds:schemaRef ds:uri="http://purl.org/dc/dcmitype/"/>
-    <ds:schemaRef ds:uri="http://schemas.microsoft.com/office/infopath/2007/PartnerControls"/>
-  </ds:schemaRefs>
-</ds:datastoreItem>
+<file path=customXml/item3.xml><?xml version="1.0" encoding="utf-8"?>
+<p:properties xmlns:p="http://schemas.microsoft.com/office/2006/metadata/properties" xmlns:xsi="http://www.w3.org/2001/XMLSchema-instance" xmlns:pc="http://schemas.microsoft.com/office/infopath/2007/PartnerControls">
+  <documentManagement/>
+</p:properties>
 </file>
 
-<file path=customXml/itemProps2.xml><?xml version="1.0" encoding="utf-8"?>
+<file path=customXml/itemProps1.xml><?xml version="1.0" encoding="utf-8"?>
 <ds:datastoreItem xmlns:ds="http://schemas.openxmlformats.org/officeDocument/2006/customXml" ds:itemID="{E8DB7DEB-074E-4EE8-9B6E-FD277323109C}">
   <ds:schemaRefs>
     <ds:schemaRef ds:uri="http://schemas.microsoft.com/office/2006/metadata/contentType"/>
@@ -32822,10 +32817,25 @@
 </ds:datastoreItem>
 </file>
 
-<file path=customXml/itemProps3.xml><?xml version="1.0" encoding="utf-8"?>
+<file path=customXml/itemProps2.xml><?xml version="1.0" encoding="utf-8"?>
 <ds:datastoreItem xmlns:ds="http://schemas.openxmlformats.org/officeDocument/2006/customXml" ds:itemID="{19E20559-B232-4371-8690-E3D8007EDB82}">
   <ds:schemaRefs>
     <ds:schemaRef ds:uri="http://schemas.microsoft.com/sharepoint/v3/contenttype/forms"/>
   </ds:schemaRefs>
 </ds:datastoreItem>
+</file>
+
+<file path=customXml/itemProps3.xml><?xml version="1.0" encoding="utf-8"?>
+<ds:datastoreItem xmlns:ds="http://schemas.openxmlformats.org/officeDocument/2006/customXml" ds:itemID="{A50EC660-24D0-43A0-AE5E-E274115E726B}">
+  <ds:schemaRefs>
+    <ds:schemaRef ds:uri="http://purl.org/dc/elements/1.1/"/>
+    <ds:schemaRef ds:uri="http://schemas.microsoft.com/office/2006/metadata/properties"/>
+    <ds:schemaRef ds:uri="http://purl.org/dc/terms/"/>
+    <ds:schemaRef ds:uri="http://schemas.openxmlformats.org/package/2006/metadata/core-properties"/>
+    <ds:schemaRef ds:uri="http://schemas.microsoft.com/office/2006/documentManagement/types"/>
+    <ds:schemaRef ds:uri="http://www.w3.org/XML/1998/namespace"/>
+    <ds:schemaRef ds:uri="http://purl.org/dc/dcmitype/"/>
+    <ds:schemaRef ds:uri="http://schemas.microsoft.com/office/infopath/2007/PartnerControls"/>
+  </ds:schemaRefs>
+</ds:datastoreItem>
 </file>
--- a/refactoring.pptx
+++ b/refactoring.pptx
@@ -11,8 +11,8 @@
     <p:handoutMasterId r:id="rId47"/>
   </p:handoutMasterIdLst>
   <p:sldIdLst>
-    <p:sldId id="626" r:id="rId5"/>
-    <p:sldId id="660" r:id="rId6"/>
+    <p:sldId id="617" r:id="rId5"/>
+    <p:sldId id="320" r:id="rId6"/>
     <p:sldId id="610" r:id="rId7"/>
     <p:sldId id="625" r:id="rId8"/>
     <p:sldId id="495" r:id="rId9"/>
@@ -27,23 +27,23 @@
     <p:sldId id="633" r:id="rId18"/>
     <p:sldId id="605" r:id="rId19"/>
     <p:sldId id="624" r:id="rId20"/>
-    <p:sldId id="617" r:id="rId21"/>
+    <p:sldId id="641" r:id="rId21"/>
     <p:sldId id="618" r:id="rId22"/>
     <p:sldId id="623" r:id="rId23"/>
     <p:sldId id="651" r:id="rId24"/>
     <p:sldId id="650" r:id="rId25"/>
     <p:sldId id="619" r:id="rId26"/>
-    <p:sldId id="641" r:id="rId27"/>
+    <p:sldId id="652" r:id="rId27"/>
     <p:sldId id="644" r:id="rId28"/>
-    <p:sldId id="652" r:id="rId29"/>
+    <p:sldId id="653" r:id="rId29"/>
     <p:sldId id="643" r:id="rId30"/>
     <p:sldId id="658" r:id="rId31"/>
-    <p:sldId id="653" r:id="rId32"/>
+    <p:sldId id="659" r:id="rId32"/>
     <p:sldId id="654" r:id="rId33"/>
     <p:sldId id="655" r:id="rId34"/>
     <p:sldId id="656" r:id="rId35"/>
     <p:sldId id="266" r:id="rId36"/>
-    <p:sldId id="659" r:id="rId37"/>
+    <p:sldId id="660" r:id="rId37"/>
     <p:sldId id="629" r:id="rId38"/>
     <p:sldId id="647" r:id="rId39"/>
     <p:sldId id="648" r:id="rId40"/>
@@ -295,7 +295,7 @@
           <a:p>
             <a:fld id="{0B842F42-2CE9-4E35-95C1-410DC08A50B1}" type="datetimeFigureOut">
               <a:rPr lang="en-US" smtClean="0"/>
-              <a:t>10/27/2023</a:t>
+              <a:t>3/19/24</a:t>
             </a:fld>
             <a:endParaRPr lang="en-US"/>
           </a:p>
@@ -460,7 +460,7 @@
           <a:p>
             <a:fld id="{6F282904-F315-4730-8D91-37D99E141A6F}" type="datetimeFigureOut">
               <a:rPr lang="en-US" smtClean="0"/>
-              <a:t>10/27/2023</a:t>
+              <a:t>3/19/24</a:t>
             </a:fld>
             <a:endParaRPr lang="en-US"/>
           </a:p>
@@ -1628,17 +1628,14 @@
                 <a:spcPct val="90000"/>
               </a:lnSpc>
             </a:pPr>
-            <a:r>
-              <a:rPr lang="en-US" sz="1600" dirty="0">
-                <a:ln>
-                  <a:noFill/>
-                </a:ln>
-                <a:solidFill>
-                  <a:schemeClr val="bg1"/>
-                </a:solidFill>
-              </a:rPr>
-              <a:t>exascaleproject.org</a:t>
-            </a:r>
+            <a:endParaRPr lang="en-US" sz="1600" dirty="0">
+              <a:ln>
+                <a:noFill/>
+              </a:ln>
+              <a:solidFill>
+                <a:schemeClr val="bg1"/>
+              </a:solidFill>
+            </a:endParaRPr>
           </a:p>
         </p:txBody>
       </p:sp>
@@ -1865,7 +1862,7 @@
       </p:sp>
       <p:pic>
         <p:nvPicPr>
-          <p:cNvPr id="12" name="Picture 11"/>
+          <p:cNvPr id="16" name="Picture 15"/>
           <p:cNvPicPr>
             <a:picLocks noChangeAspect="1"/>
           </p:cNvPicPr>
@@ -1874,39 +1871,9 @@
         <p:blipFill>
           <a:blip r:embed="rId2" cstate="print">
             <a:extLst>
-              <a:ext uri="{28A0092B-C50C-407E-A947-70E740481C1C}">
-                <a14:useLocalDpi xmlns:a14="http://schemas.microsoft.com/office/drawing/2010/main" val="0"/>
-              </a:ext>
-            </a:extLst>
-          </a:blip>
-          <a:stretch>
-            <a:fillRect/>
-          </a:stretch>
-        </p:blipFill>
-        <p:spPr>
-          <a:xfrm>
-            <a:off x="360639" y="483164"/>
-            <a:ext cx="2050840" cy="935496"/>
-          </a:xfrm>
-          <a:prstGeom prst="rect">
-            <a:avLst/>
-          </a:prstGeom>
-        </p:spPr>
-      </p:pic>
-      <p:pic>
-        <p:nvPicPr>
-          <p:cNvPr id="16" name="Picture 15"/>
-          <p:cNvPicPr>
-            <a:picLocks noChangeAspect="1"/>
-          </p:cNvPicPr>
-          <p:nvPr userDrawn="1"/>
-        </p:nvPicPr>
-        <p:blipFill>
-          <a:blip r:embed="rId3" cstate="print">
-            <a:extLst>
               <a:ext uri="{BEBA8EAE-BF5A-486C-A8C5-ECC9F3942E4B}">
                 <a14:imgProps xmlns:a14="http://schemas.microsoft.com/office/drawing/2010/main">
-                  <a14:imgLayer r:embed="rId4">
+                  <a14:imgLayer r:embed="rId3">
                     <a14:imgEffect>
                       <a14:brightnessContrast bright="100000"/>
                     </a14:imgEffect>
@@ -1924,82 +1891,8 @@
         </p:blipFill>
         <p:spPr>
           <a:xfrm>
-            <a:off x="7289921" y="6322747"/>
+            <a:off x="9357260" y="6321694"/>
             <a:ext cx="2409477" cy="401008"/>
-          </a:xfrm>
-          <a:prstGeom prst="rect">
-            <a:avLst/>
-          </a:prstGeom>
-        </p:spPr>
-      </p:pic>
-      <p:pic>
-        <p:nvPicPr>
-          <p:cNvPr id="17" name="Picture 16"/>
-          <p:cNvPicPr>
-            <a:picLocks noChangeAspect="1"/>
-          </p:cNvPicPr>
-          <p:nvPr userDrawn="1"/>
-        </p:nvPicPr>
-        <p:blipFill rotWithShape="1">
-          <a:blip r:embed="rId5" cstate="print">
-            <a:extLst>
-              <a:ext uri="{BEBA8EAE-BF5A-486C-A8C5-ECC9F3942E4B}">
-                <a14:imgProps xmlns:a14="http://schemas.microsoft.com/office/drawing/2010/main">
-                  <a14:imgLayer r:embed="rId6">
-                    <a14:imgEffect>
-                      <a14:brightnessContrast bright="100000"/>
-                    </a14:imgEffect>
-                  </a14:imgLayer>
-                </a14:imgProps>
-              </a:ext>
-              <a:ext uri="{28A0092B-C50C-407E-A947-70E740481C1C}">
-                <a14:useLocalDpi xmlns:a14="http://schemas.microsoft.com/office/drawing/2010/main" val="0"/>
-              </a:ext>
-            </a:extLst>
-          </a:blip>
-          <a:srcRect b="70693"/>
-          <a:stretch/>
-        </p:blipFill>
-        <p:spPr>
-          <a:xfrm>
-            <a:off x="10204521" y="6307740"/>
-            <a:ext cx="1367541" cy="428915"/>
-          </a:xfrm>
-          <a:prstGeom prst="rect">
-            <a:avLst/>
-          </a:prstGeom>
-        </p:spPr>
-      </p:pic>
-      <p:pic>
-        <p:nvPicPr>
-          <p:cNvPr id="8" name="Picture 7" descr="A picture containing shape&#10;&#10;Description automatically generated">
-            <a:extLst>
-              <a:ext uri="{FF2B5EF4-FFF2-40B4-BE49-F238E27FC236}">
-                <a16:creationId xmlns:a16="http://schemas.microsoft.com/office/drawing/2014/main" id="{C432A180-7341-4E28-8C2B-73F9AB53D13F}"/>
-              </a:ext>
-            </a:extLst>
-          </p:cNvPr>
-          <p:cNvPicPr>
-            <a:picLocks noChangeAspect="1"/>
-          </p:cNvPicPr>
-          <p:nvPr userDrawn="1"/>
-        </p:nvPicPr>
-        <p:blipFill>
-          <a:blip r:embed="rId7">
-            <a:extLst>
-              <a:ext uri="{28A0092B-C50C-407E-A947-70E740481C1C}">
-                <a14:useLocalDpi xmlns:a14="http://schemas.microsoft.com/office/drawing/2010/main" val="0"/>
-              </a:ext>
-            </a:extLst>
-          </a:blip>
-          <a:stretch>
-            <a:fillRect/>
-          </a:stretch>
-        </p:blipFill>
-        <p:spPr>
-          <a:xfrm>
-            <a:off x="331810" y="1848659"/>
-            <a:ext cx="2108499" cy="914400"/>
           </a:xfrm>
           <a:prstGeom prst="rect">
             <a:avLst/>
@@ -2103,17 +1996,14 @@
                 <a:spcPct val="90000"/>
               </a:lnSpc>
             </a:pPr>
-            <a:r>
-              <a:rPr lang="en-US" sz="1600" dirty="0">
-                <a:ln>
-                  <a:noFill/>
-                </a:ln>
-                <a:solidFill>
-                  <a:schemeClr val="bg1"/>
-                </a:solidFill>
-              </a:rPr>
-              <a:t>exascaleproject.org</a:t>
-            </a:r>
+            <a:endParaRPr lang="en-US" sz="1600" dirty="0">
+              <a:ln>
+                <a:noFill/>
+              </a:ln>
+              <a:solidFill>
+                <a:schemeClr val="bg1"/>
+              </a:solidFill>
+            </a:endParaRPr>
           </a:p>
         </p:txBody>
       </p:sp>
@@ -2340,7 +2230,7 @@
       </p:sp>
       <p:pic>
         <p:nvPicPr>
-          <p:cNvPr id="12" name="Picture 11"/>
+          <p:cNvPr id="16" name="Picture 15"/>
           <p:cNvPicPr>
             <a:picLocks noChangeAspect="1"/>
           </p:cNvPicPr>
@@ -2349,39 +2239,9 @@
         <p:blipFill>
           <a:blip r:embed="rId2" cstate="print">
             <a:extLst>
-              <a:ext uri="{28A0092B-C50C-407E-A947-70E740481C1C}">
-                <a14:useLocalDpi xmlns:a14="http://schemas.microsoft.com/office/drawing/2010/main" val="0"/>
-              </a:ext>
-            </a:extLst>
-          </a:blip>
-          <a:stretch>
-            <a:fillRect/>
-          </a:stretch>
-        </p:blipFill>
-        <p:spPr>
-          <a:xfrm>
-            <a:off x="362749" y="483164"/>
-            <a:ext cx="2050840" cy="935496"/>
-          </a:xfrm>
-          <a:prstGeom prst="rect">
-            <a:avLst/>
-          </a:prstGeom>
-        </p:spPr>
-      </p:pic>
-      <p:pic>
-        <p:nvPicPr>
-          <p:cNvPr id="16" name="Picture 15"/>
-          <p:cNvPicPr>
-            <a:picLocks noChangeAspect="1"/>
-          </p:cNvPicPr>
-          <p:nvPr userDrawn="1"/>
-        </p:nvPicPr>
-        <p:blipFill>
-          <a:blip r:embed="rId3" cstate="print">
-            <a:extLst>
               <a:ext uri="{BEBA8EAE-BF5A-486C-A8C5-ECC9F3942E4B}">
                 <a14:imgProps xmlns:a14="http://schemas.microsoft.com/office/drawing/2010/main">
-                  <a14:imgLayer r:embed="rId4">
+                  <a14:imgLayer r:embed="rId3">
                     <a14:imgEffect>
                       <a14:brightnessContrast bright="100000"/>
                     </a14:imgEffect>
@@ -2399,82 +2259,8 @@
         </p:blipFill>
         <p:spPr>
           <a:xfrm>
-            <a:off x="7289921" y="6322747"/>
+            <a:off x="9536165" y="6321694"/>
             <a:ext cx="2409477" cy="401008"/>
-          </a:xfrm>
-          <a:prstGeom prst="rect">
-            <a:avLst/>
-          </a:prstGeom>
-        </p:spPr>
-      </p:pic>
-      <p:pic>
-        <p:nvPicPr>
-          <p:cNvPr id="17" name="Picture 16"/>
-          <p:cNvPicPr>
-            <a:picLocks noChangeAspect="1"/>
-          </p:cNvPicPr>
-          <p:nvPr userDrawn="1"/>
-        </p:nvPicPr>
-        <p:blipFill rotWithShape="1">
-          <a:blip r:embed="rId5" cstate="print">
-            <a:extLst>
-              <a:ext uri="{BEBA8EAE-BF5A-486C-A8C5-ECC9F3942E4B}">
-                <a14:imgProps xmlns:a14="http://schemas.microsoft.com/office/drawing/2010/main">
-                  <a14:imgLayer r:embed="rId6">
-                    <a14:imgEffect>
-                      <a14:brightnessContrast bright="100000"/>
-                    </a14:imgEffect>
-                  </a14:imgLayer>
-                </a14:imgProps>
-              </a:ext>
-              <a:ext uri="{28A0092B-C50C-407E-A947-70E740481C1C}">
-                <a14:useLocalDpi xmlns:a14="http://schemas.microsoft.com/office/drawing/2010/main" val="0"/>
-              </a:ext>
-            </a:extLst>
-          </a:blip>
-          <a:srcRect b="70693"/>
-          <a:stretch/>
-        </p:blipFill>
-        <p:spPr>
-          <a:xfrm>
-            <a:off x="10204521" y="6307740"/>
-            <a:ext cx="1367541" cy="428915"/>
-          </a:xfrm>
-          <a:prstGeom prst="rect">
-            <a:avLst/>
-          </a:prstGeom>
-        </p:spPr>
-      </p:pic>
-      <p:pic>
-        <p:nvPicPr>
-          <p:cNvPr id="8" name="Picture 7" descr="A picture containing shape&#10;&#10;Description automatically generated">
-            <a:extLst>
-              <a:ext uri="{FF2B5EF4-FFF2-40B4-BE49-F238E27FC236}">
-                <a16:creationId xmlns:a16="http://schemas.microsoft.com/office/drawing/2014/main" id="{C432A180-7341-4E28-8C2B-73F9AB53D13F}"/>
-              </a:ext>
-            </a:extLst>
-          </p:cNvPr>
-          <p:cNvPicPr>
-            <a:picLocks noChangeAspect="1"/>
-          </p:cNvPicPr>
-          <p:nvPr userDrawn="1"/>
-        </p:nvPicPr>
-        <p:blipFill>
-          <a:blip r:embed="rId7">
-            <a:extLst>
-              <a:ext uri="{28A0092B-C50C-407E-A947-70E740481C1C}">
-                <a14:useLocalDpi xmlns:a14="http://schemas.microsoft.com/office/drawing/2010/main" val="0"/>
-              </a:ext>
-            </a:extLst>
-          </a:blip>
-          <a:stretch>
-            <a:fillRect/>
-          </a:stretch>
-        </p:blipFill>
-        <p:spPr>
-          <a:xfrm>
-            <a:off x="333920" y="1848659"/>
-            <a:ext cx="2108499" cy="914400"/>
           </a:xfrm>
           <a:prstGeom prst="rect">
             <a:avLst/>
@@ -2496,7 +2282,7 @@
           <p:nvPr userDrawn="1"/>
         </p:nvPicPr>
         <p:blipFill>
-          <a:blip r:embed="rId8">
+          <a:blip r:embed="rId4">
             <a:extLst>
               <a:ext uri="{28A0092B-C50C-407E-A947-70E740481C1C}">
                 <a14:useLocalDpi xmlns:a14="http://schemas.microsoft.com/office/drawing/2010/main" val="0"/>
@@ -2583,7 +2369,7 @@
           <p:nvPr userDrawn="1"/>
         </p:nvPicPr>
         <p:blipFill>
-          <a:blip r:embed="rId9" cstate="print">
+          <a:blip r:embed="rId5" cstate="print">
             <a:extLst>
               <a:ext uri="{28A0092B-C50C-407E-A947-70E740481C1C}">
                 <a14:useLocalDpi xmlns:a14="http://schemas.microsoft.com/office/drawing/2010/main" val="0"/>
@@ -4274,7 +4060,7 @@
     </p:spTree>
     <p:extLst>
       <p:ext uri="{BB962C8B-B14F-4D97-AF65-F5344CB8AC3E}">
-        <p14:creationId xmlns:p14="http://schemas.microsoft.com/office/powerpoint/2010/main" val="2606223118"/>
+        <p14:creationId xmlns:p14="http://schemas.microsoft.com/office/powerpoint/2010/main" val="4020349133"/>
       </p:ext>
     </p:extLst>
   </p:cSld>
@@ -4437,36 +4223,6 @@
           </a:p>
         </p:txBody>
       </p:sp>
-      <p:pic>
-        <p:nvPicPr>
-          <p:cNvPr id="13" name="Picture 12"/>
-          <p:cNvPicPr>
-            <a:picLocks noChangeAspect="1"/>
-          </p:cNvPicPr>
-          <p:nvPr userDrawn="1"/>
-        </p:nvPicPr>
-        <p:blipFill>
-          <a:blip r:embed="rId10" cstate="print">
-            <a:extLst>
-              <a:ext uri="{28A0092B-C50C-407E-A947-70E740481C1C}">
-                <a14:useLocalDpi xmlns:a14="http://schemas.microsoft.com/office/drawing/2010/main" val="0"/>
-              </a:ext>
-            </a:extLst>
-          </a:blip>
-          <a:stretch>
-            <a:fillRect/>
-          </a:stretch>
-        </p:blipFill>
-        <p:spPr>
-          <a:xfrm>
-            <a:off x="9741160" y="6185919"/>
-            <a:ext cx="1971212" cy="533060"/>
-          </a:xfrm>
-          <a:prstGeom prst="rect">
-            <a:avLst/>
-          </a:prstGeom>
-        </p:spPr>
-      </p:pic>
       <p:sp>
         <p:nvSpPr>
           <p:cNvPr id="8" name="Rectangle 256"/>
@@ -4570,42 +4326,6 @@
           </a:p>
         </p:txBody>
       </p:sp>
-      <p:pic>
-        <p:nvPicPr>
-          <p:cNvPr id="3" name="Picture 2" descr="A picture containing shape&#10;&#10;Description automatically generated">
-            <a:extLst>
-              <a:ext uri="{FF2B5EF4-FFF2-40B4-BE49-F238E27FC236}">
-                <a16:creationId xmlns:a16="http://schemas.microsoft.com/office/drawing/2014/main" id="{2A4943B8-0F89-4A94-B130-A128F45E57C4}"/>
-              </a:ext>
-            </a:extLst>
-          </p:cNvPr>
-          <p:cNvPicPr>
-            <a:picLocks noChangeAspect="1"/>
-          </p:cNvPicPr>
-          <p:nvPr userDrawn="1"/>
-        </p:nvPicPr>
-        <p:blipFill>
-          <a:blip r:embed="rId11">
-            <a:extLst>
-              <a:ext uri="{28A0092B-C50C-407E-A947-70E740481C1C}">
-                <a14:useLocalDpi xmlns:a14="http://schemas.microsoft.com/office/drawing/2010/main" val="0"/>
-              </a:ext>
-            </a:extLst>
-          </a:blip>
-          <a:stretch>
-            <a:fillRect/>
-          </a:stretch>
-        </p:blipFill>
-        <p:spPr>
-          <a:xfrm>
-            <a:off x="7806050" y="6114121"/>
-            <a:ext cx="1560289" cy="676656"/>
-          </a:xfrm>
-          <a:prstGeom prst="rect">
-            <a:avLst/>
-          </a:prstGeom>
-        </p:spPr>
-      </p:pic>
     </p:spTree>
     <p:extLst>
       <p:ext uri="{BB962C8B-B14F-4D97-AF65-F5344CB8AC3E}">
@@ -5083,10 +4803,74 @@
       </p:grpSpPr>
       <p:sp>
         <p:nvSpPr>
-          <p:cNvPr id="4" name="Title 3">
+          <p:cNvPr id="3" name="Subtitle 2">
             <a:extLst>
               <a:ext uri="{FF2B5EF4-FFF2-40B4-BE49-F238E27FC236}">
-                <a16:creationId xmlns:a16="http://schemas.microsoft.com/office/drawing/2014/main" id="{321A77B7-F99D-49EA-A49F-D263718C48D7}"/>
+                <a16:creationId xmlns:a16="http://schemas.microsoft.com/office/drawing/2014/main" id="{115D6CAC-8B77-472D-91BE-E47FFB7E8C7A}"/>
+              </a:ext>
+            </a:extLst>
+          </p:cNvPr>
+          <p:cNvSpPr>
+            <a:spLocks noGrp="1"/>
+          </p:cNvSpPr>
+          <p:nvPr>
+            <p:ph type="subTitle" idx="1"/>
+          </p:nvPr>
+        </p:nvSpPr>
+        <p:spPr>
+          <a:xfrm>
+            <a:off x="3177632" y="1959498"/>
+            <a:ext cx="7772308" cy="2855300"/>
+          </a:xfrm>
+        </p:spPr>
+        <p:txBody>
+          <a:bodyPr/>
+          <a:lstStyle/>
+          <a:p>
+            <a:r>
+              <a:rPr lang="en-US" dirty="0"/>
+              <a:t>Anshu Dubey</a:t>
+            </a:r>
+          </a:p>
+          <a:p>
+            <a:r>
+              <a:rPr lang="en-US" b="0" i="0" dirty="0">
+                <a:solidFill>
+                  <a:srgbClr val="111111"/>
+                </a:solidFill>
+                <a:effectLst/>
+                <a:latin typeface="-apple-system"/>
+              </a:rPr>
+              <a:t>Better Scientific Software Tutorial @ ISC24</a:t>
+            </a:r>
+          </a:p>
+          <a:p>
+            <a:endParaRPr lang="en-US" dirty="0">
+              <a:solidFill>
+                <a:srgbClr val="111111"/>
+              </a:solidFill>
+              <a:latin typeface="-apple-system"/>
+            </a:endParaRPr>
+          </a:p>
+          <a:p>
+            <a:r>
+              <a:rPr lang="en-US" sz="2000" dirty="0"/>
+              <a:t>Contributors: Anshu Dubey (ANL), Mark C. Miller (LLNL), </a:t>
+            </a:r>
+            <a:r>
+              <a:rPr lang="en-US" sz="2000"/>
+              <a:t>Jared O’Neal</a:t>
+            </a:r>
+            <a:endParaRPr lang="en-US" sz="2000" dirty="0"/>
+          </a:p>
+        </p:txBody>
+      </p:sp>
+      <p:sp>
+        <p:nvSpPr>
+          <p:cNvPr id="5" name="Title 3">
+            <a:extLst>
+              <a:ext uri="{FF2B5EF4-FFF2-40B4-BE49-F238E27FC236}">
+                <a16:creationId xmlns:a16="http://schemas.microsoft.com/office/drawing/2014/main" id="{7D03A5FE-AFA2-5E74-3EC3-4FF7F3A7F3B6}"/>
               </a:ext>
             </a:extLst>
           </p:cNvPr>
@@ -5097,7 +4881,12 @@
             <p:ph type="ctrTitle"/>
           </p:nvPr>
         </p:nvSpPr>
-        <p:spPr/>
+        <p:spPr>
+          <a:xfrm>
+            <a:off x="3177633" y="503144"/>
+            <a:ext cx="8292316" cy="1030930"/>
+          </a:xfrm>
+        </p:spPr>
         <p:txBody>
           <a:bodyPr/>
           <a:lstStyle/>
@@ -5106,99 +4895,13 @@
               <a:rPr lang="en-US" dirty="0"/>
               <a:t>Refactoring Scientific Software</a:t>
             </a:r>
-          </a:p>
-        </p:txBody>
-      </p:sp>
-      <p:sp>
-        <p:nvSpPr>
-          <p:cNvPr id="5" name="Subtitle 4">
-            <a:extLst>
-              <a:ext uri="{FF2B5EF4-FFF2-40B4-BE49-F238E27FC236}">
-                <a16:creationId xmlns:a16="http://schemas.microsoft.com/office/drawing/2014/main" id="{E9C36191-4CD4-4D95-BBB8-C25F2055F697}"/>
-              </a:ext>
-            </a:extLst>
-          </p:cNvPr>
-          <p:cNvSpPr>
-            <a:spLocks noGrp="1"/>
-          </p:cNvSpPr>
-          <p:nvPr>
-            <p:ph type="subTitle" idx="1"/>
-          </p:nvPr>
-        </p:nvSpPr>
-        <p:spPr/>
-        <p:txBody>
-          <a:bodyPr/>
-          <a:lstStyle/>
-          <a:p>
-            <a:r>
-              <a:rPr lang="en-US" u="sng" dirty="0"/>
-              <a:t>David M. Rogers</a:t>
-            </a:r>
-            <a:r>
-              <a:rPr lang="en-US" dirty="0"/>
-              <a:t> </a:t>
-            </a:r>
-            <a:r>
-              <a:rPr lang="en-US" sz="2000" dirty="0"/>
-              <a:t>(he/him)</a:t>
-            </a:r>
-            <a:br>
-              <a:rPr lang="en-US" sz="2000" u="sng" dirty="0"/>
-            </a:br>
-            <a:r>
-              <a:rPr lang="en-US" sz="2000" dirty="0"/>
-              <a:t>Oak Ridge National Laboratory</a:t>
-            </a:r>
-            <a:endParaRPr lang="en-US" sz="2800" dirty="0"/>
-          </a:p>
-          <a:p>
-            <a:pPr>
-              <a:spcBef>
-                <a:spcPts val="2800"/>
-              </a:spcBef>
-            </a:pPr>
-            <a:r>
-              <a:rPr lang="en-US" sz="2000" b="0" i="0" dirty="0">
-                <a:solidFill>
-                  <a:srgbClr val="111111"/>
-                </a:solidFill>
-                <a:effectLst/>
-                <a:latin typeface="+mn-lt"/>
-              </a:rPr>
-              <a:t>Better Software for Reproducible Science tutorial</a:t>
-            </a:r>
-            <a:r>
-              <a:rPr lang="en-US" sz="2000" dirty="0">
-                <a:latin typeface="+mn-lt"/>
-              </a:rPr>
-              <a:t> </a:t>
-            </a:r>
-            <a:r>
-              <a:rPr lang="en-US" sz="2000" dirty="0"/>
-              <a:t>@ SC23</a:t>
-            </a:r>
-          </a:p>
-          <a:p>
-            <a:pPr>
-              <a:spcBef>
-                <a:spcPts val="2800"/>
-              </a:spcBef>
-            </a:pPr>
-            <a:r>
-              <a:rPr lang="en-US" sz="2000" dirty="0"/>
-              <a:t>Contributors: Anshu Dubey (ANL), Mark C. Miller (LLNL), David M. Rogers (ORNL), David E. Bernholdt (ORNL)</a:t>
-            </a:r>
-            <a:br>
-              <a:rPr lang="en-US" sz="2000" dirty="0"/>
-            </a:br>
-            <a:endParaRPr lang="en-US" sz="2000" dirty="0"/>
           </a:p>
         </p:txBody>
       </p:sp>
     </p:spTree>
     <p:extLst>
       <p:ext uri="{BB962C8B-B14F-4D97-AF65-F5344CB8AC3E}">
-        <p14:creationId xmlns:p14="http://schemas.microsoft.com/office/powerpoint/2010/main" val="4161459959"/>
+        <p14:creationId xmlns:p14="http://schemas.microsoft.com/office/powerpoint/2010/main" val="2146778437"/>
       </p:ext>
     </p:extLst>
   </p:cSld>
@@ -9528,8 +9231,8 @@
         </p:nvSpPr>
         <p:spPr>
           <a:xfrm>
-            <a:off x="409507" y="570111"/>
-            <a:ext cx="11369809" cy="4047778"/>
+            <a:off x="409507" y="879673"/>
+            <a:ext cx="11369809" cy="5293976"/>
           </a:xfrm>
         </p:spPr>
         <p:txBody>
@@ -9589,28 +9292,27 @@
                 <a:effectLst/>
                 <a:latin typeface="+mn-lt"/>
               </a:rPr>
-              <a:t>David E. Bernholdt, Patricia A. Grubel, David M. Rogers, and Gregory R. Watson, Better Software for Reproducible Science tutorial, in The International Conference for High-Performance Computing, Networking, Storage, and Analysis (SC23), Denver, Colorado, 2023. DOI: </a:t>
-            </a:r>
-            <a:r>
-              <a:rPr lang="en-US" sz="1600" b="0" i="0" u="none" strike="noStrike" dirty="0">
-                <a:solidFill>
-                  <a:srgbClr val="2A7AE2"/>
-                </a:solidFill>
-                <a:effectLst/>
-                <a:latin typeface="+mn-lt"/>
-                <a:hlinkClick r:id="rId4"/>
-              </a:rPr>
-              <a:t>10.6084/m9.figshare.24226105</a:t>
-            </a:r>
-            <a:r>
-              <a:rPr lang="en-US" sz="1600" b="0" i="0" dirty="0">
+              <a:t>Anshu Dubey, David E. </a:t>
+            </a:r>
+            <a:r>
+              <a:rPr lang="en-US" sz="1600" b="0" i="0" dirty="0" err="1">
                 <a:solidFill>
                   <a:srgbClr val="111111"/>
                 </a:solidFill>
                 <a:effectLst/>
                 <a:latin typeface="+mn-lt"/>
               </a:rPr>
-              <a:t>.</a:t>
+              <a:t>Bernholdt</a:t>
+            </a:r>
+            <a:r>
+              <a:rPr lang="en-US" sz="1600" b="0" i="0" dirty="0">
+                <a:solidFill>
+                  <a:srgbClr val="111111"/>
+                </a:solidFill>
+                <a:effectLst/>
+                <a:latin typeface="+mn-lt"/>
+              </a:rPr>
+              <a:t>, Better Scientific Software tutorial, in ISC High Performance, Hamburg, Germany and online, 2024</a:t>
             </a:r>
           </a:p>
           <a:p>
@@ -9619,32 +9321,26 @@
                 <a:spcPts val="400"/>
               </a:spcBef>
             </a:pPr>
-            <a:r>
-              <a:rPr lang="en-US" sz="1600" dirty="0"/>
-              <a:t>Individual modules may be cited as </a:t>
-            </a:r>
-            <a:r>
-              <a:rPr lang="en-US" sz="1600" i="1" dirty="0"/>
-              <a:t>Speaker, Module Title</a:t>
-            </a:r>
-            <a:r>
-              <a:rPr lang="en-US" sz="1600" dirty="0"/>
-              <a:t>, in </a:t>
-            </a:r>
-            <a:r>
-              <a:rPr lang="en-US" sz="1600" b="0" i="1" dirty="0">
-                <a:solidFill>
-                  <a:srgbClr val="111111"/>
-                </a:solidFill>
-                <a:effectLst/>
-                <a:latin typeface="+mn-lt"/>
-              </a:rPr>
-              <a:t>Tutorial Title</a:t>
-            </a:r>
-            <a:r>
-              <a:rPr lang="en-US" sz="1600" dirty="0"/>
-              <a:t>, …</a:t>
-            </a:r>
+            <a:endParaRPr lang="en-US" sz="1600" dirty="0">
+              <a:solidFill>
+                <a:srgbClr val="111111"/>
+              </a:solidFill>
+              <a:latin typeface="+mn-lt"/>
+            </a:endParaRPr>
+          </a:p>
+          <a:p>
+            <a:pPr>
+              <a:spcBef>
+                <a:spcPts val="400"/>
+              </a:spcBef>
+            </a:pPr>
+            <a:endParaRPr lang="en-US" sz="1600" b="0" i="0" dirty="0">
+              <a:solidFill>
+                <a:srgbClr val="111111"/>
+              </a:solidFill>
+              <a:effectLst/>
+              <a:latin typeface="+mn-lt"/>
+            </a:endParaRPr>
           </a:p>
           <a:p>
             <a:pPr marL="0" indent="0">
@@ -9664,14 +9360,6 @@
                 <a:spcPts val="400"/>
               </a:spcBef>
             </a:pPr>
-            <a:r>
-              <a:rPr lang="en-US" sz="1400" dirty="0"/>
-              <a:t>This work was supported by the U.S. Department of Energy Office of Science, Office of Advanced Scientific Computing Research (ASCR), and by the Exascale Computing Project (17-SC-20-SC), a collaborative effort of the U.S. Department of Energy Office of Science and the National Nuclear Security Administration</a:t>
-            </a:r>
-            <a:r>
-              <a:rPr lang="en-US" sz="1400" i="1" dirty="0"/>
-              <a:t>.</a:t>
-            </a:r>
             <a:endParaRPr lang="en-US" sz="1400" dirty="0"/>
           </a:p>
           <a:p>
@@ -9682,8 +9370,13 @@
             </a:pPr>
             <a:r>
               <a:rPr lang="en-US" sz="1400" dirty="0"/>
-              <a:t>This work was performed in part at the Argonne National Laboratory, which is managed by UChicago Argonne, LLC for the U.S. Department of Energy under Contract No. DE-AC02-06CH11357.</a:t>
-            </a:r>
+              <a:t>Material included in these presentation is derived from work supported by the U.S. Department of Energy Office of Science, Office of Advanced Scientific Computing Research (ASCR), and by the Exascale Computing Project (17-SC-20-SC), a collaborative effort of the U.S. Department of Energy Office of Science and the National Nuclear Security Administration</a:t>
+            </a:r>
+            <a:r>
+              <a:rPr lang="en-US" sz="1400" i="1" dirty="0"/>
+              <a:t>.</a:t>
+            </a:r>
+            <a:endParaRPr lang="en-US" sz="1400" dirty="0"/>
           </a:p>
           <a:p>
             <a:pPr>
@@ -9691,10 +9384,7 @@
                 <a:spcPts val="400"/>
               </a:spcBef>
             </a:pPr>
-            <a:r>
-              <a:rPr lang="en-US" sz="1400" dirty="0"/>
-              <a:t>This work was performed in part at the Lawrence Livermore National Laboratory, which is managed by Lawrence Livermore National Security, LLC for the U.S. Department of Energy under Contract No. DE-AC52-07NA27344.</a:t>
-            </a:r>
+            <a:endParaRPr lang="en-US" sz="1400" dirty="0"/>
           </a:p>
           <a:p>
             <a:pPr>
@@ -9704,7 +9394,7 @@
             </a:pPr>
             <a:r>
               <a:rPr lang="en-US" sz="1400" dirty="0"/>
-              <a:t>This work was performed in part at the Los Alamos National Laboratory, which is managed by Triad National Security, LLC for the U.S. Department of Energy under Contract No.89233218CNA000001</a:t>
+              <a:t>This work was performed in part at the Argonne National Laboratory, which is managed by UChicago Argonne, LLC for the U.S. Department of Energy under Contract No. DE-AC02-06CH11357.</a:t>
             </a:r>
           </a:p>
           <a:p>
@@ -9713,10 +9403,7 @@
                 <a:spcPts val="400"/>
               </a:spcBef>
             </a:pPr>
-            <a:r>
-              <a:rPr lang="en-US" sz="1400" dirty="0"/>
-              <a:t>This work was performed in part at the Oak Ridge National Laboratory, which is managed by UT-Battelle, LLC for the U.S. Department of Energy under Contract No. DE-AC05-00OR22725.</a:t>
-            </a:r>
+            <a:endParaRPr lang="en-US" sz="1400" dirty="0"/>
           </a:p>
           <a:p>
             <a:pPr>
@@ -9726,8 +9413,24 @@
             </a:pPr>
             <a:r>
               <a:rPr lang="en-US" sz="1400" dirty="0"/>
-              <a:t>This work was performed in part at Sandia National Laboratories. Sandia National Laboratories is a multi-mission laboratory managed and operated by National Technology and Engineering Solutions of Sandia, LLC., a wholly owned subsidiary of Honeywell International, Inc., for the U.S. Department of Energy’s National Nuclear Security Administration under contract DE-NA0003525.</a:t>
-            </a:r>
+              <a:t>This work was performed in part at the Oak Ridge National Laboratory, which is managed by UT-Battelle, LLC for the U.S. Department of Energy under Contract No. DE-AC05-00OR22725.</a:t>
+            </a:r>
+          </a:p>
+          <a:p>
+            <a:pPr>
+              <a:spcBef>
+                <a:spcPts val="400"/>
+              </a:spcBef>
+            </a:pPr>
+            <a:endParaRPr lang="en-US" sz="1400" dirty="0"/>
+          </a:p>
+          <a:p>
+            <a:pPr>
+              <a:spcBef>
+                <a:spcPts val="400"/>
+              </a:spcBef>
+            </a:pPr>
+            <a:endParaRPr lang="en-US" sz="1400" dirty="0"/>
           </a:p>
         </p:txBody>
       </p:sp>
@@ -9746,7 +9449,7 @@
           <p:nvPr/>
         </p:nvPicPr>
         <p:blipFill>
-          <a:blip r:embed="rId5">
+          <a:blip r:embed="rId4">
             <a:extLst>
               <a:ext uri="{28A0092B-C50C-407E-A947-70E740481C1C}">
                 <a14:useLocalDpi xmlns:a14="http://schemas.microsoft.com/office/drawing/2010/main" val="0"/>
@@ -9781,7 +9484,7 @@
     </p:spTree>
     <p:extLst>
       <p:ext uri="{BB962C8B-B14F-4D97-AF65-F5344CB8AC3E}">
-        <p14:creationId xmlns:p14="http://schemas.microsoft.com/office/powerpoint/2010/main" val="2109131245"/>
+        <p14:creationId xmlns:p14="http://schemas.microsoft.com/office/powerpoint/2010/main" val="300521932"/>
       </p:ext>
     </p:extLst>
   </p:cSld>
@@ -32739,6 +32442,21 @@
 </file>
 
 <file path=customXml/item1.xml><?xml version="1.0" encoding="utf-8"?>
+<?mso-contentType ?>
+<FormTemplates xmlns="http://schemas.microsoft.com/sharepoint/v3/contenttype/forms">
+  <Display>DocumentLibraryForm</Display>
+  <Edit>DocumentLibraryForm</Edit>
+  <New>DocumentLibraryForm</New>
+</FormTemplates>
+</file>
+
+<file path=customXml/item2.xml><?xml version="1.0" encoding="utf-8"?>
+<p:properties xmlns:p="http://schemas.microsoft.com/office/2006/metadata/properties" xmlns:xsi="http://www.w3.org/2001/XMLSchema-instance" xmlns:pc="http://schemas.microsoft.com/office/infopath/2007/PartnerControls">
+  <documentManagement/>
+</p:properties>
+</file>
+
+<file path=customXml/item3.xml><?xml version="1.0" encoding="utf-8"?>
 <ct:contentTypeSchema xmlns:ct="http://schemas.microsoft.com/office/2006/metadata/contentType" xmlns:ma="http://schemas.microsoft.com/office/2006/metadata/properties/metaAttributes" ct:_="" ma:_="" ma:contentTypeName="Document" ma:contentTypeID="0x010100565464437F680748A68B85EB6594EA7D" ma:contentTypeVersion="0" ma:contentTypeDescription="Create a new document." ma:contentTypeScope="" ma:versionID="fe3f4dd58d5914c51cfc6deaa8ad845c">
   <xsd:schema xmlns:xsd="http://www.w3.org/2001/XMLSchema" xmlns:p="http://schemas.microsoft.com/office/2006/metadata/properties" targetNamespace="http://schemas.microsoft.com/office/2006/metadata/properties" ma:root="true" ma:fieldsID="4aeb20c0e3442673af7ee10786458764">
     <xsd:element name="properties">
@@ -32787,22 +32505,30 @@
 </ct:contentTypeSchema>
 </file>
 
-<file path=customXml/item2.xml><?xml version="1.0" encoding="utf-8"?>
-<?mso-contentType ?>
-<FormTemplates xmlns="http://schemas.microsoft.com/sharepoint/v3/contenttype/forms">
-  <Display>DocumentLibraryForm</Display>
-  <Edit>DocumentLibraryForm</Edit>
-  <New>DocumentLibraryForm</New>
-</FormTemplates>
+<file path=customXml/itemProps1.xml><?xml version="1.0" encoding="utf-8"?>
+<ds:datastoreItem xmlns:ds="http://schemas.openxmlformats.org/officeDocument/2006/customXml" ds:itemID="{19E20559-B232-4371-8690-E3D8007EDB82}">
+  <ds:schemaRefs>
+    <ds:schemaRef ds:uri="http://schemas.microsoft.com/sharepoint/v3/contenttype/forms"/>
+  </ds:schemaRefs>
+</ds:datastoreItem>
 </file>
 
-<file path=customXml/item3.xml><?xml version="1.0" encoding="utf-8"?>
-<p:properties xmlns:p="http://schemas.microsoft.com/office/2006/metadata/properties" xmlns:xsi="http://www.w3.org/2001/XMLSchema-instance" xmlns:pc="http://schemas.microsoft.com/office/infopath/2007/PartnerControls">
-  <documentManagement/>
-</p:properties>
+<file path=customXml/itemProps2.xml><?xml version="1.0" encoding="utf-8"?>
+<ds:datastoreItem xmlns:ds="http://schemas.openxmlformats.org/officeDocument/2006/customXml" ds:itemID="{A50EC660-24D0-43A0-AE5E-E274115E726B}">
+  <ds:schemaRefs>
+    <ds:schemaRef ds:uri="http://purl.org/dc/elements/1.1/"/>
+    <ds:schemaRef ds:uri="http://schemas.microsoft.com/office/2006/metadata/properties"/>
+    <ds:schemaRef ds:uri="http://purl.org/dc/terms/"/>
+    <ds:schemaRef ds:uri="http://schemas.openxmlformats.org/package/2006/metadata/core-properties"/>
+    <ds:schemaRef ds:uri="http://schemas.microsoft.com/office/2006/documentManagement/types"/>
+    <ds:schemaRef ds:uri="http://www.w3.org/XML/1998/namespace"/>
+    <ds:schemaRef ds:uri="http://purl.org/dc/dcmitype/"/>
+    <ds:schemaRef ds:uri="http://schemas.microsoft.com/office/infopath/2007/PartnerControls"/>
+  </ds:schemaRefs>
+</ds:datastoreItem>
 </file>
 
-<file path=customXml/itemProps1.xml><?xml version="1.0" encoding="utf-8"?>
+<file path=customXml/itemProps3.xml><?xml version="1.0" encoding="utf-8"?>
 <ds:datastoreItem xmlns:ds="http://schemas.openxmlformats.org/officeDocument/2006/customXml" ds:itemID="{E8DB7DEB-074E-4EE8-9B6E-FD277323109C}">
   <ds:schemaRefs>
     <ds:schemaRef ds:uri="http://schemas.microsoft.com/office/2006/metadata/contentType"/>
@@ -32815,27 +32541,4 @@
     <ds:schemaRef ds:uri="http://schemas.microsoft.com/office/internal/2005/internalDocumentation"/>
   </ds:schemaRefs>
 </ds:datastoreItem>
-</file>
-
-<file path=customXml/itemProps2.xml><?xml version="1.0" encoding="utf-8"?>
-<ds:datastoreItem xmlns:ds="http://schemas.openxmlformats.org/officeDocument/2006/customXml" ds:itemID="{19E20559-B232-4371-8690-E3D8007EDB82}">
-  <ds:schemaRefs>
-    <ds:schemaRef ds:uri="http://schemas.microsoft.com/sharepoint/v3/contenttype/forms"/>
-  </ds:schemaRefs>
-</ds:datastoreItem>
-</file>
-
-<file path=customXml/itemProps3.xml><?xml version="1.0" encoding="utf-8"?>
-<ds:datastoreItem xmlns:ds="http://schemas.openxmlformats.org/officeDocument/2006/customXml" ds:itemID="{A50EC660-24D0-43A0-AE5E-E274115E726B}">
-  <ds:schemaRefs>
-    <ds:schemaRef ds:uri="http://purl.org/dc/elements/1.1/"/>
-    <ds:schemaRef ds:uri="http://schemas.microsoft.com/office/2006/metadata/properties"/>
-    <ds:schemaRef ds:uri="http://purl.org/dc/terms/"/>
-    <ds:schemaRef ds:uri="http://schemas.openxmlformats.org/package/2006/metadata/core-properties"/>
-    <ds:schemaRef ds:uri="http://schemas.microsoft.com/office/2006/documentManagement/types"/>
-    <ds:schemaRef ds:uri="http://www.w3.org/XML/1998/namespace"/>
-    <ds:schemaRef ds:uri="http://purl.org/dc/dcmitype/"/>
-    <ds:schemaRef ds:uri="http://schemas.microsoft.com/office/infopath/2007/PartnerControls"/>
-  </ds:schemaRefs>
-</ds:datastoreItem>
 </file>
--- a/refactoring.pptx
+++ b/refactoring.pptx
@@ -295,7 +295,7 @@
           <a:p>
             <a:fld id="{0B842F42-2CE9-4E35-95C1-410DC08A50B1}" type="datetimeFigureOut">
               <a:rPr lang="en-US" smtClean="0"/>
-              <a:t>3/19/24</a:t>
+              <a:t>3/25/24</a:t>
             </a:fld>
             <a:endParaRPr lang="en-US"/>
           </a:p>
@@ -460,7 +460,7 @@
           <a:p>
             <a:fld id="{6F282904-F315-4730-8D91-37D99E141A6F}" type="datetimeFigureOut">
               <a:rPr lang="en-US" smtClean="0"/>
-              <a:t>3/19/24</a:t>
+              <a:t>3/25/24</a:t>
             </a:fld>
             <a:endParaRPr lang="en-US"/>
           </a:p>
@@ -2356,10 +2356,10 @@
       </p:sp>
       <p:pic>
         <p:nvPicPr>
-          <p:cNvPr id="15" name="Picture 14">
+          <p:cNvPr id="5" name="Picture 4">
             <a:extLst>
               <a:ext uri="{FF2B5EF4-FFF2-40B4-BE49-F238E27FC236}">
-                <a16:creationId xmlns:a16="http://schemas.microsoft.com/office/drawing/2014/main" id="{C554CDC7-44CF-4751-9869-0265C8E01840}"/>
+                <a16:creationId xmlns:a16="http://schemas.microsoft.com/office/drawing/2014/main" id="{26C46A24-DFBB-88A6-8452-28151EE16B10}"/>
               </a:ext>
             </a:extLst>
           </p:cNvPr>
@@ -2382,12 +2382,106 @@
         </p:blipFill>
         <p:spPr>
           <a:xfrm>
-            <a:off x="333211" y="3189686"/>
+            <a:off x="601269" y="1812348"/>
             <a:ext cx="2109916" cy="905256"/>
           </a:xfrm>
           <a:prstGeom prst="rect">
             <a:avLst/>
           </a:prstGeom>
+        </p:spPr>
+      </p:pic>
+      <p:pic>
+        <p:nvPicPr>
+          <p:cNvPr id="6" name="Picture 2">
+            <a:extLst>
+              <a:ext uri="{FF2B5EF4-FFF2-40B4-BE49-F238E27FC236}">
+                <a16:creationId xmlns:a16="http://schemas.microsoft.com/office/drawing/2014/main" id="{BFDD5D20-DE93-8A41-1A80-648785A2E09F}"/>
+              </a:ext>
+            </a:extLst>
+          </p:cNvPr>
+          <p:cNvPicPr>
+            <a:picLocks noChangeAspect="1" noChangeArrowheads="1"/>
+          </p:cNvPicPr>
+          <p:nvPr userDrawn="1"/>
+        </p:nvPicPr>
+        <p:blipFill>
+          <a:blip r:embed="rId6">
+            <a:extLst>
+              <a:ext uri="{28A0092B-C50C-407E-A947-70E740481C1C}">
+                <a14:useLocalDpi xmlns:a14="http://schemas.microsoft.com/office/drawing/2010/main" val="0"/>
+              </a:ext>
+            </a:extLst>
+          </a:blip>
+          <a:srcRect/>
+          <a:stretch>
+            <a:fillRect/>
+          </a:stretch>
+        </p:blipFill>
+        <p:spPr bwMode="auto">
+          <a:xfrm>
+            <a:off x="240177" y="4159671"/>
+            <a:ext cx="2832100" cy="1003300"/>
+          </a:xfrm>
+          <a:prstGeom prst="rect">
+            <a:avLst/>
+          </a:prstGeom>
+          <a:noFill/>
+          <a:extLst>
+            <a:ext uri="{909E8E84-426E-40DD-AFC4-6F175D3DCCD1}">
+              <a14:hiddenFill xmlns:a14="http://schemas.microsoft.com/office/drawing/2010/main">
+                <a:solidFill>
+                  <a:srgbClr val="FFFFFF"/>
+                </a:solidFill>
+              </a14:hiddenFill>
+            </a:ext>
+          </a:extLst>
+        </p:spPr>
+      </p:pic>
+      <p:pic>
+        <p:nvPicPr>
+          <p:cNvPr id="7" name="Picture 4">
+            <a:extLst>
+              <a:ext uri="{FF2B5EF4-FFF2-40B4-BE49-F238E27FC236}">
+                <a16:creationId xmlns:a16="http://schemas.microsoft.com/office/drawing/2014/main" id="{08361F48-34C5-FCF9-FCB7-2166742FB91A}"/>
+              </a:ext>
+            </a:extLst>
+          </p:cNvPr>
+          <p:cNvPicPr>
+            <a:picLocks noChangeAspect="1" noChangeArrowheads="1"/>
+          </p:cNvPicPr>
+          <p:nvPr userDrawn="1"/>
+        </p:nvPicPr>
+        <p:blipFill>
+          <a:blip r:embed="rId7">
+            <a:extLst>
+              <a:ext uri="{28A0092B-C50C-407E-A947-70E740481C1C}">
+                <a14:useLocalDpi xmlns:a14="http://schemas.microsoft.com/office/drawing/2010/main" val="0"/>
+              </a:ext>
+            </a:extLst>
+          </a:blip>
+          <a:srcRect/>
+          <a:stretch>
+            <a:fillRect/>
+          </a:stretch>
+        </p:blipFill>
+        <p:spPr bwMode="auto">
+          <a:xfrm>
+            <a:off x="76990" y="3344480"/>
+            <a:ext cx="2937455" cy="682907"/>
+          </a:xfrm>
+          <a:prstGeom prst="rect">
+            <a:avLst/>
+          </a:prstGeom>
+          <a:noFill/>
+          <a:extLst>
+            <a:ext uri="{909E8E84-426E-40DD-AFC4-6F175D3DCCD1}">
+              <a14:hiddenFill xmlns:a14="http://schemas.microsoft.com/office/drawing/2010/main">
+                <a:solidFill>
+                  <a:srgbClr val="FFFFFF"/>
+                </a:solidFill>
+              </a14:hiddenFill>
+            </a:ext>
+          </a:extLst>
         </p:spPr>
       </p:pic>
     </p:spTree>
@@ -32442,21 +32536,6 @@
 </file>
 
 <file path=customXml/item1.xml><?xml version="1.0" encoding="utf-8"?>
-<?mso-contentType ?>
-<FormTemplates xmlns="http://schemas.microsoft.com/sharepoint/v3/contenttype/forms">
-  <Display>DocumentLibraryForm</Display>
-  <Edit>DocumentLibraryForm</Edit>
-  <New>DocumentLibraryForm</New>
-</FormTemplates>
-</file>
-
-<file path=customXml/item2.xml><?xml version="1.0" encoding="utf-8"?>
-<p:properties xmlns:p="http://schemas.microsoft.com/office/2006/metadata/properties" xmlns:xsi="http://www.w3.org/2001/XMLSchema-instance" xmlns:pc="http://schemas.microsoft.com/office/infopath/2007/PartnerControls">
-  <documentManagement/>
-</p:properties>
-</file>
-
-<file path=customXml/item3.xml><?xml version="1.0" encoding="utf-8"?>
 <ct:contentTypeSchema xmlns:ct="http://schemas.microsoft.com/office/2006/metadata/contentType" xmlns:ma="http://schemas.microsoft.com/office/2006/metadata/properties/metaAttributes" ct:_="" ma:_="" ma:contentTypeName="Document" ma:contentTypeID="0x010100565464437F680748A68B85EB6594EA7D" ma:contentTypeVersion="0" ma:contentTypeDescription="Create a new document." ma:contentTypeScope="" ma:versionID="fe3f4dd58d5914c51cfc6deaa8ad845c">
   <xsd:schema xmlns:xsd="http://www.w3.org/2001/XMLSchema" xmlns:p="http://schemas.microsoft.com/office/2006/metadata/properties" targetNamespace="http://schemas.microsoft.com/office/2006/metadata/properties" ma:root="true" ma:fieldsID="4aeb20c0e3442673af7ee10786458764">
     <xsd:element name="properties">
@@ -32505,7 +32584,37 @@
 </ct:contentTypeSchema>
 </file>
 
+<file path=customXml/item2.xml><?xml version="1.0" encoding="utf-8"?>
+<?mso-contentType ?>
+<FormTemplates xmlns="http://schemas.microsoft.com/sharepoint/v3/contenttype/forms">
+  <Display>DocumentLibraryForm</Display>
+  <Edit>DocumentLibraryForm</Edit>
+  <New>DocumentLibraryForm</New>
+</FormTemplates>
+</file>
+
+<file path=customXml/item3.xml><?xml version="1.0" encoding="utf-8"?>
+<p:properties xmlns:p="http://schemas.microsoft.com/office/2006/metadata/properties" xmlns:xsi="http://www.w3.org/2001/XMLSchema-instance" xmlns:pc="http://schemas.microsoft.com/office/infopath/2007/PartnerControls">
+  <documentManagement/>
+</p:properties>
+</file>
+
 <file path=customXml/itemProps1.xml><?xml version="1.0" encoding="utf-8"?>
+<ds:datastoreItem xmlns:ds="http://schemas.openxmlformats.org/officeDocument/2006/customXml" ds:itemID="{E8DB7DEB-074E-4EE8-9B6E-FD277323109C}">
+  <ds:schemaRefs>
+    <ds:schemaRef ds:uri="http://schemas.microsoft.com/office/2006/metadata/contentType"/>
+    <ds:schemaRef ds:uri="http://schemas.microsoft.com/office/2006/metadata/properties/metaAttributes"/>
+    <ds:schemaRef ds:uri="http://www.w3.org/2001/XMLSchema"/>
+    <ds:schemaRef ds:uri="http://schemas.microsoft.com/office/2006/metadata/properties"/>
+    <ds:schemaRef ds:uri="http://schemas.openxmlformats.org/package/2006/metadata/core-properties"/>
+    <ds:schemaRef ds:uri="http://purl.org/dc/elements/1.1/"/>
+    <ds:schemaRef ds:uri="http://purl.org/dc/terms/"/>
+    <ds:schemaRef ds:uri="http://schemas.microsoft.com/office/internal/2005/internalDocumentation"/>
+  </ds:schemaRefs>
+</ds:datastoreItem>
+</file>
+
+<file path=customXml/itemProps2.xml><?xml version="1.0" encoding="utf-8"?>
 <ds:datastoreItem xmlns:ds="http://schemas.openxmlformats.org/officeDocument/2006/customXml" ds:itemID="{19E20559-B232-4371-8690-E3D8007EDB82}">
   <ds:schemaRefs>
     <ds:schemaRef ds:uri="http://schemas.microsoft.com/sharepoint/v3/contenttype/forms"/>
@@ -32513,7 +32622,7 @@
 </ds:datastoreItem>
 </file>
 
-<file path=customXml/itemProps2.xml><?xml version="1.0" encoding="utf-8"?>
+<file path=customXml/itemProps3.xml><?xml version="1.0" encoding="utf-8"?>
 <ds:datastoreItem xmlns:ds="http://schemas.openxmlformats.org/officeDocument/2006/customXml" ds:itemID="{A50EC660-24D0-43A0-AE5E-E274115E726B}">
   <ds:schemaRefs>
     <ds:schemaRef ds:uri="http://purl.org/dc/elements/1.1/"/>
@@ -32526,19 +32635,4 @@
     <ds:schemaRef ds:uri="http://schemas.microsoft.com/office/infopath/2007/PartnerControls"/>
   </ds:schemaRefs>
 </ds:datastoreItem>
-</file>
-
-<file path=customXml/itemProps3.xml><?xml version="1.0" encoding="utf-8"?>
-<ds:datastoreItem xmlns:ds="http://schemas.openxmlformats.org/officeDocument/2006/customXml" ds:itemID="{E8DB7DEB-074E-4EE8-9B6E-FD277323109C}">
-  <ds:schemaRefs>
-    <ds:schemaRef ds:uri="http://schemas.microsoft.com/office/2006/metadata/contentType"/>
-    <ds:schemaRef ds:uri="http://schemas.microsoft.com/office/2006/metadata/properties/metaAttributes"/>
-    <ds:schemaRef ds:uri="http://www.w3.org/2001/XMLSchema"/>
-    <ds:schemaRef ds:uri="http://schemas.microsoft.com/office/2006/metadata/properties"/>
-    <ds:schemaRef ds:uri="http://schemas.openxmlformats.org/package/2006/metadata/core-properties"/>
-    <ds:schemaRef ds:uri="http://purl.org/dc/elements/1.1/"/>
-    <ds:schemaRef ds:uri="http://purl.org/dc/terms/"/>
-    <ds:schemaRef ds:uri="http://schemas.microsoft.com/office/internal/2005/internalDocumentation"/>
-  </ds:schemaRefs>
-</ds:datastoreItem>
 </file>
--- a/refactoring.pptx
+++ b/refactoring.pptx
@@ -295,7 +295,7 @@
           <a:p>
             <a:fld id="{0B842F42-2CE9-4E35-95C1-410DC08A50B1}" type="datetimeFigureOut">
               <a:rPr lang="en-US" smtClean="0"/>
-              <a:t>3/25/24</a:t>
+              <a:t>4/4/24</a:t>
             </a:fld>
             <a:endParaRPr lang="en-US"/>
           </a:p>
@@ -460,7 +460,7 @@
           <a:p>
             <a:fld id="{6F282904-F315-4730-8D91-37D99E141A6F}" type="datetimeFigureOut">
               <a:rPr lang="en-US" smtClean="0"/>
-              <a:t>3/25/24</a:t>
+              <a:t>4/4/24</a:t>
             </a:fld>
             <a:endParaRPr lang="en-US"/>
           </a:p>
@@ -2354,136 +2354,193 @@
           </a:p>
         </p:txBody>
       </p:sp>
-      <p:pic>
-        <p:nvPicPr>
-          <p:cNvPr id="5" name="Picture 4">
+      <p:grpSp>
+        <p:nvGrpSpPr>
+          <p:cNvPr id="8" name="Group 7">
             <a:extLst>
               <a:ext uri="{FF2B5EF4-FFF2-40B4-BE49-F238E27FC236}">
-                <a16:creationId xmlns:a16="http://schemas.microsoft.com/office/drawing/2014/main" id="{26C46A24-DFBB-88A6-8452-28151EE16B10}"/>
+                <a16:creationId xmlns:a16="http://schemas.microsoft.com/office/drawing/2014/main" id="{8F8AAED5-F12F-51CE-E302-B5FE8B71EE16}"/>
               </a:ext>
             </a:extLst>
           </p:cNvPr>
-          <p:cNvPicPr>
-            <a:picLocks noChangeAspect="1"/>
-          </p:cNvPicPr>
+          <p:cNvGrpSpPr/>
           <p:nvPr userDrawn="1"/>
-        </p:nvPicPr>
-        <p:blipFill>
-          <a:blip r:embed="rId5" cstate="print">
+        </p:nvGrpSpPr>
+        <p:grpSpPr>
+          <a:xfrm>
+            <a:off x="77487" y="226243"/>
+            <a:ext cx="2937455" cy="5079380"/>
+            <a:chOff x="-80559" y="113353"/>
+            <a:chExt cx="2937455" cy="5079380"/>
+          </a:xfrm>
+        </p:grpSpPr>
+        <p:pic>
+          <p:nvPicPr>
+            <p:cNvPr id="9" name="Picture 8">
+              <a:extLst>
+                <a:ext uri="{FF2B5EF4-FFF2-40B4-BE49-F238E27FC236}">
+                  <a16:creationId xmlns:a16="http://schemas.microsoft.com/office/drawing/2014/main" id="{D9E2213A-5F74-6905-4FD1-09BEC0FF112B}"/>
+                </a:ext>
+              </a:extLst>
+            </p:cNvPr>
+            <p:cNvPicPr>
+              <a:picLocks noChangeAspect="1"/>
+            </p:cNvPicPr>
+            <p:nvPr userDrawn="1"/>
+          </p:nvPicPr>
+          <p:blipFill>
+            <a:blip r:embed="rId5" cstate="print">
+              <a:extLst>
+                <a:ext uri="{28A0092B-C50C-407E-A947-70E740481C1C}">
+                  <a14:useLocalDpi xmlns:a14="http://schemas.microsoft.com/office/drawing/2010/main" val="0"/>
+                </a:ext>
+              </a:extLst>
+            </a:blip>
+            <a:stretch>
+              <a:fillRect/>
+            </a:stretch>
+          </p:blipFill>
+          <p:spPr>
+            <a:xfrm>
+              <a:off x="263939" y="113353"/>
+              <a:ext cx="2109916" cy="905256"/>
+            </a:xfrm>
+            <a:prstGeom prst="rect">
+              <a:avLst/>
+            </a:prstGeom>
+          </p:spPr>
+        </p:pic>
+        <p:pic>
+          <p:nvPicPr>
+            <p:cNvPr id="10" name="Picture 2">
+              <a:extLst>
+                <a:ext uri="{FF2B5EF4-FFF2-40B4-BE49-F238E27FC236}">
+                  <a16:creationId xmlns:a16="http://schemas.microsoft.com/office/drawing/2014/main" id="{E1FBFCE1-F881-613B-94FA-E4EC3EAF5133}"/>
+                </a:ext>
+              </a:extLst>
+            </p:cNvPr>
+            <p:cNvPicPr>
+              <a:picLocks noChangeAspect="1" noChangeArrowheads="1"/>
+            </p:cNvPicPr>
+            <p:nvPr userDrawn="1"/>
+          </p:nvPicPr>
+          <p:blipFill>
+            <a:blip r:embed="rId6">
+              <a:extLst>
+                <a:ext uri="{28A0092B-C50C-407E-A947-70E740481C1C}">
+                  <a14:useLocalDpi xmlns:a14="http://schemas.microsoft.com/office/drawing/2010/main" val="0"/>
+                </a:ext>
+              </a:extLst>
+            </a:blip>
+            <a:srcRect/>
+            <a:stretch>
+              <a:fillRect/>
+            </a:stretch>
+          </p:blipFill>
+          <p:spPr bwMode="auto">
+            <a:xfrm>
+              <a:off x="24796" y="3155674"/>
+              <a:ext cx="2832100" cy="1003300"/>
+            </a:xfrm>
+            <a:prstGeom prst="rect">
+              <a:avLst/>
+            </a:prstGeom>
+            <a:noFill/>
             <a:extLst>
-              <a:ext uri="{28A0092B-C50C-407E-A947-70E740481C1C}">
-                <a14:useLocalDpi xmlns:a14="http://schemas.microsoft.com/office/drawing/2010/main" val="0"/>
+              <a:ext uri="{909E8E84-426E-40DD-AFC4-6F175D3DCCD1}">
+                <a14:hiddenFill xmlns:a14="http://schemas.microsoft.com/office/drawing/2010/main">
+                  <a:solidFill>
+                    <a:srgbClr val="FFFFFF"/>
+                  </a:solidFill>
+                </a14:hiddenFill>
               </a:ext>
             </a:extLst>
-          </a:blip>
-          <a:stretch>
-            <a:fillRect/>
-          </a:stretch>
-        </p:blipFill>
-        <p:spPr>
-          <a:xfrm>
-            <a:off x="601269" y="1812348"/>
-            <a:ext cx="2109916" cy="905256"/>
-          </a:xfrm>
-          <a:prstGeom prst="rect">
-            <a:avLst/>
-          </a:prstGeom>
-        </p:spPr>
-      </p:pic>
-      <p:pic>
-        <p:nvPicPr>
-          <p:cNvPr id="6" name="Picture 2">
+          </p:spPr>
+        </p:pic>
+        <p:pic>
+          <p:nvPicPr>
+            <p:cNvPr id="11" name="Picture 4">
+              <a:extLst>
+                <a:ext uri="{FF2B5EF4-FFF2-40B4-BE49-F238E27FC236}">
+                  <a16:creationId xmlns:a16="http://schemas.microsoft.com/office/drawing/2014/main" id="{C5153927-DDB1-1F3E-06BA-B00DDA42D0B2}"/>
+                </a:ext>
+              </a:extLst>
+            </p:cNvPr>
+            <p:cNvPicPr>
+              <a:picLocks noChangeAspect="1" noChangeArrowheads="1"/>
+            </p:cNvPicPr>
+            <p:nvPr userDrawn="1"/>
+          </p:nvPicPr>
+          <p:blipFill>
+            <a:blip r:embed="rId7">
+              <a:extLst>
+                <a:ext uri="{28A0092B-C50C-407E-A947-70E740481C1C}">
+                  <a14:useLocalDpi xmlns:a14="http://schemas.microsoft.com/office/drawing/2010/main" val="0"/>
+                </a:ext>
+              </a:extLst>
+            </a:blip>
+            <a:srcRect/>
+            <a:stretch>
+              <a:fillRect/>
+            </a:stretch>
+          </p:blipFill>
+          <p:spPr bwMode="auto">
+            <a:xfrm>
+              <a:off x="-80559" y="2517770"/>
+              <a:ext cx="2937455" cy="682907"/>
+            </a:xfrm>
+            <a:prstGeom prst="rect">
+              <a:avLst/>
+            </a:prstGeom>
+            <a:noFill/>
             <a:extLst>
-              <a:ext uri="{FF2B5EF4-FFF2-40B4-BE49-F238E27FC236}">
-                <a16:creationId xmlns:a16="http://schemas.microsoft.com/office/drawing/2014/main" id="{BFDD5D20-DE93-8A41-1A80-648785A2E09F}"/>
+              <a:ext uri="{909E8E84-426E-40DD-AFC4-6F175D3DCCD1}">
+                <a14:hiddenFill xmlns:a14="http://schemas.microsoft.com/office/drawing/2010/main">
+                  <a:solidFill>
+                    <a:srgbClr val="FFFFFF"/>
+                  </a:solidFill>
+                </a14:hiddenFill>
               </a:ext>
             </a:extLst>
-          </p:cNvPr>
-          <p:cNvPicPr>
-            <a:picLocks noChangeAspect="1" noChangeArrowheads="1"/>
-          </p:cNvPicPr>
-          <p:nvPr userDrawn="1"/>
-        </p:nvPicPr>
-        <p:blipFill>
-          <a:blip r:embed="rId6">
-            <a:extLst>
-              <a:ext uri="{28A0092B-C50C-407E-A947-70E740481C1C}">
-                <a14:useLocalDpi xmlns:a14="http://schemas.microsoft.com/office/drawing/2010/main" val="0"/>
-              </a:ext>
-            </a:extLst>
-          </a:blip>
-          <a:srcRect/>
-          <a:stretch>
-            <a:fillRect/>
-          </a:stretch>
-        </p:blipFill>
-        <p:spPr bwMode="auto">
-          <a:xfrm>
-            <a:off x="240177" y="4159671"/>
-            <a:ext cx="2832100" cy="1003300"/>
-          </a:xfrm>
-          <a:prstGeom prst="rect">
-            <a:avLst/>
-          </a:prstGeom>
-          <a:noFill/>
-          <a:extLst>
-            <a:ext uri="{909E8E84-426E-40DD-AFC4-6F175D3DCCD1}">
-              <a14:hiddenFill xmlns:a14="http://schemas.microsoft.com/office/drawing/2010/main">
-                <a:solidFill>
-                  <a:srgbClr val="FFFFFF"/>
-                </a:solidFill>
-              </a14:hiddenFill>
-            </a:ext>
-          </a:extLst>
-        </p:spPr>
-      </p:pic>
-      <p:pic>
-        <p:nvPicPr>
-          <p:cNvPr id="7" name="Picture 4">
-            <a:extLst>
-              <a:ext uri="{FF2B5EF4-FFF2-40B4-BE49-F238E27FC236}">
-                <a16:creationId xmlns:a16="http://schemas.microsoft.com/office/drawing/2014/main" id="{08361F48-34C5-FCF9-FCB7-2166742FB91A}"/>
-              </a:ext>
-            </a:extLst>
-          </p:cNvPr>
-          <p:cNvPicPr>
-            <a:picLocks noChangeAspect="1" noChangeArrowheads="1"/>
-          </p:cNvPicPr>
-          <p:nvPr userDrawn="1"/>
-        </p:nvPicPr>
-        <p:blipFill>
-          <a:blip r:embed="rId7">
-            <a:extLst>
-              <a:ext uri="{28A0092B-C50C-407E-A947-70E740481C1C}">
-                <a14:useLocalDpi xmlns:a14="http://schemas.microsoft.com/office/drawing/2010/main" val="0"/>
-              </a:ext>
-            </a:extLst>
-          </a:blip>
-          <a:srcRect/>
-          <a:stretch>
-            <a:fillRect/>
-          </a:stretch>
-        </p:blipFill>
-        <p:spPr bwMode="auto">
-          <a:xfrm>
-            <a:off x="76990" y="3344480"/>
-            <a:ext cx="2937455" cy="682907"/>
-          </a:xfrm>
-          <a:prstGeom prst="rect">
-            <a:avLst/>
-          </a:prstGeom>
-          <a:noFill/>
-          <a:extLst>
-            <a:ext uri="{909E8E84-426E-40DD-AFC4-6F175D3DCCD1}">
-              <a14:hiddenFill xmlns:a14="http://schemas.microsoft.com/office/drawing/2010/main">
-                <a:solidFill>
-                  <a:srgbClr val="FFFFFF"/>
-                </a:solidFill>
-              </a14:hiddenFill>
-            </a:ext>
-          </a:extLst>
-        </p:spPr>
-      </p:pic>
+          </p:spPr>
+        </p:pic>
+        <p:pic>
+          <p:nvPicPr>
+            <p:cNvPr id="12" name="Picture 11" descr="A black and white sign with blue text&#10;&#10;Description automatically generated">
+              <a:extLst>
+                <a:ext uri="{FF2B5EF4-FFF2-40B4-BE49-F238E27FC236}">
+                  <a16:creationId xmlns:a16="http://schemas.microsoft.com/office/drawing/2014/main" id="{C2D59313-270C-18A8-0B84-94333411060D}"/>
+                </a:ext>
+              </a:extLst>
+            </p:cNvPr>
+            <p:cNvPicPr>
+              <a:picLocks noChangeAspect="1"/>
+            </p:cNvPicPr>
+            <p:nvPr userDrawn="1"/>
+          </p:nvPicPr>
+          <p:blipFill>
+            <a:blip r:embed="rId8">
+              <a:extLst>
+                <a:ext uri="{28A0092B-C50C-407E-A947-70E740481C1C}">
+                  <a14:useLocalDpi xmlns:a14="http://schemas.microsoft.com/office/drawing/2010/main" val="0"/>
+                </a:ext>
+              </a:extLst>
+            </a:blip>
+            <a:stretch>
+              <a:fillRect/>
+            </a:stretch>
+          </p:blipFill>
+          <p:spPr>
+            <a:xfrm>
+              <a:off x="263939" y="4401022"/>
+              <a:ext cx="2455333" cy="791711"/>
+            </a:xfrm>
+            <a:prstGeom prst="rect">
+              <a:avLst/>
+            </a:prstGeom>
+          </p:spPr>
+        </p:pic>
+      </p:grpSp>
     </p:spTree>
     <p:extLst>
       <p:ext uri="{BB962C8B-B14F-4D97-AF65-F5344CB8AC3E}">
@@ -32536,6 +32593,21 @@
 </file>
 
 <file path=customXml/item1.xml><?xml version="1.0" encoding="utf-8"?>
+<?mso-contentType ?>
+<FormTemplates xmlns="http://schemas.microsoft.com/sharepoint/v3/contenttype/forms">
+  <Display>DocumentLibraryForm</Display>
+  <Edit>DocumentLibraryForm</Edit>
+  <New>DocumentLibraryForm</New>
+</FormTemplates>
+</file>
+
+<file path=customXml/item2.xml><?xml version="1.0" encoding="utf-8"?>
+<p:properties xmlns:p="http://schemas.microsoft.com/office/2006/metadata/properties" xmlns:xsi="http://www.w3.org/2001/XMLSchema-instance" xmlns:pc="http://schemas.microsoft.com/office/infopath/2007/PartnerControls">
+  <documentManagement/>
+</p:properties>
+</file>
+
+<file path=customXml/item3.xml><?xml version="1.0" encoding="utf-8"?>
 <ct:contentTypeSchema xmlns:ct="http://schemas.microsoft.com/office/2006/metadata/contentType" xmlns:ma="http://schemas.microsoft.com/office/2006/metadata/properties/metaAttributes" ct:_="" ma:_="" ma:contentTypeName="Document" ma:contentTypeID="0x010100565464437F680748A68B85EB6594EA7D" ma:contentTypeVersion="0" ma:contentTypeDescription="Create a new document." ma:contentTypeScope="" ma:versionID="fe3f4dd58d5914c51cfc6deaa8ad845c">
   <xsd:schema xmlns:xsd="http://www.w3.org/2001/XMLSchema" xmlns:p="http://schemas.microsoft.com/office/2006/metadata/properties" targetNamespace="http://schemas.microsoft.com/office/2006/metadata/properties" ma:root="true" ma:fieldsID="4aeb20c0e3442673af7ee10786458764">
     <xsd:element name="properties">
@@ -32584,22 +32656,30 @@
 </ct:contentTypeSchema>
 </file>
 
-<file path=customXml/item2.xml><?xml version="1.0" encoding="utf-8"?>
-<?mso-contentType ?>
-<FormTemplates xmlns="http://schemas.microsoft.com/sharepoint/v3/contenttype/forms">
-  <Display>DocumentLibraryForm</Display>
-  <Edit>DocumentLibraryForm</Edit>
-  <New>DocumentLibraryForm</New>
-</FormTemplates>
+<file path=customXml/itemProps1.xml><?xml version="1.0" encoding="utf-8"?>
+<ds:datastoreItem xmlns:ds="http://schemas.openxmlformats.org/officeDocument/2006/customXml" ds:itemID="{19E20559-B232-4371-8690-E3D8007EDB82}">
+  <ds:schemaRefs>
+    <ds:schemaRef ds:uri="http://schemas.microsoft.com/sharepoint/v3/contenttype/forms"/>
+  </ds:schemaRefs>
+</ds:datastoreItem>
 </file>
 
-<file path=customXml/item3.xml><?xml version="1.0" encoding="utf-8"?>
-<p:properties xmlns:p="http://schemas.microsoft.com/office/2006/metadata/properties" xmlns:xsi="http://www.w3.org/2001/XMLSchema-instance" xmlns:pc="http://schemas.microsoft.com/office/infopath/2007/PartnerControls">
-  <documentManagement/>
-</p:properties>
+<file path=customXml/itemProps2.xml><?xml version="1.0" encoding="utf-8"?>
+<ds:datastoreItem xmlns:ds="http://schemas.openxmlformats.org/officeDocument/2006/customXml" ds:itemID="{A50EC660-24D0-43A0-AE5E-E274115E726B}">
+  <ds:schemaRefs>
+    <ds:schemaRef ds:uri="http://purl.org/dc/elements/1.1/"/>
+    <ds:schemaRef ds:uri="http://schemas.microsoft.com/office/2006/metadata/properties"/>
+    <ds:schemaRef ds:uri="http://purl.org/dc/terms/"/>
+    <ds:schemaRef ds:uri="http://schemas.openxmlformats.org/package/2006/metadata/core-properties"/>
+    <ds:schemaRef ds:uri="http://schemas.microsoft.com/office/2006/documentManagement/types"/>
+    <ds:schemaRef ds:uri="http://www.w3.org/XML/1998/namespace"/>
+    <ds:schemaRef ds:uri="http://purl.org/dc/dcmitype/"/>
+    <ds:schemaRef ds:uri="http://schemas.microsoft.com/office/infopath/2007/PartnerControls"/>
+  </ds:schemaRefs>
+</ds:datastoreItem>
 </file>
 
-<file path=customXml/itemProps1.xml><?xml version="1.0" encoding="utf-8"?>
+<file path=customXml/itemProps3.xml><?xml version="1.0" encoding="utf-8"?>
 <ds:datastoreItem xmlns:ds="http://schemas.openxmlformats.org/officeDocument/2006/customXml" ds:itemID="{E8DB7DEB-074E-4EE8-9B6E-FD277323109C}">
   <ds:schemaRefs>
     <ds:schemaRef ds:uri="http://schemas.microsoft.com/office/2006/metadata/contentType"/>
@@ -32612,27 +32692,4 @@
     <ds:schemaRef ds:uri="http://schemas.microsoft.com/office/internal/2005/internalDocumentation"/>
   </ds:schemaRefs>
 </ds:datastoreItem>
-</file>
-
-<file path=customXml/itemProps2.xml><?xml version="1.0" encoding="utf-8"?>
-<ds:datastoreItem xmlns:ds="http://schemas.openxmlformats.org/officeDocument/2006/customXml" ds:itemID="{19E20559-B232-4371-8690-E3D8007EDB82}">
-  <ds:schemaRefs>
-    <ds:schemaRef ds:uri="http://schemas.microsoft.com/sharepoint/v3/contenttype/forms"/>
-  </ds:schemaRefs>
-</ds:datastoreItem>
-</file>
-
-<file path=customXml/itemProps3.xml><?xml version="1.0" encoding="utf-8"?>
-<ds:datastoreItem xmlns:ds="http://schemas.openxmlformats.org/officeDocument/2006/customXml" ds:itemID="{A50EC660-24D0-43A0-AE5E-E274115E726B}">
-  <ds:schemaRefs>
-    <ds:schemaRef ds:uri="http://purl.org/dc/elements/1.1/"/>
-    <ds:schemaRef ds:uri="http://schemas.microsoft.com/office/2006/metadata/properties"/>
-    <ds:schemaRef ds:uri="http://purl.org/dc/terms/"/>
-    <ds:schemaRef ds:uri="http://schemas.openxmlformats.org/package/2006/metadata/core-properties"/>
-    <ds:schemaRef ds:uri="http://schemas.microsoft.com/office/2006/documentManagement/types"/>
-    <ds:schemaRef ds:uri="http://www.w3.org/XML/1998/namespace"/>
-    <ds:schemaRef ds:uri="http://purl.org/dc/dcmitype/"/>
-    <ds:schemaRef ds:uri="http://schemas.microsoft.com/office/infopath/2007/PartnerControls"/>
-  </ds:schemaRefs>
-</ds:datastoreItem>
 </file>
--- a/refactoring.pptx
+++ b/refactoring.pptx
@@ -295,7 +295,7 @@
           <a:p>
             <a:fld id="{0B842F42-2CE9-4E35-95C1-410DC08A50B1}" type="datetimeFigureOut">
               <a:rPr lang="en-US" smtClean="0"/>
-              <a:t>4/4/24</a:t>
+              <a:t>4/24/2024</a:t>
             </a:fld>
             <a:endParaRPr lang="en-US"/>
           </a:p>
@@ -460,7 +460,7 @@
           <a:p>
             <a:fld id="{6F282904-F315-4730-8D91-37D99E141A6F}" type="datetimeFigureOut">
               <a:rPr lang="en-US" smtClean="0"/>
-              <a:t>4/4/24</a:t>
+              <a:t>4/24/2024</a:t>
             </a:fld>
             <a:endParaRPr lang="en-US"/>
           </a:p>
@@ -2472,7 +2472,7 @@
             <p:nvPr userDrawn="1"/>
           </p:nvPicPr>
           <p:blipFill>
-            <a:blip r:embed="rId7">
+            <a:blip r:embed="rId7" cstate="print">
               <a:extLst>
                 <a:ext uri="{28A0092B-C50C-407E-A947-70E740481C1C}">
                   <a14:useLocalDpi xmlns:a14="http://schemas.microsoft.com/office/drawing/2010/main" val="0"/>
@@ -2519,7 +2519,7 @@
             <p:nvPr userDrawn="1"/>
           </p:nvPicPr>
           <p:blipFill>
-            <a:blip r:embed="rId8">
+            <a:blip r:embed="rId8" cstate="print">
               <a:extLst>
                 <a:ext uri="{28A0092B-C50C-407E-A947-70E740481C1C}">
                   <a14:useLocalDpi xmlns:a14="http://schemas.microsoft.com/office/drawing/2010/main" val="0"/>
@@ -32593,21 +32593,12 @@
 </file>
 
 <file path=customXml/item1.xml><?xml version="1.0" encoding="utf-8"?>
-<?mso-contentType ?>
-<FormTemplates xmlns="http://schemas.microsoft.com/sharepoint/v3/contenttype/forms">
-  <Display>DocumentLibraryForm</Display>
-  <Edit>DocumentLibraryForm</Edit>
-  <New>DocumentLibraryForm</New>
-</FormTemplates>
-</file>
-
-<file path=customXml/item2.xml><?xml version="1.0" encoding="utf-8"?>
 <p:properties xmlns:p="http://schemas.microsoft.com/office/2006/metadata/properties" xmlns:xsi="http://www.w3.org/2001/XMLSchema-instance" xmlns:pc="http://schemas.microsoft.com/office/infopath/2007/PartnerControls">
   <documentManagement/>
 </p:properties>
 </file>
 
-<file path=customXml/item3.xml><?xml version="1.0" encoding="utf-8"?>
+<file path=customXml/item2.xml><?xml version="1.0" encoding="utf-8"?>
 <ct:contentTypeSchema xmlns:ct="http://schemas.microsoft.com/office/2006/metadata/contentType" xmlns:ma="http://schemas.microsoft.com/office/2006/metadata/properties/metaAttributes" ct:_="" ma:_="" ma:contentTypeName="Document" ma:contentTypeID="0x010100565464437F680748A68B85EB6594EA7D" ma:contentTypeVersion="0" ma:contentTypeDescription="Create a new document." ma:contentTypeScope="" ma:versionID="fe3f4dd58d5914c51cfc6deaa8ad845c">
   <xsd:schema xmlns:xsd="http://www.w3.org/2001/XMLSchema" xmlns:p="http://schemas.microsoft.com/office/2006/metadata/properties" targetNamespace="http://schemas.microsoft.com/office/2006/metadata/properties" ma:root="true" ma:fieldsID="4aeb20c0e3442673af7ee10786458764">
     <xsd:element name="properties">
@@ -32656,15 +32647,16 @@
 </ct:contentTypeSchema>
 </file>
 
-<file path=customXml/itemProps1.xml><?xml version="1.0" encoding="utf-8"?>
-<ds:datastoreItem xmlns:ds="http://schemas.openxmlformats.org/officeDocument/2006/customXml" ds:itemID="{19E20559-B232-4371-8690-E3D8007EDB82}">
-  <ds:schemaRefs>
-    <ds:schemaRef ds:uri="http://schemas.microsoft.com/sharepoint/v3/contenttype/forms"/>
-  </ds:schemaRefs>
-</ds:datastoreItem>
+<file path=customXml/item3.xml><?xml version="1.0" encoding="utf-8"?>
+<?mso-contentType ?>
+<FormTemplates xmlns="http://schemas.microsoft.com/sharepoint/v3/contenttype/forms">
+  <Display>DocumentLibraryForm</Display>
+  <Edit>DocumentLibraryForm</Edit>
+  <New>DocumentLibraryForm</New>
+</FormTemplates>
 </file>
 
-<file path=customXml/itemProps2.xml><?xml version="1.0" encoding="utf-8"?>
+<file path=customXml/itemProps1.xml><?xml version="1.0" encoding="utf-8"?>
 <ds:datastoreItem xmlns:ds="http://schemas.openxmlformats.org/officeDocument/2006/customXml" ds:itemID="{A50EC660-24D0-43A0-AE5E-E274115E726B}">
   <ds:schemaRefs>
     <ds:schemaRef ds:uri="http://purl.org/dc/elements/1.1/"/>
@@ -32679,7 +32671,7 @@
 </ds:datastoreItem>
 </file>
 
-<file path=customXml/itemProps3.xml><?xml version="1.0" encoding="utf-8"?>
+<file path=customXml/itemProps2.xml><?xml version="1.0" encoding="utf-8"?>
 <ds:datastoreItem xmlns:ds="http://schemas.openxmlformats.org/officeDocument/2006/customXml" ds:itemID="{E8DB7DEB-074E-4EE8-9B6E-FD277323109C}">
   <ds:schemaRefs>
     <ds:schemaRef ds:uri="http://schemas.microsoft.com/office/2006/metadata/contentType"/>
@@ -32692,4 +32684,12 @@
     <ds:schemaRef ds:uri="http://schemas.microsoft.com/office/internal/2005/internalDocumentation"/>
   </ds:schemaRefs>
 </ds:datastoreItem>
+</file>
+
+<file path=customXml/itemProps3.xml><?xml version="1.0" encoding="utf-8"?>
+<ds:datastoreItem xmlns:ds="http://schemas.openxmlformats.org/officeDocument/2006/customXml" ds:itemID="{19E20559-B232-4371-8690-E3D8007EDB82}">
+  <ds:schemaRefs>
+    <ds:schemaRef ds:uri="http://schemas.microsoft.com/sharepoint/v3/contenttype/forms"/>
+  </ds:schemaRefs>
+</ds:datastoreItem>
 </file>
--- a/refactoring.pptx
+++ b/refactoring.pptx
@@ -11,8 +11,8 @@
     <p:handoutMasterId r:id="rId47"/>
   </p:handoutMasterIdLst>
   <p:sldIdLst>
-    <p:sldId id="617" r:id="rId5"/>
-    <p:sldId id="320" r:id="rId6"/>
+    <p:sldId id="661" r:id="rId5"/>
+    <p:sldId id="662" r:id="rId6"/>
     <p:sldId id="610" r:id="rId7"/>
     <p:sldId id="625" r:id="rId8"/>
     <p:sldId id="495" r:id="rId9"/>
@@ -295,7 +295,7 @@
           <a:p>
             <a:fld id="{0B842F42-2CE9-4E35-95C1-410DC08A50B1}" type="datetimeFigureOut">
               <a:rPr lang="en-US" smtClean="0"/>
-              <a:t>4/24/2024</a:t>
+              <a:t>4/28/2024</a:t>
             </a:fld>
             <a:endParaRPr lang="en-US"/>
           </a:p>
@@ -460,7 +460,7 @@
           <a:p>
             <a:fld id="{6F282904-F315-4730-8D91-37D99E141A6F}" type="datetimeFigureOut">
               <a:rPr lang="en-US" smtClean="0"/>
-              <a:t>4/24/2024</a:t>
+              <a:t>4/28/2024</a:t>
             </a:fld>
             <a:endParaRPr lang="en-US"/>
           </a:p>
@@ -1546,7 +1546,7 @@
 
 <file path=ppt/slideLayouts/slideLayout1.xml><?xml version="1.0" encoding="utf-8"?>
 <p:sldLayout xmlns:a="http://schemas.openxmlformats.org/drawingml/2006/main" xmlns:r="http://schemas.openxmlformats.org/officeDocument/2006/relationships" xmlns:p="http://schemas.openxmlformats.org/presentationml/2006/main" showMasterSp="0" preserve="1" userDrawn="1">
-  <p:cSld name="7_Title Slide">
+  <p:cSld name="9_Title Slide">
     <p:spTree>
       <p:nvGrpSpPr>
         <p:cNvPr id="1" name=""/>
@@ -1734,146 +1734,807 @@
           </a:lstStyle>
           <a:p>
             <a:r>
-              <a:rPr lang="en-US"/>
+              <a:rPr lang="en-US" dirty="0"/>
               <a:t>Click to edit Master title style</a:t>
             </a:r>
-            <a:endParaRPr lang="en-US" dirty="0"/>
+          </a:p>
+        </p:txBody>
+      </p:sp>
+      <p:pic>
+        <p:nvPicPr>
+          <p:cNvPr id="13" name="Picture 2" descr="https://licensebuttons.net/l/by/4.0/88x31.png">
+            <a:extLst>
+              <a:ext uri="{FF2B5EF4-FFF2-40B4-BE49-F238E27FC236}">
+                <a16:creationId xmlns:a16="http://schemas.microsoft.com/office/drawing/2014/main" id="{FAFD7D99-41CA-4FD0-9396-9C5659F22045}"/>
+              </a:ext>
+            </a:extLst>
+          </p:cNvPr>
+          <p:cNvPicPr>
+            <a:picLocks noChangeAspect="1" noChangeArrowheads="1"/>
+          </p:cNvPicPr>
+          <p:nvPr userDrawn="1"/>
+        </p:nvPicPr>
+        <p:blipFill>
+          <a:blip r:embed="rId2">
+            <a:extLst>
+              <a:ext uri="{28A0092B-C50C-407E-A947-70E740481C1C}">
+                <a14:useLocalDpi xmlns:a14="http://schemas.microsoft.com/office/drawing/2010/main" val="0"/>
+              </a:ext>
+            </a:extLst>
+          </a:blip>
+          <a:srcRect/>
+          <a:stretch>
+            <a:fillRect/>
+          </a:stretch>
+        </p:blipFill>
+        <p:spPr bwMode="auto">
+          <a:xfrm>
+            <a:off x="969069" y="5841262"/>
+            <a:ext cx="838200" cy="295275"/>
+          </a:xfrm>
+          <a:prstGeom prst="rect">
+            <a:avLst/>
+          </a:prstGeom>
+          <a:noFill/>
+          <a:extLst>
+            <a:ext uri="{909E8E84-426E-40DD-AFC4-6F175D3DCCD1}">
+              <a14:hiddenFill xmlns:a14="http://schemas.microsoft.com/office/drawing/2010/main">
+                <a:solidFill>
+                  <a:srgbClr val="FFFFFF"/>
+                </a:solidFill>
+              </a14:hiddenFill>
+            </a:ext>
+          </a:extLst>
+        </p:spPr>
+      </p:pic>
+      <p:sp>
+        <p:nvSpPr>
+          <p:cNvPr id="14" name="TextBox 13">
+            <a:extLst>
+              <a:ext uri="{FF2B5EF4-FFF2-40B4-BE49-F238E27FC236}">
+                <a16:creationId xmlns:a16="http://schemas.microsoft.com/office/drawing/2014/main" id="{9D022D1C-99FF-490C-8690-D8081D33C0AF}"/>
+              </a:ext>
+            </a:extLst>
+          </p:cNvPr>
+          <p:cNvSpPr txBox="1"/>
+          <p:nvPr userDrawn="1"/>
+        </p:nvSpPr>
+        <p:spPr>
+          <a:xfrm>
+            <a:off x="1810964" y="5776533"/>
+            <a:ext cx="1171114" cy="424732"/>
+          </a:xfrm>
+          <a:prstGeom prst="rect">
+            <a:avLst/>
+          </a:prstGeom>
+          <a:noFill/>
+        </p:spPr>
+        <p:txBody>
+          <a:bodyPr wrap="square" rtlCol="0">
+            <a:spAutoFit/>
+          </a:bodyPr>
+          <a:lstStyle/>
+          <a:p>
+            <a:pPr algn="ctr">
+              <a:lnSpc>
+                <a:spcPct val="90000"/>
+              </a:lnSpc>
+            </a:pPr>
+            <a:r>
+              <a:rPr lang="en-US" sz="1200" dirty="0"/>
+              <a:t>See slide 2 for license details</a:t>
+            </a:r>
           </a:p>
         </p:txBody>
       </p:sp>
       <p:sp>
         <p:nvSpPr>
-          <p:cNvPr id="3" name="Subtitle 2"/>
+          <p:cNvPr id="6" name="Text Placeholder 5">
+            <a:extLst>
+              <a:ext uri="{FF2B5EF4-FFF2-40B4-BE49-F238E27FC236}">
+                <a16:creationId xmlns:a16="http://schemas.microsoft.com/office/drawing/2014/main" id="{516372F2-F09E-4139-B638-4F1B290B77B9}"/>
+              </a:ext>
+            </a:extLst>
+          </p:cNvPr>
           <p:cNvSpPr>
             <a:spLocks noGrp="1"/>
           </p:cNvSpPr>
-          <p:nvPr userDrawn="1">
-            <p:ph type="subTitle" idx="1"/>
+          <p:nvPr>
+            <p:ph type="body" sz="quarter" idx="10" hasCustomPrompt="1"/>
           </p:nvPr>
         </p:nvSpPr>
         <p:spPr>
           <a:xfrm>
-            <a:off x="3177632" y="2085962"/>
-            <a:ext cx="8292317" cy="2855300"/>
+            <a:off x="9335896" y="5913283"/>
+            <a:ext cx="2852929" cy="262814"/>
           </a:xfrm>
         </p:spPr>
         <p:txBody>
-          <a:bodyPr lIns="109728"/>
+          <a:bodyPr/>
           <a:lstStyle>
-            <a:lvl1pPr marL="0" indent="0" algn="l">
+            <a:lvl1pPr marL="0" indent="0" algn="r">
               <a:buNone/>
-              <a:defRPr sz="2400">
-                <a:solidFill>
-                  <a:schemeClr val="tx1"/>
-                </a:solidFill>
-                <a:latin typeface="Arial" panose="020B0604020202020204" pitchFamily="34" charset="0"/>
-                <a:cs typeface="Arial" panose="020B0604020202020204" pitchFamily="34" charset="0"/>
-              </a:defRPr>
+              <a:defRPr sz="1200"/>
             </a:lvl1pPr>
-            <a:lvl2pPr marL="457200" indent="0" algn="ctr">
+          </a:lstStyle>
+          <a:p>
+            <a:pPr lvl="0"/>
+            <a:r>
+              <a:rPr lang="en-US" dirty="0"/>
+              <a:t>R&amp;R number (if required)</a:t>
+            </a:r>
+          </a:p>
+        </p:txBody>
+      </p:sp>
+      <p:sp>
+        <p:nvSpPr>
+          <p:cNvPr id="9" name="Text Placeholder 8">
+            <a:extLst>
+              <a:ext uri="{FF2B5EF4-FFF2-40B4-BE49-F238E27FC236}">
+                <a16:creationId xmlns:a16="http://schemas.microsoft.com/office/drawing/2014/main" id="{7A08ED72-5D36-44C1-A3D6-C72E158E1FA6}"/>
+              </a:ext>
+            </a:extLst>
+          </p:cNvPr>
+          <p:cNvSpPr>
+            <a:spLocks noGrp="1"/>
+          </p:cNvSpPr>
+          <p:nvPr>
+            <p:ph type="body" sz="quarter" idx="11" hasCustomPrompt="1"/>
+          </p:nvPr>
+        </p:nvSpPr>
+        <p:spPr>
+          <a:xfrm>
+            <a:off x="3176924" y="2085870"/>
+            <a:ext cx="2427268" cy="424732"/>
+          </a:xfrm>
+        </p:spPr>
+        <p:txBody>
+          <a:bodyPr wrap="none">
+            <a:spAutoFit/>
+          </a:bodyPr>
+          <a:lstStyle>
+            <a:lvl1pPr marL="0" indent="0">
               <a:buNone/>
-              <a:defRPr>
-                <a:solidFill>
-                  <a:schemeClr val="tx1">
-                    <a:tint val="75000"/>
-                  </a:schemeClr>
-                </a:solidFill>
-              </a:defRPr>
-            </a:lvl2pPr>
-            <a:lvl3pPr marL="914400" indent="0" algn="ctr">
+              <a:defRPr u="sng"/>
+            </a:lvl1pPr>
+          </a:lstStyle>
+          <a:p>
+            <a:pPr lvl="0"/>
+            <a:r>
+              <a:rPr lang="en-US" dirty="0"/>
+              <a:t>Presenter Name</a:t>
+            </a:r>
+          </a:p>
+        </p:txBody>
+      </p:sp>
+      <p:sp>
+        <p:nvSpPr>
+          <p:cNvPr id="11" name="Text Placeholder 10">
+            <a:extLst>
+              <a:ext uri="{FF2B5EF4-FFF2-40B4-BE49-F238E27FC236}">
+                <a16:creationId xmlns:a16="http://schemas.microsoft.com/office/drawing/2014/main" id="{07C2C5E0-3F9A-4B6C-82C6-FEE7176DA8DC}"/>
+              </a:ext>
+            </a:extLst>
+          </p:cNvPr>
+          <p:cNvSpPr>
+            <a:spLocks noGrp="1"/>
+          </p:cNvSpPr>
+          <p:nvPr>
+            <p:ph type="body" sz="quarter" idx="12" hasCustomPrompt="1"/>
+          </p:nvPr>
+        </p:nvSpPr>
+        <p:spPr>
+          <a:xfrm>
+            <a:off x="5667411" y="2134517"/>
+            <a:ext cx="1690167" cy="376085"/>
+          </a:xfrm>
+        </p:spPr>
+        <p:txBody>
+          <a:bodyPr>
+            <a:spAutoFit/>
+          </a:bodyPr>
+          <a:lstStyle>
+            <a:lvl1pPr marL="0" indent="0">
               <a:buNone/>
-              <a:defRPr>
-                <a:solidFill>
-                  <a:schemeClr val="tx1">
-                    <a:tint val="75000"/>
-                  </a:schemeClr>
-                </a:solidFill>
-              </a:defRPr>
-            </a:lvl3pPr>
-            <a:lvl4pPr marL="1371600" indent="0" algn="ctr">
+              <a:defRPr sz="2000"/>
+            </a:lvl1pPr>
+          </a:lstStyle>
+          <a:p>
+            <a:pPr lvl="0"/>
+            <a:r>
+              <a:rPr lang="en-US" dirty="0"/>
+              <a:t>(pronouns)</a:t>
+            </a:r>
+          </a:p>
+        </p:txBody>
+      </p:sp>
+      <p:sp>
+        <p:nvSpPr>
+          <p:cNvPr id="20" name="Text Placeholder 10">
+            <a:extLst>
+              <a:ext uri="{FF2B5EF4-FFF2-40B4-BE49-F238E27FC236}">
+                <a16:creationId xmlns:a16="http://schemas.microsoft.com/office/drawing/2014/main" id="{6EE16D41-009C-4DB1-A6DF-FEBADC8C343B}"/>
+              </a:ext>
+            </a:extLst>
+          </p:cNvPr>
+          <p:cNvSpPr>
+            <a:spLocks noGrp="1"/>
+          </p:cNvSpPr>
+          <p:nvPr>
+            <p:ph type="body" sz="quarter" idx="13" hasCustomPrompt="1"/>
+          </p:nvPr>
+        </p:nvSpPr>
+        <p:spPr>
+          <a:xfrm>
+            <a:off x="3176924" y="2459716"/>
+            <a:ext cx="8292315" cy="369332"/>
+          </a:xfrm>
+        </p:spPr>
+        <p:txBody>
+          <a:bodyPr wrap="square">
+            <a:spAutoFit/>
+          </a:bodyPr>
+          <a:lstStyle>
+            <a:lvl1pPr marL="0" indent="0">
               <a:buNone/>
-              <a:defRPr>
-                <a:solidFill>
-                  <a:schemeClr val="tx1">
-                    <a:tint val="75000"/>
-                  </a:schemeClr>
-                </a:solidFill>
-              </a:defRPr>
-            </a:lvl4pPr>
-            <a:lvl5pPr marL="1828800" indent="0" algn="ctr">
+              <a:defRPr sz="2000"/>
+            </a:lvl1pPr>
+          </a:lstStyle>
+          <a:p>
+            <a:pPr lvl="0"/>
+            <a:r>
+              <a:rPr lang="en-US" dirty="0"/>
+              <a:t>Long affiliation</a:t>
+            </a:r>
+          </a:p>
+        </p:txBody>
+      </p:sp>
+      <p:sp>
+        <p:nvSpPr>
+          <p:cNvPr id="21" name="Text Placeholder 10">
+            <a:extLst>
+              <a:ext uri="{FF2B5EF4-FFF2-40B4-BE49-F238E27FC236}">
+                <a16:creationId xmlns:a16="http://schemas.microsoft.com/office/drawing/2014/main" id="{8E791C6E-DB06-44D1-AB4E-AA0EF8215FBB}"/>
+              </a:ext>
+            </a:extLst>
+          </p:cNvPr>
+          <p:cNvSpPr>
+            <a:spLocks noGrp="1"/>
+          </p:cNvSpPr>
+          <p:nvPr>
+            <p:ph type="body" sz="quarter" idx="14" hasCustomPrompt="1"/>
+          </p:nvPr>
+        </p:nvSpPr>
+        <p:spPr>
+          <a:xfrm>
+            <a:off x="3176925" y="3161813"/>
+            <a:ext cx="8292316" cy="369332"/>
+          </a:xfrm>
+        </p:spPr>
+        <p:txBody>
+          <a:bodyPr wrap="square">
+            <a:spAutoFit/>
+          </a:bodyPr>
+          <a:lstStyle>
+            <a:lvl1pPr marL="0" indent="0">
               <a:buNone/>
-              <a:defRPr>
-                <a:solidFill>
-                  <a:schemeClr val="tx1">
-                    <a:tint val="75000"/>
-                  </a:schemeClr>
-                </a:solidFill>
-              </a:defRPr>
-            </a:lvl5pPr>
-            <a:lvl6pPr marL="2286000" indent="0" algn="ctr">
+              <a:defRPr sz="2000"/>
+            </a:lvl1pPr>
+          </a:lstStyle>
+          <a:p>
+            <a:pPr lvl="0"/>
+            <a:r>
+              <a:rPr lang="en-US" dirty="0"/>
+              <a:t>Tutorial title @ Venue</a:t>
+            </a:r>
+          </a:p>
+        </p:txBody>
+      </p:sp>
+      <p:sp>
+        <p:nvSpPr>
+          <p:cNvPr id="23" name="Text Placeholder 10">
+            <a:extLst>
+              <a:ext uri="{FF2B5EF4-FFF2-40B4-BE49-F238E27FC236}">
+                <a16:creationId xmlns:a16="http://schemas.microsoft.com/office/drawing/2014/main" id="{AA4CD3CE-55B5-4132-9AC3-B94506768C36}"/>
+              </a:ext>
+            </a:extLst>
+          </p:cNvPr>
+          <p:cNvSpPr>
+            <a:spLocks noGrp="1"/>
+          </p:cNvSpPr>
+          <p:nvPr>
+            <p:ph type="body" sz="quarter" idx="15" hasCustomPrompt="1"/>
+          </p:nvPr>
+        </p:nvSpPr>
+        <p:spPr>
+          <a:xfrm>
+            <a:off x="3176924" y="3792588"/>
+            <a:ext cx="8292316" cy="646331"/>
+          </a:xfrm>
+        </p:spPr>
+        <p:txBody>
+          <a:bodyPr wrap="square">
+            <a:spAutoFit/>
+          </a:bodyPr>
+          <a:lstStyle>
+            <a:lvl1pPr marL="0" indent="0">
               <a:buNone/>
-              <a:defRPr>
-                <a:solidFill>
-                  <a:schemeClr val="tx1">
-                    <a:tint val="75000"/>
-                  </a:schemeClr>
-                </a:solidFill>
-              </a:defRPr>
-            </a:lvl6pPr>
-            <a:lvl7pPr marL="2743200" indent="0" algn="ctr">
-              <a:buNone/>
-              <a:defRPr>
-                <a:solidFill>
-                  <a:schemeClr val="tx1">
-                    <a:tint val="75000"/>
-                  </a:schemeClr>
-                </a:solidFill>
-              </a:defRPr>
-            </a:lvl7pPr>
-            <a:lvl8pPr marL="3200400" indent="0" algn="ctr">
-              <a:buNone/>
-              <a:defRPr>
-                <a:solidFill>
-                  <a:schemeClr val="tx1">
-                    <a:tint val="75000"/>
-                  </a:schemeClr>
-                </a:solidFill>
-              </a:defRPr>
-            </a:lvl8pPr>
-            <a:lvl9pPr marL="3657600" indent="0" algn="ctr">
-              <a:buNone/>
-              <a:defRPr>
-                <a:solidFill>
-                  <a:schemeClr val="tx1">
-                    <a:tint val="75000"/>
-                  </a:schemeClr>
-                </a:solidFill>
-              </a:defRPr>
-            </a:lvl9pPr>
+              <a:defRPr sz="2000"/>
+            </a:lvl1pPr>
           </a:lstStyle>
           <a:p>
-            <a:r>
-              <a:rPr lang="en-US"/>
-              <a:t>Click to edit Master subtitle style</a:t>
-            </a:r>
-            <a:endParaRPr lang="en-US" dirty="0"/>
+            <a:pPr>
+              <a:spcBef>
+                <a:spcPts val="2800"/>
+              </a:spcBef>
+            </a:pPr>
+            <a:r>
+              <a:rPr lang="en-US" sz="2000" dirty="0"/>
+              <a:t>Contributors: Contributor Name (short affiliation), … in alphabetical order</a:t>
+            </a:r>
           </a:p>
         </p:txBody>
       </p:sp>
       <p:pic>
         <p:nvPicPr>
-          <p:cNvPr id="16" name="Picture 15"/>
+          <p:cNvPr id="3" name="Picture 2">
+            <a:extLst>
+              <a:ext uri="{FF2B5EF4-FFF2-40B4-BE49-F238E27FC236}">
+                <a16:creationId xmlns:a16="http://schemas.microsoft.com/office/drawing/2014/main" id="{E5A81C43-A5B9-D933-9CA0-B9EBBA5B6295}"/>
+              </a:ext>
+            </a:extLst>
+          </p:cNvPr>
           <p:cNvPicPr>
             <a:picLocks noChangeAspect="1"/>
           </p:cNvPicPr>
           <p:nvPr userDrawn="1"/>
         </p:nvPicPr>
         <p:blipFill>
-          <a:blip r:embed="rId2" cstate="print">
+          <a:blip r:embed="rId3" cstate="print">
+            <a:extLst>
+              <a:ext uri="{28A0092B-C50C-407E-A947-70E740481C1C}">
+                <a14:useLocalDpi xmlns:a14="http://schemas.microsoft.com/office/drawing/2010/main" val="0"/>
+              </a:ext>
+            </a:extLst>
+          </a:blip>
+          <a:stretch>
+            <a:fillRect/>
+          </a:stretch>
+        </p:blipFill>
+        <p:spPr>
+          <a:xfrm>
+            <a:off x="418659" y="158509"/>
+            <a:ext cx="2109916" cy="905256"/>
+          </a:xfrm>
+          <a:prstGeom prst="rect">
+            <a:avLst/>
+          </a:prstGeom>
+        </p:spPr>
+      </p:pic>
+      <p:grpSp>
+        <p:nvGrpSpPr>
+          <p:cNvPr id="5" name="Group 4">
+            <a:extLst>
+              <a:ext uri="{FF2B5EF4-FFF2-40B4-BE49-F238E27FC236}">
+                <a16:creationId xmlns:a16="http://schemas.microsoft.com/office/drawing/2014/main" id="{2211A969-E7EA-13C3-D014-C029084F4EFB}"/>
+              </a:ext>
+            </a:extLst>
+          </p:cNvPr>
+          <p:cNvGrpSpPr/>
+          <p:nvPr userDrawn="1"/>
+        </p:nvGrpSpPr>
+        <p:grpSpPr>
+          <a:xfrm>
+            <a:off x="366259" y="3655396"/>
+            <a:ext cx="2214716" cy="356329"/>
+            <a:chOff x="341278" y="3628835"/>
+            <a:chExt cx="2214716" cy="356329"/>
+          </a:xfrm>
+        </p:grpSpPr>
+        <p:pic>
+          <p:nvPicPr>
+            <p:cNvPr id="7" name="Picture 2">
+              <a:extLst>
+                <a:ext uri="{FF2B5EF4-FFF2-40B4-BE49-F238E27FC236}">
+                  <a16:creationId xmlns:a16="http://schemas.microsoft.com/office/drawing/2014/main" id="{D16A6A85-AECD-6121-D004-ECB79BC13076}"/>
+                </a:ext>
+              </a:extLst>
+            </p:cNvPr>
+            <p:cNvPicPr>
+              <a:picLocks noChangeAspect="1" noChangeArrowheads="1"/>
+            </p:cNvPicPr>
+            <p:nvPr userDrawn="1"/>
+          </p:nvPicPr>
+          <p:blipFill>
+            <a:blip r:embed="rId4">
+              <a:extLst>
+                <a:ext uri="{28A0092B-C50C-407E-A947-70E740481C1C}">
+                  <a14:useLocalDpi xmlns:a14="http://schemas.microsoft.com/office/drawing/2010/main" val="0"/>
+                </a:ext>
+              </a:extLst>
+            </a:blip>
+            <a:srcRect/>
+            <a:stretch>
+              <a:fillRect/>
+            </a:stretch>
+          </p:blipFill>
+          <p:spPr bwMode="auto">
+            <a:xfrm>
+              <a:off x="341278" y="3628835"/>
+              <a:ext cx="1005840" cy="356329"/>
+            </a:xfrm>
+            <a:prstGeom prst="rect">
+              <a:avLst/>
+            </a:prstGeom>
+            <a:noFill/>
+            <a:extLst>
+              <a:ext uri="{909E8E84-426E-40DD-AFC4-6F175D3DCCD1}">
+                <a14:hiddenFill xmlns:a14="http://schemas.microsoft.com/office/drawing/2010/main">
+                  <a:solidFill>
+                    <a:srgbClr val="FFFFFF"/>
+                  </a:solidFill>
+                </a14:hiddenFill>
+              </a:ext>
+            </a:extLst>
+          </p:spPr>
+        </p:pic>
+        <p:pic>
+          <p:nvPicPr>
+            <p:cNvPr id="10" name="Picture 4">
+              <a:extLst>
+                <a:ext uri="{FF2B5EF4-FFF2-40B4-BE49-F238E27FC236}">
+                  <a16:creationId xmlns:a16="http://schemas.microsoft.com/office/drawing/2014/main" id="{87D2793C-01C6-B180-3495-5A2067445539}"/>
+                </a:ext>
+              </a:extLst>
+            </p:cNvPr>
+            <p:cNvPicPr>
+              <a:picLocks noChangeAspect="1" noChangeArrowheads="1"/>
+            </p:cNvPicPr>
+            <p:nvPr userDrawn="1"/>
+          </p:nvPicPr>
+          <p:blipFill>
+            <a:blip r:embed="rId5" cstate="print">
+              <a:extLst>
+                <a:ext uri="{28A0092B-C50C-407E-A947-70E740481C1C}">
+                  <a14:useLocalDpi xmlns:a14="http://schemas.microsoft.com/office/drawing/2010/main" val="0"/>
+                </a:ext>
+              </a:extLst>
+            </a:blip>
+            <a:srcRect/>
+            <a:stretch>
+              <a:fillRect/>
+            </a:stretch>
+          </p:blipFill>
+          <p:spPr bwMode="auto">
+            <a:xfrm>
+              <a:off x="1550154" y="3690079"/>
+              <a:ext cx="1005840" cy="233840"/>
+            </a:xfrm>
+            <a:prstGeom prst="rect">
+              <a:avLst/>
+            </a:prstGeom>
+            <a:noFill/>
+            <a:extLst>
+              <a:ext uri="{909E8E84-426E-40DD-AFC4-6F175D3DCCD1}">
+                <a14:hiddenFill xmlns:a14="http://schemas.microsoft.com/office/drawing/2010/main">
+                  <a:solidFill>
+                    <a:srgbClr val="FFFFFF"/>
+                  </a:solidFill>
+                </a14:hiddenFill>
+              </a:ext>
+            </a:extLst>
+          </p:spPr>
+        </p:pic>
+      </p:grpSp>
+      <p:pic>
+        <p:nvPicPr>
+          <p:cNvPr id="18" name="Picture 17" descr="A black and white sign with blue text&#10;&#10;Description automatically generated">
+            <a:extLst>
+              <a:ext uri="{FF2B5EF4-FFF2-40B4-BE49-F238E27FC236}">
+                <a16:creationId xmlns:a16="http://schemas.microsoft.com/office/drawing/2014/main" id="{90ECFB80-075A-EDC0-363D-3CE459F436D1}"/>
+              </a:ext>
+            </a:extLst>
+          </p:cNvPr>
+          <p:cNvPicPr>
+            <a:picLocks noChangeAspect="1"/>
+          </p:cNvPicPr>
+          <p:nvPr userDrawn="1"/>
+        </p:nvPicPr>
+        <p:blipFill>
+          <a:blip r:embed="rId6" cstate="print">
+            <a:extLst>
+              <a:ext uri="{28A0092B-C50C-407E-A947-70E740481C1C}">
+                <a14:useLocalDpi xmlns:a14="http://schemas.microsoft.com/office/drawing/2010/main" val="0"/>
+              </a:ext>
+            </a:extLst>
+          </a:blip>
+          <a:stretch>
+            <a:fillRect/>
+          </a:stretch>
+        </p:blipFill>
+        <p:spPr>
+          <a:xfrm>
+            <a:off x="970697" y="4125123"/>
+            <a:ext cx="1005840" cy="324328"/>
+          </a:xfrm>
+          <a:prstGeom prst="rect">
+            <a:avLst/>
+          </a:prstGeom>
+        </p:spPr>
+      </p:pic>
+      <p:sp>
+        <p:nvSpPr>
+          <p:cNvPr id="19" name="TextBox 18">
+            <a:extLst>
+              <a:ext uri="{FF2B5EF4-FFF2-40B4-BE49-F238E27FC236}">
+                <a16:creationId xmlns:a16="http://schemas.microsoft.com/office/drawing/2014/main" id="{23984D22-2BE9-C684-93D1-920B201DC418}"/>
+              </a:ext>
+            </a:extLst>
+          </p:cNvPr>
+          <p:cNvSpPr txBox="1"/>
+          <p:nvPr userDrawn="1"/>
+        </p:nvSpPr>
+        <p:spPr>
+          <a:xfrm>
+            <a:off x="901538" y="1776974"/>
+            <a:ext cx="1144159" cy="350865"/>
+          </a:xfrm>
+          <a:prstGeom prst="rect">
+            <a:avLst/>
+          </a:prstGeom>
+          <a:noFill/>
+        </p:spPr>
+        <p:txBody>
+          <a:bodyPr wrap="none" lIns="118872" tIns="91440" rIns="118872" bIns="91440" rtlCol="0" anchor="ctr" anchorCtr="0">
+            <a:spAutoFit/>
+          </a:bodyPr>
+          <a:lstStyle/>
+          <a:p>
+            <a:pPr algn="l">
+              <a:lnSpc>
+                <a:spcPct val="90000"/>
+              </a:lnSpc>
+            </a:pPr>
+            <a:r>
+              <a:rPr lang="en-US" sz="1200" i="1" dirty="0"/>
+              <a:t>Presented by</a:t>
+            </a:r>
+          </a:p>
+        </p:txBody>
+      </p:sp>
+      <p:sp>
+        <p:nvSpPr>
+          <p:cNvPr id="24" name="TextBox 23">
+            <a:extLst>
+              <a:ext uri="{FF2B5EF4-FFF2-40B4-BE49-F238E27FC236}">
+                <a16:creationId xmlns:a16="http://schemas.microsoft.com/office/drawing/2014/main" id="{9EA65A86-1694-D0BE-3C46-045E2B00D094}"/>
+              </a:ext>
+            </a:extLst>
+          </p:cNvPr>
+          <p:cNvSpPr txBox="1"/>
+          <p:nvPr userDrawn="1"/>
+        </p:nvSpPr>
+        <p:spPr>
+          <a:xfrm>
+            <a:off x="28657" y="2079048"/>
+            <a:ext cx="2889921" cy="932563"/>
+          </a:xfrm>
+          <a:prstGeom prst="rect">
+            <a:avLst/>
+          </a:prstGeom>
+          <a:noFill/>
+        </p:spPr>
+        <p:txBody>
+          <a:bodyPr wrap="square" lIns="118872" tIns="91440" rIns="118872" bIns="91440" rtlCol="0" anchor="ctr" anchorCtr="0">
+            <a:spAutoFit/>
+          </a:bodyPr>
+          <a:lstStyle/>
+          <a:p>
+            <a:pPr algn="l">
+              <a:lnSpc>
+                <a:spcPct val="90000"/>
+              </a:lnSpc>
+            </a:pPr>
+            <a:r>
+              <a:rPr lang="en-US" b="1" dirty="0"/>
+              <a:t>COLABS: Collaboration for Better Software for Science</a:t>
+            </a:r>
+          </a:p>
+        </p:txBody>
+      </p:sp>
+      <p:sp>
+        <p:nvSpPr>
+          <p:cNvPr id="25" name="TextBox 24">
+            <a:extLst>
+              <a:ext uri="{FF2B5EF4-FFF2-40B4-BE49-F238E27FC236}">
+                <a16:creationId xmlns:a16="http://schemas.microsoft.com/office/drawing/2014/main" id="{7C98D32A-D229-5172-E298-9AF976ACE627}"/>
+              </a:ext>
+            </a:extLst>
+          </p:cNvPr>
+          <p:cNvSpPr txBox="1"/>
+          <p:nvPr userDrawn="1"/>
+        </p:nvSpPr>
+        <p:spPr>
+          <a:xfrm>
+            <a:off x="676315" y="3191133"/>
+            <a:ext cx="1594604" cy="350865"/>
+          </a:xfrm>
+          <a:prstGeom prst="rect">
+            <a:avLst/>
+          </a:prstGeom>
+          <a:noFill/>
+        </p:spPr>
+        <p:txBody>
+          <a:bodyPr wrap="none" lIns="118872" tIns="91440" rIns="118872" bIns="91440" rtlCol="0" anchor="ctr" anchorCtr="0">
+            <a:spAutoFit/>
+          </a:bodyPr>
+          <a:lstStyle/>
+          <a:p>
+            <a:pPr algn="l">
+              <a:lnSpc>
+                <a:spcPct val="90000"/>
+              </a:lnSpc>
+            </a:pPr>
+            <a:r>
+              <a:rPr lang="en-US" sz="1200" i="1" dirty="0"/>
+              <a:t>In collaboration with</a:t>
+            </a:r>
+          </a:p>
+        </p:txBody>
+      </p:sp>
+      <p:sp>
+        <p:nvSpPr>
+          <p:cNvPr id="26" name="TextBox 25">
+            <a:extLst>
+              <a:ext uri="{FF2B5EF4-FFF2-40B4-BE49-F238E27FC236}">
+                <a16:creationId xmlns:a16="http://schemas.microsoft.com/office/drawing/2014/main" id="{64D46951-9F99-A303-D249-27B751A562DB}"/>
+              </a:ext>
+            </a:extLst>
+          </p:cNvPr>
+          <p:cNvSpPr txBox="1"/>
+          <p:nvPr userDrawn="1"/>
+        </p:nvSpPr>
+        <p:spPr>
+          <a:xfrm>
+            <a:off x="572120" y="4562849"/>
+            <a:ext cx="1802994" cy="350865"/>
+          </a:xfrm>
+          <a:prstGeom prst="rect">
+            <a:avLst/>
+          </a:prstGeom>
+          <a:noFill/>
+        </p:spPr>
+        <p:txBody>
+          <a:bodyPr wrap="none" lIns="118872" tIns="91440" rIns="118872" bIns="91440" rtlCol="0" anchor="ctr" anchorCtr="0">
+            <a:spAutoFit/>
+          </a:bodyPr>
+          <a:lstStyle/>
+          <a:p>
+            <a:pPr algn="l">
+              <a:lnSpc>
+                <a:spcPct val="90000"/>
+              </a:lnSpc>
+            </a:pPr>
+            <a:r>
+              <a:rPr lang="en-US" sz="1200" i="1" dirty="0"/>
+              <a:t>With prior support from</a:t>
+            </a:r>
+          </a:p>
+        </p:txBody>
+      </p:sp>
+      <p:grpSp>
+        <p:nvGrpSpPr>
+          <p:cNvPr id="27" name="Group 26">
+            <a:extLst>
+              <a:ext uri="{FF2B5EF4-FFF2-40B4-BE49-F238E27FC236}">
+                <a16:creationId xmlns:a16="http://schemas.microsoft.com/office/drawing/2014/main" id="{CC665AB1-818C-15F6-A435-7A7C14109262}"/>
+              </a:ext>
+            </a:extLst>
+          </p:cNvPr>
+          <p:cNvGrpSpPr/>
+          <p:nvPr userDrawn="1"/>
+        </p:nvGrpSpPr>
+        <p:grpSpPr>
+          <a:xfrm>
+            <a:off x="355043" y="5027111"/>
+            <a:ext cx="2237149" cy="457200"/>
+            <a:chOff x="343050" y="5128711"/>
+            <a:chExt cx="2237149" cy="457200"/>
+          </a:xfrm>
+        </p:grpSpPr>
+        <p:pic>
+          <p:nvPicPr>
+            <p:cNvPr id="28" name="Picture 27">
+              <a:extLst>
+                <a:ext uri="{FF2B5EF4-FFF2-40B4-BE49-F238E27FC236}">
+                  <a16:creationId xmlns:a16="http://schemas.microsoft.com/office/drawing/2014/main" id="{D8D4DA06-93FC-7C79-22C0-69CD6E71946F}"/>
+                </a:ext>
+              </a:extLst>
+            </p:cNvPr>
+            <p:cNvPicPr>
+              <a:picLocks noChangeAspect="1"/>
+            </p:cNvPicPr>
+            <p:nvPr userDrawn="1"/>
+          </p:nvPicPr>
+          <p:blipFill>
+            <a:blip r:embed="rId7" cstate="print">
+              <a:extLst>
+                <a:ext uri="{28A0092B-C50C-407E-A947-70E740481C1C}">
+                  <a14:useLocalDpi xmlns:a14="http://schemas.microsoft.com/office/drawing/2010/main" val="0"/>
+                </a:ext>
+              </a:extLst>
+            </a:blip>
+            <a:stretch>
+              <a:fillRect/>
+            </a:stretch>
+          </p:blipFill>
+          <p:spPr>
+            <a:xfrm>
+              <a:off x="343050" y="5128711"/>
+              <a:ext cx="1002296" cy="457200"/>
+            </a:xfrm>
+            <a:prstGeom prst="rect">
+              <a:avLst/>
+            </a:prstGeom>
+          </p:spPr>
+        </p:pic>
+        <p:pic>
+          <p:nvPicPr>
+            <p:cNvPr id="29" name="Picture 28" descr="A picture containing shape&#10;&#10;Description automatically generated">
+              <a:extLst>
+                <a:ext uri="{FF2B5EF4-FFF2-40B4-BE49-F238E27FC236}">
+                  <a16:creationId xmlns:a16="http://schemas.microsoft.com/office/drawing/2014/main" id="{3A576A20-C17C-D6D5-507F-A7C5D2EE03B7}"/>
+                </a:ext>
+              </a:extLst>
+            </p:cNvPr>
+            <p:cNvPicPr>
+              <a:picLocks noChangeAspect="1"/>
+            </p:cNvPicPr>
+            <p:nvPr userDrawn="1"/>
+          </p:nvPicPr>
+          <p:blipFill>
+            <a:blip r:embed="rId8">
+              <a:extLst>
+                <a:ext uri="{28A0092B-C50C-407E-A947-70E740481C1C}">
+                  <a14:useLocalDpi xmlns:a14="http://schemas.microsoft.com/office/drawing/2010/main" val="0"/>
+                </a:ext>
+              </a:extLst>
+            </a:blip>
+            <a:stretch>
+              <a:fillRect/>
+            </a:stretch>
+          </p:blipFill>
+          <p:spPr>
+            <a:xfrm>
+              <a:off x="1525950" y="5128711"/>
+              <a:ext cx="1054249" cy="457200"/>
+            </a:xfrm>
+            <a:prstGeom prst="rect">
+              <a:avLst/>
+            </a:prstGeom>
+          </p:spPr>
+        </p:pic>
+      </p:grpSp>
+      <p:pic>
+        <p:nvPicPr>
+          <p:cNvPr id="31" name="Picture 30">
+            <a:extLst>
+              <a:ext uri="{FF2B5EF4-FFF2-40B4-BE49-F238E27FC236}">
+                <a16:creationId xmlns:a16="http://schemas.microsoft.com/office/drawing/2014/main" id="{F6BAEEDA-B6C4-7DDA-6A83-26F20E08F28B}"/>
+              </a:ext>
+            </a:extLst>
+          </p:cNvPr>
+          <p:cNvPicPr>
+            <a:picLocks noChangeAspect="1"/>
+          </p:cNvPicPr>
+          <p:nvPr userDrawn="1"/>
+        </p:nvPicPr>
+        <p:blipFill>
+          <a:blip r:embed="rId9" cstate="print">
             <a:extLst>
               <a:ext uri="{BEBA8EAE-BF5A-486C-A8C5-ECC9F3942E4B}">
                 <a14:imgProps xmlns:a14="http://schemas.microsoft.com/office/drawing/2010/main">
-                  <a14:imgLayer r:embed="rId3">
+                  <a14:imgLayer r:embed="rId10">
                     <a14:imgEffect>
                       <a14:brightnessContrast bright="100000"/>
                     </a14:imgEffect>
@@ -1891,7 +2552,7 @@
         </p:blipFill>
         <p:spPr>
           <a:xfrm>
-            <a:off x="9357260" y="6321694"/>
+            <a:off x="9536165" y="6321694"/>
             <a:ext cx="2409477" cy="401008"/>
           </a:xfrm>
           <a:prstGeom prst="rect">
@@ -1902,7 +2563,7 @@
     </p:spTree>
     <p:extLst>
       <p:ext uri="{BB962C8B-B14F-4D97-AF65-F5344CB8AC3E}">
-        <p14:creationId xmlns:p14="http://schemas.microsoft.com/office/powerpoint/2010/main" val="324926385"/>
+        <p14:creationId xmlns:p14="http://schemas.microsoft.com/office/powerpoint/2010/main" val="3988978222"/>
       </p:ext>
     </p:extLst>
   </p:cSld>
@@ -1914,7 +2575,7 @@
 
 <file path=ppt/slideLayouts/slideLayout2.xml><?xml version="1.0" encoding="utf-8"?>
 <p:sldLayout xmlns:a="http://schemas.openxmlformats.org/drawingml/2006/main" xmlns:r="http://schemas.openxmlformats.org/officeDocument/2006/relationships" xmlns:p="http://schemas.openxmlformats.org/presentationml/2006/main" showMasterSp="0" preserve="1" userDrawn="1">
-  <p:cSld name="8_Title Slide">
+  <p:cSld name="10_Title Slide">
     <p:spTree>
       <p:nvGrpSpPr>
         <p:cNvPr id="1" name=""/>
@@ -2354,12 +3015,48 @@
           </a:p>
         </p:txBody>
       </p:sp>
+      <p:pic>
+        <p:nvPicPr>
+          <p:cNvPr id="5" name="Picture 4">
+            <a:extLst>
+              <a:ext uri="{FF2B5EF4-FFF2-40B4-BE49-F238E27FC236}">
+                <a16:creationId xmlns:a16="http://schemas.microsoft.com/office/drawing/2014/main" id="{39A0B7EC-D4C0-0A37-EF93-54309C1E7E8C}"/>
+              </a:ext>
+            </a:extLst>
+          </p:cNvPr>
+          <p:cNvPicPr>
+            <a:picLocks noChangeAspect="1"/>
+          </p:cNvPicPr>
+          <p:nvPr userDrawn="1"/>
+        </p:nvPicPr>
+        <p:blipFill>
+          <a:blip r:embed="rId5" cstate="print">
+            <a:extLst>
+              <a:ext uri="{28A0092B-C50C-407E-A947-70E740481C1C}">
+                <a14:useLocalDpi xmlns:a14="http://schemas.microsoft.com/office/drawing/2010/main" val="0"/>
+              </a:ext>
+            </a:extLst>
+          </a:blip>
+          <a:stretch>
+            <a:fillRect/>
+          </a:stretch>
+        </p:blipFill>
+        <p:spPr>
+          <a:xfrm>
+            <a:off x="418659" y="158509"/>
+            <a:ext cx="2109916" cy="905256"/>
+          </a:xfrm>
+          <a:prstGeom prst="rect">
+            <a:avLst/>
+          </a:prstGeom>
+        </p:spPr>
+      </p:pic>
       <p:grpSp>
         <p:nvGrpSpPr>
-          <p:cNvPr id="8" name="Group 7">
+          <p:cNvPr id="21" name="Group 20">
             <a:extLst>
               <a:ext uri="{FF2B5EF4-FFF2-40B4-BE49-F238E27FC236}">
-                <a16:creationId xmlns:a16="http://schemas.microsoft.com/office/drawing/2014/main" id="{8F8AAED5-F12F-51CE-E302-B5FE8B71EE16}"/>
+                <a16:creationId xmlns:a16="http://schemas.microsoft.com/office/drawing/2014/main" id="{23F39736-1AFA-8528-C9E3-41B55EABEDCA}"/>
               </a:ext>
             </a:extLst>
           </p:cNvPr>
@@ -2368,54 +3065,18 @@
         </p:nvGrpSpPr>
         <p:grpSpPr>
           <a:xfrm>
-            <a:off x="77487" y="226243"/>
-            <a:ext cx="2937455" cy="5079380"/>
-            <a:chOff x="-80559" y="113353"/>
-            <a:chExt cx="2937455" cy="5079380"/>
+            <a:off x="366259" y="3655396"/>
+            <a:ext cx="2214716" cy="356329"/>
+            <a:chOff x="341278" y="3628835"/>
+            <a:chExt cx="2214716" cy="356329"/>
           </a:xfrm>
         </p:grpSpPr>
         <p:pic>
           <p:nvPicPr>
-            <p:cNvPr id="9" name="Picture 8">
+            <p:cNvPr id="6" name="Picture 2">
               <a:extLst>
                 <a:ext uri="{FF2B5EF4-FFF2-40B4-BE49-F238E27FC236}">
-                  <a16:creationId xmlns:a16="http://schemas.microsoft.com/office/drawing/2014/main" id="{D9E2213A-5F74-6905-4FD1-09BEC0FF112B}"/>
-                </a:ext>
-              </a:extLst>
-            </p:cNvPr>
-            <p:cNvPicPr>
-              <a:picLocks noChangeAspect="1"/>
-            </p:cNvPicPr>
-            <p:nvPr userDrawn="1"/>
-          </p:nvPicPr>
-          <p:blipFill>
-            <a:blip r:embed="rId5" cstate="print">
-              <a:extLst>
-                <a:ext uri="{28A0092B-C50C-407E-A947-70E740481C1C}">
-                  <a14:useLocalDpi xmlns:a14="http://schemas.microsoft.com/office/drawing/2010/main" val="0"/>
-                </a:ext>
-              </a:extLst>
-            </a:blip>
-            <a:stretch>
-              <a:fillRect/>
-            </a:stretch>
-          </p:blipFill>
-          <p:spPr>
-            <a:xfrm>
-              <a:off x="263939" y="113353"/>
-              <a:ext cx="2109916" cy="905256"/>
-            </a:xfrm>
-            <a:prstGeom prst="rect">
-              <a:avLst/>
-            </a:prstGeom>
-          </p:spPr>
-        </p:pic>
-        <p:pic>
-          <p:nvPicPr>
-            <p:cNvPr id="10" name="Picture 2">
-              <a:extLst>
-                <a:ext uri="{FF2B5EF4-FFF2-40B4-BE49-F238E27FC236}">
-                  <a16:creationId xmlns:a16="http://schemas.microsoft.com/office/drawing/2014/main" id="{E1FBFCE1-F881-613B-94FA-E4EC3EAF5133}"/>
+                  <a16:creationId xmlns:a16="http://schemas.microsoft.com/office/drawing/2014/main" id="{EF0692E1-7D85-78AD-9CB9-EDC5C0A1CD96}"/>
                 </a:ext>
               </a:extLst>
             </p:cNvPr>
@@ -2439,8 +3100,8 @@
           </p:blipFill>
           <p:spPr bwMode="auto">
             <a:xfrm>
-              <a:off x="24796" y="3155674"/>
-              <a:ext cx="2832100" cy="1003300"/>
+              <a:off x="341278" y="3628835"/>
+              <a:ext cx="1005840" cy="356329"/>
             </a:xfrm>
             <a:prstGeom prst="rect">
               <a:avLst/>
@@ -2459,10 +3120,10 @@
         </p:pic>
         <p:pic>
           <p:nvPicPr>
-            <p:cNvPr id="11" name="Picture 4">
+            <p:cNvPr id="7" name="Picture 4">
               <a:extLst>
                 <a:ext uri="{FF2B5EF4-FFF2-40B4-BE49-F238E27FC236}">
-                  <a16:creationId xmlns:a16="http://schemas.microsoft.com/office/drawing/2014/main" id="{C5153927-DDB1-1F3E-06BA-B00DDA42D0B2}"/>
+                  <a16:creationId xmlns:a16="http://schemas.microsoft.com/office/drawing/2014/main" id="{05CDAB3D-B8D6-9AC9-8507-6F95230AEE45}"/>
                 </a:ext>
               </a:extLst>
             </p:cNvPr>
@@ -2486,8 +3147,8 @@
           </p:blipFill>
           <p:spPr bwMode="auto">
             <a:xfrm>
-              <a:off x="-80559" y="2517770"/>
-              <a:ext cx="2937455" cy="682907"/>
+              <a:off x="1550154" y="3690079"/>
+              <a:ext cx="1005840" cy="233840"/>
             </a:xfrm>
             <a:prstGeom prst="rect">
               <a:avLst/>
@@ -2504,12 +3165,229 @@
             </a:extLst>
           </p:spPr>
         </p:pic>
+      </p:grpSp>
+      <p:pic>
+        <p:nvPicPr>
+          <p:cNvPr id="11" name="Picture 10" descr="A black and white sign with blue text&#10;&#10;Description automatically generated">
+            <a:extLst>
+              <a:ext uri="{FF2B5EF4-FFF2-40B4-BE49-F238E27FC236}">
+                <a16:creationId xmlns:a16="http://schemas.microsoft.com/office/drawing/2014/main" id="{A50B83FE-88FB-1C61-17CC-A58C0BE092BF}"/>
+              </a:ext>
+            </a:extLst>
+          </p:cNvPr>
+          <p:cNvPicPr>
+            <a:picLocks noChangeAspect="1"/>
+          </p:cNvPicPr>
+          <p:nvPr userDrawn="1"/>
+        </p:nvPicPr>
+        <p:blipFill>
+          <a:blip r:embed="rId8" cstate="print">
+            <a:extLst>
+              <a:ext uri="{28A0092B-C50C-407E-A947-70E740481C1C}">
+                <a14:useLocalDpi xmlns:a14="http://schemas.microsoft.com/office/drawing/2010/main" val="0"/>
+              </a:ext>
+            </a:extLst>
+          </a:blip>
+          <a:stretch>
+            <a:fillRect/>
+          </a:stretch>
+        </p:blipFill>
+        <p:spPr>
+          <a:xfrm>
+            <a:off x="970697" y="4125123"/>
+            <a:ext cx="1005840" cy="324328"/>
+          </a:xfrm>
+          <a:prstGeom prst="rect">
+            <a:avLst/>
+          </a:prstGeom>
+        </p:spPr>
+      </p:pic>
+      <p:sp>
+        <p:nvSpPr>
+          <p:cNvPr id="8" name="TextBox 7">
+            <a:extLst>
+              <a:ext uri="{FF2B5EF4-FFF2-40B4-BE49-F238E27FC236}">
+                <a16:creationId xmlns:a16="http://schemas.microsoft.com/office/drawing/2014/main" id="{DBDB4EA8-7E00-EB97-386F-806F04EDC41A}"/>
+              </a:ext>
+            </a:extLst>
+          </p:cNvPr>
+          <p:cNvSpPr txBox="1"/>
+          <p:nvPr userDrawn="1"/>
+        </p:nvSpPr>
+        <p:spPr>
+          <a:xfrm>
+            <a:off x="901538" y="1776974"/>
+            <a:ext cx="1144159" cy="350865"/>
+          </a:xfrm>
+          <a:prstGeom prst="rect">
+            <a:avLst/>
+          </a:prstGeom>
+          <a:noFill/>
+        </p:spPr>
+        <p:txBody>
+          <a:bodyPr wrap="none" lIns="118872" tIns="91440" rIns="118872" bIns="91440" rtlCol="0" anchor="ctr" anchorCtr="0">
+            <a:spAutoFit/>
+          </a:bodyPr>
+          <a:lstStyle/>
+          <a:p>
+            <a:pPr algn="l">
+              <a:lnSpc>
+                <a:spcPct val="90000"/>
+              </a:lnSpc>
+            </a:pPr>
+            <a:r>
+              <a:rPr lang="en-US" sz="1200" i="1" dirty="0"/>
+              <a:t>Presented by</a:t>
+            </a:r>
+          </a:p>
+        </p:txBody>
+      </p:sp>
+      <p:sp>
+        <p:nvSpPr>
+          <p:cNvPr id="9" name="TextBox 8">
+            <a:extLst>
+              <a:ext uri="{FF2B5EF4-FFF2-40B4-BE49-F238E27FC236}">
+                <a16:creationId xmlns:a16="http://schemas.microsoft.com/office/drawing/2014/main" id="{9C6AA8F1-3D17-46A7-8926-BC4892D4C51C}"/>
+              </a:ext>
+            </a:extLst>
+          </p:cNvPr>
+          <p:cNvSpPr txBox="1"/>
+          <p:nvPr userDrawn="1"/>
+        </p:nvSpPr>
+        <p:spPr>
+          <a:xfrm>
+            <a:off x="28657" y="2079048"/>
+            <a:ext cx="2889921" cy="932563"/>
+          </a:xfrm>
+          <a:prstGeom prst="rect">
+            <a:avLst/>
+          </a:prstGeom>
+          <a:noFill/>
+        </p:spPr>
+        <p:txBody>
+          <a:bodyPr wrap="square" lIns="118872" tIns="91440" rIns="118872" bIns="91440" rtlCol="0" anchor="ctr" anchorCtr="0">
+            <a:spAutoFit/>
+          </a:bodyPr>
+          <a:lstStyle/>
+          <a:p>
+            <a:pPr algn="l">
+              <a:lnSpc>
+                <a:spcPct val="90000"/>
+              </a:lnSpc>
+            </a:pPr>
+            <a:r>
+              <a:rPr lang="en-US" b="1" dirty="0"/>
+              <a:t>COLABS: Collaboration for Better Software for Science</a:t>
+            </a:r>
+          </a:p>
+        </p:txBody>
+      </p:sp>
+      <p:sp>
+        <p:nvSpPr>
+          <p:cNvPr id="10" name="TextBox 9">
+            <a:extLst>
+              <a:ext uri="{FF2B5EF4-FFF2-40B4-BE49-F238E27FC236}">
+                <a16:creationId xmlns:a16="http://schemas.microsoft.com/office/drawing/2014/main" id="{CE38D39D-3F53-1EF5-8F58-4DF913CFD07D}"/>
+              </a:ext>
+            </a:extLst>
+          </p:cNvPr>
+          <p:cNvSpPr txBox="1"/>
+          <p:nvPr userDrawn="1"/>
+        </p:nvSpPr>
+        <p:spPr>
+          <a:xfrm>
+            <a:off x="676315" y="3191133"/>
+            <a:ext cx="1594604" cy="350865"/>
+          </a:xfrm>
+          <a:prstGeom prst="rect">
+            <a:avLst/>
+          </a:prstGeom>
+          <a:noFill/>
+        </p:spPr>
+        <p:txBody>
+          <a:bodyPr wrap="none" lIns="118872" tIns="91440" rIns="118872" bIns="91440" rtlCol="0" anchor="ctr" anchorCtr="0">
+            <a:spAutoFit/>
+          </a:bodyPr>
+          <a:lstStyle/>
+          <a:p>
+            <a:pPr algn="l">
+              <a:lnSpc>
+                <a:spcPct val="90000"/>
+              </a:lnSpc>
+            </a:pPr>
+            <a:r>
+              <a:rPr lang="en-US" sz="1200" i="1" dirty="0"/>
+              <a:t>In collaboration with</a:t>
+            </a:r>
+          </a:p>
+        </p:txBody>
+      </p:sp>
+      <p:sp>
+        <p:nvSpPr>
+          <p:cNvPr id="15" name="TextBox 14">
+            <a:extLst>
+              <a:ext uri="{FF2B5EF4-FFF2-40B4-BE49-F238E27FC236}">
+                <a16:creationId xmlns:a16="http://schemas.microsoft.com/office/drawing/2014/main" id="{38A567DA-27A0-BFAF-CB9E-0EA56E125664}"/>
+              </a:ext>
+            </a:extLst>
+          </p:cNvPr>
+          <p:cNvSpPr txBox="1"/>
+          <p:nvPr userDrawn="1"/>
+        </p:nvSpPr>
+        <p:spPr>
+          <a:xfrm>
+            <a:off x="572120" y="4562849"/>
+            <a:ext cx="1802994" cy="350865"/>
+          </a:xfrm>
+          <a:prstGeom prst="rect">
+            <a:avLst/>
+          </a:prstGeom>
+          <a:noFill/>
+        </p:spPr>
+        <p:txBody>
+          <a:bodyPr wrap="none" lIns="118872" tIns="91440" rIns="118872" bIns="91440" rtlCol="0" anchor="ctr" anchorCtr="0">
+            <a:spAutoFit/>
+          </a:bodyPr>
+          <a:lstStyle/>
+          <a:p>
+            <a:pPr algn="l">
+              <a:lnSpc>
+                <a:spcPct val="90000"/>
+              </a:lnSpc>
+            </a:pPr>
+            <a:r>
+              <a:rPr lang="en-US" sz="1200" i="1" dirty="0"/>
+              <a:t>With prior support from</a:t>
+            </a:r>
+          </a:p>
+        </p:txBody>
+      </p:sp>
+      <p:grpSp>
+        <p:nvGrpSpPr>
+          <p:cNvPr id="20" name="Group 19">
+            <a:extLst>
+              <a:ext uri="{FF2B5EF4-FFF2-40B4-BE49-F238E27FC236}">
+                <a16:creationId xmlns:a16="http://schemas.microsoft.com/office/drawing/2014/main" id="{63A83523-6C92-DDA5-E072-BAC75B3276B6}"/>
+              </a:ext>
+            </a:extLst>
+          </p:cNvPr>
+          <p:cNvGrpSpPr/>
+          <p:nvPr userDrawn="1"/>
+        </p:nvGrpSpPr>
+        <p:grpSpPr>
+          <a:xfrm>
+            <a:off x="355043" y="5027111"/>
+            <a:ext cx="2237149" cy="457200"/>
+            <a:chOff x="343050" y="5128711"/>
+            <a:chExt cx="2237149" cy="457200"/>
+          </a:xfrm>
+        </p:grpSpPr>
         <p:pic>
           <p:nvPicPr>
-            <p:cNvPr id="12" name="Picture 11" descr="A black and white sign with blue text&#10;&#10;Description automatically generated">
+            <p:cNvPr id="17" name="Picture 16">
               <a:extLst>
                 <a:ext uri="{FF2B5EF4-FFF2-40B4-BE49-F238E27FC236}">
-                  <a16:creationId xmlns:a16="http://schemas.microsoft.com/office/drawing/2014/main" id="{C2D59313-270C-18A8-0B84-94333411060D}"/>
+                  <a16:creationId xmlns:a16="http://schemas.microsoft.com/office/drawing/2014/main" id="{70EB972A-C812-2D11-E993-9648F06DCD53}"/>
                 </a:ext>
               </a:extLst>
             </p:cNvPr>
@@ -2519,7 +3397,7 @@
             <p:nvPr userDrawn="1"/>
           </p:nvPicPr>
           <p:blipFill>
-            <a:blip r:embed="rId8" cstate="print">
+            <a:blip r:embed="rId9" cstate="print">
               <a:extLst>
                 <a:ext uri="{28A0092B-C50C-407E-A947-70E740481C1C}">
                   <a14:useLocalDpi xmlns:a14="http://schemas.microsoft.com/office/drawing/2010/main" val="0"/>
@@ -2532,8 +3410,44 @@
           </p:blipFill>
           <p:spPr>
             <a:xfrm>
-              <a:off x="263939" y="4401022"/>
-              <a:ext cx="2455333" cy="791711"/>
+              <a:off x="343050" y="5128711"/>
+              <a:ext cx="1002296" cy="457200"/>
+            </a:xfrm>
+            <a:prstGeom prst="rect">
+              <a:avLst/>
+            </a:prstGeom>
+          </p:spPr>
+        </p:pic>
+        <p:pic>
+          <p:nvPicPr>
+            <p:cNvPr id="18" name="Picture 17" descr="A picture containing shape&#10;&#10;Description automatically generated">
+              <a:extLst>
+                <a:ext uri="{FF2B5EF4-FFF2-40B4-BE49-F238E27FC236}">
+                  <a16:creationId xmlns:a16="http://schemas.microsoft.com/office/drawing/2014/main" id="{DC5CC62A-5FBA-A239-536C-E231ED3105F0}"/>
+                </a:ext>
+              </a:extLst>
+            </p:cNvPr>
+            <p:cNvPicPr>
+              <a:picLocks noChangeAspect="1"/>
+            </p:cNvPicPr>
+            <p:nvPr userDrawn="1"/>
+          </p:nvPicPr>
+          <p:blipFill>
+            <a:blip r:embed="rId10">
+              <a:extLst>
+                <a:ext uri="{28A0092B-C50C-407E-A947-70E740481C1C}">
+                  <a14:useLocalDpi xmlns:a14="http://schemas.microsoft.com/office/drawing/2010/main" val="0"/>
+                </a:ext>
+              </a:extLst>
+            </a:blip>
+            <a:stretch>
+              <a:fillRect/>
+            </a:stretch>
+          </p:blipFill>
+          <p:spPr>
+            <a:xfrm>
+              <a:off x="1525950" y="5128711"/>
+              <a:ext cx="1054249" cy="457200"/>
             </a:xfrm>
             <a:prstGeom prst="rect">
               <a:avLst/>
@@ -2544,7 +3458,7 @@
     </p:spTree>
     <p:extLst>
       <p:ext uri="{BB962C8B-B14F-4D97-AF65-F5344CB8AC3E}">
-        <p14:creationId xmlns:p14="http://schemas.microsoft.com/office/powerpoint/2010/main" val="451228200"/>
+        <p14:creationId xmlns:p14="http://schemas.microsoft.com/office/powerpoint/2010/main" val="2642184526"/>
       </p:ext>
     </p:extLst>
   </p:cSld>
@@ -4486,8 +5400,8 @@
   </p:cSld>
   <p:clrMap bg1="lt1" tx1="dk1" bg2="lt2" tx2="dk2" accent1="accent1" accent2="accent2" accent3="accent3" accent4="accent4" accent5="accent5" accent6="accent6" hlink="hlink" folHlink="folHlink"/>
   <p:sldLayoutIdLst>
-    <p:sldLayoutId id="2147483949" r:id="rId1"/>
-    <p:sldLayoutId id="2147483951" r:id="rId2"/>
+    <p:sldLayoutId id="2147483953" r:id="rId1"/>
+    <p:sldLayoutId id="2147483954" r:id="rId2"/>
     <p:sldLayoutId id="2147483937" r:id="rId3"/>
     <p:sldLayoutId id="2147483939" r:id="rId4"/>
     <p:sldLayoutId id="2147483950" r:id="rId5"/>
@@ -4954,70 +5868,6 @@
       </p:grpSpPr>
       <p:sp>
         <p:nvSpPr>
-          <p:cNvPr id="3" name="Subtitle 2">
-            <a:extLst>
-              <a:ext uri="{FF2B5EF4-FFF2-40B4-BE49-F238E27FC236}">
-                <a16:creationId xmlns:a16="http://schemas.microsoft.com/office/drawing/2014/main" id="{115D6CAC-8B77-472D-91BE-E47FFB7E8C7A}"/>
-              </a:ext>
-            </a:extLst>
-          </p:cNvPr>
-          <p:cNvSpPr>
-            <a:spLocks noGrp="1"/>
-          </p:cNvSpPr>
-          <p:nvPr>
-            <p:ph type="subTitle" idx="1"/>
-          </p:nvPr>
-        </p:nvSpPr>
-        <p:spPr>
-          <a:xfrm>
-            <a:off x="3177632" y="1959498"/>
-            <a:ext cx="7772308" cy="2855300"/>
-          </a:xfrm>
-        </p:spPr>
-        <p:txBody>
-          <a:bodyPr/>
-          <a:lstStyle/>
-          <a:p>
-            <a:r>
-              <a:rPr lang="en-US" dirty="0"/>
-              <a:t>Anshu Dubey</a:t>
-            </a:r>
-          </a:p>
-          <a:p>
-            <a:r>
-              <a:rPr lang="en-US" b="0" i="0" dirty="0">
-                <a:solidFill>
-                  <a:srgbClr val="111111"/>
-                </a:solidFill>
-                <a:effectLst/>
-                <a:latin typeface="-apple-system"/>
-              </a:rPr>
-              <a:t>Better Scientific Software Tutorial @ ISC24</a:t>
-            </a:r>
-          </a:p>
-          <a:p>
-            <a:endParaRPr lang="en-US" dirty="0">
-              <a:solidFill>
-                <a:srgbClr val="111111"/>
-              </a:solidFill>
-              <a:latin typeface="-apple-system"/>
-            </a:endParaRPr>
-          </a:p>
-          <a:p>
-            <a:r>
-              <a:rPr lang="en-US" sz="2000" dirty="0"/>
-              <a:t>Contributors: Anshu Dubey (ANL), Mark C. Miller (LLNL), </a:t>
-            </a:r>
-            <a:r>
-              <a:rPr lang="en-US" sz="2000"/>
-              <a:t>Jared O’Neal</a:t>
-            </a:r>
-            <a:endParaRPr lang="en-US" sz="2000" dirty="0"/>
-          </a:p>
-        </p:txBody>
-      </p:sp>
-      <p:sp>
-        <p:nvSpPr>
           <p:cNvPr id="5" name="Title 3">
             <a:extLst>
               <a:ext uri="{FF2B5EF4-FFF2-40B4-BE49-F238E27FC236}">
@@ -5032,10 +5882,38 @@
             <p:ph type="ctrTitle"/>
           </p:nvPr>
         </p:nvSpPr>
+        <p:spPr/>
+        <p:txBody>
+          <a:bodyPr/>
+          <a:lstStyle/>
+          <a:p>
+            <a:r>
+              <a:rPr lang="en-US" dirty="0"/>
+              <a:t>Refactoring Scientific Software</a:t>
+            </a:r>
+          </a:p>
+        </p:txBody>
+      </p:sp>
+      <p:sp>
+        <p:nvSpPr>
+          <p:cNvPr id="2" name="Text Placeholder 1">
+            <a:extLst>
+              <a:ext uri="{FF2B5EF4-FFF2-40B4-BE49-F238E27FC236}">
+                <a16:creationId xmlns:a16="http://schemas.microsoft.com/office/drawing/2014/main" id="{6AD4168A-C6C6-5469-438B-4509B9E4393D}"/>
+              </a:ext>
+            </a:extLst>
+          </p:cNvPr>
+          <p:cNvSpPr>
+            <a:spLocks noGrp="1"/>
+          </p:cNvSpPr>
+          <p:nvPr>
+            <p:ph type="body" sz="quarter" idx="11"/>
+          </p:nvPr>
+        </p:nvSpPr>
         <p:spPr>
           <a:xfrm>
-            <a:off x="3177633" y="503144"/>
-            <a:ext cx="8292316" cy="1030930"/>
+            <a:off x="3176924" y="2085870"/>
+            <a:ext cx="2034531" cy="424732"/>
           </a:xfrm>
         </p:spPr>
         <p:txBody>
@@ -5044,15 +5922,162 @@
           <a:p>
             <a:r>
               <a:rPr lang="en-US" dirty="0"/>
-              <a:t>Refactoring Scientific Software</a:t>
-            </a:r>
+              <a:t>Anshu Dubey</a:t>
+            </a:r>
+          </a:p>
+        </p:txBody>
+      </p:sp>
+      <p:sp>
+        <p:nvSpPr>
+          <p:cNvPr id="4" name="Text Placeholder 3">
+            <a:extLst>
+              <a:ext uri="{FF2B5EF4-FFF2-40B4-BE49-F238E27FC236}">
+                <a16:creationId xmlns:a16="http://schemas.microsoft.com/office/drawing/2014/main" id="{4D760C23-BF94-E141-C8E3-3BDF0553462C}"/>
+              </a:ext>
+            </a:extLst>
+          </p:cNvPr>
+          <p:cNvSpPr>
+            <a:spLocks noGrp="1"/>
+          </p:cNvSpPr>
+          <p:nvPr>
+            <p:ph type="body" sz="quarter" idx="12"/>
+          </p:nvPr>
+        </p:nvSpPr>
+        <p:spPr>
+          <a:xfrm>
+            <a:off x="5221641" y="2134517"/>
+            <a:ext cx="1690167" cy="376085"/>
+          </a:xfrm>
+        </p:spPr>
+        <p:txBody>
+          <a:bodyPr/>
+          <a:lstStyle/>
+          <a:p>
+            <a:r>
+              <a:rPr lang="en-US" dirty="0"/>
+              <a:t>(she/her)</a:t>
+            </a:r>
+          </a:p>
+        </p:txBody>
+      </p:sp>
+      <p:sp>
+        <p:nvSpPr>
+          <p:cNvPr id="6" name="Text Placeholder 5">
+            <a:extLst>
+              <a:ext uri="{FF2B5EF4-FFF2-40B4-BE49-F238E27FC236}">
+                <a16:creationId xmlns:a16="http://schemas.microsoft.com/office/drawing/2014/main" id="{3FE14AF9-8D43-3BB1-2A81-B900709503A7}"/>
+              </a:ext>
+            </a:extLst>
+          </p:cNvPr>
+          <p:cNvSpPr>
+            <a:spLocks noGrp="1"/>
+          </p:cNvSpPr>
+          <p:nvPr>
+            <p:ph type="body" sz="quarter" idx="13"/>
+          </p:nvPr>
+        </p:nvSpPr>
+        <p:spPr/>
+        <p:txBody>
+          <a:bodyPr/>
+          <a:lstStyle/>
+          <a:p>
+            <a:r>
+              <a:rPr lang="en-US" dirty="0"/>
+              <a:t>Argonne National Laboratory</a:t>
+            </a:r>
+          </a:p>
+        </p:txBody>
+      </p:sp>
+      <p:sp>
+        <p:nvSpPr>
+          <p:cNvPr id="7" name="Text Placeholder 6">
+            <a:extLst>
+              <a:ext uri="{FF2B5EF4-FFF2-40B4-BE49-F238E27FC236}">
+                <a16:creationId xmlns:a16="http://schemas.microsoft.com/office/drawing/2014/main" id="{29DE2EDA-255D-7988-45B9-96FC30E944C7}"/>
+              </a:ext>
+            </a:extLst>
+          </p:cNvPr>
+          <p:cNvSpPr>
+            <a:spLocks noGrp="1"/>
+          </p:cNvSpPr>
+          <p:nvPr>
+            <p:ph type="body" sz="quarter" idx="14"/>
+          </p:nvPr>
+        </p:nvSpPr>
+        <p:spPr/>
+        <p:txBody>
+          <a:bodyPr/>
+          <a:lstStyle/>
+          <a:p>
+            <a:r>
+              <a:rPr lang="en-US" dirty="0"/>
+              <a:t>Better Scientific Software tutorial @ ISC24</a:t>
+            </a:r>
+          </a:p>
+        </p:txBody>
+      </p:sp>
+      <p:sp>
+        <p:nvSpPr>
+          <p:cNvPr id="8" name="Text Placeholder 7">
+            <a:extLst>
+              <a:ext uri="{FF2B5EF4-FFF2-40B4-BE49-F238E27FC236}">
+                <a16:creationId xmlns:a16="http://schemas.microsoft.com/office/drawing/2014/main" id="{F9F42C30-B1A4-9806-3AFE-CB6EF48900E8}"/>
+              </a:ext>
+            </a:extLst>
+          </p:cNvPr>
+          <p:cNvSpPr>
+            <a:spLocks noGrp="1"/>
+          </p:cNvSpPr>
+          <p:nvPr>
+            <p:ph type="body" sz="quarter" idx="15"/>
+          </p:nvPr>
+        </p:nvSpPr>
+        <p:spPr>
+          <a:xfrm>
+            <a:off x="3176924" y="3792588"/>
+            <a:ext cx="8292316" cy="369332"/>
+          </a:xfrm>
+        </p:spPr>
+        <p:txBody>
+          <a:bodyPr/>
+          <a:lstStyle/>
+          <a:p>
+            <a:r>
+              <a:rPr lang="en-US" sz="2000" dirty="0"/>
+              <a:t>Contributors: Anshu Dubey (ANL), Mark C. Miller (LLNL), Jared O’Neal</a:t>
+            </a:r>
+          </a:p>
+        </p:txBody>
+      </p:sp>
+      <p:sp>
+        <p:nvSpPr>
+          <p:cNvPr id="10" name="Text Placeholder 9">
+            <a:extLst>
+              <a:ext uri="{FF2B5EF4-FFF2-40B4-BE49-F238E27FC236}">
+                <a16:creationId xmlns:a16="http://schemas.microsoft.com/office/drawing/2014/main" id="{60A9E9A3-6A95-DE36-174A-E8BE6F2F7F2A}"/>
+              </a:ext>
+            </a:extLst>
+          </p:cNvPr>
+          <p:cNvSpPr>
+            <a:spLocks noGrp="1"/>
+          </p:cNvSpPr>
+          <p:nvPr>
+            <p:ph type="body" sz="quarter" idx="10"/>
+          </p:nvPr>
+        </p:nvSpPr>
+        <p:spPr/>
+        <p:txBody>
+          <a:bodyPr/>
+          <a:lstStyle/>
+          <a:p>
+            <a:endParaRPr lang="en-US"/>
           </a:p>
         </p:txBody>
       </p:sp>
     </p:spTree>
     <p:extLst>
       <p:ext uri="{BB962C8B-B14F-4D97-AF65-F5344CB8AC3E}">
-        <p14:creationId xmlns:p14="http://schemas.microsoft.com/office/powerpoint/2010/main" val="2146778437"/>
+        <p14:creationId xmlns:p14="http://schemas.microsoft.com/office/powerpoint/2010/main" val="3316912077"/>
       </p:ext>
     </p:extLst>
   </p:cSld>
@@ -9382,8 +10407,8 @@
         </p:nvSpPr>
         <p:spPr>
           <a:xfrm>
-            <a:off x="409507" y="879673"/>
-            <a:ext cx="11369809" cy="5293976"/>
+            <a:off x="409507" y="570111"/>
+            <a:ext cx="11369809" cy="4047778"/>
           </a:xfrm>
         </p:spPr>
         <p:txBody>
@@ -9443,27 +10468,28 @@
                 <a:effectLst/>
                 <a:latin typeface="+mn-lt"/>
               </a:rPr>
-              <a:t>Anshu Dubey, David E. </a:t>
-            </a:r>
-            <a:r>
-              <a:rPr lang="en-US" sz="1600" b="0" i="0" dirty="0" err="1">
+              <a:t>Anshu Dubey, Better Scientific Software tutorial, in ISC High Performance (ISC24), Hamburg, Germany, and online, 2024. DOI: </a:t>
+            </a:r>
+            <a:r>
+              <a:rPr lang="en-US" sz="1600" b="0" i="0" u="none" strike="noStrike" dirty="0">
+                <a:solidFill>
+                  <a:srgbClr val="2A7AE2"/>
+                </a:solidFill>
+                <a:effectLst/>
+                <a:latin typeface="+mn-lt"/>
+                <a:hlinkClick r:id="rId4"/>
+              </a:rPr>
+              <a:t>10.6084/m9.figshare.25686426</a:t>
+            </a:r>
+            <a:r>
+              <a:rPr lang="en-US" sz="1600" b="0" i="0" dirty="0">
                 <a:solidFill>
                   <a:srgbClr val="111111"/>
                 </a:solidFill>
                 <a:effectLst/>
                 <a:latin typeface="+mn-lt"/>
               </a:rPr>
-              <a:t>Bernholdt</a:t>
-            </a:r>
-            <a:r>
-              <a:rPr lang="en-US" sz="1600" b="0" i="0" dirty="0">
-                <a:solidFill>
-                  <a:srgbClr val="111111"/>
-                </a:solidFill>
-                <a:effectLst/>
-                <a:latin typeface="+mn-lt"/>
-              </a:rPr>
-              <a:t>, Better Scientific Software tutorial, in ISC High Performance, Hamburg, Germany and online, 2024</a:t>
+              <a:t>.</a:t>
             </a:r>
           </a:p>
           <a:p>
@@ -9472,26 +10498,32 @@
                 <a:spcPts val="400"/>
               </a:spcBef>
             </a:pPr>
-            <a:endParaRPr lang="en-US" sz="1600" dirty="0">
-              <a:solidFill>
-                <a:srgbClr val="111111"/>
-              </a:solidFill>
-              <a:latin typeface="+mn-lt"/>
-            </a:endParaRPr>
-          </a:p>
-          <a:p>
-            <a:pPr>
-              <a:spcBef>
-                <a:spcPts val="400"/>
-              </a:spcBef>
-            </a:pPr>
-            <a:endParaRPr lang="en-US" sz="1600" b="0" i="0" dirty="0">
-              <a:solidFill>
-                <a:srgbClr val="111111"/>
-              </a:solidFill>
-              <a:effectLst/>
-              <a:latin typeface="+mn-lt"/>
-            </a:endParaRPr>
+            <a:r>
+              <a:rPr lang="en-US" sz="1600" dirty="0"/>
+              <a:t>Individual modules may be cited as </a:t>
+            </a:r>
+            <a:r>
+              <a:rPr lang="en-US" sz="1600" i="1" dirty="0"/>
+              <a:t>Speaker, Module Title</a:t>
+            </a:r>
+            <a:r>
+              <a:rPr lang="en-US" sz="1600" dirty="0"/>
+              <a:t>, in </a:t>
+            </a:r>
+            <a:r>
+              <a:rPr lang="en-US" sz="1600" b="0" i="1" dirty="0">
+                <a:solidFill>
+                  <a:srgbClr val="111111"/>
+                </a:solidFill>
+                <a:effectLst/>
+                <a:latin typeface="+mn-lt"/>
+              </a:rPr>
+              <a:t>Tutorial Title</a:t>
+            </a:r>
+            <a:r>
+              <a:rPr lang="en-US" sz="1600" dirty="0"/>
+              <a:t>, …</a:t>
+            </a:r>
           </a:p>
           <a:p>
             <a:pPr marL="0" indent="0">
@@ -9511,7 +10543,14 @@
                 <a:spcPts val="400"/>
               </a:spcBef>
             </a:pPr>
-            <a:endParaRPr lang="en-US" sz="1400" dirty="0"/>
+            <a:r>
+              <a:rPr lang="en-US" sz="1400" dirty="0"/>
+              <a:t>This work was supported by the U.S. Department of Energy Office of Science, Office of Advanced Scientific Computing Research (ASCR), and by the Exascale Computing Project (17-SC-20-SC), a collaborative effort of the U.S. Department of Energy Office of Science and the National Nuclear Security Administration</a:t>
+            </a:r>
+            <a:r>
+              <a:rPr lang="en-US" sz="1400" i="1" dirty="0"/>
+              <a:t>.</a:t>
+            </a:r>
           </a:p>
           <a:p>
             <a:pPr>
@@ -9520,14 +10559,12 @@
               </a:spcBef>
             </a:pPr>
             <a:r>
-              <a:rPr lang="en-US" sz="1400" dirty="0"/>
-              <a:t>Material included in these presentation is derived from work supported by the U.S. Department of Energy Office of Science, Office of Advanced Scientific Computing Research (ASCR), and by the Exascale Computing Project (17-SC-20-SC), a collaborative effort of the U.S. Department of Energy Office of Science and the National Nuclear Security Administration</a:t>
-            </a:r>
-            <a:r>
-              <a:rPr lang="en-US" sz="1400" i="1" dirty="0"/>
-              <a:t>.</a:t>
-            </a:r>
-            <a:endParaRPr lang="en-US" sz="1400" dirty="0"/>
+              <a:rPr lang="en-US" sz="1400" b="0" i="0" dirty="0">
+                <a:effectLst/>
+                <a:latin typeface="+mn-lt"/>
+              </a:rPr>
+              <a:t>This work was supported by the U.S. Department of Energy, Office of Science, Office of Advanced Scientific Computing Research, Next-Generation Scientific Software Technologies (NGSST) program.</a:t>
+            </a:r>
           </a:p>
           <a:p>
             <a:pPr>
@@ -9535,7 +10572,10 @@
                 <a:spcPts val="400"/>
               </a:spcBef>
             </a:pPr>
-            <a:endParaRPr lang="en-US" sz="1400" dirty="0"/>
+            <a:r>
+              <a:rPr lang="en-US" sz="1400" dirty="0"/>
+              <a:t>This work was performed in part at the Argonne National Laboratory, which is managed by UChicago Argonne, LLC for the U.S. Department of Energy under Contract No. DE-AC02-06CH11357.</a:t>
+            </a:r>
           </a:p>
           <a:p>
             <a:pPr>
@@ -9545,7 +10585,7 @@
             </a:pPr>
             <a:r>
               <a:rPr lang="en-US" sz="1400" dirty="0"/>
-              <a:t>This work was performed in part at the Argonne National Laboratory, which is managed by UChicago Argonne, LLC for the U.S. Department of Energy under Contract No. DE-AC02-06CH11357.</a:t>
+              <a:t>This work was performed in part at the Lawrence Livermore National Laboratory, which is managed by Lawrence Livermore National Security, LLC for the U.S. Department of Energy under Contract No. DE-AC52-07NA27344.</a:t>
             </a:r>
           </a:p>
           <a:p>
@@ -9554,7 +10594,10 @@
                 <a:spcPts val="400"/>
               </a:spcBef>
             </a:pPr>
-            <a:endParaRPr lang="en-US" sz="1400" dirty="0"/>
+            <a:r>
+              <a:rPr lang="en-US" sz="1400" dirty="0"/>
+              <a:t>This work was performed in part at the Los Alamos National Laboratory, which is managed by Triad National Security, LLC for the U.S. Department of Energy under Contract No.89233218CNA000001</a:t>
+            </a:r>
           </a:p>
           <a:p>
             <a:pPr>
@@ -9573,15 +10616,10 @@
                 <a:spcPts val="400"/>
               </a:spcBef>
             </a:pPr>
-            <a:endParaRPr lang="en-US" sz="1400" dirty="0"/>
-          </a:p>
-          <a:p>
-            <a:pPr>
-              <a:spcBef>
-                <a:spcPts val="400"/>
-              </a:spcBef>
-            </a:pPr>
-            <a:endParaRPr lang="en-US" sz="1400" dirty="0"/>
+            <a:r>
+              <a:rPr lang="en-US" sz="1400" dirty="0"/>
+              <a:t>This work was performed in part at Sandia National Laboratories. Sandia National Laboratories is a multi-mission laboratory managed and operated by National Technology and Engineering Solutions of Sandia, LLC., a wholly owned subsidiary of Honeywell International, Inc., for the U.S. Department of Energy’s National Nuclear Security Administration under contract DE-NA0003525.</a:t>
+            </a:r>
           </a:p>
         </p:txBody>
       </p:sp>
@@ -9600,7 +10638,7 @@
           <p:nvPr/>
         </p:nvPicPr>
         <p:blipFill>
-          <a:blip r:embed="rId4">
+          <a:blip r:embed="rId5">
             <a:extLst>
               <a:ext uri="{28A0092B-C50C-407E-A947-70E740481C1C}">
                 <a14:useLocalDpi xmlns:a14="http://schemas.microsoft.com/office/drawing/2010/main" val="0"/>
@@ -9635,7 +10673,7 @@
     </p:spTree>
     <p:extLst>
       <p:ext uri="{BB962C8B-B14F-4D97-AF65-F5344CB8AC3E}">
-        <p14:creationId xmlns:p14="http://schemas.microsoft.com/office/powerpoint/2010/main" val="300521932"/>
+        <p14:creationId xmlns:p14="http://schemas.microsoft.com/office/powerpoint/2010/main" val="978726433"/>
       </p:ext>
     </p:extLst>
   </p:cSld>
@@ -32593,12 +33631,6 @@
 </file>
 
 <file path=customXml/item1.xml><?xml version="1.0" encoding="utf-8"?>
-<p:properties xmlns:p="http://schemas.microsoft.com/office/2006/metadata/properties" xmlns:xsi="http://www.w3.org/2001/XMLSchema-instance" xmlns:pc="http://schemas.microsoft.com/office/infopath/2007/PartnerControls">
-  <documentManagement/>
-</p:properties>
-</file>
-
-<file path=customXml/item2.xml><?xml version="1.0" encoding="utf-8"?>
 <ct:contentTypeSchema xmlns:ct="http://schemas.microsoft.com/office/2006/metadata/contentType" xmlns:ma="http://schemas.microsoft.com/office/2006/metadata/properties/metaAttributes" ct:_="" ma:_="" ma:contentTypeName="Document" ma:contentTypeID="0x010100565464437F680748A68B85EB6594EA7D" ma:contentTypeVersion="0" ma:contentTypeDescription="Create a new document." ma:contentTypeScope="" ma:versionID="fe3f4dd58d5914c51cfc6deaa8ad845c">
   <xsd:schema xmlns:xsd="http://www.w3.org/2001/XMLSchema" xmlns:p="http://schemas.microsoft.com/office/2006/metadata/properties" targetNamespace="http://schemas.microsoft.com/office/2006/metadata/properties" ma:root="true" ma:fieldsID="4aeb20c0e3442673af7ee10786458764">
     <xsd:element name="properties">
@@ -32647,7 +33679,7 @@
 </ct:contentTypeSchema>
 </file>
 
-<file path=customXml/item3.xml><?xml version="1.0" encoding="utf-8"?>
+<file path=customXml/item2.xml><?xml version="1.0" encoding="utf-8"?>
 <?mso-contentType ?>
 <FormTemplates xmlns="http://schemas.microsoft.com/sharepoint/v3/contenttype/forms">
   <Display>DocumentLibraryForm</Display>
@@ -32656,22 +33688,13 @@
 </FormTemplates>
 </file>
 
-<file path=customXml/itemProps1.xml><?xml version="1.0" encoding="utf-8"?>
-<ds:datastoreItem xmlns:ds="http://schemas.openxmlformats.org/officeDocument/2006/customXml" ds:itemID="{A50EC660-24D0-43A0-AE5E-E274115E726B}">
-  <ds:schemaRefs>
-    <ds:schemaRef ds:uri="http://purl.org/dc/elements/1.1/"/>
-    <ds:schemaRef ds:uri="http://schemas.microsoft.com/office/2006/metadata/properties"/>
-    <ds:schemaRef ds:uri="http://purl.org/dc/terms/"/>
-    <ds:schemaRef ds:uri="http://schemas.openxmlformats.org/package/2006/metadata/core-properties"/>
-    <ds:schemaRef ds:uri="http://schemas.microsoft.com/office/2006/documentManagement/types"/>
-    <ds:schemaRef ds:uri="http://www.w3.org/XML/1998/namespace"/>
-    <ds:schemaRef ds:uri="http://purl.org/dc/dcmitype/"/>
-    <ds:schemaRef ds:uri="http://schemas.microsoft.com/office/infopath/2007/PartnerControls"/>
-  </ds:schemaRefs>
-</ds:datastoreItem>
+<file path=customXml/item3.xml><?xml version="1.0" encoding="utf-8"?>
+<p:properties xmlns:p="http://schemas.microsoft.com/office/2006/metadata/properties" xmlns:xsi="http://www.w3.org/2001/XMLSchema-instance" xmlns:pc="http://schemas.microsoft.com/office/infopath/2007/PartnerControls">
+  <documentManagement/>
+</p:properties>
 </file>
 
-<file path=customXml/itemProps2.xml><?xml version="1.0" encoding="utf-8"?>
+<file path=customXml/itemProps1.xml><?xml version="1.0" encoding="utf-8"?>
 <ds:datastoreItem xmlns:ds="http://schemas.openxmlformats.org/officeDocument/2006/customXml" ds:itemID="{E8DB7DEB-074E-4EE8-9B6E-FD277323109C}">
   <ds:schemaRefs>
     <ds:schemaRef ds:uri="http://schemas.microsoft.com/office/2006/metadata/contentType"/>
@@ -32686,10 +33709,25 @@
 </ds:datastoreItem>
 </file>
 
-<file path=customXml/itemProps3.xml><?xml version="1.0" encoding="utf-8"?>
+<file path=customXml/itemProps2.xml><?xml version="1.0" encoding="utf-8"?>
 <ds:datastoreItem xmlns:ds="http://schemas.openxmlformats.org/officeDocument/2006/customXml" ds:itemID="{19E20559-B232-4371-8690-E3D8007EDB82}">
   <ds:schemaRefs>
     <ds:schemaRef ds:uri="http://schemas.microsoft.com/sharepoint/v3/contenttype/forms"/>
   </ds:schemaRefs>
 </ds:datastoreItem>
+</file>
+
+<file path=customXml/itemProps3.xml><?xml version="1.0" encoding="utf-8"?>
+<ds:datastoreItem xmlns:ds="http://schemas.openxmlformats.org/officeDocument/2006/customXml" ds:itemID="{A50EC660-24D0-43A0-AE5E-E274115E726B}">
+  <ds:schemaRefs>
+    <ds:schemaRef ds:uri="http://purl.org/dc/elements/1.1/"/>
+    <ds:schemaRef ds:uri="http://schemas.microsoft.com/office/2006/metadata/properties"/>
+    <ds:schemaRef ds:uri="http://purl.org/dc/terms/"/>
+    <ds:schemaRef ds:uri="http://schemas.openxmlformats.org/package/2006/metadata/core-properties"/>
+    <ds:schemaRef ds:uri="http://schemas.microsoft.com/office/2006/documentManagement/types"/>
+    <ds:schemaRef ds:uri="http://www.w3.org/XML/1998/namespace"/>
+    <ds:schemaRef ds:uri="http://purl.org/dc/dcmitype/"/>
+    <ds:schemaRef ds:uri="http://schemas.microsoft.com/office/infopath/2007/PartnerControls"/>
+  </ds:schemaRefs>
+</ds:datastoreItem>
 </file>
--- a/refactoring.pptx
+++ b/refactoring.pptx
@@ -295,7 +295,7 @@
           <a:p>
             <a:fld id="{0B842F42-2CE9-4E35-95C1-410DC08A50B1}" type="datetimeFigureOut">
               <a:rPr lang="en-US" smtClean="0"/>
-              <a:t>4/28/2024</a:t>
+              <a:t>7/24/24</a:t>
             </a:fld>
             <a:endParaRPr lang="en-US"/>
           </a:p>
@@ -460,7 +460,7 @@
           <a:p>
             <a:fld id="{6F282904-F315-4730-8D91-37D99E141A6F}" type="datetimeFigureOut">
               <a:rPr lang="en-US" smtClean="0"/>
-              <a:t>4/28/2024</a:t>
+              <a:t>7/24/24</a:t>
             </a:fld>
             <a:endParaRPr lang="en-US"/>
           </a:p>
@@ -5984,34 +5984,6 @@
             <a:r>
               <a:rPr lang="en-US" dirty="0"/>
               <a:t>Argonne National Laboratory</a:t>
-            </a:r>
-          </a:p>
-        </p:txBody>
-      </p:sp>
-      <p:sp>
-        <p:nvSpPr>
-          <p:cNvPr id="7" name="Text Placeholder 6">
-            <a:extLst>
-              <a:ext uri="{FF2B5EF4-FFF2-40B4-BE49-F238E27FC236}">
-                <a16:creationId xmlns:a16="http://schemas.microsoft.com/office/drawing/2014/main" id="{29DE2EDA-255D-7988-45B9-96FC30E944C7}"/>
-              </a:ext>
-            </a:extLst>
-          </p:cNvPr>
-          <p:cNvSpPr>
-            <a:spLocks noGrp="1"/>
-          </p:cNvSpPr>
-          <p:nvPr>
-            <p:ph type="body" sz="quarter" idx="14"/>
-          </p:nvPr>
-        </p:nvSpPr>
-        <p:spPr/>
-        <p:txBody>
-          <a:bodyPr/>
-          <a:lstStyle/>
-          <a:p>
-            <a:r>
-              <a:rPr lang="en-US" dirty="0"/>
-              <a:t>Better Scientific Software tutorial @ ISC24</a:t>
             </a:r>
           </a:p>
         </p:txBody>
@@ -33631,6 +33603,21 @@
 </file>
 
 <file path=customXml/item1.xml><?xml version="1.0" encoding="utf-8"?>
+<?mso-contentType ?>
+<FormTemplates xmlns="http://schemas.microsoft.com/sharepoint/v3/contenttype/forms">
+  <Display>DocumentLibraryForm</Display>
+  <Edit>DocumentLibraryForm</Edit>
+  <New>DocumentLibraryForm</New>
+</FormTemplates>
+</file>
+
+<file path=customXml/item2.xml><?xml version="1.0" encoding="utf-8"?>
+<p:properties xmlns:p="http://schemas.microsoft.com/office/2006/metadata/properties" xmlns:xsi="http://www.w3.org/2001/XMLSchema-instance" xmlns:pc="http://schemas.microsoft.com/office/infopath/2007/PartnerControls">
+  <documentManagement/>
+</p:properties>
+</file>
+
+<file path=customXml/item3.xml><?xml version="1.0" encoding="utf-8"?>
 <ct:contentTypeSchema xmlns:ct="http://schemas.microsoft.com/office/2006/metadata/contentType" xmlns:ma="http://schemas.microsoft.com/office/2006/metadata/properties/metaAttributes" ct:_="" ma:_="" ma:contentTypeName="Document" ma:contentTypeID="0x010100565464437F680748A68B85EB6594EA7D" ma:contentTypeVersion="0" ma:contentTypeDescription="Create a new document." ma:contentTypeScope="" ma:versionID="fe3f4dd58d5914c51cfc6deaa8ad845c">
   <xsd:schema xmlns:xsd="http://www.w3.org/2001/XMLSchema" xmlns:p="http://schemas.microsoft.com/office/2006/metadata/properties" targetNamespace="http://schemas.microsoft.com/office/2006/metadata/properties" ma:root="true" ma:fieldsID="4aeb20c0e3442673af7ee10786458764">
     <xsd:element name="properties">
@@ -33679,22 +33666,30 @@
 </ct:contentTypeSchema>
 </file>
 
-<file path=customXml/item2.xml><?xml version="1.0" encoding="utf-8"?>
-<?mso-contentType ?>
-<FormTemplates xmlns="http://schemas.microsoft.com/sharepoint/v3/contenttype/forms">
-  <Display>DocumentLibraryForm</Display>
-  <Edit>DocumentLibraryForm</Edit>
-  <New>DocumentLibraryForm</New>
-</FormTemplates>
+<file path=customXml/itemProps1.xml><?xml version="1.0" encoding="utf-8"?>
+<ds:datastoreItem xmlns:ds="http://schemas.openxmlformats.org/officeDocument/2006/customXml" ds:itemID="{19E20559-B232-4371-8690-E3D8007EDB82}">
+  <ds:schemaRefs>
+    <ds:schemaRef ds:uri="http://schemas.microsoft.com/sharepoint/v3/contenttype/forms"/>
+  </ds:schemaRefs>
+</ds:datastoreItem>
 </file>
 
-<file path=customXml/item3.xml><?xml version="1.0" encoding="utf-8"?>
-<p:properties xmlns:p="http://schemas.microsoft.com/office/2006/metadata/properties" xmlns:xsi="http://www.w3.org/2001/XMLSchema-instance" xmlns:pc="http://schemas.microsoft.com/office/infopath/2007/PartnerControls">
-  <documentManagement/>
-</p:properties>
+<file path=customXml/itemProps2.xml><?xml version="1.0" encoding="utf-8"?>
+<ds:datastoreItem xmlns:ds="http://schemas.openxmlformats.org/officeDocument/2006/customXml" ds:itemID="{A50EC660-24D0-43A0-AE5E-E274115E726B}">
+  <ds:schemaRefs>
+    <ds:schemaRef ds:uri="http://purl.org/dc/elements/1.1/"/>
+    <ds:schemaRef ds:uri="http://schemas.microsoft.com/office/2006/metadata/properties"/>
+    <ds:schemaRef ds:uri="http://purl.org/dc/terms/"/>
+    <ds:schemaRef ds:uri="http://schemas.openxmlformats.org/package/2006/metadata/core-properties"/>
+    <ds:schemaRef ds:uri="http://schemas.microsoft.com/office/2006/documentManagement/types"/>
+    <ds:schemaRef ds:uri="http://www.w3.org/XML/1998/namespace"/>
+    <ds:schemaRef ds:uri="http://purl.org/dc/dcmitype/"/>
+    <ds:schemaRef ds:uri="http://schemas.microsoft.com/office/infopath/2007/PartnerControls"/>
+  </ds:schemaRefs>
+</ds:datastoreItem>
 </file>
 
-<file path=customXml/itemProps1.xml><?xml version="1.0" encoding="utf-8"?>
+<file path=customXml/itemProps3.xml><?xml version="1.0" encoding="utf-8"?>
 <ds:datastoreItem xmlns:ds="http://schemas.openxmlformats.org/officeDocument/2006/customXml" ds:itemID="{E8DB7DEB-074E-4EE8-9B6E-FD277323109C}">
   <ds:schemaRefs>
     <ds:schemaRef ds:uri="http://schemas.microsoft.com/office/2006/metadata/contentType"/>
@@ -33707,27 +33702,4 @@
     <ds:schemaRef ds:uri="http://schemas.microsoft.com/office/internal/2005/internalDocumentation"/>
   </ds:schemaRefs>
 </ds:datastoreItem>
-</file>
-
-<file path=customXml/itemProps2.xml><?xml version="1.0" encoding="utf-8"?>
-<ds:datastoreItem xmlns:ds="http://schemas.openxmlformats.org/officeDocument/2006/customXml" ds:itemID="{19E20559-B232-4371-8690-E3D8007EDB82}">
-  <ds:schemaRefs>
-    <ds:schemaRef ds:uri="http://schemas.microsoft.com/sharepoint/v3/contenttype/forms"/>
-  </ds:schemaRefs>
-</ds:datastoreItem>
-</file>
-
-<file path=customXml/itemProps3.xml><?xml version="1.0" encoding="utf-8"?>
-<ds:datastoreItem xmlns:ds="http://schemas.openxmlformats.org/officeDocument/2006/customXml" ds:itemID="{A50EC660-24D0-43A0-AE5E-E274115E726B}">
-  <ds:schemaRefs>
-    <ds:schemaRef ds:uri="http://purl.org/dc/elements/1.1/"/>
-    <ds:schemaRef ds:uri="http://schemas.microsoft.com/office/2006/metadata/properties"/>
-    <ds:schemaRef ds:uri="http://purl.org/dc/terms/"/>
-    <ds:schemaRef ds:uri="http://schemas.openxmlformats.org/package/2006/metadata/core-properties"/>
-    <ds:schemaRef ds:uri="http://schemas.microsoft.com/office/2006/documentManagement/types"/>
-    <ds:schemaRef ds:uri="http://www.w3.org/XML/1998/namespace"/>
-    <ds:schemaRef ds:uri="http://purl.org/dc/dcmitype/"/>
-    <ds:schemaRef ds:uri="http://schemas.microsoft.com/office/infopath/2007/PartnerControls"/>
-  </ds:schemaRefs>
-</ds:datastoreItem>
 </file>
--- a/refactoring.pptx
+++ b/refactoring.pptx
@@ -12,7 +12,7 @@
   </p:handoutMasterIdLst>
   <p:sldIdLst>
     <p:sldId id="661" r:id="rId5"/>
-    <p:sldId id="662" r:id="rId6"/>
+    <p:sldId id="320" r:id="rId6"/>
     <p:sldId id="610" r:id="rId7"/>
     <p:sldId id="625" r:id="rId8"/>
     <p:sldId id="495" r:id="rId9"/>
@@ -295,7 +295,7 @@
           <a:p>
             <a:fld id="{0B842F42-2CE9-4E35-95C1-410DC08A50B1}" type="datetimeFigureOut">
               <a:rPr lang="en-US" smtClean="0"/>
-              <a:t>7/24/24</a:t>
+              <a:t>7/26/2024</a:t>
             </a:fld>
             <a:endParaRPr lang="en-US"/>
           </a:p>
@@ -460,7 +460,7 @@
           <a:p>
             <a:fld id="{6F282904-F315-4730-8D91-37D99E141A6F}" type="datetimeFigureOut">
               <a:rPr lang="en-US" smtClean="0"/>
-              <a:t>7/24/24</a:t>
+              <a:t>7/26/2024</a:t>
             </a:fld>
             <a:endParaRPr lang="en-US"/>
           </a:p>
@@ -6006,7 +6006,7 @@
         </p:nvSpPr>
         <p:spPr>
           <a:xfrm>
-            <a:off x="3176924" y="3792588"/>
+            <a:off x="3176924" y="4242168"/>
             <a:ext cx="8292316" cy="369332"/>
           </a:xfrm>
         </p:spPr>
@@ -6043,6 +6043,52 @@
           <a:lstStyle/>
           <a:p>
             <a:endParaRPr lang="en-US"/>
+          </a:p>
+        </p:txBody>
+      </p:sp>
+      <p:sp>
+        <p:nvSpPr>
+          <p:cNvPr id="7" name="TextBox 6">
+            <a:extLst>
+              <a:ext uri="{FF2B5EF4-FFF2-40B4-BE49-F238E27FC236}">
+                <a16:creationId xmlns:a16="http://schemas.microsoft.com/office/drawing/2014/main" id="{CF510F9B-ECC0-48AA-EEEC-787005932834}"/>
+              </a:ext>
+            </a:extLst>
+          </p:cNvPr>
+          <p:cNvSpPr txBox="1"/>
+          <p:nvPr/>
+        </p:nvSpPr>
+        <p:spPr>
+          <a:xfrm>
+            <a:off x="3176924" y="3096499"/>
+            <a:ext cx="7201516" cy="646331"/>
+          </a:xfrm>
+          <a:prstGeom prst="rect">
+            <a:avLst/>
+          </a:prstGeom>
+          <a:noFill/>
+        </p:spPr>
+        <p:txBody>
+          <a:bodyPr wrap="square">
+            <a:spAutoFit/>
+          </a:bodyPr>
+          <a:lstStyle/>
+          <a:p>
+            <a:pPr>
+              <a:spcBef>
+                <a:spcPts val="2800"/>
+              </a:spcBef>
+            </a:pPr>
+            <a:r>
+              <a:rPr lang="en-US" sz="1800" b="0" i="0" dirty="0">
+                <a:solidFill>
+                  <a:srgbClr val="111111"/>
+                </a:solidFill>
+                <a:effectLst/>
+                <a:latin typeface="+mn-lt"/>
+              </a:rPr>
+              <a:t>Software Productivity and Sustainability track @ Argonne Training Program on Extreme-Scale Computing summer school</a:t>
+            </a:r>
           </a:p>
         </p:txBody>
       </p:sp>
@@ -10433,36 +10479,26 @@
               <a:t>The requested citation the overall tutorial is: </a:t>
             </a:r>
             <a:r>
-              <a:rPr lang="en-US" sz="1600" b="0" i="0" dirty="0">
-                <a:solidFill>
-                  <a:srgbClr val="111111"/>
-                </a:solidFill>
-                <a:effectLst/>
-                <a:latin typeface="+mn-lt"/>
-              </a:rPr>
-              <a:t>Anshu Dubey, Better Scientific Software tutorial, in ISC High Performance (ISC24), Hamburg, Germany, and online, 2024. DOI: </a:t>
-            </a:r>
-            <a:r>
-              <a:rPr lang="en-US" sz="1600" b="0" i="0" u="none" strike="noStrike" dirty="0">
-                <a:solidFill>
-                  <a:srgbClr val="2A7AE2"/>
-                </a:solidFill>
-                <a:effectLst/>
-                <a:latin typeface="+mn-lt"/>
+              <a:rPr lang="en-US" sz="1600" dirty="0"/>
+              <a:t>Anshu Dubey, David E. Bernholdt, Todd Gamblin, and Jared O’Neal, Software Productivity and Sustainability track, in Argonne Training Program on Extreme-Scale Computing, St. Charles, Illinois, 2024. DOI: </a:t>
+            </a:r>
+            <a:r>
+              <a:rPr lang="en-US" sz="1600" dirty="0">
                 <a:hlinkClick r:id="rId4"/>
               </a:rPr>
-              <a:t>10.6084/m9.figshare.25686426</a:t>
-            </a:r>
-            <a:r>
-              <a:rPr lang="en-US" sz="1600" b="0" i="0" dirty="0">
-                <a:solidFill>
-                  <a:srgbClr val="111111"/>
-                </a:solidFill>
-                <a:effectLst/>
-                <a:latin typeface="+mn-lt"/>
-              </a:rPr>
+              <a:t>10.6084/m9.figshare.26384188</a:t>
+            </a:r>
+            <a:r>
+              <a:rPr lang="en-US" sz="1600" dirty="0"/>
               <a:t>.</a:t>
             </a:r>
+            <a:endParaRPr lang="en-US" sz="1600" b="0" i="0" dirty="0">
+              <a:solidFill>
+                <a:srgbClr val="111111"/>
+              </a:solidFill>
+              <a:effectLst/>
+              <a:latin typeface="+mn-lt"/>
+            </a:endParaRPr>
           </a:p>
           <a:p>
             <a:pPr>
@@ -10645,7 +10681,7 @@
     </p:spTree>
     <p:extLst>
       <p:ext uri="{BB962C8B-B14F-4D97-AF65-F5344CB8AC3E}">
-        <p14:creationId xmlns:p14="http://schemas.microsoft.com/office/powerpoint/2010/main" val="978726433"/>
+        <p14:creationId xmlns:p14="http://schemas.microsoft.com/office/powerpoint/2010/main" val="688247269"/>
       </p:ext>
     </p:extLst>
   </p:cSld>
@@ -33603,21 +33639,6 @@
 </file>
 
 <file path=customXml/item1.xml><?xml version="1.0" encoding="utf-8"?>
-<?mso-contentType ?>
-<FormTemplates xmlns="http://schemas.microsoft.com/sharepoint/v3/contenttype/forms">
-  <Display>DocumentLibraryForm</Display>
-  <Edit>DocumentLibraryForm</Edit>
-  <New>DocumentLibraryForm</New>
-</FormTemplates>
-</file>
-
-<file path=customXml/item2.xml><?xml version="1.0" encoding="utf-8"?>
-<p:properties xmlns:p="http://schemas.microsoft.com/office/2006/metadata/properties" xmlns:xsi="http://www.w3.org/2001/XMLSchema-instance" xmlns:pc="http://schemas.microsoft.com/office/infopath/2007/PartnerControls">
-  <documentManagement/>
-</p:properties>
-</file>
-
-<file path=customXml/item3.xml><?xml version="1.0" encoding="utf-8"?>
 <ct:contentTypeSchema xmlns:ct="http://schemas.microsoft.com/office/2006/metadata/contentType" xmlns:ma="http://schemas.microsoft.com/office/2006/metadata/properties/metaAttributes" ct:_="" ma:_="" ma:contentTypeName="Document" ma:contentTypeID="0x010100565464437F680748A68B85EB6594EA7D" ma:contentTypeVersion="0" ma:contentTypeDescription="Create a new document." ma:contentTypeScope="" ma:versionID="fe3f4dd58d5914c51cfc6deaa8ad845c">
   <xsd:schema xmlns:xsd="http://www.w3.org/2001/XMLSchema" xmlns:p="http://schemas.microsoft.com/office/2006/metadata/properties" targetNamespace="http://schemas.microsoft.com/office/2006/metadata/properties" ma:root="true" ma:fieldsID="4aeb20c0e3442673af7ee10786458764">
     <xsd:element name="properties">
@@ -33666,7 +33687,37 @@
 </ct:contentTypeSchema>
 </file>
 
+<file path=customXml/item2.xml><?xml version="1.0" encoding="utf-8"?>
+<?mso-contentType ?>
+<FormTemplates xmlns="http://schemas.microsoft.com/sharepoint/v3/contenttype/forms">
+  <Display>DocumentLibraryForm</Display>
+  <Edit>DocumentLibraryForm</Edit>
+  <New>DocumentLibraryForm</New>
+</FormTemplates>
+</file>
+
+<file path=customXml/item3.xml><?xml version="1.0" encoding="utf-8"?>
+<p:properties xmlns:p="http://schemas.microsoft.com/office/2006/metadata/properties" xmlns:xsi="http://www.w3.org/2001/XMLSchema-instance" xmlns:pc="http://schemas.microsoft.com/office/infopath/2007/PartnerControls">
+  <documentManagement/>
+</p:properties>
+</file>
+
 <file path=customXml/itemProps1.xml><?xml version="1.0" encoding="utf-8"?>
+<ds:datastoreItem xmlns:ds="http://schemas.openxmlformats.org/officeDocument/2006/customXml" ds:itemID="{E8DB7DEB-074E-4EE8-9B6E-FD277323109C}">
+  <ds:schemaRefs>
+    <ds:schemaRef ds:uri="http://schemas.microsoft.com/office/2006/metadata/contentType"/>
+    <ds:schemaRef ds:uri="http://schemas.microsoft.com/office/2006/metadata/properties/metaAttributes"/>
+    <ds:schemaRef ds:uri="http://www.w3.org/2001/XMLSchema"/>
+    <ds:schemaRef ds:uri="http://schemas.microsoft.com/office/2006/metadata/properties"/>
+    <ds:schemaRef ds:uri="http://schemas.openxmlformats.org/package/2006/metadata/core-properties"/>
+    <ds:schemaRef ds:uri="http://purl.org/dc/elements/1.1/"/>
+    <ds:schemaRef ds:uri="http://purl.org/dc/terms/"/>
+    <ds:schemaRef ds:uri="http://schemas.microsoft.com/office/internal/2005/internalDocumentation"/>
+  </ds:schemaRefs>
+</ds:datastoreItem>
+</file>
+
+<file path=customXml/itemProps2.xml><?xml version="1.0" encoding="utf-8"?>
 <ds:datastoreItem xmlns:ds="http://schemas.openxmlformats.org/officeDocument/2006/customXml" ds:itemID="{19E20559-B232-4371-8690-E3D8007EDB82}">
   <ds:schemaRefs>
     <ds:schemaRef ds:uri="http://schemas.microsoft.com/sharepoint/v3/contenttype/forms"/>
@@ -33674,7 +33725,7 @@
 </ds:datastoreItem>
 </file>
 
-<file path=customXml/itemProps2.xml><?xml version="1.0" encoding="utf-8"?>
+<file path=customXml/itemProps3.xml><?xml version="1.0" encoding="utf-8"?>
 <ds:datastoreItem xmlns:ds="http://schemas.openxmlformats.org/officeDocument/2006/customXml" ds:itemID="{A50EC660-24D0-43A0-AE5E-E274115E726B}">
   <ds:schemaRefs>
     <ds:schemaRef ds:uri="http://purl.org/dc/elements/1.1/"/>
@@ -33687,19 +33738,4 @@
     <ds:schemaRef ds:uri="http://schemas.microsoft.com/office/infopath/2007/PartnerControls"/>
   </ds:schemaRefs>
 </ds:datastoreItem>
-</file>
-
-<file path=customXml/itemProps3.xml><?xml version="1.0" encoding="utf-8"?>
-<ds:datastoreItem xmlns:ds="http://schemas.openxmlformats.org/officeDocument/2006/customXml" ds:itemID="{E8DB7DEB-074E-4EE8-9B6E-FD277323109C}">
-  <ds:schemaRefs>
-    <ds:schemaRef ds:uri="http://schemas.microsoft.com/office/2006/metadata/contentType"/>
-    <ds:schemaRef ds:uri="http://schemas.microsoft.com/office/2006/metadata/properties/metaAttributes"/>
-    <ds:schemaRef ds:uri="http://www.w3.org/2001/XMLSchema"/>
-    <ds:schemaRef ds:uri="http://schemas.microsoft.com/office/2006/metadata/properties"/>
-    <ds:schemaRef ds:uri="http://schemas.openxmlformats.org/package/2006/metadata/core-properties"/>
-    <ds:schemaRef ds:uri="http://purl.org/dc/elements/1.1/"/>
-    <ds:schemaRef ds:uri="http://purl.org/dc/terms/"/>
-    <ds:schemaRef ds:uri="http://schemas.microsoft.com/office/internal/2005/internalDocumentation"/>
-  </ds:schemaRefs>
-</ds:datastoreItem>
 </file>